--- a/Version Control Protocols.pptx
+++ b/Version Control Protocols.pptx
@@ -7,6 +7,8 @@
   <p:sldIdLst>
     <p:sldId id="256" r:id="rId2"/>
     <p:sldId id="257" r:id="rId3"/>
+    <p:sldId id="258" r:id="rId4"/>
+    <p:sldId id="259" r:id="rId5"/>
   </p:sldIdLst>
   <p:sldSz cx="12192000" cy="6858000"/>
   <p:notesSz cx="6858000" cy="9144000"/>
@@ -105,6 +107,11 @@
       </a:defRPr>
     </a:lvl9pPr>
   </p:defaultTextStyle>
+  <p:extLst>
+    <p:ext uri="{EFAFB233-063F-42B5-8137-9DF3F51BA10A}">
+      <p15:sldGuideLst xmlns:p15="http://schemas.microsoft.com/office/powerpoint/2012/main"/>
+    </p:ext>
+  </p:extLst>
 </p:presentation>
 </file>
 
@@ -3278,6 +3285,13 @@
   <p:clrMapOvr>
     <a:masterClrMapping/>
   </p:clrMapOvr>
+  <p:timing>
+    <p:tnLst>
+      <p:par>
+        <p:cTn id="1" dur="indefinite" restart="never" nodeType="tmRoot"/>
+      </p:par>
+    </p:tnLst>
+  </p:timing>
 </p:sld>
 </file>
 
@@ -3308,31 +3322,290 @@
             <p:ph type="title"/>
           </p:nvPr>
         </p:nvSpPr>
-        <p:spPr/>
-        <p:txBody>
-          <a:bodyPr/>
-          <a:lstStyle/>
-          <a:p>
-            <a:endParaRPr lang="tr-TR"/>
-          </a:p>
-        </p:txBody>
-      </p:sp>
-      <p:sp>
-        <p:nvSpPr>
-          <p:cNvPr id="3" name="İçerik Yer Tutucusu 2"/>
-          <p:cNvSpPr>
-            <a:spLocks noGrp="1"/>
-          </p:cNvSpPr>
+        <p:spPr>
+          <a:xfrm>
+            <a:off x="839788" y="0"/>
+            <a:ext cx="3932237" cy="762000"/>
+          </a:xfrm>
+        </p:spPr>
+        <p:txBody>
+          <a:bodyPr/>
+          <a:lstStyle/>
+          <a:p>
+            <a:r>
+              <a:rPr lang="tr-TR" dirty="0" err="1" smtClean="0"/>
+              <a:t>Position</a:t>
+            </a:r>
+            <a:r>
+              <a:rPr lang="tr-TR" dirty="0" smtClean="0"/>
+              <a:t> of Protocol</a:t>
+            </a:r>
+            <a:endParaRPr lang="tr-TR" dirty="0"/>
+          </a:p>
+        </p:txBody>
+      </p:sp>
+      <p:pic>
+        <p:nvPicPr>
+          <p:cNvPr id="7" name="İçerik Yer Tutucusu 6"/>
+          <p:cNvPicPr>
+            <a:picLocks noGrp="1" noChangeAspect="1"/>
+          </p:cNvPicPr>
           <p:nvPr>
             <p:ph idx="1"/>
           </p:nvPr>
-        </p:nvSpPr>
-        <p:spPr/>
-        <p:txBody>
-          <a:bodyPr/>
-          <a:lstStyle/>
-          <a:p>
-            <a:endParaRPr lang="tr-TR"/>
+        </p:nvPicPr>
+        <p:blipFill>
+          <a:blip r:embed="rId2"/>
+          <a:stretch>
+            <a:fillRect/>
+          </a:stretch>
+        </p:blipFill>
+        <p:spPr>
+          <a:xfrm>
+            <a:off x="8931021" y="3801872"/>
+            <a:ext cx="3114675" cy="2067116"/>
+          </a:xfrm>
+          <a:prstGeom prst="rect">
+            <a:avLst/>
+          </a:prstGeom>
+        </p:spPr>
+      </p:pic>
+      <p:sp>
+        <p:nvSpPr>
+          <p:cNvPr id="6" name="Metin Yer Tutucusu 5"/>
+          <p:cNvSpPr>
+            <a:spLocks noGrp="1"/>
+          </p:cNvSpPr>
+          <p:nvPr>
+            <p:ph type="body" sz="half" idx="2"/>
+          </p:nvPr>
+        </p:nvSpPr>
+        <p:spPr>
+          <a:xfrm>
+            <a:off x="839788" y="762000"/>
+            <a:ext cx="11205908" cy="5772912"/>
+          </a:xfrm>
+        </p:spPr>
+        <p:txBody>
+          <a:bodyPr/>
+          <a:lstStyle/>
+          <a:p>
+            <a:r>
+              <a:rPr lang="tr-TR" dirty="0" smtClean="0"/>
+              <a:t>IEEE Software life </a:t>
+            </a:r>
+            <a:r>
+              <a:rPr lang="tr-TR" dirty="0" err="1" smtClean="0"/>
+              <a:t>cycle</a:t>
+            </a:r>
+            <a:r>
+              <a:rPr lang="tr-TR" dirty="0" err="1" smtClean="0">
+                <a:sym typeface="Wingdings" panose="05000000000000000000" pitchFamily="2" charset="2"/>
+              </a:rPr>
+              <a:t>SCMVersion</a:t>
+            </a:r>
+            <a:r>
+              <a:rPr lang="tr-TR" dirty="0" smtClean="0">
+                <a:sym typeface="Wingdings" panose="05000000000000000000" pitchFamily="2" charset="2"/>
+              </a:rPr>
+              <a:t> Control</a:t>
+            </a:r>
+          </a:p>
+          <a:p>
+            <a:r>
+              <a:rPr lang="tr-TR" sz="2000" b="1" dirty="0" smtClean="0">
+                <a:sym typeface="Wingdings" panose="05000000000000000000" pitchFamily="2" charset="2"/>
+              </a:rPr>
+              <a:t>SCM</a:t>
+            </a:r>
+          </a:p>
+          <a:p>
+            <a:pPr marL="285750" indent="-285750">
+              <a:buFont typeface="Arial" panose="020B0604020202020204" pitchFamily="34" charset="0"/>
+              <a:buChar char="•"/>
+            </a:pPr>
+            <a:r>
+              <a:rPr lang="en-US" dirty="0"/>
+              <a:t>Configuration identification - Identifying configurations, </a:t>
+            </a:r>
+            <a:r>
+              <a:rPr lang="en-US" dirty="0">
+                <a:hlinkClick r:id="rId3" tooltip="Configuration item"/>
+              </a:rPr>
+              <a:t>configuration items</a:t>
+            </a:r>
+            <a:r>
+              <a:rPr lang="en-US" dirty="0"/>
+              <a:t> and </a:t>
+            </a:r>
+            <a:r>
+              <a:rPr lang="en-US" dirty="0">
+                <a:hlinkClick r:id="rId4" tooltip="Baseline (configuration management)"/>
+              </a:rPr>
+              <a:t>baselines</a:t>
+            </a:r>
+            <a:r>
+              <a:rPr lang="en-US" dirty="0"/>
+              <a:t>.</a:t>
+            </a:r>
+          </a:p>
+          <a:p>
+            <a:pPr marL="285750" indent="-285750">
+              <a:buFont typeface="Arial" panose="020B0604020202020204" pitchFamily="34" charset="0"/>
+              <a:buChar char="•"/>
+            </a:pPr>
+            <a:r>
+              <a:rPr lang="en-US" dirty="0"/>
+              <a:t>Configuration control - Implementing a </a:t>
+            </a:r>
+            <a:r>
+              <a:rPr lang="en-US" dirty="0">
+                <a:hlinkClick r:id="rId5" tooltip="Change control"/>
+              </a:rPr>
+              <a:t>controlled change</a:t>
+            </a:r>
+            <a:r>
+              <a:rPr lang="en-US" dirty="0"/>
+              <a:t> process. This is usually achieved by setting up a </a:t>
+            </a:r>
+            <a:r>
+              <a:rPr lang="en-US" dirty="0">
+                <a:hlinkClick r:id="rId6" tooltip="Change control board"/>
+              </a:rPr>
+              <a:t>change control board</a:t>
+            </a:r>
+            <a:r>
+              <a:rPr lang="en-US" dirty="0"/>
+              <a:t> whose primary function is to approve or reject all change requests that are sent against any baseline.</a:t>
+            </a:r>
+          </a:p>
+          <a:p>
+            <a:pPr marL="285750" indent="-285750">
+              <a:buFont typeface="Arial" panose="020B0604020202020204" pitchFamily="34" charset="0"/>
+              <a:buChar char="•"/>
+            </a:pPr>
+            <a:r>
+              <a:rPr lang="en-US" dirty="0"/>
+              <a:t>Configuration status accounting - Recording and reporting all the necessary information on the status of the development process.</a:t>
+            </a:r>
+          </a:p>
+          <a:p>
+            <a:pPr marL="285750" indent="-285750">
+              <a:buFont typeface="Arial" panose="020B0604020202020204" pitchFamily="34" charset="0"/>
+              <a:buChar char="•"/>
+            </a:pPr>
+            <a:r>
+              <a:rPr lang="en-US" dirty="0"/>
+              <a:t>Configuration auditing - Ensuring that configurations contain all their intended parts and are sound with respect to their specifying documents, including requirements, architectural specifications and user manuals.</a:t>
+            </a:r>
+          </a:p>
+          <a:p>
+            <a:pPr marL="285750" indent="-285750">
+              <a:buFont typeface="Arial" panose="020B0604020202020204" pitchFamily="34" charset="0"/>
+              <a:buChar char="•"/>
+            </a:pPr>
+            <a:r>
+              <a:rPr lang="en-US" dirty="0">
+                <a:hlinkClick r:id="rId7" tooltip="Build management"/>
+              </a:rPr>
+              <a:t>Build management</a:t>
+            </a:r>
+            <a:r>
+              <a:rPr lang="en-US" dirty="0"/>
+              <a:t> - Managing the process and tools used for builds.</a:t>
+            </a:r>
+          </a:p>
+          <a:p>
+            <a:pPr marL="285750" indent="-285750">
+              <a:buFont typeface="Arial" panose="020B0604020202020204" pitchFamily="34" charset="0"/>
+              <a:buChar char="•"/>
+            </a:pPr>
+            <a:r>
+              <a:rPr lang="en-US" dirty="0">
+                <a:hlinkClick r:id="rId8" tooltip="Process management (computing)"/>
+              </a:rPr>
+              <a:t>Process management</a:t>
+            </a:r>
+            <a:r>
+              <a:rPr lang="en-US" dirty="0"/>
+              <a:t> - Ensuring adherence to the organization's development process.</a:t>
+            </a:r>
+          </a:p>
+          <a:p>
+            <a:pPr marL="285750" indent="-285750">
+              <a:buFont typeface="Arial" panose="020B0604020202020204" pitchFamily="34" charset="0"/>
+              <a:buChar char="•"/>
+            </a:pPr>
+            <a:r>
+              <a:rPr lang="en-US" dirty="0"/>
+              <a:t>Environment management - Managing the software and hardware that host the system.</a:t>
+            </a:r>
+          </a:p>
+          <a:p>
+            <a:pPr marL="285750" indent="-285750">
+              <a:buFont typeface="Arial" panose="020B0604020202020204" pitchFamily="34" charset="0"/>
+              <a:buChar char="•"/>
+            </a:pPr>
+            <a:r>
+              <a:rPr lang="en-US" dirty="0">
+                <a:hlinkClick r:id="rId9" tooltip="Teamwork"/>
+              </a:rPr>
+              <a:t>Teamwork</a:t>
+            </a:r>
+            <a:r>
+              <a:rPr lang="en-US" dirty="0"/>
+              <a:t> - Facilitate team interactions related to the process.</a:t>
+            </a:r>
+          </a:p>
+          <a:p>
+            <a:pPr marL="285750" indent="-285750">
+              <a:buFont typeface="Arial" panose="020B0604020202020204" pitchFamily="34" charset="0"/>
+              <a:buChar char="•"/>
+            </a:pPr>
+            <a:r>
+              <a:rPr lang="en-US" dirty="0"/>
+              <a:t>Defect tracking - Making sure every defect has traceability back to the source.</a:t>
+            </a:r>
+          </a:p>
+          <a:p>
+            <a:r>
+              <a:rPr lang="en-US" dirty="0"/>
+              <a:t>With the introduction of </a:t>
+            </a:r>
+            <a:r>
+              <a:rPr lang="en-US" dirty="0">
+                <a:hlinkClick r:id="rId10" tooltip="Cloud computing"/>
+              </a:rPr>
+              <a:t>cloud computing</a:t>
+            </a:r>
+            <a:r>
+              <a:rPr lang="en-US" dirty="0"/>
+              <a:t> and </a:t>
+            </a:r>
+            <a:r>
+              <a:rPr lang="en-US" dirty="0">
+                <a:hlinkClick r:id="rId11" tooltip="DevOps"/>
+              </a:rPr>
+              <a:t>DevOps</a:t>
+            </a:r>
+            <a:r>
+              <a:rPr lang="en-US" dirty="0"/>
+              <a:t> the purposes of SCM tools have become </a:t>
+            </a:r>
+            <a:endParaRPr lang="tr-TR" dirty="0" smtClean="0"/>
+          </a:p>
+          <a:p>
+            <a:r>
+              <a:rPr lang="en-US" dirty="0" smtClean="0"/>
+              <a:t>merged </a:t>
+            </a:r>
+            <a:r>
+              <a:rPr lang="en-US" dirty="0"/>
+              <a:t>in some cases. </a:t>
+            </a:r>
+            <a:endParaRPr lang="tr-TR" dirty="0" smtClean="0">
+              <a:sym typeface="Wingdings" panose="05000000000000000000" pitchFamily="2" charset="2"/>
+            </a:endParaRPr>
           </a:p>
         </p:txBody>
       </p:sp>
@@ -3340,6 +3613,524 @@
     <p:extLst>
       <p:ext uri="{BB962C8B-B14F-4D97-AF65-F5344CB8AC3E}">
         <p14:creationId xmlns:p14="http://schemas.microsoft.com/office/powerpoint/2010/main" val="2047714728"/>
+      </p:ext>
+    </p:extLst>
+  </p:cSld>
+  <p:clrMapOvr>
+    <a:masterClrMapping/>
+  </p:clrMapOvr>
+  <p:timing>
+    <p:tnLst>
+      <p:par>
+        <p:cTn id="1" dur="indefinite" restart="never" nodeType="tmRoot"/>
+      </p:par>
+    </p:tnLst>
+  </p:timing>
+</p:sld>
+</file>
+
+<file path=ppt/slides/slide3.xml><?xml version="1.0" encoding="utf-8"?>
+<p:sld xmlns:a="http://schemas.openxmlformats.org/drawingml/2006/main" xmlns:r="http://schemas.openxmlformats.org/officeDocument/2006/relationships" xmlns:p="http://schemas.openxmlformats.org/presentationml/2006/main">
+  <p:cSld>
+    <p:spTree>
+      <p:nvGrpSpPr>
+        <p:cNvPr id="1" name=""/>
+        <p:cNvGrpSpPr/>
+        <p:nvPr/>
+      </p:nvGrpSpPr>
+      <p:grpSpPr>
+        <a:xfrm>
+          <a:off x="0" y="0"/>
+          <a:ext cx="0" cy="0"/>
+          <a:chOff x="0" y="0"/>
+          <a:chExt cx="0" cy="0"/>
+        </a:xfrm>
+      </p:grpSpPr>
+      <p:sp>
+        <p:nvSpPr>
+          <p:cNvPr id="5" name="Unvan 4"/>
+          <p:cNvSpPr>
+            <a:spLocks noGrp="1"/>
+          </p:cNvSpPr>
+          <p:nvPr>
+            <p:ph type="title"/>
+          </p:nvPr>
+        </p:nvSpPr>
+        <p:spPr/>
+        <p:txBody>
+          <a:bodyPr/>
+          <a:lstStyle/>
+          <a:p>
+            <a:r>
+              <a:rPr lang="tr-TR" dirty="0" err="1" smtClean="0"/>
+              <a:t>Version</a:t>
+            </a:r>
+            <a:r>
+              <a:rPr lang="tr-TR" dirty="0" smtClean="0"/>
+              <a:t> Control</a:t>
+            </a:r>
+            <a:endParaRPr lang="tr-TR" dirty="0"/>
+          </a:p>
+        </p:txBody>
+      </p:sp>
+      <p:sp>
+        <p:nvSpPr>
+          <p:cNvPr id="6" name="İçerik Yer Tutucusu 5"/>
+          <p:cNvSpPr>
+            <a:spLocks noGrp="1"/>
+          </p:cNvSpPr>
+          <p:nvPr>
+            <p:ph idx="1"/>
+          </p:nvPr>
+        </p:nvSpPr>
+        <p:spPr/>
+        <p:txBody>
+          <a:bodyPr/>
+          <a:lstStyle/>
+          <a:p>
+            <a:r>
+              <a:rPr lang="en-US" dirty="0"/>
+              <a:t>In computer </a:t>
+            </a:r>
+            <a:r>
+              <a:rPr lang="en-US" dirty="0">
+                <a:hlinkClick r:id="rId2" tooltip="Software engineering"/>
+              </a:rPr>
+              <a:t>software engineering</a:t>
+            </a:r>
+            <a:r>
+              <a:rPr lang="en-US" dirty="0"/>
+              <a:t>, revision control is any kind of practice that tracks and provides control over changes to </a:t>
+            </a:r>
+            <a:r>
+              <a:rPr lang="en-US" dirty="0">
+                <a:hlinkClick r:id="rId3" tooltip="Source code"/>
+              </a:rPr>
+              <a:t>source </a:t>
+            </a:r>
+            <a:r>
+              <a:rPr lang="en-US" dirty="0" smtClean="0">
+                <a:hlinkClick r:id="rId3" tooltip="Source code"/>
+              </a:rPr>
+              <a:t>code</a:t>
+            </a:r>
+            <a:r>
+              <a:rPr lang="tr-TR" dirty="0" smtClean="0"/>
+              <a:t>, </a:t>
+            </a:r>
+            <a:r>
+              <a:rPr lang="tr-TR" dirty="0" err="1" smtClean="0"/>
+              <a:t>document</a:t>
+            </a:r>
+            <a:r>
+              <a:rPr lang="tr-TR" dirty="0" smtClean="0"/>
+              <a:t>, </a:t>
+            </a:r>
+            <a:r>
+              <a:rPr lang="tr-TR" dirty="0" err="1" smtClean="0"/>
+              <a:t>configuretion</a:t>
+            </a:r>
+            <a:r>
+              <a:rPr lang="tr-TR" dirty="0" smtClean="0"/>
+              <a:t> </a:t>
+            </a:r>
+            <a:r>
+              <a:rPr lang="tr-TR" dirty="0" err="1" smtClean="0"/>
+              <a:t>files</a:t>
+            </a:r>
+            <a:r>
+              <a:rPr lang="tr-TR" dirty="0" smtClean="0"/>
+              <a:t>…</a:t>
+            </a:r>
+          </a:p>
+          <a:p>
+            <a:r>
+              <a:rPr lang="en-US" dirty="0"/>
+              <a:t>As teams design, develop and deploy software, it is common for multiple versions of the same </a:t>
+            </a:r>
+            <a:r>
+              <a:rPr lang="en-US" dirty="0" smtClean="0"/>
+              <a:t>software</a:t>
+            </a:r>
+            <a:endParaRPr lang="tr-TR" dirty="0" smtClean="0"/>
+          </a:p>
+          <a:p>
+            <a:r>
+              <a:rPr lang="en-US" dirty="0"/>
+              <a:t>At the simplest level, developers could simply retain multiple copies of the different versions of the program, and label them </a:t>
+            </a:r>
+            <a:r>
+              <a:rPr lang="en-US" dirty="0" smtClean="0"/>
+              <a:t>appropriately</a:t>
+            </a:r>
+            <a:endParaRPr lang="tr-TR" dirty="0" smtClean="0"/>
+          </a:p>
+          <a:p>
+            <a:pPr marL="0" indent="0">
+              <a:buNone/>
+            </a:pPr>
+            <a:endParaRPr lang="tr-TR" dirty="0"/>
+          </a:p>
+        </p:txBody>
+      </p:sp>
+    </p:spTree>
+    <p:extLst>
+      <p:ext uri="{BB962C8B-B14F-4D97-AF65-F5344CB8AC3E}">
+        <p14:creationId xmlns:p14="http://schemas.microsoft.com/office/powerpoint/2010/main" val="2590588202"/>
+      </p:ext>
+    </p:extLst>
+  </p:cSld>
+  <p:clrMapOvr>
+    <a:masterClrMapping/>
+  </p:clrMapOvr>
+</p:sld>
+</file>
+
+<file path=ppt/slides/slide4.xml><?xml version="1.0" encoding="utf-8"?>
+<p:sld xmlns:a="http://schemas.openxmlformats.org/drawingml/2006/main" xmlns:r="http://schemas.openxmlformats.org/officeDocument/2006/relationships" xmlns:p="http://schemas.openxmlformats.org/presentationml/2006/main">
+  <p:cSld>
+    <p:spTree>
+      <p:nvGrpSpPr>
+        <p:cNvPr id="1" name=""/>
+        <p:cNvGrpSpPr/>
+        <p:nvPr/>
+      </p:nvGrpSpPr>
+      <p:grpSpPr>
+        <a:xfrm>
+          <a:off x="0" y="0"/>
+          <a:ext cx="0" cy="0"/>
+          <a:chOff x="0" y="0"/>
+          <a:chExt cx="0" cy="0"/>
+        </a:xfrm>
+      </p:grpSpPr>
+      <p:sp>
+        <p:nvSpPr>
+          <p:cNvPr id="2" name="Unvan 1"/>
+          <p:cNvSpPr>
+            <a:spLocks noGrp="1"/>
+          </p:cNvSpPr>
+          <p:nvPr>
+            <p:ph type="title"/>
+          </p:nvPr>
+        </p:nvSpPr>
+        <p:spPr>
+          <a:xfrm>
+            <a:off x="838200" y="267589"/>
+            <a:ext cx="10515600" cy="744347"/>
+          </a:xfrm>
+        </p:spPr>
+        <p:txBody>
+          <a:bodyPr>
+            <a:normAutofit/>
+          </a:bodyPr>
+          <a:lstStyle/>
+          <a:p>
+            <a:pPr algn="ctr"/>
+            <a:r>
+              <a:rPr lang="tr-TR" dirty="0" err="1" smtClean="0"/>
+              <a:t>Version</a:t>
+            </a:r>
+            <a:r>
+              <a:rPr lang="tr-TR" dirty="0" smtClean="0"/>
+              <a:t> Control </a:t>
+            </a:r>
+            <a:r>
+              <a:rPr lang="tr-TR" dirty="0" err="1"/>
+              <a:t>C</a:t>
+            </a:r>
+            <a:r>
+              <a:rPr lang="tr-TR" dirty="0" err="1" smtClean="0"/>
+              <a:t>oftware</a:t>
+            </a:r>
+            <a:r>
+              <a:rPr lang="tr-TR" dirty="0" smtClean="0"/>
+              <a:t> Model</a:t>
+            </a:r>
+            <a:endParaRPr lang="tr-TR" dirty="0"/>
+          </a:p>
+        </p:txBody>
+      </p:sp>
+      <p:sp>
+        <p:nvSpPr>
+          <p:cNvPr id="3" name="İçerik Yer Tutucusu 2"/>
+          <p:cNvSpPr>
+            <a:spLocks noGrp="1"/>
+          </p:cNvSpPr>
+          <p:nvPr>
+            <p:ph idx="1"/>
+          </p:nvPr>
+        </p:nvSpPr>
+        <p:spPr>
+          <a:xfrm>
+            <a:off x="838200" y="1011936"/>
+            <a:ext cx="10515600" cy="5846064"/>
+          </a:xfrm>
+        </p:spPr>
+        <p:txBody>
+          <a:bodyPr>
+            <a:normAutofit lnSpcReduction="10000"/>
+          </a:bodyPr>
+          <a:lstStyle/>
+          <a:p>
+            <a:pPr>
+              <a:buFont typeface="Wingdings" panose="05000000000000000000" pitchFamily="2" charset="2"/>
+              <a:buChar char="Ø"/>
+            </a:pPr>
+            <a:r>
+              <a:rPr lang="tr-TR" dirty="0" err="1"/>
+              <a:t>Local</a:t>
+            </a:r>
+            <a:r>
+              <a:rPr lang="tr-TR" dirty="0"/>
+              <a:t> data </a:t>
+            </a:r>
+            <a:r>
+              <a:rPr lang="tr-TR" dirty="0" smtClean="0"/>
+              <a:t>model</a:t>
+            </a:r>
+          </a:p>
+          <a:p>
+            <a:pPr marL="0" indent="0">
+              <a:buNone/>
+            </a:pPr>
+            <a:r>
+              <a:rPr lang="tr-TR" dirty="0" smtClean="0"/>
+              <a:t>	</a:t>
+            </a:r>
+            <a:r>
+              <a:rPr lang="en-US" i="1" dirty="0"/>
+              <a:t>In the local-only approach, all developers must use the same file system</a:t>
+            </a:r>
+            <a:r>
+              <a:rPr lang="en-US" dirty="0" smtClean="0"/>
+              <a:t>.</a:t>
+            </a:r>
+            <a:r>
+              <a:rPr lang="tr-TR" dirty="0" smtClean="0"/>
+              <a:t>(</a:t>
+            </a:r>
+            <a:r>
+              <a:rPr lang="tr-TR" u="sng" dirty="0" err="1">
+                <a:hlinkClick r:id="rId2"/>
+              </a:rPr>
+              <a:t>Revision</a:t>
+            </a:r>
+            <a:r>
+              <a:rPr lang="tr-TR" u="sng" dirty="0">
+                <a:hlinkClick r:id="rId2"/>
+              </a:rPr>
+              <a:t> Control </a:t>
+            </a:r>
+            <a:r>
+              <a:rPr lang="tr-TR" u="sng" dirty="0" err="1">
+                <a:hlinkClick r:id="rId2"/>
+              </a:rPr>
+              <a:t>System</a:t>
+            </a:r>
+            <a:r>
+              <a:rPr lang="tr-TR" dirty="0"/>
+              <a:t> (RCS</a:t>
+            </a:r>
+            <a:r>
+              <a:rPr lang="tr-TR" dirty="0" smtClean="0"/>
+              <a:t>),</a:t>
+            </a:r>
+            <a:r>
+              <a:rPr lang="en-US" u="sng" dirty="0">
+                <a:hlinkClick r:id="rId3"/>
+              </a:rPr>
+              <a:t> Source Code Control System</a:t>
+            </a:r>
+            <a:r>
+              <a:rPr lang="en-US" dirty="0"/>
+              <a:t> (SCCS) – part of </a:t>
+            </a:r>
+            <a:r>
+              <a:rPr lang="en-US" dirty="0">
+                <a:hlinkClick r:id="rId4" tooltip="Unix"/>
+              </a:rPr>
+              <a:t>UNIX</a:t>
+            </a:r>
+            <a:r>
+              <a:rPr lang="tr-TR" dirty="0" smtClean="0"/>
+              <a:t>)</a:t>
+            </a:r>
+            <a:endParaRPr lang="tr-TR" dirty="0"/>
+          </a:p>
+          <a:p>
+            <a:pPr>
+              <a:buFont typeface="Wingdings" panose="05000000000000000000" pitchFamily="2" charset="2"/>
+              <a:buChar char="Ø"/>
+            </a:pPr>
+            <a:r>
+              <a:rPr lang="tr-TR" dirty="0"/>
+              <a:t>Client-server </a:t>
+            </a:r>
+            <a:r>
+              <a:rPr lang="tr-TR" dirty="0" smtClean="0"/>
+              <a:t>model </a:t>
+            </a:r>
+          </a:p>
+          <a:p>
+            <a:pPr marL="0" indent="0">
+              <a:buNone/>
+            </a:pPr>
+            <a:r>
+              <a:rPr lang="en-US" i="1" dirty="0"/>
+              <a:t>In the client-server model, developers use a shared single repository</a:t>
+            </a:r>
+            <a:r>
+              <a:rPr lang="en-US" dirty="0" smtClean="0"/>
+              <a:t>.</a:t>
+            </a:r>
+            <a:endParaRPr lang="tr-TR" dirty="0" smtClean="0"/>
+          </a:p>
+          <a:p>
+            <a:pPr marL="0" indent="0">
+              <a:buNone/>
+            </a:pPr>
+            <a:r>
+              <a:rPr lang="tr-TR" dirty="0" smtClean="0">
+                <a:hlinkClick r:id="rId5" tooltip="IBM Rational ClearCase"/>
+              </a:rPr>
+              <a:t>IBM </a:t>
+            </a:r>
+            <a:r>
+              <a:rPr lang="tr-TR" dirty="0" err="1">
+                <a:hlinkClick r:id="rId5" tooltip="IBM Rational ClearCase"/>
+              </a:rPr>
+              <a:t>Rational</a:t>
+            </a:r>
+            <a:r>
+              <a:rPr lang="tr-TR" dirty="0">
+                <a:hlinkClick r:id="rId5" tooltip="IBM Rational ClearCase"/>
+              </a:rPr>
+              <a:t> </a:t>
+            </a:r>
+            <a:r>
+              <a:rPr lang="tr-TR" dirty="0" err="1" smtClean="0">
+                <a:hlinkClick r:id="rId5" tooltip="IBM Rational ClearCase"/>
+              </a:rPr>
+              <a:t>ClearCase</a:t>
+            </a:r>
+            <a:r>
+              <a:rPr lang="tr-TR" dirty="0" smtClean="0"/>
+              <a:t>,</a:t>
+            </a:r>
+            <a:r>
+              <a:rPr lang="en-US" dirty="0">
+                <a:hlinkClick r:id="rId6" tooltip="Visual SourceSafe"/>
+              </a:rPr>
+              <a:t> Visual SourceSafe</a:t>
+            </a:r>
+            <a:r>
+              <a:rPr lang="en-US" dirty="0"/>
+              <a:t> </a:t>
+            </a:r>
+            <a:r>
+              <a:rPr lang="en-US" dirty="0" smtClean="0"/>
+              <a:t>–by</a:t>
+            </a:r>
+            <a:r>
+              <a:rPr lang="en-US" dirty="0"/>
+              <a:t> </a:t>
+            </a:r>
+            <a:r>
+              <a:rPr lang="en-US" dirty="0">
+                <a:hlinkClick r:id="rId7" tooltip="Microsoft"/>
+              </a:rPr>
+              <a:t>Microsoft</a:t>
+            </a:r>
+            <a:r>
+              <a:rPr lang="en-US" dirty="0"/>
+              <a:t>; oriented toward small </a:t>
+            </a:r>
+            <a:r>
+              <a:rPr lang="en-US" dirty="0" smtClean="0"/>
+              <a:t>teams</a:t>
+            </a:r>
+            <a:r>
+              <a:rPr lang="tr-TR" dirty="0"/>
+              <a:t> </a:t>
+            </a:r>
+            <a:endParaRPr lang="tr-TR" dirty="0" smtClean="0"/>
+          </a:p>
+          <a:p>
+            <a:pPr marL="0" indent="0">
+              <a:buNone/>
+            </a:pPr>
+            <a:r>
+              <a:rPr lang="en-US" dirty="0">
+                <a:hlinkClick r:id="rId8" tooltip="Azure DevOps Server"/>
+              </a:rPr>
+              <a:t>Team Foundation Version Control</a:t>
+            </a:r>
+            <a:r>
+              <a:rPr lang="en-US" dirty="0"/>
+              <a:t>  - </a:t>
+            </a:r>
+            <a:r>
+              <a:rPr lang="en-US" dirty="0" smtClean="0"/>
+              <a:t>by</a:t>
+            </a:r>
+            <a:r>
+              <a:rPr lang="en-US" dirty="0"/>
+              <a:t> </a:t>
+            </a:r>
+            <a:r>
+              <a:rPr lang="en-US" dirty="0">
+                <a:hlinkClick r:id="rId7" tooltip="Microsoft"/>
+              </a:rPr>
+              <a:t>Microsoft</a:t>
+            </a:r>
+            <a:r>
+              <a:rPr lang="en-US" dirty="0"/>
+              <a:t> for Team Foundation Server, now </a:t>
+            </a:r>
+            <a:r>
+              <a:rPr lang="en-US" dirty="0">
+                <a:hlinkClick r:id="rId9" tooltip="Azure DevOps Server"/>
+              </a:rPr>
+              <a:t>Azure DevOps </a:t>
+            </a:r>
+            <a:r>
+              <a:rPr lang="en-US" dirty="0" smtClean="0">
+                <a:hlinkClick r:id="rId9" tooltip="Azure DevOps Server"/>
+              </a:rPr>
+              <a:t>Server</a:t>
+            </a:r>
+            <a:endParaRPr lang="tr-TR" dirty="0"/>
+          </a:p>
+          <a:p>
+            <a:pPr>
+              <a:buFont typeface="Wingdings" panose="05000000000000000000" pitchFamily="2" charset="2"/>
+              <a:buChar char="Ø"/>
+            </a:pPr>
+            <a:r>
+              <a:rPr lang="tr-TR" dirty="0" smtClean="0"/>
+              <a:t>Distributed </a:t>
+            </a:r>
+            <a:r>
+              <a:rPr lang="tr-TR" dirty="0"/>
+              <a:t>model</a:t>
+            </a:r>
+          </a:p>
+          <a:p>
+            <a:pPr marL="0" indent="0">
+              <a:buNone/>
+            </a:pPr>
+            <a:r>
+              <a:rPr lang="en-US" i="1" dirty="0"/>
+              <a:t>In the distributed approach, each developer works directly with their own local repository, and changes are shared between repositories as a separate step.</a:t>
+            </a:r>
+            <a:endParaRPr lang="tr-TR" i="1" dirty="0" smtClean="0"/>
+          </a:p>
+        </p:txBody>
+      </p:sp>
+    </p:spTree>
+    <p:extLst>
+      <p:ext uri="{BB962C8B-B14F-4D97-AF65-F5344CB8AC3E}">
+        <p14:creationId xmlns:p14="http://schemas.microsoft.com/office/powerpoint/2010/main" val="3100918853"/>
       </p:ext>
     </p:extLst>
   </p:cSld>

--- a/Version Control Protocols.pptx
+++ b/Version Control Protocols.pptx
@@ -9,6 +9,7 @@
     <p:sldId id="257" r:id="rId3"/>
     <p:sldId id="258" r:id="rId4"/>
     <p:sldId id="259" r:id="rId5"/>
+    <p:sldId id="260" r:id="rId6"/>
   </p:sldIdLst>
   <p:sldSz cx="12192000" cy="6858000"/>
   <p:notesSz cx="6858000" cy="9144000"/>
@@ -3783,6 +3784,13 @@
   <p:clrMapOvr>
     <a:masterClrMapping/>
   </p:clrMapOvr>
+  <p:timing>
+    <p:tnLst>
+      <p:par>
+        <p:cTn id="1" dur="indefinite" restart="never" nodeType="tmRoot"/>
+      </p:par>
+    </p:tnLst>
+  </p:timing>
 </p:sld>
 </file>
 
@@ -4137,6 +4145,201 @@
   <p:clrMapOvr>
     <a:masterClrMapping/>
   </p:clrMapOvr>
+  <p:timing>
+    <p:tnLst>
+      <p:par>
+        <p:cTn id="1" dur="indefinite" restart="never" nodeType="tmRoot"/>
+      </p:par>
+    </p:tnLst>
+  </p:timing>
+</p:sld>
+</file>
+
+<file path=ppt/slides/slide5.xml><?xml version="1.0" encoding="utf-8"?>
+<p:sld xmlns:a="http://schemas.openxmlformats.org/drawingml/2006/main" xmlns:r="http://schemas.openxmlformats.org/officeDocument/2006/relationships" xmlns:p="http://schemas.openxmlformats.org/presentationml/2006/main">
+  <p:cSld>
+    <p:spTree>
+      <p:nvGrpSpPr>
+        <p:cNvPr id="1" name=""/>
+        <p:cNvGrpSpPr/>
+        <p:nvPr/>
+      </p:nvGrpSpPr>
+      <p:grpSpPr>
+        <a:xfrm>
+          <a:off x="0" y="0"/>
+          <a:ext cx="0" cy="0"/>
+          <a:chOff x="0" y="0"/>
+          <a:chExt cx="0" cy="0"/>
+        </a:xfrm>
+      </p:grpSpPr>
+      <p:sp>
+        <p:nvSpPr>
+          <p:cNvPr id="2" name="Unvan 1"/>
+          <p:cNvSpPr>
+            <a:spLocks noGrp="1"/>
+          </p:cNvSpPr>
+          <p:nvPr>
+            <p:ph type="title"/>
+          </p:nvPr>
+        </p:nvSpPr>
+        <p:spPr>
+          <a:xfrm>
+            <a:off x="838200" y="109093"/>
+            <a:ext cx="10515600" cy="634619"/>
+          </a:xfrm>
+        </p:spPr>
+        <p:txBody>
+          <a:bodyPr>
+            <a:normAutofit fontScale="90000"/>
+          </a:bodyPr>
+          <a:lstStyle/>
+          <a:p>
+            <a:r>
+              <a:rPr lang="tr-TR" dirty="0" err="1"/>
+              <a:t>Version</a:t>
+            </a:r>
+            <a:r>
+              <a:rPr lang="tr-TR" dirty="0"/>
+              <a:t> Control </a:t>
+            </a:r>
+            <a:r>
+              <a:rPr lang="tr-TR" dirty="0" err="1"/>
+              <a:t>Coftware</a:t>
+            </a:r>
+            <a:r>
+              <a:rPr lang="tr-TR" dirty="0"/>
+              <a:t> Model</a:t>
+            </a:r>
+          </a:p>
+        </p:txBody>
+      </p:sp>
+      <p:sp>
+        <p:nvSpPr>
+          <p:cNvPr id="3" name="İçerik Yer Tutucusu 2"/>
+          <p:cNvSpPr>
+            <a:spLocks noGrp="1"/>
+          </p:cNvSpPr>
+          <p:nvPr>
+            <p:ph idx="1"/>
+          </p:nvPr>
+        </p:nvSpPr>
+        <p:spPr>
+          <a:xfrm>
+            <a:off x="838200" y="743712"/>
+            <a:ext cx="10515600" cy="5433251"/>
+          </a:xfrm>
+        </p:spPr>
+        <p:txBody>
+          <a:bodyPr/>
+          <a:lstStyle/>
+          <a:p>
+            <a:r>
+              <a:rPr lang="tr-TR" u="sng" dirty="0" err="1">
+                <a:hlinkClick r:id="rId2"/>
+              </a:rPr>
+              <a:t>BitKeeper</a:t>
+            </a:r>
+            <a:r>
+              <a:rPr lang="tr-TR" dirty="0"/>
+              <a:t> </a:t>
+            </a:r>
+            <a:r>
+              <a:rPr lang="en-US" dirty="0"/>
+              <a:t>– was used in </a:t>
+            </a:r>
+            <a:r>
+              <a:rPr lang="en-US" dirty="0">
+                <a:hlinkClick r:id="rId3" tooltip="Linux kernel"/>
+              </a:rPr>
+              <a:t>Linux kernel</a:t>
+            </a:r>
+            <a:r>
+              <a:rPr lang="en-US" dirty="0"/>
+              <a:t> development (2002 – April 2005) </a:t>
+            </a:r>
+            <a:endParaRPr lang="tr-TR" dirty="0" smtClean="0"/>
+          </a:p>
+          <a:p>
+            <a:r>
+              <a:rPr lang="en-US" dirty="0" err="1">
+                <a:hlinkClick r:id="rId4" tooltip="Git"/>
+              </a:rPr>
+              <a:t>Git</a:t>
+            </a:r>
+            <a:r>
+              <a:rPr lang="en-US" dirty="0"/>
+              <a:t> – written in a collection of Perl, C, and various shell scripts, designed by </a:t>
+            </a:r>
+            <a:r>
+              <a:rPr lang="en-US" dirty="0">
+                <a:hlinkClick r:id="rId5" tooltip="Linus Torvalds"/>
+              </a:rPr>
+              <a:t>Linus Torvalds</a:t>
+            </a:r>
+            <a:r>
+              <a:rPr lang="en-US" dirty="0"/>
+              <a:t> based on the needs of the </a:t>
+            </a:r>
+            <a:r>
+              <a:rPr lang="en-US" dirty="0">
+                <a:hlinkClick r:id="rId3" tooltip="Linux kernel"/>
+              </a:rPr>
+              <a:t>Linux kernel</a:t>
+            </a:r>
+            <a:r>
+              <a:rPr lang="en-US" dirty="0"/>
+              <a:t> project; decentralized, and aims to be fast, flexible, and robust</a:t>
+            </a:r>
+          </a:p>
+          <a:p>
+            <a:pPr marL="0" indent="0">
+              <a:buNone/>
+            </a:pPr>
+            <a:endParaRPr lang="tr-TR" dirty="0" smtClean="0"/>
+          </a:p>
+          <a:p>
+            <a:r>
+              <a:rPr lang="en-US" u="sng" dirty="0">
+                <a:hlinkClick r:id="rId6"/>
+              </a:rPr>
+              <a:t>Comparison of version-control software</a:t>
+            </a:r>
+            <a:endParaRPr lang="en-US" dirty="0"/>
+          </a:p>
+          <a:p>
+            <a:r>
+              <a:rPr lang="en-US" dirty="0">
+                <a:hlinkClick r:id="rId7" tooltip="Comparison of source-code-hosting facilities"/>
+              </a:rPr>
+              <a:t>Comparison of source-code-hosting facilities</a:t>
+            </a:r>
+            <a:endParaRPr lang="en-US" dirty="0"/>
+          </a:p>
+          <a:p>
+            <a:pPr marL="0" indent="0">
+              <a:buNone/>
+            </a:pPr>
+            <a:endParaRPr lang="tr-TR" dirty="0"/>
+          </a:p>
+        </p:txBody>
+      </p:sp>
+    </p:spTree>
+    <p:extLst>
+      <p:ext uri="{BB962C8B-B14F-4D97-AF65-F5344CB8AC3E}">
+        <p14:creationId xmlns:p14="http://schemas.microsoft.com/office/powerpoint/2010/main" val="1629429898"/>
+      </p:ext>
+    </p:extLst>
+  </p:cSld>
+  <p:clrMapOvr>
+    <a:masterClrMapping/>
+  </p:clrMapOvr>
+  <p:timing>
+    <p:tnLst>
+      <p:par>
+        <p:cTn id="1" dur="indefinite" restart="never" nodeType="tmRoot"/>
+      </p:par>
+    </p:tnLst>
+  </p:timing>
 </p:sld>
 </file>
 

--- a/Version Control Protocols.pptx
+++ b/Version Control Protocols.pptx
@@ -10,6 +10,8 @@
     <p:sldId id="258" r:id="rId4"/>
     <p:sldId id="259" r:id="rId5"/>
     <p:sldId id="260" r:id="rId6"/>
+    <p:sldId id="261" r:id="rId7"/>
+    <p:sldId id="262" r:id="rId8"/>
   </p:sldIdLst>
   <p:sldSz cx="12192000" cy="6858000"/>
   <p:notesSz cx="6858000" cy="9144000"/>
@@ -3236,25 +3238,29 @@
               <a:rPr lang="en-US" dirty="0">
                 <a:hlinkClick r:id="rId5" tooltip="Configuration management"/>
               </a:rPr>
-              <a:t>configuration management</a:t>
-            </a:r>
-            <a:r>
-              <a:rPr lang="en-US" dirty="0"/>
-              <a:t>.</a:t>
-            </a:r>
-            <a:r>
-              <a:rPr lang="en-US" baseline="30000" dirty="0">
-                <a:hlinkClick r:id="rId6"/>
-              </a:rPr>
-              <a:t>[1]</a:t>
-            </a:r>
-            <a:r>
-              <a:rPr lang="en-US" dirty="0"/>
-              <a:t> SCM practices include </a:t>
+              <a:t>configuration </a:t>
+            </a:r>
+            <a:r>
+              <a:rPr lang="en-US" dirty="0" err="1" smtClean="0">
+                <a:hlinkClick r:id="rId5" tooltip="Configuration management"/>
+              </a:rPr>
+              <a:t>management</a:t>
+            </a:r>
+            <a:r>
+              <a:rPr lang="en-US" dirty="0" err="1" smtClean="0"/>
+              <a:t>.SCM</a:t>
+            </a:r>
+            <a:r>
+              <a:rPr lang="en-US" dirty="0" smtClean="0"/>
+              <a:t> </a:t>
+            </a:r>
+            <a:r>
+              <a:rPr lang="en-US" dirty="0"/>
+              <a:t>practices include </a:t>
             </a:r>
             <a:r>
               <a:rPr lang="en-US" dirty="0">
-                <a:hlinkClick r:id="rId7" tooltip="Revision control"/>
+                <a:hlinkClick r:id="rId6" tooltip="Revision control"/>
               </a:rPr>
               <a:t>revision control</a:t>
             </a:r>
@@ -3264,7 +3270,7 @@
             </a:r>
             <a:r>
               <a:rPr lang="en-US" dirty="0">
-                <a:hlinkClick r:id="rId8" tooltip="Baseline (configuration management)"/>
+                <a:hlinkClick r:id="rId7" tooltip="Baseline (configuration management)"/>
               </a:rPr>
               <a:t>baselines</a:t>
             </a:r>
@@ -3840,19 +3846,7 @@
             </a:r>
             <a:r>
               <a:rPr lang="tr-TR" dirty="0" smtClean="0"/>
-              <a:t> Control </a:t>
-            </a:r>
-            <a:r>
-              <a:rPr lang="tr-TR" dirty="0" err="1"/>
-              <a:t>C</a:t>
-            </a:r>
-            <a:r>
-              <a:rPr lang="tr-TR" dirty="0" err="1" smtClean="0"/>
-              <a:t>oftware</a:t>
-            </a:r>
-            <a:r>
-              <a:rPr lang="tr-TR" dirty="0" smtClean="0"/>
-              <a:t> Model</a:t>
+              <a:t> Control Software Model</a:t>
             </a:r>
             <a:endParaRPr lang="tr-TR" dirty="0"/>
           </a:p>
@@ -3876,7 +3870,7 @@
         </p:spPr>
         <p:txBody>
           <a:bodyPr>
-            <a:normAutofit lnSpcReduction="10000"/>
+            <a:normAutofit fontScale="92500" lnSpcReduction="10000"/>
           </a:bodyPr>
           <a:lstStyle/>
           <a:p>
@@ -4107,31 +4101,60 @@
               </a:rPr>
               <a:t>Server</a:t>
             </a:r>
+            <a:endParaRPr lang="tr-TR" dirty="0" smtClean="0"/>
+          </a:p>
+          <a:p>
+            <a:pPr marL="0" indent="0">
+              <a:buNone/>
+            </a:pPr>
+            <a:endParaRPr lang="tr-TR" dirty="0" smtClean="0"/>
+          </a:p>
+          <a:p>
+            <a:r>
+              <a:rPr lang="en-US" dirty="0">
+                <a:hlinkClick r:id="rId10" tooltip="Concurrent Versions System"/>
+              </a:rPr>
+              <a:t>Concurrent Versions System</a:t>
+            </a:r>
+            <a:r>
+              <a:rPr lang="en-US" dirty="0"/>
+              <a:t> (CVS) – originally built on RCS, licensed under the </a:t>
+            </a:r>
+            <a:r>
+              <a:rPr lang="en-US" dirty="0">
+                <a:hlinkClick r:id="rId11" tooltip="GPL"/>
+              </a:rPr>
+              <a:t>GPL</a:t>
+            </a:r>
+            <a:r>
+              <a:rPr lang="en-US" dirty="0"/>
+              <a:t>.</a:t>
+            </a:r>
+          </a:p>
+          <a:p>
+            <a:r>
+              <a:rPr lang="en-US" dirty="0" smtClean="0">
+                <a:hlinkClick r:id="rId12" tooltip="Subversion (software)"/>
+              </a:rPr>
+              <a:t>Subversion</a:t>
+            </a:r>
+            <a:r>
+              <a:rPr lang="en-US" dirty="0"/>
+              <a:t> (SVN) – versioning control system inspired by CVS</a:t>
+            </a:r>
+            <a:r>
+              <a:rPr lang="en-US" baseline="30000" dirty="0">
+                <a:hlinkClick r:id="rId13"/>
+              </a:rPr>
+              <a:t>[4]</a:t>
+            </a:r>
+            <a:endParaRPr lang="en-US" dirty="0"/>
+          </a:p>
+          <a:p>
+            <a:pPr marL="0" indent="0">
+              <a:buNone/>
+            </a:pPr>
             <a:endParaRPr lang="tr-TR" dirty="0"/>
-          </a:p>
-          <a:p>
-            <a:pPr>
-              <a:buFont typeface="Wingdings" panose="05000000000000000000" pitchFamily="2" charset="2"/>
-              <a:buChar char="Ø"/>
-            </a:pPr>
-            <a:r>
-              <a:rPr lang="tr-TR" dirty="0" smtClean="0"/>
-              <a:t>Distributed </a:t>
-            </a:r>
-            <a:r>
-              <a:rPr lang="tr-TR" dirty="0"/>
-              <a:t>model</a:t>
-            </a:r>
-          </a:p>
-          <a:p>
-            <a:pPr marL="0" indent="0">
-              <a:buNone/>
-            </a:pPr>
-            <a:r>
-              <a:rPr lang="en-US" i="1" dirty="0"/>
-              <a:t>In the distributed approach, each developer works directly with their own local repository, and changes are shared between repositories as a separate step.</a:t>
-            </a:r>
-            <a:endParaRPr lang="tr-TR" i="1" dirty="0" smtClean="0"/>
           </a:p>
         </p:txBody>
       </p:sp>
@@ -4194,21 +4217,22 @@
           </a:bodyPr>
           <a:lstStyle/>
           <a:p>
-            <a:r>
-              <a:rPr lang="tr-TR" dirty="0" err="1"/>
+            <a:pPr algn="ctr"/>
+            <a:r>
+              <a:rPr lang="tr-TR" b="1" dirty="0" err="1"/>
               <a:t>Version</a:t>
             </a:r>
             <a:r>
-              <a:rPr lang="tr-TR" dirty="0"/>
+              <a:rPr lang="tr-TR" b="1" dirty="0"/>
               <a:t> Control </a:t>
             </a:r>
             <a:r>
-              <a:rPr lang="tr-TR" dirty="0" err="1"/>
-              <a:t>Coftware</a:t>
-            </a:r>
-            <a:r>
-              <a:rPr lang="tr-TR" dirty="0"/>
-              <a:t> Model</a:t>
+              <a:rPr lang="tr-TR" b="1" dirty="0" smtClean="0"/>
+              <a:t>Software </a:t>
+            </a:r>
+            <a:r>
+              <a:rPr lang="tr-TR" b="1" dirty="0"/>
+              <a:t>Model</a:t>
             </a:r>
           </a:p>
         </p:txBody>
@@ -4230,11 +4254,41 @@
           </a:xfrm>
         </p:spPr>
         <p:txBody>
-          <a:bodyPr/>
-          <a:lstStyle/>
-          <a:p>
-            <a:r>
-              <a:rPr lang="tr-TR" u="sng" dirty="0" err="1">
+          <a:bodyPr>
+            <a:normAutofit lnSpcReduction="10000"/>
+          </a:bodyPr>
+          <a:lstStyle/>
+          <a:p>
+            <a:pPr>
+              <a:buFont typeface="Wingdings" panose="05000000000000000000" pitchFamily="2" charset="2"/>
+              <a:buChar char="Ø"/>
+            </a:pPr>
+            <a:r>
+              <a:rPr lang="tr-TR" dirty="0"/>
+              <a:t>Distributed model</a:t>
+            </a:r>
+          </a:p>
+          <a:p>
+            <a:pPr marL="0" indent="0">
+              <a:buNone/>
+            </a:pPr>
+            <a:r>
+              <a:rPr lang="en-US" i="1" dirty="0"/>
+              <a:t>In the distributed approach, each developer works directly with their own local repository, and changes are shared between repositories as a separate step.</a:t>
+            </a:r>
+            <a:endParaRPr lang="tr-TR" i="1" dirty="0"/>
+          </a:p>
+          <a:p>
+            <a:pPr marL="0" indent="0">
+              <a:buNone/>
+            </a:pPr>
+            <a:endParaRPr lang="tr-TR" u="sng" dirty="0" smtClean="0">
+              <a:hlinkClick r:id="rId2"/>
+            </a:endParaRPr>
+          </a:p>
+          <a:p>
+            <a:r>
+              <a:rPr lang="tr-TR" u="sng" dirty="0" err="1" smtClean="0">
                 <a:hlinkClick r:id="rId2"/>
               </a:rPr>
               <a:t>BitKeeper</a:t>
@@ -4340,6 +4394,423 @@
       </p:par>
     </p:tnLst>
   </p:timing>
+</p:sld>
+</file>
+
+<file path=ppt/slides/slide6.xml><?xml version="1.0" encoding="utf-8"?>
+<p:sld xmlns:a="http://schemas.openxmlformats.org/drawingml/2006/main" xmlns:r="http://schemas.openxmlformats.org/officeDocument/2006/relationships" xmlns:p="http://schemas.openxmlformats.org/presentationml/2006/main">
+  <p:cSld>
+    <p:spTree>
+      <p:nvGrpSpPr>
+        <p:cNvPr id="1" name=""/>
+        <p:cNvGrpSpPr/>
+        <p:nvPr/>
+      </p:nvGrpSpPr>
+      <p:grpSpPr>
+        <a:xfrm>
+          <a:off x="0" y="0"/>
+          <a:ext cx="0" cy="0"/>
+          <a:chOff x="0" y="0"/>
+          <a:chExt cx="0" cy="0"/>
+        </a:xfrm>
+      </p:grpSpPr>
+      <p:sp>
+        <p:nvSpPr>
+          <p:cNvPr id="2" name="Unvan 1"/>
+          <p:cNvSpPr>
+            <a:spLocks noGrp="1"/>
+          </p:cNvSpPr>
+          <p:nvPr>
+            <p:ph type="title"/>
+          </p:nvPr>
+        </p:nvSpPr>
+        <p:spPr>
+          <a:xfrm>
+            <a:off x="838200" y="365125"/>
+            <a:ext cx="10515600" cy="549275"/>
+          </a:xfrm>
+        </p:spPr>
+        <p:txBody>
+          <a:bodyPr>
+            <a:normAutofit fontScale="90000"/>
+          </a:bodyPr>
+          <a:lstStyle/>
+          <a:p>
+            <a:r>
+              <a:rPr lang="tr-TR" dirty="0" smtClean="0"/>
+              <a:t>Git </a:t>
+            </a:r>
+            <a:r>
+              <a:rPr lang="tr-TR" dirty="0" err="1" smtClean="0"/>
+              <a:t>History</a:t>
+            </a:r>
+            <a:endParaRPr lang="tr-TR" dirty="0"/>
+          </a:p>
+        </p:txBody>
+      </p:sp>
+      <p:sp>
+        <p:nvSpPr>
+          <p:cNvPr id="3" name="İçerik Yer Tutucusu 2"/>
+          <p:cNvSpPr>
+            <a:spLocks noGrp="1"/>
+          </p:cNvSpPr>
+          <p:nvPr>
+            <p:ph idx="1"/>
+          </p:nvPr>
+        </p:nvSpPr>
+        <p:spPr>
+          <a:xfrm>
+            <a:off x="838200" y="914400"/>
+            <a:ext cx="10515600" cy="5262563"/>
+          </a:xfrm>
+        </p:spPr>
+        <p:txBody>
+          <a:bodyPr/>
+          <a:lstStyle/>
+          <a:p>
+            <a:r>
+              <a:rPr lang="en-US" dirty="0" err="1"/>
+              <a:t>Git</a:t>
+            </a:r>
+            <a:r>
+              <a:rPr lang="en-US" dirty="0"/>
+              <a:t> development began </a:t>
+            </a:r>
+            <a:r>
+              <a:rPr lang="en-US" dirty="0" smtClean="0"/>
+              <a:t>in </a:t>
+            </a:r>
+            <a:r>
+              <a:rPr lang="en-US" dirty="0"/>
+              <a:t>April </a:t>
+            </a:r>
+            <a:r>
+              <a:rPr lang="en-US" dirty="0" smtClean="0"/>
+              <a:t>2005</a:t>
+            </a:r>
+            <a:r>
+              <a:rPr lang="tr-TR" dirty="0" smtClean="0"/>
+              <a:t> ( Linux Developer </a:t>
+            </a:r>
+            <a:r>
+              <a:rPr lang="tr-TR" dirty="0" err="1" smtClean="0"/>
+              <a:t>gave</a:t>
+            </a:r>
+            <a:r>
+              <a:rPr lang="tr-TR" dirty="0" smtClean="0"/>
+              <a:t> </a:t>
+            </a:r>
+            <a:r>
+              <a:rPr lang="tr-TR" dirty="0" err="1" smtClean="0"/>
+              <a:t>up</a:t>
+            </a:r>
+            <a:r>
+              <a:rPr lang="tr-TR" dirty="0" smtClean="0"/>
+              <a:t> </a:t>
+            </a:r>
+            <a:r>
+              <a:rPr lang="tr-TR" dirty="0" err="1" smtClean="0"/>
+              <a:t>BitKeeper</a:t>
+            </a:r>
+            <a:r>
+              <a:rPr lang="tr-TR" dirty="0" smtClean="0"/>
+              <a:t>)</a:t>
+            </a:r>
+          </a:p>
+          <a:p>
+            <a:r>
+              <a:rPr lang="en-US" dirty="0">
+                <a:hlinkClick r:id="rId2" tooltip="Linus Torvalds"/>
+              </a:rPr>
+              <a:t>Linus Torvalds</a:t>
+            </a:r>
+            <a:r>
+              <a:rPr lang="en-US" dirty="0"/>
+              <a:t> wanted a distributed system that he could use like </a:t>
+            </a:r>
+            <a:r>
+              <a:rPr lang="en-US" dirty="0" err="1" smtClean="0"/>
+              <a:t>BitKeeper</a:t>
+            </a:r>
+            <a:endParaRPr lang="tr-TR" dirty="0" smtClean="0"/>
+          </a:p>
+          <a:p>
+            <a:pPr marL="0" indent="0">
+              <a:buNone/>
+            </a:pPr>
+            <a:endParaRPr lang="tr-TR" dirty="0" smtClean="0"/>
+          </a:p>
+          <a:p>
+            <a:pPr>
+              <a:buFont typeface="Wingdings" panose="05000000000000000000" pitchFamily="2" charset="2"/>
+              <a:buChar char="q"/>
+            </a:pPr>
+            <a:r>
+              <a:rPr lang="en-US" dirty="0"/>
+              <a:t>Take </a:t>
+            </a:r>
+            <a:r>
+              <a:rPr lang="en-US" dirty="0">
+                <a:hlinkClick r:id="rId3" tooltip="Concurrent Versions System"/>
+              </a:rPr>
+              <a:t>Concurrent Versions System</a:t>
+            </a:r>
+            <a:r>
+              <a:rPr lang="en-US" dirty="0"/>
+              <a:t> (CVS) as an example of what </a:t>
+            </a:r>
+            <a:r>
+              <a:rPr lang="en-US" i="1" dirty="0"/>
+              <a:t>not</a:t>
+            </a:r>
+            <a:r>
+              <a:rPr lang="en-US" dirty="0"/>
+              <a:t> to do; if in doubt, make the exact opposite decision</a:t>
+            </a:r>
+            <a:r>
+              <a:rPr lang="en-US" dirty="0" smtClean="0"/>
+              <a:t>.</a:t>
+            </a:r>
+            <a:endParaRPr lang="en-US" dirty="0"/>
+          </a:p>
+          <a:p>
+            <a:pPr>
+              <a:buFont typeface="Wingdings" panose="05000000000000000000" pitchFamily="2" charset="2"/>
+              <a:buChar char="q"/>
+            </a:pPr>
+            <a:r>
+              <a:rPr lang="en-US" dirty="0"/>
+              <a:t>Support a distributed, </a:t>
+            </a:r>
+            <a:r>
+              <a:rPr lang="en-US" dirty="0" err="1">
+                <a:hlinkClick r:id="rId4" tooltip="BitKeeper"/>
+              </a:rPr>
+              <a:t>BitKeeper</a:t>
+            </a:r>
+            <a:r>
+              <a:rPr lang="en-US" dirty="0"/>
+              <a:t>-like workflow</a:t>
+            </a:r>
+            <a:r>
+              <a:rPr lang="en-US" dirty="0" smtClean="0"/>
+              <a:t>.</a:t>
+            </a:r>
+            <a:endParaRPr lang="en-US" dirty="0"/>
+          </a:p>
+          <a:p>
+            <a:pPr>
+              <a:buFont typeface="Wingdings" panose="05000000000000000000" pitchFamily="2" charset="2"/>
+              <a:buChar char="q"/>
+            </a:pPr>
+            <a:r>
+              <a:rPr lang="en-US" dirty="0"/>
+              <a:t>Include very strong safeguards against corruption, either accidental or malicious</a:t>
+            </a:r>
+            <a:r>
+              <a:rPr lang="en-US" dirty="0" smtClean="0"/>
+              <a:t>.</a:t>
+            </a:r>
+            <a:endParaRPr lang="en-US" dirty="0"/>
+          </a:p>
+          <a:p>
+            <a:pPr marL="0" indent="0">
+              <a:buNone/>
+            </a:pPr>
+            <a:endParaRPr lang="tr-TR" dirty="0"/>
+          </a:p>
+        </p:txBody>
+      </p:sp>
+    </p:spTree>
+    <p:extLst>
+      <p:ext uri="{BB962C8B-B14F-4D97-AF65-F5344CB8AC3E}">
+        <p14:creationId xmlns:p14="http://schemas.microsoft.com/office/powerpoint/2010/main" val="3467884662"/>
+      </p:ext>
+    </p:extLst>
+  </p:cSld>
+  <p:clrMapOvr>
+    <a:masterClrMapping/>
+  </p:clrMapOvr>
+</p:sld>
+</file>
+
+<file path=ppt/slides/slide7.xml><?xml version="1.0" encoding="utf-8"?>
+<p:sld xmlns:a="http://schemas.openxmlformats.org/drawingml/2006/main" xmlns:r="http://schemas.openxmlformats.org/officeDocument/2006/relationships" xmlns:p="http://schemas.openxmlformats.org/presentationml/2006/main">
+  <p:cSld>
+    <p:spTree>
+      <p:nvGrpSpPr>
+        <p:cNvPr id="1" name=""/>
+        <p:cNvGrpSpPr/>
+        <p:nvPr/>
+      </p:nvGrpSpPr>
+      <p:grpSpPr>
+        <a:xfrm>
+          <a:off x="0" y="0"/>
+          <a:ext cx="0" cy="0"/>
+          <a:chOff x="0" y="0"/>
+          <a:chExt cx="0" cy="0"/>
+        </a:xfrm>
+      </p:grpSpPr>
+      <p:sp>
+        <p:nvSpPr>
+          <p:cNvPr id="2" name="Unvan 1"/>
+          <p:cNvSpPr>
+            <a:spLocks noGrp="1"/>
+          </p:cNvSpPr>
+          <p:nvPr>
+            <p:ph type="title"/>
+          </p:nvPr>
+        </p:nvSpPr>
+        <p:spPr/>
+        <p:txBody>
+          <a:bodyPr/>
+          <a:lstStyle/>
+          <a:p>
+            <a:r>
+              <a:rPr lang="tr-TR" dirty="0" err="1" smtClean="0"/>
+              <a:t>What</a:t>
+            </a:r>
+            <a:r>
+              <a:rPr lang="tr-TR" dirty="0" smtClean="0"/>
+              <a:t> is Distributed?</a:t>
+            </a:r>
+            <a:endParaRPr lang="tr-TR" dirty="0"/>
+          </a:p>
+        </p:txBody>
+      </p:sp>
+      <p:sp>
+        <p:nvSpPr>
+          <p:cNvPr id="3" name="İçerik Yer Tutucusu 2"/>
+          <p:cNvSpPr>
+            <a:spLocks noGrp="1"/>
+          </p:cNvSpPr>
+          <p:nvPr>
+            <p:ph idx="1"/>
+          </p:nvPr>
+        </p:nvSpPr>
+        <p:spPr/>
+        <p:txBody>
+          <a:bodyPr/>
+          <a:lstStyle/>
+          <a:p>
+            <a:r>
+              <a:rPr lang="en-US" dirty="0"/>
+              <a:t>In </a:t>
+            </a:r>
+            <a:r>
+              <a:rPr lang="en-US" dirty="0">
+                <a:hlinkClick r:id="rId2" tooltip="Software development"/>
+              </a:rPr>
+              <a:t>software development</a:t>
+            </a:r>
+            <a:r>
+              <a:rPr lang="en-US" dirty="0"/>
+              <a:t>, </a:t>
+            </a:r>
+            <a:r>
+              <a:rPr lang="en-US" b="1" dirty="0"/>
+              <a:t>distributed version control</a:t>
+            </a:r>
+            <a:r>
+              <a:rPr lang="en-US" dirty="0"/>
+              <a:t> (also known as </a:t>
+            </a:r>
+            <a:r>
+              <a:rPr lang="en-US" b="1" dirty="0"/>
+              <a:t>distributed revision control</a:t>
+            </a:r>
+            <a:r>
+              <a:rPr lang="en-US" dirty="0"/>
+              <a:t>) is a form of </a:t>
+            </a:r>
+            <a:r>
+              <a:rPr lang="en-US" dirty="0">
+                <a:hlinkClick r:id="rId3" tooltip="Version control"/>
+              </a:rPr>
+              <a:t>version control</a:t>
+            </a:r>
+            <a:r>
+              <a:rPr lang="en-US" dirty="0"/>
+              <a:t> in which the complete </a:t>
+            </a:r>
+            <a:r>
+              <a:rPr lang="en-US" dirty="0">
+                <a:hlinkClick r:id="rId4" tooltip="Codebase"/>
+              </a:rPr>
+              <a:t>codebase</a:t>
+            </a:r>
+            <a:r>
+              <a:rPr lang="en-US" dirty="0"/>
+              <a:t>, including its full history, is mirrored on every developer's computer</a:t>
+            </a:r>
+            <a:r>
+              <a:rPr lang="en-US" dirty="0" smtClean="0"/>
+              <a:t>.</a:t>
+            </a:r>
+            <a:r>
+              <a:rPr lang="en-US" dirty="0"/>
+              <a:t> Compared to centralized version control, this enables automatic management </a:t>
+            </a:r>
+            <a:r>
+              <a:rPr lang="en-US" dirty="0">
+                <a:hlinkClick r:id="rId5" tooltip="Branching (version control)"/>
+              </a:rPr>
+              <a:t>branching</a:t>
+            </a:r>
+            <a:r>
+              <a:rPr lang="en-US" dirty="0"/>
+              <a:t> and </a:t>
+            </a:r>
+            <a:r>
+              <a:rPr lang="en-US" dirty="0">
+                <a:hlinkClick r:id="rId6" tooltip="Merge (version control)"/>
+              </a:rPr>
+              <a:t>merging</a:t>
+            </a:r>
+            <a:r>
+              <a:rPr lang="en-US" dirty="0"/>
+              <a:t>, speeds up most operations (except pushing and pulling), improves the ability to work offline, and does not rely on a single location for backups</a:t>
+            </a:r>
+            <a:r>
+              <a:rPr lang="en-US" dirty="0" smtClean="0"/>
+              <a:t>.</a:t>
+            </a:r>
+            <a:r>
+              <a:rPr lang="en-US" dirty="0"/>
+              <a:t> </a:t>
+            </a:r>
+            <a:r>
+              <a:rPr lang="en-US" dirty="0" err="1">
+                <a:hlinkClick r:id="rId7" tooltip="Git (software)"/>
+              </a:rPr>
+              <a:t>Git</a:t>
+            </a:r>
+            <a:r>
+              <a:rPr lang="en-US" dirty="0"/>
+              <a:t>, the world's most popular version control system</a:t>
+            </a:r>
+            <a:r>
+              <a:rPr lang="en-US" dirty="0" smtClean="0"/>
+              <a:t>,</a:t>
+            </a:r>
+            <a:r>
+              <a:rPr lang="en-US" dirty="0"/>
+              <a:t> is a distributed version control system.</a:t>
+            </a:r>
+            <a:endParaRPr lang="tr-TR" dirty="0"/>
+          </a:p>
+        </p:txBody>
+      </p:sp>
+    </p:spTree>
+    <p:extLst>
+      <p:ext uri="{BB962C8B-B14F-4D97-AF65-F5344CB8AC3E}">
+        <p14:creationId xmlns:p14="http://schemas.microsoft.com/office/powerpoint/2010/main" val="2086532457"/>
+      </p:ext>
+    </p:extLst>
+  </p:cSld>
+  <p:clrMapOvr>
+    <a:masterClrMapping/>
+  </p:clrMapOvr>
 </p:sld>
 </file>
 

--- a/Version Control Protocols.pptx
+++ b/Version Control Protocols.pptx
@@ -5,13 +5,20 @@
     <p:sldMasterId id="2147483648" r:id="rId1"/>
   </p:sldMasterIdLst>
   <p:sldIdLst>
-    <p:sldId id="256" r:id="rId2"/>
-    <p:sldId id="257" r:id="rId3"/>
-    <p:sldId id="258" r:id="rId4"/>
-    <p:sldId id="259" r:id="rId5"/>
-    <p:sldId id="260" r:id="rId6"/>
-    <p:sldId id="261" r:id="rId7"/>
-    <p:sldId id="262" r:id="rId8"/>
+    <p:sldId id="265" r:id="rId2"/>
+    <p:sldId id="268" r:id="rId3"/>
+    <p:sldId id="256" r:id="rId4"/>
+    <p:sldId id="257" r:id="rId5"/>
+    <p:sldId id="258" r:id="rId6"/>
+    <p:sldId id="259" r:id="rId7"/>
+    <p:sldId id="260" r:id="rId8"/>
+    <p:sldId id="261" r:id="rId9"/>
+    <p:sldId id="262" r:id="rId10"/>
+    <p:sldId id="263" r:id="rId11"/>
+    <p:sldId id="264" r:id="rId12"/>
+    <p:sldId id="266" r:id="rId13"/>
+    <p:sldId id="267" r:id="rId14"/>
+    <p:sldId id="269" r:id="rId15"/>
   </p:sldIdLst>
   <p:sldSz cx="12192000" cy="6858000"/>
   <p:notesSz cx="6858000" cy="9144000"/>
@@ -249,7 +256,7 @@
           <a:p>
             <a:fld id="{CE7785BD-8839-4C52-8C06-B3FE284303AC}" type="datetimeFigureOut">
               <a:rPr lang="tr-TR" smtClean="0"/>
-              <a:t>8.10.2022</a:t>
+              <a:t>9.10.2022</a:t>
             </a:fld>
             <a:endParaRPr lang="tr-TR"/>
           </a:p>
@@ -419,7 +426,7 @@
           <a:p>
             <a:fld id="{CE7785BD-8839-4C52-8C06-B3FE284303AC}" type="datetimeFigureOut">
               <a:rPr lang="tr-TR" smtClean="0"/>
-              <a:t>8.10.2022</a:t>
+              <a:t>9.10.2022</a:t>
             </a:fld>
             <a:endParaRPr lang="tr-TR"/>
           </a:p>
@@ -599,7 +606,7 @@
           <a:p>
             <a:fld id="{CE7785BD-8839-4C52-8C06-B3FE284303AC}" type="datetimeFigureOut">
               <a:rPr lang="tr-TR" smtClean="0"/>
-              <a:t>8.10.2022</a:t>
+              <a:t>9.10.2022</a:t>
             </a:fld>
             <a:endParaRPr lang="tr-TR"/>
           </a:p>
@@ -769,7 +776,7 @@
           <a:p>
             <a:fld id="{CE7785BD-8839-4C52-8C06-B3FE284303AC}" type="datetimeFigureOut">
               <a:rPr lang="tr-TR" smtClean="0"/>
-              <a:t>8.10.2022</a:t>
+              <a:t>9.10.2022</a:t>
             </a:fld>
             <a:endParaRPr lang="tr-TR"/>
           </a:p>
@@ -1015,7 +1022,7 @@
           <a:p>
             <a:fld id="{CE7785BD-8839-4C52-8C06-B3FE284303AC}" type="datetimeFigureOut">
               <a:rPr lang="tr-TR" smtClean="0"/>
-              <a:t>8.10.2022</a:t>
+              <a:t>9.10.2022</a:t>
             </a:fld>
             <a:endParaRPr lang="tr-TR"/>
           </a:p>
@@ -1247,7 +1254,7 @@
           <a:p>
             <a:fld id="{CE7785BD-8839-4C52-8C06-B3FE284303AC}" type="datetimeFigureOut">
               <a:rPr lang="tr-TR" smtClean="0"/>
-              <a:t>8.10.2022</a:t>
+              <a:t>9.10.2022</a:t>
             </a:fld>
             <a:endParaRPr lang="tr-TR"/>
           </a:p>
@@ -1614,7 +1621,7 @@
           <a:p>
             <a:fld id="{CE7785BD-8839-4C52-8C06-B3FE284303AC}" type="datetimeFigureOut">
               <a:rPr lang="tr-TR" smtClean="0"/>
-              <a:t>8.10.2022</a:t>
+              <a:t>9.10.2022</a:t>
             </a:fld>
             <a:endParaRPr lang="tr-TR"/>
           </a:p>
@@ -1732,7 +1739,7 @@
           <a:p>
             <a:fld id="{CE7785BD-8839-4C52-8C06-B3FE284303AC}" type="datetimeFigureOut">
               <a:rPr lang="tr-TR" smtClean="0"/>
-              <a:t>8.10.2022</a:t>
+              <a:t>9.10.2022</a:t>
             </a:fld>
             <a:endParaRPr lang="tr-TR"/>
           </a:p>
@@ -1827,7 +1834,7 @@
           <a:p>
             <a:fld id="{CE7785BD-8839-4C52-8C06-B3FE284303AC}" type="datetimeFigureOut">
               <a:rPr lang="tr-TR" smtClean="0"/>
-              <a:t>8.10.2022</a:t>
+              <a:t>9.10.2022</a:t>
             </a:fld>
             <a:endParaRPr lang="tr-TR"/>
           </a:p>
@@ -2104,7 +2111,7 @@
           <a:p>
             <a:fld id="{CE7785BD-8839-4C52-8C06-B3FE284303AC}" type="datetimeFigureOut">
               <a:rPr lang="tr-TR" smtClean="0"/>
-              <a:t>8.10.2022</a:t>
+              <a:t>9.10.2022</a:t>
             </a:fld>
             <a:endParaRPr lang="tr-TR"/>
           </a:p>
@@ -2357,7 +2364,7 @@
           <a:p>
             <a:fld id="{CE7785BD-8839-4C52-8C06-B3FE284303AC}" type="datetimeFigureOut">
               <a:rPr lang="tr-TR" smtClean="0"/>
-              <a:t>8.10.2022</a:t>
+              <a:t>9.10.2022</a:t>
             </a:fld>
             <a:endParaRPr lang="tr-TR"/>
           </a:p>
@@ -2570,7 +2577,7 @@
           <a:p>
             <a:fld id="{CE7785BD-8839-4C52-8C06-B3FE284303AC}" type="datetimeFigureOut">
               <a:rPr lang="tr-TR" smtClean="0"/>
-              <a:t>8.10.2022</a:t>
+              <a:t>9.10.2022</a:t>
             </a:fld>
             <a:endParaRPr lang="tr-TR"/>
           </a:p>
@@ -2982,13 +2989,13 @@
             <a:spLocks noGrp="1"/>
           </p:cNvSpPr>
           <p:nvPr>
-            <p:ph type="ctrTitle"/>
+            <p:ph type="title"/>
           </p:nvPr>
         </p:nvSpPr>
         <p:spPr>
           <a:xfrm>
-            <a:off x="1487424" y="207963"/>
-            <a:ext cx="9144000" cy="1218501"/>
+            <a:off x="838200" y="365125"/>
+            <a:ext cx="10515600" cy="780923"/>
           </a:xfrm>
         </p:spPr>
         <p:txBody>
@@ -2996,15 +3003,15 @@
           <a:lstStyle/>
           <a:p>
             <a:r>
-              <a:rPr lang="tr-TR" dirty="0" err="1" smtClean="0"/>
+              <a:rPr lang="tr-TR" dirty="0" err="1"/>
               <a:t>Version</a:t>
             </a:r>
             <a:r>
-              <a:rPr lang="tr-TR" dirty="0" smtClean="0"/>
+              <a:rPr lang="tr-TR" dirty="0"/>
               <a:t> Control </a:t>
             </a:r>
             <a:r>
-              <a:rPr lang="tr-TR" dirty="0" err="1" smtClean="0"/>
+              <a:rPr lang="tr-TR" dirty="0" err="1"/>
               <a:t>Protocols</a:t>
             </a:r>
             <a:endParaRPr lang="tr-TR" dirty="0"/>
@@ -3013,180 +3020,35 @@
       </p:sp>
       <p:sp>
         <p:nvSpPr>
-          <p:cNvPr id="3" name="Alt Başlık 2"/>
-          <p:cNvSpPr>
-            <a:spLocks noGrp="1"/>
-          </p:cNvSpPr>
-          <p:nvPr>
-            <p:ph type="subTitle" idx="1"/>
+          <p:cNvPr id="3" name="İçerik Yer Tutucusu 2"/>
+          <p:cNvSpPr>
+            <a:spLocks noGrp="1"/>
+          </p:cNvSpPr>
+          <p:nvPr>
+            <p:ph idx="1"/>
           </p:nvPr>
         </p:nvSpPr>
         <p:spPr>
           <a:xfrm>
-            <a:off x="231648" y="1426464"/>
-            <a:ext cx="11960352" cy="4913376"/>
+            <a:off x="838200" y="1146048"/>
+            <a:ext cx="10515600" cy="5030915"/>
           </a:xfrm>
         </p:spPr>
         <p:txBody>
-          <a:bodyPr>
-            <a:normAutofit fontScale="92500"/>
-          </a:bodyPr>
-          <a:lstStyle/>
-          <a:p>
-            <a:r>
-              <a:rPr lang="tr-TR" dirty="0" err="1" smtClean="0"/>
-              <a:t>In</a:t>
-            </a:r>
-            <a:r>
-              <a:rPr lang="tr-TR" dirty="0" smtClean="0"/>
-              <a:t> software </a:t>
-            </a:r>
-            <a:r>
-              <a:rPr lang="tr-TR" dirty="0" err="1" smtClean="0"/>
-              <a:t>engineering</a:t>
-            </a:r>
-            <a:r>
-              <a:rPr lang="tr-TR" dirty="0" smtClean="0"/>
-              <a:t>, </a:t>
-            </a:r>
-            <a:r>
-              <a:rPr lang="tr-TR" b="1" dirty="0" err="1" smtClean="0"/>
-              <a:t>version</a:t>
-            </a:r>
-            <a:r>
-              <a:rPr lang="tr-TR" b="1" dirty="0" smtClean="0"/>
-              <a:t> </a:t>
-            </a:r>
-            <a:r>
-              <a:rPr lang="tr-TR" b="1" dirty="0" err="1"/>
-              <a:t>control</a:t>
-            </a:r>
-            <a:r>
-              <a:rPr lang="tr-TR" dirty="0"/>
-              <a:t> </a:t>
-            </a:r>
-          </a:p>
-          <a:p>
-            <a:pPr algn="l"/>
-            <a:r>
-              <a:rPr lang="tr-TR" dirty="0" err="1"/>
-              <a:t>also</a:t>
-            </a:r>
-            <a:r>
-              <a:rPr lang="tr-TR" dirty="0"/>
-              <a:t> </a:t>
-            </a:r>
-            <a:r>
-              <a:rPr lang="tr-TR" dirty="0" err="1"/>
-              <a:t>known</a:t>
-            </a:r>
-            <a:r>
-              <a:rPr lang="tr-TR" dirty="0"/>
-              <a:t> as</a:t>
-            </a:r>
-            <a:endParaRPr lang="tr-TR" dirty="0" smtClean="0"/>
-          </a:p>
-          <a:p>
-            <a:pPr marL="342900" indent="-342900" algn="l">
-              <a:buFont typeface="Arial" panose="020B0604020202020204" pitchFamily="34" charset="0"/>
-              <a:buChar char="•"/>
-            </a:pPr>
-            <a:r>
-              <a:rPr lang="tr-TR" b="1" dirty="0" err="1" smtClean="0"/>
-              <a:t>revision</a:t>
-            </a:r>
-            <a:r>
-              <a:rPr lang="tr-TR" b="1" dirty="0" smtClean="0"/>
-              <a:t> </a:t>
-            </a:r>
-            <a:r>
-              <a:rPr lang="tr-TR" b="1" dirty="0" err="1"/>
-              <a:t>control</a:t>
-            </a:r>
-            <a:r>
-              <a:rPr lang="tr-TR" dirty="0" smtClean="0"/>
-              <a:t> </a:t>
-            </a:r>
-          </a:p>
-          <a:p>
-            <a:pPr marL="342900" indent="-342900" algn="l">
-              <a:buFont typeface="Arial" panose="020B0604020202020204" pitchFamily="34" charset="0"/>
-              <a:buChar char="•"/>
-            </a:pPr>
-            <a:r>
-              <a:rPr lang="tr-TR" b="1" dirty="0" err="1"/>
-              <a:t>source</a:t>
-            </a:r>
-            <a:r>
-              <a:rPr lang="tr-TR" b="1" dirty="0"/>
-              <a:t> </a:t>
-            </a:r>
-            <a:r>
-              <a:rPr lang="tr-TR" b="1" dirty="0" err="1" smtClean="0"/>
-              <a:t>control</a:t>
-            </a:r>
-            <a:endParaRPr lang="tr-TR" b="1" dirty="0" smtClean="0"/>
-          </a:p>
-          <a:p>
-            <a:pPr marL="342900" indent="-342900" algn="l">
-              <a:buFont typeface="Arial" panose="020B0604020202020204" pitchFamily="34" charset="0"/>
-              <a:buChar char="•"/>
-            </a:pPr>
-            <a:r>
-              <a:rPr lang="tr-TR" b="1" dirty="0" err="1"/>
-              <a:t>source</a:t>
-            </a:r>
-            <a:r>
-              <a:rPr lang="tr-TR" b="1" dirty="0"/>
-              <a:t> </a:t>
-            </a:r>
-            <a:r>
-              <a:rPr lang="tr-TR" b="1" dirty="0" err="1"/>
-              <a:t>code</a:t>
-            </a:r>
-            <a:r>
-              <a:rPr lang="tr-TR" b="1" dirty="0"/>
-              <a:t> </a:t>
-            </a:r>
-            <a:r>
-              <a:rPr lang="tr-TR" b="1" dirty="0" err="1" smtClean="0"/>
-              <a:t>management</a:t>
-            </a:r>
-            <a:endParaRPr lang="tr-TR" b="1" dirty="0" smtClean="0"/>
-          </a:p>
-          <a:p>
-            <a:pPr algn="l"/>
-            <a:r>
-              <a:rPr lang="en-US" dirty="0"/>
-              <a:t> is a class of systems responsible for managing changes to </a:t>
-            </a:r>
-            <a:r>
-              <a:rPr lang="en-US" dirty="0">
-                <a:hlinkClick r:id="rId2" tooltip="Computer program"/>
-              </a:rPr>
-              <a:t>computer programs</a:t>
-            </a:r>
-            <a:r>
-              <a:rPr lang="en-US" dirty="0"/>
-              <a:t>, documents, large web sites, or other collections of </a:t>
-            </a:r>
-            <a:r>
-              <a:rPr lang="en-US" dirty="0" smtClean="0"/>
-              <a:t>information</a:t>
-            </a:r>
-            <a:endParaRPr lang="tr-TR" dirty="0" smtClean="0"/>
-          </a:p>
-          <a:p>
-            <a:pPr algn="l"/>
-            <a:r>
-              <a:rPr lang="en-US" dirty="0"/>
-              <a:t>Version control is a component of </a:t>
-            </a:r>
-            <a:r>
-              <a:rPr lang="en-US" dirty="0">
-                <a:hlinkClick r:id="rId3" tooltip="Software configuration management"/>
-              </a:rPr>
-              <a:t>software configuration management</a:t>
+          <a:bodyPr/>
+          <a:lstStyle/>
+          <a:p>
+            <a:r>
+              <a:rPr lang="en-US" dirty="0"/>
+              <a:t>What Is Version Control and Why Is it Important? Version control is important </a:t>
+            </a:r>
+            <a:r>
+              <a:rPr lang="en-US" b="1" dirty="0"/>
+              <a:t>to keep track of changes — and keep every team member working on the right version</a:t>
+            </a:r>
+            <a:r>
+              <a:rPr lang="en-US" dirty="0"/>
+              <a:t>. You should use version control software for all code, files, and assets that multiple team members will collaborate on</a:t>
             </a:r>
             <a:r>
               <a:rPr lang="en-US" dirty="0" smtClean="0"/>
@@ -3195,97 +3057,38 @@
             <a:endParaRPr lang="tr-TR" dirty="0" smtClean="0"/>
           </a:p>
           <a:p>
-            <a:pPr algn="l"/>
-            <a:r>
-              <a:rPr lang="en-US" dirty="0"/>
-              <a:t>In </a:t>
-            </a:r>
-            <a:r>
-              <a:rPr lang="en-US" dirty="0">
-                <a:hlinkClick r:id="rId4" tooltip="Software engineering"/>
-              </a:rPr>
-              <a:t>software engineering</a:t>
-            </a:r>
-            <a:r>
-              <a:rPr lang="en-US" dirty="0"/>
-              <a:t>, </a:t>
-            </a:r>
-            <a:r>
-              <a:rPr lang="en-US" b="1" dirty="0"/>
-              <a:t>software configuration management</a:t>
-            </a:r>
-            <a:r>
-              <a:rPr lang="en-US" dirty="0"/>
-              <a:t> (</a:t>
-            </a:r>
-            <a:r>
-              <a:rPr lang="en-US" b="1" dirty="0"/>
-              <a:t>SCM</a:t>
-            </a:r>
-            <a:r>
-              <a:rPr lang="en-US" dirty="0"/>
-              <a:t> or </a:t>
-            </a:r>
-            <a:r>
-              <a:rPr lang="en-US" b="1" dirty="0"/>
-              <a:t>S/W CM</a:t>
-            </a:r>
-            <a:r>
-              <a:rPr lang="en-US" dirty="0"/>
-              <a:t>) is the task of tracking and controlling changes in the software, part of the larger cross-disciplinary field of </a:t>
-            </a:r>
-            <a:r>
-              <a:rPr lang="en-US" dirty="0">
-                <a:hlinkClick r:id="rId5" tooltip="Configuration management"/>
-              </a:rPr>
-              <a:t>configuration </a:t>
-            </a:r>
-            <a:r>
-              <a:rPr lang="en-US" dirty="0" err="1" smtClean="0">
-                <a:hlinkClick r:id="rId5" tooltip="Configuration management"/>
-              </a:rPr>
-              <a:t>management</a:t>
-            </a:r>
-            <a:r>
-              <a:rPr lang="en-US" dirty="0" err="1" smtClean="0"/>
-              <a:t>.SCM</a:t>
-            </a:r>
-            <a:r>
-              <a:rPr lang="en-US" dirty="0" smtClean="0"/>
-              <a:t> </a:t>
-            </a:r>
-            <a:r>
-              <a:rPr lang="en-US" dirty="0"/>
-              <a:t>practices include </a:t>
-            </a:r>
-            <a:r>
-              <a:rPr lang="en-US" dirty="0">
-                <a:hlinkClick r:id="rId6" tooltip="Revision control"/>
-              </a:rPr>
-              <a:t>revision control</a:t>
-            </a:r>
-            <a:r>
-              <a:rPr lang="en-US" dirty="0"/>
-              <a:t> and the establishment of </a:t>
-            </a:r>
-            <a:r>
-              <a:rPr lang="en-US" dirty="0">
-                <a:hlinkClick r:id="rId7" tooltip="Baseline (configuration management)"/>
-              </a:rPr>
-              <a:t>baselines</a:t>
-            </a:r>
-            <a:r>
-              <a:rPr lang="en-US" dirty="0"/>
-              <a:t>. If something goes wrong, SCM can determine the "what, when, why and who" of the change. If a configuration is working well, SCM can determine how to replicate it across many hosts.</a:t>
-            </a:r>
             <a:endParaRPr lang="tr-TR" dirty="0"/>
           </a:p>
         </p:txBody>
       </p:sp>
+      <p:pic>
+        <p:nvPicPr>
+          <p:cNvPr id="4" name="Resim 3"/>
+          <p:cNvPicPr>
+            <a:picLocks noChangeAspect="1"/>
+          </p:cNvPicPr>
+          <p:nvPr/>
+        </p:nvPicPr>
+        <p:blipFill>
+          <a:blip r:embed="rId2"/>
+          <a:stretch>
+            <a:fillRect/>
+          </a:stretch>
+        </p:blipFill>
+        <p:spPr>
+          <a:xfrm>
+            <a:off x="3446907" y="2838640"/>
+            <a:ext cx="7029450" cy="3838575"/>
+          </a:xfrm>
+          <a:prstGeom prst="rect">
+            <a:avLst/>
+          </a:prstGeom>
+        </p:spPr>
+      </p:pic>
     </p:spTree>
     <p:extLst>
       <p:ext uri="{BB962C8B-B14F-4D97-AF65-F5344CB8AC3E}">
-        <p14:creationId xmlns:p14="http://schemas.microsoft.com/office/powerpoint/2010/main" val="2750131964"/>
+        <p14:creationId xmlns:p14="http://schemas.microsoft.com/office/powerpoint/2010/main" val="308256722"/>
       </p:ext>
     </p:extLst>
   </p:cSld>
@@ -3299,6 +3102,1197 @@
       </p:par>
     </p:tnLst>
   </p:timing>
+</p:sld>
+</file>
+
+<file path=ppt/slides/slide10.xml><?xml version="1.0" encoding="utf-8"?>
+<p:sld xmlns:a="http://schemas.openxmlformats.org/drawingml/2006/main" xmlns:r="http://schemas.openxmlformats.org/officeDocument/2006/relationships" xmlns:p="http://schemas.openxmlformats.org/presentationml/2006/main">
+  <p:cSld>
+    <p:spTree>
+      <p:nvGrpSpPr>
+        <p:cNvPr id="1" name=""/>
+        <p:cNvGrpSpPr/>
+        <p:nvPr/>
+      </p:nvGrpSpPr>
+      <p:grpSpPr>
+        <a:xfrm>
+          <a:off x="0" y="0"/>
+          <a:ext cx="0" cy="0"/>
+          <a:chOff x="0" y="0"/>
+          <a:chExt cx="0" cy="0"/>
+        </a:xfrm>
+      </p:grpSpPr>
+      <p:sp>
+        <p:nvSpPr>
+          <p:cNvPr id="2" name="Unvan 1"/>
+          <p:cNvSpPr>
+            <a:spLocks noGrp="1"/>
+          </p:cNvSpPr>
+          <p:nvPr>
+            <p:ph type="title"/>
+          </p:nvPr>
+        </p:nvSpPr>
+        <p:spPr>
+          <a:xfrm>
+            <a:off x="838200" y="109093"/>
+            <a:ext cx="10515600" cy="646811"/>
+          </a:xfrm>
+        </p:spPr>
+        <p:txBody>
+          <a:bodyPr>
+            <a:normAutofit fontScale="90000"/>
+          </a:bodyPr>
+          <a:lstStyle/>
+          <a:p>
+            <a:pPr algn="ctr"/>
+            <a:r>
+              <a:rPr lang="tr-TR" dirty="0"/>
+              <a:t>Distributed vs. </a:t>
+            </a:r>
+            <a:r>
+              <a:rPr lang="tr-TR" dirty="0" err="1" smtClean="0"/>
+              <a:t>centralized</a:t>
+            </a:r>
+            <a:endParaRPr lang="tr-TR" dirty="0"/>
+          </a:p>
+        </p:txBody>
+      </p:sp>
+      <p:sp>
+        <p:nvSpPr>
+          <p:cNvPr id="3" name="İçerik Yer Tutucusu 2"/>
+          <p:cNvSpPr>
+            <a:spLocks noGrp="1"/>
+          </p:cNvSpPr>
+          <p:nvPr>
+            <p:ph idx="1"/>
+          </p:nvPr>
+        </p:nvSpPr>
+        <p:spPr>
+          <a:xfrm>
+            <a:off x="838200" y="755904"/>
+            <a:ext cx="10515600" cy="5900928"/>
+          </a:xfrm>
+        </p:spPr>
+        <p:txBody>
+          <a:bodyPr/>
+          <a:lstStyle/>
+          <a:p>
+            <a:r>
+              <a:rPr lang="en-US" dirty="0"/>
+              <a:t>Distributed version control systems (DVCS) use a </a:t>
+            </a:r>
+            <a:r>
+              <a:rPr lang="en-US" dirty="0">
+                <a:hlinkClick r:id="rId2" tooltip="Peer-to-peer"/>
+              </a:rPr>
+              <a:t>peer-to-peer</a:t>
+            </a:r>
+            <a:r>
+              <a:rPr lang="en-US" dirty="0"/>
+              <a:t> approach to version control, as opposed to the </a:t>
+            </a:r>
+            <a:r>
+              <a:rPr lang="en-US" dirty="0">
+                <a:hlinkClick r:id="rId3" tooltip="Client–server model"/>
+              </a:rPr>
+              <a:t>client–server</a:t>
+            </a:r>
+            <a:r>
+              <a:rPr lang="en-US" dirty="0"/>
+              <a:t> approach of centralized systems. Distributed revision control synchronizes repositories by transferring </a:t>
+            </a:r>
+            <a:r>
+              <a:rPr lang="en-US" dirty="0">
+                <a:hlinkClick r:id="rId4" tooltip="Patch (Unix)"/>
+              </a:rPr>
+              <a:t>patches</a:t>
+            </a:r>
+            <a:r>
+              <a:rPr lang="en-US" dirty="0"/>
+              <a:t> from peer to peer. There is no single central version of the codebase; instead, each user has a working copy and the full change </a:t>
+            </a:r>
+            <a:r>
+              <a:rPr lang="en-US" dirty="0" smtClean="0"/>
+              <a:t>history</a:t>
+            </a:r>
+            <a:endParaRPr lang="tr-TR" dirty="0" smtClean="0"/>
+          </a:p>
+          <a:p>
+            <a:pPr marL="0" indent="0">
+              <a:buNone/>
+            </a:pPr>
+            <a:r>
+              <a:rPr lang="tr-TR" dirty="0" err="1"/>
+              <a:t>Advantages</a:t>
+            </a:r>
+            <a:r>
+              <a:rPr lang="tr-TR" dirty="0"/>
+              <a:t> of DVCS </a:t>
+            </a:r>
+            <a:endParaRPr lang="tr-TR" dirty="0" smtClean="0"/>
+          </a:p>
+          <a:p>
+            <a:pPr>
+              <a:buFont typeface="Wingdings" panose="05000000000000000000" pitchFamily="2" charset="2"/>
+              <a:buChar char="ü"/>
+            </a:pPr>
+            <a:r>
+              <a:rPr lang="en-US" dirty="0"/>
+              <a:t>Allows users to work productively when not connected to a network</a:t>
+            </a:r>
+            <a:r>
+              <a:rPr lang="en-US" dirty="0" smtClean="0"/>
+              <a:t>.</a:t>
+            </a:r>
+            <a:endParaRPr lang="tr-TR" dirty="0" smtClean="0"/>
+          </a:p>
+          <a:p>
+            <a:pPr>
+              <a:buFont typeface="Wingdings" panose="05000000000000000000" pitchFamily="2" charset="2"/>
+              <a:buChar char="ü"/>
+            </a:pPr>
+            <a:r>
+              <a:rPr lang="en-US" dirty="0"/>
+              <a:t>Common operations </a:t>
+            </a:r>
+            <a:r>
+              <a:rPr lang="en-US" dirty="0" smtClean="0"/>
+              <a:t>(commits</a:t>
+            </a:r>
+            <a:r>
+              <a:rPr lang="en-US" dirty="0"/>
+              <a:t>, viewing history, </a:t>
+            </a:r>
+            <a:r>
+              <a:rPr lang="en-US" dirty="0" smtClean="0"/>
+              <a:t>reverting </a:t>
+            </a:r>
+            <a:r>
+              <a:rPr lang="tr-TR" dirty="0" smtClean="0"/>
+              <a:t>c</a:t>
+            </a:r>
+            <a:r>
+              <a:rPr lang="en-US" dirty="0" err="1" smtClean="0"/>
+              <a:t>hanges</a:t>
+            </a:r>
+            <a:r>
+              <a:rPr lang="tr-TR" dirty="0" smtClean="0"/>
+              <a:t>..)</a:t>
+            </a:r>
+          </a:p>
+          <a:p>
+            <a:pPr>
+              <a:buFont typeface="Wingdings" panose="05000000000000000000" pitchFamily="2" charset="2"/>
+              <a:buChar char="ü"/>
+            </a:pPr>
+            <a:r>
+              <a:rPr lang="tr-TR" dirty="0"/>
+              <a:t>C</a:t>
+            </a:r>
+            <a:r>
+              <a:rPr lang="en-US" dirty="0" err="1" smtClean="0"/>
+              <a:t>ommunication</a:t>
+            </a:r>
+            <a:r>
+              <a:rPr lang="en-US" dirty="0" smtClean="0"/>
+              <a:t> </a:t>
+            </a:r>
+            <a:r>
+              <a:rPr lang="en-US" dirty="0"/>
+              <a:t>is necessary only when sharing changes among other </a:t>
+            </a:r>
+            <a:r>
+              <a:rPr lang="en-US" dirty="0" smtClean="0"/>
+              <a:t>peers</a:t>
+            </a:r>
+            <a:endParaRPr lang="tr-TR" dirty="0" smtClean="0"/>
+          </a:p>
+          <a:p>
+            <a:pPr>
+              <a:buFont typeface="Wingdings" panose="05000000000000000000" pitchFamily="2" charset="2"/>
+              <a:buChar char="ü"/>
+            </a:pPr>
+            <a:r>
+              <a:rPr lang="tr-TR" dirty="0" err="1"/>
+              <a:t>Allows</a:t>
+            </a:r>
+            <a:r>
+              <a:rPr lang="tr-TR" dirty="0"/>
+              <a:t> </a:t>
+            </a:r>
+            <a:r>
+              <a:rPr lang="tr-TR" dirty="0" err="1"/>
+              <a:t>private</a:t>
+            </a:r>
+            <a:r>
+              <a:rPr lang="tr-TR" dirty="0"/>
+              <a:t> </a:t>
+            </a:r>
+            <a:r>
+              <a:rPr lang="tr-TR" dirty="0" err="1" smtClean="0"/>
+              <a:t>work</a:t>
+            </a:r>
+            <a:endParaRPr lang="tr-TR" dirty="0" smtClean="0"/>
+          </a:p>
+          <a:p>
+            <a:pPr>
+              <a:buFont typeface="Wingdings" panose="05000000000000000000" pitchFamily="2" charset="2"/>
+              <a:buChar char="ü"/>
+            </a:pPr>
+            <a:r>
+              <a:rPr lang="tr-TR" dirty="0"/>
+              <a:t>A</a:t>
+            </a:r>
+            <a:r>
+              <a:rPr lang="en-US" dirty="0" smtClean="0"/>
+              <a:t>voids </a:t>
+            </a:r>
+            <a:r>
+              <a:rPr lang="en-US" dirty="0"/>
+              <a:t>relying on one physical machine as a single point of failure</a:t>
+            </a:r>
+          </a:p>
+          <a:p>
+            <a:pPr marL="0" indent="0">
+              <a:buNone/>
+            </a:pPr>
+            <a:endParaRPr lang="tr-TR" dirty="0"/>
+          </a:p>
+        </p:txBody>
+      </p:sp>
+    </p:spTree>
+    <p:extLst>
+      <p:ext uri="{BB962C8B-B14F-4D97-AF65-F5344CB8AC3E}">
+        <p14:creationId xmlns:p14="http://schemas.microsoft.com/office/powerpoint/2010/main" val="3754691435"/>
+      </p:ext>
+    </p:extLst>
+  </p:cSld>
+  <p:clrMapOvr>
+    <a:masterClrMapping/>
+  </p:clrMapOvr>
+</p:sld>
+</file>
+
+<file path=ppt/slides/slide11.xml><?xml version="1.0" encoding="utf-8"?>
+<p:sld xmlns:a="http://schemas.openxmlformats.org/drawingml/2006/main" xmlns:r="http://schemas.openxmlformats.org/officeDocument/2006/relationships" xmlns:p="http://schemas.openxmlformats.org/presentationml/2006/main">
+  <p:cSld>
+    <p:spTree>
+      <p:nvGrpSpPr>
+        <p:cNvPr id="1" name=""/>
+        <p:cNvGrpSpPr/>
+        <p:nvPr/>
+      </p:nvGrpSpPr>
+      <p:grpSpPr>
+        <a:xfrm>
+          <a:off x="0" y="0"/>
+          <a:ext cx="0" cy="0"/>
+          <a:chOff x="0" y="0"/>
+          <a:chExt cx="0" cy="0"/>
+        </a:xfrm>
+      </p:grpSpPr>
+      <p:sp>
+        <p:nvSpPr>
+          <p:cNvPr id="2" name="Unvan 1"/>
+          <p:cNvSpPr>
+            <a:spLocks noGrp="1"/>
+          </p:cNvSpPr>
+          <p:nvPr>
+            <p:ph type="title"/>
+          </p:nvPr>
+        </p:nvSpPr>
+        <p:spPr>
+          <a:xfrm>
+            <a:off x="838200" y="365125"/>
+            <a:ext cx="10515600" cy="537083"/>
+          </a:xfrm>
+        </p:spPr>
+        <p:txBody>
+          <a:bodyPr>
+            <a:normAutofit fontScale="90000"/>
+          </a:bodyPr>
+          <a:lstStyle/>
+          <a:p>
+            <a:r>
+              <a:rPr lang="tr-TR" dirty="0"/>
+              <a:t>Distributed vs. </a:t>
+            </a:r>
+            <a:r>
+              <a:rPr lang="tr-TR" dirty="0" err="1"/>
+              <a:t>centralized</a:t>
+            </a:r>
+            <a:endParaRPr lang="tr-TR" dirty="0"/>
+          </a:p>
+        </p:txBody>
+      </p:sp>
+      <p:sp>
+        <p:nvSpPr>
+          <p:cNvPr id="3" name="İçerik Yer Tutucusu 2"/>
+          <p:cNvSpPr>
+            <a:spLocks noGrp="1"/>
+          </p:cNvSpPr>
+          <p:nvPr>
+            <p:ph idx="1"/>
+          </p:nvPr>
+        </p:nvSpPr>
+        <p:spPr>
+          <a:xfrm>
+            <a:off x="838200" y="1048512"/>
+            <a:ext cx="10515600" cy="5128451"/>
+          </a:xfrm>
+        </p:spPr>
+        <p:txBody>
+          <a:bodyPr/>
+          <a:lstStyle/>
+          <a:p>
+            <a:pPr marL="0" indent="0">
+              <a:buNone/>
+            </a:pPr>
+            <a:r>
+              <a:rPr lang="tr-TR" dirty="0" err="1" smtClean="0"/>
+              <a:t>DisAdvantages</a:t>
+            </a:r>
+            <a:r>
+              <a:rPr lang="tr-TR" dirty="0" smtClean="0"/>
+              <a:t> </a:t>
+            </a:r>
+            <a:r>
+              <a:rPr lang="tr-TR" dirty="0"/>
+              <a:t>of DVCS </a:t>
+            </a:r>
+            <a:endParaRPr lang="tr-TR" dirty="0" smtClean="0"/>
+          </a:p>
+          <a:p>
+            <a:pPr>
+              <a:buFont typeface="Wingdings" panose="05000000000000000000" pitchFamily="2" charset="2"/>
+              <a:buChar char="v"/>
+            </a:pPr>
+            <a:r>
+              <a:rPr lang="en-US" dirty="0" smtClean="0"/>
+              <a:t>Initial checkout of a repository is slower as compared to checkout in a centralized version control system, because all branches and revision history are copied to the local machine by default.</a:t>
+            </a:r>
+          </a:p>
+          <a:p>
+            <a:pPr>
+              <a:buFont typeface="Wingdings" panose="05000000000000000000" pitchFamily="2" charset="2"/>
+              <a:buChar char="v"/>
+            </a:pPr>
+            <a:r>
+              <a:rPr lang="en-US" dirty="0" smtClean="0"/>
+              <a:t>Additional </a:t>
+            </a:r>
+            <a:r>
+              <a:rPr lang="en-US" dirty="0"/>
+              <a:t>storage required for every user to have a complete copy of the complete codebase history</a:t>
+            </a:r>
+            <a:r>
+              <a:rPr lang="en-US" dirty="0" smtClean="0"/>
+              <a:t>.</a:t>
+            </a:r>
+            <a:endParaRPr lang="tr-TR" dirty="0" smtClean="0"/>
+          </a:p>
+          <a:p>
+            <a:pPr marL="0" indent="0">
+              <a:buNone/>
+            </a:pPr>
+            <a:endParaRPr lang="tr-TR" dirty="0"/>
+          </a:p>
+        </p:txBody>
+      </p:sp>
+      <p:pic>
+        <p:nvPicPr>
+          <p:cNvPr id="4" name="Resim 3"/>
+          <p:cNvPicPr>
+            <a:picLocks noChangeAspect="1"/>
+          </p:cNvPicPr>
+          <p:nvPr/>
+        </p:nvPicPr>
+        <p:blipFill>
+          <a:blip r:embed="rId2"/>
+          <a:stretch>
+            <a:fillRect/>
+          </a:stretch>
+        </p:blipFill>
+        <p:spPr>
+          <a:xfrm>
+            <a:off x="7367778" y="3612737"/>
+            <a:ext cx="2552700" cy="2533650"/>
+          </a:xfrm>
+          <a:prstGeom prst="rect">
+            <a:avLst/>
+          </a:prstGeom>
+        </p:spPr>
+      </p:pic>
+    </p:spTree>
+    <p:extLst>
+      <p:ext uri="{BB962C8B-B14F-4D97-AF65-F5344CB8AC3E}">
+        <p14:creationId xmlns:p14="http://schemas.microsoft.com/office/powerpoint/2010/main" val="292704876"/>
+      </p:ext>
+    </p:extLst>
+  </p:cSld>
+  <p:clrMapOvr>
+    <a:masterClrMapping/>
+  </p:clrMapOvr>
+</p:sld>
+</file>
+
+<file path=ppt/slides/slide12.xml><?xml version="1.0" encoding="utf-8"?>
+<p:sld xmlns:a="http://schemas.openxmlformats.org/drawingml/2006/main" xmlns:r="http://schemas.openxmlformats.org/officeDocument/2006/relationships" xmlns:p="http://schemas.openxmlformats.org/presentationml/2006/main">
+  <p:cSld>
+    <p:spTree>
+      <p:nvGrpSpPr>
+        <p:cNvPr id="1" name=""/>
+        <p:cNvGrpSpPr/>
+        <p:nvPr/>
+      </p:nvGrpSpPr>
+      <p:grpSpPr>
+        <a:xfrm>
+          <a:off x="0" y="0"/>
+          <a:ext cx="0" cy="0"/>
+          <a:chOff x="0" y="0"/>
+          <a:chExt cx="0" cy="0"/>
+        </a:xfrm>
+      </p:grpSpPr>
+      <p:sp>
+        <p:nvSpPr>
+          <p:cNvPr id="2" name="Unvan 1"/>
+          <p:cNvSpPr>
+            <a:spLocks noGrp="1"/>
+          </p:cNvSpPr>
+          <p:nvPr>
+            <p:ph type="title"/>
+          </p:nvPr>
+        </p:nvSpPr>
+        <p:spPr>
+          <a:xfrm>
+            <a:off x="838200" y="365125"/>
+            <a:ext cx="10515600" cy="585851"/>
+          </a:xfrm>
+        </p:spPr>
+        <p:txBody>
+          <a:bodyPr>
+            <a:normAutofit fontScale="90000"/>
+          </a:bodyPr>
+          <a:lstStyle/>
+          <a:p>
+            <a:r>
+              <a:rPr lang="tr-TR" dirty="0" smtClean="0"/>
+              <a:t>Operations of </a:t>
+            </a:r>
+            <a:r>
+              <a:rPr lang="tr-TR" dirty="0" err="1" smtClean="0"/>
+              <a:t>Contrubutor</a:t>
+            </a:r>
+            <a:endParaRPr lang="tr-TR" dirty="0"/>
+          </a:p>
+        </p:txBody>
+      </p:sp>
+      <p:graphicFrame>
+        <p:nvGraphicFramePr>
+          <p:cNvPr id="6" name="İçerik Yer Tutucusu 5"/>
+          <p:cNvGraphicFramePr>
+            <a:graphicFrameLocks noGrp="1"/>
+          </p:cNvGraphicFramePr>
+          <p:nvPr>
+            <p:ph idx="1"/>
+            <p:extLst>
+              <p:ext uri="{D42A27DB-BD31-4B8C-83A1-F6EECF244321}">
+                <p14:modId xmlns:p14="http://schemas.microsoft.com/office/powerpoint/2010/main" val="1240737301"/>
+              </p:ext>
+            </p:extLst>
+          </p:nvPr>
+        </p:nvGraphicFramePr>
+        <p:xfrm>
+          <a:off x="838200" y="950913"/>
+          <a:ext cx="10515600" cy="1854200"/>
+        </p:xfrm>
+        <a:graphic>
+          <a:graphicData uri="http://schemas.openxmlformats.org/drawingml/2006/table">
+            <a:tbl>
+              <a:tblPr firstRow="1" bandRow="1">
+                <a:tableStyleId>{5C22544A-7EE6-4342-B048-85BDC9FD1C3A}</a:tableStyleId>
+              </a:tblPr>
+              <a:tblGrid>
+                <a:gridCol w="5257800">
+                  <a:extLst>
+                    <a:ext uri="{9D8B030D-6E8A-4147-A177-3AD203B41FA5}">
+                      <a16:colId xmlns:a16="http://schemas.microsoft.com/office/drawing/2014/main" val="3093371899"/>
+                    </a:ext>
+                  </a:extLst>
+                </a:gridCol>
+                <a:gridCol w="5257800">
+                  <a:extLst>
+                    <a:ext uri="{9D8B030D-6E8A-4147-A177-3AD203B41FA5}">
+                      <a16:colId xmlns:a16="http://schemas.microsoft.com/office/drawing/2014/main" val="4178113425"/>
+                    </a:ext>
+                  </a:extLst>
+                </a:gridCol>
+              </a:tblGrid>
+              <a:tr h="370840">
+                <a:tc>
+                  <a:txBody>
+                    <a:bodyPr/>
+                    <a:lstStyle/>
+                    <a:p>
+                      <a:r>
+                        <a:rPr lang="tr-TR" dirty="0" smtClean="0"/>
+                        <a:t>CLONE</a:t>
+                      </a:r>
+                      <a:r>
+                        <a:rPr lang="tr-TR" baseline="0" dirty="0" smtClean="0"/>
+                        <a:t> OR COPY</a:t>
+                      </a:r>
+                      <a:endParaRPr lang="tr-TR" dirty="0"/>
+                    </a:p>
+                  </a:txBody>
+                  <a:tcPr/>
+                </a:tc>
+                <a:tc>
+                  <a:txBody>
+                    <a:bodyPr/>
+                    <a:lstStyle/>
+                    <a:p>
+                      <a:r>
+                        <a:rPr lang="tr-TR" dirty="0" smtClean="0"/>
+                        <a:t>FORK</a:t>
+                      </a:r>
+                      <a:endParaRPr lang="tr-TR" dirty="0"/>
+                    </a:p>
+                  </a:txBody>
+                  <a:tcPr/>
+                </a:tc>
+                <a:extLst>
+                  <a:ext uri="{0D108BD9-81ED-4DB2-BD59-A6C34878D82A}">
+                    <a16:rowId xmlns:a16="http://schemas.microsoft.com/office/drawing/2014/main" val="1228598933"/>
+                  </a:ext>
+                </a:extLst>
+              </a:tr>
+              <a:tr h="370840">
+                <a:tc>
+                  <a:txBody>
+                    <a:bodyPr/>
+                    <a:lstStyle/>
+                    <a:p>
+                      <a:r>
+                        <a:rPr lang="tr-TR" dirty="0" smtClean="0"/>
+                        <a:t>PULL</a:t>
+                      </a:r>
+                      <a:endParaRPr lang="tr-TR" dirty="0"/>
+                    </a:p>
+                  </a:txBody>
+                  <a:tcPr/>
+                </a:tc>
+                <a:tc>
+                  <a:txBody>
+                    <a:bodyPr/>
+                    <a:lstStyle/>
+                    <a:p>
+                      <a:r>
+                        <a:rPr lang="tr-TR" dirty="0" smtClean="0"/>
+                        <a:t>PULL</a:t>
+                      </a:r>
+                      <a:endParaRPr lang="tr-TR" dirty="0"/>
+                    </a:p>
+                  </a:txBody>
+                  <a:tcPr/>
+                </a:tc>
+                <a:extLst>
+                  <a:ext uri="{0D108BD9-81ED-4DB2-BD59-A6C34878D82A}">
+                    <a16:rowId xmlns:a16="http://schemas.microsoft.com/office/drawing/2014/main" val="1133570453"/>
+                  </a:ext>
+                </a:extLst>
+              </a:tr>
+              <a:tr h="370840">
+                <a:tc>
+                  <a:txBody>
+                    <a:bodyPr/>
+                    <a:lstStyle/>
+                    <a:p>
+                      <a:r>
+                        <a:rPr lang="tr-TR" dirty="0" smtClean="0"/>
+                        <a:t>MERGE</a:t>
+                      </a:r>
+                      <a:endParaRPr lang="tr-TR" dirty="0"/>
+                    </a:p>
+                  </a:txBody>
+                  <a:tcPr/>
+                </a:tc>
+                <a:tc>
+                  <a:txBody>
+                    <a:bodyPr/>
+                    <a:lstStyle/>
+                    <a:p>
+                      <a:r>
+                        <a:rPr lang="tr-TR" dirty="0" smtClean="0"/>
+                        <a:t>MERGE</a:t>
+                      </a:r>
+                      <a:endParaRPr lang="tr-TR" dirty="0"/>
+                    </a:p>
+                  </a:txBody>
+                  <a:tcPr/>
+                </a:tc>
+                <a:extLst>
+                  <a:ext uri="{0D108BD9-81ED-4DB2-BD59-A6C34878D82A}">
+                    <a16:rowId xmlns:a16="http://schemas.microsoft.com/office/drawing/2014/main" val="3026861819"/>
+                  </a:ext>
+                </a:extLst>
+              </a:tr>
+              <a:tr h="370840">
+                <a:tc>
+                  <a:txBody>
+                    <a:bodyPr/>
+                    <a:lstStyle/>
+                    <a:p>
+                      <a:r>
+                        <a:rPr lang="tr-TR" dirty="0" smtClean="0"/>
+                        <a:t>COMMIT</a:t>
+                      </a:r>
+                      <a:endParaRPr lang="tr-TR" dirty="0"/>
+                    </a:p>
+                  </a:txBody>
+                  <a:tcPr/>
+                </a:tc>
+                <a:tc>
+                  <a:txBody>
+                    <a:bodyPr/>
+                    <a:lstStyle/>
+                    <a:p>
+                      <a:r>
+                        <a:rPr lang="tr-TR" dirty="0" smtClean="0"/>
+                        <a:t>COMMIT</a:t>
+                      </a:r>
+                      <a:endParaRPr lang="tr-TR" dirty="0"/>
+                    </a:p>
+                  </a:txBody>
+                  <a:tcPr/>
+                </a:tc>
+                <a:extLst>
+                  <a:ext uri="{0D108BD9-81ED-4DB2-BD59-A6C34878D82A}">
+                    <a16:rowId xmlns:a16="http://schemas.microsoft.com/office/drawing/2014/main" val="3800453664"/>
+                  </a:ext>
+                </a:extLst>
+              </a:tr>
+              <a:tr h="370840">
+                <a:tc>
+                  <a:txBody>
+                    <a:bodyPr/>
+                    <a:lstStyle/>
+                    <a:p>
+                      <a:r>
+                        <a:rPr lang="tr-TR" dirty="0" smtClean="0"/>
+                        <a:t>PUSH</a:t>
+                      </a:r>
+                      <a:endParaRPr lang="tr-TR" dirty="0"/>
+                    </a:p>
+                  </a:txBody>
+                  <a:tcPr/>
+                </a:tc>
+                <a:tc>
+                  <a:txBody>
+                    <a:bodyPr/>
+                    <a:lstStyle/>
+                    <a:p>
+                      <a:r>
+                        <a:rPr lang="tr-TR" dirty="0" smtClean="0"/>
+                        <a:t>PULL REQUEST –MERGE</a:t>
+                      </a:r>
+                      <a:r>
+                        <a:rPr lang="tr-TR" baseline="0" dirty="0" smtClean="0"/>
+                        <a:t> REQUEST</a:t>
+                      </a:r>
+                      <a:endParaRPr lang="tr-TR" dirty="0"/>
+                    </a:p>
+                  </a:txBody>
+                  <a:tcPr/>
+                </a:tc>
+                <a:extLst>
+                  <a:ext uri="{0D108BD9-81ED-4DB2-BD59-A6C34878D82A}">
+                    <a16:rowId xmlns:a16="http://schemas.microsoft.com/office/drawing/2014/main" val="1866889089"/>
+                  </a:ext>
+                </a:extLst>
+              </a:tr>
+            </a:tbl>
+          </a:graphicData>
+        </a:graphic>
+      </p:graphicFrame>
+    </p:spTree>
+    <p:extLst>
+      <p:ext uri="{BB962C8B-B14F-4D97-AF65-F5344CB8AC3E}">
+        <p14:creationId xmlns:p14="http://schemas.microsoft.com/office/powerpoint/2010/main" val="219047944"/>
+      </p:ext>
+    </p:extLst>
+  </p:cSld>
+  <p:clrMapOvr>
+    <a:masterClrMapping/>
+  </p:clrMapOvr>
+</p:sld>
+</file>
+
+<file path=ppt/slides/slide13.xml><?xml version="1.0" encoding="utf-8"?>
+<p:sld xmlns:a="http://schemas.openxmlformats.org/drawingml/2006/main" xmlns:r="http://schemas.openxmlformats.org/officeDocument/2006/relationships" xmlns:p="http://schemas.openxmlformats.org/presentationml/2006/main">
+  <p:cSld>
+    <p:spTree>
+      <p:nvGrpSpPr>
+        <p:cNvPr id="1" name=""/>
+        <p:cNvGrpSpPr/>
+        <p:nvPr/>
+      </p:nvGrpSpPr>
+      <p:grpSpPr>
+        <a:xfrm>
+          <a:off x="0" y="0"/>
+          <a:ext cx="0" cy="0"/>
+          <a:chOff x="0" y="0"/>
+          <a:chExt cx="0" cy="0"/>
+        </a:xfrm>
+      </p:grpSpPr>
+      <p:sp>
+        <p:nvSpPr>
+          <p:cNvPr id="2" name="Unvan 1"/>
+          <p:cNvSpPr>
+            <a:spLocks noGrp="1"/>
+          </p:cNvSpPr>
+          <p:nvPr>
+            <p:ph type="title"/>
+          </p:nvPr>
+        </p:nvSpPr>
+        <p:spPr>
+          <a:xfrm>
+            <a:off x="838200" y="365125"/>
+            <a:ext cx="10515600" cy="598043"/>
+          </a:xfrm>
+        </p:spPr>
+        <p:txBody>
+          <a:bodyPr>
+            <a:normAutofit fontScale="90000"/>
+          </a:bodyPr>
+          <a:lstStyle/>
+          <a:p>
+            <a:r>
+              <a:rPr lang="tr-TR" dirty="0" smtClean="0"/>
+              <a:t>Git </a:t>
+            </a:r>
+            <a:r>
+              <a:rPr lang="tr-TR" dirty="0" err="1" smtClean="0"/>
+              <a:t>Protocols</a:t>
+            </a:r>
+            <a:r>
+              <a:rPr lang="tr-TR" dirty="0" smtClean="0"/>
+              <a:t>  </a:t>
+            </a:r>
+            <a:r>
+              <a:rPr lang="tr-TR" dirty="0" err="1"/>
+              <a:t>to</a:t>
+            </a:r>
+            <a:r>
+              <a:rPr lang="tr-TR" dirty="0"/>
+              <a:t> transfer </a:t>
+            </a:r>
+            <a:r>
+              <a:rPr lang="tr-TR" dirty="0" smtClean="0"/>
+              <a:t>data (TCP)</a:t>
+            </a:r>
+            <a:endParaRPr lang="tr-TR" dirty="0"/>
+          </a:p>
+        </p:txBody>
+      </p:sp>
+      <p:sp>
+        <p:nvSpPr>
+          <p:cNvPr id="3" name="İçerik Yer Tutucusu 2"/>
+          <p:cNvSpPr>
+            <a:spLocks noGrp="1"/>
+          </p:cNvSpPr>
+          <p:nvPr>
+            <p:ph idx="1"/>
+          </p:nvPr>
+        </p:nvSpPr>
+        <p:spPr>
+          <a:xfrm>
+            <a:off x="838200" y="1072896"/>
+            <a:ext cx="10515600" cy="5104067"/>
+          </a:xfrm>
+        </p:spPr>
+        <p:txBody>
+          <a:bodyPr/>
+          <a:lstStyle/>
+          <a:p>
+            <a:pPr marL="0" indent="0">
+              <a:buNone/>
+            </a:pPr>
+            <a:r>
+              <a:rPr lang="tr-TR" dirty="0" smtClean="0">
+                <a:effectLst>
+                  <a:outerShdw blurRad="38100" dist="38100" dir="2700000" algn="tl">
+                    <a:srgbClr val="000000">
+                      <a:alpha val="43137"/>
+                    </a:srgbClr>
+                  </a:outerShdw>
+                </a:effectLst>
+              </a:rPr>
+              <a:t>Git </a:t>
+            </a:r>
+            <a:r>
+              <a:rPr lang="tr-TR" dirty="0" err="1" smtClean="0">
+                <a:effectLst>
+                  <a:outerShdw blurRad="38100" dist="38100" dir="2700000" algn="tl">
+                    <a:srgbClr val="000000">
+                      <a:alpha val="43137"/>
+                    </a:srgbClr>
+                  </a:outerShdw>
+                </a:effectLst>
+              </a:rPr>
+              <a:t>uses</a:t>
+            </a:r>
+            <a:r>
+              <a:rPr lang="tr-TR" dirty="0" smtClean="0">
+                <a:effectLst>
+                  <a:outerShdw blurRad="38100" dist="38100" dir="2700000" algn="tl">
+                    <a:srgbClr val="000000">
+                      <a:alpha val="43137"/>
+                    </a:srgbClr>
+                  </a:outerShdw>
+                </a:effectLst>
+              </a:rPr>
+              <a:t> </a:t>
+            </a:r>
+            <a:r>
+              <a:rPr lang="en-US" dirty="0">
+                <a:effectLst>
+                  <a:outerShdw blurRad="38100" dist="38100" dir="2700000" algn="tl">
+                    <a:srgbClr val="000000">
+                      <a:alpha val="43137"/>
+                    </a:srgbClr>
+                  </a:outerShdw>
+                </a:effectLst>
+              </a:rPr>
+              <a:t>Local, HTTP, Secure Shell (</a:t>
+            </a:r>
+            <a:r>
+              <a:rPr lang="en-US" dirty="0" smtClean="0">
+                <a:effectLst>
+                  <a:outerShdw blurRad="38100" dist="38100" dir="2700000" algn="tl">
+                    <a:srgbClr val="000000">
+                      <a:alpha val="43137"/>
+                    </a:srgbClr>
+                  </a:outerShdw>
+                </a:effectLst>
+              </a:rPr>
+              <a:t>SSH</a:t>
+            </a:r>
+            <a:r>
+              <a:rPr lang="en-US" dirty="0">
+                <a:effectLst>
+                  <a:outerShdw blurRad="38100" dist="38100" dir="2700000" algn="tl">
+                    <a:srgbClr val="000000">
+                      <a:alpha val="43137"/>
+                    </a:srgbClr>
+                  </a:outerShdw>
+                </a:effectLst>
+              </a:rPr>
+              <a:t>) and </a:t>
+            </a:r>
+            <a:r>
+              <a:rPr lang="en-US" dirty="0" err="1" smtClean="0">
+                <a:effectLst>
+                  <a:outerShdw blurRad="38100" dist="38100" dir="2700000" algn="tl">
+                    <a:srgbClr val="000000">
+                      <a:alpha val="43137"/>
+                    </a:srgbClr>
+                  </a:outerShdw>
+                </a:effectLst>
+              </a:rPr>
+              <a:t>Git</a:t>
+            </a:r>
+            <a:endParaRPr lang="tr-TR" dirty="0" smtClean="0">
+              <a:effectLst>
+                <a:outerShdw blurRad="38100" dist="38100" dir="2700000" algn="tl">
+                  <a:srgbClr val="000000">
+                    <a:alpha val="43137"/>
+                  </a:srgbClr>
+                </a:outerShdw>
+              </a:effectLst>
+            </a:endParaRPr>
+          </a:p>
+          <a:p>
+            <a:r>
+              <a:rPr lang="tr-TR" dirty="0" err="1" smtClean="0"/>
+              <a:t>Local</a:t>
+            </a:r>
+            <a:r>
+              <a:rPr lang="tr-TR" dirty="0" smtClean="0">
+                <a:sym typeface="Wingdings" panose="05000000000000000000" pitchFamily="2" charset="2"/>
+              </a:rPr>
+              <a:t></a:t>
+            </a:r>
+            <a:r>
+              <a:rPr lang="en-US" dirty="0"/>
+              <a:t>remote repository is in another directory on the same </a:t>
+            </a:r>
+            <a:r>
+              <a:rPr lang="en-US" dirty="0" smtClean="0"/>
+              <a:t>host</a:t>
+            </a:r>
+            <a:endParaRPr lang="tr-TR" dirty="0" smtClean="0"/>
+          </a:p>
+          <a:p>
+            <a:pPr marL="0" indent="0">
+              <a:buNone/>
+            </a:pPr>
+            <a:r>
+              <a:rPr lang="tr-TR" dirty="0" smtClean="0"/>
+              <a:t>	$ git </a:t>
+            </a:r>
+            <a:r>
+              <a:rPr lang="tr-TR" dirty="0" err="1"/>
+              <a:t>clone</a:t>
+            </a:r>
+            <a:r>
+              <a:rPr lang="tr-TR" dirty="0"/>
+              <a:t> /</a:t>
+            </a:r>
+            <a:r>
+              <a:rPr lang="tr-TR" dirty="0" err="1" smtClean="0"/>
+              <a:t>srv</a:t>
+            </a:r>
+            <a:r>
+              <a:rPr lang="tr-TR" dirty="0" smtClean="0"/>
+              <a:t>/git/</a:t>
+            </a:r>
+            <a:r>
+              <a:rPr lang="tr-TR" dirty="0" err="1" smtClean="0"/>
+              <a:t>project.git</a:t>
+            </a:r>
+            <a:endParaRPr lang="tr-TR" dirty="0" smtClean="0"/>
+          </a:p>
+          <a:p>
+            <a:r>
+              <a:rPr lang="en-US" dirty="0" smtClean="0"/>
+              <a:t>HTTP</a:t>
+            </a:r>
+            <a:r>
+              <a:rPr lang="tr-TR" dirty="0" smtClean="0">
+                <a:sym typeface="Wingdings" panose="05000000000000000000" pitchFamily="2" charset="2"/>
+              </a:rPr>
+              <a:t> </a:t>
+            </a:r>
+            <a:r>
+              <a:rPr lang="tr-TR" dirty="0" err="1" smtClean="0">
+                <a:sym typeface="Wingdings" panose="05000000000000000000" pitchFamily="2" charset="2"/>
+              </a:rPr>
+              <a:t>Dumb</a:t>
+            </a:r>
+            <a:r>
+              <a:rPr lang="tr-TR" dirty="0" smtClean="0">
+                <a:sym typeface="Wingdings" panose="05000000000000000000" pitchFamily="2" charset="2"/>
+              </a:rPr>
+              <a:t> HTTP </a:t>
+            </a:r>
+            <a:r>
+              <a:rPr lang="tr-TR" dirty="0" smtClean="0"/>
+              <a:t>Smart </a:t>
+            </a:r>
+            <a:r>
+              <a:rPr lang="tr-TR" dirty="0"/>
+              <a:t>HTTP </a:t>
+            </a:r>
+            <a:r>
+              <a:rPr lang="tr-TR" dirty="0" smtClean="0"/>
+              <a:t>,</a:t>
+            </a:r>
+          </a:p>
+          <a:p>
+            <a:r>
+              <a:rPr lang="tr-TR" dirty="0" smtClean="0"/>
+              <a:t>SSH</a:t>
+            </a:r>
+          </a:p>
+          <a:p>
+            <a:pPr marL="0" indent="0">
+              <a:buNone/>
+            </a:pPr>
+            <a:r>
+              <a:rPr lang="tr-TR" dirty="0" smtClean="0"/>
+              <a:t>  	$ </a:t>
+            </a:r>
+            <a:r>
+              <a:rPr lang="tr-TR" dirty="0"/>
+              <a:t>git </a:t>
+            </a:r>
+            <a:r>
+              <a:rPr lang="tr-TR" dirty="0" err="1"/>
+              <a:t>clone</a:t>
+            </a:r>
+            <a:r>
+              <a:rPr lang="tr-TR" dirty="0"/>
+              <a:t> ssh://[user@]</a:t>
+            </a:r>
+            <a:r>
+              <a:rPr lang="tr-TR" dirty="0" smtClean="0"/>
+              <a:t>server/project.git</a:t>
+            </a:r>
+          </a:p>
+          <a:p>
+            <a:pPr marL="0" indent="0">
+              <a:buNone/>
+            </a:pPr>
+            <a:r>
+              <a:rPr lang="tr-TR" dirty="0" smtClean="0"/>
+              <a:t>Git</a:t>
+            </a:r>
+            <a:r>
+              <a:rPr lang="tr-TR" dirty="0" smtClean="0">
+                <a:sym typeface="Wingdings" panose="05000000000000000000" pitchFamily="2" charset="2"/>
+              </a:rPr>
+              <a:t></a:t>
+            </a:r>
+            <a:r>
+              <a:rPr lang="en-US" dirty="0"/>
+              <a:t> </a:t>
+            </a:r>
+            <a:r>
+              <a:rPr lang="en-US" dirty="0" smtClean="0"/>
+              <a:t>listens </a:t>
+            </a:r>
+            <a:r>
+              <a:rPr lang="en-US" dirty="0"/>
+              <a:t>on a dedicated port (9418) that provides a service similar to the SSH protocol,</a:t>
+            </a:r>
+            <a:endParaRPr lang="tr-TR" dirty="0"/>
+          </a:p>
+          <a:p>
+            <a:endParaRPr lang="tr-TR" dirty="0"/>
+          </a:p>
+        </p:txBody>
+      </p:sp>
+    </p:spTree>
+    <p:extLst>
+      <p:ext uri="{BB962C8B-B14F-4D97-AF65-F5344CB8AC3E}">
+        <p14:creationId xmlns:p14="http://schemas.microsoft.com/office/powerpoint/2010/main" val="3215832301"/>
+      </p:ext>
+    </p:extLst>
+  </p:cSld>
+  <p:clrMapOvr>
+    <a:masterClrMapping/>
+  </p:clrMapOvr>
+</p:sld>
+</file>
+
+<file path=ppt/slides/slide14.xml><?xml version="1.0" encoding="utf-8"?>
+<p:sld xmlns:a="http://schemas.openxmlformats.org/drawingml/2006/main" xmlns:r="http://schemas.openxmlformats.org/officeDocument/2006/relationships" xmlns:p="http://schemas.openxmlformats.org/presentationml/2006/main">
+  <p:cSld>
+    <p:spTree>
+      <p:nvGrpSpPr>
+        <p:cNvPr id="1" name=""/>
+        <p:cNvGrpSpPr/>
+        <p:nvPr/>
+      </p:nvGrpSpPr>
+      <p:grpSpPr>
+        <a:xfrm>
+          <a:off x="0" y="0"/>
+          <a:ext cx="0" cy="0"/>
+          <a:chOff x="0" y="0"/>
+          <a:chExt cx="0" cy="0"/>
+        </a:xfrm>
+      </p:grpSpPr>
+      <p:sp>
+        <p:nvSpPr>
+          <p:cNvPr id="2" name="Unvan 1"/>
+          <p:cNvSpPr>
+            <a:spLocks noGrp="1"/>
+          </p:cNvSpPr>
+          <p:nvPr>
+            <p:ph type="title"/>
+          </p:nvPr>
+        </p:nvSpPr>
+        <p:spPr/>
+        <p:txBody>
+          <a:bodyPr/>
+          <a:lstStyle/>
+          <a:p>
+            <a:r>
+              <a:rPr lang="tr-TR" dirty="0" err="1" smtClean="0"/>
+              <a:t>Svn</a:t>
+            </a:r>
+            <a:r>
+              <a:rPr lang="tr-TR" dirty="0" smtClean="0"/>
+              <a:t> </a:t>
+            </a:r>
+            <a:r>
+              <a:rPr lang="tr-TR" dirty="0" err="1"/>
+              <a:t>Protocols</a:t>
+            </a:r>
+            <a:r>
+              <a:rPr lang="tr-TR" dirty="0"/>
+              <a:t>  </a:t>
+            </a:r>
+            <a:r>
+              <a:rPr lang="tr-TR" dirty="0" err="1"/>
+              <a:t>to</a:t>
+            </a:r>
+            <a:r>
+              <a:rPr lang="tr-TR" dirty="0"/>
+              <a:t> transfer data (TCP)</a:t>
+            </a:r>
+          </a:p>
+        </p:txBody>
+      </p:sp>
+      <p:sp>
+        <p:nvSpPr>
+          <p:cNvPr id="3" name="İçerik Yer Tutucusu 2"/>
+          <p:cNvSpPr>
+            <a:spLocks noGrp="1"/>
+          </p:cNvSpPr>
+          <p:nvPr>
+            <p:ph idx="1"/>
+          </p:nvPr>
+        </p:nvSpPr>
+        <p:spPr/>
+        <p:txBody>
+          <a:bodyPr/>
+          <a:lstStyle/>
+          <a:p>
+            <a:r>
+              <a:rPr lang="tr-TR" dirty="0"/>
+              <a:t>svn://repos</a:t>
+            </a:r>
+          </a:p>
+          <a:p>
+            <a:r>
+              <a:rPr lang="tr-TR" dirty="0" err="1"/>
+              <a:t>svn+ssh</a:t>
+            </a:r>
+            <a:r>
+              <a:rPr lang="tr-TR" dirty="0"/>
+              <a:t>://</a:t>
+            </a:r>
+            <a:r>
+              <a:rPr lang="tr-TR" dirty="0" err="1"/>
+              <a:t>repos</a:t>
+            </a:r>
+            <a:endParaRPr lang="tr-TR" dirty="0"/>
+          </a:p>
+          <a:p>
+            <a:r>
+              <a:rPr lang="tr-TR" dirty="0"/>
+              <a:t>https://repos</a:t>
+            </a:r>
+          </a:p>
+          <a:p>
+            <a:r>
+              <a:rPr lang="tr-TR" dirty="0"/>
+              <a:t>http://repos</a:t>
+            </a:r>
+          </a:p>
+        </p:txBody>
+      </p:sp>
+    </p:spTree>
+    <p:extLst>
+      <p:ext uri="{BB962C8B-B14F-4D97-AF65-F5344CB8AC3E}">
+        <p14:creationId xmlns:p14="http://schemas.microsoft.com/office/powerpoint/2010/main" val="2280933582"/>
+      </p:ext>
+    </p:extLst>
+  </p:cSld>
+  <p:clrMapOvr>
+    <a:masterClrMapping/>
+  </p:clrMapOvr>
 </p:sld>
 </file>
 
@@ -3331,8 +4325,8 @@
         </p:nvSpPr>
         <p:spPr>
           <a:xfrm>
-            <a:off x="839788" y="0"/>
-            <a:ext cx="3932237" cy="762000"/>
+            <a:off x="838200" y="365125"/>
+            <a:ext cx="10515600" cy="854075"/>
           </a:xfrm>
         </p:spPr>
         <p:txBody>
@@ -3341,56 +4335,26 @@
           <a:p>
             <a:r>
               <a:rPr lang="tr-TR" dirty="0" err="1" smtClean="0"/>
-              <a:t>Position</a:t>
-            </a:r>
-            <a:r>
-              <a:rPr lang="tr-TR" dirty="0" smtClean="0"/>
-              <a:t> of Protocol</a:t>
+              <a:t>Definitions</a:t>
             </a:r>
             <a:endParaRPr lang="tr-TR" dirty="0"/>
           </a:p>
         </p:txBody>
       </p:sp>
-      <p:pic>
-        <p:nvPicPr>
-          <p:cNvPr id="7" name="İçerik Yer Tutucusu 6"/>
-          <p:cNvPicPr>
-            <a:picLocks noGrp="1" noChangeAspect="1"/>
-          </p:cNvPicPr>
+      <p:sp>
+        <p:nvSpPr>
+          <p:cNvPr id="3" name="İçerik Yer Tutucusu 2"/>
+          <p:cNvSpPr>
+            <a:spLocks noGrp="1"/>
+          </p:cNvSpPr>
           <p:nvPr>
             <p:ph idx="1"/>
           </p:nvPr>
-        </p:nvPicPr>
-        <p:blipFill>
-          <a:blip r:embed="rId2"/>
-          <a:stretch>
-            <a:fillRect/>
-          </a:stretch>
-        </p:blipFill>
+        </p:nvSpPr>
         <p:spPr>
           <a:xfrm>
-            <a:off x="8931021" y="3801872"/>
-            <a:ext cx="3114675" cy="2067116"/>
-          </a:xfrm>
-          <a:prstGeom prst="rect">
-            <a:avLst/>
-          </a:prstGeom>
-        </p:spPr>
-      </p:pic>
-      <p:sp>
-        <p:nvSpPr>
-          <p:cNvPr id="6" name="Metin Yer Tutucusu 5"/>
-          <p:cNvSpPr>
-            <a:spLocks noGrp="1"/>
-          </p:cNvSpPr>
-          <p:nvPr>
-            <p:ph type="body" sz="half" idx="2"/>
-          </p:nvPr>
-        </p:nvSpPr>
-        <p:spPr>
-          <a:xfrm>
-            <a:off x="839788" y="762000"/>
-            <a:ext cx="11205908" cy="5772912"/>
+            <a:off x="838200" y="1121664"/>
+            <a:ext cx="10515600" cy="5055299"/>
           </a:xfrm>
         </p:spPr>
         <p:txBody>
@@ -3398,241 +4362,56 @@
           <a:lstStyle/>
           <a:p>
             <a:r>
+              <a:rPr lang="tr-TR" b="1" dirty="0" err="1" smtClean="0"/>
+              <a:t>Repository</a:t>
+            </a:r>
+            <a:r>
+              <a:rPr lang="tr-TR" b="1" dirty="0" smtClean="0"/>
+              <a:t>,</a:t>
+            </a:r>
+            <a:r>
               <a:rPr lang="tr-TR" dirty="0" smtClean="0"/>
-              <a:t>IEEE Software life </a:t>
-            </a:r>
-            <a:r>
-              <a:rPr lang="tr-TR" dirty="0" err="1" smtClean="0"/>
-              <a:t>cycle</a:t>
-            </a:r>
-            <a:r>
-              <a:rPr lang="tr-TR" dirty="0" err="1" smtClean="0">
-                <a:sym typeface="Wingdings" panose="05000000000000000000" pitchFamily="2" charset="2"/>
-              </a:rPr>
-              <a:t>SCMVersion</a:t>
-            </a:r>
-            <a:r>
-              <a:rPr lang="tr-TR" dirty="0" smtClean="0">
-                <a:sym typeface="Wingdings" panose="05000000000000000000" pitchFamily="2" charset="2"/>
-              </a:rPr>
-              <a:t> Control</a:t>
-            </a:r>
-          </a:p>
-          <a:p>
-            <a:r>
-              <a:rPr lang="tr-TR" sz="2000" b="1" dirty="0" smtClean="0">
-                <a:sym typeface="Wingdings" panose="05000000000000000000" pitchFamily="2" charset="2"/>
-              </a:rPr>
-              <a:t>SCM</a:t>
-            </a:r>
-          </a:p>
-          <a:p>
-            <a:pPr marL="285750" indent="-285750">
-              <a:buFont typeface="Arial" panose="020B0604020202020204" pitchFamily="34" charset="0"/>
-              <a:buChar char="•"/>
+              <a:t> </a:t>
+            </a:r>
+            <a:r>
+              <a:rPr lang="en-US" dirty="0"/>
+              <a:t>a data structure which stores metadata for a set of files or directory structure</a:t>
+            </a:r>
+            <a:endParaRPr lang="tr-TR" dirty="0" smtClean="0"/>
+          </a:p>
+          <a:p>
+            <a:r>
+              <a:rPr lang="en-US" dirty="0">
+                <a:hlinkClick r:id="rId2" tooltip="Software repository"/>
+              </a:rPr>
+              <a:t>Software repository</a:t>
+            </a:r>
+            <a:r>
+              <a:rPr lang="en-US" dirty="0"/>
+              <a:t>, a storage location for software packages</a:t>
+            </a:r>
+          </a:p>
+          <a:p>
+            <a:endParaRPr lang="tr-TR" dirty="0"/>
+          </a:p>
+          <a:p>
+            <a:pPr marL="0" indent="0">
+              <a:buNone/>
             </a:pPr>
-            <a:r>
-              <a:rPr lang="en-US" dirty="0"/>
-              <a:t>Configuration identification - Identifying configurations, </a:t>
-            </a:r>
-            <a:r>
-              <a:rPr lang="en-US" dirty="0">
-                <a:hlinkClick r:id="rId3" tooltip="Configuration item"/>
-              </a:rPr>
-              <a:t>configuration items</a:t>
-            </a:r>
-            <a:r>
-              <a:rPr lang="en-US" dirty="0"/>
-              <a:t> and </a:t>
-            </a:r>
-            <a:r>
-              <a:rPr lang="en-US" dirty="0">
-                <a:hlinkClick r:id="rId4" tooltip="Baseline (configuration management)"/>
-              </a:rPr>
-              <a:t>baselines</a:t>
-            </a:r>
-            <a:r>
-              <a:rPr lang="en-US" dirty="0"/>
-              <a:t>.</a:t>
-            </a:r>
-          </a:p>
-          <a:p>
-            <a:pPr marL="285750" indent="-285750">
-              <a:buFont typeface="Arial" panose="020B0604020202020204" pitchFamily="34" charset="0"/>
-              <a:buChar char="•"/>
-            </a:pPr>
-            <a:r>
-              <a:rPr lang="en-US" dirty="0"/>
-              <a:t>Configuration control - Implementing a </a:t>
-            </a:r>
-            <a:r>
-              <a:rPr lang="en-US" dirty="0">
-                <a:hlinkClick r:id="rId5" tooltip="Change control"/>
-              </a:rPr>
-              <a:t>controlled change</a:t>
-            </a:r>
-            <a:r>
-              <a:rPr lang="en-US" dirty="0"/>
-              <a:t> process. This is usually achieved by setting up a </a:t>
-            </a:r>
-            <a:r>
-              <a:rPr lang="en-US" dirty="0">
-                <a:hlinkClick r:id="rId6" tooltip="Change control board"/>
-              </a:rPr>
-              <a:t>change control board</a:t>
-            </a:r>
-            <a:r>
-              <a:rPr lang="en-US" dirty="0"/>
-              <a:t> whose primary function is to approve or reject all change requests that are sent against any baseline.</a:t>
-            </a:r>
-          </a:p>
-          <a:p>
-            <a:pPr marL="285750" indent="-285750">
-              <a:buFont typeface="Arial" panose="020B0604020202020204" pitchFamily="34" charset="0"/>
-              <a:buChar char="•"/>
-            </a:pPr>
-            <a:r>
-              <a:rPr lang="en-US" dirty="0"/>
-              <a:t>Configuration status accounting - Recording and reporting all the necessary information on the status of the development process.</a:t>
-            </a:r>
-          </a:p>
-          <a:p>
-            <a:pPr marL="285750" indent="-285750">
-              <a:buFont typeface="Arial" panose="020B0604020202020204" pitchFamily="34" charset="0"/>
-              <a:buChar char="•"/>
-            </a:pPr>
-            <a:r>
-              <a:rPr lang="en-US" dirty="0"/>
-              <a:t>Configuration auditing - Ensuring that configurations contain all their intended parts and are sound with respect to their specifying documents, including requirements, architectural specifications and user manuals.</a:t>
-            </a:r>
-          </a:p>
-          <a:p>
-            <a:pPr marL="285750" indent="-285750">
-              <a:buFont typeface="Arial" panose="020B0604020202020204" pitchFamily="34" charset="0"/>
-              <a:buChar char="•"/>
-            </a:pPr>
-            <a:r>
-              <a:rPr lang="en-US" dirty="0">
-                <a:hlinkClick r:id="rId7" tooltip="Build management"/>
-              </a:rPr>
-              <a:t>Build management</a:t>
-            </a:r>
-            <a:r>
-              <a:rPr lang="en-US" dirty="0"/>
-              <a:t> - Managing the process and tools used for builds.</a:t>
-            </a:r>
-          </a:p>
-          <a:p>
-            <a:pPr marL="285750" indent="-285750">
-              <a:buFont typeface="Arial" panose="020B0604020202020204" pitchFamily="34" charset="0"/>
-              <a:buChar char="•"/>
-            </a:pPr>
-            <a:r>
-              <a:rPr lang="en-US" dirty="0">
-                <a:hlinkClick r:id="rId8" tooltip="Process management (computing)"/>
-              </a:rPr>
-              <a:t>Process management</a:t>
-            </a:r>
-            <a:r>
-              <a:rPr lang="en-US" dirty="0"/>
-              <a:t> - Ensuring adherence to the organization's development process.</a:t>
-            </a:r>
-          </a:p>
-          <a:p>
-            <a:pPr marL="285750" indent="-285750">
-              <a:buFont typeface="Arial" panose="020B0604020202020204" pitchFamily="34" charset="0"/>
-              <a:buChar char="•"/>
-            </a:pPr>
-            <a:r>
-              <a:rPr lang="en-US" dirty="0"/>
-              <a:t>Environment management - Managing the software and hardware that host the system.</a:t>
-            </a:r>
-          </a:p>
-          <a:p>
-            <a:pPr marL="285750" indent="-285750">
-              <a:buFont typeface="Arial" panose="020B0604020202020204" pitchFamily="34" charset="0"/>
-              <a:buChar char="•"/>
-            </a:pPr>
-            <a:r>
-              <a:rPr lang="en-US" dirty="0">
-                <a:hlinkClick r:id="rId9" tooltip="Teamwork"/>
-              </a:rPr>
-              <a:t>Teamwork</a:t>
-            </a:r>
-            <a:r>
-              <a:rPr lang="en-US" dirty="0"/>
-              <a:t> - Facilitate team interactions related to the process.</a:t>
-            </a:r>
-          </a:p>
-          <a:p>
-            <a:pPr marL="285750" indent="-285750">
-              <a:buFont typeface="Arial" panose="020B0604020202020204" pitchFamily="34" charset="0"/>
-              <a:buChar char="•"/>
-            </a:pPr>
-            <a:r>
-              <a:rPr lang="en-US" dirty="0"/>
-              <a:t>Defect tracking - Making sure every defect has traceability back to the source.</a:t>
-            </a:r>
-          </a:p>
-          <a:p>
-            <a:r>
-              <a:rPr lang="en-US" dirty="0"/>
-              <a:t>With the introduction of </a:t>
-            </a:r>
-            <a:r>
-              <a:rPr lang="en-US" dirty="0">
-                <a:hlinkClick r:id="rId10" tooltip="Cloud computing"/>
-              </a:rPr>
-              <a:t>cloud computing</a:t>
-            </a:r>
-            <a:r>
-              <a:rPr lang="en-US" dirty="0"/>
-              <a:t> and </a:t>
-            </a:r>
-            <a:r>
-              <a:rPr lang="en-US" dirty="0">
-                <a:hlinkClick r:id="rId11" tooltip="DevOps"/>
-              </a:rPr>
-              <a:t>DevOps</a:t>
-            </a:r>
-            <a:r>
-              <a:rPr lang="en-US" dirty="0"/>
-              <a:t> the purposes of SCM tools have become </a:t>
-            </a:r>
-            <a:endParaRPr lang="tr-TR" dirty="0" smtClean="0"/>
-          </a:p>
-          <a:p>
-            <a:r>
-              <a:rPr lang="en-US" dirty="0" smtClean="0"/>
-              <a:t>merged </a:t>
-            </a:r>
-            <a:r>
-              <a:rPr lang="en-US" dirty="0"/>
-              <a:t>in some cases. </a:t>
-            </a:r>
-            <a:endParaRPr lang="tr-TR" dirty="0" smtClean="0">
-              <a:sym typeface="Wingdings" panose="05000000000000000000" pitchFamily="2" charset="2"/>
-            </a:endParaRPr>
+            <a:endParaRPr lang="tr-TR" dirty="0"/>
           </a:p>
         </p:txBody>
       </p:sp>
     </p:spTree>
     <p:extLst>
       <p:ext uri="{BB962C8B-B14F-4D97-AF65-F5344CB8AC3E}">
-        <p14:creationId xmlns:p14="http://schemas.microsoft.com/office/powerpoint/2010/main" val="2047714728"/>
+        <p14:creationId xmlns:p14="http://schemas.microsoft.com/office/powerpoint/2010/main" val="2114089035"/>
       </p:ext>
     </p:extLst>
   </p:cSld>
   <p:clrMapOvr>
     <a:masterClrMapping/>
   </p:clrMapOvr>
-  <p:timing>
-    <p:tnLst>
-      <p:par>
-        <p:cTn id="1" dur="indefinite" restart="never" nodeType="tmRoot"/>
-      </p:par>
-    </p:tnLst>
-  </p:timing>
 </p:sld>
 </file>
 
@@ -3655,15 +4434,20 @@
       </p:grpSpPr>
       <p:sp>
         <p:nvSpPr>
-          <p:cNvPr id="5" name="Unvan 4"/>
-          <p:cNvSpPr>
-            <a:spLocks noGrp="1"/>
-          </p:cNvSpPr>
-          <p:nvPr>
-            <p:ph type="title"/>
-          </p:nvPr>
-        </p:nvSpPr>
-        <p:spPr/>
+          <p:cNvPr id="2" name="Unvan 1"/>
+          <p:cNvSpPr>
+            <a:spLocks noGrp="1"/>
+          </p:cNvSpPr>
+          <p:nvPr>
+            <p:ph type="ctrTitle"/>
+          </p:nvPr>
+        </p:nvSpPr>
+        <p:spPr>
+          <a:xfrm>
+            <a:off x="1487424" y="207963"/>
+            <a:ext cx="9144000" cy="1218501"/>
+          </a:xfrm>
+        </p:spPr>
         <p:txBody>
           <a:bodyPr/>
           <a:lstStyle/>
@@ -3674,7 +4458,11 @@
             </a:r>
             <a:r>
               <a:rPr lang="tr-TR" dirty="0" smtClean="0"/>
-              <a:t> Control</a:t>
+              <a:t> Control </a:t>
+            </a:r>
+            <a:r>
+              <a:rPr lang="tr-TR" dirty="0" err="1" smtClean="0"/>
+              <a:t>Protocols</a:t>
             </a:r>
             <a:endParaRPr lang="tr-TR" dirty="0"/>
           </a:p>
@@ -3682,100 +4470,271 @@
       </p:sp>
       <p:sp>
         <p:nvSpPr>
-          <p:cNvPr id="6" name="İçerik Yer Tutucusu 5"/>
-          <p:cNvSpPr>
-            <a:spLocks noGrp="1"/>
-          </p:cNvSpPr>
-          <p:nvPr>
-            <p:ph idx="1"/>
-          </p:nvPr>
-        </p:nvSpPr>
-        <p:spPr/>
-        <p:txBody>
-          <a:bodyPr/>
-          <a:lstStyle/>
-          <a:p>
-            <a:r>
-              <a:rPr lang="en-US" dirty="0"/>
-              <a:t>In computer </a:t>
-            </a:r>
-            <a:r>
-              <a:rPr lang="en-US" dirty="0">
-                <a:hlinkClick r:id="rId2" tooltip="Software engineering"/>
-              </a:rPr>
-              <a:t>software engineering</a:t>
-            </a:r>
-            <a:r>
-              <a:rPr lang="en-US" dirty="0"/>
-              <a:t>, revision control is any kind of practice that tracks and provides control over changes to </a:t>
-            </a:r>
-            <a:r>
-              <a:rPr lang="en-US" dirty="0">
-                <a:hlinkClick r:id="rId3" tooltip="Source code"/>
-              </a:rPr>
-              <a:t>source </a:t>
-            </a:r>
-            <a:r>
-              <a:rPr lang="en-US" dirty="0" smtClean="0">
-                <a:hlinkClick r:id="rId3" tooltip="Source code"/>
-              </a:rPr>
-              <a:t>code</a:t>
+          <p:cNvPr id="3" name="Alt Başlık 2"/>
+          <p:cNvSpPr>
+            <a:spLocks noGrp="1"/>
+          </p:cNvSpPr>
+          <p:nvPr>
+            <p:ph type="subTitle" idx="1"/>
+          </p:nvPr>
+        </p:nvSpPr>
+        <p:spPr>
+          <a:xfrm>
+            <a:off x="231648" y="1426464"/>
+            <a:ext cx="11960352" cy="4913376"/>
+          </a:xfrm>
+        </p:spPr>
+        <p:txBody>
+          <a:bodyPr>
+            <a:normAutofit fontScale="92500"/>
+          </a:bodyPr>
+          <a:lstStyle/>
+          <a:p>
+            <a:r>
+              <a:rPr lang="tr-TR" dirty="0" err="1" smtClean="0"/>
+              <a:t>In</a:t>
+            </a:r>
+            <a:r>
+              <a:rPr lang="tr-TR" dirty="0" smtClean="0"/>
+              <a:t> software </a:t>
+            </a:r>
+            <a:r>
+              <a:rPr lang="tr-TR" dirty="0" err="1" smtClean="0"/>
+              <a:t>engineering</a:t>
             </a:r>
             <a:r>
               <a:rPr lang="tr-TR" dirty="0" smtClean="0"/>
               <a:t>, </a:t>
             </a:r>
             <a:r>
-              <a:rPr lang="tr-TR" dirty="0" err="1" smtClean="0"/>
-              <a:t>document</a:t>
-            </a:r>
-            <a:r>
-              <a:rPr lang="tr-TR" dirty="0" smtClean="0"/>
-              <a:t>, </a:t>
-            </a:r>
-            <a:r>
-              <a:rPr lang="tr-TR" dirty="0" err="1" smtClean="0"/>
-              <a:t>configuretion</a:t>
+              <a:rPr lang="tr-TR" b="1" dirty="0" err="1" smtClean="0"/>
+              <a:t>version</a:t>
+            </a:r>
+            <a:r>
+              <a:rPr lang="tr-TR" b="1" dirty="0" smtClean="0"/>
+              <a:t> </a:t>
+            </a:r>
+            <a:r>
+              <a:rPr lang="tr-TR" b="1" dirty="0" err="1"/>
+              <a:t>control</a:t>
+            </a:r>
+            <a:r>
+              <a:rPr lang="tr-TR" dirty="0"/>
+              <a:t> </a:t>
+            </a:r>
+          </a:p>
+          <a:p>
+            <a:pPr algn="l"/>
+            <a:r>
+              <a:rPr lang="tr-TR" dirty="0" err="1"/>
+              <a:t>also</a:t>
+            </a:r>
+            <a:r>
+              <a:rPr lang="tr-TR" dirty="0"/>
+              <a:t> </a:t>
+            </a:r>
+            <a:r>
+              <a:rPr lang="tr-TR" dirty="0" err="1"/>
+              <a:t>known</a:t>
+            </a:r>
+            <a:r>
+              <a:rPr lang="tr-TR" dirty="0"/>
+              <a:t> as</a:t>
+            </a:r>
+            <a:endParaRPr lang="tr-TR" dirty="0" smtClean="0"/>
+          </a:p>
+          <a:p>
+            <a:pPr marL="342900" indent="-342900" algn="l">
+              <a:buFont typeface="Arial" panose="020B0604020202020204" pitchFamily="34" charset="0"/>
+              <a:buChar char="•"/>
+            </a:pPr>
+            <a:r>
+              <a:rPr lang="tr-TR" b="1" dirty="0" err="1" smtClean="0"/>
+              <a:t>revision</a:t>
+            </a:r>
+            <a:r>
+              <a:rPr lang="tr-TR" b="1" dirty="0" smtClean="0"/>
+              <a:t> </a:t>
+            </a:r>
+            <a:r>
+              <a:rPr lang="tr-TR" b="1" dirty="0" err="1"/>
+              <a:t>control</a:t>
             </a:r>
             <a:r>
               <a:rPr lang="tr-TR" dirty="0" smtClean="0"/>
               <a:t> </a:t>
             </a:r>
-            <a:r>
-              <a:rPr lang="tr-TR" dirty="0" err="1" smtClean="0"/>
-              <a:t>files</a:t>
-            </a:r>
-            <a:r>
-              <a:rPr lang="tr-TR" dirty="0" smtClean="0"/>
-              <a:t>…</a:t>
-            </a:r>
-          </a:p>
-          <a:p>
-            <a:r>
-              <a:rPr lang="en-US" dirty="0"/>
-              <a:t>As teams design, develop and deploy software, it is common for multiple versions of the same </a:t>
+          </a:p>
+          <a:p>
+            <a:pPr marL="342900" indent="-342900" algn="l">
+              <a:buFont typeface="Arial" panose="020B0604020202020204" pitchFamily="34" charset="0"/>
+              <a:buChar char="•"/>
+            </a:pPr>
+            <a:r>
+              <a:rPr lang="tr-TR" b="1" dirty="0" err="1"/>
+              <a:t>source</a:t>
+            </a:r>
+            <a:r>
+              <a:rPr lang="tr-TR" b="1" dirty="0"/>
+              <a:t> </a:t>
+            </a:r>
+            <a:r>
+              <a:rPr lang="tr-TR" b="1" dirty="0" err="1" smtClean="0"/>
+              <a:t>control</a:t>
+            </a:r>
+            <a:endParaRPr lang="tr-TR" b="1" dirty="0" smtClean="0"/>
+          </a:p>
+          <a:p>
+            <a:pPr marL="342900" indent="-342900" algn="l">
+              <a:buFont typeface="Arial" panose="020B0604020202020204" pitchFamily="34" charset="0"/>
+              <a:buChar char="•"/>
+            </a:pPr>
+            <a:r>
+              <a:rPr lang="tr-TR" b="1" dirty="0" err="1"/>
+              <a:t>source</a:t>
+            </a:r>
+            <a:r>
+              <a:rPr lang="tr-TR" b="1" dirty="0"/>
+              <a:t> </a:t>
+            </a:r>
+            <a:r>
+              <a:rPr lang="tr-TR" b="1" dirty="0" err="1"/>
+              <a:t>code</a:t>
+            </a:r>
+            <a:r>
+              <a:rPr lang="tr-TR" b="1" dirty="0"/>
+              <a:t> </a:t>
+            </a:r>
+            <a:r>
+              <a:rPr lang="tr-TR" b="1" dirty="0" err="1" smtClean="0"/>
+              <a:t>management</a:t>
+            </a:r>
+            <a:endParaRPr lang="tr-TR" b="1" dirty="0" smtClean="0"/>
+          </a:p>
+          <a:p>
+            <a:pPr algn="l"/>
+            <a:r>
+              <a:rPr lang="en-US" dirty="0"/>
+              <a:t> is a class of systems responsible for managing changes to </a:t>
+            </a:r>
+            <a:r>
+              <a:rPr lang="en-US" dirty="0">
+                <a:hlinkClick r:id="rId2" tooltip="Computer program"/>
+              </a:rPr>
+              <a:t>computer programs</a:t>
+            </a:r>
+            <a:r>
+              <a:rPr lang="en-US" dirty="0"/>
+              <a:t>, documents, large web sites, or other collections of </a:t>
             </a:r>
             <a:r>
               <a:rPr lang="en-US" dirty="0" smtClean="0"/>
-              <a:t>software</a:t>
+              <a:t>information</a:t>
             </a:r>
             <a:endParaRPr lang="tr-TR" dirty="0" smtClean="0"/>
           </a:p>
           <a:p>
-            <a:r>
-              <a:rPr lang="en-US" dirty="0"/>
-              <a:t>At the simplest level, developers could simply retain multiple copies of the different versions of the program, and label them </a:t>
+            <a:pPr algn="l"/>
+            <a:r>
+              <a:rPr lang="en-US" dirty="0"/>
+              <a:t>Version control is a component of </a:t>
+            </a:r>
+            <a:r>
+              <a:rPr lang="en-US" dirty="0">
+                <a:hlinkClick r:id="rId3" tooltip="Software configuration management"/>
+              </a:rPr>
+              <a:t>software configuration management</a:t>
             </a:r>
             <a:r>
               <a:rPr lang="en-US" dirty="0" smtClean="0"/>
-              <a:t>appropriately</a:t>
+              <a:t>.</a:t>
             </a:r>
             <a:endParaRPr lang="tr-TR" dirty="0" smtClean="0"/>
           </a:p>
           <a:p>
-            <a:pPr marL="0" indent="0">
-              <a:buNone/>
-            </a:pPr>
+            <a:pPr algn="l"/>
+            <a:r>
+              <a:rPr lang="en-US" dirty="0"/>
+              <a:t>In </a:t>
+            </a:r>
+            <a:r>
+              <a:rPr lang="en-US" dirty="0">
+                <a:hlinkClick r:id="rId4" tooltip="Software engineering"/>
+              </a:rPr>
+              <a:t>software engineering</a:t>
+            </a:r>
+            <a:r>
+              <a:rPr lang="en-US" dirty="0"/>
+              <a:t>, </a:t>
+            </a:r>
+            <a:r>
+              <a:rPr lang="en-US" b="1" dirty="0"/>
+              <a:t>software configuration management</a:t>
+            </a:r>
+            <a:r>
+              <a:rPr lang="en-US" dirty="0"/>
+              <a:t> (</a:t>
+            </a:r>
+            <a:r>
+              <a:rPr lang="en-US" b="1" dirty="0"/>
+              <a:t>SCM</a:t>
+            </a:r>
+            <a:r>
+              <a:rPr lang="en-US" dirty="0"/>
+              <a:t> or </a:t>
+            </a:r>
+            <a:r>
+              <a:rPr lang="en-US" b="1" dirty="0"/>
+              <a:t>S/W CM</a:t>
+            </a:r>
+            <a:r>
+              <a:rPr lang="en-US" dirty="0"/>
+              <a:t>) is the task of tracking and controlling changes in the software, part of the larger cross-disciplinary field of </a:t>
+            </a:r>
+            <a:r>
+              <a:rPr lang="en-US" dirty="0">
+                <a:hlinkClick r:id="rId5" tooltip="Configuration management"/>
+              </a:rPr>
+              <a:t>configuration </a:t>
+            </a:r>
+            <a:r>
+              <a:rPr lang="en-US" dirty="0" err="1" smtClean="0">
+                <a:hlinkClick r:id="rId5" tooltip="Configuration management"/>
+              </a:rPr>
+              <a:t>management</a:t>
+            </a:r>
+            <a:r>
+              <a:rPr lang="en-US" dirty="0" err="1" smtClean="0"/>
+              <a:t>.SCM</a:t>
+            </a:r>
+            <a:r>
+              <a:rPr lang="en-US" dirty="0" smtClean="0"/>
+              <a:t> </a:t>
+            </a:r>
+            <a:r>
+              <a:rPr lang="en-US" dirty="0"/>
+              <a:t>practices include </a:t>
+            </a:r>
+            <a:r>
+              <a:rPr lang="en-US" dirty="0">
+                <a:hlinkClick r:id="rId6" tooltip="Revision control"/>
+              </a:rPr>
+              <a:t>revision control</a:t>
+            </a:r>
+            <a:r>
+              <a:rPr lang="en-US" dirty="0"/>
+              <a:t> and the establishment of </a:t>
+            </a:r>
+            <a:r>
+              <a:rPr lang="en-US" dirty="0">
+                <a:hlinkClick r:id="rId7" tooltip="Baseline (configuration management)"/>
+              </a:rPr>
+              <a:t>baselines</a:t>
+            </a:r>
+            <a:r>
+              <a:rPr lang="en-US" dirty="0"/>
+              <a:t>. If something goes wrong, SCM can determine the "what, when, why and who" of the change. If a configuration is working well, SCM can determine how to replicate it across many hosts.</a:t>
+            </a:r>
             <a:endParaRPr lang="tr-TR" dirty="0"/>
           </a:p>
         </p:txBody>
@@ -3783,7 +4742,7 @@
     </p:spTree>
     <p:extLst>
       <p:ext uri="{BB962C8B-B14F-4D97-AF65-F5344CB8AC3E}">
-        <p14:creationId xmlns:p14="http://schemas.microsoft.com/office/powerpoint/2010/main" val="2590588202"/>
+        <p14:creationId xmlns:p14="http://schemas.microsoft.com/office/powerpoint/2010/main" val="2750131964"/>
       </p:ext>
     </p:extLst>
   </p:cSld>
@@ -3829,339 +4788,295 @@
         </p:nvSpPr>
         <p:spPr>
           <a:xfrm>
-            <a:off x="838200" y="267589"/>
-            <a:ext cx="10515600" cy="744347"/>
+            <a:off x="839788" y="0"/>
+            <a:ext cx="3932237" cy="762000"/>
           </a:xfrm>
         </p:spPr>
         <p:txBody>
-          <a:bodyPr>
-            <a:normAutofit/>
-          </a:bodyPr>
-          <a:lstStyle/>
-          <a:p>
-            <a:pPr algn="ctr"/>
+          <a:bodyPr/>
+          <a:lstStyle/>
+          <a:p>
             <a:r>
               <a:rPr lang="tr-TR" dirty="0" err="1" smtClean="0"/>
-              <a:t>Version</a:t>
+              <a:t>Position</a:t>
             </a:r>
             <a:r>
               <a:rPr lang="tr-TR" dirty="0" smtClean="0"/>
-              <a:t> Control Software Model</a:t>
+              <a:t> of Protocol</a:t>
             </a:r>
             <a:endParaRPr lang="tr-TR" dirty="0"/>
           </a:p>
         </p:txBody>
       </p:sp>
-      <p:sp>
-        <p:nvSpPr>
-          <p:cNvPr id="3" name="İçerik Yer Tutucusu 2"/>
-          <p:cNvSpPr>
-            <a:spLocks noGrp="1"/>
-          </p:cNvSpPr>
+      <p:pic>
+        <p:nvPicPr>
+          <p:cNvPr id="7" name="İçerik Yer Tutucusu 6"/>
+          <p:cNvPicPr>
+            <a:picLocks noGrp="1" noChangeAspect="1"/>
+          </p:cNvPicPr>
           <p:nvPr>
             <p:ph idx="1"/>
           </p:nvPr>
-        </p:nvSpPr>
+        </p:nvPicPr>
+        <p:blipFill>
+          <a:blip r:embed="rId2"/>
+          <a:stretch>
+            <a:fillRect/>
+          </a:stretch>
+        </p:blipFill>
         <p:spPr>
           <a:xfrm>
-            <a:off x="838200" y="1011936"/>
-            <a:ext cx="10515600" cy="5846064"/>
+            <a:off x="8931021" y="3801872"/>
+            <a:ext cx="3114675" cy="2067116"/>
+          </a:xfrm>
+          <a:prstGeom prst="rect">
+            <a:avLst/>
+          </a:prstGeom>
+        </p:spPr>
+      </p:pic>
+      <p:sp>
+        <p:nvSpPr>
+          <p:cNvPr id="6" name="Metin Yer Tutucusu 5"/>
+          <p:cNvSpPr>
+            <a:spLocks noGrp="1"/>
+          </p:cNvSpPr>
+          <p:nvPr>
+            <p:ph type="body" sz="half" idx="2"/>
+          </p:nvPr>
+        </p:nvSpPr>
+        <p:spPr>
+          <a:xfrm>
+            <a:off x="839788" y="762000"/>
+            <a:ext cx="11205908" cy="5772912"/>
           </a:xfrm>
         </p:spPr>
         <p:txBody>
-          <a:bodyPr>
-            <a:normAutofit fontScale="92500" lnSpcReduction="10000"/>
-          </a:bodyPr>
-          <a:lstStyle/>
-          <a:p>
-            <a:pPr>
-              <a:buFont typeface="Wingdings" panose="05000000000000000000" pitchFamily="2" charset="2"/>
-              <a:buChar char="Ø"/>
+          <a:bodyPr/>
+          <a:lstStyle/>
+          <a:p>
+            <a:r>
+              <a:rPr lang="tr-TR" dirty="0" smtClean="0"/>
+              <a:t>IEEE Software life </a:t>
+            </a:r>
+            <a:r>
+              <a:rPr lang="tr-TR" dirty="0" err="1" smtClean="0"/>
+              <a:t>cycle</a:t>
+            </a:r>
+            <a:r>
+              <a:rPr lang="tr-TR" dirty="0" err="1" smtClean="0">
+                <a:sym typeface="Wingdings" panose="05000000000000000000" pitchFamily="2" charset="2"/>
+              </a:rPr>
+              <a:t>SCMVersion</a:t>
+            </a:r>
+            <a:r>
+              <a:rPr lang="tr-TR" dirty="0" smtClean="0">
+                <a:sym typeface="Wingdings" panose="05000000000000000000" pitchFamily="2" charset="2"/>
+              </a:rPr>
+              <a:t> Control</a:t>
+            </a:r>
+          </a:p>
+          <a:p>
+            <a:r>
+              <a:rPr lang="tr-TR" sz="2000" b="1" dirty="0" smtClean="0">
+                <a:sym typeface="Wingdings" panose="05000000000000000000" pitchFamily="2" charset="2"/>
+              </a:rPr>
+              <a:t>SCM</a:t>
+            </a:r>
+          </a:p>
+          <a:p>
+            <a:pPr marL="285750" indent="-285750">
+              <a:buFont typeface="Arial" panose="020B0604020202020204" pitchFamily="34" charset="0"/>
+              <a:buChar char="•"/>
             </a:pPr>
             <a:r>
-              <a:rPr lang="tr-TR" dirty="0" err="1"/>
-              <a:t>Local</a:t>
-            </a:r>
-            <a:r>
-              <a:rPr lang="tr-TR" dirty="0"/>
-              <a:t> data </a:t>
-            </a:r>
-            <a:r>
-              <a:rPr lang="tr-TR" dirty="0" smtClean="0"/>
-              <a:t>model</a:t>
-            </a:r>
-          </a:p>
-          <a:p>
-            <a:pPr marL="0" indent="0">
-              <a:buNone/>
+              <a:rPr lang="en-US" dirty="0"/>
+              <a:t>Configuration identification - Identifying configurations, </a:t>
+            </a:r>
+            <a:r>
+              <a:rPr lang="en-US" dirty="0">
+                <a:hlinkClick r:id="rId3" tooltip="Configuration item"/>
+              </a:rPr>
+              <a:t>configuration items</a:t>
+            </a:r>
+            <a:r>
+              <a:rPr lang="en-US" dirty="0"/>
+              <a:t> and </a:t>
+            </a:r>
+            <a:r>
+              <a:rPr lang="en-US" dirty="0">
+                <a:hlinkClick r:id="rId4" tooltip="Baseline (configuration management)"/>
+              </a:rPr>
+              <a:t>baselines</a:t>
+            </a:r>
+            <a:r>
+              <a:rPr lang="en-US" dirty="0"/>
+              <a:t>.</a:t>
+            </a:r>
+          </a:p>
+          <a:p>
+            <a:pPr marL="285750" indent="-285750">
+              <a:buFont typeface="Arial" panose="020B0604020202020204" pitchFamily="34" charset="0"/>
+              <a:buChar char="•"/>
             </a:pPr>
             <a:r>
-              <a:rPr lang="tr-TR" dirty="0" smtClean="0"/>
-              <a:t>	</a:t>
-            </a:r>
-            <a:r>
-              <a:rPr lang="en-US" i="1" dirty="0"/>
-              <a:t>In the local-only approach, all developers must use the same file system</a:t>
-            </a:r>
+              <a:rPr lang="en-US" dirty="0"/>
+              <a:t>Configuration control - Implementing a </a:t>
+            </a:r>
+            <a:r>
+              <a:rPr lang="en-US" dirty="0">
+                <a:hlinkClick r:id="rId5" tooltip="Change control"/>
+              </a:rPr>
+              <a:t>controlled change</a:t>
+            </a:r>
+            <a:r>
+              <a:rPr lang="en-US" dirty="0"/>
+              <a:t> process. This is usually achieved by setting up a </a:t>
+            </a:r>
+            <a:r>
+              <a:rPr lang="en-US" dirty="0">
+                <a:hlinkClick r:id="rId6" tooltip="Change control board"/>
+              </a:rPr>
+              <a:t>change control board</a:t>
+            </a:r>
+            <a:r>
+              <a:rPr lang="en-US" dirty="0"/>
+              <a:t> whose primary function is to approve or reject all change requests that are sent against any baseline.</a:t>
+            </a:r>
+          </a:p>
+          <a:p>
+            <a:pPr marL="285750" indent="-285750">
+              <a:buFont typeface="Arial" panose="020B0604020202020204" pitchFamily="34" charset="0"/>
+              <a:buChar char="•"/>
+            </a:pPr>
+            <a:r>
+              <a:rPr lang="en-US" dirty="0"/>
+              <a:t>Configuration status accounting - Recording and reporting all the necessary information on the status of the development process.</a:t>
+            </a:r>
+          </a:p>
+          <a:p>
+            <a:pPr marL="285750" indent="-285750">
+              <a:buFont typeface="Arial" panose="020B0604020202020204" pitchFamily="34" charset="0"/>
+              <a:buChar char="•"/>
+            </a:pPr>
+            <a:r>
+              <a:rPr lang="en-US" dirty="0"/>
+              <a:t>Configuration auditing - Ensuring that configurations contain all their intended parts and are sound with respect to their specifying documents, including requirements, architectural specifications and user manuals.</a:t>
+            </a:r>
+          </a:p>
+          <a:p>
+            <a:pPr marL="285750" indent="-285750">
+              <a:buFont typeface="Arial" panose="020B0604020202020204" pitchFamily="34" charset="0"/>
+              <a:buChar char="•"/>
+            </a:pPr>
+            <a:r>
+              <a:rPr lang="en-US" dirty="0">
+                <a:hlinkClick r:id="rId7" tooltip="Build management"/>
+              </a:rPr>
+              <a:t>Build management</a:t>
+            </a:r>
+            <a:r>
+              <a:rPr lang="en-US" dirty="0"/>
+              <a:t> - Managing the process and tools used for builds.</a:t>
+            </a:r>
+          </a:p>
+          <a:p>
+            <a:pPr marL="285750" indent="-285750">
+              <a:buFont typeface="Arial" panose="020B0604020202020204" pitchFamily="34" charset="0"/>
+              <a:buChar char="•"/>
+            </a:pPr>
+            <a:r>
+              <a:rPr lang="en-US" dirty="0">
+                <a:hlinkClick r:id="rId8" tooltip="Process management (computing)"/>
+              </a:rPr>
+              <a:t>Process management</a:t>
+            </a:r>
+            <a:r>
+              <a:rPr lang="en-US" dirty="0"/>
+              <a:t> - Ensuring adherence to the organization's development process.</a:t>
+            </a:r>
+          </a:p>
+          <a:p>
+            <a:pPr marL="285750" indent="-285750">
+              <a:buFont typeface="Arial" panose="020B0604020202020204" pitchFamily="34" charset="0"/>
+              <a:buChar char="•"/>
+            </a:pPr>
+            <a:r>
+              <a:rPr lang="en-US" dirty="0"/>
+              <a:t>Environment management - Managing the software and hardware that host the system.</a:t>
+            </a:r>
+          </a:p>
+          <a:p>
+            <a:pPr marL="285750" indent="-285750">
+              <a:buFont typeface="Arial" panose="020B0604020202020204" pitchFamily="34" charset="0"/>
+              <a:buChar char="•"/>
+            </a:pPr>
+            <a:r>
+              <a:rPr lang="en-US" dirty="0">
+                <a:hlinkClick r:id="rId9" tooltip="Teamwork"/>
+              </a:rPr>
+              <a:t>Teamwork</a:t>
+            </a:r>
+            <a:r>
+              <a:rPr lang="en-US" dirty="0"/>
+              <a:t> - Facilitate team interactions related to the process.</a:t>
+            </a:r>
+          </a:p>
+          <a:p>
+            <a:pPr marL="285750" indent="-285750">
+              <a:buFont typeface="Arial" panose="020B0604020202020204" pitchFamily="34" charset="0"/>
+              <a:buChar char="•"/>
+            </a:pPr>
+            <a:r>
+              <a:rPr lang="en-US" dirty="0"/>
+              <a:t>Defect tracking - Making sure every defect has traceability back to the source.</a:t>
+            </a:r>
+          </a:p>
+          <a:p>
+            <a:r>
+              <a:rPr lang="en-US" dirty="0"/>
+              <a:t>With the introduction of </a:t>
+            </a:r>
+            <a:r>
+              <a:rPr lang="en-US" dirty="0">
+                <a:hlinkClick r:id="rId10" tooltip="Cloud computing"/>
+              </a:rPr>
+              <a:t>cloud computing</a:t>
+            </a:r>
+            <a:r>
+              <a:rPr lang="en-US" dirty="0"/>
+              <a:t> and </a:t>
+            </a:r>
+            <a:r>
+              <a:rPr lang="en-US" dirty="0">
+                <a:hlinkClick r:id="rId11" tooltip="DevOps"/>
+              </a:rPr>
+              <a:t>DevOps</a:t>
+            </a:r>
+            <a:r>
+              <a:rPr lang="en-US" dirty="0"/>
+              <a:t> the purposes of SCM tools have become </a:t>
+            </a:r>
+            <a:endParaRPr lang="tr-TR" dirty="0" smtClean="0"/>
+          </a:p>
+          <a:p>
             <a:r>
               <a:rPr lang="en-US" dirty="0" smtClean="0"/>
-              <a:t>.</a:t>
-            </a:r>
-            <a:r>
-              <a:rPr lang="tr-TR" dirty="0" smtClean="0"/>
-              <a:t>(</a:t>
-            </a:r>
-            <a:r>
-              <a:rPr lang="tr-TR" u="sng" dirty="0" err="1">
-                <a:hlinkClick r:id="rId2"/>
-              </a:rPr>
-              <a:t>Revision</a:t>
-            </a:r>
-            <a:r>
-              <a:rPr lang="tr-TR" u="sng" dirty="0">
-                <a:hlinkClick r:id="rId2"/>
-              </a:rPr>
-              <a:t> Control </a:t>
-            </a:r>
-            <a:r>
-              <a:rPr lang="tr-TR" u="sng" dirty="0" err="1">
-                <a:hlinkClick r:id="rId2"/>
-              </a:rPr>
-              <a:t>System</a:t>
-            </a:r>
-            <a:r>
-              <a:rPr lang="tr-TR" dirty="0"/>
-              <a:t> (RCS</a:t>
-            </a:r>
-            <a:r>
-              <a:rPr lang="tr-TR" dirty="0" smtClean="0"/>
-              <a:t>),</a:t>
-            </a:r>
-            <a:r>
-              <a:rPr lang="en-US" u="sng" dirty="0">
-                <a:hlinkClick r:id="rId3"/>
-              </a:rPr>
-              <a:t> Source Code Control System</a:t>
-            </a:r>
-            <a:r>
-              <a:rPr lang="en-US" dirty="0"/>
-              <a:t> (SCCS) – part of </a:t>
-            </a:r>
-            <a:r>
-              <a:rPr lang="en-US" dirty="0">
-                <a:hlinkClick r:id="rId4" tooltip="Unix"/>
-              </a:rPr>
-              <a:t>UNIX</a:t>
-            </a:r>
-            <a:r>
-              <a:rPr lang="tr-TR" dirty="0" smtClean="0"/>
-              <a:t>)</a:t>
-            </a:r>
-            <a:endParaRPr lang="tr-TR" dirty="0"/>
-          </a:p>
-          <a:p>
-            <a:pPr>
-              <a:buFont typeface="Wingdings" panose="05000000000000000000" pitchFamily="2" charset="2"/>
-              <a:buChar char="Ø"/>
-            </a:pPr>
-            <a:r>
-              <a:rPr lang="tr-TR" dirty="0"/>
-              <a:t>Client-server </a:t>
-            </a:r>
-            <a:r>
-              <a:rPr lang="tr-TR" dirty="0" smtClean="0"/>
-              <a:t>model </a:t>
-            </a:r>
-          </a:p>
-          <a:p>
-            <a:pPr marL="0" indent="0">
-              <a:buNone/>
-            </a:pPr>
-            <a:r>
-              <a:rPr lang="en-US" i="1" dirty="0"/>
-              <a:t>In the client-server model, developers use a shared single repository</a:t>
-            </a:r>
-            <a:r>
-              <a:rPr lang="en-US" dirty="0" smtClean="0"/>
-              <a:t>.</a:t>
-            </a:r>
-            <a:endParaRPr lang="tr-TR" dirty="0" smtClean="0"/>
-          </a:p>
-          <a:p>
-            <a:pPr marL="0" indent="0">
-              <a:buNone/>
-            </a:pPr>
-            <a:r>
-              <a:rPr lang="tr-TR" dirty="0" smtClean="0">
-                <a:hlinkClick r:id="rId5" tooltip="IBM Rational ClearCase"/>
-              </a:rPr>
-              <a:t>IBM </a:t>
-            </a:r>
-            <a:r>
-              <a:rPr lang="tr-TR" dirty="0" err="1">
-                <a:hlinkClick r:id="rId5" tooltip="IBM Rational ClearCase"/>
-              </a:rPr>
-              <a:t>Rational</a:t>
-            </a:r>
-            <a:r>
-              <a:rPr lang="tr-TR" dirty="0">
-                <a:hlinkClick r:id="rId5" tooltip="IBM Rational ClearCase"/>
-              </a:rPr>
-              <a:t> </a:t>
-            </a:r>
-            <a:r>
-              <a:rPr lang="tr-TR" dirty="0" err="1" smtClean="0">
-                <a:hlinkClick r:id="rId5" tooltip="IBM Rational ClearCase"/>
-              </a:rPr>
-              <a:t>ClearCase</a:t>
-            </a:r>
-            <a:r>
-              <a:rPr lang="tr-TR" dirty="0" smtClean="0"/>
-              <a:t>,</a:t>
-            </a:r>
-            <a:r>
-              <a:rPr lang="en-US" dirty="0">
-                <a:hlinkClick r:id="rId6" tooltip="Visual SourceSafe"/>
-              </a:rPr>
-              <a:t> Visual SourceSafe</a:t>
-            </a:r>
-            <a:r>
-              <a:rPr lang="en-US" dirty="0"/>
-              <a:t> </a:t>
-            </a:r>
-            <a:r>
-              <a:rPr lang="en-US" dirty="0" smtClean="0"/>
-              <a:t>–by</a:t>
-            </a:r>
-            <a:r>
-              <a:rPr lang="en-US" dirty="0"/>
-              <a:t> </a:t>
-            </a:r>
-            <a:r>
-              <a:rPr lang="en-US" dirty="0">
-                <a:hlinkClick r:id="rId7" tooltip="Microsoft"/>
-              </a:rPr>
-              <a:t>Microsoft</a:t>
-            </a:r>
-            <a:r>
-              <a:rPr lang="en-US" dirty="0"/>
-              <a:t>; oriented toward small </a:t>
-            </a:r>
-            <a:r>
-              <a:rPr lang="en-US" dirty="0" smtClean="0"/>
-              <a:t>teams</a:t>
-            </a:r>
-            <a:r>
-              <a:rPr lang="tr-TR" dirty="0"/>
-              <a:t> </a:t>
-            </a:r>
-            <a:endParaRPr lang="tr-TR" dirty="0" smtClean="0"/>
-          </a:p>
-          <a:p>
-            <a:pPr marL="0" indent="0">
-              <a:buNone/>
-            </a:pPr>
-            <a:r>
-              <a:rPr lang="en-US" dirty="0">
-                <a:hlinkClick r:id="rId8" tooltip="Azure DevOps Server"/>
-              </a:rPr>
-              <a:t>Team Foundation Version Control</a:t>
-            </a:r>
-            <a:r>
-              <a:rPr lang="en-US" dirty="0"/>
-              <a:t>  - </a:t>
-            </a:r>
-            <a:r>
-              <a:rPr lang="en-US" dirty="0" smtClean="0"/>
-              <a:t>by</a:t>
-            </a:r>
-            <a:r>
-              <a:rPr lang="en-US" dirty="0"/>
-              <a:t> </a:t>
-            </a:r>
-            <a:r>
-              <a:rPr lang="en-US" dirty="0">
-                <a:hlinkClick r:id="rId7" tooltip="Microsoft"/>
-              </a:rPr>
-              <a:t>Microsoft</a:t>
-            </a:r>
-            <a:r>
-              <a:rPr lang="en-US" dirty="0"/>
-              <a:t> for Team Foundation Server, now </a:t>
-            </a:r>
-            <a:r>
-              <a:rPr lang="en-US" dirty="0">
-                <a:hlinkClick r:id="rId9" tooltip="Azure DevOps Server"/>
-              </a:rPr>
-              <a:t>Azure DevOps </a:t>
-            </a:r>
-            <a:r>
-              <a:rPr lang="en-US" dirty="0" smtClean="0">
-                <a:hlinkClick r:id="rId9" tooltip="Azure DevOps Server"/>
-              </a:rPr>
-              <a:t>Server</a:t>
-            </a:r>
-            <a:endParaRPr lang="tr-TR" dirty="0" smtClean="0"/>
-          </a:p>
-          <a:p>
-            <a:pPr marL="0" indent="0">
-              <a:buNone/>
-            </a:pPr>
-            <a:endParaRPr lang="tr-TR" dirty="0" smtClean="0"/>
-          </a:p>
-          <a:p>
-            <a:r>
-              <a:rPr lang="en-US" dirty="0">
-                <a:hlinkClick r:id="rId10" tooltip="Concurrent Versions System"/>
-              </a:rPr>
-              <a:t>Concurrent Versions System</a:t>
-            </a:r>
-            <a:r>
-              <a:rPr lang="en-US" dirty="0"/>
-              <a:t> (CVS) – originally built on RCS, licensed under the </a:t>
-            </a:r>
-            <a:r>
-              <a:rPr lang="en-US" dirty="0">
-                <a:hlinkClick r:id="rId11" tooltip="GPL"/>
-              </a:rPr>
-              <a:t>GPL</a:t>
-            </a:r>
-            <a:r>
-              <a:rPr lang="en-US" dirty="0"/>
-              <a:t>.</a:t>
-            </a:r>
-          </a:p>
-          <a:p>
-            <a:r>
-              <a:rPr lang="en-US" dirty="0" smtClean="0">
-                <a:hlinkClick r:id="rId12" tooltip="Subversion (software)"/>
-              </a:rPr>
-              <a:t>Subversion</a:t>
-            </a:r>
-            <a:r>
-              <a:rPr lang="en-US" dirty="0"/>
-              <a:t> (SVN) – versioning control system inspired by CVS</a:t>
-            </a:r>
-            <a:r>
-              <a:rPr lang="en-US" baseline="30000" dirty="0">
-                <a:hlinkClick r:id="rId13"/>
-              </a:rPr>
-              <a:t>[4]</a:t>
-            </a:r>
-            <a:endParaRPr lang="en-US" dirty="0"/>
-          </a:p>
-          <a:p>
-            <a:pPr marL="0" indent="0">
-              <a:buNone/>
-            </a:pPr>
-            <a:endParaRPr lang="tr-TR" dirty="0"/>
+              <a:t>merged </a:t>
+            </a:r>
+            <a:r>
+              <a:rPr lang="en-US" dirty="0"/>
+              <a:t>in some cases. </a:t>
+            </a:r>
+            <a:endParaRPr lang="tr-TR" dirty="0" smtClean="0">
+              <a:sym typeface="Wingdings" panose="05000000000000000000" pitchFamily="2" charset="2"/>
+            </a:endParaRPr>
           </a:p>
         </p:txBody>
       </p:sp>
     </p:spTree>
     <p:extLst>
       <p:ext uri="{BB962C8B-B14F-4D97-AF65-F5344CB8AC3E}">
-        <p14:creationId xmlns:p14="http://schemas.microsoft.com/office/powerpoint/2010/main" val="3100918853"/>
+        <p14:creationId xmlns:p14="http://schemas.microsoft.com/office/powerpoint/2010/main" val="2047714728"/>
       </p:ext>
     </p:extLst>
   </p:cSld>
@@ -4197,7 +5112,7 @@
       </p:grpSpPr>
       <p:sp>
         <p:nvSpPr>
-          <p:cNvPr id="2" name="Unvan 1"/>
+          <p:cNvPr id="5" name="Unvan 4"/>
           <p:cNvSpPr>
             <a:spLocks noGrp="1"/>
           </p:cNvSpPr>
@@ -4205,41 +5120,26 @@
             <p:ph type="title"/>
           </p:nvPr>
         </p:nvSpPr>
-        <p:spPr>
-          <a:xfrm>
-            <a:off x="838200" y="109093"/>
-            <a:ext cx="10515600" cy="634619"/>
-          </a:xfrm>
-        </p:spPr>
-        <p:txBody>
-          <a:bodyPr>
-            <a:normAutofit fontScale="90000"/>
-          </a:bodyPr>
-          <a:lstStyle/>
-          <a:p>
-            <a:pPr algn="ctr"/>
-            <a:r>
-              <a:rPr lang="tr-TR" b="1" dirty="0" err="1"/>
+        <p:spPr/>
+        <p:txBody>
+          <a:bodyPr/>
+          <a:lstStyle/>
+          <a:p>
+            <a:r>
+              <a:rPr lang="tr-TR" dirty="0" err="1" smtClean="0"/>
               <a:t>Version</a:t>
             </a:r>
             <a:r>
-              <a:rPr lang="tr-TR" b="1" dirty="0"/>
-              <a:t> Control </a:t>
-            </a:r>
-            <a:r>
-              <a:rPr lang="tr-TR" b="1" dirty="0" smtClean="0"/>
-              <a:t>Software </a:t>
-            </a:r>
-            <a:r>
-              <a:rPr lang="tr-TR" b="1" dirty="0"/>
-              <a:t>Model</a:t>
-            </a:r>
-          </a:p>
-        </p:txBody>
-      </p:sp>
-      <p:sp>
-        <p:nvSpPr>
-          <p:cNvPr id="3" name="İçerik Yer Tutucusu 2"/>
+              <a:rPr lang="tr-TR" dirty="0" smtClean="0"/>
+              <a:t> Control</a:t>
+            </a:r>
+            <a:endParaRPr lang="tr-TR" dirty="0"/>
+          </a:p>
+        </p:txBody>
+      </p:sp>
+      <p:sp>
+        <p:nvSpPr>
+          <p:cNvPr id="6" name="İçerik Yer Tutucusu 5"/>
           <p:cNvSpPr>
             <a:spLocks noGrp="1"/>
           </p:cNvSpPr>
@@ -4247,127 +5147,87 @@
             <p:ph idx="1"/>
           </p:nvPr>
         </p:nvSpPr>
-        <p:spPr>
-          <a:xfrm>
-            <a:off x="838200" y="743712"/>
-            <a:ext cx="10515600" cy="5433251"/>
-          </a:xfrm>
-        </p:spPr>
-        <p:txBody>
-          <a:bodyPr>
-            <a:normAutofit lnSpcReduction="10000"/>
-          </a:bodyPr>
-          <a:lstStyle/>
-          <a:p>
-            <a:pPr>
-              <a:buFont typeface="Wingdings" panose="05000000000000000000" pitchFamily="2" charset="2"/>
-              <a:buChar char="Ø"/>
-            </a:pPr>
-            <a:r>
-              <a:rPr lang="tr-TR" dirty="0"/>
-              <a:t>Distributed model</a:t>
-            </a:r>
-          </a:p>
-          <a:p>
-            <a:pPr marL="0" indent="0">
-              <a:buNone/>
-            </a:pPr>
-            <a:r>
-              <a:rPr lang="en-US" i="1" dirty="0"/>
-              <a:t>In the distributed approach, each developer works directly with their own local repository, and changes are shared between repositories as a separate step.</a:t>
-            </a:r>
-            <a:endParaRPr lang="tr-TR" i="1" dirty="0"/>
-          </a:p>
-          <a:p>
-            <a:pPr marL="0" indent="0">
-              <a:buNone/>
-            </a:pPr>
-            <a:endParaRPr lang="tr-TR" u="sng" dirty="0" smtClean="0">
-              <a:hlinkClick r:id="rId2"/>
-            </a:endParaRPr>
-          </a:p>
-          <a:p>
-            <a:r>
-              <a:rPr lang="tr-TR" u="sng" dirty="0" err="1" smtClean="0">
-                <a:hlinkClick r:id="rId2"/>
-              </a:rPr>
-              <a:t>BitKeeper</a:t>
-            </a:r>
-            <a:r>
-              <a:rPr lang="tr-TR" dirty="0"/>
-              <a:t> </a:t>
-            </a:r>
-            <a:r>
-              <a:rPr lang="en-US" dirty="0"/>
-              <a:t>– was used in </a:t>
+        <p:spPr/>
+        <p:txBody>
+          <a:bodyPr/>
+          <a:lstStyle/>
+          <a:p>
+            <a:r>
+              <a:rPr lang="en-US" dirty="0"/>
+              <a:t>In computer </a:t>
             </a:r>
             <a:r>
               <a:rPr lang="en-US" dirty="0">
-                <a:hlinkClick r:id="rId3" tooltip="Linux kernel"/>
-              </a:rPr>
-              <a:t>Linux kernel</a:t>
-            </a:r>
-            <a:r>
-              <a:rPr lang="en-US" dirty="0"/>
-              <a:t> development (2002 – April 2005) </a:t>
+                <a:hlinkClick r:id="rId2" tooltip="Software engineering"/>
+              </a:rPr>
+              <a:t>software engineering</a:t>
+            </a:r>
+            <a:r>
+              <a:rPr lang="en-US" dirty="0"/>
+              <a:t>, revision control is any kind of practice that tracks and provides control over changes to </a:t>
+            </a:r>
+            <a:r>
+              <a:rPr lang="en-US" dirty="0">
+                <a:hlinkClick r:id="rId3" tooltip="Source code"/>
+              </a:rPr>
+              <a:t>source </a:t>
+            </a:r>
+            <a:r>
+              <a:rPr lang="en-US" dirty="0" smtClean="0">
+                <a:hlinkClick r:id="rId3" tooltip="Source code"/>
+              </a:rPr>
+              <a:t>code</a:t>
+            </a:r>
+            <a:r>
+              <a:rPr lang="tr-TR" dirty="0" smtClean="0"/>
+              <a:t>, </a:t>
+            </a:r>
+            <a:r>
+              <a:rPr lang="tr-TR" dirty="0" err="1" smtClean="0"/>
+              <a:t>document</a:t>
+            </a:r>
+            <a:r>
+              <a:rPr lang="tr-TR" dirty="0" smtClean="0"/>
+              <a:t>, </a:t>
+            </a:r>
+            <a:r>
+              <a:rPr lang="tr-TR" dirty="0" err="1" smtClean="0"/>
+              <a:t>configuretion</a:t>
+            </a:r>
+            <a:r>
+              <a:rPr lang="tr-TR" dirty="0" smtClean="0"/>
+              <a:t> </a:t>
+            </a:r>
+            <a:r>
+              <a:rPr lang="tr-TR" dirty="0" err="1" smtClean="0"/>
+              <a:t>files</a:t>
+            </a:r>
+            <a:r>
+              <a:rPr lang="tr-TR" dirty="0" smtClean="0"/>
+              <a:t>…</a:t>
+            </a:r>
+          </a:p>
+          <a:p>
+            <a:r>
+              <a:rPr lang="en-US" dirty="0"/>
+              <a:t>As teams design, develop and deploy software, it is common for multiple versions of the same </a:t>
+            </a:r>
+            <a:r>
+              <a:rPr lang="en-US" dirty="0" smtClean="0"/>
+              <a:t>software</a:t>
             </a:r>
             <a:endParaRPr lang="tr-TR" dirty="0" smtClean="0"/>
           </a:p>
           <a:p>
             <a:r>
-              <a:rPr lang="en-US" dirty="0" err="1">
-                <a:hlinkClick r:id="rId4" tooltip="Git"/>
-              </a:rPr>
-              <a:t>Git</a:t>
-            </a:r>
-            <a:r>
-              <a:rPr lang="en-US" dirty="0"/>
-              <a:t> – written in a collection of Perl, C, and various shell scripts, designed by </a:t>
-            </a:r>
-            <a:r>
-              <a:rPr lang="en-US" dirty="0">
-                <a:hlinkClick r:id="rId5" tooltip="Linus Torvalds"/>
-              </a:rPr>
-              <a:t>Linus Torvalds</a:t>
-            </a:r>
-            <a:r>
-              <a:rPr lang="en-US" dirty="0"/>
-              <a:t> based on the needs of the </a:t>
-            </a:r>
-            <a:r>
-              <a:rPr lang="en-US" dirty="0">
-                <a:hlinkClick r:id="rId3" tooltip="Linux kernel"/>
-              </a:rPr>
-              <a:t>Linux kernel</a:t>
-            </a:r>
-            <a:r>
-              <a:rPr lang="en-US" dirty="0"/>
-              <a:t> project; decentralized, and aims to be fast, flexible, and robust</a:t>
-            </a:r>
-          </a:p>
-          <a:p>
-            <a:pPr marL="0" indent="0">
-              <a:buNone/>
-            </a:pPr>
+              <a:rPr lang="en-US" dirty="0"/>
+              <a:t>At the simplest level, developers could simply retain multiple copies of the different versions of the program, and label them </a:t>
+            </a:r>
+            <a:r>
+              <a:rPr lang="en-US" dirty="0" smtClean="0"/>
+              <a:t>appropriately</a:t>
+            </a:r>
             <a:endParaRPr lang="tr-TR" dirty="0" smtClean="0"/>
-          </a:p>
-          <a:p>
-            <a:r>
-              <a:rPr lang="en-US" u="sng" dirty="0">
-                <a:hlinkClick r:id="rId6"/>
-              </a:rPr>
-              <a:t>Comparison of version-control software</a:t>
-            </a:r>
-            <a:endParaRPr lang="en-US" dirty="0"/>
-          </a:p>
-          <a:p>
-            <a:r>
-              <a:rPr lang="en-US" dirty="0">
-                <a:hlinkClick r:id="rId7" tooltip="Comparison of source-code-hosting facilities"/>
-              </a:rPr>
-              <a:t>Comparison of source-code-hosting facilities</a:t>
-            </a:r>
-            <a:endParaRPr lang="en-US" dirty="0"/>
           </a:p>
           <a:p>
             <a:pPr marL="0" indent="0">
@@ -4380,7 +5240,7 @@
     </p:spTree>
     <p:extLst>
       <p:ext uri="{BB962C8B-B14F-4D97-AF65-F5344CB8AC3E}">
-        <p14:creationId xmlns:p14="http://schemas.microsoft.com/office/powerpoint/2010/main" val="1629429898"/>
+        <p14:creationId xmlns:p14="http://schemas.microsoft.com/office/powerpoint/2010/main" val="2590588202"/>
       </p:ext>
     </p:extLst>
   </p:cSld>
@@ -4426,6 +5286,630 @@
         </p:nvSpPr>
         <p:spPr>
           <a:xfrm>
+            <a:off x="838200" y="267589"/>
+            <a:ext cx="10515600" cy="744347"/>
+          </a:xfrm>
+        </p:spPr>
+        <p:txBody>
+          <a:bodyPr>
+            <a:normAutofit/>
+          </a:bodyPr>
+          <a:lstStyle/>
+          <a:p>
+            <a:pPr algn="ctr"/>
+            <a:r>
+              <a:rPr lang="tr-TR" dirty="0" err="1" smtClean="0"/>
+              <a:t>Version</a:t>
+            </a:r>
+            <a:r>
+              <a:rPr lang="tr-TR" dirty="0" smtClean="0"/>
+              <a:t> Control Software Model</a:t>
+            </a:r>
+            <a:endParaRPr lang="tr-TR" dirty="0"/>
+          </a:p>
+        </p:txBody>
+      </p:sp>
+      <p:sp>
+        <p:nvSpPr>
+          <p:cNvPr id="3" name="İçerik Yer Tutucusu 2"/>
+          <p:cNvSpPr>
+            <a:spLocks noGrp="1"/>
+          </p:cNvSpPr>
+          <p:nvPr>
+            <p:ph idx="1"/>
+          </p:nvPr>
+        </p:nvSpPr>
+        <p:spPr>
+          <a:xfrm>
+            <a:off x="838200" y="1011936"/>
+            <a:ext cx="10515600" cy="5846064"/>
+          </a:xfrm>
+        </p:spPr>
+        <p:txBody>
+          <a:bodyPr>
+            <a:normAutofit fontScale="92500" lnSpcReduction="20000"/>
+          </a:bodyPr>
+          <a:lstStyle/>
+          <a:p>
+            <a:pPr>
+              <a:buFont typeface="Wingdings" panose="05000000000000000000" pitchFamily="2" charset="2"/>
+              <a:buChar char="Ø"/>
+            </a:pPr>
+            <a:r>
+              <a:rPr lang="tr-TR" dirty="0" err="1"/>
+              <a:t>Local</a:t>
+            </a:r>
+            <a:r>
+              <a:rPr lang="tr-TR" dirty="0"/>
+              <a:t> data </a:t>
+            </a:r>
+            <a:r>
+              <a:rPr lang="tr-TR" dirty="0" smtClean="0"/>
+              <a:t>model</a:t>
+            </a:r>
+          </a:p>
+          <a:p>
+            <a:pPr marL="0" indent="0">
+              <a:buNone/>
+            </a:pPr>
+            <a:r>
+              <a:rPr lang="tr-TR" dirty="0" smtClean="0"/>
+              <a:t>	</a:t>
+            </a:r>
+            <a:r>
+              <a:rPr lang="en-US" i="1" dirty="0"/>
+              <a:t>In the local-only approach, all developers must use the same file system</a:t>
+            </a:r>
+            <a:r>
+              <a:rPr lang="en-US" dirty="0" smtClean="0"/>
+              <a:t>.</a:t>
+            </a:r>
+            <a:r>
+              <a:rPr lang="tr-TR" dirty="0" smtClean="0"/>
+              <a:t>(</a:t>
+            </a:r>
+            <a:r>
+              <a:rPr lang="tr-TR" u="sng" dirty="0" err="1">
+                <a:hlinkClick r:id="rId2"/>
+              </a:rPr>
+              <a:t>Revision</a:t>
+            </a:r>
+            <a:r>
+              <a:rPr lang="tr-TR" u="sng" dirty="0">
+                <a:hlinkClick r:id="rId2"/>
+              </a:rPr>
+              <a:t> Control </a:t>
+            </a:r>
+            <a:r>
+              <a:rPr lang="tr-TR" u="sng" dirty="0" err="1">
+                <a:hlinkClick r:id="rId2"/>
+              </a:rPr>
+              <a:t>System</a:t>
+            </a:r>
+            <a:r>
+              <a:rPr lang="tr-TR" dirty="0"/>
+              <a:t> (RCS</a:t>
+            </a:r>
+            <a:r>
+              <a:rPr lang="tr-TR" dirty="0" smtClean="0"/>
+              <a:t>),</a:t>
+            </a:r>
+            <a:r>
+              <a:rPr lang="en-US" u="sng" dirty="0">
+                <a:hlinkClick r:id="rId3"/>
+              </a:rPr>
+              <a:t> Source Code Control System</a:t>
+            </a:r>
+            <a:r>
+              <a:rPr lang="en-US" dirty="0"/>
+              <a:t> (SCCS) – part of </a:t>
+            </a:r>
+            <a:r>
+              <a:rPr lang="en-US" dirty="0">
+                <a:hlinkClick r:id="rId4" tooltip="Unix"/>
+              </a:rPr>
+              <a:t>UNIX</a:t>
+            </a:r>
+            <a:r>
+              <a:rPr lang="tr-TR" dirty="0" smtClean="0"/>
+              <a:t>)</a:t>
+            </a:r>
+            <a:endParaRPr lang="tr-TR" dirty="0"/>
+          </a:p>
+          <a:p>
+            <a:pPr>
+              <a:buFont typeface="Wingdings" panose="05000000000000000000" pitchFamily="2" charset="2"/>
+              <a:buChar char="Ø"/>
+            </a:pPr>
+            <a:r>
+              <a:rPr lang="tr-TR" dirty="0"/>
+              <a:t>Client-server </a:t>
+            </a:r>
+            <a:r>
+              <a:rPr lang="tr-TR" dirty="0" smtClean="0"/>
+              <a:t>model </a:t>
+            </a:r>
+          </a:p>
+          <a:p>
+            <a:pPr marL="0" indent="0">
+              <a:buNone/>
+            </a:pPr>
+            <a:r>
+              <a:rPr lang="en-US" i="1" dirty="0"/>
+              <a:t>In the client-server model, developers use a shared single repository</a:t>
+            </a:r>
+            <a:r>
+              <a:rPr lang="en-US" dirty="0" smtClean="0"/>
+              <a:t>.</a:t>
+            </a:r>
+            <a:endParaRPr lang="tr-TR" dirty="0" smtClean="0"/>
+          </a:p>
+          <a:p>
+            <a:pPr marL="0" indent="0">
+              <a:buNone/>
+            </a:pPr>
+            <a:r>
+              <a:rPr lang="tr-TR" dirty="0" smtClean="0">
+                <a:hlinkClick r:id="rId5" tooltip="IBM Rational ClearCase"/>
+              </a:rPr>
+              <a:t>IBM </a:t>
+            </a:r>
+            <a:r>
+              <a:rPr lang="tr-TR" dirty="0" err="1">
+                <a:hlinkClick r:id="rId5" tooltip="IBM Rational ClearCase"/>
+              </a:rPr>
+              <a:t>Rational</a:t>
+            </a:r>
+            <a:r>
+              <a:rPr lang="tr-TR" dirty="0">
+                <a:hlinkClick r:id="rId5" tooltip="IBM Rational ClearCase"/>
+              </a:rPr>
+              <a:t> </a:t>
+            </a:r>
+            <a:r>
+              <a:rPr lang="tr-TR" dirty="0" err="1" smtClean="0">
+                <a:hlinkClick r:id="rId5" tooltip="IBM Rational ClearCase"/>
+              </a:rPr>
+              <a:t>ClearCase</a:t>
+            </a:r>
+            <a:r>
+              <a:rPr lang="tr-TR" dirty="0" smtClean="0"/>
+              <a:t>,</a:t>
+            </a:r>
+            <a:r>
+              <a:rPr lang="en-US" dirty="0">
+                <a:hlinkClick r:id="rId6" tooltip="Visual SourceSafe"/>
+              </a:rPr>
+              <a:t> Visual SourceSafe</a:t>
+            </a:r>
+            <a:r>
+              <a:rPr lang="en-US" dirty="0"/>
+              <a:t> </a:t>
+            </a:r>
+            <a:r>
+              <a:rPr lang="en-US" dirty="0" smtClean="0"/>
+              <a:t>–by</a:t>
+            </a:r>
+            <a:r>
+              <a:rPr lang="en-US" dirty="0"/>
+              <a:t> </a:t>
+            </a:r>
+            <a:r>
+              <a:rPr lang="en-US" dirty="0">
+                <a:hlinkClick r:id="rId7" tooltip="Microsoft"/>
+              </a:rPr>
+              <a:t>Microsoft</a:t>
+            </a:r>
+            <a:r>
+              <a:rPr lang="en-US" dirty="0"/>
+              <a:t>; oriented toward small </a:t>
+            </a:r>
+            <a:r>
+              <a:rPr lang="en-US" dirty="0" smtClean="0"/>
+              <a:t>teams</a:t>
+            </a:r>
+            <a:r>
+              <a:rPr lang="tr-TR" dirty="0"/>
+              <a:t> </a:t>
+            </a:r>
+            <a:endParaRPr lang="tr-TR" dirty="0" smtClean="0"/>
+          </a:p>
+          <a:p>
+            <a:pPr marL="0" indent="0">
+              <a:buNone/>
+            </a:pPr>
+            <a:r>
+              <a:rPr lang="en-US" dirty="0">
+                <a:hlinkClick r:id="rId8" tooltip="Azure DevOps Server"/>
+              </a:rPr>
+              <a:t>Team Foundation Version Control</a:t>
+            </a:r>
+            <a:r>
+              <a:rPr lang="en-US" dirty="0"/>
+              <a:t>  - </a:t>
+            </a:r>
+            <a:r>
+              <a:rPr lang="en-US" dirty="0" smtClean="0"/>
+              <a:t>by</a:t>
+            </a:r>
+            <a:r>
+              <a:rPr lang="en-US" dirty="0"/>
+              <a:t> </a:t>
+            </a:r>
+            <a:r>
+              <a:rPr lang="en-US" dirty="0">
+                <a:hlinkClick r:id="rId7" tooltip="Microsoft"/>
+              </a:rPr>
+              <a:t>Microsoft</a:t>
+            </a:r>
+            <a:r>
+              <a:rPr lang="en-US" dirty="0"/>
+              <a:t> for Team Foundation Server, now </a:t>
+            </a:r>
+            <a:r>
+              <a:rPr lang="en-US" dirty="0">
+                <a:hlinkClick r:id="rId9" tooltip="Azure DevOps Server"/>
+              </a:rPr>
+              <a:t>Azure DevOps </a:t>
+            </a:r>
+            <a:r>
+              <a:rPr lang="en-US" dirty="0" smtClean="0">
+                <a:hlinkClick r:id="rId9" tooltip="Azure DevOps Server"/>
+              </a:rPr>
+              <a:t>Server</a:t>
+            </a:r>
+            <a:endParaRPr lang="tr-TR" dirty="0" smtClean="0"/>
+          </a:p>
+          <a:p>
+            <a:pPr marL="0" indent="0">
+              <a:buNone/>
+            </a:pPr>
+            <a:endParaRPr lang="tr-TR" dirty="0" smtClean="0"/>
+          </a:p>
+          <a:p>
+            <a:r>
+              <a:rPr lang="en-US" dirty="0">
+                <a:hlinkClick r:id="rId10" tooltip="Concurrent Versions System"/>
+              </a:rPr>
+              <a:t>Concurrent Versions System</a:t>
+            </a:r>
+            <a:r>
+              <a:rPr lang="en-US" dirty="0"/>
+              <a:t> (CVS) – originally built on RCS, licensed under the </a:t>
+            </a:r>
+            <a:r>
+              <a:rPr lang="en-US" dirty="0">
+                <a:hlinkClick r:id="rId11" tooltip="GPL"/>
+              </a:rPr>
+              <a:t>GPL</a:t>
+            </a:r>
+            <a:r>
+              <a:rPr lang="en-US" dirty="0"/>
+              <a:t>.</a:t>
+            </a:r>
+          </a:p>
+          <a:p>
+            <a:r>
+              <a:rPr lang="en-US" dirty="0" smtClean="0">
+                <a:hlinkClick r:id="rId12" tooltip="Subversion (software)"/>
+              </a:rPr>
+              <a:t>Subversion</a:t>
+            </a:r>
+            <a:r>
+              <a:rPr lang="en-US" dirty="0"/>
+              <a:t> (SVN) – versioning control system inspired by </a:t>
+            </a:r>
+            <a:r>
+              <a:rPr lang="en-US" dirty="0" smtClean="0"/>
+              <a:t>CVS</a:t>
+            </a:r>
+            <a:endParaRPr lang="tr-TR" baseline="30000" dirty="0"/>
+          </a:p>
+          <a:p>
+            <a:r>
+              <a:rPr lang="tr-TR" b="1" dirty="0" err="1" smtClean="0"/>
+              <a:t>TortoiseSVN</a:t>
+            </a:r>
+            <a:r>
+              <a:rPr lang="tr-TR" b="1" dirty="0" smtClean="0"/>
+              <a:t> </a:t>
+            </a:r>
+            <a:r>
+              <a:rPr lang="en-US" dirty="0"/>
+              <a:t>Windows client for the </a:t>
+            </a:r>
+            <a:r>
+              <a:rPr lang="en-US" i="1" dirty="0"/>
+              <a:t>Apache™ Subversion®</a:t>
+            </a:r>
+            <a:r>
+              <a:rPr lang="en-US" dirty="0"/>
+              <a:t> version control system</a:t>
+            </a:r>
+            <a:endParaRPr lang="tr-TR" b="1" dirty="0"/>
+          </a:p>
+          <a:p>
+            <a:pPr marL="0" indent="0">
+              <a:buNone/>
+            </a:pPr>
+            <a:endParaRPr lang="en-US" dirty="0"/>
+          </a:p>
+          <a:p>
+            <a:pPr marL="0" indent="0">
+              <a:buNone/>
+            </a:pPr>
+            <a:endParaRPr lang="tr-TR" dirty="0"/>
+          </a:p>
+        </p:txBody>
+      </p:sp>
+    </p:spTree>
+    <p:extLst>
+      <p:ext uri="{BB962C8B-B14F-4D97-AF65-F5344CB8AC3E}">
+        <p14:creationId xmlns:p14="http://schemas.microsoft.com/office/powerpoint/2010/main" val="3100918853"/>
+      </p:ext>
+    </p:extLst>
+  </p:cSld>
+  <p:clrMapOvr>
+    <a:masterClrMapping/>
+  </p:clrMapOvr>
+  <p:timing>
+    <p:tnLst>
+      <p:par>
+        <p:cTn id="1" dur="indefinite" restart="never" nodeType="tmRoot"/>
+      </p:par>
+    </p:tnLst>
+  </p:timing>
+</p:sld>
+</file>
+
+<file path=ppt/slides/slide7.xml><?xml version="1.0" encoding="utf-8"?>
+<p:sld xmlns:a="http://schemas.openxmlformats.org/drawingml/2006/main" xmlns:r="http://schemas.openxmlformats.org/officeDocument/2006/relationships" xmlns:p="http://schemas.openxmlformats.org/presentationml/2006/main">
+  <p:cSld>
+    <p:spTree>
+      <p:nvGrpSpPr>
+        <p:cNvPr id="1" name=""/>
+        <p:cNvGrpSpPr/>
+        <p:nvPr/>
+      </p:nvGrpSpPr>
+      <p:grpSpPr>
+        <a:xfrm>
+          <a:off x="0" y="0"/>
+          <a:ext cx="0" cy="0"/>
+          <a:chOff x="0" y="0"/>
+          <a:chExt cx="0" cy="0"/>
+        </a:xfrm>
+      </p:grpSpPr>
+      <p:sp>
+        <p:nvSpPr>
+          <p:cNvPr id="2" name="Unvan 1"/>
+          <p:cNvSpPr>
+            <a:spLocks noGrp="1"/>
+          </p:cNvSpPr>
+          <p:nvPr>
+            <p:ph type="title"/>
+          </p:nvPr>
+        </p:nvSpPr>
+        <p:spPr>
+          <a:xfrm>
+            <a:off x="838200" y="109093"/>
+            <a:ext cx="10515600" cy="634619"/>
+          </a:xfrm>
+        </p:spPr>
+        <p:txBody>
+          <a:bodyPr>
+            <a:normAutofit fontScale="90000"/>
+          </a:bodyPr>
+          <a:lstStyle/>
+          <a:p>
+            <a:pPr algn="ctr"/>
+            <a:r>
+              <a:rPr lang="tr-TR" b="1" dirty="0" err="1"/>
+              <a:t>Version</a:t>
+            </a:r>
+            <a:r>
+              <a:rPr lang="tr-TR" b="1" dirty="0"/>
+              <a:t> Control </a:t>
+            </a:r>
+            <a:r>
+              <a:rPr lang="tr-TR" b="1" dirty="0" smtClean="0"/>
+              <a:t>Software </a:t>
+            </a:r>
+            <a:r>
+              <a:rPr lang="tr-TR" b="1" dirty="0"/>
+              <a:t>Model</a:t>
+            </a:r>
+          </a:p>
+        </p:txBody>
+      </p:sp>
+      <p:sp>
+        <p:nvSpPr>
+          <p:cNvPr id="3" name="İçerik Yer Tutucusu 2"/>
+          <p:cNvSpPr>
+            <a:spLocks noGrp="1"/>
+          </p:cNvSpPr>
+          <p:nvPr>
+            <p:ph idx="1"/>
+          </p:nvPr>
+        </p:nvSpPr>
+        <p:spPr>
+          <a:xfrm>
+            <a:off x="838200" y="743712"/>
+            <a:ext cx="10515600" cy="5433251"/>
+          </a:xfrm>
+        </p:spPr>
+        <p:txBody>
+          <a:bodyPr>
+            <a:normAutofit lnSpcReduction="10000"/>
+          </a:bodyPr>
+          <a:lstStyle/>
+          <a:p>
+            <a:pPr>
+              <a:buFont typeface="Wingdings" panose="05000000000000000000" pitchFamily="2" charset="2"/>
+              <a:buChar char="Ø"/>
+            </a:pPr>
+            <a:r>
+              <a:rPr lang="tr-TR" dirty="0"/>
+              <a:t>Distributed model</a:t>
+            </a:r>
+          </a:p>
+          <a:p>
+            <a:pPr marL="0" indent="0">
+              <a:buNone/>
+            </a:pPr>
+            <a:r>
+              <a:rPr lang="en-US" i="1" dirty="0"/>
+              <a:t>In the distributed approach, each developer works directly with their own local repository, and changes are shared between repositories as a separate step.</a:t>
+            </a:r>
+            <a:endParaRPr lang="tr-TR" i="1" dirty="0"/>
+          </a:p>
+          <a:p>
+            <a:pPr marL="0" indent="0">
+              <a:buNone/>
+            </a:pPr>
+            <a:endParaRPr lang="tr-TR" u="sng" dirty="0" smtClean="0">
+              <a:hlinkClick r:id="rId2"/>
+            </a:endParaRPr>
+          </a:p>
+          <a:p>
+            <a:r>
+              <a:rPr lang="tr-TR" u="sng" dirty="0" err="1" smtClean="0">
+                <a:hlinkClick r:id="rId2"/>
+              </a:rPr>
+              <a:t>BitKeeper</a:t>
+            </a:r>
+            <a:r>
+              <a:rPr lang="tr-TR" dirty="0"/>
+              <a:t> </a:t>
+            </a:r>
+            <a:r>
+              <a:rPr lang="en-US" dirty="0"/>
+              <a:t>– was used in </a:t>
+            </a:r>
+            <a:r>
+              <a:rPr lang="en-US" dirty="0">
+                <a:hlinkClick r:id="rId3" tooltip="Linux kernel"/>
+              </a:rPr>
+              <a:t>Linux kernel</a:t>
+            </a:r>
+            <a:r>
+              <a:rPr lang="en-US" dirty="0"/>
+              <a:t> development (2002 – April 2005) </a:t>
+            </a:r>
+            <a:endParaRPr lang="tr-TR" dirty="0" smtClean="0"/>
+          </a:p>
+          <a:p>
+            <a:r>
+              <a:rPr lang="en-US" dirty="0" err="1">
+                <a:hlinkClick r:id="rId4" tooltip="Git"/>
+              </a:rPr>
+              <a:t>Git</a:t>
+            </a:r>
+            <a:r>
+              <a:rPr lang="en-US" dirty="0"/>
+              <a:t> – written in a collection of Perl, C, and various shell scripts, designed by </a:t>
+            </a:r>
+            <a:r>
+              <a:rPr lang="en-US" dirty="0">
+                <a:hlinkClick r:id="rId5" tooltip="Linus Torvalds"/>
+              </a:rPr>
+              <a:t>Linus Torvalds</a:t>
+            </a:r>
+            <a:r>
+              <a:rPr lang="en-US" dirty="0"/>
+              <a:t> based on the needs of the </a:t>
+            </a:r>
+            <a:r>
+              <a:rPr lang="en-US" dirty="0">
+                <a:hlinkClick r:id="rId3" tooltip="Linux kernel"/>
+              </a:rPr>
+              <a:t>Linux kernel</a:t>
+            </a:r>
+            <a:r>
+              <a:rPr lang="en-US" dirty="0"/>
+              <a:t> project; decentralized, and aims to be fast, flexible, and robust</a:t>
+            </a:r>
+          </a:p>
+          <a:p>
+            <a:pPr marL="0" indent="0">
+              <a:buNone/>
+            </a:pPr>
+            <a:endParaRPr lang="tr-TR" dirty="0" smtClean="0"/>
+          </a:p>
+          <a:p>
+            <a:r>
+              <a:rPr lang="en-US" u="sng" dirty="0">
+                <a:hlinkClick r:id="rId6"/>
+              </a:rPr>
+              <a:t>Comparison of version-control software</a:t>
+            </a:r>
+            <a:endParaRPr lang="en-US" dirty="0"/>
+          </a:p>
+          <a:p>
+            <a:r>
+              <a:rPr lang="en-US" dirty="0">
+                <a:hlinkClick r:id="rId7" tooltip="Comparison of source-code-hosting facilities"/>
+              </a:rPr>
+              <a:t>Comparison of source-code-hosting facilities</a:t>
+            </a:r>
+            <a:endParaRPr lang="en-US" dirty="0"/>
+          </a:p>
+          <a:p>
+            <a:pPr marL="0" indent="0">
+              <a:buNone/>
+            </a:pPr>
+            <a:endParaRPr lang="tr-TR" dirty="0"/>
+          </a:p>
+        </p:txBody>
+      </p:sp>
+    </p:spTree>
+    <p:extLst>
+      <p:ext uri="{BB962C8B-B14F-4D97-AF65-F5344CB8AC3E}">
+        <p14:creationId xmlns:p14="http://schemas.microsoft.com/office/powerpoint/2010/main" val="1629429898"/>
+      </p:ext>
+    </p:extLst>
+  </p:cSld>
+  <p:clrMapOvr>
+    <a:masterClrMapping/>
+  </p:clrMapOvr>
+  <p:timing>
+    <p:tnLst>
+      <p:par>
+        <p:cTn id="1" dur="indefinite" restart="never" nodeType="tmRoot"/>
+      </p:par>
+    </p:tnLst>
+  </p:timing>
+</p:sld>
+</file>
+
+<file path=ppt/slides/slide8.xml><?xml version="1.0" encoding="utf-8"?>
+<p:sld xmlns:a="http://schemas.openxmlformats.org/drawingml/2006/main" xmlns:r="http://schemas.openxmlformats.org/officeDocument/2006/relationships" xmlns:p="http://schemas.openxmlformats.org/presentationml/2006/main">
+  <p:cSld>
+    <p:spTree>
+      <p:nvGrpSpPr>
+        <p:cNvPr id="1" name=""/>
+        <p:cNvGrpSpPr/>
+        <p:nvPr/>
+      </p:nvGrpSpPr>
+      <p:grpSpPr>
+        <a:xfrm>
+          <a:off x="0" y="0"/>
+          <a:ext cx="0" cy="0"/>
+          <a:chOff x="0" y="0"/>
+          <a:chExt cx="0" cy="0"/>
+        </a:xfrm>
+      </p:grpSpPr>
+      <p:sp>
+        <p:nvSpPr>
+          <p:cNvPr id="2" name="Unvan 1"/>
+          <p:cNvSpPr>
+            <a:spLocks noGrp="1"/>
+          </p:cNvSpPr>
+          <p:nvPr>
+            <p:ph type="title"/>
+          </p:nvPr>
+        </p:nvSpPr>
+        <p:spPr>
+          <a:xfrm>
             <a:off x="838200" y="365125"/>
             <a:ext cx="10515600" cy="549275"/>
           </a:xfrm>
@@ -4634,7 +6118,7 @@
 </p:sld>
 </file>
 
-<file path=ppt/slides/slide7.xml><?xml version="1.0" encoding="utf-8"?>
+<file path=ppt/slides/slide9.xml><?xml version="1.0" encoding="utf-8"?>
 <p:sld xmlns:a="http://schemas.openxmlformats.org/drawingml/2006/main" xmlns:r="http://schemas.openxmlformats.org/officeDocument/2006/relationships" xmlns:p="http://schemas.openxmlformats.org/presentationml/2006/main">
   <p:cSld>
     <p:spTree>

--- a/Version Control Protocols.pptx
+++ b/Version Control Protocols.pptx
@@ -5,20 +5,31 @@
     <p:sldMasterId id="2147483648" r:id="rId1"/>
   </p:sldMasterIdLst>
   <p:sldIdLst>
-    <p:sldId id="265" r:id="rId2"/>
-    <p:sldId id="268" r:id="rId3"/>
-    <p:sldId id="256" r:id="rId4"/>
-    <p:sldId id="257" r:id="rId5"/>
-    <p:sldId id="258" r:id="rId6"/>
-    <p:sldId id="259" r:id="rId7"/>
-    <p:sldId id="260" r:id="rId8"/>
-    <p:sldId id="261" r:id="rId9"/>
-    <p:sldId id="262" r:id="rId10"/>
-    <p:sldId id="263" r:id="rId11"/>
-    <p:sldId id="264" r:id="rId12"/>
-    <p:sldId id="266" r:id="rId13"/>
-    <p:sldId id="267" r:id="rId14"/>
-    <p:sldId id="269" r:id="rId15"/>
+    <p:sldId id="280" r:id="rId2"/>
+    <p:sldId id="265" r:id="rId3"/>
+    <p:sldId id="268" r:id="rId4"/>
+    <p:sldId id="256" r:id="rId5"/>
+    <p:sldId id="257" r:id="rId6"/>
+    <p:sldId id="258" r:id="rId7"/>
+    <p:sldId id="259" r:id="rId8"/>
+    <p:sldId id="260" r:id="rId9"/>
+    <p:sldId id="261" r:id="rId10"/>
+    <p:sldId id="262" r:id="rId11"/>
+    <p:sldId id="263" r:id="rId12"/>
+    <p:sldId id="264" r:id="rId13"/>
+    <p:sldId id="266" r:id="rId14"/>
+    <p:sldId id="272" r:id="rId15"/>
+    <p:sldId id="273" r:id="rId16"/>
+    <p:sldId id="274" r:id="rId17"/>
+    <p:sldId id="275" r:id="rId18"/>
+    <p:sldId id="267" r:id="rId19"/>
+    <p:sldId id="270" r:id="rId20"/>
+    <p:sldId id="271" r:id="rId21"/>
+    <p:sldId id="276" r:id="rId22"/>
+    <p:sldId id="277" r:id="rId23"/>
+    <p:sldId id="269" r:id="rId24"/>
+    <p:sldId id="278" r:id="rId25"/>
+    <p:sldId id="279" r:id="rId26"/>
   </p:sldIdLst>
   <p:sldSz cx="12192000" cy="6858000"/>
   <p:notesSz cx="6858000" cy="9144000"/>
@@ -125,6 +136,2116 @@
 </p:presentation>
 </file>
 
+<file path=ppt/diagrams/colors1.xml><?xml version="1.0" encoding="utf-8"?>
+<dgm:colorsDef xmlns:dgm="http://schemas.openxmlformats.org/drawingml/2006/diagram" xmlns:a="http://schemas.openxmlformats.org/drawingml/2006/main" uniqueId="urn:microsoft.com/office/officeart/2005/8/colors/accent1_2">
+  <dgm:title val=""/>
+  <dgm:desc val=""/>
+  <dgm:catLst>
+    <dgm:cat type="accent1" pri="11200"/>
+  </dgm:catLst>
+  <dgm:styleLbl name="node0">
+    <dgm:fillClrLst meth="repeat">
+      <a:schemeClr val="accent1"/>
+    </dgm:fillClrLst>
+    <dgm:linClrLst meth="repeat">
+      <a:schemeClr val="lt1"/>
+    </dgm:linClrLst>
+    <dgm:effectClrLst/>
+    <dgm:txLinClrLst/>
+    <dgm:txFillClrLst/>
+    <dgm:txEffectClrLst/>
+  </dgm:styleLbl>
+  <dgm:styleLbl name="alignNode1">
+    <dgm:fillClrLst meth="repeat">
+      <a:schemeClr val="accent1"/>
+    </dgm:fillClrLst>
+    <dgm:linClrLst meth="repeat">
+      <a:schemeClr val="accent1"/>
+    </dgm:linClrLst>
+    <dgm:effectClrLst/>
+    <dgm:txLinClrLst/>
+    <dgm:txFillClrLst/>
+    <dgm:txEffectClrLst/>
+  </dgm:styleLbl>
+  <dgm:styleLbl name="node1">
+    <dgm:fillClrLst meth="repeat">
+      <a:schemeClr val="accent1"/>
+    </dgm:fillClrLst>
+    <dgm:linClrLst meth="repeat">
+      <a:schemeClr val="lt1"/>
+    </dgm:linClrLst>
+    <dgm:effectClrLst/>
+    <dgm:txLinClrLst/>
+    <dgm:txFillClrLst/>
+    <dgm:txEffectClrLst/>
+  </dgm:styleLbl>
+  <dgm:styleLbl name="lnNode1">
+    <dgm:fillClrLst meth="repeat">
+      <a:schemeClr val="accent1"/>
+    </dgm:fillClrLst>
+    <dgm:linClrLst meth="repeat">
+      <a:schemeClr val="lt1"/>
+    </dgm:linClrLst>
+    <dgm:effectClrLst/>
+    <dgm:txLinClrLst/>
+    <dgm:txFillClrLst/>
+    <dgm:txEffectClrLst/>
+  </dgm:styleLbl>
+  <dgm:styleLbl name="vennNode1">
+    <dgm:fillClrLst meth="repeat">
+      <a:schemeClr val="accent1">
+        <a:alpha val="50000"/>
+      </a:schemeClr>
+    </dgm:fillClrLst>
+    <dgm:linClrLst meth="repeat">
+      <a:schemeClr val="lt1"/>
+    </dgm:linClrLst>
+    <dgm:effectClrLst/>
+    <dgm:txLinClrLst/>
+    <dgm:txFillClrLst/>
+    <dgm:txEffectClrLst/>
+  </dgm:styleLbl>
+  <dgm:styleLbl name="node2">
+    <dgm:fillClrLst meth="repeat">
+      <a:schemeClr val="accent1"/>
+    </dgm:fillClrLst>
+    <dgm:linClrLst meth="repeat">
+      <a:schemeClr val="lt1"/>
+    </dgm:linClrLst>
+    <dgm:effectClrLst/>
+    <dgm:txLinClrLst/>
+    <dgm:txFillClrLst/>
+    <dgm:txEffectClrLst/>
+  </dgm:styleLbl>
+  <dgm:styleLbl name="node3">
+    <dgm:fillClrLst meth="repeat">
+      <a:schemeClr val="accent1"/>
+    </dgm:fillClrLst>
+    <dgm:linClrLst meth="repeat">
+      <a:schemeClr val="lt1"/>
+    </dgm:linClrLst>
+    <dgm:effectClrLst/>
+    <dgm:txLinClrLst/>
+    <dgm:txFillClrLst/>
+    <dgm:txEffectClrLst/>
+  </dgm:styleLbl>
+  <dgm:styleLbl name="node4">
+    <dgm:fillClrLst meth="repeat">
+      <a:schemeClr val="accent1"/>
+    </dgm:fillClrLst>
+    <dgm:linClrLst meth="repeat">
+      <a:schemeClr val="lt1"/>
+    </dgm:linClrLst>
+    <dgm:effectClrLst/>
+    <dgm:txLinClrLst/>
+    <dgm:txFillClrLst/>
+    <dgm:txEffectClrLst/>
+  </dgm:styleLbl>
+  <dgm:styleLbl name="fgImgPlace1">
+    <dgm:fillClrLst meth="repeat">
+      <a:schemeClr val="accent1">
+        <a:tint val="50000"/>
+      </a:schemeClr>
+    </dgm:fillClrLst>
+    <dgm:linClrLst meth="repeat">
+      <a:schemeClr val="lt1"/>
+    </dgm:linClrLst>
+    <dgm:effectClrLst/>
+    <dgm:txLinClrLst/>
+    <dgm:txFillClrLst meth="repeat">
+      <a:schemeClr val="lt1"/>
+    </dgm:txFillClrLst>
+    <dgm:txEffectClrLst/>
+  </dgm:styleLbl>
+  <dgm:styleLbl name="alignImgPlace1">
+    <dgm:fillClrLst meth="repeat">
+      <a:schemeClr val="accent1">
+        <a:tint val="50000"/>
+      </a:schemeClr>
+    </dgm:fillClrLst>
+    <dgm:linClrLst meth="repeat">
+      <a:schemeClr val="lt1"/>
+    </dgm:linClrLst>
+    <dgm:effectClrLst/>
+    <dgm:txLinClrLst/>
+    <dgm:txFillClrLst meth="repeat">
+      <a:schemeClr val="lt1"/>
+    </dgm:txFillClrLst>
+    <dgm:txEffectClrLst/>
+  </dgm:styleLbl>
+  <dgm:styleLbl name="bgImgPlace1">
+    <dgm:fillClrLst meth="repeat">
+      <a:schemeClr val="accent1">
+        <a:tint val="50000"/>
+      </a:schemeClr>
+    </dgm:fillClrLst>
+    <dgm:linClrLst meth="repeat">
+      <a:schemeClr val="lt1"/>
+    </dgm:linClrLst>
+    <dgm:effectClrLst/>
+    <dgm:txLinClrLst/>
+    <dgm:txFillClrLst meth="repeat">
+      <a:schemeClr val="lt1"/>
+    </dgm:txFillClrLst>
+    <dgm:txEffectClrLst/>
+  </dgm:styleLbl>
+  <dgm:styleLbl name="sibTrans2D1">
+    <dgm:fillClrLst meth="repeat">
+      <a:schemeClr val="accent1">
+        <a:tint val="60000"/>
+      </a:schemeClr>
+    </dgm:fillClrLst>
+    <dgm:linClrLst meth="repeat">
+      <a:schemeClr val="accent1">
+        <a:tint val="60000"/>
+      </a:schemeClr>
+    </dgm:linClrLst>
+    <dgm:effectClrLst/>
+    <dgm:txLinClrLst/>
+    <dgm:txFillClrLst/>
+    <dgm:txEffectClrLst/>
+  </dgm:styleLbl>
+  <dgm:styleLbl name="fgSibTrans2D1">
+    <dgm:fillClrLst meth="repeat">
+      <a:schemeClr val="accent1">
+        <a:tint val="60000"/>
+      </a:schemeClr>
+    </dgm:fillClrLst>
+    <dgm:linClrLst meth="repeat">
+      <a:schemeClr val="accent1">
+        <a:tint val="60000"/>
+      </a:schemeClr>
+    </dgm:linClrLst>
+    <dgm:effectClrLst/>
+    <dgm:txLinClrLst/>
+    <dgm:txFillClrLst/>
+    <dgm:txEffectClrLst/>
+  </dgm:styleLbl>
+  <dgm:styleLbl name="bgSibTrans2D1">
+    <dgm:fillClrLst meth="repeat">
+      <a:schemeClr val="accent1">
+        <a:tint val="60000"/>
+      </a:schemeClr>
+    </dgm:fillClrLst>
+    <dgm:linClrLst meth="repeat">
+      <a:schemeClr val="accent1">
+        <a:tint val="60000"/>
+      </a:schemeClr>
+    </dgm:linClrLst>
+    <dgm:effectClrLst/>
+    <dgm:txLinClrLst/>
+    <dgm:txFillClrLst/>
+    <dgm:txEffectClrLst/>
+  </dgm:styleLbl>
+  <dgm:styleLbl name="sibTrans1D1">
+    <dgm:fillClrLst meth="repeat">
+      <a:schemeClr val="accent1"/>
+    </dgm:fillClrLst>
+    <dgm:linClrLst meth="repeat">
+      <a:schemeClr val="accent1"/>
+    </dgm:linClrLst>
+    <dgm:effectClrLst/>
+    <dgm:txLinClrLst/>
+    <dgm:txFillClrLst meth="repeat">
+      <a:schemeClr val="tx1"/>
+    </dgm:txFillClrLst>
+    <dgm:txEffectClrLst/>
+  </dgm:styleLbl>
+  <dgm:styleLbl name="callout">
+    <dgm:fillClrLst meth="repeat">
+      <a:schemeClr val="accent1"/>
+    </dgm:fillClrLst>
+    <dgm:linClrLst meth="repeat">
+      <a:schemeClr val="accent1">
+        <a:tint val="50000"/>
+      </a:schemeClr>
+    </dgm:linClrLst>
+    <dgm:effectClrLst/>
+    <dgm:txLinClrLst/>
+    <dgm:txFillClrLst meth="repeat">
+      <a:schemeClr val="tx1"/>
+    </dgm:txFillClrLst>
+    <dgm:txEffectClrLst/>
+  </dgm:styleLbl>
+  <dgm:styleLbl name="asst0">
+    <dgm:fillClrLst meth="repeat">
+      <a:schemeClr val="accent1"/>
+    </dgm:fillClrLst>
+    <dgm:linClrLst meth="repeat">
+      <a:schemeClr val="lt1"/>
+    </dgm:linClrLst>
+    <dgm:effectClrLst/>
+    <dgm:txLinClrLst/>
+    <dgm:txFillClrLst/>
+    <dgm:txEffectClrLst/>
+  </dgm:styleLbl>
+  <dgm:styleLbl name="asst1">
+    <dgm:fillClrLst meth="repeat">
+      <a:schemeClr val="accent1"/>
+    </dgm:fillClrLst>
+    <dgm:linClrLst meth="repeat">
+      <a:schemeClr val="lt1"/>
+    </dgm:linClrLst>
+    <dgm:effectClrLst/>
+    <dgm:txLinClrLst/>
+    <dgm:txFillClrLst/>
+    <dgm:txEffectClrLst/>
+  </dgm:styleLbl>
+  <dgm:styleLbl name="asst2">
+    <dgm:fillClrLst meth="repeat">
+      <a:schemeClr val="accent1"/>
+    </dgm:fillClrLst>
+    <dgm:linClrLst meth="repeat">
+      <a:schemeClr val="lt1"/>
+    </dgm:linClrLst>
+    <dgm:effectClrLst/>
+    <dgm:txLinClrLst/>
+    <dgm:txFillClrLst/>
+    <dgm:txEffectClrLst/>
+  </dgm:styleLbl>
+  <dgm:styleLbl name="asst3">
+    <dgm:fillClrLst meth="repeat">
+      <a:schemeClr val="accent1"/>
+    </dgm:fillClrLst>
+    <dgm:linClrLst meth="repeat">
+      <a:schemeClr val="lt1"/>
+    </dgm:linClrLst>
+    <dgm:effectClrLst/>
+    <dgm:txLinClrLst/>
+    <dgm:txFillClrLst/>
+    <dgm:txEffectClrLst/>
+  </dgm:styleLbl>
+  <dgm:styleLbl name="asst4">
+    <dgm:fillClrLst meth="repeat">
+      <a:schemeClr val="accent1"/>
+    </dgm:fillClrLst>
+    <dgm:linClrLst meth="repeat">
+      <a:schemeClr val="lt1"/>
+    </dgm:linClrLst>
+    <dgm:effectClrLst/>
+    <dgm:txLinClrLst/>
+    <dgm:txFillClrLst/>
+    <dgm:txEffectClrLst/>
+  </dgm:styleLbl>
+  <dgm:styleLbl name="parChTrans2D1">
+    <dgm:fillClrLst meth="repeat">
+      <a:schemeClr val="accent1">
+        <a:tint val="60000"/>
+      </a:schemeClr>
+    </dgm:fillClrLst>
+    <dgm:linClrLst meth="repeat">
+      <a:schemeClr val="accent1">
+        <a:tint val="60000"/>
+      </a:schemeClr>
+    </dgm:linClrLst>
+    <dgm:effectClrLst/>
+    <dgm:txLinClrLst/>
+    <dgm:txFillClrLst meth="repeat">
+      <a:schemeClr val="lt1"/>
+    </dgm:txFillClrLst>
+    <dgm:txEffectClrLst/>
+  </dgm:styleLbl>
+  <dgm:styleLbl name="parChTrans2D2">
+    <dgm:fillClrLst meth="repeat">
+      <a:schemeClr val="accent1"/>
+    </dgm:fillClrLst>
+    <dgm:linClrLst meth="repeat">
+      <a:schemeClr val="accent1"/>
+    </dgm:linClrLst>
+    <dgm:effectClrLst/>
+    <dgm:txLinClrLst/>
+    <dgm:txFillClrLst meth="repeat">
+      <a:schemeClr val="lt1"/>
+    </dgm:txFillClrLst>
+    <dgm:txEffectClrLst/>
+  </dgm:styleLbl>
+  <dgm:styleLbl name="parChTrans2D3">
+    <dgm:fillClrLst meth="repeat">
+      <a:schemeClr val="accent1"/>
+    </dgm:fillClrLst>
+    <dgm:linClrLst meth="repeat">
+      <a:schemeClr val="accent1"/>
+    </dgm:linClrLst>
+    <dgm:effectClrLst/>
+    <dgm:txLinClrLst/>
+    <dgm:txFillClrLst meth="repeat">
+      <a:schemeClr val="lt1"/>
+    </dgm:txFillClrLst>
+    <dgm:txEffectClrLst/>
+  </dgm:styleLbl>
+  <dgm:styleLbl name="parChTrans2D4">
+    <dgm:fillClrLst meth="repeat">
+      <a:schemeClr val="accent1"/>
+    </dgm:fillClrLst>
+    <dgm:linClrLst meth="repeat">
+      <a:schemeClr val="accent1"/>
+    </dgm:linClrLst>
+    <dgm:effectClrLst/>
+    <dgm:txLinClrLst/>
+    <dgm:txFillClrLst meth="repeat">
+      <a:schemeClr val="lt1"/>
+    </dgm:txFillClrLst>
+    <dgm:txEffectClrLst/>
+  </dgm:styleLbl>
+  <dgm:styleLbl name="parChTrans1D1">
+    <dgm:fillClrLst meth="repeat">
+      <a:schemeClr val="accent1"/>
+    </dgm:fillClrLst>
+    <dgm:linClrLst meth="repeat">
+      <a:schemeClr val="accent1">
+        <a:shade val="60000"/>
+      </a:schemeClr>
+    </dgm:linClrLst>
+    <dgm:effectClrLst/>
+    <dgm:txLinClrLst/>
+    <dgm:txFillClrLst meth="repeat">
+      <a:schemeClr val="tx1"/>
+    </dgm:txFillClrLst>
+    <dgm:txEffectClrLst/>
+  </dgm:styleLbl>
+  <dgm:styleLbl name="parChTrans1D2">
+    <dgm:fillClrLst meth="repeat">
+      <a:schemeClr val="accent1"/>
+    </dgm:fillClrLst>
+    <dgm:linClrLst meth="repeat">
+      <a:schemeClr val="accent1">
+        <a:shade val="60000"/>
+      </a:schemeClr>
+    </dgm:linClrLst>
+    <dgm:effectClrLst/>
+    <dgm:txLinClrLst/>
+    <dgm:txFillClrLst meth="repeat">
+      <a:schemeClr val="tx1"/>
+    </dgm:txFillClrLst>
+    <dgm:txEffectClrLst/>
+  </dgm:styleLbl>
+  <dgm:styleLbl name="parChTrans1D3">
+    <dgm:fillClrLst meth="repeat">
+      <a:schemeClr val="accent1"/>
+    </dgm:fillClrLst>
+    <dgm:linClrLst meth="repeat">
+      <a:schemeClr val="accent1">
+        <a:shade val="80000"/>
+      </a:schemeClr>
+    </dgm:linClrLst>
+    <dgm:effectClrLst/>
+    <dgm:txLinClrLst/>
+    <dgm:txFillClrLst meth="repeat">
+      <a:schemeClr val="tx1"/>
+    </dgm:txFillClrLst>
+    <dgm:txEffectClrLst/>
+  </dgm:styleLbl>
+  <dgm:styleLbl name="parChTrans1D4">
+    <dgm:fillClrLst meth="repeat">
+      <a:schemeClr val="accent1"/>
+    </dgm:fillClrLst>
+    <dgm:linClrLst meth="repeat">
+      <a:schemeClr val="accent1">
+        <a:shade val="80000"/>
+      </a:schemeClr>
+    </dgm:linClrLst>
+    <dgm:effectClrLst/>
+    <dgm:txLinClrLst/>
+    <dgm:txFillClrLst meth="repeat">
+      <a:schemeClr val="tx1"/>
+    </dgm:txFillClrLst>
+    <dgm:txEffectClrLst/>
+  </dgm:styleLbl>
+  <dgm:styleLbl name="fgAcc1">
+    <dgm:fillClrLst meth="repeat">
+      <a:schemeClr val="lt1">
+        <a:alpha val="90000"/>
+      </a:schemeClr>
+    </dgm:fillClrLst>
+    <dgm:linClrLst meth="repeat">
+      <a:schemeClr val="accent1"/>
+    </dgm:linClrLst>
+    <dgm:effectClrLst/>
+    <dgm:txLinClrLst/>
+    <dgm:txFillClrLst meth="repeat">
+      <a:schemeClr val="dk1"/>
+    </dgm:txFillClrLst>
+    <dgm:txEffectClrLst/>
+  </dgm:styleLbl>
+  <dgm:styleLbl name="conFgAcc1">
+    <dgm:fillClrLst meth="repeat">
+      <a:schemeClr val="lt1">
+        <a:alpha val="90000"/>
+      </a:schemeClr>
+    </dgm:fillClrLst>
+    <dgm:linClrLst meth="repeat">
+      <a:schemeClr val="accent1"/>
+    </dgm:linClrLst>
+    <dgm:effectClrLst/>
+    <dgm:txLinClrLst/>
+    <dgm:txFillClrLst meth="repeat">
+      <a:schemeClr val="dk1"/>
+    </dgm:txFillClrLst>
+    <dgm:txEffectClrLst/>
+  </dgm:styleLbl>
+  <dgm:styleLbl name="alignAcc1">
+    <dgm:fillClrLst meth="repeat">
+      <a:schemeClr val="lt1">
+        <a:alpha val="90000"/>
+      </a:schemeClr>
+    </dgm:fillClrLst>
+    <dgm:linClrLst meth="repeat">
+      <a:schemeClr val="accent1"/>
+    </dgm:linClrLst>
+    <dgm:effectClrLst/>
+    <dgm:txLinClrLst/>
+    <dgm:txFillClrLst meth="repeat">
+      <a:schemeClr val="dk1"/>
+    </dgm:txFillClrLst>
+    <dgm:txEffectClrLst/>
+  </dgm:styleLbl>
+  <dgm:styleLbl name="trAlignAcc1">
+    <dgm:fillClrLst meth="repeat">
+      <a:schemeClr val="lt1">
+        <a:alpha val="40000"/>
+      </a:schemeClr>
+    </dgm:fillClrLst>
+    <dgm:linClrLst meth="repeat">
+      <a:schemeClr val="accent1"/>
+    </dgm:linClrLst>
+    <dgm:effectClrLst/>
+    <dgm:txLinClrLst/>
+    <dgm:txFillClrLst meth="repeat">
+      <a:schemeClr val="dk1"/>
+    </dgm:txFillClrLst>
+    <dgm:txEffectClrLst/>
+  </dgm:styleLbl>
+  <dgm:styleLbl name="bgAcc1">
+    <dgm:fillClrLst meth="repeat">
+      <a:schemeClr val="lt1">
+        <a:alpha val="90000"/>
+      </a:schemeClr>
+    </dgm:fillClrLst>
+    <dgm:linClrLst meth="repeat">
+      <a:schemeClr val="accent1"/>
+    </dgm:linClrLst>
+    <dgm:effectClrLst/>
+    <dgm:txLinClrLst/>
+    <dgm:txFillClrLst meth="repeat">
+      <a:schemeClr val="dk1"/>
+    </dgm:txFillClrLst>
+    <dgm:txEffectClrLst/>
+  </dgm:styleLbl>
+  <dgm:styleLbl name="solidFgAcc1">
+    <dgm:fillClrLst meth="repeat">
+      <a:schemeClr val="lt1"/>
+    </dgm:fillClrLst>
+    <dgm:linClrLst meth="repeat">
+      <a:schemeClr val="accent1"/>
+    </dgm:linClrLst>
+    <dgm:effectClrLst/>
+    <dgm:txLinClrLst/>
+    <dgm:txFillClrLst meth="repeat">
+      <a:schemeClr val="dk1"/>
+    </dgm:txFillClrLst>
+    <dgm:txEffectClrLst/>
+  </dgm:styleLbl>
+  <dgm:styleLbl name="solidAlignAcc1">
+    <dgm:fillClrLst meth="repeat">
+      <a:schemeClr val="lt1"/>
+    </dgm:fillClrLst>
+    <dgm:linClrLst meth="repeat">
+      <a:schemeClr val="accent1"/>
+    </dgm:linClrLst>
+    <dgm:effectClrLst/>
+    <dgm:txLinClrLst/>
+    <dgm:txFillClrLst meth="repeat">
+      <a:schemeClr val="dk1"/>
+    </dgm:txFillClrLst>
+    <dgm:txEffectClrLst/>
+  </dgm:styleLbl>
+  <dgm:styleLbl name="solidBgAcc1">
+    <dgm:fillClrLst meth="repeat">
+      <a:schemeClr val="lt1"/>
+    </dgm:fillClrLst>
+    <dgm:linClrLst meth="repeat">
+      <a:schemeClr val="accent1"/>
+    </dgm:linClrLst>
+    <dgm:effectClrLst/>
+    <dgm:txLinClrLst/>
+    <dgm:txFillClrLst meth="repeat">
+      <a:schemeClr val="dk1"/>
+    </dgm:txFillClrLst>
+    <dgm:txEffectClrLst/>
+  </dgm:styleLbl>
+  <dgm:styleLbl name="fgAccFollowNode1">
+    <dgm:fillClrLst meth="repeat">
+      <a:schemeClr val="accent1">
+        <a:alpha val="90000"/>
+        <a:tint val="40000"/>
+      </a:schemeClr>
+    </dgm:fillClrLst>
+    <dgm:linClrLst meth="repeat">
+      <a:schemeClr val="accent1">
+        <a:alpha val="90000"/>
+        <a:tint val="40000"/>
+      </a:schemeClr>
+    </dgm:linClrLst>
+    <dgm:effectClrLst/>
+    <dgm:txLinClrLst/>
+    <dgm:txFillClrLst meth="repeat">
+      <a:schemeClr val="dk1"/>
+    </dgm:txFillClrLst>
+    <dgm:txEffectClrLst/>
+  </dgm:styleLbl>
+  <dgm:styleLbl name="alignAccFollowNode1">
+    <dgm:fillClrLst meth="repeat">
+      <a:schemeClr val="accent1">
+        <a:alpha val="90000"/>
+        <a:tint val="40000"/>
+      </a:schemeClr>
+    </dgm:fillClrLst>
+    <dgm:linClrLst meth="repeat">
+      <a:schemeClr val="accent1">
+        <a:alpha val="90000"/>
+        <a:tint val="40000"/>
+      </a:schemeClr>
+    </dgm:linClrLst>
+    <dgm:effectClrLst/>
+    <dgm:txLinClrLst/>
+    <dgm:txFillClrLst meth="repeat">
+      <a:schemeClr val="dk1"/>
+    </dgm:txFillClrLst>
+    <dgm:txEffectClrLst/>
+  </dgm:styleLbl>
+  <dgm:styleLbl name="bgAccFollowNode1">
+    <dgm:fillClrLst meth="repeat">
+      <a:schemeClr val="accent1">
+        <a:alpha val="90000"/>
+        <a:tint val="40000"/>
+      </a:schemeClr>
+    </dgm:fillClrLst>
+    <dgm:linClrLst meth="repeat">
+      <a:schemeClr val="accent1">
+        <a:alpha val="90000"/>
+        <a:tint val="40000"/>
+      </a:schemeClr>
+    </dgm:linClrLst>
+    <dgm:effectClrLst/>
+    <dgm:txLinClrLst/>
+    <dgm:txFillClrLst meth="repeat">
+      <a:schemeClr val="dk1"/>
+    </dgm:txFillClrLst>
+    <dgm:txEffectClrLst/>
+  </dgm:styleLbl>
+  <dgm:styleLbl name="fgAcc0">
+    <dgm:fillClrLst meth="repeat">
+      <a:schemeClr val="lt1">
+        <a:alpha val="90000"/>
+      </a:schemeClr>
+    </dgm:fillClrLst>
+    <dgm:linClrLst meth="repeat">
+      <a:schemeClr val="accent1"/>
+    </dgm:linClrLst>
+    <dgm:effectClrLst/>
+    <dgm:txLinClrLst/>
+    <dgm:txFillClrLst meth="repeat">
+      <a:schemeClr val="dk1"/>
+    </dgm:txFillClrLst>
+    <dgm:txEffectClrLst/>
+  </dgm:styleLbl>
+  <dgm:styleLbl name="fgAcc2">
+    <dgm:fillClrLst meth="repeat">
+      <a:schemeClr val="lt1">
+        <a:alpha val="90000"/>
+      </a:schemeClr>
+    </dgm:fillClrLst>
+    <dgm:linClrLst meth="repeat">
+      <a:schemeClr val="accent1"/>
+    </dgm:linClrLst>
+    <dgm:effectClrLst/>
+    <dgm:txLinClrLst/>
+    <dgm:txFillClrLst meth="repeat">
+      <a:schemeClr val="dk1"/>
+    </dgm:txFillClrLst>
+    <dgm:txEffectClrLst/>
+  </dgm:styleLbl>
+  <dgm:styleLbl name="fgAcc3">
+    <dgm:fillClrLst meth="repeat">
+      <a:schemeClr val="lt1">
+        <a:alpha val="90000"/>
+      </a:schemeClr>
+    </dgm:fillClrLst>
+    <dgm:linClrLst meth="repeat">
+      <a:schemeClr val="accent1"/>
+    </dgm:linClrLst>
+    <dgm:effectClrLst/>
+    <dgm:txLinClrLst/>
+    <dgm:txFillClrLst meth="repeat">
+      <a:schemeClr val="dk1"/>
+    </dgm:txFillClrLst>
+    <dgm:txEffectClrLst/>
+  </dgm:styleLbl>
+  <dgm:styleLbl name="fgAcc4">
+    <dgm:fillClrLst meth="repeat">
+      <a:schemeClr val="lt1">
+        <a:alpha val="90000"/>
+      </a:schemeClr>
+    </dgm:fillClrLst>
+    <dgm:linClrLst meth="repeat">
+      <a:schemeClr val="accent1"/>
+    </dgm:linClrLst>
+    <dgm:effectClrLst/>
+    <dgm:txLinClrLst/>
+    <dgm:txFillClrLst meth="repeat">
+      <a:schemeClr val="dk1"/>
+    </dgm:txFillClrLst>
+    <dgm:txEffectClrLst/>
+  </dgm:styleLbl>
+  <dgm:styleLbl name="bgShp">
+    <dgm:fillClrLst meth="repeat">
+      <a:schemeClr val="accent1">
+        <a:tint val="40000"/>
+      </a:schemeClr>
+    </dgm:fillClrLst>
+    <dgm:linClrLst meth="repeat">
+      <a:schemeClr val="accent1"/>
+    </dgm:linClrLst>
+    <dgm:effectClrLst/>
+    <dgm:txLinClrLst/>
+    <dgm:txFillClrLst meth="repeat">
+      <a:schemeClr val="dk1"/>
+    </dgm:txFillClrLst>
+    <dgm:txEffectClrLst/>
+  </dgm:styleLbl>
+  <dgm:styleLbl name="dkBgShp">
+    <dgm:fillClrLst meth="repeat">
+      <a:schemeClr val="accent1">
+        <a:shade val="80000"/>
+      </a:schemeClr>
+    </dgm:fillClrLst>
+    <dgm:linClrLst meth="repeat">
+      <a:schemeClr val="accent1"/>
+    </dgm:linClrLst>
+    <dgm:effectClrLst/>
+    <dgm:txLinClrLst/>
+    <dgm:txFillClrLst meth="repeat">
+      <a:schemeClr val="lt1"/>
+    </dgm:txFillClrLst>
+    <dgm:txEffectClrLst/>
+  </dgm:styleLbl>
+  <dgm:styleLbl name="trBgShp">
+    <dgm:fillClrLst meth="repeat">
+      <a:schemeClr val="accent1">
+        <a:tint val="50000"/>
+        <a:alpha val="40000"/>
+      </a:schemeClr>
+    </dgm:fillClrLst>
+    <dgm:linClrLst meth="repeat">
+      <a:schemeClr val="accent1"/>
+    </dgm:linClrLst>
+    <dgm:effectClrLst/>
+    <dgm:txLinClrLst/>
+    <dgm:txFillClrLst meth="repeat">
+      <a:schemeClr val="lt1"/>
+    </dgm:txFillClrLst>
+    <dgm:txEffectClrLst/>
+  </dgm:styleLbl>
+  <dgm:styleLbl name="fgShp">
+    <dgm:fillClrLst meth="repeat">
+      <a:schemeClr val="accent1">
+        <a:tint val="60000"/>
+      </a:schemeClr>
+    </dgm:fillClrLst>
+    <dgm:linClrLst meth="repeat">
+      <a:schemeClr val="lt1"/>
+    </dgm:linClrLst>
+    <dgm:effectClrLst/>
+    <dgm:txLinClrLst/>
+    <dgm:txFillClrLst meth="repeat">
+      <a:schemeClr val="dk1"/>
+    </dgm:txFillClrLst>
+    <dgm:txEffectClrLst/>
+  </dgm:styleLbl>
+  <dgm:styleLbl name="revTx">
+    <dgm:fillClrLst meth="repeat">
+      <a:schemeClr val="lt1">
+        <a:alpha val="0"/>
+      </a:schemeClr>
+    </dgm:fillClrLst>
+    <dgm:linClrLst meth="repeat">
+      <a:schemeClr val="dk1">
+        <a:alpha val="0"/>
+      </a:schemeClr>
+    </dgm:linClrLst>
+    <dgm:effectClrLst/>
+    <dgm:txLinClrLst/>
+    <dgm:txFillClrLst meth="repeat">
+      <a:schemeClr val="tx1"/>
+    </dgm:txFillClrLst>
+    <dgm:txEffectClrLst/>
+  </dgm:styleLbl>
+</dgm:colorsDef>
+</file>
+
+<file path=ppt/diagrams/data1.xml><?xml version="1.0" encoding="utf-8"?>
+<dgm:dataModel xmlns:dgm="http://schemas.openxmlformats.org/drawingml/2006/diagram" xmlns:a="http://schemas.openxmlformats.org/drawingml/2006/main">
+  <dgm:ptLst>
+    <dgm:pt modelId="{F581D180-FCF4-414A-856C-A2A35F52563C}" type="doc">
+      <dgm:prSet loTypeId="urn:microsoft.com/office/officeart/2005/8/layout/default" loCatId="list" qsTypeId="urn:microsoft.com/office/officeart/2005/8/quickstyle/simple1" qsCatId="simple" csTypeId="urn:microsoft.com/office/officeart/2005/8/colors/accent1_2" csCatId="accent1" phldr="1"/>
+      <dgm:spPr/>
+      <dgm:t>
+        <a:bodyPr/>
+        <a:lstStyle/>
+        <a:p>
+          <a:endParaRPr lang="tr-TR"/>
+        </a:p>
+      </dgm:t>
+    </dgm:pt>
+    <dgm:pt modelId="{54E3CB72-238A-4F2A-91C4-ED1419080A52}">
+      <dgm:prSet phldrT="[Metin]"/>
+      <dgm:spPr/>
+      <dgm:t>
+        <a:bodyPr/>
+        <a:lstStyle/>
+        <a:p>
+          <a:r>
+            <a:rPr lang="tr-TR" dirty="0" smtClean="0"/>
+            <a:t>Teşekkürler</a:t>
+          </a:r>
+          <a:endParaRPr lang="tr-TR" dirty="0"/>
+        </a:p>
+      </dgm:t>
+    </dgm:pt>
+    <dgm:pt modelId="{BC24B874-0D09-4B4D-A1A5-756967B577BE}" type="parTrans" cxnId="{28628D0B-2F5F-405B-9D8C-DCB64AD627EB}">
+      <dgm:prSet/>
+      <dgm:spPr/>
+      <dgm:t>
+        <a:bodyPr/>
+        <a:lstStyle/>
+        <a:p>
+          <a:endParaRPr lang="tr-TR"/>
+        </a:p>
+      </dgm:t>
+    </dgm:pt>
+    <dgm:pt modelId="{85D39A7F-FD3F-461A-9B8F-BADDA870E06F}" type="sibTrans" cxnId="{28628D0B-2F5F-405B-9D8C-DCB64AD627EB}">
+      <dgm:prSet/>
+      <dgm:spPr/>
+      <dgm:t>
+        <a:bodyPr/>
+        <a:lstStyle/>
+        <a:p>
+          <a:endParaRPr lang="tr-TR"/>
+        </a:p>
+      </dgm:t>
+    </dgm:pt>
+    <dgm:pt modelId="{F625A9A1-8F85-4AA3-89FF-29FADFFF4295}" type="pres">
+      <dgm:prSet presAssocID="{F581D180-FCF4-414A-856C-A2A35F52563C}" presName="diagram" presStyleCnt="0">
+        <dgm:presLayoutVars>
+          <dgm:dir/>
+          <dgm:resizeHandles val="exact"/>
+        </dgm:presLayoutVars>
+      </dgm:prSet>
+      <dgm:spPr/>
+    </dgm:pt>
+    <dgm:pt modelId="{8A2C05CA-0A87-4B4A-8091-94814D4BB61E}" type="pres">
+      <dgm:prSet presAssocID="{54E3CB72-238A-4F2A-91C4-ED1419080A52}" presName="node" presStyleLbl="node1" presStyleIdx="0" presStyleCnt="1">
+        <dgm:presLayoutVars>
+          <dgm:bulletEnabled val="1"/>
+        </dgm:presLayoutVars>
+      </dgm:prSet>
+      <dgm:spPr/>
+      <dgm:t>
+        <a:bodyPr/>
+        <a:lstStyle/>
+        <a:p>
+          <a:endParaRPr lang="tr-TR"/>
+        </a:p>
+      </dgm:t>
+    </dgm:pt>
+  </dgm:ptLst>
+  <dgm:cxnLst>
+    <dgm:cxn modelId="{128F6C0F-483A-4911-96B9-EA4081FCD4AA}" type="presOf" srcId="{F581D180-FCF4-414A-856C-A2A35F52563C}" destId="{F625A9A1-8F85-4AA3-89FF-29FADFFF4295}" srcOrd="0" destOrd="0" presId="urn:microsoft.com/office/officeart/2005/8/layout/default"/>
+    <dgm:cxn modelId="{EA481E6C-EC1E-44EA-9B49-5467C91FBD7E}" type="presOf" srcId="{54E3CB72-238A-4F2A-91C4-ED1419080A52}" destId="{8A2C05CA-0A87-4B4A-8091-94814D4BB61E}" srcOrd="0" destOrd="0" presId="urn:microsoft.com/office/officeart/2005/8/layout/default"/>
+    <dgm:cxn modelId="{28628D0B-2F5F-405B-9D8C-DCB64AD627EB}" srcId="{F581D180-FCF4-414A-856C-A2A35F52563C}" destId="{54E3CB72-238A-4F2A-91C4-ED1419080A52}" srcOrd="0" destOrd="0" parTransId="{BC24B874-0D09-4B4D-A1A5-756967B577BE}" sibTransId="{85D39A7F-FD3F-461A-9B8F-BADDA870E06F}"/>
+    <dgm:cxn modelId="{F54E74AA-075C-4883-B679-7D789BDBA7C2}" type="presParOf" srcId="{F625A9A1-8F85-4AA3-89FF-29FADFFF4295}" destId="{8A2C05CA-0A87-4B4A-8091-94814D4BB61E}" srcOrd="0" destOrd="0" presId="urn:microsoft.com/office/officeart/2005/8/layout/default"/>
+  </dgm:cxnLst>
+  <dgm:bg/>
+  <dgm:whole/>
+  <dgm:extLst>
+    <a:ext uri="http://schemas.microsoft.com/office/drawing/2008/diagram">
+      <dsp:dataModelExt xmlns:dsp="http://schemas.microsoft.com/office/drawing/2008/diagram" relId="rId6" minVer="http://schemas.openxmlformats.org/drawingml/2006/diagram"/>
+    </a:ext>
+  </dgm:extLst>
+</dgm:dataModel>
+</file>
+
+<file path=ppt/diagrams/drawing1.xml><?xml version="1.0" encoding="utf-8"?>
+<dsp:drawing xmlns:dgm="http://schemas.openxmlformats.org/drawingml/2006/diagram" xmlns:dsp="http://schemas.microsoft.com/office/drawing/2008/diagram" xmlns:a="http://schemas.openxmlformats.org/drawingml/2006/main">
+  <dsp:spTree>
+    <dsp:nvGrpSpPr>
+      <dsp:cNvPr id="0" name=""/>
+      <dsp:cNvGrpSpPr/>
+    </dsp:nvGrpSpPr>
+    <dsp:grpSpPr/>
+    <dsp:sp modelId="{8A2C05CA-0A87-4B4A-8091-94814D4BB61E}">
+      <dsp:nvSpPr>
+        <dsp:cNvPr id="0" name=""/>
+        <dsp:cNvSpPr/>
+      </dsp:nvSpPr>
+      <dsp:spPr>
+        <a:xfrm>
+          <a:off x="266997" y="2718"/>
+          <a:ext cx="9981604" cy="5988962"/>
+        </a:xfrm>
+        <a:prstGeom prst="rect">
+          <a:avLst/>
+        </a:prstGeom>
+        <a:solidFill>
+          <a:schemeClr val="accent1">
+            <a:hueOff val="0"/>
+            <a:satOff val="0"/>
+            <a:lumOff val="0"/>
+            <a:alphaOff val="0"/>
+          </a:schemeClr>
+        </a:solidFill>
+        <a:ln w="12700" cap="flat" cmpd="sng" algn="ctr">
+          <a:solidFill>
+            <a:schemeClr val="lt1">
+              <a:hueOff val="0"/>
+              <a:satOff val="0"/>
+              <a:lumOff val="0"/>
+              <a:alphaOff val="0"/>
+            </a:schemeClr>
+          </a:solidFill>
+          <a:prstDash val="solid"/>
+          <a:miter lim="800000"/>
+        </a:ln>
+        <a:effectLst/>
+      </dsp:spPr>
+      <dsp:style>
+        <a:lnRef idx="2">
+          <a:scrgbClr r="0" g="0" b="0"/>
+        </a:lnRef>
+        <a:fillRef idx="1">
+          <a:scrgbClr r="0" g="0" b="0"/>
+        </a:fillRef>
+        <a:effectRef idx="0">
+          <a:scrgbClr r="0" g="0" b="0"/>
+        </a:effectRef>
+        <a:fontRef idx="minor">
+          <a:schemeClr val="lt1"/>
+        </a:fontRef>
+      </dsp:style>
+      <dsp:txBody>
+        <a:bodyPr spcFirstLastPara="0" vert="horz" wrap="square" lIns="247650" tIns="247650" rIns="247650" bIns="247650" numCol="1" spcCol="1270" anchor="ctr" anchorCtr="0">
+          <a:noAutofit/>
+        </a:bodyPr>
+        <a:lstStyle/>
+        <a:p>
+          <a:pPr lvl="0" algn="ctr" defTabSz="2889250">
+            <a:lnSpc>
+              <a:spcPct val="90000"/>
+            </a:lnSpc>
+            <a:spcBef>
+              <a:spcPct val="0"/>
+            </a:spcBef>
+            <a:spcAft>
+              <a:spcPct val="35000"/>
+            </a:spcAft>
+          </a:pPr>
+          <a:r>
+            <a:rPr lang="tr-TR" sz="6500" kern="1200" dirty="0" smtClean="0"/>
+            <a:t>Teşekkürler</a:t>
+          </a:r>
+          <a:endParaRPr lang="tr-TR" sz="6500" kern="1200" dirty="0"/>
+        </a:p>
+      </dsp:txBody>
+      <dsp:txXfrm>
+        <a:off x="266997" y="2718"/>
+        <a:ext cx="9981604" cy="5988962"/>
+      </dsp:txXfrm>
+    </dsp:sp>
+  </dsp:spTree>
+</dsp:drawing>
+</file>
+
+<file path=ppt/diagrams/layout1.xml><?xml version="1.0" encoding="utf-8"?>
+<dgm:layoutDef xmlns:dgm="http://schemas.openxmlformats.org/drawingml/2006/diagram" xmlns:a="http://schemas.openxmlformats.org/drawingml/2006/main" uniqueId="urn:microsoft.com/office/officeart/2005/8/layout/default">
+  <dgm:title val=""/>
+  <dgm:desc val=""/>
+  <dgm:catLst>
+    <dgm:cat type="list" pri="400"/>
+  </dgm:catLst>
+  <dgm:sampData>
+    <dgm:dataModel>
+      <dgm:ptLst>
+        <dgm:pt modelId="0" type="doc"/>
+        <dgm:pt modelId="1">
+          <dgm:prSet phldr="1"/>
+        </dgm:pt>
+        <dgm:pt modelId="2">
+          <dgm:prSet phldr="1"/>
+        </dgm:pt>
+        <dgm:pt modelId="3">
+          <dgm:prSet phldr="1"/>
+        </dgm:pt>
+        <dgm:pt modelId="4">
+          <dgm:prSet phldr="1"/>
+        </dgm:pt>
+        <dgm:pt modelId="5">
+          <dgm:prSet phldr="1"/>
+        </dgm:pt>
+      </dgm:ptLst>
+      <dgm:cxnLst>
+        <dgm:cxn modelId="6" srcId="0" destId="1" srcOrd="0" destOrd="0"/>
+        <dgm:cxn modelId="7" srcId="0" destId="2" srcOrd="1" destOrd="0"/>
+        <dgm:cxn modelId="8" srcId="0" destId="3" srcOrd="2" destOrd="0"/>
+        <dgm:cxn modelId="9" srcId="0" destId="4" srcOrd="3" destOrd="0"/>
+        <dgm:cxn modelId="10" srcId="0" destId="5" srcOrd="4" destOrd="0"/>
+      </dgm:cxnLst>
+      <dgm:bg/>
+      <dgm:whole/>
+    </dgm:dataModel>
+  </dgm:sampData>
+  <dgm:styleData>
+    <dgm:dataModel>
+      <dgm:ptLst>
+        <dgm:pt modelId="0" type="doc"/>
+        <dgm:pt modelId="1"/>
+        <dgm:pt modelId="2"/>
+      </dgm:ptLst>
+      <dgm:cxnLst>
+        <dgm:cxn modelId="3" srcId="0" destId="1" srcOrd="0" destOrd="0"/>
+        <dgm:cxn modelId="4" srcId="0" destId="2" srcOrd="1" destOrd="0"/>
+      </dgm:cxnLst>
+      <dgm:bg/>
+      <dgm:whole/>
+    </dgm:dataModel>
+  </dgm:styleData>
+  <dgm:clrData>
+    <dgm:dataModel>
+      <dgm:ptLst>
+        <dgm:pt modelId="0" type="doc"/>
+        <dgm:pt modelId="1"/>
+        <dgm:pt modelId="2"/>
+        <dgm:pt modelId="3"/>
+        <dgm:pt modelId="4"/>
+        <dgm:pt modelId="5"/>
+        <dgm:pt modelId="6"/>
+      </dgm:ptLst>
+      <dgm:cxnLst>
+        <dgm:cxn modelId="7" srcId="0" destId="1" srcOrd="0" destOrd="0"/>
+        <dgm:cxn modelId="8" srcId="0" destId="2" srcOrd="1" destOrd="0"/>
+        <dgm:cxn modelId="9" srcId="0" destId="3" srcOrd="2" destOrd="0"/>
+        <dgm:cxn modelId="10" srcId="0" destId="4" srcOrd="3" destOrd="0"/>
+        <dgm:cxn modelId="11" srcId="0" destId="5" srcOrd="4" destOrd="0"/>
+        <dgm:cxn modelId="12" srcId="0" destId="6" srcOrd="5" destOrd="0"/>
+      </dgm:cxnLst>
+      <dgm:bg/>
+      <dgm:whole/>
+    </dgm:dataModel>
+  </dgm:clrData>
+  <dgm:layoutNode name="diagram">
+    <dgm:varLst>
+      <dgm:dir/>
+      <dgm:resizeHandles val="exact"/>
+    </dgm:varLst>
+    <dgm:choose name="Name0">
+      <dgm:if name="Name1" func="var" arg="dir" op="equ" val="norm">
+        <dgm:alg type="snake">
+          <dgm:param type="grDir" val="tL"/>
+          <dgm:param type="flowDir" val="row"/>
+          <dgm:param type="contDir" val="sameDir"/>
+          <dgm:param type="off" val="ctr"/>
+        </dgm:alg>
+      </dgm:if>
+      <dgm:else name="Name2">
+        <dgm:alg type="snake">
+          <dgm:param type="grDir" val="tR"/>
+          <dgm:param type="flowDir" val="row"/>
+          <dgm:param type="contDir" val="sameDir"/>
+          <dgm:param type="off" val="ctr"/>
+        </dgm:alg>
+      </dgm:else>
+    </dgm:choose>
+    <dgm:shape xmlns:r="http://schemas.openxmlformats.org/officeDocument/2006/relationships" r:blip="">
+      <dgm:adjLst/>
+    </dgm:shape>
+    <dgm:presOf/>
+    <dgm:constrLst>
+      <dgm:constr type="w" for="ch" forName="node" refType="w"/>
+      <dgm:constr type="h" for="ch" forName="node" refType="w" refFor="ch" refForName="node" fact="0.6"/>
+      <dgm:constr type="w" for="ch" forName="sibTrans" refType="w" refFor="ch" refForName="node" fact="0.1"/>
+      <dgm:constr type="sp" refType="w" refFor="ch" refForName="sibTrans"/>
+      <dgm:constr type="primFontSz" for="ch" forName="node" op="equ" val="65"/>
+    </dgm:constrLst>
+    <dgm:ruleLst/>
+    <dgm:forEach name="Name3" axis="ch" ptType="node">
+      <dgm:layoutNode name="node">
+        <dgm:varLst>
+          <dgm:bulletEnabled val="1"/>
+        </dgm:varLst>
+        <dgm:alg type="tx"/>
+        <dgm:shape xmlns:r="http://schemas.openxmlformats.org/officeDocument/2006/relationships" type="rect" r:blip="">
+          <dgm:adjLst/>
+        </dgm:shape>
+        <dgm:presOf axis="desOrSelf" ptType="node"/>
+        <dgm:constrLst>
+          <dgm:constr type="lMarg" refType="primFontSz" fact="0.3"/>
+          <dgm:constr type="rMarg" refType="primFontSz" fact="0.3"/>
+          <dgm:constr type="tMarg" refType="primFontSz" fact="0.3"/>
+          <dgm:constr type="bMarg" refType="primFontSz" fact="0.3"/>
+        </dgm:constrLst>
+        <dgm:ruleLst>
+          <dgm:rule type="primFontSz" val="5" fact="NaN" max="NaN"/>
+        </dgm:ruleLst>
+      </dgm:layoutNode>
+      <dgm:forEach name="Name4" axis="followSib" ptType="sibTrans" cnt="1">
+        <dgm:layoutNode name="sibTrans">
+          <dgm:alg type="sp"/>
+          <dgm:shape xmlns:r="http://schemas.openxmlformats.org/officeDocument/2006/relationships" r:blip="">
+            <dgm:adjLst/>
+          </dgm:shape>
+          <dgm:presOf/>
+          <dgm:constrLst/>
+          <dgm:ruleLst/>
+        </dgm:layoutNode>
+      </dgm:forEach>
+    </dgm:forEach>
+  </dgm:layoutNode>
+</dgm:layoutDef>
+</file>
+
+<file path=ppt/diagrams/quickStyle1.xml><?xml version="1.0" encoding="utf-8"?>
+<dgm:styleDef xmlns:dgm="http://schemas.openxmlformats.org/drawingml/2006/diagram" xmlns:a="http://schemas.openxmlformats.org/drawingml/2006/main" uniqueId="urn:microsoft.com/office/officeart/2005/8/quickstyle/simple1">
+  <dgm:title val=""/>
+  <dgm:desc val=""/>
+  <dgm:catLst>
+    <dgm:cat type="simple" pri="10100"/>
+  </dgm:catLst>
+  <dgm:scene3d>
+    <a:camera prst="orthographicFront"/>
+    <a:lightRig rig="threePt" dir="t"/>
+  </dgm:scene3d>
+  <dgm:styleLbl name="node0">
+    <dgm:scene3d>
+      <a:camera prst="orthographicFront"/>
+      <a:lightRig rig="threePt" dir="t"/>
+    </dgm:scene3d>
+    <dgm:sp3d/>
+    <dgm:txPr/>
+    <dgm:style>
+      <a:lnRef idx="2">
+        <a:scrgbClr r="0" g="0" b="0"/>
+      </a:lnRef>
+      <a:fillRef idx="1">
+        <a:scrgbClr r="0" g="0" b="0"/>
+      </a:fillRef>
+      <a:effectRef idx="0">
+        <a:scrgbClr r="0" g="0" b="0"/>
+      </a:effectRef>
+      <a:fontRef idx="minor">
+        <a:schemeClr val="lt1"/>
+      </a:fontRef>
+    </dgm:style>
+  </dgm:styleLbl>
+  <dgm:styleLbl name="lnNode1">
+    <dgm:scene3d>
+      <a:camera prst="orthographicFront"/>
+      <a:lightRig rig="threePt" dir="t"/>
+    </dgm:scene3d>
+    <dgm:sp3d/>
+    <dgm:txPr/>
+    <dgm:style>
+      <a:lnRef idx="2">
+        <a:scrgbClr r="0" g="0" b="0"/>
+      </a:lnRef>
+      <a:fillRef idx="1">
+        <a:scrgbClr r="0" g="0" b="0"/>
+      </a:fillRef>
+      <a:effectRef idx="0">
+        <a:scrgbClr r="0" g="0" b="0"/>
+      </a:effectRef>
+      <a:fontRef idx="minor">
+        <a:schemeClr val="lt1"/>
+      </a:fontRef>
+    </dgm:style>
+  </dgm:styleLbl>
+  <dgm:styleLbl name="vennNode1">
+    <dgm:scene3d>
+      <a:camera prst="orthographicFront"/>
+      <a:lightRig rig="threePt" dir="t"/>
+    </dgm:scene3d>
+    <dgm:sp3d/>
+    <dgm:txPr/>
+    <dgm:style>
+      <a:lnRef idx="2">
+        <a:scrgbClr r="0" g="0" b="0"/>
+      </a:lnRef>
+      <a:fillRef idx="1">
+        <a:scrgbClr r="0" g="0" b="0"/>
+      </a:fillRef>
+      <a:effectRef idx="0">
+        <a:scrgbClr r="0" g="0" b="0"/>
+      </a:effectRef>
+      <a:fontRef idx="minor">
+        <a:schemeClr val="tx1"/>
+      </a:fontRef>
+    </dgm:style>
+  </dgm:styleLbl>
+  <dgm:styleLbl name="alignNode1">
+    <dgm:scene3d>
+      <a:camera prst="orthographicFront"/>
+      <a:lightRig rig="threePt" dir="t"/>
+    </dgm:scene3d>
+    <dgm:sp3d/>
+    <dgm:txPr/>
+    <dgm:style>
+      <a:lnRef idx="2">
+        <a:scrgbClr r="0" g="0" b="0"/>
+      </a:lnRef>
+      <a:fillRef idx="1">
+        <a:scrgbClr r="0" g="0" b="0"/>
+      </a:fillRef>
+      <a:effectRef idx="0">
+        <a:scrgbClr r="0" g="0" b="0"/>
+      </a:effectRef>
+      <a:fontRef idx="minor">
+        <a:schemeClr val="lt1"/>
+      </a:fontRef>
+    </dgm:style>
+  </dgm:styleLbl>
+  <dgm:styleLbl name="node1">
+    <dgm:scene3d>
+      <a:camera prst="orthographicFront"/>
+      <a:lightRig rig="threePt" dir="t"/>
+    </dgm:scene3d>
+    <dgm:sp3d/>
+    <dgm:txPr/>
+    <dgm:style>
+      <a:lnRef idx="2">
+        <a:scrgbClr r="0" g="0" b="0"/>
+      </a:lnRef>
+      <a:fillRef idx="1">
+        <a:scrgbClr r="0" g="0" b="0"/>
+      </a:fillRef>
+      <a:effectRef idx="0">
+        <a:scrgbClr r="0" g="0" b="0"/>
+      </a:effectRef>
+      <a:fontRef idx="minor">
+        <a:schemeClr val="lt1"/>
+      </a:fontRef>
+    </dgm:style>
+  </dgm:styleLbl>
+  <dgm:styleLbl name="node2">
+    <dgm:scene3d>
+      <a:camera prst="orthographicFront"/>
+      <a:lightRig rig="threePt" dir="t"/>
+    </dgm:scene3d>
+    <dgm:sp3d/>
+    <dgm:txPr/>
+    <dgm:style>
+      <a:lnRef idx="2">
+        <a:scrgbClr r="0" g="0" b="0"/>
+      </a:lnRef>
+      <a:fillRef idx="1">
+        <a:scrgbClr r="0" g="0" b="0"/>
+      </a:fillRef>
+      <a:effectRef idx="0">
+        <a:scrgbClr r="0" g="0" b="0"/>
+      </a:effectRef>
+      <a:fontRef idx="minor">
+        <a:schemeClr val="lt1"/>
+      </a:fontRef>
+    </dgm:style>
+  </dgm:styleLbl>
+  <dgm:styleLbl name="node3">
+    <dgm:scene3d>
+      <a:camera prst="orthographicFront"/>
+      <a:lightRig rig="threePt" dir="t"/>
+    </dgm:scene3d>
+    <dgm:sp3d/>
+    <dgm:txPr/>
+    <dgm:style>
+      <a:lnRef idx="2">
+        <a:scrgbClr r="0" g="0" b="0"/>
+      </a:lnRef>
+      <a:fillRef idx="1">
+        <a:scrgbClr r="0" g="0" b="0"/>
+      </a:fillRef>
+      <a:effectRef idx="0">
+        <a:scrgbClr r="0" g="0" b="0"/>
+      </a:effectRef>
+      <a:fontRef idx="minor">
+        <a:schemeClr val="lt1"/>
+      </a:fontRef>
+    </dgm:style>
+  </dgm:styleLbl>
+  <dgm:styleLbl name="node4">
+    <dgm:scene3d>
+      <a:camera prst="orthographicFront"/>
+      <a:lightRig rig="threePt" dir="t"/>
+    </dgm:scene3d>
+    <dgm:sp3d/>
+    <dgm:txPr/>
+    <dgm:style>
+      <a:lnRef idx="2">
+        <a:scrgbClr r="0" g="0" b="0"/>
+      </a:lnRef>
+      <a:fillRef idx="1">
+        <a:scrgbClr r="0" g="0" b="0"/>
+      </a:fillRef>
+      <a:effectRef idx="0">
+        <a:scrgbClr r="0" g="0" b="0"/>
+      </a:effectRef>
+      <a:fontRef idx="minor">
+        <a:schemeClr val="lt1"/>
+      </a:fontRef>
+    </dgm:style>
+  </dgm:styleLbl>
+  <dgm:styleLbl name="fgImgPlace1">
+    <dgm:scene3d>
+      <a:camera prst="orthographicFront"/>
+      <a:lightRig rig="threePt" dir="t"/>
+    </dgm:scene3d>
+    <dgm:sp3d/>
+    <dgm:txPr/>
+    <dgm:style>
+      <a:lnRef idx="2">
+        <a:scrgbClr r="0" g="0" b="0"/>
+      </a:lnRef>
+      <a:fillRef idx="1">
+        <a:scrgbClr r="0" g="0" b="0"/>
+      </a:fillRef>
+      <a:effectRef idx="0">
+        <a:scrgbClr r="0" g="0" b="0"/>
+      </a:effectRef>
+      <a:fontRef idx="minor"/>
+    </dgm:style>
+  </dgm:styleLbl>
+  <dgm:styleLbl name="alignImgPlace1">
+    <dgm:scene3d>
+      <a:camera prst="orthographicFront"/>
+      <a:lightRig rig="threePt" dir="t"/>
+    </dgm:scene3d>
+    <dgm:sp3d/>
+    <dgm:txPr/>
+    <dgm:style>
+      <a:lnRef idx="2">
+        <a:scrgbClr r="0" g="0" b="0"/>
+      </a:lnRef>
+      <a:fillRef idx="1">
+        <a:scrgbClr r="0" g="0" b="0"/>
+      </a:fillRef>
+      <a:effectRef idx="0">
+        <a:scrgbClr r="0" g="0" b="0"/>
+      </a:effectRef>
+      <a:fontRef idx="minor"/>
+    </dgm:style>
+  </dgm:styleLbl>
+  <dgm:styleLbl name="bgImgPlace1">
+    <dgm:scene3d>
+      <a:camera prst="orthographicFront"/>
+      <a:lightRig rig="threePt" dir="t"/>
+    </dgm:scene3d>
+    <dgm:sp3d/>
+    <dgm:txPr/>
+    <dgm:style>
+      <a:lnRef idx="2">
+        <a:scrgbClr r="0" g="0" b="0"/>
+      </a:lnRef>
+      <a:fillRef idx="1">
+        <a:scrgbClr r="0" g="0" b="0"/>
+      </a:fillRef>
+      <a:effectRef idx="0">
+        <a:scrgbClr r="0" g="0" b="0"/>
+      </a:effectRef>
+      <a:fontRef idx="minor"/>
+    </dgm:style>
+  </dgm:styleLbl>
+  <dgm:styleLbl name="sibTrans2D1">
+    <dgm:scene3d>
+      <a:camera prst="orthographicFront"/>
+      <a:lightRig rig="threePt" dir="t"/>
+    </dgm:scene3d>
+    <dgm:sp3d/>
+    <dgm:txPr/>
+    <dgm:style>
+      <a:lnRef idx="0">
+        <a:scrgbClr r="0" g="0" b="0"/>
+      </a:lnRef>
+      <a:fillRef idx="1">
+        <a:scrgbClr r="0" g="0" b="0"/>
+      </a:fillRef>
+      <a:effectRef idx="0">
+        <a:scrgbClr r="0" g="0" b="0"/>
+      </a:effectRef>
+      <a:fontRef idx="minor">
+        <a:schemeClr val="lt1"/>
+      </a:fontRef>
+    </dgm:style>
+  </dgm:styleLbl>
+  <dgm:styleLbl name="fgSibTrans2D1">
+    <dgm:scene3d>
+      <a:camera prst="orthographicFront"/>
+      <a:lightRig rig="threePt" dir="t"/>
+    </dgm:scene3d>
+    <dgm:sp3d/>
+    <dgm:txPr/>
+    <dgm:style>
+      <a:lnRef idx="0">
+        <a:scrgbClr r="0" g="0" b="0"/>
+      </a:lnRef>
+      <a:fillRef idx="1">
+        <a:scrgbClr r="0" g="0" b="0"/>
+      </a:fillRef>
+      <a:effectRef idx="0">
+        <a:scrgbClr r="0" g="0" b="0"/>
+      </a:effectRef>
+      <a:fontRef idx="minor">
+        <a:schemeClr val="lt1"/>
+      </a:fontRef>
+    </dgm:style>
+  </dgm:styleLbl>
+  <dgm:styleLbl name="bgSibTrans2D1">
+    <dgm:scene3d>
+      <a:camera prst="orthographicFront"/>
+      <a:lightRig rig="threePt" dir="t"/>
+    </dgm:scene3d>
+    <dgm:sp3d/>
+    <dgm:txPr/>
+    <dgm:style>
+      <a:lnRef idx="0">
+        <a:scrgbClr r="0" g="0" b="0"/>
+      </a:lnRef>
+      <a:fillRef idx="1">
+        <a:scrgbClr r="0" g="0" b="0"/>
+      </a:fillRef>
+      <a:effectRef idx="0">
+        <a:scrgbClr r="0" g="0" b="0"/>
+      </a:effectRef>
+      <a:fontRef idx="minor">
+        <a:schemeClr val="lt1"/>
+      </a:fontRef>
+    </dgm:style>
+  </dgm:styleLbl>
+  <dgm:styleLbl name="sibTrans1D1">
+    <dgm:scene3d>
+      <a:camera prst="orthographicFront"/>
+      <a:lightRig rig="threePt" dir="t"/>
+    </dgm:scene3d>
+    <dgm:sp3d/>
+    <dgm:txPr/>
+    <dgm:style>
+      <a:lnRef idx="1">
+        <a:scrgbClr r="0" g="0" b="0"/>
+      </a:lnRef>
+      <a:fillRef idx="0">
+        <a:scrgbClr r="0" g="0" b="0"/>
+      </a:fillRef>
+      <a:effectRef idx="0">
+        <a:scrgbClr r="0" g="0" b="0"/>
+      </a:effectRef>
+      <a:fontRef idx="minor"/>
+    </dgm:style>
+  </dgm:styleLbl>
+  <dgm:styleLbl name="callout">
+    <dgm:scene3d>
+      <a:camera prst="orthographicFront"/>
+      <a:lightRig rig="threePt" dir="t"/>
+    </dgm:scene3d>
+    <dgm:sp3d/>
+    <dgm:txPr/>
+    <dgm:style>
+      <a:lnRef idx="2">
+        <a:scrgbClr r="0" g="0" b="0"/>
+      </a:lnRef>
+      <a:fillRef idx="1">
+        <a:scrgbClr r="0" g="0" b="0"/>
+      </a:fillRef>
+      <a:effectRef idx="0">
+        <a:scrgbClr r="0" g="0" b="0"/>
+      </a:effectRef>
+      <a:fontRef idx="minor"/>
+    </dgm:style>
+  </dgm:styleLbl>
+  <dgm:styleLbl name="asst0">
+    <dgm:scene3d>
+      <a:camera prst="orthographicFront"/>
+      <a:lightRig rig="threePt" dir="t"/>
+    </dgm:scene3d>
+    <dgm:sp3d/>
+    <dgm:txPr/>
+    <dgm:style>
+      <a:lnRef idx="2">
+        <a:scrgbClr r="0" g="0" b="0"/>
+      </a:lnRef>
+      <a:fillRef idx="1">
+        <a:scrgbClr r="0" g="0" b="0"/>
+      </a:fillRef>
+      <a:effectRef idx="0">
+        <a:scrgbClr r="0" g="0" b="0"/>
+      </a:effectRef>
+      <a:fontRef idx="minor">
+        <a:schemeClr val="lt1"/>
+      </a:fontRef>
+    </dgm:style>
+  </dgm:styleLbl>
+  <dgm:styleLbl name="asst1">
+    <dgm:scene3d>
+      <a:camera prst="orthographicFront"/>
+      <a:lightRig rig="threePt" dir="t"/>
+    </dgm:scene3d>
+    <dgm:sp3d/>
+    <dgm:txPr/>
+    <dgm:style>
+      <a:lnRef idx="2">
+        <a:scrgbClr r="0" g="0" b="0"/>
+      </a:lnRef>
+      <a:fillRef idx="1">
+        <a:scrgbClr r="0" g="0" b="0"/>
+      </a:fillRef>
+      <a:effectRef idx="0">
+        <a:scrgbClr r="0" g="0" b="0"/>
+      </a:effectRef>
+      <a:fontRef idx="minor">
+        <a:schemeClr val="lt1"/>
+      </a:fontRef>
+    </dgm:style>
+  </dgm:styleLbl>
+  <dgm:styleLbl name="asst2">
+    <dgm:scene3d>
+      <a:camera prst="orthographicFront"/>
+      <a:lightRig rig="threePt" dir="t"/>
+    </dgm:scene3d>
+    <dgm:sp3d/>
+    <dgm:txPr/>
+    <dgm:style>
+      <a:lnRef idx="2">
+        <a:scrgbClr r="0" g="0" b="0"/>
+      </a:lnRef>
+      <a:fillRef idx="1">
+        <a:scrgbClr r="0" g="0" b="0"/>
+      </a:fillRef>
+      <a:effectRef idx="0">
+        <a:scrgbClr r="0" g="0" b="0"/>
+      </a:effectRef>
+      <a:fontRef idx="minor">
+        <a:schemeClr val="lt1"/>
+      </a:fontRef>
+    </dgm:style>
+  </dgm:styleLbl>
+  <dgm:styleLbl name="asst3">
+    <dgm:scene3d>
+      <a:camera prst="orthographicFront"/>
+      <a:lightRig rig="threePt" dir="t"/>
+    </dgm:scene3d>
+    <dgm:sp3d/>
+    <dgm:txPr/>
+    <dgm:style>
+      <a:lnRef idx="2">
+        <a:scrgbClr r="0" g="0" b="0"/>
+      </a:lnRef>
+      <a:fillRef idx="1">
+        <a:scrgbClr r="0" g="0" b="0"/>
+      </a:fillRef>
+      <a:effectRef idx="0">
+        <a:scrgbClr r="0" g="0" b="0"/>
+      </a:effectRef>
+      <a:fontRef idx="minor">
+        <a:schemeClr val="lt1"/>
+      </a:fontRef>
+    </dgm:style>
+  </dgm:styleLbl>
+  <dgm:styleLbl name="asst4">
+    <dgm:scene3d>
+      <a:camera prst="orthographicFront"/>
+      <a:lightRig rig="threePt" dir="t"/>
+    </dgm:scene3d>
+    <dgm:sp3d/>
+    <dgm:txPr/>
+    <dgm:style>
+      <a:lnRef idx="2">
+        <a:scrgbClr r="0" g="0" b="0"/>
+      </a:lnRef>
+      <a:fillRef idx="1">
+        <a:scrgbClr r="0" g="0" b="0"/>
+      </a:fillRef>
+      <a:effectRef idx="0">
+        <a:scrgbClr r="0" g="0" b="0"/>
+      </a:effectRef>
+      <a:fontRef idx="minor">
+        <a:schemeClr val="lt1"/>
+      </a:fontRef>
+    </dgm:style>
+  </dgm:styleLbl>
+  <dgm:styleLbl name="parChTrans2D1">
+    <dgm:scene3d>
+      <a:camera prst="orthographicFront"/>
+      <a:lightRig rig="threePt" dir="t"/>
+    </dgm:scene3d>
+    <dgm:sp3d/>
+    <dgm:txPr/>
+    <dgm:style>
+      <a:lnRef idx="2">
+        <a:scrgbClr r="0" g="0" b="0"/>
+      </a:lnRef>
+      <a:fillRef idx="1">
+        <a:scrgbClr r="0" g="0" b="0"/>
+      </a:fillRef>
+      <a:effectRef idx="0">
+        <a:scrgbClr r="0" g="0" b="0"/>
+      </a:effectRef>
+      <a:fontRef idx="minor">
+        <a:schemeClr val="lt1"/>
+      </a:fontRef>
+    </dgm:style>
+  </dgm:styleLbl>
+  <dgm:styleLbl name="parChTrans2D2">
+    <dgm:scene3d>
+      <a:camera prst="orthographicFront"/>
+      <a:lightRig rig="threePt" dir="t"/>
+    </dgm:scene3d>
+    <dgm:sp3d/>
+    <dgm:txPr/>
+    <dgm:style>
+      <a:lnRef idx="2">
+        <a:scrgbClr r="0" g="0" b="0"/>
+      </a:lnRef>
+      <a:fillRef idx="1">
+        <a:scrgbClr r="0" g="0" b="0"/>
+      </a:fillRef>
+      <a:effectRef idx="0">
+        <a:scrgbClr r="0" g="0" b="0"/>
+      </a:effectRef>
+      <a:fontRef idx="minor">
+        <a:schemeClr val="lt1"/>
+      </a:fontRef>
+    </dgm:style>
+  </dgm:styleLbl>
+  <dgm:styleLbl name="parChTrans2D3">
+    <dgm:scene3d>
+      <a:camera prst="orthographicFront"/>
+      <a:lightRig rig="threePt" dir="t"/>
+    </dgm:scene3d>
+    <dgm:sp3d/>
+    <dgm:txPr/>
+    <dgm:style>
+      <a:lnRef idx="2">
+        <a:scrgbClr r="0" g="0" b="0"/>
+      </a:lnRef>
+      <a:fillRef idx="1">
+        <a:scrgbClr r="0" g="0" b="0"/>
+      </a:fillRef>
+      <a:effectRef idx="0">
+        <a:scrgbClr r="0" g="0" b="0"/>
+      </a:effectRef>
+      <a:fontRef idx="minor">
+        <a:schemeClr val="lt1"/>
+      </a:fontRef>
+    </dgm:style>
+  </dgm:styleLbl>
+  <dgm:styleLbl name="parChTrans2D4">
+    <dgm:scene3d>
+      <a:camera prst="orthographicFront"/>
+      <a:lightRig rig="threePt" dir="t"/>
+    </dgm:scene3d>
+    <dgm:sp3d/>
+    <dgm:txPr/>
+    <dgm:style>
+      <a:lnRef idx="2">
+        <a:scrgbClr r="0" g="0" b="0"/>
+      </a:lnRef>
+      <a:fillRef idx="1">
+        <a:scrgbClr r="0" g="0" b="0"/>
+      </a:fillRef>
+      <a:effectRef idx="0">
+        <a:scrgbClr r="0" g="0" b="0"/>
+      </a:effectRef>
+      <a:fontRef idx="minor">
+        <a:schemeClr val="lt1"/>
+      </a:fontRef>
+    </dgm:style>
+  </dgm:styleLbl>
+  <dgm:styleLbl name="parChTrans1D1">
+    <dgm:scene3d>
+      <a:camera prst="orthographicFront"/>
+      <a:lightRig rig="threePt" dir="t"/>
+    </dgm:scene3d>
+    <dgm:sp3d/>
+    <dgm:txPr/>
+    <dgm:style>
+      <a:lnRef idx="2">
+        <a:scrgbClr r="0" g="0" b="0"/>
+      </a:lnRef>
+      <a:fillRef idx="0">
+        <a:scrgbClr r="0" g="0" b="0"/>
+      </a:fillRef>
+      <a:effectRef idx="0">
+        <a:scrgbClr r="0" g="0" b="0"/>
+      </a:effectRef>
+      <a:fontRef idx="minor"/>
+    </dgm:style>
+  </dgm:styleLbl>
+  <dgm:styleLbl name="parChTrans1D2">
+    <dgm:scene3d>
+      <a:camera prst="orthographicFront"/>
+      <a:lightRig rig="threePt" dir="t"/>
+    </dgm:scene3d>
+    <dgm:sp3d/>
+    <dgm:txPr/>
+    <dgm:style>
+      <a:lnRef idx="2">
+        <a:scrgbClr r="0" g="0" b="0"/>
+      </a:lnRef>
+      <a:fillRef idx="0">
+        <a:scrgbClr r="0" g="0" b="0"/>
+      </a:fillRef>
+      <a:effectRef idx="0">
+        <a:scrgbClr r="0" g="0" b="0"/>
+      </a:effectRef>
+      <a:fontRef idx="minor"/>
+    </dgm:style>
+  </dgm:styleLbl>
+  <dgm:styleLbl name="parChTrans1D3">
+    <dgm:scene3d>
+      <a:camera prst="orthographicFront"/>
+      <a:lightRig rig="threePt" dir="t"/>
+    </dgm:scene3d>
+    <dgm:sp3d/>
+    <dgm:txPr/>
+    <dgm:style>
+      <a:lnRef idx="2">
+        <a:scrgbClr r="0" g="0" b="0"/>
+      </a:lnRef>
+      <a:fillRef idx="0">
+        <a:scrgbClr r="0" g="0" b="0"/>
+      </a:fillRef>
+      <a:effectRef idx="0">
+        <a:scrgbClr r="0" g="0" b="0"/>
+      </a:effectRef>
+      <a:fontRef idx="minor"/>
+    </dgm:style>
+  </dgm:styleLbl>
+  <dgm:styleLbl name="parChTrans1D4">
+    <dgm:scene3d>
+      <a:camera prst="orthographicFront"/>
+      <a:lightRig rig="threePt" dir="t"/>
+    </dgm:scene3d>
+    <dgm:sp3d/>
+    <dgm:txPr/>
+    <dgm:style>
+      <a:lnRef idx="2">
+        <a:scrgbClr r="0" g="0" b="0"/>
+      </a:lnRef>
+      <a:fillRef idx="0">
+        <a:scrgbClr r="0" g="0" b="0"/>
+      </a:fillRef>
+      <a:effectRef idx="0">
+        <a:scrgbClr r="0" g="0" b="0"/>
+      </a:effectRef>
+      <a:fontRef idx="minor"/>
+    </dgm:style>
+  </dgm:styleLbl>
+  <dgm:styleLbl name="fgAcc1">
+    <dgm:scene3d>
+      <a:camera prst="orthographicFront"/>
+      <a:lightRig rig="threePt" dir="t"/>
+    </dgm:scene3d>
+    <dgm:sp3d/>
+    <dgm:txPr/>
+    <dgm:style>
+      <a:lnRef idx="2">
+        <a:scrgbClr r="0" g="0" b="0"/>
+      </a:lnRef>
+      <a:fillRef idx="1">
+        <a:scrgbClr r="0" g="0" b="0"/>
+      </a:fillRef>
+      <a:effectRef idx="0">
+        <a:scrgbClr r="0" g="0" b="0"/>
+      </a:effectRef>
+      <a:fontRef idx="minor"/>
+    </dgm:style>
+  </dgm:styleLbl>
+  <dgm:styleLbl name="conFgAcc1">
+    <dgm:scene3d>
+      <a:camera prst="orthographicFront"/>
+      <a:lightRig rig="threePt" dir="t"/>
+    </dgm:scene3d>
+    <dgm:sp3d/>
+    <dgm:txPr/>
+    <dgm:style>
+      <a:lnRef idx="2">
+        <a:scrgbClr r="0" g="0" b="0"/>
+      </a:lnRef>
+      <a:fillRef idx="1">
+        <a:scrgbClr r="0" g="0" b="0"/>
+      </a:fillRef>
+      <a:effectRef idx="0">
+        <a:scrgbClr r="0" g="0" b="0"/>
+      </a:effectRef>
+      <a:fontRef idx="minor"/>
+    </dgm:style>
+  </dgm:styleLbl>
+  <dgm:styleLbl name="alignAcc1">
+    <dgm:scene3d>
+      <a:camera prst="orthographicFront"/>
+      <a:lightRig rig="threePt" dir="t"/>
+    </dgm:scene3d>
+    <dgm:sp3d/>
+    <dgm:txPr/>
+    <dgm:style>
+      <a:lnRef idx="2">
+        <a:scrgbClr r="0" g="0" b="0"/>
+      </a:lnRef>
+      <a:fillRef idx="1">
+        <a:scrgbClr r="0" g="0" b="0"/>
+      </a:fillRef>
+      <a:effectRef idx="0">
+        <a:scrgbClr r="0" g="0" b="0"/>
+      </a:effectRef>
+      <a:fontRef idx="minor"/>
+    </dgm:style>
+  </dgm:styleLbl>
+  <dgm:styleLbl name="trAlignAcc1">
+    <dgm:scene3d>
+      <a:camera prst="orthographicFront"/>
+      <a:lightRig rig="threePt" dir="t"/>
+    </dgm:scene3d>
+    <dgm:sp3d/>
+    <dgm:txPr/>
+    <dgm:style>
+      <a:lnRef idx="1">
+        <a:scrgbClr r="0" g="0" b="0"/>
+      </a:lnRef>
+      <a:fillRef idx="1">
+        <a:scrgbClr r="0" g="0" b="0"/>
+      </a:fillRef>
+      <a:effectRef idx="0">
+        <a:scrgbClr r="0" g="0" b="0"/>
+      </a:effectRef>
+      <a:fontRef idx="minor"/>
+    </dgm:style>
+  </dgm:styleLbl>
+  <dgm:styleLbl name="bgAcc1">
+    <dgm:scene3d>
+      <a:camera prst="orthographicFront"/>
+      <a:lightRig rig="threePt" dir="t"/>
+    </dgm:scene3d>
+    <dgm:sp3d/>
+    <dgm:txPr/>
+    <dgm:style>
+      <a:lnRef idx="2">
+        <a:scrgbClr r="0" g="0" b="0"/>
+      </a:lnRef>
+      <a:fillRef idx="1">
+        <a:scrgbClr r="0" g="0" b="0"/>
+      </a:fillRef>
+      <a:effectRef idx="0">
+        <a:scrgbClr r="0" g="0" b="0"/>
+      </a:effectRef>
+      <a:fontRef idx="minor"/>
+    </dgm:style>
+  </dgm:styleLbl>
+  <dgm:styleLbl name="solidFgAcc1">
+    <dgm:scene3d>
+      <a:camera prst="orthographicFront"/>
+      <a:lightRig rig="threePt" dir="t"/>
+    </dgm:scene3d>
+    <dgm:sp3d/>
+    <dgm:txPr/>
+    <dgm:style>
+      <a:lnRef idx="2">
+        <a:scrgbClr r="0" g="0" b="0"/>
+      </a:lnRef>
+      <a:fillRef idx="1">
+        <a:scrgbClr r="0" g="0" b="0"/>
+      </a:fillRef>
+      <a:effectRef idx="0">
+        <a:scrgbClr r="0" g="0" b="0"/>
+      </a:effectRef>
+      <a:fontRef idx="minor"/>
+    </dgm:style>
+  </dgm:styleLbl>
+  <dgm:styleLbl name="solidAlignAcc1">
+    <dgm:scene3d>
+      <a:camera prst="orthographicFront"/>
+      <a:lightRig rig="threePt" dir="t"/>
+    </dgm:scene3d>
+    <dgm:sp3d/>
+    <dgm:txPr/>
+    <dgm:style>
+      <a:lnRef idx="2">
+        <a:scrgbClr r="0" g="0" b="0"/>
+      </a:lnRef>
+      <a:fillRef idx="1">
+        <a:scrgbClr r="0" g="0" b="0"/>
+      </a:fillRef>
+      <a:effectRef idx="0">
+        <a:scrgbClr r="0" g="0" b="0"/>
+      </a:effectRef>
+      <a:fontRef idx="minor"/>
+    </dgm:style>
+  </dgm:styleLbl>
+  <dgm:styleLbl name="solidBgAcc1">
+    <dgm:scene3d>
+      <a:camera prst="orthographicFront"/>
+      <a:lightRig rig="threePt" dir="t"/>
+    </dgm:scene3d>
+    <dgm:sp3d/>
+    <dgm:txPr/>
+    <dgm:style>
+      <a:lnRef idx="2">
+        <a:scrgbClr r="0" g="0" b="0"/>
+      </a:lnRef>
+      <a:fillRef idx="1">
+        <a:scrgbClr r="0" g="0" b="0"/>
+      </a:fillRef>
+      <a:effectRef idx="0">
+        <a:scrgbClr r="0" g="0" b="0"/>
+      </a:effectRef>
+      <a:fontRef idx="minor"/>
+    </dgm:style>
+  </dgm:styleLbl>
+  <dgm:styleLbl name="fgAccFollowNode1">
+    <dgm:scene3d>
+      <a:camera prst="orthographicFront"/>
+      <a:lightRig rig="threePt" dir="t"/>
+    </dgm:scene3d>
+    <dgm:sp3d/>
+    <dgm:txPr/>
+    <dgm:style>
+      <a:lnRef idx="2">
+        <a:scrgbClr r="0" g="0" b="0"/>
+      </a:lnRef>
+      <a:fillRef idx="1">
+        <a:scrgbClr r="0" g="0" b="0"/>
+      </a:fillRef>
+      <a:effectRef idx="0">
+        <a:scrgbClr r="0" g="0" b="0"/>
+      </a:effectRef>
+      <a:fontRef idx="minor"/>
+    </dgm:style>
+  </dgm:styleLbl>
+  <dgm:styleLbl name="alignAccFollowNode1">
+    <dgm:scene3d>
+      <a:camera prst="orthographicFront"/>
+      <a:lightRig rig="threePt" dir="t"/>
+    </dgm:scene3d>
+    <dgm:sp3d/>
+    <dgm:txPr/>
+    <dgm:style>
+      <a:lnRef idx="2">
+        <a:scrgbClr r="0" g="0" b="0"/>
+      </a:lnRef>
+      <a:fillRef idx="1">
+        <a:scrgbClr r="0" g="0" b="0"/>
+      </a:fillRef>
+      <a:effectRef idx="0">
+        <a:scrgbClr r="0" g="0" b="0"/>
+      </a:effectRef>
+      <a:fontRef idx="minor"/>
+    </dgm:style>
+  </dgm:styleLbl>
+  <dgm:styleLbl name="bgAccFollowNode1">
+    <dgm:scene3d>
+      <a:camera prst="orthographicFront"/>
+      <a:lightRig rig="threePt" dir="t"/>
+    </dgm:scene3d>
+    <dgm:sp3d/>
+    <dgm:txPr/>
+    <dgm:style>
+      <a:lnRef idx="2">
+        <a:scrgbClr r="0" g="0" b="0"/>
+      </a:lnRef>
+      <a:fillRef idx="1">
+        <a:scrgbClr r="0" g="0" b="0"/>
+      </a:fillRef>
+      <a:effectRef idx="0">
+        <a:scrgbClr r="0" g="0" b="0"/>
+      </a:effectRef>
+      <a:fontRef idx="minor"/>
+    </dgm:style>
+  </dgm:styleLbl>
+  <dgm:styleLbl name="fgAcc0">
+    <dgm:scene3d>
+      <a:camera prst="orthographicFront"/>
+      <a:lightRig rig="threePt" dir="t"/>
+    </dgm:scene3d>
+    <dgm:sp3d/>
+    <dgm:txPr/>
+    <dgm:style>
+      <a:lnRef idx="2">
+        <a:scrgbClr r="0" g="0" b="0"/>
+      </a:lnRef>
+      <a:fillRef idx="1">
+        <a:scrgbClr r="0" g="0" b="0"/>
+      </a:fillRef>
+      <a:effectRef idx="0">
+        <a:scrgbClr r="0" g="0" b="0"/>
+      </a:effectRef>
+      <a:fontRef idx="minor"/>
+    </dgm:style>
+  </dgm:styleLbl>
+  <dgm:styleLbl name="fgAcc2">
+    <dgm:scene3d>
+      <a:camera prst="orthographicFront"/>
+      <a:lightRig rig="threePt" dir="t"/>
+    </dgm:scene3d>
+    <dgm:sp3d/>
+    <dgm:txPr/>
+    <dgm:style>
+      <a:lnRef idx="2">
+        <a:scrgbClr r="0" g="0" b="0"/>
+      </a:lnRef>
+      <a:fillRef idx="1">
+        <a:scrgbClr r="0" g="0" b="0"/>
+      </a:fillRef>
+      <a:effectRef idx="0">
+        <a:scrgbClr r="0" g="0" b="0"/>
+      </a:effectRef>
+      <a:fontRef idx="minor"/>
+    </dgm:style>
+  </dgm:styleLbl>
+  <dgm:styleLbl name="fgAcc3">
+    <dgm:scene3d>
+      <a:camera prst="orthographicFront"/>
+      <a:lightRig rig="threePt" dir="t"/>
+    </dgm:scene3d>
+    <dgm:sp3d/>
+    <dgm:txPr/>
+    <dgm:style>
+      <a:lnRef idx="2">
+        <a:scrgbClr r="0" g="0" b="0"/>
+      </a:lnRef>
+      <a:fillRef idx="1">
+        <a:scrgbClr r="0" g="0" b="0"/>
+      </a:fillRef>
+      <a:effectRef idx="0">
+        <a:scrgbClr r="0" g="0" b="0"/>
+      </a:effectRef>
+      <a:fontRef idx="minor"/>
+    </dgm:style>
+  </dgm:styleLbl>
+  <dgm:styleLbl name="fgAcc4">
+    <dgm:scene3d>
+      <a:camera prst="orthographicFront"/>
+      <a:lightRig rig="threePt" dir="t"/>
+    </dgm:scene3d>
+    <dgm:sp3d/>
+    <dgm:txPr/>
+    <dgm:style>
+      <a:lnRef idx="2">
+        <a:scrgbClr r="0" g="0" b="0"/>
+      </a:lnRef>
+      <a:fillRef idx="1">
+        <a:scrgbClr r="0" g="0" b="0"/>
+      </a:fillRef>
+      <a:effectRef idx="0">
+        <a:scrgbClr r="0" g="0" b="0"/>
+      </a:effectRef>
+      <a:fontRef idx="minor"/>
+    </dgm:style>
+  </dgm:styleLbl>
+  <dgm:styleLbl name="bgShp">
+    <dgm:scene3d>
+      <a:camera prst="orthographicFront"/>
+      <a:lightRig rig="threePt" dir="t"/>
+    </dgm:scene3d>
+    <dgm:sp3d/>
+    <dgm:txPr/>
+    <dgm:style>
+      <a:lnRef idx="0">
+        <a:scrgbClr r="0" g="0" b="0"/>
+      </a:lnRef>
+      <a:fillRef idx="1">
+        <a:scrgbClr r="0" g="0" b="0"/>
+      </a:fillRef>
+      <a:effectRef idx="0">
+        <a:scrgbClr r="0" g="0" b="0"/>
+      </a:effectRef>
+      <a:fontRef idx="minor"/>
+    </dgm:style>
+  </dgm:styleLbl>
+  <dgm:styleLbl name="dkBgShp">
+    <dgm:scene3d>
+      <a:camera prst="orthographicFront"/>
+      <a:lightRig rig="threePt" dir="t"/>
+    </dgm:scene3d>
+    <dgm:sp3d/>
+    <dgm:txPr/>
+    <dgm:style>
+      <a:lnRef idx="0">
+        <a:scrgbClr r="0" g="0" b="0"/>
+      </a:lnRef>
+      <a:fillRef idx="1">
+        <a:scrgbClr r="0" g="0" b="0"/>
+      </a:fillRef>
+      <a:effectRef idx="0">
+        <a:scrgbClr r="0" g="0" b="0"/>
+      </a:effectRef>
+      <a:fontRef idx="minor"/>
+    </dgm:style>
+  </dgm:styleLbl>
+  <dgm:styleLbl name="trBgShp">
+    <dgm:scene3d>
+      <a:camera prst="orthographicFront"/>
+      <a:lightRig rig="threePt" dir="t"/>
+    </dgm:scene3d>
+    <dgm:sp3d/>
+    <dgm:txPr/>
+    <dgm:style>
+      <a:lnRef idx="0">
+        <a:scrgbClr r="0" g="0" b="0"/>
+      </a:lnRef>
+      <a:fillRef idx="1">
+        <a:scrgbClr r="0" g="0" b="0"/>
+      </a:fillRef>
+      <a:effectRef idx="0">
+        <a:scrgbClr r="0" g="0" b="0"/>
+      </a:effectRef>
+      <a:fontRef idx="minor"/>
+    </dgm:style>
+  </dgm:styleLbl>
+  <dgm:styleLbl name="fgShp">
+    <dgm:scene3d>
+      <a:camera prst="orthographicFront"/>
+      <a:lightRig rig="threePt" dir="t"/>
+    </dgm:scene3d>
+    <dgm:sp3d/>
+    <dgm:txPr/>
+    <dgm:style>
+      <a:lnRef idx="2">
+        <a:scrgbClr r="0" g="0" b="0"/>
+      </a:lnRef>
+      <a:fillRef idx="1">
+        <a:scrgbClr r="0" g="0" b="0"/>
+      </a:fillRef>
+      <a:effectRef idx="0">
+        <a:scrgbClr r="0" g="0" b="0"/>
+      </a:effectRef>
+      <a:fontRef idx="minor"/>
+    </dgm:style>
+  </dgm:styleLbl>
+  <dgm:styleLbl name="revTx">
+    <dgm:scene3d>
+      <a:camera prst="orthographicFront"/>
+      <a:lightRig rig="threePt" dir="t"/>
+    </dgm:scene3d>
+    <dgm:sp3d/>
+    <dgm:txPr/>
+    <dgm:style>
+      <a:lnRef idx="0">
+        <a:scrgbClr r="0" g="0" b="0"/>
+      </a:lnRef>
+      <a:fillRef idx="0">
+        <a:scrgbClr r="0" g="0" b="0"/>
+      </a:fillRef>
+      <a:effectRef idx="0">
+        <a:scrgbClr r="0" g="0" b="0"/>
+      </a:effectRef>
+      <a:fontRef idx="minor"/>
+    </dgm:style>
+  </dgm:styleLbl>
+</dgm:styleDef>
+</file>
+
 <file path=ppt/slideLayouts/slideLayout1.xml><?xml version="1.0" encoding="utf-8"?>
 <p:sldLayout xmlns:a="http://schemas.openxmlformats.org/drawingml/2006/main" xmlns:r="http://schemas.openxmlformats.org/officeDocument/2006/relationships" xmlns:p="http://schemas.openxmlformats.org/presentationml/2006/main" type="title" preserve="1">
   <p:cSld name="Başlık Slaydı">
@@ -256,7 +2377,7 @@
           <a:p>
             <a:fld id="{CE7785BD-8839-4C52-8C06-B3FE284303AC}" type="datetimeFigureOut">
               <a:rPr lang="tr-TR" smtClean="0"/>
-              <a:t>9.10.2022</a:t>
+              <a:t>17.10.2022</a:t>
             </a:fld>
             <a:endParaRPr lang="tr-TR"/>
           </a:p>
@@ -426,7 +2547,7 @@
           <a:p>
             <a:fld id="{CE7785BD-8839-4C52-8C06-B3FE284303AC}" type="datetimeFigureOut">
               <a:rPr lang="tr-TR" smtClean="0"/>
-              <a:t>9.10.2022</a:t>
+              <a:t>17.10.2022</a:t>
             </a:fld>
             <a:endParaRPr lang="tr-TR"/>
           </a:p>
@@ -606,7 +2727,7 @@
           <a:p>
             <a:fld id="{CE7785BD-8839-4C52-8C06-B3FE284303AC}" type="datetimeFigureOut">
               <a:rPr lang="tr-TR" smtClean="0"/>
-              <a:t>9.10.2022</a:t>
+              <a:t>17.10.2022</a:t>
             </a:fld>
             <a:endParaRPr lang="tr-TR"/>
           </a:p>
@@ -776,7 +2897,7 @@
           <a:p>
             <a:fld id="{CE7785BD-8839-4C52-8C06-B3FE284303AC}" type="datetimeFigureOut">
               <a:rPr lang="tr-TR" smtClean="0"/>
-              <a:t>9.10.2022</a:t>
+              <a:t>17.10.2022</a:t>
             </a:fld>
             <a:endParaRPr lang="tr-TR"/>
           </a:p>
@@ -1022,7 +3143,7 @@
           <a:p>
             <a:fld id="{CE7785BD-8839-4C52-8C06-B3FE284303AC}" type="datetimeFigureOut">
               <a:rPr lang="tr-TR" smtClean="0"/>
-              <a:t>9.10.2022</a:t>
+              <a:t>17.10.2022</a:t>
             </a:fld>
             <a:endParaRPr lang="tr-TR"/>
           </a:p>
@@ -1254,7 +3375,7 @@
           <a:p>
             <a:fld id="{CE7785BD-8839-4C52-8C06-B3FE284303AC}" type="datetimeFigureOut">
               <a:rPr lang="tr-TR" smtClean="0"/>
-              <a:t>9.10.2022</a:t>
+              <a:t>17.10.2022</a:t>
             </a:fld>
             <a:endParaRPr lang="tr-TR"/>
           </a:p>
@@ -1621,7 +3742,7 @@
           <a:p>
             <a:fld id="{CE7785BD-8839-4C52-8C06-B3FE284303AC}" type="datetimeFigureOut">
               <a:rPr lang="tr-TR" smtClean="0"/>
-              <a:t>9.10.2022</a:t>
+              <a:t>17.10.2022</a:t>
             </a:fld>
             <a:endParaRPr lang="tr-TR"/>
           </a:p>
@@ -1739,7 +3860,7 @@
           <a:p>
             <a:fld id="{CE7785BD-8839-4C52-8C06-B3FE284303AC}" type="datetimeFigureOut">
               <a:rPr lang="tr-TR" smtClean="0"/>
-              <a:t>9.10.2022</a:t>
+              <a:t>17.10.2022</a:t>
             </a:fld>
             <a:endParaRPr lang="tr-TR"/>
           </a:p>
@@ -1834,7 +3955,7 @@
           <a:p>
             <a:fld id="{CE7785BD-8839-4C52-8C06-B3FE284303AC}" type="datetimeFigureOut">
               <a:rPr lang="tr-TR" smtClean="0"/>
-              <a:t>9.10.2022</a:t>
+              <a:t>17.10.2022</a:t>
             </a:fld>
             <a:endParaRPr lang="tr-TR"/>
           </a:p>
@@ -2111,7 +4232,7 @@
           <a:p>
             <a:fld id="{CE7785BD-8839-4C52-8C06-B3FE284303AC}" type="datetimeFigureOut">
               <a:rPr lang="tr-TR" smtClean="0"/>
-              <a:t>9.10.2022</a:t>
+              <a:t>17.10.2022</a:t>
             </a:fld>
             <a:endParaRPr lang="tr-TR"/>
           </a:p>
@@ -2364,7 +4485,7 @@
           <a:p>
             <a:fld id="{CE7785BD-8839-4C52-8C06-B3FE284303AC}" type="datetimeFigureOut">
               <a:rPr lang="tr-TR" smtClean="0"/>
-              <a:t>9.10.2022</a:t>
+              <a:t>17.10.2022</a:t>
             </a:fld>
             <a:endParaRPr lang="tr-TR"/>
           </a:p>
@@ -2577,7 +4698,7 @@
           <a:p>
             <a:fld id="{CE7785BD-8839-4C52-8C06-B3FE284303AC}" type="datetimeFigureOut">
               <a:rPr lang="tr-TR" smtClean="0"/>
-              <a:t>9.10.2022</a:t>
+              <a:t>17.10.2022</a:t>
             </a:fld>
             <a:endParaRPr lang="tr-TR"/>
           </a:p>
@@ -2992,103 +5113,23 @@
             <p:ph type="title"/>
           </p:nvPr>
         </p:nvSpPr>
-        <p:spPr>
-          <a:xfrm>
-            <a:off x="838200" y="365125"/>
-            <a:ext cx="10515600" cy="780923"/>
-          </a:xfrm>
-        </p:spPr>
+        <p:spPr/>
         <p:txBody>
           <a:bodyPr/>
           <a:lstStyle/>
           <a:p>
             <a:r>
-              <a:rPr lang="tr-TR" dirty="0" err="1"/>
-              <a:t>Version</a:t>
-            </a:r>
-            <a:r>
-              <a:rPr lang="tr-TR" dirty="0"/>
-              <a:t> Control </a:t>
-            </a:r>
-            <a:r>
-              <a:rPr lang="tr-TR" dirty="0" err="1"/>
-              <a:t>Protocols</a:t>
+              <a:rPr lang="it-IT" dirty="0"/>
+              <a:t>Version Control Protocols: GIT vs. SVN</a:t>
             </a:r>
             <a:endParaRPr lang="tr-TR" dirty="0"/>
           </a:p>
         </p:txBody>
       </p:sp>
-      <p:sp>
-        <p:nvSpPr>
-          <p:cNvPr id="3" name="İçerik Yer Tutucusu 2"/>
-          <p:cNvSpPr>
-            <a:spLocks noGrp="1"/>
-          </p:cNvSpPr>
-          <p:nvPr>
-            <p:ph idx="1"/>
-          </p:nvPr>
-        </p:nvSpPr>
-        <p:spPr>
-          <a:xfrm>
-            <a:off x="838200" y="1146048"/>
-            <a:ext cx="10515600" cy="5030915"/>
-          </a:xfrm>
-        </p:spPr>
-        <p:txBody>
-          <a:bodyPr/>
-          <a:lstStyle/>
-          <a:p>
-            <a:r>
-              <a:rPr lang="en-US" dirty="0"/>
-              <a:t>What Is Version Control and Why Is it Important? Version control is important </a:t>
-            </a:r>
-            <a:r>
-              <a:rPr lang="en-US" b="1" dirty="0"/>
-              <a:t>to keep track of changes — and keep every team member working on the right version</a:t>
-            </a:r>
-            <a:r>
-              <a:rPr lang="en-US" dirty="0"/>
-              <a:t>. You should use version control software for all code, files, and assets that multiple team members will collaborate on</a:t>
-            </a:r>
-            <a:r>
-              <a:rPr lang="en-US" dirty="0" smtClean="0"/>
-              <a:t>.</a:t>
-            </a:r>
-            <a:endParaRPr lang="tr-TR" dirty="0" smtClean="0"/>
-          </a:p>
-          <a:p>
-            <a:endParaRPr lang="tr-TR" dirty="0"/>
-          </a:p>
-        </p:txBody>
-      </p:sp>
-      <p:pic>
-        <p:nvPicPr>
-          <p:cNvPr id="4" name="Resim 3"/>
-          <p:cNvPicPr>
-            <a:picLocks noChangeAspect="1"/>
-          </p:cNvPicPr>
-          <p:nvPr/>
-        </p:nvPicPr>
-        <p:blipFill>
-          <a:blip r:embed="rId2"/>
-          <a:stretch>
-            <a:fillRect/>
-          </a:stretch>
-        </p:blipFill>
-        <p:spPr>
-          <a:xfrm>
-            <a:off x="3446907" y="2838640"/>
-            <a:ext cx="7029450" cy="3838575"/>
-          </a:xfrm>
-          <a:prstGeom prst="rect">
-            <a:avLst/>
-          </a:prstGeom>
-        </p:spPr>
-      </p:pic>
     </p:spTree>
     <p:extLst>
       <p:ext uri="{BB962C8B-B14F-4D97-AF65-F5344CB8AC3E}">
-        <p14:creationId xmlns:p14="http://schemas.microsoft.com/office/powerpoint/2010/main" val="308256722"/>
+        <p14:creationId xmlns:p14="http://schemas.microsoft.com/office/powerpoint/2010/main" val="500840536"/>
       </p:ext>
     </p:extLst>
   </p:cSld>
@@ -3132,6 +5173,193 @@
             <p:ph type="title"/>
           </p:nvPr>
         </p:nvSpPr>
+        <p:spPr/>
+        <p:txBody>
+          <a:bodyPr/>
+          <a:lstStyle/>
+          <a:p>
+            <a:r>
+              <a:rPr lang="tr-TR" dirty="0" err="1" smtClean="0"/>
+              <a:t>What</a:t>
+            </a:r>
+            <a:r>
+              <a:rPr lang="tr-TR" dirty="0" smtClean="0"/>
+              <a:t> is Distributed?</a:t>
+            </a:r>
+            <a:endParaRPr lang="tr-TR" dirty="0"/>
+          </a:p>
+        </p:txBody>
+      </p:sp>
+      <p:sp>
+        <p:nvSpPr>
+          <p:cNvPr id="3" name="İçerik Yer Tutucusu 2"/>
+          <p:cNvSpPr>
+            <a:spLocks noGrp="1"/>
+          </p:cNvSpPr>
+          <p:nvPr>
+            <p:ph idx="1"/>
+          </p:nvPr>
+        </p:nvSpPr>
+        <p:spPr/>
+        <p:txBody>
+          <a:bodyPr/>
+          <a:lstStyle/>
+          <a:p>
+            <a:r>
+              <a:rPr lang="en-US" dirty="0"/>
+              <a:t>In </a:t>
+            </a:r>
+            <a:r>
+              <a:rPr lang="en-US" dirty="0">
+                <a:hlinkClick r:id="rId2" tooltip="Software development"/>
+              </a:rPr>
+              <a:t>software development</a:t>
+            </a:r>
+            <a:r>
+              <a:rPr lang="en-US" dirty="0"/>
+              <a:t>, </a:t>
+            </a:r>
+            <a:r>
+              <a:rPr lang="en-US" b="1" dirty="0"/>
+              <a:t>distributed version control</a:t>
+            </a:r>
+            <a:r>
+              <a:rPr lang="en-US" dirty="0"/>
+              <a:t> (also known as </a:t>
+            </a:r>
+            <a:r>
+              <a:rPr lang="en-US" b="1" dirty="0"/>
+              <a:t>distributed revision control</a:t>
+            </a:r>
+            <a:r>
+              <a:rPr lang="en-US" dirty="0"/>
+              <a:t>) is a form of </a:t>
+            </a:r>
+            <a:r>
+              <a:rPr lang="en-US" dirty="0">
+                <a:hlinkClick r:id="rId3" tooltip="Version control"/>
+              </a:rPr>
+              <a:t>version control</a:t>
+            </a:r>
+            <a:r>
+              <a:rPr lang="en-US" dirty="0"/>
+              <a:t> in which the complete </a:t>
+            </a:r>
+            <a:r>
+              <a:rPr lang="en-US" dirty="0">
+                <a:hlinkClick r:id="rId4" tooltip="Codebase"/>
+              </a:rPr>
+              <a:t>codebase</a:t>
+            </a:r>
+            <a:r>
+              <a:rPr lang="en-US" dirty="0"/>
+              <a:t>, including its full history, is mirrored on every developer's computer</a:t>
+            </a:r>
+            <a:r>
+              <a:rPr lang="en-US" dirty="0" smtClean="0"/>
+              <a:t>.</a:t>
+            </a:r>
+            <a:r>
+              <a:rPr lang="en-US" dirty="0"/>
+              <a:t> Compared to centralized version control, this enables automatic management </a:t>
+            </a:r>
+            <a:r>
+              <a:rPr lang="en-US" dirty="0">
+                <a:hlinkClick r:id="rId5" tooltip="Branching (version control)"/>
+              </a:rPr>
+              <a:t>branching</a:t>
+            </a:r>
+            <a:r>
+              <a:rPr lang="en-US" dirty="0"/>
+              <a:t> and </a:t>
+            </a:r>
+            <a:r>
+              <a:rPr lang="en-US" dirty="0">
+                <a:hlinkClick r:id="rId6" tooltip="Merge (version control)"/>
+              </a:rPr>
+              <a:t>merging</a:t>
+            </a:r>
+            <a:r>
+              <a:rPr lang="en-US" dirty="0"/>
+              <a:t>, speeds up most operations (except pushing and pulling), improves the ability to work offline, and does not rely on a single location for backups</a:t>
+            </a:r>
+            <a:r>
+              <a:rPr lang="en-US" dirty="0" smtClean="0"/>
+              <a:t>.</a:t>
+            </a:r>
+            <a:r>
+              <a:rPr lang="en-US" dirty="0"/>
+              <a:t> </a:t>
+            </a:r>
+            <a:r>
+              <a:rPr lang="en-US" dirty="0" err="1">
+                <a:hlinkClick r:id="rId7" tooltip="Git (software)"/>
+              </a:rPr>
+              <a:t>Git</a:t>
+            </a:r>
+            <a:r>
+              <a:rPr lang="en-US" dirty="0"/>
+              <a:t>, the world's most popular version control system</a:t>
+            </a:r>
+            <a:r>
+              <a:rPr lang="en-US" dirty="0" smtClean="0"/>
+              <a:t>,</a:t>
+            </a:r>
+            <a:r>
+              <a:rPr lang="en-US" dirty="0"/>
+              <a:t> is a distributed version control system.</a:t>
+            </a:r>
+            <a:endParaRPr lang="tr-TR" dirty="0"/>
+          </a:p>
+        </p:txBody>
+      </p:sp>
+    </p:spTree>
+    <p:extLst>
+      <p:ext uri="{BB962C8B-B14F-4D97-AF65-F5344CB8AC3E}">
+        <p14:creationId xmlns:p14="http://schemas.microsoft.com/office/powerpoint/2010/main" val="2086532457"/>
+      </p:ext>
+    </p:extLst>
+  </p:cSld>
+  <p:clrMapOvr>
+    <a:masterClrMapping/>
+  </p:clrMapOvr>
+  <p:timing>
+    <p:tnLst>
+      <p:par>
+        <p:cTn id="1" dur="indefinite" restart="never" nodeType="tmRoot"/>
+      </p:par>
+    </p:tnLst>
+  </p:timing>
+</p:sld>
+</file>
+
+<file path=ppt/slides/slide11.xml><?xml version="1.0" encoding="utf-8"?>
+<p:sld xmlns:a="http://schemas.openxmlformats.org/drawingml/2006/main" xmlns:r="http://schemas.openxmlformats.org/officeDocument/2006/relationships" xmlns:p="http://schemas.openxmlformats.org/presentationml/2006/main">
+  <p:cSld>
+    <p:spTree>
+      <p:nvGrpSpPr>
+        <p:cNvPr id="1" name=""/>
+        <p:cNvGrpSpPr/>
+        <p:nvPr/>
+      </p:nvGrpSpPr>
+      <p:grpSpPr>
+        <a:xfrm>
+          <a:off x="0" y="0"/>
+          <a:ext cx="0" cy="0"/>
+          <a:chOff x="0" y="0"/>
+          <a:chExt cx="0" cy="0"/>
+        </a:xfrm>
+      </p:grpSpPr>
+      <p:sp>
+        <p:nvSpPr>
+          <p:cNvPr id="2" name="Unvan 1"/>
+          <p:cNvSpPr>
+            <a:spLocks noGrp="1"/>
+          </p:cNvSpPr>
+          <p:nvPr>
+            <p:ph type="title"/>
+          </p:nvPr>
+        </p:nvSpPr>
         <p:spPr>
           <a:xfrm>
             <a:off x="838200" y="109093"/>
@@ -3370,10 +5598,17 @@
   <p:clrMapOvr>
     <a:masterClrMapping/>
   </p:clrMapOvr>
+  <p:timing>
+    <p:tnLst>
+      <p:par>
+        <p:cTn id="1" dur="indefinite" restart="never" nodeType="tmRoot"/>
+      </p:par>
+    </p:tnLst>
+  </p:timing>
 </p:sld>
 </file>
 
-<file path=ppt/slides/slide11.xml><?xml version="1.0" encoding="utf-8"?>
+<file path=ppt/slides/slide12.xml><?xml version="1.0" encoding="utf-8"?>
 <p:sld xmlns:a="http://schemas.openxmlformats.org/drawingml/2006/main" xmlns:r="http://schemas.openxmlformats.org/officeDocument/2006/relationships" xmlns:p="http://schemas.openxmlformats.org/presentationml/2006/main">
   <p:cSld>
     <p:spTree>
@@ -3532,10 +5767,17 @@
   <p:clrMapOvr>
     <a:masterClrMapping/>
   </p:clrMapOvr>
+  <p:timing>
+    <p:tnLst>
+      <p:par>
+        <p:cTn id="1" dur="indefinite" restart="never" nodeType="tmRoot"/>
+      </p:par>
+    </p:tnLst>
+  </p:timing>
 </p:sld>
 </file>
 
-<file path=ppt/slides/slide12.xml><?xml version="1.0" encoding="utf-8"?>
+<file path=ppt/slides/slide13.xml><?xml version="1.0" encoding="utf-8"?>
 <p:sld xmlns:a="http://schemas.openxmlformats.org/drawingml/2006/main" xmlns:r="http://schemas.openxmlformats.org/officeDocument/2006/relationships" xmlns:p="http://schemas.openxmlformats.org/presentationml/2006/main">
   <p:cSld>
     <p:spTree>
@@ -3824,10 +6066,808 @@
   <p:clrMapOvr>
     <a:masterClrMapping/>
   </p:clrMapOvr>
+  <p:timing>
+    <p:tnLst>
+      <p:par>
+        <p:cTn id="1" dur="indefinite" restart="never" nodeType="tmRoot"/>
+      </p:par>
+    </p:tnLst>
+  </p:timing>
 </p:sld>
 </file>
 
-<file path=ppt/slides/slide13.xml><?xml version="1.0" encoding="utf-8"?>
+<file path=ppt/slides/slide14.xml><?xml version="1.0" encoding="utf-8"?>
+<p:sld xmlns:a="http://schemas.openxmlformats.org/drawingml/2006/main" xmlns:r="http://schemas.openxmlformats.org/officeDocument/2006/relationships" xmlns:p="http://schemas.openxmlformats.org/presentationml/2006/main">
+  <p:cSld>
+    <p:spTree>
+      <p:nvGrpSpPr>
+        <p:cNvPr id="1" name=""/>
+        <p:cNvGrpSpPr/>
+        <p:nvPr/>
+      </p:nvGrpSpPr>
+      <p:grpSpPr>
+        <a:xfrm>
+          <a:off x="0" y="0"/>
+          <a:ext cx="0" cy="0"/>
+          <a:chOff x="0" y="0"/>
+          <a:chExt cx="0" cy="0"/>
+        </a:xfrm>
+      </p:grpSpPr>
+      <p:sp>
+        <p:nvSpPr>
+          <p:cNvPr id="2" name="Unvan 1"/>
+          <p:cNvSpPr>
+            <a:spLocks noGrp="1"/>
+          </p:cNvSpPr>
+          <p:nvPr>
+            <p:ph type="title"/>
+          </p:nvPr>
+        </p:nvSpPr>
+        <p:spPr>
+          <a:xfrm>
+            <a:off x="0" y="0"/>
+            <a:ext cx="11353800" cy="634619"/>
+          </a:xfrm>
+        </p:spPr>
+        <p:txBody>
+          <a:bodyPr>
+            <a:normAutofit fontScale="90000"/>
+          </a:bodyPr>
+          <a:lstStyle/>
+          <a:p>
+            <a:r>
+              <a:rPr lang="tr-TR" b="1" dirty="0" err="1"/>
+              <a:t>What</a:t>
+            </a:r>
+            <a:r>
+              <a:rPr lang="tr-TR" b="1" dirty="0"/>
+              <a:t> is Git</a:t>
+            </a:r>
+            <a:r>
+              <a:rPr lang="tr-TR" b="1" dirty="0" smtClean="0"/>
+              <a:t>?</a:t>
+            </a:r>
+            <a:endParaRPr lang="tr-TR" dirty="0"/>
+          </a:p>
+        </p:txBody>
+      </p:sp>
+      <p:sp>
+        <p:nvSpPr>
+          <p:cNvPr id="3" name="İçerik Yer Tutucusu 2"/>
+          <p:cNvSpPr>
+            <a:spLocks noGrp="1"/>
+          </p:cNvSpPr>
+          <p:nvPr>
+            <p:ph idx="1"/>
+          </p:nvPr>
+        </p:nvSpPr>
+        <p:spPr>
+          <a:xfrm>
+            <a:off x="0" y="634619"/>
+            <a:ext cx="12106656" cy="5542344"/>
+          </a:xfrm>
+        </p:spPr>
+        <p:txBody>
+          <a:bodyPr/>
+          <a:lstStyle/>
+          <a:p>
+            <a:r>
+              <a:rPr lang="en-US" dirty="0" err="1"/>
+              <a:t>Git</a:t>
+            </a:r>
+            <a:r>
+              <a:rPr lang="en-US" dirty="0"/>
+              <a:t> is a </a:t>
+            </a:r>
+            <a:r>
+              <a:rPr lang="en-US" dirty="0">
+                <a:hlinkClick r:id="rId2"/>
+              </a:rPr>
+              <a:t>free and open source</a:t>
+            </a:r>
+            <a:r>
+              <a:rPr lang="en-US" dirty="0"/>
+              <a:t> distributed version control system designed to handle everything from small to very large projects with speed and efficiency.</a:t>
+            </a:r>
+            <a:endParaRPr lang="tr-TR" dirty="0" smtClean="0"/>
+          </a:p>
+          <a:p>
+            <a:r>
+              <a:rPr lang="en-US" dirty="0" smtClean="0"/>
+              <a:t>The </a:t>
+            </a:r>
+            <a:r>
+              <a:rPr lang="en-US" dirty="0"/>
+              <a:t>major difference between </a:t>
+            </a:r>
+            <a:r>
+              <a:rPr lang="en-US" dirty="0" err="1"/>
+              <a:t>Git</a:t>
+            </a:r>
+            <a:r>
+              <a:rPr lang="en-US" dirty="0"/>
+              <a:t> and any other </a:t>
+            </a:r>
+            <a:r>
+              <a:rPr lang="en-US" dirty="0" smtClean="0"/>
+              <a:t>VCS</a:t>
+            </a:r>
+            <a:endParaRPr lang="tr-TR" dirty="0" smtClean="0"/>
+          </a:p>
+          <a:p>
+            <a:pPr marL="0" indent="0">
+              <a:buNone/>
+            </a:pPr>
+            <a:r>
+              <a:rPr lang="tr-TR" dirty="0" smtClean="0"/>
+              <a:t>	</a:t>
+            </a:r>
+            <a:r>
+              <a:rPr lang="en-US" b="1" dirty="0" smtClean="0"/>
+              <a:t>delta-based</a:t>
+            </a:r>
+            <a:r>
+              <a:rPr lang="en-US" dirty="0"/>
+              <a:t> version </a:t>
+            </a:r>
+            <a:r>
+              <a:rPr lang="en-US" dirty="0" err="1" smtClean="0"/>
+              <a:t>contro</a:t>
+            </a:r>
+            <a:r>
+              <a:rPr lang="tr-TR" dirty="0" smtClean="0"/>
+              <a:t>l</a:t>
+            </a:r>
+          </a:p>
+          <a:p>
+            <a:endParaRPr lang="tr-TR" dirty="0"/>
+          </a:p>
+        </p:txBody>
+      </p:sp>
+      <p:pic>
+        <p:nvPicPr>
+          <p:cNvPr id="4" name="Resim 3"/>
+          <p:cNvPicPr>
+            <a:picLocks noChangeAspect="1"/>
+          </p:cNvPicPr>
+          <p:nvPr/>
+        </p:nvPicPr>
+        <p:blipFill>
+          <a:blip r:embed="rId3"/>
+          <a:stretch>
+            <a:fillRect/>
+          </a:stretch>
+        </p:blipFill>
+        <p:spPr>
+          <a:xfrm>
+            <a:off x="694182" y="2569273"/>
+            <a:ext cx="9019689" cy="2843975"/>
+          </a:xfrm>
+          <a:prstGeom prst="rect">
+            <a:avLst/>
+          </a:prstGeom>
+        </p:spPr>
+      </p:pic>
+    </p:spTree>
+    <p:extLst>
+      <p:ext uri="{BB962C8B-B14F-4D97-AF65-F5344CB8AC3E}">
+        <p14:creationId xmlns:p14="http://schemas.microsoft.com/office/powerpoint/2010/main" val="2973931723"/>
+      </p:ext>
+    </p:extLst>
+  </p:cSld>
+  <p:clrMapOvr>
+    <a:masterClrMapping/>
+  </p:clrMapOvr>
+  <p:timing>
+    <p:tnLst>
+      <p:par>
+        <p:cTn id="1" dur="indefinite" restart="never" nodeType="tmRoot"/>
+      </p:par>
+    </p:tnLst>
+  </p:timing>
+</p:sld>
+</file>
+
+<file path=ppt/slides/slide15.xml><?xml version="1.0" encoding="utf-8"?>
+<p:sld xmlns:a="http://schemas.openxmlformats.org/drawingml/2006/main" xmlns:r="http://schemas.openxmlformats.org/officeDocument/2006/relationships" xmlns:p="http://schemas.openxmlformats.org/presentationml/2006/main">
+  <p:cSld>
+    <p:spTree>
+      <p:nvGrpSpPr>
+        <p:cNvPr id="1" name=""/>
+        <p:cNvGrpSpPr/>
+        <p:nvPr/>
+      </p:nvGrpSpPr>
+      <p:grpSpPr>
+        <a:xfrm>
+          <a:off x="0" y="0"/>
+          <a:ext cx="0" cy="0"/>
+          <a:chOff x="0" y="0"/>
+          <a:chExt cx="0" cy="0"/>
+        </a:xfrm>
+      </p:grpSpPr>
+      <p:sp>
+        <p:nvSpPr>
+          <p:cNvPr id="2" name="Unvan 1"/>
+          <p:cNvSpPr>
+            <a:spLocks noGrp="1"/>
+          </p:cNvSpPr>
+          <p:nvPr>
+            <p:ph type="title"/>
+          </p:nvPr>
+        </p:nvSpPr>
+        <p:spPr/>
+        <p:txBody>
+          <a:bodyPr/>
+          <a:lstStyle/>
+          <a:p>
+            <a:r>
+              <a:rPr lang="tr-TR" dirty="0"/>
+              <a:t> </a:t>
+            </a:r>
+            <a:r>
+              <a:rPr lang="en-US" dirty="0" err="1"/>
+              <a:t>Git</a:t>
+            </a:r>
+            <a:r>
+              <a:rPr lang="en-US" dirty="0"/>
+              <a:t> thinks about its data more like a </a:t>
+            </a:r>
+            <a:r>
+              <a:rPr lang="en-US" b="1" dirty="0"/>
+              <a:t>stream of snapshots</a:t>
+            </a:r>
+            <a:r>
+              <a:rPr lang="en-US" dirty="0" smtClean="0"/>
+              <a:t>.</a:t>
+            </a:r>
+            <a:endParaRPr lang="tr-TR" dirty="0"/>
+          </a:p>
+        </p:txBody>
+      </p:sp>
+      <p:pic>
+        <p:nvPicPr>
+          <p:cNvPr id="4" name="İçerik Yer Tutucusu 3"/>
+          <p:cNvPicPr>
+            <a:picLocks noGrp="1" noChangeAspect="1"/>
+          </p:cNvPicPr>
+          <p:nvPr>
+            <p:ph idx="1"/>
+          </p:nvPr>
+        </p:nvPicPr>
+        <p:blipFill>
+          <a:blip r:embed="rId2"/>
+          <a:stretch>
+            <a:fillRect/>
+          </a:stretch>
+        </p:blipFill>
+        <p:spPr>
+          <a:xfrm>
+            <a:off x="1094232" y="1690688"/>
+            <a:ext cx="8292465" cy="3162592"/>
+          </a:xfrm>
+          <a:prstGeom prst="rect">
+            <a:avLst/>
+          </a:prstGeom>
+        </p:spPr>
+      </p:pic>
+      <p:sp>
+        <p:nvSpPr>
+          <p:cNvPr id="5" name="Dikdörtgen 4"/>
+          <p:cNvSpPr/>
+          <p:nvPr/>
+        </p:nvSpPr>
+        <p:spPr>
+          <a:xfrm>
+            <a:off x="1127760" y="5113127"/>
+            <a:ext cx="9936480" cy="646331"/>
+          </a:xfrm>
+          <a:prstGeom prst="rect">
+            <a:avLst/>
+          </a:prstGeom>
+        </p:spPr>
+        <p:txBody>
+          <a:bodyPr wrap="square">
+            <a:spAutoFit/>
+          </a:bodyPr>
+          <a:lstStyle/>
+          <a:p>
+            <a:r>
+              <a:rPr lang="en-US" dirty="0">
+                <a:solidFill>
+                  <a:srgbClr val="4E443C"/>
+                </a:solidFill>
+                <a:latin typeface="Arial" panose="020B0604020202020204" pitchFamily="34" charset="0"/>
+              </a:rPr>
+              <a:t> This makes </a:t>
+            </a:r>
+            <a:r>
+              <a:rPr lang="en-US" dirty="0" err="1">
+                <a:solidFill>
+                  <a:srgbClr val="4E443C"/>
+                </a:solidFill>
+                <a:latin typeface="Arial" panose="020B0604020202020204" pitchFamily="34" charset="0"/>
+              </a:rPr>
+              <a:t>Git</a:t>
+            </a:r>
+            <a:r>
+              <a:rPr lang="en-US" dirty="0">
+                <a:solidFill>
+                  <a:srgbClr val="4E443C"/>
+                </a:solidFill>
+                <a:latin typeface="Arial" panose="020B0604020202020204" pitchFamily="34" charset="0"/>
+              </a:rPr>
+              <a:t> more like a mini </a:t>
+            </a:r>
+            <a:r>
+              <a:rPr lang="en-US" dirty="0" err="1">
+                <a:solidFill>
+                  <a:srgbClr val="4E443C"/>
+                </a:solidFill>
+                <a:latin typeface="Arial" panose="020B0604020202020204" pitchFamily="34" charset="0"/>
+              </a:rPr>
+              <a:t>filesystem</a:t>
+            </a:r>
+            <a:r>
+              <a:rPr lang="en-US" dirty="0">
+                <a:solidFill>
+                  <a:srgbClr val="4E443C"/>
+                </a:solidFill>
+                <a:latin typeface="Arial" panose="020B0604020202020204" pitchFamily="34" charset="0"/>
+              </a:rPr>
+              <a:t> with some incredibly powerful tools built on top of it, rather than simply a VCS.</a:t>
+            </a:r>
+            <a:endParaRPr lang="tr-TR" dirty="0"/>
+          </a:p>
+        </p:txBody>
+      </p:sp>
+    </p:spTree>
+    <p:extLst>
+      <p:ext uri="{BB962C8B-B14F-4D97-AF65-F5344CB8AC3E}">
+        <p14:creationId xmlns:p14="http://schemas.microsoft.com/office/powerpoint/2010/main" val="1953878092"/>
+      </p:ext>
+    </p:extLst>
+  </p:cSld>
+  <p:clrMapOvr>
+    <a:masterClrMapping/>
+  </p:clrMapOvr>
+  <p:timing>
+    <p:tnLst>
+      <p:par>
+        <p:cTn id="1" dur="indefinite" restart="never" nodeType="tmRoot"/>
+      </p:par>
+    </p:tnLst>
+  </p:timing>
+</p:sld>
+</file>
+
+<file path=ppt/slides/slide16.xml><?xml version="1.0" encoding="utf-8"?>
+<p:sld xmlns:a="http://schemas.openxmlformats.org/drawingml/2006/main" xmlns:r="http://schemas.openxmlformats.org/officeDocument/2006/relationships" xmlns:p="http://schemas.openxmlformats.org/presentationml/2006/main">
+  <p:cSld>
+    <p:spTree>
+      <p:nvGrpSpPr>
+        <p:cNvPr id="1" name=""/>
+        <p:cNvGrpSpPr/>
+        <p:nvPr/>
+      </p:nvGrpSpPr>
+      <p:grpSpPr>
+        <a:xfrm>
+          <a:off x="0" y="0"/>
+          <a:ext cx="0" cy="0"/>
+          <a:chOff x="0" y="0"/>
+          <a:chExt cx="0" cy="0"/>
+        </a:xfrm>
+      </p:grpSpPr>
+      <p:sp>
+        <p:nvSpPr>
+          <p:cNvPr id="3" name="İçerik Yer Tutucusu 2"/>
+          <p:cNvSpPr>
+            <a:spLocks noGrp="1"/>
+          </p:cNvSpPr>
+          <p:nvPr>
+            <p:ph idx="1"/>
+          </p:nvPr>
+        </p:nvSpPr>
+        <p:spPr>
+          <a:xfrm>
+            <a:off x="0" y="536448"/>
+            <a:ext cx="11353800" cy="5640515"/>
+          </a:xfrm>
+        </p:spPr>
+        <p:txBody>
+          <a:bodyPr/>
+          <a:lstStyle/>
+          <a:p>
+            <a:r>
+              <a:rPr lang="en-US" b="1" dirty="0"/>
+              <a:t>Nearly Every Operation Is Local</a:t>
+            </a:r>
+          </a:p>
+          <a:p>
+            <a:pPr marL="0" indent="0">
+              <a:buNone/>
+            </a:pPr>
+            <a:r>
+              <a:rPr lang="en-US" dirty="0"/>
+              <a:t>For example, to browse the history of the project, </a:t>
+            </a:r>
+            <a:r>
+              <a:rPr lang="en-US" dirty="0" err="1"/>
+              <a:t>Git</a:t>
+            </a:r>
+            <a:r>
+              <a:rPr lang="en-US" dirty="0"/>
+              <a:t> doesn’t need to go out to the server to get the history and display it for you </a:t>
+            </a:r>
+            <a:endParaRPr lang="tr-TR" dirty="0" smtClean="0"/>
+          </a:p>
+          <a:p>
+            <a:r>
+              <a:rPr lang="tr-TR" b="1" dirty="0"/>
+              <a:t>Git Has </a:t>
+            </a:r>
+            <a:r>
+              <a:rPr lang="tr-TR" b="1" dirty="0" err="1" smtClean="0"/>
+              <a:t>Integrity</a:t>
+            </a:r>
+            <a:r>
+              <a:rPr lang="tr-TR" b="1" dirty="0" smtClean="0"/>
+              <a:t> (</a:t>
+            </a:r>
+            <a:r>
+              <a:rPr lang="tr-TR" dirty="0"/>
+              <a:t>SHA-1 </a:t>
+            </a:r>
+            <a:r>
+              <a:rPr lang="tr-TR" dirty="0" err="1"/>
+              <a:t>hash</a:t>
+            </a:r>
+            <a:r>
+              <a:rPr lang="tr-TR" b="1" dirty="0" smtClean="0"/>
+              <a:t>)</a:t>
+            </a:r>
+          </a:p>
+          <a:p>
+            <a:pPr marL="0" indent="0">
+              <a:buNone/>
+            </a:pPr>
+            <a:r>
+              <a:rPr lang="en-US" dirty="0"/>
+              <a:t>Everything in </a:t>
+            </a:r>
+            <a:r>
+              <a:rPr lang="en-US" dirty="0" err="1"/>
+              <a:t>Git</a:t>
+            </a:r>
+            <a:r>
+              <a:rPr lang="en-US" dirty="0"/>
+              <a:t> is </a:t>
+            </a:r>
+            <a:r>
+              <a:rPr lang="en-US" dirty="0" err="1"/>
+              <a:t>checksummed</a:t>
+            </a:r>
+            <a:r>
+              <a:rPr lang="en-US" dirty="0"/>
+              <a:t> before it is stored and is then referred to by that checksum. This means it’s impossible to change the contents of any file or directory without </a:t>
+            </a:r>
+            <a:r>
+              <a:rPr lang="en-US" dirty="0" err="1"/>
+              <a:t>Git</a:t>
+            </a:r>
+            <a:r>
+              <a:rPr lang="en-US" dirty="0"/>
+              <a:t> knowing about it. </a:t>
+            </a:r>
+            <a:endParaRPr lang="tr-TR" dirty="0" smtClean="0"/>
+          </a:p>
+          <a:p>
+            <a:r>
+              <a:rPr lang="en-US" b="1" dirty="0" err="1"/>
+              <a:t>Git</a:t>
+            </a:r>
+            <a:r>
+              <a:rPr lang="en-US" b="1" dirty="0"/>
+              <a:t> Generally Only Adds </a:t>
+            </a:r>
+            <a:r>
+              <a:rPr lang="en-US" b="1" dirty="0" smtClean="0"/>
+              <a:t>Data</a:t>
+            </a:r>
+            <a:endParaRPr lang="tr-TR" b="1" dirty="0" smtClean="0"/>
+          </a:p>
+          <a:p>
+            <a:pPr marL="0" indent="0">
+              <a:buNone/>
+            </a:pPr>
+            <a:r>
+              <a:rPr lang="tr-TR" dirty="0"/>
+              <a:t>Y</a:t>
+            </a:r>
+            <a:r>
+              <a:rPr lang="en-US" dirty="0" err="1" smtClean="0"/>
+              <a:t>ou</a:t>
+            </a:r>
+            <a:r>
+              <a:rPr lang="en-US" dirty="0" smtClean="0"/>
+              <a:t> </a:t>
+            </a:r>
+            <a:r>
+              <a:rPr lang="en-US" dirty="0"/>
+              <a:t>can lose or mess up changes you haven’t committed yet, but after you commit a snapshot into </a:t>
+            </a:r>
+            <a:r>
+              <a:rPr lang="en-US" dirty="0" err="1"/>
+              <a:t>Git</a:t>
+            </a:r>
+            <a:r>
+              <a:rPr lang="en-US" dirty="0"/>
+              <a:t>, it is very difficult to lose, especially if you regularly push your database to another repository.</a:t>
+            </a:r>
+            <a:endParaRPr lang="en-US" b="1" dirty="0"/>
+          </a:p>
+          <a:p>
+            <a:pPr marL="0" indent="0">
+              <a:buNone/>
+            </a:pPr>
+            <a:endParaRPr lang="tr-TR" b="1" dirty="0"/>
+          </a:p>
+          <a:p>
+            <a:pPr marL="0" indent="0">
+              <a:buNone/>
+            </a:pPr>
+            <a:endParaRPr lang="tr-TR" dirty="0"/>
+          </a:p>
+        </p:txBody>
+      </p:sp>
+      <p:sp>
+        <p:nvSpPr>
+          <p:cNvPr id="4" name="Unvan 1"/>
+          <p:cNvSpPr>
+            <a:spLocks noGrp="1"/>
+          </p:cNvSpPr>
+          <p:nvPr>
+            <p:ph type="title"/>
+          </p:nvPr>
+        </p:nvSpPr>
+        <p:spPr>
+          <a:xfrm>
+            <a:off x="0" y="0"/>
+            <a:ext cx="11353800" cy="634619"/>
+          </a:xfrm>
+        </p:spPr>
+        <p:txBody>
+          <a:bodyPr>
+            <a:normAutofit fontScale="90000"/>
+          </a:bodyPr>
+          <a:lstStyle/>
+          <a:p>
+            <a:r>
+              <a:rPr lang="tr-TR" b="1" dirty="0" err="1"/>
+              <a:t>What</a:t>
+            </a:r>
+            <a:r>
+              <a:rPr lang="tr-TR" b="1" dirty="0"/>
+              <a:t> is Git</a:t>
+            </a:r>
+            <a:r>
+              <a:rPr lang="tr-TR" b="1" dirty="0" smtClean="0"/>
+              <a:t>?</a:t>
+            </a:r>
+            <a:endParaRPr lang="tr-TR" dirty="0"/>
+          </a:p>
+        </p:txBody>
+      </p:sp>
+    </p:spTree>
+    <p:extLst>
+      <p:ext uri="{BB962C8B-B14F-4D97-AF65-F5344CB8AC3E}">
+        <p14:creationId xmlns:p14="http://schemas.microsoft.com/office/powerpoint/2010/main" val="38617355"/>
+      </p:ext>
+    </p:extLst>
+  </p:cSld>
+  <p:clrMapOvr>
+    <a:masterClrMapping/>
+  </p:clrMapOvr>
+  <p:timing>
+    <p:tnLst>
+      <p:par>
+        <p:cTn id="1" dur="indefinite" restart="never" nodeType="tmRoot"/>
+      </p:par>
+    </p:tnLst>
+  </p:timing>
+</p:sld>
+</file>
+
+<file path=ppt/slides/slide17.xml><?xml version="1.0" encoding="utf-8"?>
+<p:sld xmlns:a="http://schemas.openxmlformats.org/drawingml/2006/main" xmlns:r="http://schemas.openxmlformats.org/officeDocument/2006/relationships" xmlns:p="http://schemas.openxmlformats.org/presentationml/2006/main">
+  <p:cSld>
+    <p:spTree>
+      <p:nvGrpSpPr>
+        <p:cNvPr id="1" name=""/>
+        <p:cNvGrpSpPr/>
+        <p:nvPr/>
+      </p:nvGrpSpPr>
+      <p:grpSpPr>
+        <a:xfrm>
+          <a:off x="0" y="0"/>
+          <a:ext cx="0" cy="0"/>
+          <a:chOff x="0" y="0"/>
+          <a:chExt cx="0" cy="0"/>
+        </a:xfrm>
+      </p:grpSpPr>
+      <p:sp>
+        <p:nvSpPr>
+          <p:cNvPr id="2" name="Unvan 1"/>
+          <p:cNvSpPr>
+            <a:spLocks noGrp="1"/>
+          </p:cNvSpPr>
+          <p:nvPr>
+            <p:ph type="title"/>
+          </p:nvPr>
+        </p:nvSpPr>
+        <p:spPr>
+          <a:xfrm>
+            <a:off x="182880" y="23749"/>
+            <a:ext cx="10841736" cy="549275"/>
+          </a:xfrm>
+        </p:spPr>
+        <p:txBody>
+          <a:bodyPr>
+            <a:normAutofit fontScale="90000"/>
+          </a:bodyPr>
+          <a:lstStyle/>
+          <a:p>
+            <a:r>
+              <a:rPr lang="tr-TR" b="1" dirty="0" smtClean="0"/>
+              <a:t>Git -</a:t>
+            </a:r>
+            <a:r>
+              <a:rPr lang="tr-TR" b="1" dirty="0" err="1" smtClean="0"/>
+              <a:t>The</a:t>
+            </a:r>
+            <a:r>
+              <a:rPr lang="tr-TR" b="1" dirty="0" smtClean="0"/>
+              <a:t> </a:t>
+            </a:r>
+            <a:r>
+              <a:rPr lang="tr-TR" b="1" dirty="0"/>
+              <a:t>Three </a:t>
+            </a:r>
+            <a:r>
+              <a:rPr lang="tr-TR" b="1" dirty="0" err="1" smtClean="0"/>
+              <a:t>States</a:t>
+            </a:r>
+            <a:endParaRPr lang="tr-TR" dirty="0"/>
+          </a:p>
+        </p:txBody>
+      </p:sp>
+      <p:sp>
+        <p:nvSpPr>
+          <p:cNvPr id="3" name="İçerik Yer Tutucusu 2"/>
+          <p:cNvSpPr>
+            <a:spLocks noGrp="1"/>
+          </p:cNvSpPr>
+          <p:nvPr>
+            <p:ph idx="1"/>
+          </p:nvPr>
+        </p:nvSpPr>
+        <p:spPr>
+          <a:xfrm>
+            <a:off x="182880" y="573024"/>
+            <a:ext cx="11170920" cy="5603939"/>
+          </a:xfrm>
+        </p:spPr>
+        <p:txBody>
+          <a:bodyPr/>
+          <a:lstStyle/>
+          <a:p>
+            <a:r>
+              <a:rPr lang="tr-TR" dirty="0"/>
+              <a:t> </a:t>
+            </a:r>
+            <a:r>
+              <a:rPr lang="tr-TR" b="1" dirty="0" err="1"/>
+              <a:t>modified</a:t>
+            </a:r>
+            <a:r>
+              <a:rPr lang="tr-TR" dirty="0"/>
+              <a:t>, </a:t>
+            </a:r>
+            <a:r>
+              <a:rPr lang="tr-TR" b="1" dirty="0" err="1"/>
+              <a:t>staged</a:t>
+            </a:r>
+            <a:r>
+              <a:rPr lang="tr-TR" dirty="0"/>
+              <a:t>, </a:t>
+            </a:r>
+            <a:r>
+              <a:rPr lang="tr-TR" dirty="0" err="1"/>
+              <a:t>and</a:t>
+            </a:r>
+            <a:r>
+              <a:rPr lang="tr-TR" dirty="0"/>
+              <a:t> </a:t>
+            </a:r>
+            <a:r>
+              <a:rPr lang="tr-TR" b="1" dirty="0" err="1"/>
+              <a:t>committed</a:t>
+            </a:r>
+            <a:r>
+              <a:rPr lang="tr-TR" dirty="0" smtClean="0"/>
+              <a:t>:</a:t>
+            </a:r>
+          </a:p>
+          <a:p>
+            <a:r>
+              <a:rPr lang="en-US" dirty="0"/>
+              <a:t>Modified means that you have changed the file but have not committed it to your database yet.</a:t>
+            </a:r>
+          </a:p>
+          <a:p>
+            <a:r>
+              <a:rPr lang="en-US" dirty="0"/>
+              <a:t>Staged means that you have marked a modified file in its current version to go into your next commit snapshot.</a:t>
+            </a:r>
+          </a:p>
+          <a:p>
+            <a:r>
+              <a:rPr lang="en-US" dirty="0"/>
+              <a:t>Committed means that the data is safely stored in your local database.</a:t>
+            </a:r>
+          </a:p>
+          <a:p>
+            <a:pPr marL="0" indent="0">
+              <a:buNone/>
+            </a:pPr>
+            <a:endParaRPr lang="tr-TR" dirty="0"/>
+          </a:p>
+        </p:txBody>
+      </p:sp>
+      <p:pic>
+        <p:nvPicPr>
+          <p:cNvPr id="4" name="Resim 3"/>
+          <p:cNvPicPr>
+            <a:picLocks noChangeAspect="1"/>
+          </p:cNvPicPr>
+          <p:nvPr/>
+        </p:nvPicPr>
+        <p:blipFill>
+          <a:blip r:embed="rId2"/>
+          <a:stretch>
+            <a:fillRect/>
+          </a:stretch>
+        </p:blipFill>
+        <p:spPr>
+          <a:xfrm>
+            <a:off x="2360485" y="3324225"/>
+            <a:ext cx="6486525" cy="3533775"/>
+          </a:xfrm>
+          <a:prstGeom prst="rect">
+            <a:avLst/>
+          </a:prstGeom>
+        </p:spPr>
+      </p:pic>
+    </p:spTree>
+    <p:extLst>
+      <p:ext uri="{BB962C8B-B14F-4D97-AF65-F5344CB8AC3E}">
+        <p14:creationId xmlns:p14="http://schemas.microsoft.com/office/powerpoint/2010/main" val="2693163998"/>
+      </p:ext>
+    </p:extLst>
+  </p:cSld>
+  <p:clrMapOvr>
+    <a:masterClrMapping/>
+  </p:clrMapOvr>
+  <p:timing>
+    <p:tnLst>
+      <p:par>
+        <p:cTn id="1" dur="indefinite" restart="never" nodeType="tmRoot"/>
+      </p:par>
+    </p:tnLst>
+  </p:timing>
+</p:sld>
+</file>
+
+<file path=ppt/slides/slide18.xml><?xml version="1.0" encoding="utf-8"?>
 <p:sld xmlns:a="http://schemas.openxmlformats.org/drawingml/2006/main" xmlns:r="http://schemas.openxmlformats.org/officeDocument/2006/relationships" xmlns:p="http://schemas.openxmlformats.org/presentationml/2006/main">
   <p:cSld>
     <p:spTree>
@@ -3911,7 +6951,9 @@
           </a:xfrm>
         </p:spPr>
         <p:txBody>
-          <a:bodyPr/>
+          <a:bodyPr>
+            <a:normAutofit fontScale="85000" lnSpcReduction="20000"/>
+          </a:bodyPr>
           <a:lstStyle/>
           <a:p>
             <a:pPr marL="0" indent="0">
@@ -4013,8 +7055,12 @@
           </a:p>
           <a:p>
             <a:r>
-              <a:rPr lang="tr-TR" dirty="0" err="1" smtClean="0"/>
-              <a:t>Local</a:t>
+              <a:rPr lang="tr-TR" dirty="0" smtClean="0">
+                <a:solidFill>
+                  <a:srgbClr val="FF0000"/>
+                </a:solidFill>
+              </a:rPr>
+              <a:t>LOCAL</a:t>
             </a:r>
             <a:r>
               <a:rPr lang="tr-TR" dirty="0" smtClean="0">
@@ -4037,8 +7083,58 @@
               <a:buNone/>
             </a:pPr>
             <a:r>
+              <a:rPr lang="en-US" dirty="0"/>
+              <a:t>The most basic is the </a:t>
+            </a:r>
+            <a:r>
+              <a:rPr lang="en-US" b="1" dirty="0"/>
+              <a:t>Local protocol</a:t>
+            </a:r>
+            <a:r>
+              <a:rPr lang="en-US" dirty="0"/>
+              <a:t>, in which the remote repository is in another directory on the same host. This is often used if everyone on your team has access to a shared </a:t>
+            </a:r>
+            <a:r>
+              <a:rPr lang="en-US" dirty="0" err="1"/>
+              <a:t>filesystem</a:t>
+            </a:r>
+            <a:r>
+              <a:rPr lang="en-US" dirty="0"/>
+              <a:t> such as an </a:t>
+            </a:r>
+            <a:r>
+              <a:rPr lang="en-US" dirty="0">
+                <a:hlinkClick r:id="rId2"/>
+              </a:rPr>
+              <a:t>NFS</a:t>
+            </a:r>
+            <a:r>
+              <a:rPr lang="en-US" dirty="0"/>
+              <a:t> mount, or in the less likely case that everyone logs in to the same computer. The latter wouldn’t be ideal, because all your code repository instances would reside on the same computer, making a catastrophic loss much more likely</a:t>
+            </a:r>
+            <a:r>
+              <a:rPr lang="en-US" dirty="0" smtClean="0"/>
+              <a:t>.</a:t>
+            </a:r>
+            <a:endParaRPr lang="tr-TR" dirty="0" smtClean="0"/>
+          </a:p>
+          <a:p>
+            <a:pPr marL="0" indent="0">
+              <a:buNone/>
+            </a:pPr>
+            <a:endParaRPr lang="tr-TR" dirty="0" smtClean="0"/>
+          </a:p>
+          <a:p>
+            <a:pPr marL="0" indent="0">
+              <a:buNone/>
+            </a:pPr>
+            <a:r>
               <a:rPr lang="tr-TR" dirty="0" smtClean="0"/>
-              <a:t>	$ git </a:t>
+              <a:t>$ </a:t>
+            </a:r>
+            <a:r>
+              <a:rPr lang="tr-TR" dirty="0" smtClean="0"/>
+              <a:t>git </a:t>
             </a:r>
             <a:r>
               <a:rPr lang="tr-TR" dirty="0" err="1"/>
@@ -4063,8 +7159,43 @@
             <a:endParaRPr lang="tr-TR" dirty="0" smtClean="0"/>
           </a:p>
           <a:p>
+            <a:pPr marL="0" indent="0">
+              <a:buNone/>
+            </a:pPr>
+            <a:r>
+              <a:rPr lang="tr-TR" dirty="0" smtClean="0"/>
+              <a:t>+</a:t>
+            </a:r>
             <a:r>
               <a:rPr lang="en-US" dirty="0" smtClean="0"/>
+              <a:t>of file-based </a:t>
+            </a:r>
+            <a:r>
+              <a:rPr lang="en-US" dirty="0"/>
+              <a:t>repositories are that they’re simple and they use existing file permissions and network access. If you already have a shared </a:t>
+            </a:r>
+            <a:r>
+              <a:rPr lang="en-US" dirty="0" err="1"/>
+              <a:t>filesystem</a:t>
+            </a:r>
+            <a:r>
+              <a:rPr lang="en-US" dirty="0"/>
+              <a:t> to which your whole team has access, setting up a repository is very easy. </a:t>
+            </a:r>
+          </a:p>
+          <a:p>
+            <a:pPr marL="0" indent="0">
+              <a:buNone/>
+            </a:pPr>
+            <a:endParaRPr lang="tr-TR" dirty="0" smtClean="0"/>
+          </a:p>
+          <a:p>
+            <a:r>
+              <a:rPr lang="en-US" dirty="0" smtClean="0">
+                <a:solidFill>
+                  <a:srgbClr val="FF0000"/>
+                </a:solidFill>
+              </a:rPr>
               <a:t>HTTP</a:t>
             </a:r>
             <a:r>
@@ -4099,62 +7230,9 @@
             </a:r>
           </a:p>
           <a:p>
-            <a:r>
-              <a:rPr lang="tr-TR" dirty="0" smtClean="0"/>
-              <a:t>SSH</a:t>
-            </a:r>
-          </a:p>
-          <a:p>
             <a:pPr marL="0" indent="0">
               <a:buNone/>
             </a:pPr>
-            <a:r>
-              <a:rPr lang="tr-TR" dirty="0" smtClean="0"/>
-              <a:t>  	$ </a:t>
-            </a:r>
-            <a:r>
-              <a:rPr lang="tr-TR" dirty="0"/>
-              <a:t>git </a:t>
-            </a:r>
-            <a:r>
-              <a:rPr lang="tr-TR" dirty="0" err="1"/>
-              <a:t>clone</a:t>
-            </a:r>
-            <a:r>
-              <a:rPr lang="tr-TR" dirty="0"/>
-              <a:t> ssh://[user@]</a:t>
-            </a:r>
-            <a:r>
-              <a:rPr lang="tr-TR" dirty="0" smtClean="0"/>
-              <a:t>server/project.git</a:t>
-            </a:r>
-          </a:p>
-          <a:p>
-            <a:pPr marL="0" indent="0">
-              <a:buNone/>
-            </a:pPr>
-            <a:r>
-              <a:rPr lang="tr-TR" dirty="0" smtClean="0"/>
-              <a:t>Git</a:t>
-            </a:r>
-            <a:r>
-              <a:rPr lang="tr-TR" dirty="0" smtClean="0">
-                <a:sym typeface="Wingdings" panose="05000000000000000000" pitchFamily="2" charset="2"/>
-              </a:rPr>
-              <a:t></a:t>
-            </a:r>
-            <a:r>
-              <a:rPr lang="en-US" dirty="0"/>
-              <a:t> </a:t>
-            </a:r>
-            <a:r>
-              <a:rPr lang="en-US" dirty="0" smtClean="0"/>
-              <a:t>listens </a:t>
-            </a:r>
-            <a:r>
-              <a:rPr lang="en-US" dirty="0"/>
-              <a:t>on a dedicated port (9418) that provides a service similar to the SSH protocol,</a:t>
-            </a:r>
             <a:endParaRPr lang="tr-TR" dirty="0"/>
           </a:p>
           <a:p>
@@ -4172,10 +7250,17 @@
   <p:clrMapOvr>
     <a:masterClrMapping/>
   </p:clrMapOvr>
+  <p:timing>
+    <p:tnLst>
+      <p:par>
+        <p:cTn id="1" dur="indefinite" restart="never" nodeType="tmRoot"/>
+      </p:par>
+    </p:tnLst>
+  </p:timing>
 </p:sld>
 </file>
 
-<file path=ppt/slides/slide14.xml><?xml version="1.0" encoding="utf-8"?>
+<file path=ppt/slides/slide19.xml><?xml version="1.0" encoding="utf-8"?>
 <p:sld xmlns:a="http://schemas.openxmlformats.org/drawingml/2006/main" xmlns:r="http://schemas.openxmlformats.org/officeDocument/2006/relationships" xmlns:p="http://schemas.openxmlformats.org/presentationml/2006/main">
   <p:cSld>
     <p:spTree>
@@ -4194,48 +7279,6 @@
       </p:grpSpPr>
       <p:sp>
         <p:nvSpPr>
-          <p:cNvPr id="2" name="Unvan 1"/>
-          <p:cNvSpPr>
-            <a:spLocks noGrp="1"/>
-          </p:cNvSpPr>
-          <p:nvPr>
-            <p:ph type="title"/>
-          </p:nvPr>
-        </p:nvSpPr>
-        <p:spPr/>
-        <p:txBody>
-          <a:bodyPr/>
-          <a:lstStyle/>
-          <a:p>
-            <a:r>
-              <a:rPr lang="tr-TR" dirty="0" err="1" smtClean="0"/>
-              <a:t>Svn</a:t>
-            </a:r>
-            <a:r>
-              <a:rPr lang="tr-TR" dirty="0" smtClean="0"/>
-              <a:t> </a:t>
-            </a:r>
-            <a:r>
-              <a:rPr lang="tr-TR" dirty="0" err="1"/>
-              <a:t>Protocols</a:t>
-            </a:r>
-            <a:r>
-              <a:rPr lang="tr-TR" dirty="0"/>
-              <a:t>  </a:t>
-            </a:r>
-            <a:r>
-              <a:rPr lang="tr-TR" dirty="0" err="1"/>
-              <a:t>to</a:t>
-            </a:r>
-            <a:r>
-              <a:rPr lang="tr-TR" dirty="0"/>
-              <a:t> transfer data (TCP)</a:t>
-            </a:r>
-          </a:p>
-        </p:txBody>
-      </p:sp>
-      <p:sp>
-        <p:nvSpPr>
           <p:cNvPr id="3" name="İçerik Yer Tutucusu 2"/>
           <p:cNvSpPr>
             <a:spLocks noGrp="1"/>
@@ -4244,55 +7287,227 @@
             <p:ph idx="1"/>
           </p:nvPr>
         </p:nvSpPr>
-        <p:spPr/>
+        <p:spPr>
+          <a:xfrm>
+            <a:off x="838200" y="963168"/>
+            <a:ext cx="10515600" cy="5657088"/>
+          </a:xfrm>
+        </p:spPr>
         <p:txBody>
-          <a:bodyPr/>
+          <a:bodyPr>
+            <a:normAutofit fontScale="92500" lnSpcReduction="10000"/>
+          </a:bodyPr>
           <a:lstStyle/>
           <a:p>
+            <a:pPr marL="0" indent="0">
+              <a:buNone/>
+            </a:pPr>
+            <a:r>
+              <a:rPr lang="tr-TR" b="1" dirty="0"/>
+              <a:t> </a:t>
+            </a:r>
+            <a:r>
+              <a:rPr lang="tr-TR" b="1" dirty="0" smtClean="0"/>
+              <a:t>1.Dumb HTTP</a:t>
+            </a:r>
+          </a:p>
+          <a:p>
+            <a:pPr marL="0" indent="0">
+              <a:buNone/>
+            </a:pPr>
+            <a:r>
+              <a:rPr lang="en-US" dirty="0"/>
+              <a:t>If the server does not respond with a </a:t>
+            </a:r>
+            <a:r>
+              <a:rPr lang="en-US" dirty="0" err="1"/>
+              <a:t>Git</a:t>
+            </a:r>
+            <a:r>
+              <a:rPr lang="en-US" dirty="0"/>
+              <a:t> HTTP smart service, the </a:t>
+            </a:r>
+            <a:r>
+              <a:rPr lang="en-US" dirty="0" err="1"/>
+              <a:t>Git</a:t>
+            </a:r>
+            <a:r>
+              <a:rPr lang="en-US" dirty="0"/>
+              <a:t> client will try to fall back to the simpler </a:t>
+            </a:r>
+            <a:r>
+              <a:rPr lang="en-US" b="1" dirty="0"/>
+              <a:t>Dumb</a:t>
+            </a:r>
+            <a:r>
+              <a:rPr lang="en-US" dirty="0"/>
+              <a:t> HTTP protocol. The Dumb protocol expects the bare </a:t>
+            </a:r>
+            <a:r>
+              <a:rPr lang="en-US" dirty="0" err="1"/>
+              <a:t>Git</a:t>
+            </a:r>
+            <a:r>
+              <a:rPr lang="en-US" dirty="0"/>
+              <a:t> repository to be served like normal files from the web server</a:t>
+            </a:r>
+            <a:endParaRPr lang="tr-TR" b="1" dirty="0"/>
+          </a:p>
+          <a:p>
+            <a:pPr marL="0" indent="0">
+              <a:buNone/>
+            </a:pPr>
+            <a:r>
+              <a:rPr lang="tr-TR" b="1" dirty="0" smtClean="0"/>
+              <a:t>2.</a:t>
+            </a:r>
+            <a:r>
+              <a:rPr lang="en-US" b="1" dirty="0"/>
+              <a:t>Smart HTTP</a:t>
+            </a:r>
+          </a:p>
+          <a:p>
+            <a:pPr marL="0" indent="0">
+              <a:buNone/>
+            </a:pPr>
+            <a:r>
+              <a:rPr lang="en-US" dirty="0"/>
+              <a:t>Smart HTTP operates very similarly to the SSH or </a:t>
+            </a:r>
+            <a:r>
+              <a:rPr lang="en-US" dirty="0" err="1"/>
+              <a:t>Git</a:t>
+            </a:r>
+            <a:r>
+              <a:rPr lang="en-US" dirty="0"/>
+              <a:t> protocols but runs over standard HTTPS ports and can use various HTTP authentication mechanisms</a:t>
+            </a:r>
+          </a:p>
+          <a:p>
+            <a:r>
+              <a:rPr lang="tr-TR" b="1" dirty="0" smtClean="0">
+                <a:solidFill>
+                  <a:srgbClr val="FF0000"/>
+                </a:solidFill>
+              </a:rPr>
+              <a:t>SSH</a:t>
+            </a:r>
+            <a:endParaRPr lang="tr-TR" b="1" dirty="0">
+              <a:solidFill>
+                <a:srgbClr val="FF0000"/>
+              </a:solidFill>
+            </a:endParaRPr>
+          </a:p>
+          <a:p>
+            <a:pPr marL="0" indent="0">
+              <a:buNone/>
+            </a:pPr>
+            <a:r>
+              <a:rPr lang="en-US" dirty="0"/>
+              <a:t>A common transport protocol for </a:t>
+            </a:r>
+            <a:r>
+              <a:rPr lang="en-US" dirty="0" err="1"/>
+              <a:t>Git</a:t>
+            </a:r>
+            <a:r>
+              <a:rPr lang="en-US" dirty="0"/>
+              <a:t> when self-hosting is over SSH. This is because SSH access to servers is already set up in most places — and if it isn’t, it’s easy to do. SSH is also an authenticated network protocol and, because it’s ubiquitous, it’s generally easy to set up and use.</a:t>
+            </a:r>
+            <a:endParaRPr lang="tr-TR" dirty="0"/>
+          </a:p>
+          <a:p>
+            <a:pPr marL="0" indent="0">
+              <a:buNone/>
+            </a:pPr>
             <a:r>
               <a:rPr lang="tr-TR" dirty="0"/>
-              <a:t>svn://repos</a:t>
-            </a:r>
-          </a:p>
-          <a:p>
+              <a:t>  	$ git </a:t>
+            </a:r>
             <a:r>
               <a:rPr lang="tr-TR" dirty="0" err="1"/>
-              <a:t>svn+ssh</a:t>
+              <a:t>clone</a:t>
             </a:r>
             <a:r>
               <a:rPr lang="tr-TR" dirty="0"/>
-              <a:t>://</a:t>
+              <a:t> ssh://[user@]server/project.git</a:t>
+            </a:r>
+          </a:p>
+          <a:p>
+            <a:pPr marL="0" indent="0">
+              <a:buNone/>
+            </a:pPr>
+            <a:endParaRPr lang="tr-TR" dirty="0"/>
+          </a:p>
+        </p:txBody>
+      </p:sp>
+      <p:sp>
+        <p:nvSpPr>
+          <p:cNvPr id="4" name="Unvan 1"/>
+          <p:cNvSpPr>
+            <a:spLocks noGrp="1"/>
+          </p:cNvSpPr>
+          <p:nvPr>
+            <p:ph type="title"/>
+          </p:nvPr>
+        </p:nvSpPr>
+        <p:spPr>
+          <a:xfrm>
+            <a:off x="838200" y="365125"/>
+            <a:ext cx="10515600" cy="598043"/>
+          </a:xfrm>
+        </p:spPr>
+        <p:txBody>
+          <a:bodyPr>
+            <a:normAutofit fontScale="90000"/>
+          </a:bodyPr>
+          <a:lstStyle/>
+          <a:p>
+            <a:r>
+              <a:rPr lang="tr-TR" dirty="0" smtClean="0"/>
+              <a:t>Git </a:t>
+            </a:r>
+            <a:r>
+              <a:rPr lang="tr-TR" dirty="0" err="1" smtClean="0"/>
+              <a:t>Protocols</a:t>
+            </a:r>
+            <a:r>
+              <a:rPr lang="tr-TR" dirty="0" smtClean="0"/>
+              <a:t>  </a:t>
             </a:r>
             <a:r>
               <a:rPr lang="tr-TR" dirty="0" err="1"/>
-              <a:t>repos</a:t>
+              <a:t>to</a:t>
+            </a:r>
+            <a:r>
+              <a:rPr lang="tr-TR" dirty="0"/>
+              <a:t> transfer </a:t>
+            </a:r>
+            <a:r>
+              <a:rPr lang="tr-TR" dirty="0" smtClean="0"/>
+              <a:t>data (TCP)</a:t>
             </a:r>
             <a:endParaRPr lang="tr-TR" dirty="0"/>
-          </a:p>
-          <a:p>
-            <a:r>
-              <a:rPr lang="tr-TR" dirty="0"/>
-              <a:t>https://repos</a:t>
-            </a:r>
-          </a:p>
-          <a:p>
-            <a:r>
-              <a:rPr lang="tr-TR" dirty="0"/>
-              <a:t>http://repos</a:t>
-            </a:r>
           </a:p>
         </p:txBody>
       </p:sp>
     </p:spTree>
     <p:extLst>
       <p:ext uri="{BB962C8B-B14F-4D97-AF65-F5344CB8AC3E}">
-        <p14:creationId xmlns:p14="http://schemas.microsoft.com/office/powerpoint/2010/main" val="2280933582"/>
+        <p14:creationId xmlns:p14="http://schemas.microsoft.com/office/powerpoint/2010/main" val="4116776802"/>
       </p:ext>
     </p:extLst>
   </p:cSld>
   <p:clrMapOvr>
     <a:masterClrMapping/>
   </p:clrMapOvr>
+  <p:timing>
+    <p:tnLst>
+      <p:par>
+        <p:cTn id="1" dur="indefinite" restart="never" nodeType="tmRoot"/>
+      </p:par>
+    </p:tnLst>
+  </p:timing>
 </p:sld>
 </file>
 
@@ -4326,7 +7541,7 @@
         <p:spPr>
           <a:xfrm>
             <a:off x="838200" y="365125"/>
-            <a:ext cx="10515600" cy="854075"/>
+            <a:ext cx="10515600" cy="780923"/>
           </a:xfrm>
         </p:spPr>
         <p:txBody>
@@ -4334,8 +7549,16 @@
           <a:lstStyle/>
           <a:p>
             <a:r>
-              <a:rPr lang="tr-TR" dirty="0" err="1" smtClean="0"/>
-              <a:t>Definitions</a:t>
+              <a:rPr lang="tr-TR" dirty="0" err="1"/>
+              <a:t>Version</a:t>
+            </a:r>
+            <a:r>
+              <a:rPr lang="tr-TR" dirty="0"/>
+              <a:t> Control </a:t>
+            </a:r>
+            <a:r>
+              <a:rPr lang="tr-TR" dirty="0" err="1"/>
+              <a:t>Protocols</a:t>
             </a:r>
             <a:endParaRPr lang="tr-TR" dirty="0"/>
           </a:p>
@@ -4353,8 +7576,8 @@
         </p:nvSpPr>
         <p:spPr>
           <a:xfrm>
-            <a:off x="838200" y="1121664"/>
-            <a:ext cx="10515600" cy="5055299"/>
+            <a:off x="838200" y="1146048"/>
+            <a:ext cx="10515600" cy="5030915"/>
           </a:xfrm>
         </p:spPr>
         <p:txBody>
@@ -4362,6 +7585,2920 @@
           <a:lstStyle/>
           <a:p>
             <a:r>
+              <a:rPr lang="en-US" dirty="0"/>
+              <a:t>What Is Version Control and Why Is it Important? Version control is important </a:t>
+            </a:r>
+            <a:r>
+              <a:rPr lang="en-US" b="1" dirty="0"/>
+              <a:t>to keep track of changes — and keep every team member working on the right version</a:t>
+            </a:r>
+            <a:r>
+              <a:rPr lang="en-US" dirty="0"/>
+              <a:t>. You should use version control software for all code, files, and assets that multiple team members will collaborate on</a:t>
+            </a:r>
+            <a:r>
+              <a:rPr lang="en-US" dirty="0" smtClean="0"/>
+              <a:t>.</a:t>
+            </a:r>
+            <a:endParaRPr lang="tr-TR" dirty="0" smtClean="0"/>
+          </a:p>
+          <a:p>
+            <a:endParaRPr lang="tr-TR" dirty="0"/>
+          </a:p>
+        </p:txBody>
+      </p:sp>
+      <p:pic>
+        <p:nvPicPr>
+          <p:cNvPr id="4" name="Resim 3"/>
+          <p:cNvPicPr>
+            <a:picLocks noChangeAspect="1"/>
+          </p:cNvPicPr>
+          <p:nvPr/>
+        </p:nvPicPr>
+        <p:blipFill>
+          <a:blip r:embed="rId2"/>
+          <a:stretch>
+            <a:fillRect/>
+          </a:stretch>
+        </p:blipFill>
+        <p:spPr>
+          <a:xfrm>
+            <a:off x="3446907" y="2838640"/>
+            <a:ext cx="7029450" cy="3838575"/>
+          </a:xfrm>
+          <a:prstGeom prst="rect">
+            <a:avLst/>
+          </a:prstGeom>
+        </p:spPr>
+      </p:pic>
+    </p:spTree>
+    <p:extLst>
+      <p:ext uri="{BB962C8B-B14F-4D97-AF65-F5344CB8AC3E}">
+        <p14:creationId xmlns:p14="http://schemas.microsoft.com/office/powerpoint/2010/main" val="308256722"/>
+      </p:ext>
+    </p:extLst>
+  </p:cSld>
+  <p:clrMapOvr>
+    <a:masterClrMapping/>
+  </p:clrMapOvr>
+  <p:timing>
+    <p:tnLst>
+      <p:par>
+        <p:cTn id="1" dur="indefinite" restart="never" nodeType="tmRoot"/>
+      </p:par>
+    </p:tnLst>
+  </p:timing>
+</p:sld>
+</file>
+
+<file path=ppt/slides/slide20.xml><?xml version="1.0" encoding="utf-8"?>
+<p:sld xmlns:a="http://schemas.openxmlformats.org/drawingml/2006/main" xmlns:r="http://schemas.openxmlformats.org/officeDocument/2006/relationships" xmlns:p="http://schemas.openxmlformats.org/presentationml/2006/main">
+  <p:cSld>
+    <p:spTree>
+      <p:nvGrpSpPr>
+        <p:cNvPr id="1" name=""/>
+        <p:cNvGrpSpPr/>
+        <p:nvPr/>
+      </p:nvGrpSpPr>
+      <p:grpSpPr>
+        <a:xfrm>
+          <a:off x="0" y="0"/>
+          <a:ext cx="0" cy="0"/>
+          <a:chOff x="0" y="0"/>
+          <a:chExt cx="0" cy="0"/>
+        </a:xfrm>
+      </p:grpSpPr>
+      <p:sp>
+        <p:nvSpPr>
+          <p:cNvPr id="3" name="İçerik Yer Tutucusu 2"/>
+          <p:cNvSpPr>
+            <a:spLocks noGrp="1"/>
+          </p:cNvSpPr>
+          <p:nvPr>
+            <p:ph idx="1"/>
+          </p:nvPr>
+        </p:nvSpPr>
+        <p:spPr>
+          <a:xfrm>
+            <a:off x="838200" y="743712"/>
+            <a:ext cx="10719816" cy="5913120"/>
+          </a:xfrm>
+        </p:spPr>
+        <p:txBody>
+          <a:bodyPr>
+            <a:normAutofit fontScale="92500" lnSpcReduction="10000"/>
+          </a:bodyPr>
+          <a:lstStyle/>
+          <a:p>
+            <a:pPr marL="0" indent="0">
+              <a:buNone/>
+            </a:pPr>
+            <a:r>
+              <a:rPr lang="tr-TR" dirty="0" smtClean="0"/>
+              <a:t>-</a:t>
+            </a:r>
+            <a:r>
+              <a:rPr lang="en-US" dirty="0" smtClean="0"/>
+              <a:t>Finally</a:t>
+            </a:r>
+            <a:r>
+              <a:rPr lang="en-US" dirty="0"/>
+              <a:t>, we have the </a:t>
+            </a:r>
+            <a:r>
+              <a:rPr lang="en-US" dirty="0" err="1"/>
+              <a:t>Git</a:t>
+            </a:r>
+            <a:r>
+              <a:rPr lang="en-US" dirty="0"/>
+              <a:t> protocol. This is a special daemon that comes packaged with </a:t>
+            </a:r>
+            <a:r>
+              <a:rPr lang="en-US" dirty="0" err="1"/>
+              <a:t>Git</a:t>
+            </a:r>
+            <a:r>
+              <a:rPr lang="en-US" dirty="0"/>
+              <a:t>; it listens on a dedicated port (9418) that provides a service similar to the SSH protocol, but with absolutely no </a:t>
+            </a:r>
+            <a:r>
+              <a:rPr lang="en-US" dirty="0" smtClean="0"/>
+              <a:t>authentication. </a:t>
+            </a:r>
+            <a:r>
+              <a:rPr lang="en-US" dirty="0"/>
+              <a:t>You can enable push access but, given the lack of authentication, anyone on the internet who finds your project’s URL could push to that project</a:t>
+            </a:r>
+            <a:r>
+              <a:rPr lang="en-US" dirty="0" smtClean="0"/>
+              <a:t>.</a:t>
+            </a:r>
+            <a:endParaRPr lang="en-US" dirty="0"/>
+          </a:p>
+          <a:p>
+            <a:pPr marL="0" indent="0">
+              <a:buNone/>
+            </a:pPr>
+            <a:r>
+              <a:rPr lang="tr-TR" dirty="0" smtClean="0"/>
+              <a:t>-</a:t>
+            </a:r>
+            <a:r>
+              <a:rPr lang="en-US" i="1" dirty="0" smtClean="0">
+                <a:solidFill>
+                  <a:schemeClr val="accent6">
+                    <a:lumMod val="50000"/>
+                  </a:schemeClr>
+                </a:solidFill>
+              </a:rPr>
+              <a:t>The </a:t>
+            </a:r>
+            <a:r>
+              <a:rPr lang="en-US" i="1" dirty="0" err="1">
+                <a:solidFill>
+                  <a:schemeClr val="accent6">
+                    <a:lumMod val="50000"/>
+                  </a:schemeClr>
+                </a:solidFill>
+              </a:rPr>
+              <a:t>Git</a:t>
+            </a:r>
+            <a:r>
+              <a:rPr lang="en-US" i="1" dirty="0">
+                <a:solidFill>
+                  <a:schemeClr val="accent6">
+                    <a:lumMod val="50000"/>
+                  </a:schemeClr>
+                </a:solidFill>
+              </a:rPr>
+              <a:t> protocol is often the fastest network transfer protocol available</a:t>
+            </a:r>
+            <a:r>
+              <a:rPr lang="en-US" i="1" dirty="0" smtClean="0">
+                <a:solidFill>
+                  <a:schemeClr val="accent6">
+                    <a:lumMod val="50000"/>
+                  </a:schemeClr>
+                </a:solidFill>
+              </a:rPr>
+              <a:t>. It </a:t>
+            </a:r>
+            <a:r>
+              <a:rPr lang="en-US" i="1" dirty="0">
+                <a:solidFill>
+                  <a:schemeClr val="accent6">
+                    <a:lumMod val="50000"/>
+                  </a:schemeClr>
+                </a:solidFill>
+              </a:rPr>
+              <a:t>uses the same data-transfer mechanism as the SSH protocol but without the encryption and authentication overhead.</a:t>
+            </a:r>
+          </a:p>
+          <a:p>
+            <a:endParaRPr lang="en-US" dirty="0"/>
+          </a:p>
+          <a:p>
+            <a:pPr marL="0" indent="0">
+              <a:buNone/>
+            </a:pPr>
+            <a:r>
+              <a:rPr lang="tr-TR" dirty="0" smtClean="0"/>
+              <a:t>-</a:t>
+            </a:r>
+            <a:r>
+              <a:rPr lang="en-US" i="1" dirty="0" smtClean="0">
+                <a:solidFill>
+                  <a:srgbClr val="C00000"/>
+                </a:solidFill>
+              </a:rPr>
+              <a:t>The </a:t>
+            </a:r>
+            <a:r>
+              <a:rPr lang="en-US" i="1" dirty="0">
+                <a:solidFill>
+                  <a:srgbClr val="C00000"/>
+                </a:solidFill>
+              </a:rPr>
+              <a:t>downside of the </a:t>
+            </a:r>
+            <a:r>
+              <a:rPr lang="en-US" i="1" dirty="0" err="1">
+                <a:solidFill>
+                  <a:srgbClr val="C00000"/>
+                </a:solidFill>
+              </a:rPr>
+              <a:t>Git</a:t>
+            </a:r>
+            <a:r>
+              <a:rPr lang="en-US" i="1" dirty="0">
+                <a:solidFill>
+                  <a:srgbClr val="C00000"/>
+                </a:solidFill>
+              </a:rPr>
+              <a:t> protocol is the lack of authentication. It’s generally undesirable for the </a:t>
+            </a:r>
+            <a:r>
+              <a:rPr lang="en-US" i="1" dirty="0" err="1">
+                <a:solidFill>
+                  <a:srgbClr val="C00000"/>
+                </a:solidFill>
+              </a:rPr>
+              <a:t>Git</a:t>
+            </a:r>
+            <a:r>
+              <a:rPr lang="en-US" i="1" dirty="0">
+                <a:solidFill>
+                  <a:srgbClr val="C00000"/>
+                </a:solidFill>
+              </a:rPr>
+              <a:t> protocol to be the only access to your project. Generally, you’ll pair it with SSH or HTTPS access for the few developers who have push (write) access and have everyone else use git:// for read-only access. It’s also probably the most difficult protocol to set up. </a:t>
+            </a:r>
+            <a:r>
+              <a:rPr lang="en-US" i="1" dirty="0" smtClean="0">
+                <a:solidFill>
+                  <a:srgbClr val="C00000"/>
+                </a:solidFill>
+              </a:rPr>
+              <a:t>It </a:t>
+            </a:r>
+            <a:r>
+              <a:rPr lang="en-US" i="1" dirty="0">
+                <a:solidFill>
+                  <a:srgbClr val="C00000"/>
+                </a:solidFill>
+              </a:rPr>
+              <a:t>also requires firewall access to port 9418, which isn’t a standard port that corporate firewalls always allow. Behind big corporate firewalls, this obscure port is commonly blocked.</a:t>
+            </a:r>
+            <a:endParaRPr lang="tr-TR" i="1" dirty="0">
+              <a:solidFill>
+                <a:srgbClr val="C00000"/>
+              </a:solidFill>
+            </a:endParaRPr>
+          </a:p>
+        </p:txBody>
+      </p:sp>
+      <p:sp>
+        <p:nvSpPr>
+          <p:cNvPr id="4" name="Unvan 1"/>
+          <p:cNvSpPr>
+            <a:spLocks noGrp="1"/>
+          </p:cNvSpPr>
+          <p:nvPr>
+            <p:ph type="title"/>
+          </p:nvPr>
+        </p:nvSpPr>
+        <p:spPr>
+          <a:xfrm>
+            <a:off x="838200" y="145669"/>
+            <a:ext cx="10515600" cy="598043"/>
+          </a:xfrm>
+        </p:spPr>
+        <p:txBody>
+          <a:bodyPr>
+            <a:normAutofit fontScale="90000"/>
+          </a:bodyPr>
+          <a:lstStyle/>
+          <a:p>
+            <a:r>
+              <a:rPr lang="tr-TR" dirty="0" smtClean="0"/>
+              <a:t>Git </a:t>
+            </a:r>
+            <a:r>
+              <a:rPr lang="tr-TR" dirty="0" err="1" smtClean="0"/>
+              <a:t>Protocols</a:t>
+            </a:r>
+            <a:r>
+              <a:rPr lang="tr-TR" dirty="0" smtClean="0"/>
+              <a:t>  </a:t>
+            </a:r>
+            <a:r>
+              <a:rPr lang="tr-TR" dirty="0" err="1"/>
+              <a:t>to</a:t>
+            </a:r>
+            <a:r>
+              <a:rPr lang="tr-TR" dirty="0"/>
+              <a:t> transfer </a:t>
+            </a:r>
+            <a:r>
+              <a:rPr lang="tr-TR" dirty="0" smtClean="0"/>
+              <a:t>data (TCP)</a:t>
+            </a:r>
+            <a:endParaRPr lang="tr-TR" dirty="0"/>
+          </a:p>
+        </p:txBody>
+      </p:sp>
+    </p:spTree>
+    <p:extLst>
+      <p:ext uri="{BB962C8B-B14F-4D97-AF65-F5344CB8AC3E}">
+        <p14:creationId xmlns:p14="http://schemas.microsoft.com/office/powerpoint/2010/main" val="1036133934"/>
+      </p:ext>
+    </p:extLst>
+  </p:cSld>
+  <p:clrMapOvr>
+    <a:masterClrMapping/>
+  </p:clrMapOvr>
+  <p:timing>
+    <p:tnLst>
+      <p:par>
+        <p:cTn id="1" dur="indefinite" restart="never" nodeType="tmRoot"/>
+      </p:par>
+    </p:tnLst>
+  </p:timing>
+</p:sld>
+</file>
+
+<file path=ppt/slides/slide21.xml><?xml version="1.0" encoding="utf-8"?>
+<p:sld xmlns:a="http://schemas.openxmlformats.org/drawingml/2006/main" xmlns:r="http://schemas.openxmlformats.org/officeDocument/2006/relationships" xmlns:p="http://schemas.openxmlformats.org/presentationml/2006/main">
+  <p:cSld>
+    <p:spTree>
+      <p:nvGrpSpPr>
+        <p:cNvPr id="1" name=""/>
+        <p:cNvGrpSpPr/>
+        <p:nvPr/>
+      </p:nvGrpSpPr>
+      <p:grpSpPr>
+        <a:xfrm>
+          <a:off x="0" y="0"/>
+          <a:ext cx="0" cy="0"/>
+          <a:chOff x="0" y="0"/>
+          <a:chExt cx="0" cy="0"/>
+        </a:xfrm>
+      </p:grpSpPr>
+      <p:sp>
+        <p:nvSpPr>
+          <p:cNvPr id="2" name="Unvan 1"/>
+          <p:cNvSpPr>
+            <a:spLocks noGrp="1"/>
+          </p:cNvSpPr>
+          <p:nvPr>
+            <p:ph type="title"/>
+          </p:nvPr>
+        </p:nvSpPr>
+        <p:spPr>
+          <a:xfrm>
+            <a:off x="131064" y="0"/>
+            <a:ext cx="10515600" cy="610235"/>
+          </a:xfrm>
+        </p:spPr>
+        <p:txBody>
+          <a:bodyPr>
+            <a:normAutofit fontScale="90000"/>
+          </a:bodyPr>
+          <a:lstStyle/>
+          <a:p>
+            <a:r>
+              <a:rPr lang="tr-TR" dirty="0" err="1" smtClean="0"/>
+              <a:t>What</a:t>
+            </a:r>
+            <a:r>
+              <a:rPr lang="tr-TR" dirty="0" smtClean="0"/>
+              <a:t> is SVN</a:t>
+            </a:r>
+            <a:endParaRPr lang="tr-TR" dirty="0"/>
+          </a:p>
+        </p:txBody>
+      </p:sp>
+      <p:sp>
+        <p:nvSpPr>
+          <p:cNvPr id="3" name="İçerik Yer Tutucusu 2"/>
+          <p:cNvSpPr>
+            <a:spLocks noGrp="1"/>
+          </p:cNvSpPr>
+          <p:nvPr>
+            <p:ph idx="1"/>
+          </p:nvPr>
+        </p:nvSpPr>
+        <p:spPr>
+          <a:xfrm>
+            <a:off x="0" y="524256"/>
+            <a:ext cx="11353800" cy="5652707"/>
+          </a:xfrm>
+        </p:spPr>
+        <p:txBody>
+          <a:bodyPr>
+            <a:normAutofit lnSpcReduction="10000"/>
+          </a:bodyPr>
+          <a:lstStyle/>
+          <a:p>
+            <a:r>
+              <a:rPr lang="en-US" dirty="0"/>
+              <a:t>SVN stands for </a:t>
+            </a:r>
+            <a:r>
+              <a:rPr lang="en-US" b="1" dirty="0"/>
+              <a:t>Subversion</a:t>
+            </a:r>
+            <a:r>
+              <a:rPr lang="en-US" dirty="0"/>
+              <a:t>. It is called as SVN because of its commands (its command name </a:t>
+            </a:r>
+            <a:r>
+              <a:rPr lang="en-US" dirty="0" err="1"/>
+              <a:t>svn</a:t>
+            </a:r>
+            <a:r>
+              <a:rPr lang="en-US" dirty="0"/>
+              <a:t>). It is a </a:t>
+            </a:r>
+            <a:r>
+              <a:rPr lang="en-US" b="1" dirty="0"/>
+              <a:t>centralized version control system</a:t>
+            </a:r>
+            <a:r>
+              <a:rPr lang="en-US" dirty="0"/>
+              <a:t>. It is an </a:t>
+            </a:r>
+            <a:r>
+              <a:rPr lang="en-US" b="1" dirty="0"/>
+              <a:t>open-source</a:t>
+            </a:r>
+            <a:r>
+              <a:rPr lang="en-US" dirty="0"/>
+              <a:t> tool for version control</a:t>
+            </a:r>
+            <a:r>
+              <a:rPr lang="en-US" dirty="0" smtClean="0"/>
+              <a:t>.</a:t>
+            </a:r>
+            <a:endParaRPr lang="tr-TR" dirty="0" smtClean="0"/>
+          </a:p>
+          <a:p>
+            <a:r>
+              <a:rPr lang="en-US" dirty="0"/>
+              <a:t>SVN is used to manage the current and previous versions of files like source code, documentation, and files. It acts as the time machine for the developers and allows them to go </a:t>
+            </a:r>
+            <a:r>
+              <a:rPr lang="en-US" dirty="0" smtClean="0"/>
+              <a:t>bac</a:t>
+            </a:r>
+            <a:r>
+              <a:rPr lang="en-US" dirty="0"/>
+              <a:t>k and browse the history of the project</a:t>
+            </a:r>
+            <a:r>
+              <a:rPr lang="en-US" dirty="0" smtClean="0"/>
+              <a:t>.</a:t>
+            </a:r>
+            <a:endParaRPr lang="tr-TR" dirty="0" smtClean="0"/>
+          </a:p>
+          <a:p>
+            <a:r>
+              <a:rPr lang="en-US" dirty="0"/>
+              <a:t>Some other popular version control systems like </a:t>
+            </a:r>
+            <a:r>
+              <a:rPr lang="en-US" dirty="0" err="1">
+                <a:hlinkClick r:id="rId2"/>
+              </a:rPr>
+              <a:t>Git</a:t>
+            </a:r>
+            <a:r>
+              <a:rPr lang="en-US" dirty="0"/>
+              <a:t> are in trend now, but there are a large number of projects that are still running on the Subversion</a:t>
+            </a:r>
+            <a:r>
+              <a:rPr lang="en-US" dirty="0" smtClean="0"/>
+              <a:t>.</a:t>
+            </a:r>
+          </a:p>
+          <a:p>
+            <a:r>
+              <a:rPr lang="en-US" b="1" dirty="0" smtClean="0"/>
+              <a:t>Subversion</a:t>
+            </a:r>
+            <a:r>
+              <a:rPr lang="en-US" dirty="0" smtClean="0"/>
+              <a:t> is </a:t>
+            </a:r>
+            <a:r>
+              <a:rPr lang="en-US" b="1" dirty="0" smtClean="0"/>
+              <a:t>open-source</a:t>
+            </a:r>
+            <a:r>
+              <a:rPr lang="en-US" dirty="0" smtClean="0"/>
+              <a:t> and comes under the </a:t>
+            </a:r>
+            <a:r>
+              <a:rPr lang="en-US" b="1" dirty="0" smtClean="0"/>
+              <a:t>Apache License</a:t>
+            </a:r>
+            <a:r>
+              <a:rPr lang="en-US" dirty="0" smtClean="0"/>
+              <a:t>, and it was developed by </a:t>
+            </a:r>
+            <a:r>
+              <a:rPr lang="en-US" b="1" dirty="0" err="1" smtClean="0"/>
+              <a:t>CollabNet</a:t>
+            </a:r>
+            <a:r>
+              <a:rPr lang="en-US" b="1" dirty="0" smtClean="0"/>
+              <a:t> </a:t>
+            </a:r>
+            <a:r>
+              <a:rPr lang="en-US" b="1" dirty="0" err="1" smtClean="0"/>
+              <a:t>Inc</a:t>
+            </a:r>
+            <a:r>
+              <a:rPr lang="en-US" b="1" dirty="0" smtClean="0"/>
+              <a:t> </a:t>
+            </a:r>
+            <a:r>
+              <a:rPr lang="en-US" dirty="0" smtClean="0"/>
+              <a:t>in 2000. It was operated much like CVS (Concurrent versions system). In 2009, </a:t>
+            </a:r>
+            <a:r>
+              <a:rPr lang="en-US" b="1" dirty="0" smtClean="0"/>
+              <a:t>Apache Incubator</a:t>
+            </a:r>
+            <a:r>
+              <a:rPr lang="en-US" dirty="0" smtClean="0"/>
+              <a:t> accepted it and made it a top-level apache product.</a:t>
+            </a:r>
+          </a:p>
+        </p:txBody>
+      </p:sp>
+    </p:spTree>
+    <p:extLst>
+      <p:ext uri="{BB962C8B-B14F-4D97-AF65-F5344CB8AC3E}">
+        <p14:creationId xmlns:p14="http://schemas.microsoft.com/office/powerpoint/2010/main" val="1340163576"/>
+      </p:ext>
+    </p:extLst>
+  </p:cSld>
+  <p:clrMapOvr>
+    <a:masterClrMapping/>
+  </p:clrMapOvr>
+  <p:timing>
+    <p:tnLst>
+      <p:par>
+        <p:cTn id="1" dur="indefinite" restart="never" nodeType="tmRoot"/>
+      </p:par>
+    </p:tnLst>
+  </p:timing>
+</p:sld>
+</file>
+
+<file path=ppt/slides/slide22.xml><?xml version="1.0" encoding="utf-8"?>
+<p:sld xmlns:a="http://schemas.openxmlformats.org/drawingml/2006/main" xmlns:r="http://schemas.openxmlformats.org/officeDocument/2006/relationships" xmlns:p="http://schemas.openxmlformats.org/presentationml/2006/main">
+  <p:cSld>
+    <p:spTree>
+      <p:nvGrpSpPr>
+        <p:cNvPr id="1" name=""/>
+        <p:cNvGrpSpPr/>
+        <p:nvPr/>
+      </p:nvGrpSpPr>
+      <p:grpSpPr>
+        <a:xfrm>
+          <a:off x="0" y="0"/>
+          <a:ext cx="0" cy="0"/>
+          <a:chOff x="0" y="0"/>
+          <a:chExt cx="0" cy="0"/>
+        </a:xfrm>
+      </p:grpSpPr>
+      <p:sp>
+        <p:nvSpPr>
+          <p:cNvPr id="2" name="Unvan 1"/>
+          <p:cNvSpPr>
+            <a:spLocks noGrp="1"/>
+          </p:cNvSpPr>
+          <p:nvPr>
+            <p:ph type="title"/>
+          </p:nvPr>
+        </p:nvSpPr>
+        <p:spPr>
+          <a:xfrm>
+            <a:off x="280416" y="133477"/>
+            <a:ext cx="11073384" cy="451739"/>
+          </a:xfrm>
+        </p:spPr>
+        <p:txBody>
+          <a:bodyPr>
+            <a:normAutofit fontScale="90000"/>
+          </a:bodyPr>
+          <a:lstStyle/>
+          <a:p>
+            <a:r>
+              <a:rPr lang="tr-TR" dirty="0" smtClean="0"/>
+              <a:t>SVN</a:t>
+            </a:r>
+            <a:endParaRPr lang="tr-TR" dirty="0"/>
+          </a:p>
+        </p:txBody>
+      </p:sp>
+      <p:sp>
+        <p:nvSpPr>
+          <p:cNvPr id="3" name="İçerik Yer Tutucusu 2"/>
+          <p:cNvSpPr>
+            <a:spLocks noGrp="1"/>
+          </p:cNvSpPr>
+          <p:nvPr>
+            <p:ph idx="1"/>
+          </p:nvPr>
+        </p:nvSpPr>
+        <p:spPr>
+          <a:xfrm>
+            <a:off x="280416" y="585216"/>
+            <a:ext cx="11073384" cy="6272784"/>
+          </a:xfrm>
+        </p:spPr>
+        <p:txBody>
+          <a:bodyPr/>
+          <a:lstStyle/>
+          <a:p>
+            <a:pPr marL="0" indent="0">
+              <a:buNone/>
+            </a:pPr>
+            <a:r>
+              <a:rPr lang="en-US" dirty="0"/>
+              <a:t>The features of SVN are as follows:</a:t>
+            </a:r>
+          </a:p>
+          <a:p>
+            <a:r>
+              <a:rPr lang="en-US" sz="1800" dirty="0"/>
+              <a:t>It supports atomic commits (Either it will occur or not).</a:t>
+            </a:r>
+          </a:p>
+          <a:p>
+            <a:r>
+              <a:rPr lang="en-US" sz="1800" dirty="0"/>
+              <a:t>It keeps a full revision history.</a:t>
+            </a:r>
+          </a:p>
+          <a:p>
+            <a:r>
+              <a:rPr lang="en-US" sz="1800" dirty="0"/>
+              <a:t>It supports Internationalized program message.</a:t>
+            </a:r>
+          </a:p>
+          <a:p>
+            <a:r>
+              <a:rPr lang="en-US" sz="1800" dirty="0"/>
+              <a:t>It provides file locking for the files that cannot be merged.</a:t>
+            </a:r>
+          </a:p>
+          <a:p>
+            <a:endParaRPr lang="tr-TR" dirty="0"/>
+          </a:p>
+        </p:txBody>
+      </p:sp>
+      <p:pic>
+        <p:nvPicPr>
+          <p:cNvPr id="4" name="Resim 3"/>
+          <p:cNvPicPr>
+            <a:picLocks noChangeAspect="1"/>
+          </p:cNvPicPr>
+          <p:nvPr/>
+        </p:nvPicPr>
+        <p:blipFill>
+          <a:blip r:embed="rId2"/>
+          <a:stretch>
+            <a:fillRect/>
+          </a:stretch>
+        </p:blipFill>
+        <p:spPr>
+          <a:xfrm>
+            <a:off x="280416" y="2627429"/>
+            <a:ext cx="4584001" cy="3574553"/>
+          </a:xfrm>
+          <a:prstGeom prst="rect">
+            <a:avLst/>
+          </a:prstGeom>
+        </p:spPr>
+      </p:pic>
+      <p:sp>
+        <p:nvSpPr>
+          <p:cNvPr id="5" name="Dikdörtgen 4"/>
+          <p:cNvSpPr/>
+          <p:nvPr/>
+        </p:nvSpPr>
+        <p:spPr>
+          <a:xfrm>
+            <a:off x="5061108" y="2627429"/>
+            <a:ext cx="6096000" cy="1754326"/>
+          </a:xfrm>
+          <a:prstGeom prst="rect">
+            <a:avLst/>
+          </a:prstGeom>
+        </p:spPr>
+        <p:txBody>
+          <a:bodyPr>
+            <a:spAutoFit/>
+          </a:bodyPr>
+          <a:lstStyle/>
+          <a:p>
+            <a:pPr algn="just"/>
+            <a:r>
+              <a:rPr lang="en-US" dirty="0">
+                <a:solidFill>
+                  <a:srgbClr val="333333"/>
+                </a:solidFill>
+                <a:latin typeface="inter-regular"/>
+              </a:rPr>
+              <a:t>The usage of SVN server is as follows:</a:t>
+            </a:r>
+          </a:p>
+          <a:p>
+            <a:pPr algn="just">
+              <a:buFont typeface="Arial" panose="020B0604020202020204" pitchFamily="34" charset="0"/>
+              <a:buChar char="•"/>
+            </a:pPr>
+            <a:r>
+              <a:rPr lang="en-US" dirty="0">
+                <a:solidFill>
+                  <a:srgbClr val="000000"/>
+                </a:solidFill>
+                <a:latin typeface="inter-regular"/>
+              </a:rPr>
+              <a:t>It provides security to customer.</a:t>
+            </a:r>
+          </a:p>
+          <a:p>
+            <a:pPr algn="just">
+              <a:buFont typeface="Arial" panose="020B0604020202020204" pitchFamily="34" charset="0"/>
+              <a:buChar char="•"/>
+            </a:pPr>
+            <a:r>
+              <a:rPr lang="en-US" dirty="0">
+                <a:solidFill>
+                  <a:srgbClr val="000000"/>
+                </a:solidFill>
+                <a:latin typeface="inter-regular"/>
+              </a:rPr>
+              <a:t>It offers remote access.</a:t>
+            </a:r>
+          </a:p>
+          <a:p>
+            <a:pPr algn="just">
+              <a:buFont typeface="Arial" panose="020B0604020202020204" pitchFamily="34" charset="0"/>
+              <a:buChar char="•"/>
+            </a:pPr>
+            <a:r>
+              <a:rPr lang="en-US" dirty="0">
+                <a:solidFill>
+                  <a:srgbClr val="000000"/>
+                </a:solidFill>
+                <a:latin typeface="inter-regular"/>
+              </a:rPr>
+              <a:t>It provides the read and write access to multiple destinations through the SVN client-server.</a:t>
+            </a:r>
+          </a:p>
+          <a:p>
+            <a:pPr algn="just">
+              <a:buFont typeface="Arial" panose="020B0604020202020204" pitchFamily="34" charset="0"/>
+              <a:buChar char="•"/>
+            </a:pPr>
+            <a:r>
+              <a:rPr lang="en-US" dirty="0">
+                <a:solidFill>
+                  <a:srgbClr val="000000"/>
+                </a:solidFill>
+                <a:latin typeface="inter-regular"/>
+              </a:rPr>
+              <a:t>It can store the complete version of the requirements.</a:t>
+            </a:r>
+            <a:endParaRPr lang="en-US" b="0" i="0" dirty="0">
+              <a:solidFill>
+                <a:srgbClr val="000000"/>
+              </a:solidFill>
+              <a:effectLst/>
+              <a:latin typeface="inter-regular"/>
+            </a:endParaRPr>
+          </a:p>
+        </p:txBody>
+      </p:sp>
+      <p:sp>
+        <p:nvSpPr>
+          <p:cNvPr id="6" name="Dikdörtgen 5"/>
+          <p:cNvSpPr/>
+          <p:nvPr/>
+        </p:nvSpPr>
+        <p:spPr>
+          <a:xfrm>
+            <a:off x="5061108" y="4724654"/>
+            <a:ext cx="6096000" cy="1477328"/>
+          </a:xfrm>
+          <a:prstGeom prst="rect">
+            <a:avLst/>
+          </a:prstGeom>
+        </p:spPr>
+        <p:txBody>
+          <a:bodyPr>
+            <a:spAutoFit/>
+          </a:bodyPr>
+          <a:lstStyle/>
+          <a:p>
+            <a:pPr algn="just"/>
+            <a:r>
+              <a:rPr lang="en-US" dirty="0">
+                <a:solidFill>
+                  <a:srgbClr val="333333"/>
+                </a:solidFill>
+                <a:latin typeface="inter-regular"/>
+              </a:rPr>
+              <a:t>The usage of SVN client is as follows:</a:t>
+            </a:r>
+          </a:p>
+          <a:p>
+            <a:pPr algn="just">
+              <a:buFont typeface="Arial" panose="020B0604020202020204" pitchFamily="34" charset="0"/>
+              <a:buChar char="•"/>
+            </a:pPr>
+            <a:r>
+              <a:rPr lang="en-US" dirty="0">
+                <a:solidFill>
+                  <a:srgbClr val="000000"/>
+                </a:solidFill>
+                <a:latin typeface="inter-regular"/>
+              </a:rPr>
+              <a:t>It communicates with the SVN server.</a:t>
+            </a:r>
+          </a:p>
+          <a:p>
+            <a:pPr algn="just">
+              <a:buFont typeface="Arial" panose="020B0604020202020204" pitchFamily="34" charset="0"/>
+              <a:buChar char="•"/>
+            </a:pPr>
+            <a:r>
+              <a:rPr lang="en-US" dirty="0">
+                <a:solidFill>
+                  <a:srgbClr val="000000"/>
+                </a:solidFill>
+                <a:latin typeface="inter-regular"/>
+              </a:rPr>
+              <a:t>It provides remote and manual access.</a:t>
+            </a:r>
+          </a:p>
+          <a:p>
+            <a:pPr algn="just">
+              <a:buFont typeface="Arial" panose="020B0604020202020204" pitchFamily="34" charset="0"/>
+              <a:buChar char="•"/>
+            </a:pPr>
+            <a:r>
+              <a:rPr lang="en-US" dirty="0">
+                <a:solidFill>
+                  <a:srgbClr val="000000"/>
+                </a:solidFill>
+                <a:latin typeface="inter-regular"/>
+              </a:rPr>
+              <a:t>It provides the interface.</a:t>
+            </a:r>
+          </a:p>
+          <a:p>
+            <a:pPr algn="just">
+              <a:buFont typeface="Arial" panose="020B0604020202020204" pitchFamily="34" charset="0"/>
+              <a:buChar char="•"/>
+            </a:pPr>
+            <a:r>
+              <a:rPr lang="en-US" dirty="0">
+                <a:solidFill>
+                  <a:srgbClr val="000000"/>
+                </a:solidFill>
+                <a:latin typeface="inter-regular"/>
+              </a:rPr>
+              <a:t>It is free and open-source.</a:t>
+            </a:r>
+            <a:endParaRPr lang="en-US" b="0" i="0" dirty="0">
+              <a:solidFill>
+                <a:srgbClr val="000000"/>
+              </a:solidFill>
+              <a:effectLst/>
+              <a:latin typeface="inter-regular"/>
+            </a:endParaRPr>
+          </a:p>
+        </p:txBody>
+      </p:sp>
+    </p:spTree>
+    <p:extLst>
+      <p:ext uri="{BB962C8B-B14F-4D97-AF65-F5344CB8AC3E}">
+        <p14:creationId xmlns:p14="http://schemas.microsoft.com/office/powerpoint/2010/main" val="3719922256"/>
+      </p:ext>
+    </p:extLst>
+  </p:cSld>
+  <p:clrMapOvr>
+    <a:masterClrMapping/>
+  </p:clrMapOvr>
+  <p:timing>
+    <p:tnLst>
+      <p:par>
+        <p:cTn id="1" dur="indefinite" restart="never" nodeType="tmRoot"/>
+      </p:par>
+    </p:tnLst>
+  </p:timing>
+</p:sld>
+</file>
+
+<file path=ppt/slides/slide23.xml><?xml version="1.0" encoding="utf-8"?>
+<p:sld xmlns:a="http://schemas.openxmlformats.org/drawingml/2006/main" xmlns:r="http://schemas.openxmlformats.org/officeDocument/2006/relationships" xmlns:p="http://schemas.openxmlformats.org/presentationml/2006/main">
+  <p:cSld>
+    <p:spTree>
+      <p:nvGrpSpPr>
+        <p:cNvPr id="1" name=""/>
+        <p:cNvGrpSpPr/>
+        <p:nvPr/>
+      </p:nvGrpSpPr>
+      <p:grpSpPr>
+        <a:xfrm>
+          <a:off x="0" y="0"/>
+          <a:ext cx="0" cy="0"/>
+          <a:chOff x="0" y="0"/>
+          <a:chExt cx="0" cy="0"/>
+        </a:xfrm>
+      </p:grpSpPr>
+      <p:sp>
+        <p:nvSpPr>
+          <p:cNvPr id="2" name="Unvan 1"/>
+          <p:cNvSpPr>
+            <a:spLocks noGrp="1"/>
+          </p:cNvSpPr>
+          <p:nvPr>
+            <p:ph type="title"/>
+          </p:nvPr>
+        </p:nvSpPr>
+        <p:spPr>
+          <a:xfrm>
+            <a:off x="426720" y="365125"/>
+            <a:ext cx="10927080" cy="707771"/>
+          </a:xfrm>
+        </p:spPr>
+        <p:txBody>
+          <a:bodyPr/>
+          <a:lstStyle/>
+          <a:p>
+            <a:r>
+              <a:rPr lang="tr-TR" dirty="0" err="1" smtClean="0"/>
+              <a:t>Svn</a:t>
+            </a:r>
+            <a:r>
+              <a:rPr lang="tr-TR" dirty="0" smtClean="0"/>
+              <a:t> </a:t>
+            </a:r>
+            <a:r>
+              <a:rPr lang="tr-TR" dirty="0" err="1"/>
+              <a:t>Protocols</a:t>
+            </a:r>
+            <a:r>
+              <a:rPr lang="tr-TR" dirty="0"/>
+              <a:t>  </a:t>
+            </a:r>
+            <a:r>
+              <a:rPr lang="tr-TR" dirty="0" err="1"/>
+              <a:t>to</a:t>
+            </a:r>
+            <a:r>
+              <a:rPr lang="tr-TR" dirty="0"/>
+              <a:t> transfer data (TCP)</a:t>
+            </a:r>
+          </a:p>
+        </p:txBody>
+      </p:sp>
+      <p:sp>
+        <p:nvSpPr>
+          <p:cNvPr id="3" name="İçerik Yer Tutucusu 2"/>
+          <p:cNvSpPr>
+            <a:spLocks noGrp="1"/>
+          </p:cNvSpPr>
+          <p:nvPr>
+            <p:ph idx="1"/>
+          </p:nvPr>
+        </p:nvSpPr>
+        <p:spPr>
+          <a:xfrm>
+            <a:off x="426720" y="1072896"/>
+            <a:ext cx="10927080" cy="5104067"/>
+          </a:xfrm>
+        </p:spPr>
+        <p:txBody>
+          <a:bodyPr>
+            <a:normAutofit lnSpcReduction="10000"/>
+          </a:bodyPr>
+          <a:lstStyle/>
+          <a:p>
+            <a:r>
+              <a:rPr lang="tr-TR" dirty="0">
+                <a:hlinkClick r:id="rId2"/>
+              </a:rPr>
+              <a:t>http://repos</a:t>
+            </a:r>
+            <a:endParaRPr lang="tr-TR" dirty="0"/>
+          </a:p>
+          <a:p>
+            <a:pPr marL="0" indent="0">
+              <a:buNone/>
+            </a:pPr>
+            <a:r>
+              <a:rPr lang="en-US" dirty="0"/>
+              <a:t>http:// has a serious overhead, especially when dealing with thousands of small files.</a:t>
+            </a:r>
+            <a:endParaRPr lang="tr-TR" dirty="0"/>
+          </a:p>
+          <a:p>
+            <a:r>
+              <a:rPr lang="tr-TR" dirty="0">
+                <a:hlinkClick r:id="rId3"/>
+              </a:rPr>
+              <a:t>https://repos</a:t>
+            </a:r>
+            <a:endParaRPr lang="tr-TR" dirty="0"/>
+          </a:p>
+          <a:p>
+            <a:pPr marL="0" indent="0">
+              <a:buNone/>
+            </a:pPr>
+            <a:r>
+              <a:rPr lang="en-US" dirty="0"/>
+              <a:t>preferably https because of the encryption-and-authentication </a:t>
+            </a:r>
+            <a:r>
+              <a:rPr lang="en-US" dirty="0" smtClean="0"/>
+              <a:t>layer</a:t>
+            </a:r>
+            <a:endParaRPr lang="tr-TR" dirty="0" smtClean="0"/>
+          </a:p>
+          <a:p>
+            <a:r>
+              <a:rPr lang="tr-TR" dirty="0" smtClean="0"/>
+              <a:t>svn</a:t>
+            </a:r>
+            <a:r>
+              <a:rPr lang="tr-TR" dirty="0"/>
+              <a:t>://</a:t>
+            </a:r>
+            <a:r>
+              <a:rPr lang="tr-TR" dirty="0" smtClean="0"/>
+              <a:t>repos</a:t>
+            </a:r>
+          </a:p>
+          <a:p>
+            <a:pPr marL="0" indent="0">
+              <a:buNone/>
+            </a:pPr>
+            <a:r>
+              <a:rPr lang="en-US" dirty="0"/>
+              <a:t>svn:// or </a:t>
+            </a:r>
+            <a:r>
+              <a:rPr lang="en-US" dirty="0" err="1"/>
+              <a:t>svn+ssh</a:t>
+            </a:r>
+            <a:r>
+              <a:rPr lang="en-US" dirty="0"/>
+              <a:t>:// are faster than HTTP(S)</a:t>
+            </a:r>
+            <a:endParaRPr lang="tr-TR" dirty="0"/>
+          </a:p>
+          <a:p>
+            <a:r>
+              <a:rPr lang="tr-TR" dirty="0" err="1"/>
+              <a:t>svn+ssh</a:t>
+            </a:r>
+            <a:r>
+              <a:rPr lang="tr-TR" dirty="0"/>
+              <a:t>://</a:t>
+            </a:r>
+            <a:r>
+              <a:rPr lang="tr-TR" dirty="0" err="1" smtClean="0"/>
+              <a:t>repos</a:t>
+            </a:r>
+            <a:endParaRPr lang="tr-TR" dirty="0" smtClean="0"/>
+          </a:p>
+          <a:p>
+            <a:pPr marL="0" indent="0">
+              <a:buNone/>
+            </a:pPr>
+            <a:r>
+              <a:rPr lang="en-US" dirty="0" err="1"/>
+              <a:t>svn+ssh</a:t>
+            </a:r>
+            <a:r>
+              <a:rPr lang="en-US" dirty="0"/>
+              <a:t> is the </a:t>
+            </a:r>
+            <a:r>
+              <a:rPr lang="en-US" dirty="0" err="1"/>
+              <a:t>svn</a:t>
+            </a:r>
+            <a:r>
+              <a:rPr lang="en-US" dirty="0"/>
+              <a:t> protocol run inside a SSH tunnel. The client uses SSH to log on the remote server and remotely runs the </a:t>
+            </a:r>
+            <a:r>
+              <a:rPr lang="en-US" dirty="0" err="1"/>
+              <a:t>svn</a:t>
+            </a:r>
+            <a:r>
+              <a:rPr lang="en-US" dirty="0"/>
+              <a:t> command in that tunnel</a:t>
+            </a:r>
+            <a:r>
+              <a:rPr lang="en-US" dirty="0" smtClean="0"/>
+              <a:t>.</a:t>
+            </a:r>
+            <a:endParaRPr lang="tr-TR" dirty="0"/>
+          </a:p>
+        </p:txBody>
+      </p:sp>
+    </p:spTree>
+    <p:extLst>
+      <p:ext uri="{BB962C8B-B14F-4D97-AF65-F5344CB8AC3E}">
+        <p14:creationId xmlns:p14="http://schemas.microsoft.com/office/powerpoint/2010/main" val="2280933582"/>
+      </p:ext>
+    </p:extLst>
+  </p:cSld>
+  <p:clrMapOvr>
+    <a:masterClrMapping/>
+  </p:clrMapOvr>
+  <p:timing>
+    <p:tnLst>
+      <p:par>
+        <p:cTn id="1" dur="indefinite" restart="never" nodeType="tmRoot"/>
+      </p:par>
+    </p:tnLst>
+  </p:timing>
+</p:sld>
+</file>
+
+<file path=ppt/slides/slide24.xml><?xml version="1.0" encoding="utf-8"?>
+<p:sld xmlns:a="http://schemas.openxmlformats.org/drawingml/2006/main" xmlns:r="http://schemas.openxmlformats.org/officeDocument/2006/relationships" xmlns:p="http://schemas.openxmlformats.org/presentationml/2006/main">
+  <p:cSld>
+    <p:spTree>
+      <p:nvGrpSpPr>
+        <p:cNvPr id="1" name=""/>
+        <p:cNvGrpSpPr/>
+        <p:nvPr/>
+      </p:nvGrpSpPr>
+      <p:grpSpPr>
+        <a:xfrm>
+          <a:off x="0" y="0"/>
+          <a:ext cx="0" cy="0"/>
+          <a:chOff x="0" y="0"/>
+          <a:chExt cx="0" cy="0"/>
+        </a:xfrm>
+      </p:grpSpPr>
+      <p:graphicFrame>
+        <p:nvGraphicFramePr>
+          <p:cNvPr id="4" name="İçerik Yer Tutucusu 3"/>
+          <p:cNvGraphicFramePr>
+            <a:graphicFrameLocks noGrp="1"/>
+          </p:cNvGraphicFramePr>
+          <p:nvPr>
+            <p:ph idx="1"/>
+            <p:extLst>
+              <p:ext uri="{D42A27DB-BD31-4B8C-83A1-F6EECF244321}">
+                <p14:modId xmlns:p14="http://schemas.microsoft.com/office/powerpoint/2010/main" val="2241436926"/>
+              </p:ext>
+            </p:extLst>
+          </p:nvPr>
+        </p:nvGraphicFramePr>
+        <p:xfrm>
+          <a:off x="-3" y="-2"/>
+          <a:ext cx="12192002" cy="6898972"/>
+        </p:xfrm>
+        <a:graphic>
+          <a:graphicData uri="http://schemas.openxmlformats.org/drawingml/2006/table">
+            <a:tbl>
+              <a:tblPr/>
+              <a:tblGrid>
+                <a:gridCol w="6096001">
+                  <a:extLst>
+                    <a:ext uri="{9D8B030D-6E8A-4147-A177-3AD203B41FA5}">
+                      <a16:colId xmlns:a16="http://schemas.microsoft.com/office/drawing/2014/main" val="1945519436"/>
+                    </a:ext>
+                  </a:extLst>
+                </a:gridCol>
+                <a:gridCol w="6096001">
+                  <a:extLst>
+                    <a:ext uri="{9D8B030D-6E8A-4147-A177-3AD203B41FA5}">
+                      <a16:colId xmlns:a16="http://schemas.microsoft.com/office/drawing/2014/main" val="3098696905"/>
+                    </a:ext>
+                  </a:extLst>
+                </a:gridCol>
+              </a:tblGrid>
+              <a:tr h="359799">
+                <a:tc>
+                  <a:txBody>
+                    <a:bodyPr/>
+                    <a:lstStyle/>
+                    <a:p>
+                      <a:pPr algn="l" fontAlgn="t"/>
+                      <a:r>
+                        <a:rPr lang="tr-TR" sz="1600">
+                          <a:solidFill>
+                            <a:srgbClr val="000000"/>
+                          </a:solidFill>
+                          <a:effectLst/>
+                          <a:latin typeface="+mn-lt"/>
+                        </a:rPr>
+                        <a:t>SVN</a:t>
+                      </a:r>
+                    </a:p>
+                  </a:txBody>
+                  <a:tcPr marL="65513" marR="65513" marT="65513" marB="65513">
+                    <a:lnL w="9525" cap="flat" cmpd="sng" algn="ctr">
+                      <a:solidFill>
+                        <a:srgbClr val="2098DD"/>
+                      </a:solidFill>
+                      <a:prstDash val="solid"/>
+                      <a:round/>
+                      <a:headEnd type="none" w="med" len="med"/>
+                      <a:tailEnd type="none" w="med" len="med"/>
+                    </a:lnL>
+                    <a:lnR w="9525" cap="flat" cmpd="sng" algn="ctr">
+                      <a:solidFill>
+                        <a:srgbClr val="2098DD"/>
+                      </a:solidFill>
+                      <a:prstDash val="solid"/>
+                      <a:round/>
+                      <a:headEnd type="none" w="med" len="med"/>
+                      <a:tailEnd type="none" w="med" len="med"/>
+                    </a:lnR>
+                    <a:lnT w="9525" cap="flat" cmpd="sng" algn="ctr">
+                      <a:solidFill>
+                        <a:srgbClr val="2098DD"/>
+                      </a:solidFill>
+                      <a:prstDash val="solid"/>
+                      <a:round/>
+                      <a:headEnd type="none" w="med" len="med"/>
+                      <a:tailEnd type="none" w="med" len="med"/>
+                    </a:lnT>
+                    <a:lnB w="9525" cap="flat" cmpd="sng" algn="ctr">
+                      <a:solidFill>
+                        <a:srgbClr val="C7CCBE"/>
+                      </a:solidFill>
+                      <a:prstDash val="solid"/>
+                      <a:round/>
+                      <a:headEnd type="none" w="med" len="med"/>
+                      <a:tailEnd type="none" w="med" len="med"/>
+                    </a:lnB>
+                    <a:solidFill>
+                      <a:srgbClr val="C7CCBE"/>
+                    </a:solidFill>
+                  </a:tcPr>
+                </a:tc>
+                <a:tc>
+                  <a:txBody>
+                    <a:bodyPr/>
+                    <a:lstStyle/>
+                    <a:p>
+                      <a:pPr algn="l" fontAlgn="t"/>
+                      <a:r>
+                        <a:rPr lang="tr-TR" sz="1600">
+                          <a:solidFill>
+                            <a:srgbClr val="000000"/>
+                          </a:solidFill>
+                          <a:effectLst/>
+                          <a:latin typeface="+mn-lt"/>
+                        </a:rPr>
+                        <a:t>Git</a:t>
+                      </a:r>
+                    </a:p>
+                  </a:txBody>
+                  <a:tcPr marL="65513" marR="65513" marT="65513" marB="65513">
+                    <a:lnL w="9525" cap="flat" cmpd="sng" algn="ctr">
+                      <a:solidFill>
+                        <a:srgbClr val="2098DD"/>
+                      </a:solidFill>
+                      <a:prstDash val="solid"/>
+                      <a:round/>
+                      <a:headEnd type="none" w="med" len="med"/>
+                      <a:tailEnd type="none" w="med" len="med"/>
+                    </a:lnL>
+                    <a:lnR w="9525" cap="flat" cmpd="sng" algn="ctr">
+                      <a:solidFill>
+                        <a:srgbClr val="2098DD"/>
+                      </a:solidFill>
+                      <a:prstDash val="solid"/>
+                      <a:round/>
+                      <a:headEnd type="none" w="med" len="med"/>
+                      <a:tailEnd type="none" w="med" len="med"/>
+                    </a:lnR>
+                    <a:lnT w="9525" cap="flat" cmpd="sng" algn="ctr">
+                      <a:solidFill>
+                        <a:srgbClr val="2098DD"/>
+                      </a:solidFill>
+                      <a:prstDash val="solid"/>
+                      <a:round/>
+                      <a:headEnd type="none" w="med" len="med"/>
+                      <a:tailEnd type="none" w="med" len="med"/>
+                    </a:lnT>
+                    <a:lnB w="9525" cap="flat" cmpd="sng" algn="ctr">
+                      <a:solidFill>
+                        <a:srgbClr val="C7CCBE"/>
+                      </a:solidFill>
+                      <a:prstDash val="solid"/>
+                      <a:round/>
+                      <a:headEnd type="none" w="med" len="med"/>
+                      <a:tailEnd type="none" w="med" len="med"/>
+                    </a:lnB>
+                    <a:solidFill>
+                      <a:srgbClr val="C7CCBE"/>
+                    </a:solidFill>
+                  </a:tcPr>
+                </a:tc>
+                <a:extLst>
+                  <a:ext uri="{0D108BD9-81ED-4DB2-BD59-A6C34878D82A}">
+                    <a16:rowId xmlns:a16="http://schemas.microsoft.com/office/drawing/2014/main" val="3732776804"/>
+                  </a:ext>
+                </a:extLst>
+              </a:tr>
+              <a:tr h="501539">
+                <a:tc>
+                  <a:txBody>
+                    <a:bodyPr/>
+                    <a:lstStyle/>
+                    <a:p>
+                      <a:pPr algn="just" fontAlgn="t"/>
+                      <a:r>
+                        <a:rPr lang="en-US" sz="1600" dirty="0">
+                          <a:solidFill>
+                            <a:srgbClr val="333333"/>
+                          </a:solidFill>
+                          <a:effectLst/>
+                          <a:latin typeface="+mn-lt"/>
+                        </a:rPr>
+                        <a:t>It's a Centralized version control system</a:t>
+                      </a:r>
+                    </a:p>
+                  </a:txBody>
+                  <a:tcPr marL="43675" marR="43675" marT="43675" marB="43675">
+                    <a:lnL w="9525" cap="flat" cmpd="sng" algn="ctr">
+                      <a:solidFill>
+                        <a:srgbClr val="C7CCBE"/>
+                      </a:solidFill>
+                      <a:prstDash val="solid"/>
+                      <a:round/>
+                      <a:headEnd type="none" w="med" len="med"/>
+                      <a:tailEnd type="none" w="med" len="med"/>
+                    </a:lnL>
+                    <a:lnR w="9525" cap="flat" cmpd="sng" algn="ctr">
+                      <a:solidFill>
+                        <a:srgbClr val="C7CCBE"/>
+                      </a:solidFill>
+                      <a:prstDash val="solid"/>
+                      <a:round/>
+                      <a:headEnd type="none" w="med" len="med"/>
+                      <a:tailEnd type="none" w="med" len="med"/>
+                    </a:lnR>
+                    <a:lnT w="9525" cap="flat" cmpd="sng" algn="ctr">
+                      <a:solidFill>
+                        <a:srgbClr val="C7CCBE"/>
+                      </a:solidFill>
+                      <a:prstDash val="solid"/>
+                      <a:round/>
+                      <a:headEnd type="none" w="med" len="med"/>
+                      <a:tailEnd type="none" w="med" len="med"/>
+                    </a:lnT>
+                    <a:lnB w="9525" cap="flat" cmpd="sng" algn="ctr">
+                      <a:solidFill>
+                        <a:srgbClr val="C7CCBE"/>
+                      </a:solidFill>
+                      <a:prstDash val="solid"/>
+                      <a:round/>
+                      <a:headEnd type="none" w="med" len="med"/>
+                      <a:tailEnd type="none" w="med" len="med"/>
+                    </a:lnB>
+                    <a:solidFill>
+                      <a:srgbClr val="FFFFFF"/>
+                    </a:solidFill>
+                  </a:tcPr>
+                </a:tc>
+                <a:tc>
+                  <a:txBody>
+                    <a:bodyPr/>
+                    <a:lstStyle/>
+                    <a:p>
+                      <a:pPr algn="just" fontAlgn="t"/>
+                      <a:r>
+                        <a:rPr lang="en-US" sz="1600">
+                          <a:solidFill>
+                            <a:srgbClr val="333333"/>
+                          </a:solidFill>
+                          <a:effectLst/>
+                          <a:latin typeface="+mn-lt"/>
+                        </a:rPr>
+                        <a:t>It's a distributed version control system.</a:t>
+                      </a:r>
+                    </a:p>
+                  </a:txBody>
+                  <a:tcPr marL="43675" marR="43675" marT="43675" marB="43675">
+                    <a:lnL w="9525" cap="flat" cmpd="sng" algn="ctr">
+                      <a:solidFill>
+                        <a:srgbClr val="C7CCBE"/>
+                      </a:solidFill>
+                      <a:prstDash val="solid"/>
+                      <a:round/>
+                      <a:headEnd type="none" w="med" len="med"/>
+                      <a:tailEnd type="none" w="med" len="med"/>
+                    </a:lnL>
+                    <a:lnR w="9525" cap="flat" cmpd="sng" algn="ctr">
+                      <a:solidFill>
+                        <a:srgbClr val="C7CCBE"/>
+                      </a:solidFill>
+                      <a:prstDash val="solid"/>
+                      <a:round/>
+                      <a:headEnd type="none" w="med" len="med"/>
+                      <a:tailEnd type="none" w="med" len="med"/>
+                    </a:lnR>
+                    <a:lnT w="9525" cap="flat" cmpd="sng" algn="ctr">
+                      <a:solidFill>
+                        <a:srgbClr val="C7CCBE"/>
+                      </a:solidFill>
+                      <a:prstDash val="solid"/>
+                      <a:round/>
+                      <a:headEnd type="none" w="med" len="med"/>
+                      <a:tailEnd type="none" w="med" len="med"/>
+                    </a:lnT>
+                    <a:lnB w="9525" cap="flat" cmpd="sng" algn="ctr">
+                      <a:solidFill>
+                        <a:srgbClr val="C7CCBE"/>
+                      </a:solidFill>
+                      <a:prstDash val="solid"/>
+                      <a:round/>
+                      <a:headEnd type="none" w="med" len="med"/>
+                      <a:tailEnd type="none" w="med" len="med"/>
+                    </a:lnB>
+                    <a:solidFill>
+                      <a:srgbClr val="FFFFFF"/>
+                    </a:solidFill>
+                  </a:tcPr>
+                </a:tc>
+                <a:extLst>
+                  <a:ext uri="{0D108BD9-81ED-4DB2-BD59-A6C34878D82A}">
+                    <a16:rowId xmlns:a16="http://schemas.microsoft.com/office/drawing/2014/main" val="1877309863"/>
+                  </a:ext>
+                </a:extLst>
+              </a:tr>
+              <a:tr h="501539">
+                <a:tc>
+                  <a:txBody>
+                    <a:bodyPr/>
+                    <a:lstStyle/>
+                    <a:p>
+                      <a:pPr algn="just" fontAlgn="t"/>
+                      <a:r>
+                        <a:rPr lang="tr-TR" sz="1600">
+                          <a:solidFill>
+                            <a:srgbClr val="333333"/>
+                          </a:solidFill>
+                          <a:effectLst/>
+                          <a:latin typeface="+mn-lt"/>
+                        </a:rPr>
+                        <a:t>It is revision control.</a:t>
+                      </a:r>
+                    </a:p>
+                  </a:txBody>
+                  <a:tcPr marL="43675" marR="43675" marT="43675" marB="43675">
+                    <a:lnL w="9525" cap="flat" cmpd="sng" algn="ctr">
+                      <a:solidFill>
+                        <a:srgbClr val="C7CCBE"/>
+                      </a:solidFill>
+                      <a:prstDash val="solid"/>
+                      <a:round/>
+                      <a:headEnd type="none" w="med" len="med"/>
+                      <a:tailEnd type="none" w="med" len="med"/>
+                    </a:lnL>
+                    <a:lnR w="9525" cap="flat" cmpd="sng" algn="ctr">
+                      <a:solidFill>
+                        <a:srgbClr val="C7CCBE"/>
+                      </a:solidFill>
+                      <a:prstDash val="solid"/>
+                      <a:round/>
+                      <a:headEnd type="none" w="med" len="med"/>
+                      <a:tailEnd type="none" w="med" len="med"/>
+                    </a:lnR>
+                    <a:lnT w="9525" cap="flat" cmpd="sng" algn="ctr">
+                      <a:solidFill>
+                        <a:srgbClr val="C7CCBE"/>
+                      </a:solidFill>
+                      <a:prstDash val="solid"/>
+                      <a:round/>
+                      <a:headEnd type="none" w="med" len="med"/>
+                      <a:tailEnd type="none" w="med" len="med"/>
+                    </a:lnT>
+                    <a:lnB w="9525" cap="flat" cmpd="sng" algn="ctr">
+                      <a:solidFill>
+                        <a:srgbClr val="C7CCBE"/>
+                      </a:solidFill>
+                      <a:prstDash val="solid"/>
+                      <a:round/>
+                      <a:headEnd type="none" w="med" len="med"/>
+                      <a:tailEnd type="none" w="med" len="med"/>
+                    </a:lnB>
+                    <a:solidFill>
+                      <a:srgbClr val="EFF1EB"/>
+                    </a:solidFill>
+                  </a:tcPr>
+                </a:tc>
+                <a:tc>
+                  <a:txBody>
+                    <a:bodyPr/>
+                    <a:lstStyle/>
+                    <a:p>
+                      <a:pPr algn="just" fontAlgn="t"/>
+                      <a:r>
+                        <a:rPr lang="tr-TR" sz="1600">
+                          <a:solidFill>
+                            <a:srgbClr val="333333"/>
+                          </a:solidFill>
+                          <a:effectLst/>
+                          <a:latin typeface="+mn-lt"/>
+                        </a:rPr>
+                        <a:t>Git is an SCM (source code management).</a:t>
+                      </a:r>
+                    </a:p>
+                  </a:txBody>
+                  <a:tcPr marL="43675" marR="43675" marT="43675" marB="43675">
+                    <a:lnL w="9525" cap="flat" cmpd="sng" algn="ctr">
+                      <a:solidFill>
+                        <a:srgbClr val="C7CCBE"/>
+                      </a:solidFill>
+                      <a:prstDash val="solid"/>
+                      <a:round/>
+                      <a:headEnd type="none" w="med" len="med"/>
+                      <a:tailEnd type="none" w="med" len="med"/>
+                    </a:lnL>
+                    <a:lnR w="9525" cap="flat" cmpd="sng" algn="ctr">
+                      <a:solidFill>
+                        <a:srgbClr val="C7CCBE"/>
+                      </a:solidFill>
+                      <a:prstDash val="solid"/>
+                      <a:round/>
+                      <a:headEnd type="none" w="med" len="med"/>
+                      <a:tailEnd type="none" w="med" len="med"/>
+                    </a:lnR>
+                    <a:lnT w="9525" cap="flat" cmpd="sng" algn="ctr">
+                      <a:solidFill>
+                        <a:srgbClr val="C7CCBE"/>
+                      </a:solidFill>
+                      <a:prstDash val="solid"/>
+                      <a:round/>
+                      <a:headEnd type="none" w="med" len="med"/>
+                      <a:tailEnd type="none" w="med" len="med"/>
+                    </a:lnT>
+                    <a:lnB w="9525" cap="flat" cmpd="sng" algn="ctr">
+                      <a:solidFill>
+                        <a:srgbClr val="C7CCBE"/>
+                      </a:solidFill>
+                      <a:prstDash val="solid"/>
+                      <a:round/>
+                      <a:headEnd type="none" w="med" len="med"/>
+                      <a:tailEnd type="none" w="med" len="med"/>
+                    </a:lnB>
+                    <a:solidFill>
+                      <a:srgbClr val="EFF1EB"/>
+                    </a:solidFill>
+                  </a:tcPr>
+                </a:tc>
+                <a:extLst>
+                  <a:ext uri="{0D108BD9-81ED-4DB2-BD59-A6C34878D82A}">
+                    <a16:rowId xmlns:a16="http://schemas.microsoft.com/office/drawing/2014/main" val="3385148613"/>
+                  </a:ext>
+                </a:extLst>
+              </a:tr>
+              <a:tr h="501539">
+                <a:tc>
+                  <a:txBody>
+                    <a:bodyPr/>
+                    <a:lstStyle/>
+                    <a:p>
+                      <a:pPr algn="just" fontAlgn="t"/>
+                      <a:r>
+                        <a:rPr lang="en-US" sz="1600" dirty="0">
+                          <a:solidFill>
+                            <a:srgbClr val="333333"/>
+                          </a:solidFill>
+                          <a:effectLst/>
+                          <a:latin typeface="+mn-lt"/>
+                        </a:rPr>
+                        <a:t>It does not keep a cloned repository.</a:t>
+                      </a:r>
+                    </a:p>
+                  </a:txBody>
+                  <a:tcPr marL="43675" marR="43675" marT="43675" marB="43675">
+                    <a:lnL w="9525" cap="flat" cmpd="sng" algn="ctr">
+                      <a:solidFill>
+                        <a:srgbClr val="C7CCBE"/>
+                      </a:solidFill>
+                      <a:prstDash val="solid"/>
+                      <a:round/>
+                      <a:headEnd type="none" w="med" len="med"/>
+                      <a:tailEnd type="none" w="med" len="med"/>
+                    </a:lnL>
+                    <a:lnR w="9525" cap="flat" cmpd="sng" algn="ctr">
+                      <a:solidFill>
+                        <a:srgbClr val="C7CCBE"/>
+                      </a:solidFill>
+                      <a:prstDash val="solid"/>
+                      <a:round/>
+                      <a:headEnd type="none" w="med" len="med"/>
+                      <a:tailEnd type="none" w="med" len="med"/>
+                    </a:lnR>
+                    <a:lnT w="9525" cap="flat" cmpd="sng" algn="ctr">
+                      <a:solidFill>
+                        <a:srgbClr val="C7CCBE"/>
+                      </a:solidFill>
+                      <a:prstDash val="solid"/>
+                      <a:round/>
+                      <a:headEnd type="none" w="med" len="med"/>
+                      <a:tailEnd type="none" w="med" len="med"/>
+                    </a:lnT>
+                    <a:lnB w="9525" cap="flat" cmpd="sng" algn="ctr">
+                      <a:solidFill>
+                        <a:srgbClr val="C7CCBE"/>
+                      </a:solidFill>
+                      <a:prstDash val="solid"/>
+                      <a:round/>
+                      <a:headEnd type="none" w="med" len="med"/>
+                      <a:tailEnd type="none" w="med" len="med"/>
+                    </a:lnB>
+                    <a:solidFill>
+                      <a:srgbClr val="FFFFFF"/>
+                    </a:solidFill>
+                  </a:tcPr>
+                </a:tc>
+                <a:tc>
+                  <a:txBody>
+                    <a:bodyPr/>
+                    <a:lstStyle/>
+                    <a:p>
+                      <a:pPr algn="just" fontAlgn="t"/>
+                      <a:r>
+                        <a:rPr lang="en-US" sz="1600">
+                          <a:solidFill>
+                            <a:srgbClr val="333333"/>
+                          </a:solidFill>
+                          <a:effectLst/>
+                          <a:latin typeface="+mn-lt"/>
+                        </a:rPr>
+                        <a:t>It has a cloned repository.</a:t>
+                      </a:r>
+                    </a:p>
+                  </a:txBody>
+                  <a:tcPr marL="43675" marR="43675" marT="43675" marB="43675">
+                    <a:lnL w="9525" cap="flat" cmpd="sng" algn="ctr">
+                      <a:solidFill>
+                        <a:srgbClr val="C7CCBE"/>
+                      </a:solidFill>
+                      <a:prstDash val="solid"/>
+                      <a:round/>
+                      <a:headEnd type="none" w="med" len="med"/>
+                      <a:tailEnd type="none" w="med" len="med"/>
+                    </a:lnL>
+                    <a:lnR w="9525" cap="flat" cmpd="sng" algn="ctr">
+                      <a:solidFill>
+                        <a:srgbClr val="C7CCBE"/>
+                      </a:solidFill>
+                      <a:prstDash val="solid"/>
+                      <a:round/>
+                      <a:headEnd type="none" w="med" len="med"/>
+                      <a:tailEnd type="none" w="med" len="med"/>
+                    </a:lnR>
+                    <a:lnT w="9525" cap="flat" cmpd="sng" algn="ctr">
+                      <a:solidFill>
+                        <a:srgbClr val="C7CCBE"/>
+                      </a:solidFill>
+                      <a:prstDash val="solid"/>
+                      <a:round/>
+                      <a:headEnd type="none" w="med" len="med"/>
+                      <a:tailEnd type="none" w="med" len="med"/>
+                    </a:lnT>
+                    <a:lnB w="9525" cap="flat" cmpd="sng" algn="ctr">
+                      <a:solidFill>
+                        <a:srgbClr val="C7CCBE"/>
+                      </a:solidFill>
+                      <a:prstDash val="solid"/>
+                      <a:round/>
+                      <a:headEnd type="none" w="med" len="med"/>
+                      <a:tailEnd type="none" w="med" len="med"/>
+                    </a:lnB>
+                    <a:solidFill>
+                      <a:srgbClr val="FFFFFF"/>
+                    </a:solidFill>
+                  </a:tcPr>
+                </a:tc>
+                <a:extLst>
+                  <a:ext uri="{0D108BD9-81ED-4DB2-BD59-A6C34878D82A}">
+                    <a16:rowId xmlns:a16="http://schemas.microsoft.com/office/drawing/2014/main" val="2006818005"/>
+                  </a:ext>
+                </a:extLst>
+              </a:tr>
+              <a:tr h="1090302">
+                <a:tc>
+                  <a:txBody>
+                    <a:bodyPr/>
+                    <a:lstStyle/>
+                    <a:p>
+                      <a:pPr algn="just" fontAlgn="t"/>
+                      <a:r>
+                        <a:rPr lang="en-US" sz="1600" dirty="0">
+                          <a:solidFill>
+                            <a:srgbClr val="333333"/>
+                          </a:solidFill>
+                          <a:effectLst/>
+                          <a:latin typeface="+mn-lt"/>
+                        </a:rPr>
+                        <a:t>Branches in SVN are a folder that takes place in the repository. Some special commands are required For merging the branches.</a:t>
+                      </a:r>
+                    </a:p>
+                  </a:txBody>
+                  <a:tcPr marL="43675" marR="43675" marT="43675" marB="43675">
+                    <a:lnL w="9525" cap="flat" cmpd="sng" algn="ctr">
+                      <a:solidFill>
+                        <a:srgbClr val="C7CCBE"/>
+                      </a:solidFill>
+                      <a:prstDash val="solid"/>
+                      <a:round/>
+                      <a:headEnd type="none" w="med" len="med"/>
+                      <a:tailEnd type="none" w="med" len="med"/>
+                    </a:lnL>
+                    <a:lnR w="9525" cap="flat" cmpd="sng" algn="ctr">
+                      <a:solidFill>
+                        <a:srgbClr val="C7CCBE"/>
+                      </a:solidFill>
+                      <a:prstDash val="solid"/>
+                      <a:round/>
+                      <a:headEnd type="none" w="med" len="med"/>
+                      <a:tailEnd type="none" w="med" len="med"/>
+                    </a:lnR>
+                    <a:lnT w="9525" cap="flat" cmpd="sng" algn="ctr">
+                      <a:solidFill>
+                        <a:srgbClr val="C7CCBE"/>
+                      </a:solidFill>
+                      <a:prstDash val="solid"/>
+                      <a:round/>
+                      <a:headEnd type="none" w="med" len="med"/>
+                      <a:tailEnd type="none" w="med" len="med"/>
+                    </a:lnT>
+                    <a:lnB w="9525" cap="flat" cmpd="sng" algn="ctr">
+                      <a:solidFill>
+                        <a:srgbClr val="C7CCBE"/>
+                      </a:solidFill>
+                      <a:prstDash val="solid"/>
+                      <a:round/>
+                      <a:headEnd type="none" w="med" len="med"/>
+                      <a:tailEnd type="none" w="med" len="med"/>
+                    </a:lnB>
+                    <a:solidFill>
+                      <a:srgbClr val="EFF1EB"/>
+                    </a:solidFill>
+                  </a:tcPr>
+                </a:tc>
+                <a:tc>
+                  <a:txBody>
+                    <a:bodyPr/>
+                    <a:lstStyle/>
+                    <a:p>
+                      <a:pPr algn="just" fontAlgn="t"/>
+                      <a:r>
+                        <a:rPr lang="en-US" sz="1600">
+                          <a:solidFill>
+                            <a:srgbClr val="333333"/>
+                          </a:solidFill>
+                          <a:effectLst/>
+                          <a:latin typeface="+mn-lt"/>
+                        </a:rPr>
+                        <a:t>The Git branches are familiar to work. The Git system helps in merging the files quickly and also assists in finding the unmerged ones.</a:t>
+                      </a:r>
+                    </a:p>
+                  </a:txBody>
+                  <a:tcPr marL="43675" marR="43675" marT="43675" marB="43675">
+                    <a:lnL w="9525" cap="flat" cmpd="sng" algn="ctr">
+                      <a:solidFill>
+                        <a:srgbClr val="C7CCBE"/>
+                      </a:solidFill>
+                      <a:prstDash val="solid"/>
+                      <a:round/>
+                      <a:headEnd type="none" w="med" len="med"/>
+                      <a:tailEnd type="none" w="med" len="med"/>
+                    </a:lnL>
+                    <a:lnR w="9525" cap="flat" cmpd="sng" algn="ctr">
+                      <a:solidFill>
+                        <a:srgbClr val="C7CCBE"/>
+                      </a:solidFill>
+                      <a:prstDash val="solid"/>
+                      <a:round/>
+                      <a:headEnd type="none" w="med" len="med"/>
+                      <a:tailEnd type="none" w="med" len="med"/>
+                    </a:lnR>
+                    <a:lnT w="9525" cap="flat" cmpd="sng" algn="ctr">
+                      <a:solidFill>
+                        <a:srgbClr val="C7CCBE"/>
+                      </a:solidFill>
+                      <a:prstDash val="solid"/>
+                      <a:round/>
+                      <a:headEnd type="none" w="med" len="med"/>
+                      <a:tailEnd type="none" w="med" len="med"/>
+                    </a:lnT>
+                    <a:lnB w="9525" cap="flat" cmpd="sng" algn="ctr">
+                      <a:solidFill>
+                        <a:srgbClr val="C7CCBE"/>
+                      </a:solidFill>
+                      <a:prstDash val="solid"/>
+                      <a:round/>
+                      <a:headEnd type="none" w="med" len="med"/>
+                      <a:tailEnd type="none" w="med" len="med"/>
+                    </a:lnB>
+                    <a:solidFill>
+                      <a:srgbClr val="EFF1EB"/>
+                    </a:solidFill>
+                  </a:tcPr>
+                </a:tc>
+                <a:extLst>
+                  <a:ext uri="{0D108BD9-81ED-4DB2-BD59-A6C34878D82A}">
+                    <a16:rowId xmlns:a16="http://schemas.microsoft.com/office/drawing/2014/main" val="2530437950"/>
+                  </a:ext>
+                </a:extLst>
+              </a:tr>
+              <a:tr h="501539">
+                <a:tc>
+                  <a:txBody>
+                    <a:bodyPr/>
+                    <a:lstStyle/>
+                    <a:p>
+                      <a:pPr algn="just" fontAlgn="t"/>
+                      <a:r>
+                        <a:rPr lang="en-US" sz="1600" dirty="0">
+                          <a:solidFill>
+                            <a:srgbClr val="333333"/>
+                          </a:solidFill>
+                          <a:effectLst/>
+                          <a:latin typeface="+mn-lt"/>
+                        </a:rPr>
+                        <a:t>It has an internationalized revision number.</a:t>
+                      </a:r>
+                    </a:p>
+                  </a:txBody>
+                  <a:tcPr marL="43675" marR="43675" marT="43675" marB="43675">
+                    <a:lnL w="9525" cap="flat" cmpd="sng" algn="ctr">
+                      <a:solidFill>
+                        <a:srgbClr val="C7CCBE"/>
+                      </a:solidFill>
+                      <a:prstDash val="solid"/>
+                      <a:round/>
+                      <a:headEnd type="none" w="med" len="med"/>
+                      <a:tailEnd type="none" w="med" len="med"/>
+                    </a:lnL>
+                    <a:lnR w="9525" cap="flat" cmpd="sng" algn="ctr">
+                      <a:solidFill>
+                        <a:srgbClr val="C7CCBE"/>
+                      </a:solidFill>
+                      <a:prstDash val="solid"/>
+                      <a:round/>
+                      <a:headEnd type="none" w="med" len="med"/>
+                      <a:tailEnd type="none" w="med" len="med"/>
+                    </a:lnR>
+                    <a:lnT w="9525" cap="flat" cmpd="sng" algn="ctr">
+                      <a:solidFill>
+                        <a:srgbClr val="C7CCBE"/>
+                      </a:solidFill>
+                      <a:prstDash val="solid"/>
+                      <a:round/>
+                      <a:headEnd type="none" w="med" len="med"/>
+                      <a:tailEnd type="none" w="med" len="med"/>
+                    </a:lnT>
+                    <a:lnB w="9525" cap="flat" cmpd="sng" algn="ctr">
+                      <a:solidFill>
+                        <a:srgbClr val="C7CCBE"/>
+                      </a:solidFill>
+                      <a:prstDash val="solid"/>
+                      <a:round/>
+                      <a:headEnd type="none" w="med" len="med"/>
+                      <a:tailEnd type="none" w="med" len="med"/>
+                    </a:lnB>
+                    <a:solidFill>
+                      <a:srgbClr val="FFFFFF"/>
+                    </a:solidFill>
+                  </a:tcPr>
+                </a:tc>
+                <a:tc>
+                  <a:txBody>
+                    <a:bodyPr/>
+                    <a:lstStyle/>
+                    <a:p>
+                      <a:pPr algn="just" fontAlgn="t"/>
+                      <a:r>
+                        <a:rPr lang="en-US" sz="1600">
+                          <a:solidFill>
+                            <a:srgbClr val="333333"/>
+                          </a:solidFill>
+                          <a:effectLst/>
+                          <a:latin typeface="+mn-lt"/>
+                        </a:rPr>
+                        <a:t>It does not have a Global revision number.</a:t>
+                      </a:r>
+                    </a:p>
+                  </a:txBody>
+                  <a:tcPr marL="43675" marR="43675" marT="43675" marB="43675">
+                    <a:lnL w="9525" cap="flat" cmpd="sng" algn="ctr">
+                      <a:solidFill>
+                        <a:srgbClr val="C7CCBE"/>
+                      </a:solidFill>
+                      <a:prstDash val="solid"/>
+                      <a:round/>
+                      <a:headEnd type="none" w="med" len="med"/>
+                      <a:tailEnd type="none" w="med" len="med"/>
+                    </a:lnL>
+                    <a:lnR w="9525" cap="flat" cmpd="sng" algn="ctr">
+                      <a:solidFill>
+                        <a:srgbClr val="C7CCBE"/>
+                      </a:solidFill>
+                      <a:prstDash val="solid"/>
+                      <a:round/>
+                      <a:headEnd type="none" w="med" len="med"/>
+                      <a:tailEnd type="none" w="med" len="med"/>
+                    </a:lnR>
+                    <a:lnT w="9525" cap="flat" cmpd="sng" algn="ctr">
+                      <a:solidFill>
+                        <a:srgbClr val="C7CCBE"/>
+                      </a:solidFill>
+                      <a:prstDash val="solid"/>
+                      <a:round/>
+                      <a:headEnd type="none" w="med" len="med"/>
+                      <a:tailEnd type="none" w="med" len="med"/>
+                    </a:lnT>
+                    <a:lnB w="9525" cap="flat" cmpd="sng" algn="ctr">
+                      <a:solidFill>
+                        <a:srgbClr val="C7CCBE"/>
+                      </a:solidFill>
+                      <a:prstDash val="solid"/>
+                      <a:round/>
+                      <a:headEnd type="none" w="med" len="med"/>
+                      <a:tailEnd type="none" w="med" len="med"/>
+                    </a:lnB>
+                    <a:solidFill>
+                      <a:srgbClr val="FFFFFF"/>
+                    </a:solidFill>
+                  </a:tcPr>
+                </a:tc>
+                <a:extLst>
+                  <a:ext uri="{0D108BD9-81ED-4DB2-BD59-A6C34878D82A}">
+                    <a16:rowId xmlns:a16="http://schemas.microsoft.com/office/drawing/2014/main" val="3930621491"/>
+                  </a:ext>
+                </a:extLst>
+              </a:tr>
+              <a:tr h="1090302">
+                <a:tc>
+                  <a:txBody>
+                    <a:bodyPr/>
+                    <a:lstStyle/>
+                    <a:p>
+                      <a:pPr algn="just" fontAlgn="t"/>
+                      <a:r>
+                        <a:rPr lang="en-US" sz="1600" dirty="0">
+                          <a:solidFill>
+                            <a:srgbClr val="333333"/>
+                          </a:solidFill>
+                          <a:effectLst/>
+                          <a:latin typeface="+mn-lt"/>
+                        </a:rPr>
+                        <a:t>SVN does not contain any cryptographically hashed contents.</a:t>
+                      </a:r>
+                    </a:p>
+                  </a:txBody>
+                  <a:tcPr marL="43675" marR="43675" marT="43675" marB="43675">
+                    <a:lnL w="9525" cap="flat" cmpd="sng" algn="ctr">
+                      <a:solidFill>
+                        <a:srgbClr val="C7CCBE"/>
+                      </a:solidFill>
+                      <a:prstDash val="solid"/>
+                      <a:round/>
+                      <a:headEnd type="none" w="med" len="med"/>
+                      <a:tailEnd type="none" w="med" len="med"/>
+                    </a:lnL>
+                    <a:lnR w="9525" cap="flat" cmpd="sng" algn="ctr">
+                      <a:solidFill>
+                        <a:srgbClr val="C7CCBE"/>
+                      </a:solidFill>
+                      <a:prstDash val="solid"/>
+                      <a:round/>
+                      <a:headEnd type="none" w="med" len="med"/>
+                      <a:tailEnd type="none" w="med" len="med"/>
+                    </a:lnR>
+                    <a:lnT w="9525" cap="flat" cmpd="sng" algn="ctr">
+                      <a:solidFill>
+                        <a:srgbClr val="C7CCBE"/>
+                      </a:solidFill>
+                      <a:prstDash val="solid"/>
+                      <a:round/>
+                      <a:headEnd type="none" w="med" len="med"/>
+                      <a:tailEnd type="none" w="med" len="med"/>
+                    </a:lnT>
+                    <a:lnB w="9525" cap="flat" cmpd="sng" algn="ctr">
+                      <a:solidFill>
+                        <a:srgbClr val="C7CCBE"/>
+                      </a:solidFill>
+                      <a:prstDash val="solid"/>
+                      <a:round/>
+                      <a:headEnd type="none" w="med" len="med"/>
+                      <a:tailEnd type="none" w="med" len="med"/>
+                    </a:lnB>
+                    <a:solidFill>
+                      <a:srgbClr val="EFF1EB"/>
+                    </a:solidFill>
+                  </a:tcPr>
+                </a:tc>
+                <a:tc>
+                  <a:txBody>
+                    <a:bodyPr/>
+                    <a:lstStyle/>
+                    <a:p>
+                      <a:pPr algn="just" fontAlgn="t"/>
+                      <a:r>
+                        <a:rPr lang="en-US" sz="1600">
+                          <a:solidFill>
+                            <a:srgbClr val="333333"/>
+                          </a:solidFill>
+                          <a:effectLst/>
+                          <a:latin typeface="+mn-lt"/>
+                        </a:rPr>
+                        <a:t>It has cryptographically hashed contents that protect the contents from repository corruption taking place due to network issues or disk failures.</a:t>
+                      </a:r>
+                    </a:p>
+                  </a:txBody>
+                  <a:tcPr marL="43675" marR="43675" marT="43675" marB="43675">
+                    <a:lnL w="9525" cap="flat" cmpd="sng" algn="ctr">
+                      <a:solidFill>
+                        <a:srgbClr val="C7CCBE"/>
+                      </a:solidFill>
+                      <a:prstDash val="solid"/>
+                      <a:round/>
+                      <a:headEnd type="none" w="med" len="med"/>
+                      <a:tailEnd type="none" w="med" len="med"/>
+                    </a:lnL>
+                    <a:lnR w="9525" cap="flat" cmpd="sng" algn="ctr">
+                      <a:solidFill>
+                        <a:srgbClr val="C7CCBE"/>
+                      </a:solidFill>
+                      <a:prstDash val="solid"/>
+                      <a:round/>
+                      <a:headEnd type="none" w="med" len="med"/>
+                      <a:tailEnd type="none" w="med" len="med"/>
+                    </a:lnR>
+                    <a:lnT w="9525" cap="flat" cmpd="sng" algn="ctr">
+                      <a:solidFill>
+                        <a:srgbClr val="C7CCBE"/>
+                      </a:solidFill>
+                      <a:prstDash val="solid"/>
+                      <a:round/>
+                      <a:headEnd type="none" w="med" len="med"/>
+                      <a:tailEnd type="none" w="med" len="med"/>
+                    </a:lnT>
+                    <a:lnB w="9525" cap="flat" cmpd="sng" algn="ctr">
+                      <a:solidFill>
+                        <a:srgbClr val="C7CCBE"/>
+                      </a:solidFill>
+                      <a:prstDash val="solid"/>
+                      <a:round/>
+                      <a:headEnd type="none" w="med" len="med"/>
+                      <a:tailEnd type="none" w="med" len="med"/>
+                    </a:lnB>
+                    <a:solidFill>
+                      <a:srgbClr val="EFF1EB"/>
+                    </a:solidFill>
+                  </a:tcPr>
+                </a:tc>
+                <a:extLst>
+                  <a:ext uri="{0D108BD9-81ED-4DB2-BD59-A6C34878D82A}">
+                    <a16:rowId xmlns:a16="http://schemas.microsoft.com/office/drawing/2014/main" val="2212176630"/>
+                  </a:ext>
+                </a:extLst>
+              </a:tr>
+              <a:tr h="305284">
+                <a:tc>
+                  <a:txBody>
+                    <a:bodyPr/>
+                    <a:lstStyle/>
+                    <a:p>
+                      <a:pPr algn="just" fontAlgn="t"/>
+                      <a:r>
+                        <a:rPr lang="tr-TR" sz="1600">
+                          <a:solidFill>
+                            <a:srgbClr val="333333"/>
+                          </a:solidFill>
+                          <a:effectLst/>
+                          <a:latin typeface="+mn-lt"/>
+                        </a:rPr>
+                        <a:t>SVN stores content as files.</a:t>
+                      </a:r>
+                    </a:p>
+                  </a:txBody>
+                  <a:tcPr marL="43675" marR="43675" marT="43675" marB="43675">
+                    <a:lnL w="9525" cap="flat" cmpd="sng" algn="ctr">
+                      <a:solidFill>
+                        <a:srgbClr val="C7CCBE"/>
+                      </a:solidFill>
+                      <a:prstDash val="solid"/>
+                      <a:round/>
+                      <a:headEnd type="none" w="med" len="med"/>
+                      <a:tailEnd type="none" w="med" len="med"/>
+                    </a:lnL>
+                    <a:lnR w="9525" cap="flat" cmpd="sng" algn="ctr">
+                      <a:solidFill>
+                        <a:srgbClr val="C7CCBE"/>
+                      </a:solidFill>
+                      <a:prstDash val="solid"/>
+                      <a:round/>
+                      <a:headEnd type="none" w="med" len="med"/>
+                      <a:tailEnd type="none" w="med" len="med"/>
+                    </a:lnR>
+                    <a:lnT w="9525" cap="flat" cmpd="sng" algn="ctr">
+                      <a:solidFill>
+                        <a:srgbClr val="C7CCBE"/>
+                      </a:solidFill>
+                      <a:prstDash val="solid"/>
+                      <a:round/>
+                      <a:headEnd type="none" w="med" len="med"/>
+                      <a:tailEnd type="none" w="med" len="med"/>
+                    </a:lnT>
+                    <a:lnB w="9525" cap="flat" cmpd="sng" algn="ctr">
+                      <a:solidFill>
+                        <a:srgbClr val="C7CCBE"/>
+                      </a:solidFill>
+                      <a:prstDash val="solid"/>
+                      <a:round/>
+                      <a:headEnd type="none" w="med" len="med"/>
+                      <a:tailEnd type="none" w="med" len="med"/>
+                    </a:lnB>
+                    <a:solidFill>
+                      <a:srgbClr val="FFFFFF"/>
+                    </a:solidFill>
+                  </a:tcPr>
+                </a:tc>
+                <a:tc>
+                  <a:txBody>
+                    <a:bodyPr/>
+                    <a:lstStyle/>
+                    <a:p>
+                      <a:pPr algn="just" fontAlgn="t"/>
+                      <a:r>
+                        <a:rPr lang="en-US" sz="1600">
+                          <a:solidFill>
+                            <a:srgbClr val="333333"/>
+                          </a:solidFill>
+                          <a:effectLst/>
+                          <a:latin typeface="+mn-lt"/>
+                        </a:rPr>
+                        <a:t>Git stored content as metadata.</a:t>
+                      </a:r>
+                    </a:p>
+                  </a:txBody>
+                  <a:tcPr marL="43675" marR="43675" marT="43675" marB="43675">
+                    <a:lnL w="9525" cap="flat" cmpd="sng" algn="ctr">
+                      <a:solidFill>
+                        <a:srgbClr val="C7CCBE"/>
+                      </a:solidFill>
+                      <a:prstDash val="solid"/>
+                      <a:round/>
+                      <a:headEnd type="none" w="med" len="med"/>
+                      <a:tailEnd type="none" w="med" len="med"/>
+                    </a:lnL>
+                    <a:lnR w="9525" cap="flat" cmpd="sng" algn="ctr">
+                      <a:solidFill>
+                        <a:srgbClr val="C7CCBE"/>
+                      </a:solidFill>
+                      <a:prstDash val="solid"/>
+                      <a:round/>
+                      <a:headEnd type="none" w="med" len="med"/>
+                      <a:tailEnd type="none" w="med" len="med"/>
+                    </a:lnR>
+                    <a:lnT w="9525" cap="flat" cmpd="sng" algn="ctr">
+                      <a:solidFill>
+                        <a:srgbClr val="C7CCBE"/>
+                      </a:solidFill>
+                      <a:prstDash val="solid"/>
+                      <a:round/>
+                      <a:headEnd type="none" w="med" len="med"/>
+                      <a:tailEnd type="none" w="med" len="med"/>
+                    </a:lnT>
+                    <a:lnB w="9525" cap="flat" cmpd="sng" algn="ctr">
+                      <a:solidFill>
+                        <a:srgbClr val="C7CCBE"/>
+                      </a:solidFill>
+                      <a:prstDash val="solid"/>
+                      <a:round/>
+                      <a:headEnd type="none" w="med" len="med"/>
+                      <a:tailEnd type="none" w="med" len="med"/>
+                    </a:lnB>
+                    <a:solidFill>
+                      <a:srgbClr val="FFFFFF"/>
+                    </a:solidFill>
+                  </a:tcPr>
+                </a:tc>
+                <a:extLst>
+                  <a:ext uri="{0D108BD9-81ED-4DB2-BD59-A6C34878D82A}">
+                    <a16:rowId xmlns:a16="http://schemas.microsoft.com/office/drawing/2014/main" val="841788550"/>
+                  </a:ext>
+                </a:extLst>
+              </a:tr>
+              <a:tr h="501539">
+                <a:tc>
+                  <a:txBody>
+                    <a:bodyPr/>
+                    <a:lstStyle/>
+                    <a:p>
+                      <a:pPr algn="just" fontAlgn="t"/>
+                      <a:r>
+                        <a:rPr lang="en-US" sz="1600">
+                          <a:solidFill>
+                            <a:srgbClr val="333333"/>
+                          </a:solidFill>
+                          <a:effectLst/>
+                          <a:latin typeface="+mn-lt"/>
+                        </a:rPr>
+                        <a:t>SVN's content is less secure than Git.</a:t>
+                      </a:r>
+                    </a:p>
+                  </a:txBody>
+                  <a:tcPr marL="43675" marR="43675" marT="43675" marB="43675">
+                    <a:lnL w="9525" cap="flat" cmpd="sng" algn="ctr">
+                      <a:solidFill>
+                        <a:srgbClr val="C7CCBE"/>
+                      </a:solidFill>
+                      <a:prstDash val="solid"/>
+                      <a:round/>
+                      <a:headEnd type="none" w="med" len="med"/>
+                      <a:tailEnd type="none" w="med" len="med"/>
+                    </a:lnL>
+                    <a:lnR w="9525" cap="flat" cmpd="sng" algn="ctr">
+                      <a:solidFill>
+                        <a:srgbClr val="C7CCBE"/>
+                      </a:solidFill>
+                      <a:prstDash val="solid"/>
+                      <a:round/>
+                      <a:headEnd type="none" w="med" len="med"/>
+                      <a:tailEnd type="none" w="med" len="med"/>
+                    </a:lnR>
+                    <a:lnT w="9525" cap="flat" cmpd="sng" algn="ctr">
+                      <a:solidFill>
+                        <a:srgbClr val="C7CCBE"/>
+                      </a:solidFill>
+                      <a:prstDash val="solid"/>
+                      <a:round/>
+                      <a:headEnd type="none" w="med" len="med"/>
+                      <a:tailEnd type="none" w="med" len="med"/>
+                    </a:lnT>
+                    <a:lnB w="9525" cap="flat" cmpd="sng" algn="ctr">
+                      <a:solidFill>
+                        <a:srgbClr val="C7CCBE"/>
+                      </a:solidFill>
+                      <a:prstDash val="solid"/>
+                      <a:round/>
+                      <a:headEnd type="none" w="med" len="med"/>
+                      <a:tailEnd type="none" w="med" len="med"/>
+                    </a:lnB>
+                    <a:solidFill>
+                      <a:srgbClr val="EFF1EB"/>
+                    </a:solidFill>
+                  </a:tcPr>
+                </a:tc>
+                <a:tc>
+                  <a:txBody>
+                    <a:bodyPr/>
+                    <a:lstStyle/>
+                    <a:p>
+                      <a:pPr algn="just" fontAlgn="t"/>
+                      <a:r>
+                        <a:rPr lang="en-US" sz="1600">
+                          <a:solidFill>
+                            <a:srgbClr val="333333"/>
+                          </a:solidFill>
+                          <a:effectLst/>
+                          <a:latin typeface="+mn-lt"/>
+                        </a:rPr>
+                        <a:t>Git has more content protection than SVN</a:t>
+                      </a:r>
+                    </a:p>
+                  </a:txBody>
+                  <a:tcPr marL="43675" marR="43675" marT="43675" marB="43675">
+                    <a:lnL w="9525" cap="flat" cmpd="sng" algn="ctr">
+                      <a:solidFill>
+                        <a:srgbClr val="C7CCBE"/>
+                      </a:solidFill>
+                      <a:prstDash val="solid"/>
+                      <a:round/>
+                      <a:headEnd type="none" w="med" len="med"/>
+                      <a:tailEnd type="none" w="med" len="med"/>
+                    </a:lnL>
+                    <a:lnR w="9525" cap="flat" cmpd="sng" algn="ctr">
+                      <a:solidFill>
+                        <a:srgbClr val="C7CCBE"/>
+                      </a:solidFill>
+                      <a:prstDash val="solid"/>
+                      <a:round/>
+                      <a:headEnd type="none" w="med" len="med"/>
+                      <a:tailEnd type="none" w="med" len="med"/>
+                    </a:lnR>
+                    <a:lnT w="9525" cap="flat" cmpd="sng" algn="ctr">
+                      <a:solidFill>
+                        <a:srgbClr val="C7CCBE"/>
+                      </a:solidFill>
+                      <a:prstDash val="solid"/>
+                      <a:round/>
+                      <a:headEnd type="none" w="med" len="med"/>
+                      <a:tailEnd type="none" w="med" len="med"/>
+                    </a:lnT>
+                    <a:lnB w="9525" cap="flat" cmpd="sng" algn="ctr">
+                      <a:solidFill>
+                        <a:srgbClr val="C7CCBE"/>
+                      </a:solidFill>
+                      <a:prstDash val="solid"/>
+                      <a:round/>
+                      <a:headEnd type="none" w="med" len="med"/>
+                      <a:tailEnd type="none" w="med" len="med"/>
+                    </a:lnB>
+                    <a:solidFill>
+                      <a:srgbClr val="EFF1EB"/>
+                    </a:solidFill>
+                  </a:tcPr>
+                </a:tc>
+                <a:extLst>
+                  <a:ext uri="{0D108BD9-81ED-4DB2-BD59-A6C34878D82A}">
+                    <a16:rowId xmlns:a16="http://schemas.microsoft.com/office/drawing/2014/main" val="3389640562"/>
+                  </a:ext>
+                </a:extLst>
+              </a:tr>
+              <a:tr h="501539">
+                <a:tc>
+                  <a:txBody>
+                    <a:bodyPr/>
+                    <a:lstStyle/>
+                    <a:p>
+                      <a:pPr algn="just" fontAlgn="t"/>
+                      <a:r>
+                        <a:rPr lang="en-US" sz="1600">
+                          <a:solidFill>
+                            <a:srgbClr val="333333"/>
+                          </a:solidFill>
+                          <a:effectLst/>
+                          <a:latin typeface="+mn-lt"/>
+                        </a:rPr>
+                        <a:t>SVN's content is less secure than Git.</a:t>
+                      </a:r>
+                    </a:p>
+                  </a:txBody>
+                  <a:tcPr marL="43675" marR="43675" marT="43675" marB="43675">
+                    <a:lnL w="9525" cap="flat" cmpd="sng" algn="ctr">
+                      <a:solidFill>
+                        <a:srgbClr val="C7CCBE"/>
+                      </a:solidFill>
+                      <a:prstDash val="solid"/>
+                      <a:round/>
+                      <a:headEnd type="none" w="med" len="med"/>
+                      <a:tailEnd type="none" w="med" len="med"/>
+                    </a:lnL>
+                    <a:lnR w="9525" cap="flat" cmpd="sng" algn="ctr">
+                      <a:solidFill>
+                        <a:srgbClr val="C7CCBE"/>
+                      </a:solidFill>
+                      <a:prstDash val="solid"/>
+                      <a:round/>
+                      <a:headEnd type="none" w="med" len="med"/>
+                      <a:tailEnd type="none" w="med" len="med"/>
+                    </a:lnR>
+                    <a:lnT w="9525" cap="flat" cmpd="sng" algn="ctr">
+                      <a:solidFill>
+                        <a:srgbClr val="C7CCBE"/>
+                      </a:solidFill>
+                      <a:prstDash val="solid"/>
+                      <a:round/>
+                      <a:headEnd type="none" w="med" len="med"/>
+                      <a:tailEnd type="none" w="med" len="med"/>
+                    </a:lnT>
+                    <a:lnB w="9525" cap="flat" cmpd="sng" algn="ctr">
+                      <a:solidFill>
+                        <a:srgbClr val="C7CCBE"/>
+                      </a:solidFill>
+                      <a:prstDash val="solid"/>
+                      <a:round/>
+                      <a:headEnd type="none" w="med" len="med"/>
+                      <a:tailEnd type="none" w="med" len="med"/>
+                    </a:lnB>
+                    <a:solidFill>
+                      <a:srgbClr val="FFFFFF"/>
+                    </a:solidFill>
+                  </a:tcPr>
+                </a:tc>
+                <a:tc>
+                  <a:txBody>
+                    <a:bodyPr/>
+                    <a:lstStyle/>
+                    <a:p>
+                      <a:pPr algn="just" fontAlgn="t"/>
+                      <a:r>
+                        <a:rPr lang="en-US" sz="1600">
+                          <a:solidFill>
+                            <a:srgbClr val="333333"/>
+                          </a:solidFill>
+                          <a:effectLst/>
+                          <a:latin typeface="+mn-lt"/>
+                        </a:rPr>
+                        <a:t>Git has more content protection than SVN.</a:t>
+                      </a:r>
+                    </a:p>
+                  </a:txBody>
+                  <a:tcPr marL="43675" marR="43675" marT="43675" marB="43675">
+                    <a:lnL w="9525" cap="flat" cmpd="sng" algn="ctr">
+                      <a:solidFill>
+                        <a:srgbClr val="C7CCBE"/>
+                      </a:solidFill>
+                      <a:prstDash val="solid"/>
+                      <a:round/>
+                      <a:headEnd type="none" w="med" len="med"/>
+                      <a:tailEnd type="none" w="med" len="med"/>
+                    </a:lnL>
+                    <a:lnR w="9525" cap="flat" cmpd="sng" algn="ctr">
+                      <a:solidFill>
+                        <a:srgbClr val="C7CCBE"/>
+                      </a:solidFill>
+                      <a:prstDash val="solid"/>
+                      <a:round/>
+                      <a:headEnd type="none" w="med" len="med"/>
+                      <a:tailEnd type="none" w="med" len="med"/>
+                    </a:lnR>
+                    <a:lnT w="9525" cap="flat" cmpd="sng" algn="ctr">
+                      <a:solidFill>
+                        <a:srgbClr val="C7CCBE"/>
+                      </a:solidFill>
+                      <a:prstDash val="solid"/>
+                      <a:round/>
+                      <a:headEnd type="none" w="med" len="med"/>
+                      <a:tailEnd type="none" w="med" len="med"/>
+                    </a:lnT>
+                    <a:lnB w="9525" cap="flat" cmpd="sng" algn="ctr">
+                      <a:solidFill>
+                        <a:srgbClr val="C7CCBE"/>
+                      </a:solidFill>
+                      <a:prstDash val="solid"/>
+                      <a:round/>
+                      <a:headEnd type="none" w="med" len="med"/>
+                      <a:tailEnd type="none" w="med" len="med"/>
+                    </a:lnB>
+                    <a:solidFill>
+                      <a:srgbClr val="FFFFFF"/>
+                    </a:solidFill>
+                  </a:tcPr>
+                </a:tc>
+                <a:extLst>
+                  <a:ext uri="{0D108BD9-81ED-4DB2-BD59-A6C34878D82A}">
+                    <a16:rowId xmlns:a16="http://schemas.microsoft.com/office/drawing/2014/main" val="3808630632"/>
+                  </a:ext>
+                </a:extLst>
+              </a:tr>
+              <a:tr h="501539">
+                <a:tc>
+                  <a:txBody>
+                    <a:bodyPr/>
+                    <a:lstStyle/>
+                    <a:p>
+                      <a:pPr algn="just" fontAlgn="t"/>
+                      <a:r>
+                        <a:rPr lang="tr-TR" sz="1600">
+                          <a:solidFill>
+                            <a:srgbClr val="333333"/>
+                          </a:solidFill>
+                          <a:effectLst/>
+                          <a:latin typeface="+mn-lt"/>
+                        </a:rPr>
+                        <a:t>CollabNet, Inc developed SVN.</a:t>
+                      </a:r>
+                    </a:p>
+                  </a:txBody>
+                  <a:tcPr marL="43675" marR="43675" marT="43675" marB="43675">
+                    <a:lnL w="9525" cap="flat" cmpd="sng" algn="ctr">
+                      <a:solidFill>
+                        <a:srgbClr val="C7CCBE"/>
+                      </a:solidFill>
+                      <a:prstDash val="solid"/>
+                      <a:round/>
+                      <a:headEnd type="none" w="med" len="med"/>
+                      <a:tailEnd type="none" w="med" len="med"/>
+                    </a:lnL>
+                    <a:lnR w="9525" cap="flat" cmpd="sng" algn="ctr">
+                      <a:solidFill>
+                        <a:srgbClr val="C7CCBE"/>
+                      </a:solidFill>
+                      <a:prstDash val="solid"/>
+                      <a:round/>
+                      <a:headEnd type="none" w="med" len="med"/>
+                      <a:tailEnd type="none" w="med" len="med"/>
+                    </a:lnR>
+                    <a:lnT w="9525" cap="flat" cmpd="sng" algn="ctr">
+                      <a:solidFill>
+                        <a:srgbClr val="C7CCBE"/>
+                      </a:solidFill>
+                      <a:prstDash val="solid"/>
+                      <a:round/>
+                      <a:headEnd type="none" w="med" len="med"/>
+                      <a:tailEnd type="none" w="med" len="med"/>
+                    </a:lnT>
+                    <a:lnB w="9525" cap="flat" cmpd="sng" algn="ctr">
+                      <a:solidFill>
+                        <a:srgbClr val="C7CCBE"/>
+                      </a:solidFill>
+                      <a:prstDash val="solid"/>
+                      <a:round/>
+                      <a:headEnd type="none" w="med" len="med"/>
+                      <a:tailEnd type="none" w="med" len="med"/>
+                    </a:lnB>
+                    <a:solidFill>
+                      <a:srgbClr val="EFF1EB"/>
+                    </a:solidFill>
+                  </a:tcPr>
+                </a:tc>
+                <a:tc>
+                  <a:txBody>
+                    <a:bodyPr/>
+                    <a:lstStyle/>
+                    <a:p>
+                      <a:pPr algn="just" fontAlgn="t"/>
+                      <a:r>
+                        <a:rPr lang="tr-TR" sz="1600">
+                          <a:solidFill>
+                            <a:srgbClr val="333333"/>
+                          </a:solidFill>
+                          <a:effectLst/>
+                          <a:latin typeface="+mn-lt"/>
+                        </a:rPr>
+                        <a:t>Linus Torvalds developed git for Linux kernel.</a:t>
+                      </a:r>
+                    </a:p>
+                  </a:txBody>
+                  <a:tcPr marL="43675" marR="43675" marT="43675" marB="43675">
+                    <a:lnL w="9525" cap="flat" cmpd="sng" algn="ctr">
+                      <a:solidFill>
+                        <a:srgbClr val="C7CCBE"/>
+                      </a:solidFill>
+                      <a:prstDash val="solid"/>
+                      <a:round/>
+                      <a:headEnd type="none" w="med" len="med"/>
+                      <a:tailEnd type="none" w="med" len="med"/>
+                    </a:lnL>
+                    <a:lnR w="9525" cap="flat" cmpd="sng" algn="ctr">
+                      <a:solidFill>
+                        <a:srgbClr val="C7CCBE"/>
+                      </a:solidFill>
+                      <a:prstDash val="solid"/>
+                      <a:round/>
+                      <a:headEnd type="none" w="med" len="med"/>
+                      <a:tailEnd type="none" w="med" len="med"/>
+                    </a:lnR>
+                    <a:lnT w="9525" cap="flat" cmpd="sng" algn="ctr">
+                      <a:solidFill>
+                        <a:srgbClr val="C7CCBE"/>
+                      </a:solidFill>
+                      <a:prstDash val="solid"/>
+                      <a:round/>
+                      <a:headEnd type="none" w="med" len="med"/>
+                      <a:tailEnd type="none" w="med" len="med"/>
+                    </a:lnT>
+                    <a:lnB w="9525" cap="flat" cmpd="sng" algn="ctr">
+                      <a:solidFill>
+                        <a:srgbClr val="C7CCBE"/>
+                      </a:solidFill>
+                      <a:prstDash val="solid"/>
+                      <a:round/>
+                      <a:headEnd type="none" w="med" len="med"/>
+                      <a:tailEnd type="none" w="med" len="med"/>
+                    </a:lnB>
+                    <a:solidFill>
+                      <a:srgbClr val="EFF1EB"/>
+                    </a:solidFill>
+                  </a:tcPr>
+                </a:tc>
+                <a:extLst>
+                  <a:ext uri="{0D108BD9-81ED-4DB2-BD59-A6C34878D82A}">
+                    <a16:rowId xmlns:a16="http://schemas.microsoft.com/office/drawing/2014/main" val="3657280260"/>
+                  </a:ext>
+                </a:extLst>
+              </a:tr>
+              <a:tr h="501539">
+                <a:tc>
+                  <a:txBody>
+                    <a:bodyPr/>
+                    <a:lstStyle/>
+                    <a:p>
+                      <a:pPr algn="just" fontAlgn="t"/>
+                      <a:r>
+                        <a:rPr lang="en-US" sz="1600">
+                          <a:solidFill>
+                            <a:srgbClr val="333333"/>
+                          </a:solidFill>
+                          <a:effectLst/>
+                          <a:latin typeface="+mn-lt"/>
+                        </a:rPr>
+                        <a:t>SVN is distributed under the open-source license.</a:t>
+                      </a:r>
+                    </a:p>
+                  </a:txBody>
+                  <a:tcPr marL="43675" marR="43675" marT="43675" marB="43675">
+                    <a:lnL w="9525" cap="flat" cmpd="sng" algn="ctr">
+                      <a:solidFill>
+                        <a:srgbClr val="C7CCBE"/>
+                      </a:solidFill>
+                      <a:prstDash val="solid"/>
+                      <a:round/>
+                      <a:headEnd type="none" w="med" len="med"/>
+                      <a:tailEnd type="none" w="med" len="med"/>
+                    </a:lnL>
+                    <a:lnR w="9525" cap="flat" cmpd="sng" algn="ctr">
+                      <a:solidFill>
+                        <a:srgbClr val="C7CCBE"/>
+                      </a:solidFill>
+                      <a:prstDash val="solid"/>
+                      <a:round/>
+                      <a:headEnd type="none" w="med" len="med"/>
+                      <a:tailEnd type="none" w="med" len="med"/>
+                    </a:lnR>
+                    <a:lnT w="9525" cap="flat" cmpd="sng" algn="ctr">
+                      <a:solidFill>
+                        <a:srgbClr val="C7CCBE"/>
+                      </a:solidFill>
+                      <a:prstDash val="solid"/>
+                      <a:round/>
+                      <a:headEnd type="none" w="med" len="med"/>
+                      <a:tailEnd type="none" w="med" len="med"/>
+                    </a:lnT>
+                    <a:lnB w="9525" cap="flat" cmpd="sng" algn="ctr">
+                      <a:solidFill>
+                        <a:srgbClr val="C7CCBE"/>
+                      </a:solidFill>
+                      <a:prstDash val="solid"/>
+                      <a:round/>
+                      <a:headEnd type="none" w="med" len="med"/>
+                      <a:tailEnd type="none" w="med" len="med"/>
+                    </a:lnB>
+                    <a:solidFill>
+                      <a:srgbClr val="FFFFFF"/>
+                    </a:solidFill>
+                  </a:tcPr>
+                </a:tc>
+                <a:tc>
+                  <a:txBody>
+                    <a:bodyPr/>
+                    <a:lstStyle/>
+                    <a:p>
+                      <a:pPr algn="just" fontAlgn="t"/>
+                      <a:r>
+                        <a:rPr lang="en-US" sz="1600" dirty="0" err="1">
+                          <a:solidFill>
+                            <a:srgbClr val="333333"/>
+                          </a:solidFill>
+                          <a:effectLst/>
+                          <a:latin typeface="+mn-lt"/>
+                        </a:rPr>
+                        <a:t>Git</a:t>
+                      </a:r>
+                      <a:r>
+                        <a:rPr lang="en-US" sz="1600" dirty="0">
+                          <a:solidFill>
+                            <a:srgbClr val="333333"/>
+                          </a:solidFill>
+                          <a:effectLst/>
+                          <a:latin typeface="+mn-lt"/>
+                        </a:rPr>
+                        <a:t> is distributed under GNU (General public license)</a:t>
+                      </a:r>
+                    </a:p>
+                  </a:txBody>
+                  <a:tcPr marL="43675" marR="43675" marT="43675" marB="43675">
+                    <a:lnL w="9525" cap="flat" cmpd="sng" algn="ctr">
+                      <a:solidFill>
+                        <a:srgbClr val="C7CCBE"/>
+                      </a:solidFill>
+                      <a:prstDash val="solid"/>
+                      <a:round/>
+                      <a:headEnd type="none" w="med" len="med"/>
+                      <a:tailEnd type="none" w="med" len="med"/>
+                    </a:lnL>
+                    <a:lnR w="9525" cap="flat" cmpd="sng" algn="ctr">
+                      <a:solidFill>
+                        <a:srgbClr val="C7CCBE"/>
+                      </a:solidFill>
+                      <a:prstDash val="solid"/>
+                      <a:round/>
+                      <a:headEnd type="none" w="med" len="med"/>
+                      <a:tailEnd type="none" w="med" len="med"/>
+                    </a:lnR>
+                    <a:lnT w="9525" cap="flat" cmpd="sng" algn="ctr">
+                      <a:solidFill>
+                        <a:srgbClr val="C7CCBE"/>
+                      </a:solidFill>
+                      <a:prstDash val="solid"/>
+                      <a:round/>
+                      <a:headEnd type="none" w="med" len="med"/>
+                      <a:tailEnd type="none" w="med" len="med"/>
+                    </a:lnT>
+                    <a:lnB w="9525" cap="flat" cmpd="sng" algn="ctr">
+                      <a:solidFill>
+                        <a:srgbClr val="C7CCBE"/>
+                      </a:solidFill>
+                      <a:prstDash val="solid"/>
+                      <a:round/>
+                      <a:headEnd type="none" w="med" len="med"/>
+                      <a:tailEnd type="none" w="med" len="med"/>
+                    </a:lnB>
+                    <a:solidFill>
+                      <a:srgbClr val="FFFFFF"/>
+                    </a:solidFill>
+                  </a:tcPr>
+                </a:tc>
+                <a:extLst>
+                  <a:ext uri="{0D108BD9-81ED-4DB2-BD59-A6C34878D82A}">
+                    <a16:rowId xmlns:a16="http://schemas.microsoft.com/office/drawing/2014/main" val="1086820320"/>
+                  </a:ext>
+                </a:extLst>
+              </a:tr>
+            </a:tbl>
+          </a:graphicData>
+        </a:graphic>
+      </p:graphicFrame>
+    </p:spTree>
+    <p:extLst>
+      <p:ext uri="{BB962C8B-B14F-4D97-AF65-F5344CB8AC3E}">
+        <p14:creationId xmlns:p14="http://schemas.microsoft.com/office/powerpoint/2010/main" val="202588710"/>
+      </p:ext>
+    </p:extLst>
+  </p:cSld>
+  <p:clrMapOvr>
+    <a:masterClrMapping/>
+  </p:clrMapOvr>
+  <p:timing>
+    <p:tnLst>
+      <p:par>
+        <p:cTn id="1" dur="indefinite" restart="never" nodeType="tmRoot"/>
+      </p:par>
+    </p:tnLst>
+  </p:timing>
+</p:sld>
+</file>
+
+<file path=ppt/slides/slide25.xml><?xml version="1.0" encoding="utf-8"?>
+<p:sld xmlns:a="http://schemas.openxmlformats.org/drawingml/2006/main" xmlns:r="http://schemas.openxmlformats.org/officeDocument/2006/relationships" xmlns:p="http://schemas.openxmlformats.org/presentationml/2006/main">
+  <p:cSld>
+    <p:spTree>
+      <p:nvGrpSpPr>
+        <p:cNvPr id="1" name=""/>
+        <p:cNvGrpSpPr/>
+        <p:nvPr/>
+      </p:nvGrpSpPr>
+      <p:grpSpPr>
+        <a:xfrm>
+          <a:off x="0" y="0"/>
+          <a:ext cx="0" cy="0"/>
+          <a:chOff x="0" y="0"/>
+          <a:chExt cx="0" cy="0"/>
+        </a:xfrm>
+      </p:grpSpPr>
+      <p:graphicFrame>
+        <p:nvGraphicFramePr>
+          <p:cNvPr id="5" name="İçerik Yer Tutucusu 4"/>
+          <p:cNvGraphicFramePr>
+            <a:graphicFrameLocks noGrp="1"/>
+          </p:cNvGraphicFramePr>
+          <p:nvPr>
+            <p:ph idx="1"/>
+            <p:extLst>
+              <p:ext uri="{D42A27DB-BD31-4B8C-83A1-F6EECF244321}">
+                <p14:modId xmlns:p14="http://schemas.microsoft.com/office/powerpoint/2010/main" val="3302756213"/>
+              </p:ext>
+            </p:extLst>
+          </p:nvPr>
+        </p:nvGraphicFramePr>
+        <p:xfrm>
+          <a:off x="838200" y="182563"/>
+          <a:ext cx="10515600" cy="5994400"/>
+        </p:xfrm>
+        <a:graphic>
+          <a:graphicData uri="http://schemas.openxmlformats.org/drawingml/2006/diagram">
+            <dgm:relIds xmlns:dgm="http://schemas.openxmlformats.org/drawingml/2006/diagram" xmlns:r="http://schemas.openxmlformats.org/officeDocument/2006/relationships" r:dm="rId2" r:lo="rId3" r:qs="rId4" r:cs="rId5"/>
+          </a:graphicData>
+        </a:graphic>
+      </p:graphicFrame>
+    </p:spTree>
+    <p:extLst>
+      <p:ext uri="{BB962C8B-B14F-4D97-AF65-F5344CB8AC3E}">
+        <p14:creationId xmlns:p14="http://schemas.microsoft.com/office/powerpoint/2010/main" val="179593797"/>
+      </p:ext>
+    </p:extLst>
+  </p:cSld>
+  <p:clrMapOvr>
+    <a:masterClrMapping/>
+  </p:clrMapOvr>
+  <p:timing>
+    <p:tnLst>
+      <p:par>
+        <p:cTn id="1" dur="indefinite" restart="never" nodeType="tmRoot"/>
+      </p:par>
+    </p:tnLst>
+  </p:timing>
+</p:sld>
+</file>
+
+<file path=ppt/slides/slide3.xml><?xml version="1.0" encoding="utf-8"?>
+<p:sld xmlns:a="http://schemas.openxmlformats.org/drawingml/2006/main" xmlns:r="http://schemas.openxmlformats.org/officeDocument/2006/relationships" xmlns:p="http://schemas.openxmlformats.org/presentationml/2006/main">
+  <p:cSld>
+    <p:spTree>
+      <p:nvGrpSpPr>
+        <p:cNvPr id="1" name=""/>
+        <p:cNvGrpSpPr/>
+        <p:nvPr/>
+      </p:nvGrpSpPr>
+      <p:grpSpPr>
+        <a:xfrm>
+          <a:off x="0" y="0"/>
+          <a:ext cx="0" cy="0"/>
+          <a:chOff x="0" y="0"/>
+          <a:chExt cx="0" cy="0"/>
+        </a:xfrm>
+      </p:grpSpPr>
+      <p:sp>
+        <p:nvSpPr>
+          <p:cNvPr id="2" name="Unvan 1"/>
+          <p:cNvSpPr>
+            <a:spLocks noGrp="1"/>
+          </p:cNvSpPr>
+          <p:nvPr>
+            <p:ph type="title"/>
+          </p:nvPr>
+        </p:nvSpPr>
+        <p:spPr>
+          <a:xfrm>
+            <a:off x="313944" y="0"/>
+            <a:ext cx="10515600" cy="854075"/>
+          </a:xfrm>
+        </p:spPr>
+        <p:txBody>
+          <a:bodyPr/>
+          <a:lstStyle/>
+          <a:p>
+            <a:r>
+              <a:rPr lang="tr-TR" dirty="0" err="1" smtClean="0"/>
+              <a:t>Definitions</a:t>
+            </a:r>
+            <a:endParaRPr lang="tr-TR" dirty="0"/>
+          </a:p>
+        </p:txBody>
+      </p:sp>
+      <p:sp>
+        <p:nvSpPr>
+          <p:cNvPr id="3" name="İçerik Yer Tutucusu 2"/>
+          <p:cNvSpPr>
+            <a:spLocks noGrp="1"/>
+          </p:cNvSpPr>
+          <p:nvPr>
+            <p:ph idx="1"/>
+          </p:nvPr>
+        </p:nvSpPr>
+        <p:spPr>
+          <a:xfrm>
+            <a:off x="313944" y="854075"/>
+            <a:ext cx="11039856" cy="5753989"/>
+          </a:xfrm>
+        </p:spPr>
+        <p:txBody>
+          <a:bodyPr/>
+          <a:lstStyle/>
+          <a:p>
+            <a:r>
               <a:rPr lang="tr-TR" b="1" dirty="0" err="1" smtClean="0"/>
               <a:t>Repository</a:t>
             </a:r>
@@ -4388,8 +10525,85 @@
             </a:r>
             <a:r>
               <a:rPr lang="en-US" dirty="0"/>
-              <a:t>, a storage location for software packages</a:t>
-            </a:r>
+              <a:t>, a storage location for software </a:t>
+            </a:r>
+            <a:r>
+              <a:rPr lang="en-US" dirty="0" smtClean="0"/>
+              <a:t>packages</a:t>
+            </a:r>
+            <a:endParaRPr lang="tr-TR" dirty="0" smtClean="0"/>
+          </a:p>
+          <a:p>
+            <a:r>
+              <a:rPr lang="tr-TR" dirty="0" err="1" smtClean="0"/>
+              <a:t>Contrubutor</a:t>
+            </a:r>
+            <a:endParaRPr lang="tr-TR" dirty="0" smtClean="0"/>
+          </a:p>
+          <a:p>
+            <a:r>
+              <a:rPr lang="tr-TR" dirty="0" err="1" smtClean="0"/>
+              <a:t>Get,Clone,Pull</a:t>
+            </a:r>
+            <a:endParaRPr lang="tr-TR" dirty="0" smtClean="0"/>
+          </a:p>
+          <a:p>
+            <a:r>
+              <a:rPr lang="tr-TR" dirty="0" err="1" smtClean="0"/>
+              <a:t>Checkout,Undo</a:t>
+            </a:r>
+            <a:r>
+              <a:rPr lang="tr-TR" dirty="0" smtClean="0"/>
+              <a:t> </a:t>
+            </a:r>
+            <a:r>
+              <a:rPr lang="tr-TR" dirty="0" err="1" smtClean="0"/>
+              <a:t>Checkout</a:t>
+            </a:r>
+            <a:endParaRPr lang="tr-TR" dirty="0"/>
+          </a:p>
+          <a:p>
+            <a:r>
+              <a:rPr lang="tr-TR" dirty="0" err="1" smtClean="0"/>
+              <a:t>Check</a:t>
+            </a:r>
+            <a:r>
+              <a:rPr lang="tr-TR" dirty="0" smtClean="0"/>
+              <a:t>-in,</a:t>
+            </a:r>
+            <a:r>
+              <a:rPr lang="tr-TR" dirty="0"/>
+              <a:t> </a:t>
+            </a:r>
+            <a:r>
+              <a:rPr lang="tr-TR" dirty="0" err="1" smtClean="0"/>
+              <a:t>Commit,Stage</a:t>
+            </a:r>
+            <a:r>
+              <a:rPr lang="tr-TR" dirty="0" smtClean="0"/>
+              <a:t>,</a:t>
+            </a:r>
+            <a:r>
+              <a:rPr lang="tr-TR" dirty="0"/>
+              <a:t> </a:t>
+            </a:r>
+            <a:r>
+              <a:rPr lang="tr-TR" dirty="0" err="1"/>
+              <a:t>Push</a:t>
+            </a:r>
+            <a:endParaRPr lang="tr-TR" dirty="0"/>
+          </a:p>
+          <a:p>
+            <a:endParaRPr lang="tr-TR" dirty="0" smtClean="0"/>
+          </a:p>
+          <a:p>
+            <a:endParaRPr lang="tr-TR" dirty="0" smtClean="0"/>
+          </a:p>
+          <a:p>
+            <a:endParaRPr lang="tr-TR" dirty="0" smtClean="0"/>
+          </a:p>
+          <a:p>
+            <a:endParaRPr lang="en-US" dirty="0"/>
           </a:p>
           <a:p>
             <a:endParaRPr lang="tr-TR" dirty="0"/>
@@ -4412,10 +10626,17 @@
   <p:clrMapOvr>
     <a:masterClrMapping/>
   </p:clrMapOvr>
+  <p:timing>
+    <p:tnLst>
+      <p:par>
+        <p:cTn id="1" dur="indefinite" restart="never" nodeType="tmRoot"/>
+      </p:par>
+    </p:tnLst>
+  </p:timing>
 </p:sld>
 </file>
 
-<file path=ppt/slides/slide3.xml><?xml version="1.0" encoding="utf-8"?>
+<file path=ppt/slides/slide4.xml><?xml version="1.0" encoding="utf-8"?>
 <p:sld xmlns:a="http://schemas.openxmlformats.org/drawingml/2006/main" xmlns:r="http://schemas.openxmlformats.org/officeDocument/2006/relationships" xmlns:p="http://schemas.openxmlformats.org/presentationml/2006/main">
   <p:cSld>
     <p:spTree>
@@ -4759,7 +10980,7 @@
 </p:sld>
 </file>
 
-<file path=ppt/slides/slide4.xml><?xml version="1.0" encoding="utf-8"?>
+<file path=ppt/slides/slide5.xml><?xml version="1.0" encoding="utf-8"?>
 <p:sld xmlns:a="http://schemas.openxmlformats.org/drawingml/2006/main" xmlns:r="http://schemas.openxmlformats.org/officeDocument/2006/relationships" xmlns:p="http://schemas.openxmlformats.org/presentationml/2006/main">
   <p:cSld>
     <p:spTree>
@@ -5093,7 +11314,7 @@
 </p:sld>
 </file>
 
-<file path=ppt/slides/slide5.xml><?xml version="1.0" encoding="utf-8"?>
+<file path=ppt/slides/slide6.xml><?xml version="1.0" encoding="utf-8"?>
 <p:sld xmlns:a="http://schemas.openxmlformats.org/drawingml/2006/main" xmlns:r="http://schemas.openxmlformats.org/officeDocument/2006/relationships" xmlns:p="http://schemas.openxmlformats.org/presentationml/2006/main">
   <p:cSld>
     <p:spTree>
@@ -5241,411 +11462,6 @@
     <p:extLst>
       <p:ext uri="{BB962C8B-B14F-4D97-AF65-F5344CB8AC3E}">
         <p14:creationId xmlns:p14="http://schemas.microsoft.com/office/powerpoint/2010/main" val="2590588202"/>
-      </p:ext>
-    </p:extLst>
-  </p:cSld>
-  <p:clrMapOvr>
-    <a:masterClrMapping/>
-  </p:clrMapOvr>
-  <p:timing>
-    <p:tnLst>
-      <p:par>
-        <p:cTn id="1" dur="indefinite" restart="never" nodeType="tmRoot"/>
-      </p:par>
-    </p:tnLst>
-  </p:timing>
-</p:sld>
-</file>
-
-<file path=ppt/slides/slide6.xml><?xml version="1.0" encoding="utf-8"?>
-<p:sld xmlns:a="http://schemas.openxmlformats.org/drawingml/2006/main" xmlns:r="http://schemas.openxmlformats.org/officeDocument/2006/relationships" xmlns:p="http://schemas.openxmlformats.org/presentationml/2006/main">
-  <p:cSld>
-    <p:spTree>
-      <p:nvGrpSpPr>
-        <p:cNvPr id="1" name=""/>
-        <p:cNvGrpSpPr/>
-        <p:nvPr/>
-      </p:nvGrpSpPr>
-      <p:grpSpPr>
-        <a:xfrm>
-          <a:off x="0" y="0"/>
-          <a:ext cx="0" cy="0"/>
-          <a:chOff x="0" y="0"/>
-          <a:chExt cx="0" cy="0"/>
-        </a:xfrm>
-      </p:grpSpPr>
-      <p:sp>
-        <p:nvSpPr>
-          <p:cNvPr id="2" name="Unvan 1"/>
-          <p:cNvSpPr>
-            <a:spLocks noGrp="1"/>
-          </p:cNvSpPr>
-          <p:nvPr>
-            <p:ph type="title"/>
-          </p:nvPr>
-        </p:nvSpPr>
-        <p:spPr>
-          <a:xfrm>
-            <a:off x="838200" y="267589"/>
-            <a:ext cx="10515600" cy="744347"/>
-          </a:xfrm>
-        </p:spPr>
-        <p:txBody>
-          <a:bodyPr>
-            <a:normAutofit/>
-          </a:bodyPr>
-          <a:lstStyle/>
-          <a:p>
-            <a:pPr algn="ctr"/>
-            <a:r>
-              <a:rPr lang="tr-TR" dirty="0" err="1" smtClean="0"/>
-              <a:t>Version</a:t>
-            </a:r>
-            <a:r>
-              <a:rPr lang="tr-TR" dirty="0" smtClean="0"/>
-              <a:t> Control Software Model</a:t>
-            </a:r>
-            <a:endParaRPr lang="tr-TR" dirty="0"/>
-          </a:p>
-        </p:txBody>
-      </p:sp>
-      <p:sp>
-        <p:nvSpPr>
-          <p:cNvPr id="3" name="İçerik Yer Tutucusu 2"/>
-          <p:cNvSpPr>
-            <a:spLocks noGrp="1"/>
-          </p:cNvSpPr>
-          <p:nvPr>
-            <p:ph idx="1"/>
-          </p:nvPr>
-        </p:nvSpPr>
-        <p:spPr>
-          <a:xfrm>
-            <a:off x="838200" y="1011936"/>
-            <a:ext cx="10515600" cy="5846064"/>
-          </a:xfrm>
-        </p:spPr>
-        <p:txBody>
-          <a:bodyPr>
-            <a:normAutofit fontScale="92500" lnSpcReduction="20000"/>
-          </a:bodyPr>
-          <a:lstStyle/>
-          <a:p>
-            <a:pPr>
-              <a:buFont typeface="Wingdings" panose="05000000000000000000" pitchFamily="2" charset="2"/>
-              <a:buChar char="Ø"/>
-            </a:pPr>
-            <a:r>
-              <a:rPr lang="tr-TR" dirty="0" err="1"/>
-              <a:t>Local</a:t>
-            </a:r>
-            <a:r>
-              <a:rPr lang="tr-TR" dirty="0"/>
-              <a:t> data </a:t>
-            </a:r>
-            <a:r>
-              <a:rPr lang="tr-TR" dirty="0" smtClean="0"/>
-              <a:t>model</a:t>
-            </a:r>
-          </a:p>
-          <a:p>
-            <a:pPr marL="0" indent="0">
-              <a:buNone/>
-            </a:pPr>
-            <a:r>
-              <a:rPr lang="tr-TR" dirty="0" smtClean="0"/>
-              <a:t>	</a:t>
-            </a:r>
-            <a:r>
-              <a:rPr lang="en-US" i="1" dirty="0"/>
-              <a:t>In the local-only approach, all developers must use the same file system</a:t>
-            </a:r>
-            <a:r>
-              <a:rPr lang="en-US" dirty="0" smtClean="0"/>
-              <a:t>.</a:t>
-            </a:r>
-            <a:r>
-              <a:rPr lang="tr-TR" dirty="0" smtClean="0"/>
-              <a:t>(</a:t>
-            </a:r>
-            <a:r>
-              <a:rPr lang="tr-TR" u="sng" dirty="0" err="1">
-                <a:hlinkClick r:id="rId2"/>
-              </a:rPr>
-              <a:t>Revision</a:t>
-            </a:r>
-            <a:r>
-              <a:rPr lang="tr-TR" u="sng" dirty="0">
-                <a:hlinkClick r:id="rId2"/>
-              </a:rPr>
-              <a:t> Control </a:t>
-            </a:r>
-            <a:r>
-              <a:rPr lang="tr-TR" u="sng" dirty="0" err="1">
-                <a:hlinkClick r:id="rId2"/>
-              </a:rPr>
-              <a:t>System</a:t>
-            </a:r>
-            <a:r>
-              <a:rPr lang="tr-TR" dirty="0"/>
-              <a:t> (RCS</a:t>
-            </a:r>
-            <a:r>
-              <a:rPr lang="tr-TR" dirty="0" smtClean="0"/>
-              <a:t>),</a:t>
-            </a:r>
-            <a:r>
-              <a:rPr lang="en-US" u="sng" dirty="0">
-                <a:hlinkClick r:id="rId3"/>
-              </a:rPr>
-              <a:t> Source Code Control System</a:t>
-            </a:r>
-            <a:r>
-              <a:rPr lang="en-US" dirty="0"/>
-              <a:t> (SCCS) – part of </a:t>
-            </a:r>
-            <a:r>
-              <a:rPr lang="en-US" dirty="0">
-                <a:hlinkClick r:id="rId4" tooltip="Unix"/>
-              </a:rPr>
-              <a:t>UNIX</a:t>
-            </a:r>
-            <a:r>
-              <a:rPr lang="tr-TR" dirty="0" smtClean="0"/>
-              <a:t>)</a:t>
-            </a:r>
-            <a:endParaRPr lang="tr-TR" dirty="0"/>
-          </a:p>
-          <a:p>
-            <a:pPr>
-              <a:buFont typeface="Wingdings" panose="05000000000000000000" pitchFamily="2" charset="2"/>
-              <a:buChar char="Ø"/>
-            </a:pPr>
-            <a:r>
-              <a:rPr lang="tr-TR" dirty="0"/>
-              <a:t>Client-server </a:t>
-            </a:r>
-            <a:r>
-              <a:rPr lang="tr-TR" dirty="0" smtClean="0"/>
-              <a:t>model </a:t>
-            </a:r>
-          </a:p>
-          <a:p>
-            <a:pPr marL="0" indent="0">
-              <a:buNone/>
-            </a:pPr>
-            <a:r>
-              <a:rPr lang="en-US" i="1" dirty="0"/>
-              <a:t>In the client-server model, developers use a shared single repository</a:t>
-            </a:r>
-            <a:r>
-              <a:rPr lang="en-US" dirty="0" smtClean="0"/>
-              <a:t>.</a:t>
-            </a:r>
-            <a:endParaRPr lang="tr-TR" dirty="0" smtClean="0"/>
-          </a:p>
-          <a:p>
-            <a:pPr marL="0" indent="0">
-              <a:buNone/>
-            </a:pPr>
-            <a:r>
-              <a:rPr lang="tr-TR" dirty="0" smtClean="0">
-                <a:hlinkClick r:id="rId5" tooltip="IBM Rational ClearCase"/>
-              </a:rPr>
-              <a:t>IBM </a:t>
-            </a:r>
-            <a:r>
-              <a:rPr lang="tr-TR" dirty="0" err="1">
-                <a:hlinkClick r:id="rId5" tooltip="IBM Rational ClearCase"/>
-              </a:rPr>
-              <a:t>Rational</a:t>
-            </a:r>
-            <a:r>
-              <a:rPr lang="tr-TR" dirty="0">
-                <a:hlinkClick r:id="rId5" tooltip="IBM Rational ClearCase"/>
-              </a:rPr>
-              <a:t> </a:t>
-            </a:r>
-            <a:r>
-              <a:rPr lang="tr-TR" dirty="0" err="1" smtClean="0">
-                <a:hlinkClick r:id="rId5" tooltip="IBM Rational ClearCase"/>
-              </a:rPr>
-              <a:t>ClearCase</a:t>
-            </a:r>
-            <a:r>
-              <a:rPr lang="tr-TR" dirty="0" smtClean="0"/>
-              <a:t>,</a:t>
-            </a:r>
-            <a:r>
-              <a:rPr lang="en-US" dirty="0">
-                <a:hlinkClick r:id="rId6" tooltip="Visual SourceSafe"/>
-              </a:rPr>
-              <a:t> Visual SourceSafe</a:t>
-            </a:r>
-            <a:r>
-              <a:rPr lang="en-US" dirty="0"/>
-              <a:t> </a:t>
-            </a:r>
-            <a:r>
-              <a:rPr lang="en-US" dirty="0" smtClean="0"/>
-              <a:t>–by</a:t>
-            </a:r>
-            <a:r>
-              <a:rPr lang="en-US" dirty="0"/>
-              <a:t> </a:t>
-            </a:r>
-            <a:r>
-              <a:rPr lang="en-US" dirty="0">
-                <a:hlinkClick r:id="rId7" tooltip="Microsoft"/>
-              </a:rPr>
-              <a:t>Microsoft</a:t>
-            </a:r>
-            <a:r>
-              <a:rPr lang="en-US" dirty="0"/>
-              <a:t>; oriented toward small </a:t>
-            </a:r>
-            <a:r>
-              <a:rPr lang="en-US" dirty="0" smtClean="0"/>
-              <a:t>teams</a:t>
-            </a:r>
-            <a:r>
-              <a:rPr lang="tr-TR" dirty="0"/>
-              <a:t> </a:t>
-            </a:r>
-            <a:endParaRPr lang="tr-TR" dirty="0" smtClean="0"/>
-          </a:p>
-          <a:p>
-            <a:pPr marL="0" indent="0">
-              <a:buNone/>
-            </a:pPr>
-            <a:r>
-              <a:rPr lang="en-US" dirty="0">
-                <a:hlinkClick r:id="rId8" tooltip="Azure DevOps Server"/>
-              </a:rPr>
-              <a:t>Team Foundation Version Control</a:t>
-            </a:r>
-            <a:r>
-              <a:rPr lang="en-US" dirty="0"/>
-              <a:t>  - </a:t>
-            </a:r>
-            <a:r>
-              <a:rPr lang="en-US" dirty="0" smtClean="0"/>
-              <a:t>by</a:t>
-            </a:r>
-            <a:r>
-              <a:rPr lang="en-US" dirty="0"/>
-              <a:t> </a:t>
-            </a:r>
-            <a:r>
-              <a:rPr lang="en-US" dirty="0">
-                <a:hlinkClick r:id="rId7" tooltip="Microsoft"/>
-              </a:rPr>
-              <a:t>Microsoft</a:t>
-            </a:r>
-            <a:r>
-              <a:rPr lang="en-US" dirty="0"/>
-              <a:t> for Team Foundation Server, now </a:t>
-            </a:r>
-            <a:r>
-              <a:rPr lang="en-US" dirty="0">
-                <a:hlinkClick r:id="rId9" tooltip="Azure DevOps Server"/>
-              </a:rPr>
-              <a:t>Azure DevOps </a:t>
-            </a:r>
-            <a:r>
-              <a:rPr lang="en-US" dirty="0" smtClean="0">
-                <a:hlinkClick r:id="rId9" tooltip="Azure DevOps Server"/>
-              </a:rPr>
-              <a:t>Server</a:t>
-            </a:r>
-            <a:endParaRPr lang="tr-TR" dirty="0" smtClean="0"/>
-          </a:p>
-          <a:p>
-            <a:pPr marL="0" indent="0">
-              <a:buNone/>
-            </a:pPr>
-            <a:endParaRPr lang="tr-TR" dirty="0" smtClean="0"/>
-          </a:p>
-          <a:p>
-            <a:r>
-              <a:rPr lang="en-US" dirty="0">
-                <a:hlinkClick r:id="rId10" tooltip="Concurrent Versions System"/>
-              </a:rPr>
-              <a:t>Concurrent Versions System</a:t>
-            </a:r>
-            <a:r>
-              <a:rPr lang="en-US" dirty="0"/>
-              <a:t> (CVS) – originally built on RCS, licensed under the </a:t>
-            </a:r>
-            <a:r>
-              <a:rPr lang="en-US" dirty="0">
-                <a:hlinkClick r:id="rId11" tooltip="GPL"/>
-              </a:rPr>
-              <a:t>GPL</a:t>
-            </a:r>
-            <a:r>
-              <a:rPr lang="en-US" dirty="0"/>
-              <a:t>.</a:t>
-            </a:r>
-          </a:p>
-          <a:p>
-            <a:r>
-              <a:rPr lang="en-US" dirty="0" smtClean="0">
-                <a:hlinkClick r:id="rId12" tooltip="Subversion (software)"/>
-              </a:rPr>
-              <a:t>Subversion</a:t>
-            </a:r>
-            <a:r>
-              <a:rPr lang="en-US" dirty="0"/>
-              <a:t> (SVN) – versioning control system inspired by </a:t>
-            </a:r>
-            <a:r>
-              <a:rPr lang="en-US" dirty="0" smtClean="0"/>
-              <a:t>CVS</a:t>
-            </a:r>
-            <a:endParaRPr lang="tr-TR" baseline="30000" dirty="0"/>
-          </a:p>
-          <a:p>
-            <a:r>
-              <a:rPr lang="tr-TR" b="1" dirty="0" err="1" smtClean="0"/>
-              <a:t>TortoiseSVN</a:t>
-            </a:r>
-            <a:r>
-              <a:rPr lang="tr-TR" b="1" dirty="0" smtClean="0"/>
-              <a:t> </a:t>
-            </a:r>
-            <a:r>
-              <a:rPr lang="en-US" dirty="0"/>
-              <a:t>Windows client for the </a:t>
-            </a:r>
-            <a:r>
-              <a:rPr lang="en-US" i="1" dirty="0"/>
-              <a:t>Apache™ Subversion®</a:t>
-            </a:r>
-            <a:r>
-              <a:rPr lang="en-US" dirty="0"/>
-              <a:t> version control system</a:t>
-            </a:r>
-            <a:endParaRPr lang="tr-TR" b="1" dirty="0"/>
-          </a:p>
-          <a:p>
-            <a:pPr marL="0" indent="0">
-              <a:buNone/>
-            </a:pPr>
-            <a:endParaRPr lang="en-US" dirty="0"/>
-          </a:p>
-          <a:p>
-            <a:pPr marL="0" indent="0">
-              <a:buNone/>
-            </a:pPr>
-            <a:endParaRPr lang="tr-TR" dirty="0"/>
-          </a:p>
-        </p:txBody>
-      </p:sp>
-    </p:spTree>
-    <p:extLst>
-      <p:ext uri="{BB962C8B-B14F-4D97-AF65-F5344CB8AC3E}">
-        <p14:creationId xmlns:p14="http://schemas.microsoft.com/office/powerpoint/2010/main" val="3100918853"/>
       </p:ext>
     </p:extLst>
   </p:cSld>
@@ -5691,33 +11507,26 @@
         </p:nvSpPr>
         <p:spPr>
           <a:xfrm>
-            <a:off x="838200" y="109093"/>
-            <a:ext cx="10515600" cy="634619"/>
+            <a:off x="838200" y="267589"/>
+            <a:ext cx="10515600" cy="744347"/>
           </a:xfrm>
         </p:spPr>
         <p:txBody>
           <a:bodyPr>
-            <a:normAutofit fontScale="90000"/>
+            <a:normAutofit/>
           </a:bodyPr>
           <a:lstStyle/>
           <a:p>
             <a:pPr algn="ctr"/>
             <a:r>
-              <a:rPr lang="tr-TR" b="1" dirty="0" err="1"/>
+              <a:rPr lang="tr-TR" dirty="0" err="1" smtClean="0"/>
               <a:t>Version</a:t>
             </a:r>
             <a:r>
-              <a:rPr lang="tr-TR" b="1" dirty="0"/>
-              <a:t> Control </a:t>
-            </a:r>
-            <a:r>
-              <a:rPr lang="tr-TR" b="1" dirty="0" smtClean="0"/>
-              <a:t>Software </a:t>
-            </a:r>
-            <a:r>
-              <a:rPr lang="tr-TR" b="1" dirty="0"/>
-              <a:t>Model</a:t>
-            </a:r>
+              <a:rPr lang="tr-TR" dirty="0" smtClean="0"/>
+              <a:t> Control Software Model</a:t>
+            </a:r>
+            <a:endParaRPr lang="tr-TR" dirty="0"/>
           </a:p>
         </p:txBody>
       </p:sp>
@@ -5733,13 +11542,13 @@
         </p:nvSpPr>
         <p:spPr>
           <a:xfrm>
-            <a:off x="838200" y="743712"/>
-            <a:ext cx="10515600" cy="5433251"/>
+            <a:off x="838200" y="1011936"/>
+            <a:ext cx="10515600" cy="5846064"/>
           </a:xfrm>
         </p:spPr>
         <p:txBody>
           <a:bodyPr>
-            <a:normAutofit lnSpcReduction="10000"/>
+            <a:normAutofit fontScale="92500" lnSpcReduction="20000"/>
           </a:bodyPr>
           <a:lstStyle/>
           <a:p>
@@ -5748,8 +11557,16 @@
               <a:buChar char="Ø"/>
             </a:pPr>
             <a:r>
+              <a:rPr lang="tr-TR" dirty="0" err="1"/>
+              <a:t>Local</a:t>
+            </a:r>
+            <a:r>
               <a:rPr lang="tr-TR" dirty="0"/>
-              <a:t>Distributed model</a:t>
+              <a:t> data </a:t>
+            </a:r>
+            <a:r>
+              <a:rPr lang="tr-TR" dirty="0" smtClean="0"/>
+              <a:t>model</a:t>
             </a:r>
           </a:p>
           <a:p>
@@ -5757,77 +11574,212 @@
               <a:buNone/>
             </a:pPr>
             <a:r>
+              <a:rPr lang="tr-TR" dirty="0" smtClean="0"/>
+              <a:t>	</a:t>
+            </a:r>
+            <a:r>
               <a:rPr lang="en-US" i="1" dirty="0"/>
-              <a:t>In the distributed approach, each developer works directly with their own local repository, and changes are shared between repositories as a separate step.</a:t>
-            </a:r>
-            <a:endParaRPr lang="tr-TR" i="1" dirty="0"/>
+              <a:t>In the local-only approach, all developers must use the same file system</a:t>
+            </a:r>
+            <a:r>
+              <a:rPr lang="en-US" dirty="0" smtClean="0"/>
+              <a:t>.</a:t>
+            </a:r>
+            <a:r>
+              <a:rPr lang="tr-TR" dirty="0" smtClean="0"/>
+              <a:t>(</a:t>
+            </a:r>
+            <a:r>
+              <a:rPr lang="tr-TR" u="sng" dirty="0" err="1">
+                <a:hlinkClick r:id="rId2"/>
+              </a:rPr>
+              <a:t>Revision</a:t>
+            </a:r>
+            <a:r>
+              <a:rPr lang="tr-TR" u="sng" dirty="0">
+                <a:hlinkClick r:id="rId2"/>
+              </a:rPr>
+              <a:t> Control </a:t>
+            </a:r>
+            <a:r>
+              <a:rPr lang="tr-TR" u="sng" dirty="0" err="1">
+                <a:hlinkClick r:id="rId2"/>
+              </a:rPr>
+              <a:t>System</a:t>
+            </a:r>
+            <a:r>
+              <a:rPr lang="tr-TR" dirty="0"/>
+              <a:t> (RCS</a:t>
+            </a:r>
+            <a:r>
+              <a:rPr lang="tr-TR" dirty="0" smtClean="0"/>
+              <a:t>),</a:t>
+            </a:r>
+            <a:r>
+              <a:rPr lang="en-US" u="sng" dirty="0">
+                <a:hlinkClick r:id="rId3"/>
+              </a:rPr>
+              <a:t> Source Code Control System</a:t>
+            </a:r>
+            <a:r>
+              <a:rPr lang="en-US" dirty="0"/>
+              <a:t> (SCCS) – part of </a:t>
+            </a:r>
+            <a:r>
+              <a:rPr lang="en-US" dirty="0">
+                <a:hlinkClick r:id="rId4" tooltip="Unix"/>
+              </a:rPr>
+              <a:t>UNIX</a:t>
+            </a:r>
+            <a:r>
+              <a:rPr lang="tr-TR" dirty="0" smtClean="0"/>
+              <a:t>)</a:t>
+            </a:r>
+            <a:endParaRPr lang="tr-TR" dirty="0"/>
+          </a:p>
+          <a:p>
+            <a:pPr>
+              <a:buFont typeface="Wingdings" panose="05000000000000000000" pitchFamily="2" charset="2"/>
+              <a:buChar char="Ø"/>
+            </a:pPr>
+            <a:r>
+              <a:rPr lang="tr-TR" dirty="0"/>
+              <a:t>Client-server </a:t>
+            </a:r>
+            <a:r>
+              <a:rPr lang="tr-TR" dirty="0" smtClean="0"/>
+              <a:t>model </a:t>
+            </a:r>
           </a:p>
           <a:p>
             <a:pPr marL="0" indent="0">
               <a:buNone/>
             </a:pPr>
-            <a:endParaRPr lang="tr-TR" u="sng" dirty="0" smtClean="0">
-              <a:hlinkClick r:id="rId2"/>
-            </a:endParaRPr>
-          </a:p>
-          <a:p>
-            <a:r>
-              <a:rPr lang="tr-TR" u="sng" dirty="0" err="1" smtClean="0">
-                <a:hlinkClick r:id="rId2"/>
+            <a:r>
+              <a:rPr lang="en-US" i="1" dirty="0"/>
+              <a:t>In the client-server model, developers use a shared single repository</a:t>
+            </a:r>
+            <a:r>
+              <a:rPr lang="en-US" dirty="0" smtClean="0"/>
+              <a:t>.</a:t>
+            </a:r>
+            <a:endParaRPr lang="tr-TR" dirty="0" smtClean="0"/>
+          </a:p>
+          <a:p>
+            <a:pPr marL="0" indent="0">
+              <a:buNone/>
+            </a:pPr>
+            <a:r>
+              <a:rPr lang="tr-TR" dirty="0" smtClean="0">
+                <a:hlinkClick r:id="rId5" tooltip="IBM Rational ClearCase"/>
               </a:rPr>
-              <a:t>BitKeeper</a:t>
+              <a:t>IBM </a:t>
+            </a:r>
+            <a:r>
+              <a:rPr lang="tr-TR" dirty="0" err="1">
+                <a:hlinkClick r:id="rId5" tooltip="IBM Rational ClearCase"/>
+              </a:rPr>
+              <a:t>Rational</a:t>
+            </a:r>
+            <a:r>
+              <a:rPr lang="tr-TR" dirty="0">
+                <a:hlinkClick r:id="rId5" tooltip="IBM Rational ClearCase"/>
+              </a:rPr>
+              <a:t> </a:t>
+            </a:r>
+            <a:r>
+              <a:rPr lang="tr-TR" dirty="0" err="1" smtClean="0">
+                <a:hlinkClick r:id="rId5" tooltip="IBM Rational ClearCase"/>
+              </a:rPr>
+              <a:t>ClearCase</a:t>
+            </a:r>
+            <a:r>
+              <a:rPr lang="tr-TR" dirty="0" smtClean="0"/>
+              <a:t>,</a:t>
+            </a:r>
+            <a:r>
+              <a:rPr lang="en-US" dirty="0">
+                <a:hlinkClick r:id="rId6" tooltip="Visual SourceSafe"/>
+              </a:rPr>
+              <a:t> Visual SourceSafe</a:t>
+            </a:r>
+            <a:r>
+              <a:rPr lang="en-US" dirty="0"/>
+              <a:t> </a:t>
+            </a:r>
+            <a:r>
+              <a:rPr lang="en-US" dirty="0" smtClean="0"/>
+              <a:t>–by</a:t>
+            </a:r>
+            <a:r>
+              <a:rPr lang="en-US" dirty="0"/>
+              <a:t> </a:t>
+            </a:r>
+            <a:r>
+              <a:rPr lang="en-US" dirty="0">
+                <a:hlinkClick r:id="rId7" tooltip="Microsoft"/>
+              </a:rPr>
+              <a:t>Microsoft</a:t>
+            </a:r>
+            <a:r>
+              <a:rPr lang="en-US" dirty="0"/>
+              <a:t>; oriented toward small </a:t>
+            </a:r>
+            <a:r>
+              <a:rPr lang="en-US" dirty="0" smtClean="0"/>
+              <a:t>teams</a:t>
             </a:r>
             <a:r>
               <a:rPr lang="tr-TR" dirty="0"/>
               <a:t> </a:t>
             </a:r>
-            <a:r>
-              <a:rPr lang="en-US" dirty="0"/>
-              <a:t>– was used in </a:t>
-            </a:r>
+            <a:endParaRPr lang="tr-TR" dirty="0" smtClean="0"/>
+          </a:p>
+          <a:p>
+            <a:pPr marL="0" indent="0">
+              <a:buNone/>
+            </a:pPr>
             <a:r>
               <a:rPr lang="en-US" dirty="0">
-                <a:hlinkClick r:id="rId3" tooltip="Linux kernel"/>
+                <a:hlinkClick r:id="rId8" tooltip="Azure DevOps Server"/>
               </a:rPr>
-              <a:t>Linux kernel</a:t>
-            </a:r>
-            <a:r>
-              <a:rPr lang="en-US" dirty="0"/>
-              <a:t> development (2002 – April 2005) </a:t>
+              <a:t>Team Foundation Version Control</a:t>
+            </a:r>
+            <a:r>
+              <a:rPr lang="en-US" dirty="0"/>
+              <a:t>  - </a:t>
+            </a:r>
+            <a:r>
+              <a:rPr lang="en-US" dirty="0" smtClean="0"/>
+              <a:t>by</a:t>
+            </a:r>
+            <a:r>
+              <a:rPr lang="en-US" dirty="0"/>
+              <a:t> </a:t>
+            </a:r>
+            <a:r>
+              <a:rPr lang="en-US" dirty="0">
+                <a:hlinkClick r:id="rId7" tooltip="Microsoft"/>
+              </a:rPr>
+              <a:t>Microsoft</a:t>
+            </a:r>
+            <a:r>
+              <a:rPr lang="en-US" dirty="0"/>
+              <a:t> for Team Foundation Server, now </a:t>
+            </a:r>
+            <a:r>
+              <a:rPr lang="en-US" dirty="0">
+                <a:hlinkClick r:id="rId9" tooltip="Azure DevOps Server"/>
+              </a:rPr>
+              <a:t>Azure DevOps </a:t>
+            </a:r>
+            <a:r>
+              <a:rPr lang="en-US" dirty="0" smtClean="0">
+                <a:hlinkClick r:id="rId9" tooltip="Azure DevOps Server"/>
+              </a:rPr>
+              <a:t>Server</a:t>
             </a:r>
             <a:endParaRPr lang="tr-TR" dirty="0" smtClean="0"/>
-          </a:p>
-          <a:p>
-            <a:r>
-              <a:rPr lang="en-US" dirty="0" err="1">
-                <a:hlinkClick r:id="rId4" tooltip="Git"/>
-              </a:rPr>
-              <a:t>Git</a:t>
-            </a:r>
-            <a:r>
-              <a:rPr lang="en-US" dirty="0"/>
-              <a:t> – written in a collection of Perl, C, and various shell scripts, designed by </a:t>
-            </a:r>
-            <a:r>
-              <a:rPr lang="en-US" dirty="0">
-                <a:hlinkClick r:id="rId5" tooltip="Linus Torvalds"/>
-              </a:rPr>
-              <a:t>Linus Torvalds</a:t>
-            </a:r>
-            <a:r>
-              <a:rPr lang="en-US" dirty="0"/>
-              <a:t> based on the needs of the </a:t>
-            </a:r>
-            <a:r>
-              <a:rPr lang="en-US" dirty="0">
-                <a:hlinkClick r:id="rId3" tooltip="Linux kernel"/>
-              </a:rPr>
-              <a:t>Linux kernel</a:t>
-            </a:r>
-            <a:r>
-              <a:rPr lang="en-US" dirty="0"/>
-              <a:t> project; decentralized, and aims to be fast, flexible, and robust</a:t>
-            </a:r>
           </a:p>
           <a:p>
             <a:pPr marL="0" indent="0">
@@ -5837,20 +11789,70 @@
           </a:p>
           <a:p>
             <a:r>
-              <a:rPr lang="en-US" u="sng" dirty="0">
-                <a:hlinkClick r:id="rId6"/>
+              <a:rPr lang="en-US" dirty="0">
+                <a:hlinkClick r:id="rId10" tooltip="Concurrent Versions System"/>
               </a:rPr>
-              <a:t>Comparison of version-control software</a:t>
-            </a:r>
-            <a:endParaRPr lang="en-US" dirty="0"/>
-          </a:p>
-          <a:p>
+              <a:t>Concurrent Versions System</a:t>
+            </a:r>
+            <a:r>
+              <a:rPr lang="en-US" dirty="0"/>
+              <a:t> (CVS) – originally built on RCS, licensed under the </a:t>
+            </a:r>
             <a:r>
               <a:rPr lang="en-US" dirty="0">
-                <a:hlinkClick r:id="rId7" tooltip="Comparison of source-code-hosting facilities"/>
+                <a:hlinkClick r:id="rId11" tooltip="GPL"/>
               </a:rPr>
-              <a:t>Comparison of source-code-hosting facilities</a:t>
-            </a:r>
+              <a:t>GPL</a:t>
+            </a:r>
+            <a:r>
+              <a:rPr lang="en-US" dirty="0"/>
+              <a:t>.</a:t>
+            </a:r>
+          </a:p>
+          <a:p>
+            <a:r>
+              <a:rPr lang="en-US" dirty="0" smtClean="0">
+                <a:hlinkClick r:id="rId12" tooltip="Subversion (software)"/>
+              </a:rPr>
+              <a:t>Subversion</a:t>
+            </a:r>
+            <a:r>
+              <a:rPr lang="en-US" dirty="0"/>
+              <a:t> (SVN) – versioning control system inspired by </a:t>
+            </a:r>
+            <a:r>
+              <a:rPr lang="en-US" dirty="0" smtClean="0"/>
+              <a:t>CVS</a:t>
+            </a:r>
+            <a:endParaRPr lang="tr-TR" baseline="30000" dirty="0"/>
+          </a:p>
+          <a:p>
+            <a:r>
+              <a:rPr lang="tr-TR" b="1" dirty="0" err="1" smtClean="0"/>
+              <a:t>TortoiseSVN</a:t>
+            </a:r>
+            <a:r>
+              <a:rPr lang="tr-TR" b="1" dirty="0" smtClean="0"/>
+              <a:t> </a:t>
+            </a:r>
+            <a:r>
+              <a:rPr lang="en-US" dirty="0"/>
+              <a:t>Windows client for the </a:t>
+            </a:r>
+            <a:r>
+              <a:rPr lang="en-US" i="1" dirty="0"/>
+              <a:t>Apache™ Subversion®</a:t>
+            </a:r>
+            <a:r>
+              <a:rPr lang="en-US" dirty="0"/>
+              <a:t> version control system</a:t>
+            </a:r>
+            <a:endParaRPr lang="tr-TR" b="1" dirty="0"/>
+          </a:p>
+          <a:p>
+            <a:pPr marL="0" indent="0">
+              <a:buNone/>
+            </a:pPr>
             <a:endParaRPr lang="en-US" dirty="0"/>
           </a:p>
           <a:p>
@@ -5864,7 +11866,7 @@
     </p:spTree>
     <p:extLst>
       <p:ext uri="{BB962C8B-B14F-4D97-AF65-F5344CB8AC3E}">
-        <p14:creationId xmlns:p14="http://schemas.microsoft.com/office/powerpoint/2010/main" val="1629429898"/>
+        <p14:creationId xmlns:p14="http://schemas.microsoft.com/office/powerpoint/2010/main" val="3100918853"/>
       </p:ext>
     </p:extLst>
   </p:cSld>
@@ -5910,8 +11912,8 @@
         </p:nvSpPr>
         <p:spPr>
           <a:xfrm>
-            <a:off x="838200" y="365125"/>
-            <a:ext cx="10515600" cy="549275"/>
+            <a:off x="838200" y="109093"/>
+            <a:ext cx="10515600" cy="634619"/>
           </a:xfrm>
         </p:spPr>
         <p:txBody>
@@ -5920,15 +11922,23 @@
           </a:bodyPr>
           <a:lstStyle/>
           <a:p>
-            <a:r>
-              <a:rPr lang="tr-TR" dirty="0" smtClean="0"/>
-              <a:t>Git </a:t>
-            </a:r>
-            <a:r>
-              <a:rPr lang="tr-TR" dirty="0" err="1" smtClean="0"/>
-              <a:t>History</a:t>
-            </a:r>
-            <a:endParaRPr lang="tr-TR" dirty="0"/>
+            <a:pPr algn="ctr"/>
+            <a:r>
+              <a:rPr lang="tr-TR" b="1" dirty="0" err="1"/>
+              <a:t>Version</a:t>
+            </a:r>
+            <a:r>
+              <a:rPr lang="tr-TR" b="1" dirty="0"/>
+              <a:t> Control </a:t>
+            </a:r>
+            <a:r>
+              <a:rPr lang="tr-TR" b="1" dirty="0" smtClean="0"/>
+              <a:t>Software </a:t>
+            </a:r>
+            <a:r>
+              <a:rPr lang="tr-TR" b="1" dirty="0"/>
+              <a:t>Model</a:t>
+            </a:r>
           </a:p>
         </p:txBody>
       </p:sp>
@@ -5944,79 +11954,101 @@
         </p:nvSpPr>
         <p:spPr>
           <a:xfrm>
-            <a:off x="838200" y="914400"/>
-            <a:ext cx="10515600" cy="5262563"/>
+            <a:off x="838200" y="743712"/>
+            <a:ext cx="10515600" cy="5433251"/>
           </a:xfrm>
         </p:spPr>
         <p:txBody>
-          <a:bodyPr/>
+          <a:bodyPr>
+            <a:normAutofit lnSpcReduction="10000"/>
+          </a:bodyPr>
           <a:lstStyle/>
           <a:p>
-            <a:r>
-              <a:rPr lang="en-US" dirty="0" err="1"/>
+            <a:pPr>
+              <a:buFont typeface="Wingdings" panose="05000000000000000000" pitchFamily="2" charset="2"/>
+              <a:buChar char="Ø"/>
+            </a:pPr>
+            <a:r>
+              <a:rPr lang="tr-TR" dirty="0"/>
+              <a:t>Distributed model</a:t>
+            </a:r>
+          </a:p>
+          <a:p>
+            <a:pPr marL="0" indent="0">
+              <a:buNone/>
+            </a:pPr>
+            <a:r>
+              <a:rPr lang="en-US" i="1" dirty="0"/>
+              <a:t>In the distributed approach, each developer works directly with their own local repository, and changes are shared between repositories as a separate step.</a:t>
+            </a:r>
+            <a:endParaRPr lang="tr-TR" i="1" dirty="0"/>
+          </a:p>
+          <a:p>
+            <a:pPr marL="0" indent="0">
+              <a:buNone/>
+            </a:pPr>
+            <a:endParaRPr lang="tr-TR" u="sng" dirty="0" smtClean="0">
+              <a:hlinkClick r:id="rId2"/>
+            </a:endParaRPr>
+          </a:p>
+          <a:p>
+            <a:r>
+              <a:rPr lang="tr-TR" u="sng" dirty="0" err="1" smtClean="0">
+                <a:hlinkClick r:id="rId2"/>
+              </a:rPr>
+              <a:t>BitKeeper</a:t>
+            </a:r>
+            <a:r>
+              <a:rPr lang="tr-TR" dirty="0"/>
+              <a:t> </a:t>
+            </a:r>
+            <a:r>
+              <a:rPr lang="en-US" dirty="0"/>
+              <a:t>– was used in </a:t>
+            </a:r>
+            <a:r>
+              <a:rPr lang="en-US" dirty="0">
+                <a:hlinkClick r:id="rId3" tooltip="Linux kernel"/>
+              </a:rPr>
+              <a:t>Linux kernel</a:t>
+            </a:r>
+            <a:r>
+              <a:rPr lang="en-US" dirty="0"/>
+              <a:t> development (2002 – April 2005) </a:t>
+            </a:r>
+            <a:endParaRPr lang="tr-TR" dirty="0" smtClean="0"/>
+          </a:p>
+          <a:p>
+            <a:r>
+              <a:rPr lang="en-US" dirty="0" err="1">
+                <a:hlinkClick r:id="rId4" tooltip="Git"/>
+              </a:rPr>
               <a:t>Git</a:t>
             </a:r>
             <a:r>
               <a:rPr lang="en-US" dirty="0"/>
-              <a:t> development began </a:t>
-            </a:r>
-            <a:r>
-              <a:rPr lang="en-US" dirty="0" smtClean="0"/>
-              <a:t>in </a:t>
-            </a:r>
-            <a:r>
-              <a:rPr lang="en-US" dirty="0"/>
-              <a:t>April </a:t>
-            </a:r>
-            <a:r>
-              <a:rPr lang="en-US" dirty="0" smtClean="0"/>
-              <a:t>2005</a:t>
-            </a:r>
-            <a:r>
-              <a:rPr lang="tr-TR" dirty="0" smtClean="0"/>
-              <a:t> ( Linux Developer </a:t>
-            </a:r>
-            <a:r>
-              <a:rPr lang="tr-TR" dirty="0" err="1" smtClean="0"/>
-              <a:t>gave</a:t>
-            </a:r>
-            <a:r>
-              <a:rPr lang="tr-TR" dirty="0" smtClean="0"/>
-              <a:t> </a:t>
-            </a:r>
-            <a:r>
-              <a:rPr lang="tr-TR" dirty="0" err="1" smtClean="0"/>
-              <a:t>up</a:t>
-            </a:r>
-            <a:r>
-              <a:rPr lang="tr-TR" dirty="0" smtClean="0"/>
-              <a:t> </a:t>
-            </a:r>
-            <a:r>
-              <a:rPr lang="tr-TR" dirty="0" err="1" smtClean="0"/>
-              <a:t>BitKeeper</a:t>
-            </a:r>
-            <a:r>
-              <a:rPr lang="tr-TR" dirty="0" smtClean="0"/>
-              <a:t>)</a:t>
-            </a:r>
-          </a:p>
-          <a:p>
+              <a:t> – written in a collection of Perl, C, and various shell scripts, designed by </a:t>
+            </a:r>
             <a:r>
               <a:rPr lang="en-US" dirty="0">
-                <a:hlinkClick r:id="rId2" tooltip="Linus Torvalds"/>
+                <a:hlinkClick r:id="rId5" tooltip="Linus Torvalds"/>
               </a:rPr>
               <a:t>Linus Torvalds</a:t>
             </a:r>
             <a:r>
               <a:rPr lang="en-US" dirty="0"/>
-              <a:t> wanted a distributed system that he could use like </a:t>
-            </a:r>
-            <a:r>
-              <a:rPr lang="en-US" dirty="0" err="1" smtClean="0"/>
-              <a:t>BitKeeper</a:t>
-            </a:r>
-            <a:endParaRPr lang="tr-TR" dirty="0" smtClean="0"/>
+              <a:t> based on the needs of the </a:t>
+            </a:r>
+            <a:r>
+              <a:rPr lang="en-US" dirty="0">
+                <a:hlinkClick r:id="rId3" tooltip="Linux kernel"/>
+              </a:rPr>
+              <a:t>Linux kernel</a:t>
+            </a:r>
+            <a:r>
+              <a:rPr lang="en-US" dirty="0"/>
+              <a:t> project; decentralized, and aims to be fast, flexible, and robust</a:t>
+            </a:r>
           </a:p>
           <a:p>
             <a:pPr marL="0" indent="0">
@@ -6025,75 +12057,20 @@
             <a:endParaRPr lang="tr-TR" dirty="0" smtClean="0"/>
           </a:p>
           <a:p>
-            <a:pPr>
-              <a:buFont typeface="Wingdings" panose="05000000000000000000" pitchFamily="2" charset="2"/>
-              <a:buChar char="q"/>
-            </a:pPr>
-            <a:r>
-              <a:rPr lang="en-US" dirty="0"/>
-              <a:t>Take </a:t>
-            </a:r>
+            <a:r>
+              <a:rPr lang="en-US" u="sng" dirty="0">
+                <a:hlinkClick r:id="rId6"/>
+              </a:rPr>
+              <a:t>Comparison of version-control software</a:t>
+            </a:r>
+            <a:endParaRPr lang="en-US" dirty="0"/>
+          </a:p>
+          <a:p>
             <a:r>
               <a:rPr lang="en-US" dirty="0">
-                <a:hlinkClick r:id="rId3" tooltip="Concurrent Versions System"/>
+                <a:hlinkClick r:id="rId7" tooltip="Comparison of source-code-hosting facilities"/>
               </a:rPr>
-              <a:t>Concurrent Versions System</a:t>
-            </a:r>
-            <a:r>
-              <a:rPr lang="en-US" dirty="0"/>
-              <a:t> (CVS) as an example of what </a:t>
-            </a:r>
-            <a:r>
-              <a:rPr lang="en-US" i="1" dirty="0"/>
-              <a:t>not</a:t>
-            </a:r>
-            <a:r>
-              <a:rPr lang="en-US" dirty="0"/>
-              <a:t> to do; if in doubt, make the exact opposite decision</a:t>
-            </a:r>
-            <a:r>
-              <a:rPr lang="en-US" dirty="0" smtClean="0"/>
-              <a:t>.</a:t>
-            </a:r>
-            <a:endParaRPr lang="en-US" dirty="0"/>
-          </a:p>
-          <a:p>
-            <a:pPr>
-              <a:buFont typeface="Wingdings" panose="05000000000000000000" pitchFamily="2" charset="2"/>
-              <a:buChar char="q"/>
-            </a:pPr>
-            <a:r>
-              <a:rPr lang="en-US" dirty="0"/>
-              <a:t>Support a distributed, </a:t>
-            </a:r>
-            <a:r>
-              <a:rPr lang="en-US" dirty="0" err="1">
-                <a:hlinkClick r:id="rId4" tooltip="BitKeeper"/>
-              </a:rPr>
-              <a:t>BitKeeper</a:t>
-            </a:r>
-            <a:r>
-              <a:rPr lang="en-US" dirty="0"/>
-              <a:t>-like workflow</a:t>
-            </a:r>
-            <a:r>
-              <a:rPr lang="en-US" dirty="0" smtClean="0"/>
-              <a:t>.</a:t>
-            </a:r>
-            <a:endParaRPr lang="en-US" dirty="0"/>
-          </a:p>
-          <a:p>
-            <a:pPr>
-              <a:buFont typeface="Wingdings" panose="05000000000000000000" pitchFamily="2" charset="2"/>
-              <a:buChar char="q"/>
-            </a:pPr>
-            <a:r>
-              <a:rPr lang="en-US" dirty="0"/>
-              <a:t>Include very strong safeguards against corruption, either accidental or malicious</a:t>
-            </a:r>
-            <a:r>
-              <a:rPr lang="en-US" dirty="0" smtClean="0"/>
-              <a:t>.</a:t>
+              <a:t>Comparison of source-code-hosting facilities</a:t>
             </a:r>
             <a:endParaRPr lang="en-US" dirty="0"/>
           </a:p>
@@ -6108,13 +12085,20 @@
     </p:spTree>
     <p:extLst>
       <p:ext uri="{BB962C8B-B14F-4D97-AF65-F5344CB8AC3E}">
-        <p14:creationId xmlns:p14="http://schemas.microsoft.com/office/powerpoint/2010/main" val="3467884662"/>
+        <p14:creationId xmlns:p14="http://schemas.microsoft.com/office/powerpoint/2010/main" val="1629429898"/>
       </p:ext>
     </p:extLst>
   </p:cSld>
   <p:clrMapOvr>
     <a:masterClrMapping/>
   </p:clrMapOvr>
+  <p:timing>
+    <p:tnLst>
+      <p:par>
+        <p:cTn id="1" dur="indefinite" restart="never" nodeType="tmRoot"/>
+      </p:par>
+    </p:tnLst>
+  </p:timing>
 </p:sld>
 </file>
 
@@ -6145,18 +12129,25 @@
             <p:ph type="title"/>
           </p:nvPr>
         </p:nvSpPr>
-        <p:spPr/>
+        <p:spPr>
+          <a:xfrm>
+            <a:off x="838200" y="365125"/>
+            <a:ext cx="10515600" cy="549275"/>
+          </a:xfrm>
+        </p:spPr>
         <p:txBody>
-          <a:bodyPr/>
+          <a:bodyPr>
+            <a:normAutofit fontScale="90000"/>
+          </a:bodyPr>
           <a:lstStyle/>
           <a:p>
             <a:r>
+              <a:rPr lang="tr-TR" dirty="0" smtClean="0"/>
+              <a:t>Git </a:t>
+            </a:r>
+            <a:r>
               <a:rPr lang="tr-TR" dirty="0" err="1" smtClean="0"/>
-              <a:t>What</a:t>
-            </a:r>
-            <a:r>
-              <a:rPr lang="tr-TR" dirty="0" smtClean="0"/>
-              <a:t> is Distributed?</a:t>
+              <a:t>History</a:t>
             </a:r>
             <a:endParaRPr lang="tr-TR" dirty="0"/>
           </a:p>
@@ -6172,115 +12163,165 @@
             <p:ph idx="1"/>
           </p:nvPr>
         </p:nvSpPr>
-        <p:spPr/>
+        <p:spPr>
+          <a:xfrm>
+            <a:off x="838200" y="914400"/>
+            <a:ext cx="10515600" cy="5262563"/>
+          </a:xfrm>
+        </p:spPr>
         <p:txBody>
           <a:bodyPr/>
           <a:lstStyle/>
           <a:p>
             <a:r>
-              <a:rPr lang="en-US" dirty="0"/>
-              <a:t>In </a:t>
-            </a:r>
+              <a:rPr lang="en-US" dirty="0" err="1"/>
+              <a:t>Git</a:t>
+            </a:r>
+            <a:r>
+              <a:rPr lang="en-US" dirty="0"/>
+              <a:t> development began </a:t>
+            </a:r>
+            <a:r>
+              <a:rPr lang="en-US" dirty="0" smtClean="0"/>
+              <a:t>in </a:t>
+            </a:r>
+            <a:r>
+              <a:rPr lang="en-US" dirty="0"/>
+              <a:t>April </a:t>
+            </a:r>
+            <a:r>
+              <a:rPr lang="en-US" dirty="0" smtClean="0"/>
+              <a:t>2005</a:t>
+            </a:r>
+            <a:r>
+              <a:rPr lang="tr-TR" dirty="0" smtClean="0"/>
+              <a:t> ( Linux Developer </a:t>
+            </a:r>
+            <a:r>
+              <a:rPr lang="tr-TR" dirty="0" err="1" smtClean="0"/>
+              <a:t>gave</a:t>
+            </a:r>
+            <a:r>
+              <a:rPr lang="tr-TR" dirty="0" smtClean="0"/>
+              <a:t> </a:t>
+            </a:r>
+            <a:r>
+              <a:rPr lang="tr-TR" dirty="0" err="1" smtClean="0"/>
+              <a:t>up</a:t>
+            </a:r>
+            <a:r>
+              <a:rPr lang="tr-TR" dirty="0" smtClean="0"/>
+              <a:t> </a:t>
+            </a:r>
+            <a:r>
+              <a:rPr lang="tr-TR" dirty="0" err="1" smtClean="0"/>
+              <a:t>BitKeeper</a:t>
+            </a:r>
+            <a:r>
+              <a:rPr lang="tr-TR" dirty="0" smtClean="0"/>
+              <a:t>)</a:t>
+            </a:r>
+          </a:p>
+          <a:p>
             <a:r>
               <a:rPr lang="en-US" dirty="0">
-                <a:hlinkClick r:id="rId2" tooltip="Software development"/>
+                <a:hlinkClick r:id="rId2" tooltip="Linus Torvalds"/>
               </a:rPr>
-              <a:t>software development</a:t>
-            </a:r>
-            <a:r>
-              <a:rPr lang="en-US" dirty="0"/>
-              <a:t>, </a:t>
-            </a:r>
-            <a:r>
-              <a:rPr lang="en-US" b="1" dirty="0"/>
-              <a:t>distributed version control</a:t>
-            </a:r>
-            <a:r>
-              <a:rPr lang="en-US" dirty="0"/>
-              <a:t> (also known as </a:t>
-            </a:r>
-            <a:r>
-              <a:rPr lang="en-US" b="1" dirty="0"/>
-              <a:t>distributed revision control</a:t>
-            </a:r>
-            <a:r>
-              <a:rPr lang="en-US" dirty="0"/>
-              <a:t>) is a form of </a:t>
+              <a:t>Linus Torvalds</a:t>
+            </a:r>
+            <a:r>
+              <a:rPr lang="en-US" dirty="0"/>
+              <a:t> wanted a distributed system that he could use like </a:t>
+            </a:r>
+            <a:r>
+              <a:rPr lang="en-US" dirty="0" err="1" smtClean="0"/>
+              <a:t>BitKeeper</a:t>
+            </a:r>
+            <a:endParaRPr lang="tr-TR" dirty="0" smtClean="0"/>
+          </a:p>
+          <a:p>
+            <a:pPr marL="0" indent="0">
+              <a:buNone/>
+            </a:pPr>
+            <a:endParaRPr lang="tr-TR" dirty="0" smtClean="0"/>
+          </a:p>
+          <a:p>
+            <a:pPr>
+              <a:buFont typeface="Wingdings" panose="05000000000000000000" pitchFamily="2" charset="2"/>
+              <a:buChar char="q"/>
+            </a:pPr>
+            <a:r>
+              <a:rPr lang="en-US" dirty="0"/>
+              <a:t>Take </a:t>
             </a:r>
             <a:r>
               <a:rPr lang="en-US" dirty="0">
-                <a:hlinkClick r:id="rId3" tooltip="Version control"/>
+                <a:hlinkClick r:id="rId3" tooltip="Concurrent Versions System"/>
               </a:rPr>
-              <a:t>version control</a:t>
-            </a:r>
-            <a:r>
-              <a:rPr lang="en-US" dirty="0"/>
-              <a:t> in which the complete </a:t>
-            </a:r>
-            <a:r>
-              <a:rPr lang="en-US" dirty="0">
-                <a:hlinkClick r:id="rId4" tooltip="Codebase"/>
-              </a:rPr>
-              <a:t>codebase</a:t>
-            </a:r>
-            <a:r>
-              <a:rPr lang="en-US" dirty="0"/>
-              <a:t>, including its full history, is mirrored on every developer's computer</a:t>
+              <a:t>Concurrent Versions System</a:t>
+            </a:r>
+            <a:r>
+              <a:rPr lang="en-US" dirty="0"/>
+              <a:t> (CVS) as an example of what </a:t>
+            </a:r>
+            <a:r>
+              <a:rPr lang="en-US" i="1" dirty="0"/>
+              <a:t>not</a:t>
+            </a:r>
+            <a:r>
+              <a:rPr lang="en-US" dirty="0"/>
+              <a:t> to do; if in doubt, make the exact opposite decision</a:t>
             </a:r>
             <a:r>
               <a:rPr lang="en-US" dirty="0" smtClean="0"/>
               <a:t>.</a:t>
             </a:r>
-            <a:r>
-              <a:rPr lang="en-US" dirty="0"/>
-              <a:t> Compared to centralized version control, this enables automatic management </a:t>
-            </a:r>
-            <a:r>
-              <a:rPr lang="en-US" dirty="0">
-                <a:hlinkClick r:id="rId5" tooltip="Branching (version control)"/>
+            <a:endParaRPr lang="en-US" dirty="0"/>
+          </a:p>
+          <a:p>
+            <a:pPr>
+              <a:buFont typeface="Wingdings" panose="05000000000000000000" pitchFamily="2" charset="2"/>
+              <a:buChar char="q"/>
+            </a:pPr>
+            <a:r>
+              <a:rPr lang="en-US" dirty="0"/>
+              <a:t>Support a distributed, </a:t>
+            </a:r>
+            <a:r>
+              <a:rPr lang="en-US" dirty="0" err="1">
+                <a:hlinkClick r:id="rId4" tooltip="BitKeeper"/>
               </a:rPr>
-              <a:t>branching</a:t>
-            </a:r>
-            <a:r>
-              <a:rPr lang="en-US" dirty="0"/>
-              <a:t> and </a:t>
-            </a:r>
-            <a:r>
-              <a:rPr lang="en-US" dirty="0">
-                <a:hlinkClick r:id="rId6" tooltip="Merge (version control)"/>
-              </a:rPr>
-              <a:t>merging</a:t>
-            </a:r>
-            <a:r>
-              <a:rPr lang="en-US" dirty="0"/>
-              <a:t>, speeds up most operations (except pushing and pulling), improves the ability to work offline, and does not rely on a single location for backups</a:t>
+              <a:t>BitKeeper</a:t>
+            </a:r>
+            <a:r>
+              <a:rPr lang="en-US" dirty="0"/>
+              <a:t>-like workflow</a:t>
             </a:r>
             <a:r>
               <a:rPr lang="en-US" dirty="0" smtClean="0"/>
               <a:t>.</a:t>
             </a:r>
-            <a:r>
-              <a:rPr lang="en-US" dirty="0"/>
-              <a:t> </a:t>
-            </a:r>
-            <a:r>
-              <a:rPr lang="en-US" dirty="0" err="1">
-                <a:hlinkClick r:id="rId7" tooltip="Git (software)"/>
-              </a:rPr>
-              <a:t>Git</a:t>
-            </a:r>
-            <a:r>
-              <a:rPr lang="en-US" dirty="0"/>
-              <a:t>, the world's most popular version control system</a:t>
+            <a:endParaRPr lang="en-US" dirty="0"/>
+          </a:p>
+          <a:p>
+            <a:pPr>
+              <a:buFont typeface="Wingdings" panose="05000000000000000000" pitchFamily="2" charset="2"/>
+              <a:buChar char="q"/>
+            </a:pPr>
+            <a:r>
+              <a:rPr lang="en-US" dirty="0"/>
+              <a:t>Include very strong safeguards against corruption, either accidental or malicious</a:t>
             </a:r>
             <a:r>
               <a:rPr lang="en-US" dirty="0" smtClean="0"/>
-              <a:t>,</a:t>
-            </a:r>
-            <a:r>
-              <a:rPr lang="en-US" dirty="0"/>
-              <a:t> is a distributed version control system.</a:t>
-            </a:r>
+              <a:t>.</a:t>
+            </a:r>
+            <a:endParaRPr lang="en-US" dirty="0"/>
+          </a:p>
+          <a:p>
+            <a:pPr marL="0" indent="0">
+              <a:buNone/>
+            </a:pPr>
             <a:endParaRPr lang="tr-TR" dirty="0"/>
           </a:p>
         </p:txBody>
@@ -6288,13 +12329,20 @@
     </p:spTree>
     <p:extLst>
       <p:ext uri="{BB962C8B-B14F-4D97-AF65-F5344CB8AC3E}">
-        <p14:creationId xmlns:p14="http://schemas.microsoft.com/office/powerpoint/2010/main" val="2086532457"/>
+        <p14:creationId xmlns:p14="http://schemas.microsoft.com/office/powerpoint/2010/main" val="3467884662"/>
       </p:ext>
     </p:extLst>
   </p:cSld>
   <p:clrMapOvr>
     <a:masterClrMapping/>
   </p:clrMapOvr>
+  <p:timing>
+    <p:tnLst>
+      <p:par>
+        <p:cTn id="1" dur="indefinite" restart="never" nodeType="tmRoot"/>
+      </p:par>
+    </p:tnLst>
+  </p:timing>
 </p:sld>
 </file>
 

--- a/Version Control Protocols.pptx
+++ b/Version Control Protocols.pptx
@@ -942,6 +942,13 @@
         </dgm:presLayoutVars>
       </dgm:prSet>
       <dgm:spPr/>
+      <dgm:t>
+        <a:bodyPr/>
+        <a:lstStyle/>
+        <a:p>
+          <a:endParaRPr lang="tr-TR"/>
+        </a:p>
+      </dgm:t>
     </dgm:pt>
     <dgm:pt modelId="{8A2C05CA-0A87-4B4A-8091-94814D4BB61E}" type="pres">
       <dgm:prSet presAssocID="{54E3CB72-238A-4F2A-91C4-ED1419080A52}" presName="node" presStyleLbl="node1" presStyleIdx="0" presStyleCnt="1">
@@ -2377,7 +2384,7 @@
           <a:p>
             <a:fld id="{CE7785BD-8839-4C52-8C06-B3FE284303AC}" type="datetimeFigureOut">
               <a:rPr lang="tr-TR" smtClean="0"/>
-              <a:t>17.10.2022</a:t>
+              <a:t>20.10.2022</a:t>
             </a:fld>
             <a:endParaRPr lang="tr-TR"/>
           </a:p>
@@ -2547,7 +2554,7 @@
           <a:p>
             <a:fld id="{CE7785BD-8839-4C52-8C06-B3FE284303AC}" type="datetimeFigureOut">
               <a:rPr lang="tr-TR" smtClean="0"/>
-              <a:t>17.10.2022</a:t>
+              <a:t>20.10.2022</a:t>
             </a:fld>
             <a:endParaRPr lang="tr-TR"/>
           </a:p>
@@ -2727,7 +2734,7 @@
           <a:p>
             <a:fld id="{CE7785BD-8839-4C52-8C06-B3FE284303AC}" type="datetimeFigureOut">
               <a:rPr lang="tr-TR" smtClean="0"/>
-              <a:t>17.10.2022</a:t>
+              <a:t>20.10.2022</a:t>
             </a:fld>
             <a:endParaRPr lang="tr-TR"/>
           </a:p>
@@ -2897,7 +2904,7 @@
           <a:p>
             <a:fld id="{CE7785BD-8839-4C52-8C06-B3FE284303AC}" type="datetimeFigureOut">
               <a:rPr lang="tr-TR" smtClean="0"/>
-              <a:t>17.10.2022</a:t>
+              <a:t>20.10.2022</a:t>
             </a:fld>
             <a:endParaRPr lang="tr-TR"/>
           </a:p>
@@ -3143,7 +3150,7 @@
           <a:p>
             <a:fld id="{CE7785BD-8839-4C52-8C06-B3FE284303AC}" type="datetimeFigureOut">
               <a:rPr lang="tr-TR" smtClean="0"/>
-              <a:t>17.10.2022</a:t>
+              <a:t>20.10.2022</a:t>
             </a:fld>
             <a:endParaRPr lang="tr-TR"/>
           </a:p>
@@ -3375,7 +3382,7 @@
           <a:p>
             <a:fld id="{CE7785BD-8839-4C52-8C06-B3FE284303AC}" type="datetimeFigureOut">
               <a:rPr lang="tr-TR" smtClean="0"/>
-              <a:t>17.10.2022</a:t>
+              <a:t>20.10.2022</a:t>
             </a:fld>
             <a:endParaRPr lang="tr-TR"/>
           </a:p>
@@ -3742,7 +3749,7 @@
           <a:p>
             <a:fld id="{CE7785BD-8839-4C52-8C06-B3FE284303AC}" type="datetimeFigureOut">
               <a:rPr lang="tr-TR" smtClean="0"/>
-              <a:t>17.10.2022</a:t>
+              <a:t>20.10.2022</a:t>
             </a:fld>
             <a:endParaRPr lang="tr-TR"/>
           </a:p>
@@ -3860,7 +3867,7 @@
           <a:p>
             <a:fld id="{CE7785BD-8839-4C52-8C06-B3FE284303AC}" type="datetimeFigureOut">
               <a:rPr lang="tr-TR" smtClean="0"/>
-              <a:t>17.10.2022</a:t>
+              <a:t>20.10.2022</a:t>
             </a:fld>
             <a:endParaRPr lang="tr-TR"/>
           </a:p>
@@ -3955,7 +3962,7 @@
           <a:p>
             <a:fld id="{CE7785BD-8839-4C52-8C06-B3FE284303AC}" type="datetimeFigureOut">
               <a:rPr lang="tr-TR" smtClean="0"/>
-              <a:t>17.10.2022</a:t>
+              <a:t>20.10.2022</a:t>
             </a:fld>
             <a:endParaRPr lang="tr-TR"/>
           </a:p>
@@ -4232,7 +4239,7 @@
           <a:p>
             <a:fld id="{CE7785BD-8839-4C52-8C06-B3FE284303AC}" type="datetimeFigureOut">
               <a:rPr lang="tr-TR" smtClean="0"/>
-              <a:t>17.10.2022</a:t>
+              <a:t>20.10.2022</a:t>
             </a:fld>
             <a:endParaRPr lang="tr-TR"/>
           </a:p>
@@ -4485,7 +4492,7 @@
           <a:p>
             <a:fld id="{CE7785BD-8839-4C52-8C06-B3FE284303AC}" type="datetimeFigureOut">
               <a:rPr lang="tr-TR" smtClean="0"/>
-              <a:t>17.10.2022</a:t>
+              <a:t>20.10.2022</a:t>
             </a:fld>
             <a:endParaRPr lang="tr-TR"/>
           </a:p>
@@ -4698,7 +4705,7 @@
           <a:p>
             <a:fld id="{CE7785BD-8839-4C52-8C06-B3FE284303AC}" type="datetimeFigureOut">
               <a:rPr lang="tr-TR" smtClean="0"/>
-              <a:t>17.10.2022</a:t>
+              <a:t>20.10.2022</a:t>
             </a:fld>
             <a:endParaRPr lang="tr-TR"/>
           </a:p>
@@ -5205,6 +5212,7 @@
           <a:bodyPr/>
           <a:lstStyle/>
           <a:p>
+            <a:pPr algn="just"/>
             <a:r>
               <a:rPr lang="en-US" dirty="0"/>
               <a:t>In </a:t>
@@ -5405,6 +5413,7 @@
           <a:bodyPr/>
           <a:lstStyle/>
           <a:p>
+            <a:pPr algn="just"/>
             <a:r>
               <a:rPr lang="en-US" dirty="0"/>
               <a:t>Distributed version control systems (DVCS) use a </a:t>
@@ -5446,7 +5455,7 @@
             <a:endParaRPr lang="tr-TR" dirty="0" smtClean="0"/>
           </a:p>
           <a:p>
-            <a:pPr marL="0" indent="0">
+            <a:pPr marL="0" indent="0" algn="just">
               <a:buNone/>
             </a:pPr>
             <a:r>
@@ -5460,7 +5469,7 @@
             <a:endParaRPr lang="tr-TR" dirty="0" smtClean="0"/>
           </a:p>
           <a:p>
-            <a:pPr>
+            <a:pPr algn="just">
               <a:buFont typeface="Wingdings" panose="05000000000000000000" pitchFamily="2" charset="2"/>
               <a:buChar char="ü"/>
             </a:pPr>
@@ -5475,7 +5484,7 @@
             <a:endParaRPr lang="tr-TR" dirty="0" smtClean="0"/>
           </a:p>
           <a:p>
-            <a:pPr>
+            <a:pPr algn="just">
               <a:buFont typeface="Wingdings" panose="05000000000000000000" pitchFamily="2" charset="2"/>
               <a:buChar char="ü"/>
             </a:pPr>
@@ -5509,7 +5518,7 @@
             </a:r>
           </a:p>
           <a:p>
-            <a:pPr>
+            <a:pPr algn="just">
               <a:buFont typeface="Wingdings" panose="05000000000000000000" pitchFamily="2" charset="2"/>
               <a:buChar char="ü"/>
             </a:pPr>
@@ -5536,7 +5545,7 @@
             <a:endParaRPr lang="tr-TR" dirty="0" smtClean="0"/>
           </a:p>
           <a:p>
-            <a:pPr>
+            <a:pPr algn="just">
               <a:buFont typeface="Wingdings" panose="05000000000000000000" pitchFamily="2" charset="2"/>
               <a:buChar char="ü"/>
             </a:pPr>
@@ -5563,7 +5572,7 @@
             <a:endParaRPr lang="tr-TR" dirty="0" smtClean="0"/>
           </a:p>
           <a:p>
-            <a:pPr>
+            <a:pPr algn="just">
               <a:buFont typeface="Wingdings" panose="05000000000000000000" pitchFamily="2" charset="2"/>
               <a:buChar char="ü"/>
             </a:pPr>
@@ -5577,14 +5586,13 @@
             </a:r>
             <a:r>
               <a:rPr lang="en-US" dirty="0"/>
-              <a:t>relying on one physical machine as a single point of failure</a:t>
-            </a:r>
-          </a:p>
-          <a:p>
-            <a:pPr marL="0" indent="0">
-              <a:buNone/>
-            </a:pPr>
-            <a:endParaRPr lang="tr-TR" dirty="0"/>
+              <a:t>relying on one physical machine as a single point of </a:t>
+            </a:r>
+            <a:r>
+              <a:rPr lang="en-US" dirty="0" smtClean="0"/>
+              <a:t>failure</a:t>
+            </a:r>
+            <a:endParaRPr lang="tr-TR" dirty="0" smtClean="0"/>
           </a:p>
         </p:txBody>
       </p:sp>
@@ -5679,7 +5687,7 @@
           <a:bodyPr/>
           <a:lstStyle/>
           <a:p>
-            <a:pPr marL="0" indent="0">
+            <a:pPr marL="0" indent="0" algn="just">
               <a:buNone/>
             </a:pPr>
             <a:r>
@@ -5697,7 +5705,7 @@
             <a:endParaRPr lang="tr-TR" dirty="0" smtClean="0"/>
           </a:p>
           <a:p>
-            <a:pPr>
+            <a:pPr algn="just">
               <a:buFont typeface="Wingdings" panose="05000000000000000000" pitchFamily="2" charset="2"/>
               <a:buChar char="v"/>
             </a:pPr>
@@ -5707,7 +5715,7 @@
             </a:r>
           </a:p>
           <a:p>
-            <a:pPr>
+            <a:pPr algn="just">
               <a:buFont typeface="Wingdings" panose="05000000000000000000" pitchFamily="2" charset="2"/>
               <a:buChar char="v"/>
             </a:pPr>
@@ -5724,12 +5732,6 @@
               <a:t>.</a:t>
             </a:r>
             <a:endParaRPr lang="tr-TR" dirty="0" smtClean="0"/>
-          </a:p>
-          <a:p>
-            <a:pPr marL="0" indent="0">
-              <a:buNone/>
-            </a:pPr>
-            <a:endParaRPr lang="tr-TR" dirty="0"/>
           </a:p>
         </p:txBody>
       </p:sp>
@@ -6151,6 +6153,7 @@
           <a:bodyPr/>
           <a:lstStyle/>
           <a:p>
+            <a:pPr algn="just"/>
             <a:r>
               <a:rPr lang="en-US" dirty="0" err="1"/>
               <a:t>Git</a:t>
@@ -6477,13 +6480,14 @@
           <a:bodyPr/>
           <a:lstStyle/>
           <a:p>
+            <a:pPr algn="just"/>
             <a:r>
               <a:rPr lang="en-US" b="1" dirty="0"/>
               <a:t>Nearly Every Operation Is Local</a:t>
             </a:r>
           </a:p>
           <a:p>
-            <a:pPr marL="0" indent="0">
+            <a:pPr marL="0" indent="0" algn="just">
               <a:buNone/>
             </a:pPr>
             <a:r>
@@ -6501,6 +6505,7 @@
             <a:endParaRPr lang="tr-TR" dirty="0" smtClean="0"/>
           </a:p>
           <a:p>
+            <a:pPr algn="just"/>
             <a:r>
               <a:rPr lang="tr-TR" b="1" dirty="0"/>
               <a:t>Git Has </a:t>
@@ -6527,7 +6532,7 @@
             </a:r>
           </a:p>
           <a:p>
-            <a:pPr marL="0" indent="0">
+            <a:pPr marL="0" indent="0" algn="just">
               <a:buNone/>
             </a:pPr>
             <a:r>
@@ -6561,6 +6566,7 @@
             <a:endParaRPr lang="tr-TR" dirty="0" smtClean="0"/>
           </a:p>
           <a:p>
+            <a:pPr algn="just"/>
             <a:r>
               <a:rPr lang="en-US" b="1" dirty="0" err="1"/>
               <a:t>Git</a:t>
@@ -6576,7 +6582,7 @@
             <a:endParaRPr lang="tr-TR" b="1" dirty="0" smtClean="0"/>
           </a:p>
           <a:p>
-            <a:pPr marL="0" indent="0">
+            <a:pPr marL="0" indent="0" algn="just">
               <a:buNone/>
             </a:pPr>
             <a:r>
@@ -6601,20 +6607,12 @@
             </a:r>
             <a:r>
               <a:rPr lang="en-US" dirty="0"/>
-              <a:t>, it is very difficult to lose, especially if you regularly push your database to another repository.</a:t>
-            </a:r>
-            <a:endParaRPr lang="en-US" b="1" dirty="0"/>
-          </a:p>
-          <a:p>
-            <a:pPr marL="0" indent="0">
-              <a:buNone/>
-            </a:pPr>
-            <a:endParaRPr lang="tr-TR" b="1" dirty="0"/>
-          </a:p>
-          <a:p>
-            <a:pPr marL="0" indent="0">
-              <a:buNone/>
-            </a:pPr>
+              <a:t>, it is very difficult to lose, especially if you regularly push your database to another repository</a:t>
+            </a:r>
+            <a:r>
+              <a:rPr lang="en-US" dirty="0" smtClean="0"/>
+              <a:t>.</a:t>
+            </a:r>
             <a:endParaRPr lang="tr-TR" dirty="0"/>
           </a:p>
         </p:txBody>
@@ -6760,6 +6758,7 @@
           <a:bodyPr/>
           <a:lstStyle/>
           <a:p>
+            <a:pPr algn="just"/>
             <a:r>
               <a:rPr lang="tr-TR" dirty="0"/>
               <a:t> </a:t>
@@ -6798,28 +6797,30 @@
             </a:r>
           </a:p>
           <a:p>
+            <a:pPr algn="just"/>
             <a:r>
               <a:rPr lang="en-US" dirty="0"/>
               <a:t>Modified means that you have changed the file but have not committed it to your database yet.</a:t>
             </a:r>
           </a:p>
           <a:p>
+            <a:pPr algn="just"/>
             <a:r>
               <a:rPr lang="en-US" dirty="0"/>
               <a:t>Staged means that you have marked a modified file in its current version to go into your next commit snapshot.</a:t>
             </a:r>
           </a:p>
           <a:p>
-            <a:r>
-              <a:rPr lang="en-US" dirty="0"/>
-              <a:t>Committed means that the data is safely stored in your local database.</a:t>
-            </a:r>
-          </a:p>
-          <a:p>
-            <a:pPr marL="0" indent="0">
-              <a:buNone/>
-            </a:pPr>
-            <a:endParaRPr lang="tr-TR" dirty="0"/>
+            <a:pPr algn="just"/>
+            <a:r>
+              <a:rPr lang="en-US" dirty="0"/>
+              <a:t>Committed means that the data is safely stored in your local database</a:t>
+            </a:r>
+            <a:r>
+              <a:rPr lang="en-US" dirty="0" smtClean="0"/>
+              <a:t>.</a:t>
+            </a:r>
+            <a:endParaRPr lang="en-US" dirty="0"/>
           </a:p>
         </p:txBody>
       </p:sp>
@@ -6956,7 +6957,7 @@
           </a:bodyPr>
           <a:lstStyle/>
           <a:p>
-            <a:pPr marL="0" indent="0">
+            <a:pPr marL="0" indent="0" algn="just">
               <a:buNone/>
             </a:pPr>
             <a:r>
@@ -7054,6 +7055,7 @@
             </a:endParaRPr>
           </a:p>
           <a:p>
+            <a:pPr algn="just"/>
             <a:r>
               <a:rPr lang="tr-TR" dirty="0" smtClean="0">
                 <a:solidFill>
@@ -7079,7 +7081,7 @@
             <a:endParaRPr lang="tr-TR" dirty="0" smtClean="0"/>
           </a:p>
           <a:p>
-            <a:pPr marL="0" indent="0">
+            <a:pPr marL="0" indent="0" algn="just">
               <a:buNone/>
             </a:pPr>
             <a:r>
@@ -7119,22 +7121,18 @@
             <a:endParaRPr lang="tr-TR" dirty="0" smtClean="0"/>
           </a:p>
           <a:p>
-            <a:pPr marL="0" indent="0">
+            <a:pPr marL="0" indent="0" algn="just">
               <a:buNone/>
             </a:pPr>
             <a:endParaRPr lang="tr-TR" dirty="0" smtClean="0"/>
           </a:p>
           <a:p>
-            <a:pPr marL="0" indent="0">
+            <a:pPr marL="0" indent="0" algn="just">
               <a:buNone/>
             </a:pPr>
             <a:r>
               <a:rPr lang="tr-TR" dirty="0" smtClean="0"/>
-              <a:t>$ </a:t>
-            </a:r>
-            <a:r>
-              <a:rPr lang="tr-TR" dirty="0" smtClean="0"/>
-              <a:t>git </a:t>
+              <a:t>$ git </a:t>
             </a:r>
             <a:r>
               <a:rPr lang="tr-TR" dirty="0" err="1"/>
@@ -7159,7 +7157,7 @@
             <a:endParaRPr lang="tr-TR" dirty="0" smtClean="0"/>
           </a:p>
           <a:p>
-            <a:pPr marL="0" indent="0">
+            <a:pPr marL="0" indent="0" algn="just">
               <a:buNone/>
             </a:pPr>
             <a:r>
@@ -7184,12 +7182,13 @@
             </a:r>
           </a:p>
           <a:p>
-            <a:pPr marL="0" indent="0">
+            <a:pPr marL="0" indent="0" algn="just">
               <a:buNone/>
             </a:pPr>
             <a:endParaRPr lang="tr-TR" dirty="0" smtClean="0"/>
           </a:p>
           <a:p>
+            <a:pPr algn="just"/>
             <a:r>
               <a:rPr lang="en-US" dirty="0" smtClean="0">
                 <a:solidFill>
@@ -7228,14 +7227,6 @@
               <a:rPr lang="tr-TR" dirty="0" smtClean="0"/>
               <a:t>,</a:t>
             </a:r>
-          </a:p>
-          <a:p>
-            <a:pPr marL="0" indent="0">
-              <a:buNone/>
-            </a:pPr>
-            <a:endParaRPr lang="tr-TR" dirty="0"/>
-          </a:p>
-          <a:p>
             <a:endParaRPr lang="tr-TR" dirty="0"/>
           </a:p>
         </p:txBody>
@@ -7299,7 +7290,7 @@
           </a:bodyPr>
           <a:lstStyle/>
           <a:p>
-            <a:pPr marL="0" indent="0">
+            <a:pPr marL="0" indent="0" algn="just">
               <a:buNone/>
             </a:pPr>
             <a:r>
@@ -7312,7 +7303,7 @@
             </a:r>
           </a:p>
           <a:p>
-            <a:pPr marL="0" indent="0">
+            <a:pPr marL="0" indent="0" algn="just">
               <a:buNone/>
             </a:pPr>
             <a:r>
@@ -7354,7 +7345,7 @@
             <a:endParaRPr lang="tr-TR" b="1" dirty="0"/>
           </a:p>
           <a:p>
-            <a:pPr marL="0" indent="0">
+            <a:pPr marL="0" indent="0" algn="just">
               <a:buNone/>
             </a:pPr>
             <a:r>
@@ -7367,7 +7358,7 @@
             </a:r>
           </a:p>
           <a:p>
-            <a:pPr marL="0" indent="0">
+            <a:pPr marL="0" indent="0" algn="just">
               <a:buNone/>
             </a:pPr>
             <a:r>
@@ -7384,6 +7375,7 @@
             </a:r>
           </a:p>
           <a:p>
+            <a:pPr algn="just"/>
             <a:r>
               <a:rPr lang="tr-TR" b="1" dirty="0" smtClean="0">
                 <a:solidFill>
@@ -7399,7 +7391,7 @@
             </a:endParaRPr>
           </a:p>
           <a:p>
-            <a:pPr marL="0" indent="0">
+            <a:pPr marL="0" indent="0" algn="just">
               <a:buNone/>
             </a:pPr>
             <a:r>
@@ -7417,7 +7409,7 @@
             <a:endParaRPr lang="tr-TR" dirty="0"/>
           </a:p>
           <a:p>
-            <a:pPr marL="0" indent="0">
+            <a:pPr marL="0" indent="0" algn="just">
               <a:buNone/>
             </a:pPr>
             <a:r>
@@ -7430,13 +7422,12 @@
             </a:r>
             <a:r>
               <a:rPr lang="tr-TR" dirty="0"/>
-              <a:t> ssh://[user@]server/project.git</a:t>
-            </a:r>
-          </a:p>
-          <a:p>
-            <a:pPr marL="0" indent="0">
-              <a:buNone/>
-            </a:pPr>
+              <a:t> ssh://[user@]</a:t>
+            </a:r>
+            <a:r>
+              <a:rPr lang="tr-TR" dirty="0" smtClean="0"/>
+              <a:t>server/project.git</a:t>
+            </a:r>
             <a:endParaRPr lang="tr-TR" dirty="0"/>
           </a:p>
         </p:txBody>
@@ -7584,6 +7575,7 @@
           <a:bodyPr/>
           <a:lstStyle/>
           <a:p>
+            <a:pPr algn="just"/>
             <a:r>
               <a:rPr lang="en-US" dirty="0"/>
               <a:t>What Is Version Control and Why Is it Important? Version control is important </a:t>
@@ -7594,11 +7586,11 @@
             </a:r>
             <a:r>
               <a:rPr lang="en-US" dirty="0"/>
-              <a:t>. You should use version control software for all code, files, and assets that multiple team members will collaborate on</a:t>
+              <a:t>. </a:t>
             </a:r>
             <a:r>
               <a:rPr lang="en-US" dirty="0" smtClean="0"/>
-              <a:t>.</a:t>
+              <a:t>for all code, files, and assets that multiple team members will collaborate on.</a:t>
             </a:r>
             <a:endParaRPr lang="tr-TR" dirty="0" smtClean="0"/>
           </a:p>
@@ -7690,7 +7682,7 @@
           </a:bodyPr>
           <a:lstStyle/>
           <a:p>
-            <a:pPr marL="0" indent="0">
+            <a:pPr marL="0" indent="0" algn="just">
               <a:buNone/>
             </a:pPr>
             <a:r>
@@ -7736,7 +7728,7 @@
             <a:endParaRPr lang="en-US" dirty="0"/>
           </a:p>
           <a:p>
-            <a:pPr marL="0" indent="0">
+            <a:pPr marL="0" indent="0" algn="just">
               <a:buNone/>
             </a:pPr>
             <a:r>
@@ -7795,10 +7787,11 @@
             </a:r>
           </a:p>
           <a:p>
+            <a:pPr algn="just"/>
             <a:endParaRPr lang="en-US" dirty="0"/>
           </a:p>
           <a:p>
-            <a:pPr marL="0" indent="0">
+            <a:pPr marL="0" indent="0" algn="just">
               <a:buNone/>
             </a:pPr>
             <a:r>
@@ -8020,6 +8013,7 @@
           </a:bodyPr>
           <a:lstStyle/>
           <a:p>
+            <a:pPr algn="just"/>
             <a:r>
               <a:rPr lang="en-US" dirty="0"/>
               <a:t>SVN stands for </a:t>
@@ -8063,6 +8057,7 @@
             <a:endParaRPr lang="tr-TR" dirty="0" smtClean="0"/>
           </a:p>
           <a:p>
+            <a:pPr algn="just"/>
             <a:r>
               <a:rPr lang="en-US" dirty="0"/>
               <a:t>SVN is used to manage the current and previous versions of files like source code, documentation, and files. It acts as the time machine for the developers and allows them to go </a:t>
@@ -8082,6 +8077,7 @@
             <a:endParaRPr lang="tr-TR" dirty="0" smtClean="0"/>
           </a:p>
           <a:p>
+            <a:pPr algn="just"/>
             <a:r>
               <a:rPr lang="en-US" dirty="0"/>
               <a:t>Some other popular version control systems like </a:t>
@@ -8102,6 +8098,7 @@
             </a:r>
           </a:p>
           <a:p>
+            <a:pPr algn="just"/>
             <a:r>
               <a:rPr lang="en-US" b="1" dirty="0" smtClean="0"/>
               <a:t>Subversion</a:t>
@@ -8613,6 +8610,7 @@
           </a:bodyPr>
           <a:lstStyle/>
           <a:p>
+            <a:pPr algn="just"/>
             <a:r>
               <a:rPr lang="tr-TR" dirty="0">
                 <a:hlinkClick r:id="rId2"/>
@@ -8622,7 +8620,7 @@
             <a:endParaRPr lang="tr-TR" dirty="0"/>
           </a:p>
           <a:p>
-            <a:pPr marL="0" indent="0">
+            <a:pPr marL="0" indent="0" algn="just">
               <a:buNone/>
             </a:pPr>
             <a:r>
@@ -8632,6 +8630,7 @@
             <a:endParaRPr lang="tr-TR" dirty="0"/>
           </a:p>
           <a:p>
+            <a:pPr algn="just"/>
             <a:r>
               <a:rPr lang="tr-TR" dirty="0">
                 <a:hlinkClick r:id="rId3"/>
@@ -8641,7 +8640,7 @@
             <a:endParaRPr lang="tr-TR" dirty="0"/>
           </a:p>
           <a:p>
-            <a:pPr marL="0" indent="0">
+            <a:pPr marL="0" indent="0" algn="just">
               <a:buNone/>
             </a:pPr>
             <a:r>
@@ -8655,6 +8654,7 @@
             <a:endParaRPr lang="tr-TR" dirty="0" smtClean="0"/>
           </a:p>
           <a:p>
+            <a:pPr algn="just"/>
             <a:r>
               <a:rPr lang="tr-TR" dirty="0" smtClean="0"/>
               <a:t>svn</a:t>
@@ -8669,7 +8669,7 @@
             </a:r>
           </a:p>
           <a:p>
-            <a:pPr marL="0" indent="0">
+            <a:pPr marL="0" indent="0" algn="just">
               <a:buNone/>
             </a:pPr>
             <a:r>
@@ -8687,6 +8687,7 @@
             <a:endParaRPr lang="tr-TR" dirty="0"/>
           </a:p>
           <a:p>
+            <a:pPr algn="just"/>
             <a:r>
               <a:rPr lang="tr-TR" dirty="0" err="1"/>
               <a:t>svn+ssh</a:t>
@@ -8702,7 +8703,7 @@
             <a:endParaRPr lang="tr-TR" dirty="0" smtClean="0"/>
           </a:p>
           <a:p>
-            <a:pPr marL="0" indent="0">
+            <a:pPr marL="0" indent="0" algn="just">
               <a:buNone/>
             </a:pPr>
             <a:r>
@@ -8784,7 +8785,7 @@
             <p:ph idx="1"/>
             <p:extLst>
               <p:ext uri="{D42A27DB-BD31-4B8C-83A1-F6EECF244321}">
-                <p14:modId xmlns:p14="http://schemas.microsoft.com/office/powerpoint/2010/main" val="2241436926"/>
+                <p14:modId xmlns:p14="http://schemas.microsoft.com/office/powerpoint/2010/main" val="3379962191"/>
               </p:ext>
             </p:extLst>
           </p:nvPr>
@@ -9389,14 +9390,54 @@
                     <a:p>
                       <a:pPr algn="just" fontAlgn="t"/>
                       <a:r>
-                        <a:rPr lang="en-US" sz="1600">
+                        <a:rPr lang="en-US" sz="1600" dirty="0">
                           <a:solidFill>
                             <a:srgbClr val="333333"/>
                           </a:solidFill>
                           <a:effectLst/>
                           <a:latin typeface="+mn-lt"/>
                         </a:rPr>
-                        <a:t>The Git branches are familiar to work. The Git system helps in merging the files quickly and also assists in finding the unmerged ones.</a:t>
+                        <a:t>The </a:t>
+                      </a:r>
+                      <a:r>
+                        <a:rPr lang="en-US" sz="1600" dirty="0" err="1">
+                          <a:solidFill>
+                            <a:srgbClr val="333333"/>
+                          </a:solidFill>
+                          <a:effectLst/>
+                          <a:latin typeface="+mn-lt"/>
+                        </a:rPr>
+                        <a:t>Git</a:t>
+                      </a:r>
+                      <a:r>
+                        <a:rPr lang="en-US" sz="1600" dirty="0">
+                          <a:solidFill>
+                            <a:srgbClr val="333333"/>
+                          </a:solidFill>
+                          <a:effectLst/>
+                          <a:latin typeface="+mn-lt"/>
+                        </a:rPr>
+                        <a:t> branches are familiar to work. The </a:t>
+                      </a:r>
+                      <a:r>
+                        <a:rPr lang="en-US" sz="1600" dirty="0" err="1">
+                          <a:solidFill>
+                            <a:srgbClr val="333333"/>
+                          </a:solidFill>
+                          <a:effectLst/>
+                          <a:latin typeface="+mn-lt"/>
+                        </a:rPr>
+                        <a:t>Git</a:t>
+                      </a:r>
+                      <a:r>
+                        <a:rPr lang="en-US" sz="1600" dirty="0">
+                          <a:solidFill>
+                            <a:srgbClr val="333333"/>
+                          </a:solidFill>
+                          <a:effectLst/>
+                          <a:latin typeface="+mn-lt"/>
+                        </a:rPr>
+                        <a:t> system helps in merging the files quickly and also assists in finding the unmerged ones.</a:t>
                       </a:r>
                     </a:p>
                   </a:txBody>
@@ -10542,56 +10583,56 @@
           </a:p>
           <a:p>
             <a:r>
-              <a:rPr lang="tr-TR" dirty="0" err="1" smtClean="0"/>
+              <a:rPr lang="tr-TR" b="1" dirty="0" err="1" smtClean="0"/>
               <a:t>Get,Clone,Pull</a:t>
             </a:r>
-            <a:endParaRPr lang="tr-TR" dirty="0" smtClean="0"/>
-          </a:p>
-          <a:p>
-            <a:r>
-              <a:rPr lang="tr-TR" dirty="0" err="1" smtClean="0"/>
+            <a:endParaRPr lang="tr-TR" b="1" dirty="0" smtClean="0"/>
+          </a:p>
+          <a:p>
+            <a:r>
+              <a:rPr lang="tr-TR" b="1" dirty="0" err="1" smtClean="0"/>
               <a:t>Checkout,Undo</a:t>
             </a:r>
             <a:r>
-              <a:rPr lang="tr-TR" dirty="0" smtClean="0"/>
+              <a:rPr lang="tr-TR" b="1" dirty="0" smtClean="0"/>
               <a:t> </a:t>
             </a:r>
             <a:r>
-              <a:rPr lang="tr-TR" dirty="0" err="1" smtClean="0"/>
+              <a:rPr lang="tr-TR" b="1" dirty="0" err="1" smtClean="0"/>
               <a:t>Checkout</a:t>
             </a:r>
-            <a:endParaRPr lang="tr-TR" dirty="0"/>
-          </a:p>
-          <a:p>
-            <a:r>
-              <a:rPr lang="tr-TR" dirty="0" err="1" smtClean="0"/>
+            <a:endParaRPr lang="tr-TR" b="1" dirty="0"/>
+          </a:p>
+          <a:p>
+            <a:r>
+              <a:rPr lang="tr-TR" b="1" dirty="0" err="1" smtClean="0"/>
               <a:t>Check</a:t>
             </a:r>
             <a:r>
-              <a:rPr lang="tr-TR" dirty="0" smtClean="0"/>
+              <a:rPr lang="tr-TR" b="1" dirty="0" smtClean="0"/>
               <a:t>-in,</a:t>
             </a:r>
             <a:r>
-              <a:rPr lang="tr-TR" dirty="0"/>
+              <a:rPr lang="tr-TR" b="1" dirty="0"/>
               <a:t> </a:t>
             </a:r>
             <a:r>
-              <a:rPr lang="tr-TR" dirty="0" err="1" smtClean="0"/>
+              <a:rPr lang="tr-TR" b="1" dirty="0" err="1" smtClean="0"/>
               <a:t>Commit,Stage</a:t>
             </a:r>
             <a:r>
-              <a:rPr lang="tr-TR" dirty="0" smtClean="0"/>
+              <a:rPr lang="tr-TR" b="1" dirty="0" smtClean="0"/>
               <a:t>,</a:t>
             </a:r>
             <a:r>
-              <a:rPr lang="tr-TR" dirty="0"/>
+              <a:rPr lang="tr-TR" b="1" dirty="0"/>
               <a:t> </a:t>
             </a:r>
             <a:r>
-              <a:rPr lang="tr-TR" dirty="0" err="1"/>
+              <a:rPr lang="tr-TR" b="1" dirty="0" err="1"/>
               <a:t>Push</a:t>
             </a:r>
-            <a:endParaRPr lang="tr-TR" dirty="0"/>
+            <a:endParaRPr lang="tr-TR" b="1" dirty="0"/>
           </a:p>
           <a:p>
             <a:endParaRPr lang="tr-TR" dirty="0" smtClean="0"/>
@@ -10833,7 +10874,7 @@
             <a:endParaRPr lang="tr-TR" b="1" dirty="0" smtClean="0"/>
           </a:p>
           <a:p>
-            <a:pPr algn="l"/>
+            <a:pPr algn="just"/>
             <a:r>
               <a:rPr lang="en-US" dirty="0"/>
               <a:t> is a class of systems responsible for managing changes to </a:t>
@@ -10855,7 +10896,7 @@
             <a:endParaRPr lang="tr-TR" dirty="0" smtClean="0"/>
           </a:p>
           <a:p>
-            <a:pPr algn="l"/>
+            <a:pPr algn="just"/>
             <a:r>
               <a:rPr lang="en-US" dirty="0"/>
               <a:t>Version control is a component of </a:t>
@@ -10873,7 +10914,7 @@
             <a:endParaRPr lang="tr-TR" dirty="0" smtClean="0"/>
           </a:p>
           <a:p>
-            <a:pPr algn="l"/>
+            <a:pPr algn="just"/>
             <a:r>
               <a:rPr lang="en-US" dirty="0"/>
               <a:t>In </a:t>
@@ -11075,6 +11116,7 @@
           <a:bodyPr/>
           <a:lstStyle/>
           <a:p>
+            <a:pPr algn="just"/>
             <a:r>
               <a:rPr lang="tr-TR" dirty="0" smtClean="0"/>
               <a:t>IEEE Software life </a:t>
@@ -11097,6 +11139,7 @@
             </a:r>
           </a:p>
           <a:p>
+            <a:pPr algn="just"/>
             <a:r>
               <a:rPr lang="tr-TR" sz="2000" b="1" dirty="0" smtClean="0">
                 <a:sym typeface="Wingdings" panose="05000000000000000000" pitchFamily="2" charset="2"/>
@@ -11105,7 +11148,7 @@
             </a:r>
           </a:p>
           <a:p>
-            <a:pPr marL="285750" indent="-285750">
+            <a:pPr marL="285750" indent="-285750" algn="just">
               <a:buFont typeface="Arial" panose="020B0604020202020204" pitchFamily="34" charset="0"/>
               <a:buChar char="•"/>
             </a:pPr>
@@ -11135,7 +11178,7 @@
             </a:r>
           </a:p>
           <a:p>
-            <a:pPr marL="285750" indent="-285750">
+            <a:pPr marL="285750" indent="-285750" algn="just">
               <a:buFont typeface="Arial" panose="020B0604020202020204" pitchFamily="34" charset="0"/>
               <a:buChar char="•"/>
             </a:pPr>
@@ -11165,7 +11208,7 @@
             </a:r>
           </a:p>
           <a:p>
-            <a:pPr marL="285750" indent="-285750">
+            <a:pPr marL="285750" indent="-285750" algn="just">
               <a:buFont typeface="Arial" panose="020B0604020202020204" pitchFamily="34" charset="0"/>
               <a:buChar char="•"/>
             </a:pPr>
@@ -11175,7 +11218,7 @@
             </a:r>
           </a:p>
           <a:p>
-            <a:pPr marL="285750" indent="-285750">
+            <a:pPr marL="285750" indent="-285750" algn="just">
               <a:buFont typeface="Arial" panose="020B0604020202020204" pitchFamily="34" charset="0"/>
               <a:buChar char="•"/>
             </a:pPr>
@@ -11185,7 +11228,7 @@
             </a:r>
           </a:p>
           <a:p>
-            <a:pPr marL="285750" indent="-285750">
+            <a:pPr marL="285750" indent="-285750" algn="just">
               <a:buFont typeface="Arial" panose="020B0604020202020204" pitchFamily="34" charset="0"/>
               <a:buChar char="•"/>
             </a:pPr>
@@ -11201,7 +11244,7 @@
             </a:r>
           </a:p>
           <a:p>
-            <a:pPr marL="285750" indent="-285750">
+            <a:pPr marL="285750" indent="-285750" algn="just">
               <a:buFont typeface="Arial" panose="020B0604020202020204" pitchFamily="34" charset="0"/>
               <a:buChar char="•"/>
             </a:pPr>
@@ -11217,7 +11260,7 @@
             </a:r>
           </a:p>
           <a:p>
-            <a:pPr marL="285750" indent="-285750">
+            <a:pPr marL="285750" indent="-285750" algn="just">
               <a:buFont typeface="Arial" panose="020B0604020202020204" pitchFamily="34" charset="0"/>
               <a:buChar char="•"/>
             </a:pPr>
@@ -11227,7 +11270,7 @@
             </a:r>
           </a:p>
           <a:p>
-            <a:pPr marL="285750" indent="-285750">
+            <a:pPr marL="285750" indent="-285750" algn="just">
               <a:buFont typeface="Arial" panose="020B0604020202020204" pitchFamily="34" charset="0"/>
               <a:buChar char="•"/>
             </a:pPr>
@@ -11243,7 +11286,7 @@
             </a:r>
           </a:p>
           <a:p>
-            <a:pPr marL="285750" indent="-285750">
+            <a:pPr marL="285750" indent="-285750" algn="just">
               <a:buFont typeface="Arial" panose="020B0604020202020204" pitchFamily="34" charset="0"/>
               <a:buChar char="•"/>
             </a:pPr>
@@ -11253,6 +11296,7 @@
             </a:r>
           </a:p>
           <a:p>
+            <a:pPr algn="just"/>
             <a:r>
               <a:rPr lang="en-US" dirty="0"/>
               <a:t>With the introduction of </a:t>
@@ -11280,6 +11324,7 @@
             <a:endParaRPr lang="tr-TR" dirty="0" smtClean="0"/>
           </a:p>
           <a:p>
+            <a:pPr algn="just"/>
             <a:r>
               <a:rPr lang="en-US" dirty="0" smtClean="0"/>
               <a:t>merged </a:t>
@@ -11373,6 +11418,7 @@
           <a:bodyPr/>
           <a:lstStyle/>
           <a:p>
+            <a:pPr algn="just"/>
             <a:r>
               <a:rPr lang="en-US" dirty="0"/>
               <a:t>In computer </a:t>
@@ -11429,6 +11475,7 @@
             </a:r>
           </a:p>
           <a:p>
+            <a:pPr algn="just"/>
             <a:r>
               <a:rPr lang="en-US" dirty="0"/>
               <a:t>As teams design, develop and deploy software, it is common for multiple versions of the same </a:t>
@@ -11440,6 +11487,7 @@
             <a:endParaRPr lang="tr-TR" dirty="0" smtClean="0"/>
           </a:p>
           <a:p>
+            <a:pPr algn="just"/>
             <a:r>
               <a:rPr lang="en-US" dirty="0"/>
               <a:t>At the simplest level, developers could simply retain multiple copies of the different versions of the program, and label them </a:t>
@@ -11449,12 +11497,6 @@
               <a:t>appropriately</a:t>
             </a:r>
             <a:endParaRPr lang="tr-TR" dirty="0" smtClean="0"/>
-          </a:p>
-          <a:p>
-            <a:pPr marL="0" indent="0">
-              <a:buNone/>
-            </a:pPr>
-            <a:endParaRPr lang="tr-TR" dirty="0"/>
           </a:p>
         </p:txBody>
       </p:sp>
@@ -11974,7 +12016,7 @@
             </a:r>
           </a:p>
           <a:p>
-            <a:pPr marL="0" indent="0">
+            <a:pPr marL="0" indent="0" algn="just">
               <a:buNone/>
             </a:pPr>
             <a:r>
@@ -11992,6 +12034,7 @@
             </a:endParaRPr>
           </a:p>
           <a:p>
+            <a:pPr algn="just"/>
             <a:r>
               <a:rPr lang="tr-TR" u="sng" dirty="0" err="1" smtClean="0">
                 <a:hlinkClick r:id="rId2"/>
@@ -12019,6 +12062,7 @@
             <a:endParaRPr lang="tr-TR" dirty="0" smtClean="0"/>
           </a:p>
           <a:p>
+            <a:pPr algn="just"/>
             <a:r>
               <a:rPr lang="en-US" dirty="0" err="1">
                 <a:hlinkClick r:id="rId4" tooltip="Git"/>
@@ -12173,6 +12217,7 @@
           <a:bodyPr/>
           <a:lstStyle/>
           <a:p>
+            <a:pPr algn="just"/>
             <a:r>
               <a:rPr lang="en-US" dirty="0" err="1"/>
               <a:t>Git</a:t>
@@ -12223,6 +12268,7 @@
             </a:r>
           </a:p>
           <a:p>
+            <a:pPr algn="just"/>
             <a:r>
               <a:rPr lang="en-US" dirty="0">
                 <a:hlinkClick r:id="rId2" tooltip="Linus Torvalds"/>
@@ -12240,13 +12286,13 @@
             <a:endParaRPr lang="tr-TR" dirty="0" smtClean="0"/>
           </a:p>
           <a:p>
-            <a:pPr marL="0" indent="0">
+            <a:pPr marL="0" indent="0" algn="just">
               <a:buNone/>
             </a:pPr>
             <a:endParaRPr lang="tr-TR" dirty="0" smtClean="0"/>
           </a:p>
           <a:p>
-            <a:pPr>
+            <a:pPr algn="just">
               <a:buFont typeface="Wingdings" panose="05000000000000000000" pitchFamily="2" charset="2"/>
               <a:buChar char="q"/>
             </a:pPr>
@@ -12279,7 +12325,7 @@
             <a:endParaRPr lang="en-US" dirty="0"/>
           </a:p>
           <a:p>
-            <a:pPr>
+            <a:pPr algn="just">
               <a:buFont typeface="Wingdings" panose="05000000000000000000" pitchFamily="2" charset="2"/>
               <a:buChar char="q"/>
             </a:pPr>
@@ -12304,7 +12350,7 @@
             <a:endParaRPr lang="en-US" dirty="0"/>
           </a:p>
           <a:p>
-            <a:pPr>
+            <a:pPr algn="just">
               <a:buFont typeface="Wingdings" panose="05000000000000000000" pitchFamily="2" charset="2"/>
               <a:buChar char="q"/>
             </a:pPr>
@@ -12317,12 +12363,6 @@
               <a:t>.</a:t>
             </a:r>
             <a:endParaRPr lang="en-US" dirty="0"/>
-          </a:p>
-          <a:p>
-            <a:pPr marL="0" indent="0">
-              <a:buNone/>
-            </a:pPr>
-            <a:endParaRPr lang="tr-TR" dirty="0"/>
           </a:p>
         </p:txBody>
       </p:sp>

--- a/Version Control Protocols.pptx
+++ b/Version Control Protocols.pptx
@@ -13,23 +13,21 @@
     <p:sldId id="258" r:id="rId7"/>
     <p:sldId id="259" r:id="rId8"/>
     <p:sldId id="260" r:id="rId9"/>
-    <p:sldId id="261" r:id="rId10"/>
-    <p:sldId id="262" r:id="rId11"/>
-    <p:sldId id="263" r:id="rId12"/>
-    <p:sldId id="264" r:id="rId13"/>
-    <p:sldId id="266" r:id="rId14"/>
-    <p:sldId id="272" r:id="rId15"/>
-    <p:sldId id="273" r:id="rId16"/>
-    <p:sldId id="274" r:id="rId17"/>
-    <p:sldId id="275" r:id="rId18"/>
-    <p:sldId id="267" r:id="rId19"/>
-    <p:sldId id="270" r:id="rId20"/>
-    <p:sldId id="271" r:id="rId21"/>
-    <p:sldId id="276" r:id="rId22"/>
-    <p:sldId id="277" r:id="rId23"/>
-    <p:sldId id="269" r:id="rId24"/>
-    <p:sldId id="278" r:id="rId25"/>
-    <p:sldId id="279" r:id="rId26"/>
+    <p:sldId id="262" r:id="rId10"/>
+    <p:sldId id="264" r:id="rId11"/>
+    <p:sldId id="272" r:id="rId12"/>
+    <p:sldId id="273" r:id="rId13"/>
+    <p:sldId id="274" r:id="rId14"/>
+    <p:sldId id="266" r:id="rId15"/>
+    <p:sldId id="275" r:id="rId16"/>
+    <p:sldId id="267" r:id="rId17"/>
+    <p:sldId id="270" r:id="rId18"/>
+    <p:sldId id="271" r:id="rId19"/>
+    <p:sldId id="276" r:id="rId20"/>
+    <p:sldId id="277" r:id="rId21"/>
+    <p:sldId id="269" r:id="rId22"/>
+    <p:sldId id="278" r:id="rId23"/>
+    <p:sldId id="279" r:id="rId24"/>
   </p:sldIdLst>
   <p:sldSz cx="12192000" cy="6858000"/>
   <p:notesSz cx="6858000" cy="9144000"/>
@@ -5180,469 +5178,6 @@
             <p:ph type="title"/>
           </p:nvPr>
         </p:nvSpPr>
-        <p:spPr/>
-        <p:txBody>
-          <a:bodyPr/>
-          <a:lstStyle/>
-          <a:p>
-            <a:r>
-              <a:rPr lang="tr-TR" dirty="0" err="1" smtClean="0"/>
-              <a:t>What</a:t>
-            </a:r>
-            <a:r>
-              <a:rPr lang="tr-TR" dirty="0" smtClean="0"/>
-              <a:t> is Distributed?</a:t>
-            </a:r>
-            <a:endParaRPr lang="tr-TR" dirty="0"/>
-          </a:p>
-        </p:txBody>
-      </p:sp>
-      <p:sp>
-        <p:nvSpPr>
-          <p:cNvPr id="3" name="İçerik Yer Tutucusu 2"/>
-          <p:cNvSpPr>
-            <a:spLocks noGrp="1"/>
-          </p:cNvSpPr>
-          <p:nvPr>
-            <p:ph idx="1"/>
-          </p:nvPr>
-        </p:nvSpPr>
-        <p:spPr/>
-        <p:txBody>
-          <a:bodyPr/>
-          <a:lstStyle/>
-          <a:p>
-            <a:pPr algn="just"/>
-            <a:r>
-              <a:rPr lang="en-US" dirty="0"/>
-              <a:t>In </a:t>
-            </a:r>
-            <a:r>
-              <a:rPr lang="en-US" dirty="0">
-                <a:hlinkClick r:id="rId2" tooltip="Software development"/>
-              </a:rPr>
-              <a:t>software development</a:t>
-            </a:r>
-            <a:r>
-              <a:rPr lang="en-US" dirty="0"/>
-              <a:t>, </a:t>
-            </a:r>
-            <a:r>
-              <a:rPr lang="en-US" b="1" dirty="0"/>
-              <a:t>distributed version control</a:t>
-            </a:r>
-            <a:r>
-              <a:rPr lang="en-US" dirty="0"/>
-              <a:t> (also known as </a:t>
-            </a:r>
-            <a:r>
-              <a:rPr lang="en-US" b="1" dirty="0"/>
-              <a:t>distributed revision control</a:t>
-            </a:r>
-            <a:r>
-              <a:rPr lang="en-US" dirty="0"/>
-              <a:t>) is a form of </a:t>
-            </a:r>
-            <a:r>
-              <a:rPr lang="en-US" dirty="0">
-                <a:hlinkClick r:id="rId3" tooltip="Version control"/>
-              </a:rPr>
-              <a:t>version control</a:t>
-            </a:r>
-            <a:r>
-              <a:rPr lang="en-US" dirty="0"/>
-              <a:t> in which the complete </a:t>
-            </a:r>
-            <a:r>
-              <a:rPr lang="en-US" dirty="0">
-                <a:hlinkClick r:id="rId4" tooltip="Codebase"/>
-              </a:rPr>
-              <a:t>codebase</a:t>
-            </a:r>
-            <a:r>
-              <a:rPr lang="en-US" dirty="0"/>
-              <a:t>, including its full history, is mirrored on every developer's computer</a:t>
-            </a:r>
-            <a:r>
-              <a:rPr lang="en-US" dirty="0" smtClean="0"/>
-              <a:t>.</a:t>
-            </a:r>
-            <a:r>
-              <a:rPr lang="en-US" dirty="0"/>
-              <a:t> Compared to centralized version control, this enables automatic management </a:t>
-            </a:r>
-            <a:r>
-              <a:rPr lang="en-US" dirty="0">
-                <a:hlinkClick r:id="rId5" tooltip="Branching (version control)"/>
-              </a:rPr>
-              <a:t>branching</a:t>
-            </a:r>
-            <a:r>
-              <a:rPr lang="en-US" dirty="0"/>
-              <a:t> and </a:t>
-            </a:r>
-            <a:r>
-              <a:rPr lang="en-US" dirty="0">
-                <a:hlinkClick r:id="rId6" tooltip="Merge (version control)"/>
-              </a:rPr>
-              <a:t>merging</a:t>
-            </a:r>
-            <a:r>
-              <a:rPr lang="en-US" dirty="0"/>
-              <a:t>, speeds up most operations (except pushing and pulling), improves the ability to work offline, and does not rely on a single location for backups</a:t>
-            </a:r>
-            <a:r>
-              <a:rPr lang="en-US" dirty="0" smtClean="0"/>
-              <a:t>.</a:t>
-            </a:r>
-            <a:r>
-              <a:rPr lang="en-US" dirty="0"/>
-              <a:t> </a:t>
-            </a:r>
-            <a:r>
-              <a:rPr lang="en-US" dirty="0" err="1">
-                <a:hlinkClick r:id="rId7" tooltip="Git (software)"/>
-              </a:rPr>
-              <a:t>Git</a:t>
-            </a:r>
-            <a:r>
-              <a:rPr lang="en-US" dirty="0"/>
-              <a:t>, the world's most popular version control system</a:t>
-            </a:r>
-            <a:r>
-              <a:rPr lang="en-US" dirty="0" smtClean="0"/>
-              <a:t>,</a:t>
-            </a:r>
-            <a:r>
-              <a:rPr lang="en-US" dirty="0"/>
-              <a:t> is a distributed version control system.</a:t>
-            </a:r>
-            <a:endParaRPr lang="tr-TR" dirty="0"/>
-          </a:p>
-        </p:txBody>
-      </p:sp>
-    </p:spTree>
-    <p:extLst>
-      <p:ext uri="{BB962C8B-B14F-4D97-AF65-F5344CB8AC3E}">
-        <p14:creationId xmlns:p14="http://schemas.microsoft.com/office/powerpoint/2010/main" val="2086532457"/>
-      </p:ext>
-    </p:extLst>
-  </p:cSld>
-  <p:clrMapOvr>
-    <a:masterClrMapping/>
-  </p:clrMapOvr>
-  <p:timing>
-    <p:tnLst>
-      <p:par>
-        <p:cTn id="1" dur="indefinite" restart="never" nodeType="tmRoot"/>
-      </p:par>
-    </p:tnLst>
-  </p:timing>
-</p:sld>
-</file>
-
-<file path=ppt/slides/slide11.xml><?xml version="1.0" encoding="utf-8"?>
-<p:sld xmlns:a="http://schemas.openxmlformats.org/drawingml/2006/main" xmlns:r="http://schemas.openxmlformats.org/officeDocument/2006/relationships" xmlns:p="http://schemas.openxmlformats.org/presentationml/2006/main">
-  <p:cSld>
-    <p:spTree>
-      <p:nvGrpSpPr>
-        <p:cNvPr id="1" name=""/>
-        <p:cNvGrpSpPr/>
-        <p:nvPr/>
-      </p:nvGrpSpPr>
-      <p:grpSpPr>
-        <a:xfrm>
-          <a:off x="0" y="0"/>
-          <a:ext cx="0" cy="0"/>
-          <a:chOff x="0" y="0"/>
-          <a:chExt cx="0" cy="0"/>
-        </a:xfrm>
-      </p:grpSpPr>
-      <p:sp>
-        <p:nvSpPr>
-          <p:cNvPr id="2" name="Unvan 1"/>
-          <p:cNvSpPr>
-            <a:spLocks noGrp="1"/>
-          </p:cNvSpPr>
-          <p:nvPr>
-            <p:ph type="title"/>
-          </p:nvPr>
-        </p:nvSpPr>
-        <p:spPr>
-          <a:xfrm>
-            <a:off x="838200" y="109093"/>
-            <a:ext cx="10515600" cy="646811"/>
-          </a:xfrm>
-        </p:spPr>
-        <p:txBody>
-          <a:bodyPr>
-            <a:normAutofit fontScale="90000"/>
-          </a:bodyPr>
-          <a:lstStyle/>
-          <a:p>
-            <a:pPr algn="ctr"/>
-            <a:r>
-              <a:rPr lang="tr-TR" dirty="0"/>
-              <a:t>Distributed vs. </a:t>
-            </a:r>
-            <a:r>
-              <a:rPr lang="tr-TR" dirty="0" err="1" smtClean="0"/>
-              <a:t>centralized</a:t>
-            </a:r>
-            <a:endParaRPr lang="tr-TR" dirty="0"/>
-          </a:p>
-        </p:txBody>
-      </p:sp>
-      <p:sp>
-        <p:nvSpPr>
-          <p:cNvPr id="3" name="İçerik Yer Tutucusu 2"/>
-          <p:cNvSpPr>
-            <a:spLocks noGrp="1"/>
-          </p:cNvSpPr>
-          <p:nvPr>
-            <p:ph idx="1"/>
-          </p:nvPr>
-        </p:nvSpPr>
-        <p:spPr>
-          <a:xfrm>
-            <a:off x="838200" y="755904"/>
-            <a:ext cx="10515600" cy="5900928"/>
-          </a:xfrm>
-        </p:spPr>
-        <p:txBody>
-          <a:bodyPr/>
-          <a:lstStyle/>
-          <a:p>
-            <a:pPr algn="just"/>
-            <a:r>
-              <a:rPr lang="en-US" dirty="0"/>
-              <a:t>Distributed version control systems (DVCS) use a </a:t>
-            </a:r>
-            <a:r>
-              <a:rPr lang="en-US" dirty="0">
-                <a:hlinkClick r:id="rId2" tooltip="Peer-to-peer"/>
-              </a:rPr>
-              <a:t>peer-to-peer</a:t>
-            </a:r>
-            <a:r>
-              <a:rPr lang="en-US" dirty="0"/>
-              <a:t> approach to version control, as opposed to the </a:t>
-            </a:r>
-            <a:r>
-              <a:rPr lang="en-US" dirty="0">
-                <a:hlinkClick r:id="rId3" tooltip="Client–server model"/>
-              </a:rPr>
-              <a:t>client–server</a:t>
-            </a:r>
-            <a:r>
-              <a:rPr lang="en-US" dirty="0"/>
-              <a:t> approach of centralized systems. Distributed revision control synchronizes repositories by transferring </a:t>
-            </a:r>
-            <a:r>
-              <a:rPr lang="en-US" dirty="0">
-                <a:hlinkClick r:id="rId4" tooltip="Patch (Unix)"/>
-              </a:rPr>
-              <a:t>patches</a:t>
-            </a:r>
-            <a:r>
-              <a:rPr lang="en-US" dirty="0"/>
-              <a:t> from peer to peer. There is no single central version of the codebase; instead, each user has a working copy and the full change </a:t>
-            </a:r>
-            <a:r>
-              <a:rPr lang="en-US" dirty="0" smtClean="0"/>
-              <a:t>history</a:t>
-            </a:r>
-            <a:endParaRPr lang="tr-TR" dirty="0" smtClean="0"/>
-          </a:p>
-          <a:p>
-            <a:pPr marL="0" indent="0" algn="just">
-              <a:buNone/>
-            </a:pPr>
-            <a:r>
-              <a:rPr lang="tr-TR" dirty="0" err="1"/>
-              <a:t>Advantages</a:t>
-            </a:r>
-            <a:r>
-              <a:rPr lang="tr-TR" dirty="0"/>
-              <a:t> of DVCS </a:t>
-            </a:r>
-            <a:endParaRPr lang="tr-TR" dirty="0" smtClean="0"/>
-          </a:p>
-          <a:p>
-            <a:pPr algn="just">
-              <a:buFont typeface="Wingdings" panose="05000000000000000000" pitchFamily="2" charset="2"/>
-              <a:buChar char="ü"/>
-            </a:pPr>
-            <a:r>
-              <a:rPr lang="en-US" dirty="0"/>
-              <a:t>Allows users to work productively when not connected to a network</a:t>
-            </a:r>
-            <a:r>
-              <a:rPr lang="en-US" dirty="0" smtClean="0"/>
-              <a:t>.</a:t>
-            </a:r>
-            <a:endParaRPr lang="tr-TR" dirty="0" smtClean="0"/>
-          </a:p>
-          <a:p>
-            <a:pPr algn="just">
-              <a:buFont typeface="Wingdings" panose="05000000000000000000" pitchFamily="2" charset="2"/>
-              <a:buChar char="ü"/>
-            </a:pPr>
-            <a:r>
-              <a:rPr lang="en-US" dirty="0"/>
-              <a:t>Common operations </a:t>
-            </a:r>
-            <a:r>
-              <a:rPr lang="en-US" dirty="0" smtClean="0"/>
-              <a:t>(commits</a:t>
-            </a:r>
-            <a:r>
-              <a:rPr lang="en-US" dirty="0"/>
-              <a:t>, viewing history, </a:t>
-            </a:r>
-            <a:r>
-              <a:rPr lang="en-US" dirty="0" smtClean="0"/>
-              <a:t>reverting </a:t>
-            </a:r>
-            <a:r>
-              <a:rPr lang="tr-TR" dirty="0" smtClean="0"/>
-              <a:t>c</a:t>
-            </a:r>
-            <a:r>
-              <a:rPr lang="en-US" dirty="0" err="1" smtClean="0"/>
-              <a:t>hanges</a:t>
-            </a:r>
-            <a:r>
-              <a:rPr lang="tr-TR" dirty="0" smtClean="0"/>
-              <a:t>..)</a:t>
-            </a:r>
-          </a:p>
-          <a:p>
-            <a:pPr algn="just">
-              <a:buFont typeface="Wingdings" panose="05000000000000000000" pitchFamily="2" charset="2"/>
-              <a:buChar char="ü"/>
-            </a:pPr>
-            <a:r>
-              <a:rPr lang="tr-TR" dirty="0"/>
-              <a:t>C</a:t>
-            </a:r>
-            <a:r>
-              <a:rPr lang="en-US" dirty="0" err="1" smtClean="0"/>
-              <a:t>ommunication</a:t>
-            </a:r>
-            <a:r>
-              <a:rPr lang="en-US" dirty="0" smtClean="0"/>
-              <a:t> </a:t>
-            </a:r>
-            <a:r>
-              <a:rPr lang="en-US" dirty="0"/>
-              <a:t>is necessary only when sharing changes among other </a:t>
-            </a:r>
-            <a:r>
-              <a:rPr lang="en-US" dirty="0" smtClean="0"/>
-              <a:t>peers</a:t>
-            </a:r>
-            <a:endParaRPr lang="tr-TR" dirty="0" smtClean="0"/>
-          </a:p>
-          <a:p>
-            <a:pPr algn="just">
-              <a:buFont typeface="Wingdings" panose="05000000000000000000" pitchFamily="2" charset="2"/>
-              <a:buChar char="ü"/>
-            </a:pPr>
-            <a:r>
-              <a:rPr lang="tr-TR" dirty="0" err="1"/>
-              <a:t>Allows</a:t>
-            </a:r>
-            <a:r>
-              <a:rPr lang="tr-TR" dirty="0"/>
-              <a:t> </a:t>
-            </a:r>
-            <a:r>
-              <a:rPr lang="tr-TR" dirty="0" err="1"/>
-              <a:t>private</a:t>
-            </a:r>
-            <a:r>
-              <a:rPr lang="tr-TR" dirty="0"/>
-              <a:t> </a:t>
-            </a:r>
-            <a:r>
-              <a:rPr lang="tr-TR" dirty="0" err="1" smtClean="0"/>
-              <a:t>work</a:t>
-            </a:r>
-            <a:endParaRPr lang="tr-TR" dirty="0" smtClean="0"/>
-          </a:p>
-          <a:p>
-            <a:pPr algn="just">
-              <a:buFont typeface="Wingdings" panose="05000000000000000000" pitchFamily="2" charset="2"/>
-              <a:buChar char="ü"/>
-            </a:pPr>
-            <a:r>
-              <a:rPr lang="tr-TR" dirty="0"/>
-              <a:t>A</a:t>
-            </a:r>
-            <a:r>
-              <a:rPr lang="en-US" dirty="0" smtClean="0"/>
-              <a:t>voids </a:t>
-            </a:r>
-            <a:r>
-              <a:rPr lang="en-US" dirty="0"/>
-              <a:t>relying on one physical machine as a single point of </a:t>
-            </a:r>
-            <a:r>
-              <a:rPr lang="en-US" dirty="0" smtClean="0"/>
-              <a:t>failure</a:t>
-            </a:r>
-            <a:endParaRPr lang="tr-TR" dirty="0" smtClean="0"/>
-          </a:p>
-        </p:txBody>
-      </p:sp>
-    </p:spTree>
-    <p:extLst>
-      <p:ext uri="{BB962C8B-B14F-4D97-AF65-F5344CB8AC3E}">
-        <p14:creationId xmlns:p14="http://schemas.microsoft.com/office/powerpoint/2010/main" val="3754691435"/>
-      </p:ext>
-    </p:extLst>
-  </p:cSld>
-  <p:clrMapOvr>
-    <a:masterClrMapping/>
-  </p:clrMapOvr>
-  <p:timing>
-    <p:tnLst>
-      <p:par>
-        <p:cTn id="1" dur="indefinite" restart="never" nodeType="tmRoot"/>
-      </p:par>
-    </p:tnLst>
-  </p:timing>
-</p:sld>
-</file>
-
-<file path=ppt/slides/slide12.xml><?xml version="1.0" encoding="utf-8"?>
-<p:sld xmlns:a="http://schemas.openxmlformats.org/drawingml/2006/main" xmlns:r="http://schemas.openxmlformats.org/officeDocument/2006/relationships" xmlns:p="http://schemas.openxmlformats.org/presentationml/2006/main">
-  <p:cSld>
-    <p:spTree>
-      <p:nvGrpSpPr>
-        <p:cNvPr id="1" name=""/>
-        <p:cNvGrpSpPr/>
-        <p:nvPr/>
-      </p:nvGrpSpPr>
-      <p:grpSpPr>
-        <a:xfrm>
-          <a:off x="0" y="0"/>
-          <a:ext cx="0" cy="0"/>
-          <a:chOff x="0" y="0"/>
-          <a:chExt cx="0" cy="0"/>
-        </a:xfrm>
-      </p:grpSpPr>
-      <p:sp>
-        <p:nvSpPr>
-          <p:cNvPr id="2" name="Unvan 1"/>
-          <p:cNvSpPr>
-            <a:spLocks noGrp="1"/>
-          </p:cNvSpPr>
-          <p:nvPr>
-            <p:ph type="title"/>
-          </p:nvPr>
-        </p:nvSpPr>
         <p:spPr>
           <a:xfrm>
             <a:off x="838200" y="365125"/>
@@ -5779,7 +5314,7 @@
 </p:sld>
 </file>
 
-<file path=ppt/slides/slide13.xml><?xml version="1.0" encoding="utf-8"?>
+<file path=ppt/slides/slide11.xml><?xml version="1.0" encoding="utf-8"?>
 <p:sld xmlns:a="http://schemas.openxmlformats.org/drawingml/2006/main" xmlns:r="http://schemas.openxmlformats.org/officeDocument/2006/relationships" xmlns:p="http://schemas.openxmlformats.org/presentationml/2006/main">
   <p:cSld>
     <p:spTree>
@@ -5808,8 +5343,8 @@
         </p:nvSpPr>
         <p:spPr>
           <a:xfrm>
-            <a:off x="838200" y="365125"/>
-            <a:ext cx="10515600" cy="585851"/>
+            <a:off x="0" y="0"/>
+            <a:ext cx="11353800" cy="634619"/>
           </a:xfrm>
         </p:spPr>
         <p:txBody>
@@ -5819,249 +5354,569 @@
           <a:lstStyle/>
           <a:p>
             <a:r>
-              <a:rPr lang="tr-TR" dirty="0" smtClean="0"/>
-              <a:t>Operations of </a:t>
-            </a:r>
-            <a:r>
-              <a:rPr lang="tr-TR" dirty="0" err="1" smtClean="0"/>
-              <a:t>Contrubutor</a:t>
+              <a:rPr lang="tr-TR" b="1" dirty="0" err="1"/>
+              <a:t>What</a:t>
+            </a:r>
+            <a:r>
+              <a:rPr lang="tr-TR" b="1" dirty="0"/>
+              <a:t> is Git</a:t>
+            </a:r>
+            <a:r>
+              <a:rPr lang="tr-TR" b="1" dirty="0" smtClean="0"/>
+              <a:t>?</a:t>
             </a:r>
             <a:endParaRPr lang="tr-TR" dirty="0"/>
           </a:p>
         </p:txBody>
       </p:sp>
-      <p:graphicFrame>
-        <p:nvGraphicFramePr>
-          <p:cNvPr id="6" name="İçerik Yer Tutucusu 5"/>
-          <p:cNvGraphicFramePr>
-            <a:graphicFrameLocks noGrp="1"/>
-          </p:cNvGraphicFramePr>
+      <p:sp>
+        <p:nvSpPr>
+          <p:cNvPr id="3" name="İçerik Yer Tutucusu 2"/>
+          <p:cNvSpPr>
+            <a:spLocks noGrp="1"/>
+          </p:cNvSpPr>
           <p:nvPr>
             <p:ph idx="1"/>
-            <p:extLst>
-              <p:ext uri="{D42A27DB-BD31-4B8C-83A1-F6EECF244321}">
-                <p14:modId xmlns:p14="http://schemas.microsoft.com/office/powerpoint/2010/main" val="1240737301"/>
-              </p:ext>
-            </p:extLst>
           </p:nvPr>
-        </p:nvGraphicFramePr>
-        <p:xfrm>
-          <a:off x="838200" y="950913"/>
-          <a:ext cx="10515600" cy="1854200"/>
-        </p:xfrm>
-        <a:graphic>
-          <a:graphicData uri="http://schemas.openxmlformats.org/drawingml/2006/table">
-            <a:tbl>
-              <a:tblPr firstRow="1" bandRow="1">
-                <a:tableStyleId>{5C22544A-7EE6-4342-B048-85BDC9FD1C3A}</a:tableStyleId>
-              </a:tblPr>
-              <a:tblGrid>
-                <a:gridCol w="5257800">
-                  <a:extLst>
-                    <a:ext uri="{9D8B030D-6E8A-4147-A177-3AD203B41FA5}">
-                      <a16:colId xmlns:a16="http://schemas.microsoft.com/office/drawing/2014/main" val="3093371899"/>
-                    </a:ext>
-                  </a:extLst>
-                </a:gridCol>
-                <a:gridCol w="5257800">
-                  <a:extLst>
-                    <a:ext uri="{9D8B030D-6E8A-4147-A177-3AD203B41FA5}">
-                      <a16:colId xmlns:a16="http://schemas.microsoft.com/office/drawing/2014/main" val="4178113425"/>
-                    </a:ext>
-                  </a:extLst>
-                </a:gridCol>
-              </a:tblGrid>
-              <a:tr h="370840">
-                <a:tc>
-                  <a:txBody>
-                    <a:bodyPr/>
-                    <a:lstStyle/>
-                    <a:p>
-                      <a:r>
-                        <a:rPr lang="tr-TR" dirty="0" smtClean="0"/>
-                        <a:t>CLONE</a:t>
-                      </a:r>
-                      <a:r>
-                        <a:rPr lang="tr-TR" baseline="0" dirty="0" smtClean="0"/>
-                        <a:t> OR COPY</a:t>
-                      </a:r>
-                      <a:endParaRPr lang="tr-TR" dirty="0"/>
-                    </a:p>
-                  </a:txBody>
-                  <a:tcPr/>
-                </a:tc>
-                <a:tc>
-                  <a:txBody>
-                    <a:bodyPr/>
-                    <a:lstStyle/>
-                    <a:p>
-                      <a:r>
-                        <a:rPr lang="tr-TR" dirty="0" smtClean="0"/>
-                        <a:t>FORK</a:t>
-                      </a:r>
-                      <a:endParaRPr lang="tr-TR" dirty="0"/>
-                    </a:p>
-                  </a:txBody>
-                  <a:tcPr/>
-                </a:tc>
-                <a:extLst>
-                  <a:ext uri="{0D108BD9-81ED-4DB2-BD59-A6C34878D82A}">
-                    <a16:rowId xmlns:a16="http://schemas.microsoft.com/office/drawing/2014/main" val="1228598933"/>
-                  </a:ext>
-                </a:extLst>
-              </a:tr>
-              <a:tr h="370840">
-                <a:tc>
-                  <a:txBody>
-                    <a:bodyPr/>
-                    <a:lstStyle/>
-                    <a:p>
-                      <a:r>
-                        <a:rPr lang="tr-TR" dirty="0" smtClean="0"/>
-                        <a:t>PULL</a:t>
-                      </a:r>
-                      <a:endParaRPr lang="tr-TR" dirty="0"/>
-                    </a:p>
-                  </a:txBody>
-                  <a:tcPr/>
-                </a:tc>
-                <a:tc>
-                  <a:txBody>
-                    <a:bodyPr/>
-                    <a:lstStyle/>
-                    <a:p>
-                      <a:r>
-                        <a:rPr lang="tr-TR" dirty="0" smtClean="0"/>
-                        <a:t>PULL</a:t>
-                      </a:r>
-                      <a:endParaRPr lang="tr-TR" dirty="0"/>
-                    </a:p>
-                  </a:txBody>
-                  <a:tcPr/>
-                </a:tc>
-                <a:extLst>
-                  <a:ext uri="{0D108BD9-81ED-4DB2-BD59-A6C34878D82A}">
-                    <a16:rowId xmlns:a16="http://schemas.microsoft.com/office/drawing/2014/main" val="1133570453"/>
-                  </a:ext>
-                </a:extLst>
-              </a:tr>
-              <a:tr h="370840">
-                <a:tc>
-                  <a:txBody>
-                    <a:bodyPr/>
-                    <a:lstStyle/>
-                    <a:p>
-                      <a:r>
-                        <a:rPr lang="tr-TR" dirty="0" smtClean="0"/>
-                        <a:t>MERGE</a:t>
-                      </a:r>
-                      <a:endParaRPr lang="tr-TR" dirty="0"/>
-                    </a:p>
-                  </a:txBody>
-                  <a:tcPr/>
-                </a:tc>
-                <a:tc>
-                  <a:txBody>
-                    <a:bodyPr/>
-                    <a:lstStyle/>
-                    <a:p>
-                      <a:r>
-                        <a:rPr lang="tr-TR" dirty="0" smtClean="0"/>
-                        <a:t>MERGE</a:t>
-                      </a:r>
-                      <a:endParaRPr lang="tr-TR" dirty="0"/>
-                    </a:p>
-                  </a:txBody>
-                  <a:tcPr/>
-                </a:tc>
-                <a:extLst>
-                  <a:ext uri="{0D108BD9-81ED-4DB2-BD59-A6C34878D82A}">
-                    <a16:rowId xmlns:a16="http://schemas.microsoft.com/office/drawing/2014/main" val="3026861819"/>
-                  </a:ext>
-                </a:extLst>
-              </a:tr>
-              <a:tr h="370840">
-                <a:tc>
-                  <a:txBody>
-                    <a:bodyPr/>
-                    <a:lstStyle/>
-                    <a:p>
-                      <a:r>
-                        <a:rPr lang="tr-TR" dirty="0" smtClean="0"/>
-                        <a:t>COMMIT</a:t>
-                      </a:r>
-                      <a:endParaRPr lang="tr-TR" dirty="0"/>
-                    </a:p>
-                  </a:txBody>
-                  <a:tcPr/>
-                </a:tc>
-                <a:tc>
-                  <a:txBody>
-                    <a:bodyPr/>
-                    <a:lstStyle/>
-                    <a:p>
-                      <a:r>
-                        <a:rPr lang="tr-TR" dirty="0" smtClean="0"/>
-                        <a:t>COMMIT</a:t>
-                      </a:r>
-                      <a:endParaRPr lang="tr-TR" dirty="0"/>
-                    </a:p>
-                  </a:txBody>
-                  <a:tcPr/>
-                </a:tc>
-                <a:extLst>
-                  <a:ext uri="{0D108BD9-81ED-4DB2-BD59-A6C34878D82A}">
-                    <a16:rowId xmlns:a16="http://schemas.microsoft.com/office/drawing/2014/main" val="3800453664"/>
-                  </a:ext>
-                </a:extLst>
-              </a:tr>
-              <a:tr h="370840">
-                <a:tc>
-                  <a:txBody>
-                    <a:bodyPr/>
-                    <a:lstStyle/>
-                    <a:p>
-                      <a:r>
-                        <a:rPr lang="tr-TR" dirty="0" smtClean="0"/>
-                        <a:t>PUSH</a:t>
-                      </a:r>
-                      <a:endParaRPr lang="tr-TR" dirty="0"/>
-                    </a:p>
-                  </a:txBody>
-                  <a:tcPr/>
-                </a:tc>
-                <a:tc>
-                  <a:txBody>
-                    <a:bodyPr/>
-                    <a:lstStyle/>
-                    <a:p>
-                      <a:r>
-                        <a:rPr lang="tr-TR" dirty="0" smtClean="0"/>
-                        <a:t>PULL REQUEST –MERGE</a:t>
-                      </a:r>
-                      <a:r>
-                        <a:rPr lang="tr-TR" baseline="0" dirty="0" smtClean="0"/>
-                        <a:t> REQUEST</a:t>
-                      </a:r>
-                      <a:endParaRPr lang="tr-TR" dirty="0"/>
-                    </a:p>
-                  </a:txBody>
-                  <a:tcPr/>
-                </a:tc>
-                <a:extLst>
-                  <a:ext uri="{0D108BD9-81ED-4DB2-BD59-A6C34878D82A}">
-                    <a16:rowId xmlns:a16="http://schemas.microsoft.com/office/drawing/2014/main" val="1866889089"/>
-                  </a:ext>
-                </a:extLst>
-              </a:tr>
-            </a:tbl>
-          </a:graphicData>
-        </a:graphic>
-      </p:graphicFrame>
+        </p:nvSpPr>
+        <p:spPr>
+          <a:xfrm>
+            <a:off x="0" y="634619"/>
+            <a:ext cx="12106656" cy="5542344"/>
+          </a:xfrm>
+        </p:spPr>
+        <p:txBody>
+          <a:bodyPr/>
+          <a:lstStyle/>
+          <a:p>
+            <a:pPr algn="just"/>
+            <a:r>
+              <a:rPr lang="en-US" dirty="0" err="1"/>
+              <a:t>Git</a:t>
+            </a:r>
+            <a:r>
+              <a:rPr lang="en-US" dirty="0"/>
+              <a:t> is a </a:t>
+            </a:r>
+            <a:r>
+              <a:rPr lang="en-US" dirty="0">
+                <a:hlinkClick r:id="rId2"/>
+              </a:rPr>
+              <a:t>free and open source</a:t>
+            </a:r>
+            <a:r>
+              <a:rPr lang="en-US" dirty="0"/>
+              <a:t> </a:t>
+            </a:r>
+            <a:endParaRPr lang="tr-TR" dirty="0" smtClean="0"/>
+          </a:p>
+          <a:p>
+            <a:pPr marL="0" indent="0" algn="just">
+              <a:buNone/>
+            </a:pPr>
+            <a:r>
+              <a:rPr lang="en-US" dirty="0" smtClean="0"/>
+              <a:t>The </a:t>
+            </a:r>
+            <a:r>
+              <a:rPr lang="en-US" dirty="0"/>
+              <a:t>major difference between </a:t>
+            </a:r>
+            <a:r>
+              <a:rPr lang="en-US" dirty="0" err="1"/>
+              <a:t>Git</a:t>
+            </a:r>
+            <a:r>
+              <a:rPr lang="en-US" dirty="0"/>
+              <a:t> </a:t>
+            </a:r>
+            <a:r>
+              <a:rPr lang="en-US" dirty="0" smtClean="0"/>
+              <a:t>and</a:t>
+            </a:r>
+            <a:r>
+              <a:rPr lang="tr-TR" dirty="0" smtClean="0"/>
+              <a:t>A</a:t>
+            </a:r>
+            <a:r>
+              <a:rPr lang="en-US" dirty="0" err="1" smtClean="0"/>
+              <a:t>ny</a:t>
+            </a:r>
+            <a:r>
+              <a:rPr lang="en-US" dirty="0" smtClean="0"/>
+              <a:t> </a:t>
+            </a:r>
+            <a:r>
+              <a:rPr lang="en-US" dirty="0"/>
+              <a:t>other </a:t>
+            </a:r>
+            <a:r>
+              <a:rPr lang="en-US" dirty="0" smtClean="0"/>
+              <a:t>VCS</a:t>
+            </a:r>
+            <a:r>
+              <a:rPr lang="tr-TR" dirty="0" smtClean="0"/>
+              <a:t> </a:t>
+            </a:r>
+            <a:r>
+              <a:rPr lang="tr-TR" dirty="0" err="1" smtClean="0"/>
+              <a:t>use</a:t>
+            </a:r>
+            <a:r>
+              <a:rPr lang="tr-TR" dirty="0" smtClean="0"/>
+              <a:t>	</a:t>
+            </a:r>
+            <a:r>
+              <a:rPr lang="en-US" b="1" dirty="0" smtClean="0"/>
+              <a:t>delta-based</a:t>
+            </a:r>
+            <a:r>
+              <a:rPr lang="en-US" dirty="0"/>
+              <a:t> </a:t>
+            </a:r>
+            <a:r>
+              <a:rPr lang="tr-TR" dirty="0" err="1" smtClean="0"/>
+              <a:t>method</a:t>
+            </a:r>
+            <a:endParaRPr lang="tr-TR" dirty="0" smtClean="0"/>
+          </a:p>
+          <a:p>
+            <a:endParaRPr lang="tr-TR" dirty="0"/>
+          </a:p>
+        </p:txBody>
+      </p:sp>
+      <p:pic>
+        <p:nvPicPr>
+          <p:cNvPr id="4" name="Resim 3"/>
+          <p:cNvPicPr>
+            <a:picLocks noChangeAspect="1"/>
+          </p:cNvPicPr>
+          <p:nvPr/>
+        </p:nvPicPr>
+        <p:blipFill>
+          <a:blip r:embed="rId3"/>
+          <a:stretch>
+            <a:fillRect/>
+          </a:stretch>
+        </p:blipFill>
+        <p:spPr>
+          <a:xfrm>
+            <a:off x="694182" y="1950720"/>
+            <a:ext cx="10659618" cy="4450079"/>
+          </a:xfrm>
+          <a:prstGeom prst="rect">
+            <a:avLst/>
+          </a:prstGeom>
+        </p:spPr>
+      </p:pic>
     </p:spTree>
     <p:extLst>
       <p:ext uri="{BB962C8B-B14F-4D97-AF65-F5344CB8AC3E}">
-        <p14:creationId xmlns:p14="http://schemas.microsoft.com/office/powerpoint/2010/main" val="219047944"/>
+        <p14:creationId xmlns:p14="http://schemas.microsoft.com/office/powerpoint/2010/main" val="2973931723"/>
+      </p:ext>
+    </p:extLst>
+  </p:cSld>
+  <p:clrMapOvr>
+    <a:masterClrMapping/>
+  </p:clrMapOvr>
+  <p:timing>
+    <p:tnLst>
+      <p:par>
+        <p:cTn id="1" dur="indefinite" restart="never" nodeType="tmRoot"/>
+      </p:par>
+    </p:tnLst>
+  </p:timing>
+</p:sld>
+</file>
+
+<file path=ppt/slides/slide12.xml><?xml version="1.0" encoding="utf-8"?>
+<p:sld xmlns:a="http://schemas.openxmlformats.org/drawingml/2006/main" xmlns:r="http://schemas.openxmlformats.org/officeDocument/2006/relationships" xmlns:p="http://schemas.openxmlformats.org/presentationml/2006/main">
+  <p:cSld>
+    <p:spTree>
+      <p:nvGrpSpPr>
+        <p:cNvPr id="1" name=""/>
+        <p:cNvGrpSpPr/>
+        <p:nvPr/>
+      </p:nvGrpSpPr>
+      <p:grpSpPr>
+        <a:xfrm>
+          <a:off x="0" y="0"/>
+          <a:ext cx="0" cy="0"/>
+          <a:chOff x="0" y="0"/>
+          <a:chExt cx="0" cy="0"/>
+        </a:xfrm>
+      </p:grpSpPr>
+      <p:sp>
+        <p:nvSpPr>
+          <p:cNvPr id="2" name="Unvan 1"/>
+          <p:cNvSpPr>
+            <a:spLocks noGrp="1"/>
+          </p:cNvSpPr>
+          <p:nvPr>
+            <p:ph type="title"/>
+          </p:nvPr>
+        </p:nvSpPr>
+        <p:spPr/>
+        <p:txBody>
+          <a:bodyPr/>
+          <a:lstStyle/>
+          <a:p>
+            <a:r>
+              <a:rPr lang="tr-TR" dirty="0"/>
+              <a:t> </a:t>
+            </a:r>
+            <a:r>
+              <a:rPr lang="en-US" dirty="0" err="1"/>
+              <a:t>Git</a:t>
+            </a:r>
+            <a:r>
+              <a:rPr lang="en-US" dirty="0"/>
+              <a:t> thinks about its data more like a </a:t>
+            </a:r>
+            <a:r>
+              <a:rPr lang="en-US" b="1" dirty="0"/>
+              <a:t>stream of snapshots</a:t>
+            </a:r>
+            <a:r>
+              <a:rPr lang="en-US" dirty="0" smtClean="0"/>
+              <a:t>.</a:t>
+            </a:r>
+            <a:endParaRPr lang="tr-TR" dirty="0"/>
+          </a:p>
+        </p:txBody>
+      </p:sp>
+      <p:pic>
+        <p:nvPicPr>
+          <p:cNvPr id="4" name="İçerik Yer Tutucusu 3"/>
+          <p:cNvPicPr>
+            <a:picLocks noGrp="1" noChangeAspect="1"/>
+          </p:cNvPicPr>
+          <p:nvPr>
+            <p:ph idx="1"/>
+          </p:nvPr>
+        </p:nvPicPr>
+        <p:blipFill>
+          <a:blip r:embed="rId2"/>
+          <a:stretch>
+            <a:fillRect/>
+          </a:stretch>
+        </p:blipFill>
+        <p:spPr>
+          <a:xfrm>
+            <a:off x="1094232" y="1690688"/>
+            <a:ext cx="10402824" cy="4149280"/>
+          </a:xfrm>
+          <a:prstGeom prst="rect">
+            <a:avLst/>
+          </a:prstGeom>
+        </p:spPr>
+      </p:pic>
+      <p:sp>
+        <p:nvSpPr>
+          <p:cNvPr id="5" name="Dikdörtgen 4"/>
+          <p:cNvSpPr/>
+          <p:nvPr/>
+        </p:nvSpPr>
+        <p:spPr>
+          <a:xfrm>
+            <a:off x="1249680" y="6100679"/>
+            <a:ext cx="9936480" cy="646331"/>
+          </a:xfrm>
+          <a:prstGeom prst="rect">
+            <a:avLst/>
+          </a:prstGeom>
+        </p:spPr>
+        <p:txBody>
+          <a:bodyPr wrap="square">
+            <a:spAutoFit/>
+          </a:bodyPr>
+          <a:lstStyle/>
+          <a:p>
+            <a:r>
+              <a:rPr lang="en-US" dirty="0">
+                <a:solidFill>
+                  <a:srgbClr val="4E443C"/>
+                </a:solidFill>
+                <a:latin typeface="Arial" panose="020B0604020202020204" pitchFamily="34" charset="0"/>
+              </a:rPr>
+              <a:t> This makes </a:t>
+            </a:r>
+            <a:r>
+              <a:rPr lang="en-US" dirty="0" err="1">
+                <a:solidFill>
+                  <a:srgbClr val="4E443C"/>
+                </a:solidFill>
+                <a:latin typeface="Arial" panose="020B0604020202020204" pitchFamily="34" charset="0"/>
+              </a:rPr>
+              <a:t>Git</a:t>
+            </a:r>
+            <a:r>
+              <a:rPr lang="en-US" dirty="0">
+                <a:solidFill>
+                  <a:srgbClr val="4E443C"/>
+                </a:solidFill>
+                <a:latin typeface="Arial" panose="020B0604020202020204" pitchFamily="34" charset="0"/>
+              </a:rPr>
+              <a:t> more like a mini </a:t>
+            </a:r>
+            <a:r>
+              <a:rPr lang="en-US" dirty="0" err="1">
+                <a:solidFill>
+                  <a:srgbClr val="4E443C"/>
+                </a:solidFill>
+                <a:latin typeface="Arial" panose="020B0604020202020204" pitchFamily="34" charset="0"/>
+              </a:rPr>
+              <a:t>filesystem</a:t>
+            </a:r>
+            <a:r>
+              <a:rPr lang="en-US" dirty="0">
+                <a:solidFill>
+                  <a:srgbClr val="4E443C"/>
+                </a:solidFill>
+                <a:latin typeface="Arial" panose="020B0604020202020204" pitchFamily="34" charset="0"/>
+              </a:rPr>
+              <a:t> with some incredibly powerful tools built on top of it, rather than simply a VCS.</a:t>
+            </a:r>
+            <a:endParaRPr lang="tr-TR" dirty="0"/>
+          </a:p>
+        </p:txBody>
+      </p:sp>
+    </p:spTree>
+    <p:extLst>
+      <p:ext uri="{BB962C8B-B14F-4D97-AF65-F5344CB8AC3E}">
+        <p14:creationId xmlns:p14="http://schemas.microsoft.com/office/powerpoint/2010/main" val="1953878092"/>
+      </p:ext>
+    </p:extLst>
+  </p:cSld>
+  <p:clrMapOvr>
+    <a:masterClrMapping/>
+  </p:clrMapOvr>
+  <p:timing>
+    <p:tnLst>
+      <p:par>
+        <p:cTn id="1" dur="indefinite" restart="never" nodeType="tmRoot"/>
+      </p:par>
+    </p:tnLst>
+  </p:timing>
+</p:sld>
+</file>
+
+<file path=ppt/slides/slide13.xml><?xml version="1.0" encoding="utf-8"?>
+<p:sld xmlns:a="http://schemas.openxmlformats.org/drawingml/2006/main" xmlns:r="http://schemas.openxmlformats.org/officeDocument/2006/relationships" xmlns:p="http://schemas.openxmlformats.org/presentationml/2006/main">
+  <p:cSld>
+    <p:spTree>
+      <p:nvGrpSpPr>
+        <p:cNvPr id="1" name=""/>
+        <p:cNvGrpSpPr/>
+        <p:nvPr/>
+      </p:nvGrpSpPr>
+      <p:grpSpPr>
+        <a:xfrm>
+          <a:off x="0" y="0"/>
+          <a:ext cx="0" cy="0"/>
+          <a:chOff x="0" y="0"/>
+          <a:chExt cx="0" cy="0"/>
+        </a:xfrm>
+      </p:grpSpPr>
+      <p:sp>
+        <p:nvSpPr>
+          <p:cNvPr id="3" name="İçerik Yer Tutucusu 2"/>
+          <p:cNvSpPr>
+            <a:spLocks noGrp="1"/>
+          </p:cNvSpPr>
+          <p:nvPr>
+            <p:ph idx="1"/>
+          </p:nvPr>
+        </p:nvSpPr>
+        <p:spPr>
+          <a:xfrm>
+            <a:off x="0" y="536448"/>
+            <a:ext cx="11353800" cy="5640515"/>
+          </a:xfrm>
+        </p:spPr>
+        <p:txBody>
+          <a:bodyPr/>
+          <a:lstStyle/>
+          <a:p>
+            <a:pPr algn="just"/>
+            <a:r>
+              <a:rPr lang="en-US" b="1" dirty="0"/>
+              <a:t>Nearly Every Operation Is Local</a:t>
+            </a:r>
+          </a:p>
+          <a:p>
+            <a:pPr marL="0" indent="0" algn="just">
+              <a:buNone/>
+            </a:pPr>
+            <a:r>
+              <a:rPr lang="en-US" dirty="0"/>
+              <a:t>For example, to browse the history of the project, </a:t>
+            </a:r>
+            <a:r>
+              <a:rPr lang="en-US" dirty="0" err="1"/>
+              <a:t>Git</a:t>
+            </a:r>
+            <a:r>
+              <a:rPr lang="en-US" dirty="0"/>
+              <a:t> doesn’t need to go out to the server to get the history and display it for you </a:t>
+            </a:r>
+            <a:endParaRPr lang="tr-TR" dirty="0" smtClean="0"/>
+          </a:p>
+          <a:p>
+            <a:pPr algn="just"/>
+            <a:r>
+              <a:rPr lang="tr-TR" b="1" dirty="0"/>
+              <a:t>Git Has </a:t>
+            </a:r>
+            <a:r>
+              <a:rPr lang="tr-TR" b="1" dirty="0" err="1" smtClean="0"/>
+              <a:t>Integrity</a:t>
+            </a:r>
+            <a:r>
+              <a:rPr lang="tr-TR" b="1" dirty="0" smtClean="0"/>
+              <a:t> (</a:t>
+            </a:r>
+            <a:r>
+              <a:rPr lang="tr-TR" dirty="0"/>
+              <a:t>SHA-1 </a:t>
+            </a:r>
+            <a:r>
+              <a:rPr lang="tr-TR" dirty="0" err="1"/>
+              <a:t>hash</a:t>
+            </a:r>
+            <a:r>
+              <a:rPr lang="tr-TR" b="1" dirty="0" smtClean="0"/>
+              <a:t>)</a:t>
+            </a:r>
+          </a:p>
+          <a:p>
+            <a:pPr marL="0" indent="0" algn="just">
+              <a:buNone/>
+            </a:pPr>
+            <a:r>
+              <a:rPr lang="en-US" dirty="0"/>
+              <a:t>Everything in </a:t>
+            </a:r>
+            <a:r>
+              <a:rPr lang="en-US" dirty="0" err="1"/>
+              <a:t>Git</a:t>
+            </a:r>
+            <a:r>
+              <a:rPr lang="en-US" dirty="0"/>
+              <a:t> is </a:t>
+            </a:r>
+            <a:r>
+              <a:rPr lang="en-US" dirty="0" err="1"/>
+              <a:t>checksummed</a:t>
+            </a:r>
+            <a:r>
+              <a:rPr lang="en-US" dirty="0"/>
+              <a:t> before it is stored and is then referred to by that checksum. This means it’s impossible to change the contents of any file or directory without </a:t>
+            </a:r>
+            <a:r>
+              <a:rPr lang="en-US" dirty="0" err="1"/>
+              <a:t>Git</a:t>
+            </a:r>
+            <a:r>
+              <a:rPr lang="en-US" dirty="0"/>
+              <a:t> knowing about it. </a:t>
+            </a:r>
+            <a:endParaRPr lang="tr-TR" dirty="0" smtClean="0"/>
+          </a:p>
+          <a:p>
+            <a:pPr algn="just"/>
+            <a:r>
+              <a:rPr lang="en-US" b="1" dirty="0" err="1"/>
+              <a:t>Git</a:t>
+            </a:r>
+            <a:r>
+              <a:rPr lang="en-US" b="1" dirty="0"/>
+              <a:t> Generally Only Adds </a:t>
+            </a:r>
+            <a:r>
+              <a:rPr lang="en-US" b="1" dirty="0" smtClean="0"/>
+              <a:t>Data</a:t>
+            </a:r>
+            <a:endParaRPr lang="tr-TR" b="1" dirty="0" smtClean="0"/>
+          </a:p>
+          <a:p>
+            <a:pPr marL="0" indent="0" algn="just">
+              <a:buNone/>
+            </a:pPr>
+            <a:r>
+              <a:rPr lang="tr-TR" dirty="0"/>
+              <a:t>Y</a:t>
+            </a:r>
+            <a:r>
+              <a:rPr lang="en-US" dirty="0" err="1" smtClean="0"/>
+              <a:t>ou</a:t>
+            </a:r>
+            <a:r>
+              <a:rPr lang="en-US" dirty="0" smtClean="0"/>
+              <a:t> </a:t>
+            </a:r>
+            <a:r>
+              <a:rPr lang="en-US" dirty="0"/>
+              <a:t>can lose or mess up changes you haven’t committed yet, but after you commit a snapshot into </a:t>
+            </a:r>
+            <a:r>
+              <a:rPr lang="en-US" dirty="0" err="1"/>
+              <a:t>Git</a:t>
+            </a:r>
+            <a:r>
+              <a:rPr lang="en-US" dirty="0"/>
+              <a:t>, it is very difficult to lose, especially if you regularly push your database to another repository</a:t>
+            </a:r>
+            <a:r>
+              <a:rPr lang="en-US" dirty="0" smtClean="0"/>
+              <a:t>.</a:t>
+            </a:r>
+            <a:endParaRPr lang="tr-TR" dirty="0"/>
+          </a:p>
+        </p:txBody>
+      </p:sp>
+      <p:sp>
+        <p:nvSpPr>
+          <p:cNvPr id="4" name="Unvan 1"/>
+          <p:cNvSpPr>
+            <a:spLocks noGrp="1"/>
+          </p:cNvSpPr>
+          <p:nvPr>
+            <p:ph type="title"/>
+          </p:nvPr>
+        </p:nvSpPr>
+        <p:spPr>
+          <a:xfrm>
+            <a:off x="0" y="0"/>
+            <a:ext cx="11353800" cy="634619"/>
+          </a:xfrm>
+        </p:spPr>
+        <p:txBody>
+          <a:bodyPr>
+            <a:normAutofit fontScale="90000"/>
+          </a:bodyPr>
+          <a:lstStyle/>
+          <a:p>
+            <a:r>
+              <a:rPr lang="tr-TR" b="1" dirty="0" err="1"/>
+              <a:t>What</a:t>
+            </a:r>
+            <a:r>
+              <a:rPr lang="tr-TR" b="1" dirty="0"/>
+              <a:t> is Git</a:t>
+            </a:r>
+            <a:r>
+              <a:rPr lang="tr-TR" b="1" dirty="0" smtClean="0"/>
+              <a:t>?</a:t>
+            </a:r>
+            <a:endParaRPr lang="tr-TR" dirty="0"/>
+          </a:p>
+        </p:txBody>
+      </p:sp>
+    </p:spTree>
+    <p:extLst>
+      <p:ext uri="{BB962C8B-B14F-4D97-AF65-F5344CB8AC3E}">
+        <p14:creationId xmlns:p14="http://schemas.microsoft.com/office/powerpoint/2010/main" val="38617355"/>
       </p:ext>
     </p:extLst>
   </p:cSld>
@@ -6107,8 +5962,8 @@
         </p:nvSpPr>
         <p:spPr>
           <a:xfrm>
-            <a:off x="0" y="0"/>
-            <a:ext cx="11353800" cy="634619"/>
+            <a:off x="838200" y="365125"/>
+            <a:ext cx="10515600" cy="585851"/>
           </a:xfrm>
         </p:spPr>
         <p:txBody>
@@ -6118,143 +5973,270 @@
           <a:lstStyle/>
           <a:p>
             <a:r>
-              <a:rPr lang="tr-TR" b="1" dirty="0" err="1"/>
-              <a:t>What</a:t>
-            </a:r>
-            <a:r>
-              <a:rPr lang="tr-TR" b="1" dirty="0"/>
-              <a:t> is Git</a:t>
-            </a:r>
-            <a:r>
-              <a:rPr lang="tr-TR" b="1" dirty="0" smtClean="0"/>
-              <a:t>?</a:t>
+              <a:rPr lang="tr-TR" dirty="0" smtClean="0"/>
+              <a:t>Operations of </a:t>
+            </a:r>
+            <a:r>
+              <a:rPr lang="tr-TR" dirty="0" err="1" smtClean="0"/>
+              <a:t>Contrubutor</a:t>
             </a:r>
             <a:endParaRPr lang="tr-TR" dirty="0"/>
           </a:p>
         </p:txBody>
       </p:sp>
-      <p:sp>
-        <p:nvSpPr>
-          <p:cNvPr id="3" name="İçerik Yer Tutucusu 2"/>
-          <p:cNvSpPr>
-            <a:spLocks noGrp="1"/>
-          </p:cNvSpPr>
+      <p:graphicFrame>
+        <p:nvGraphicFramePr>
+          <p:cNvPr id="6" name="İçerik Yer Tutucusu 5"/>
+          <p:cNvGraphicFramePr>
+            <a:graphicFrameLocks noGrp="1"/>
+          </p:cNvGraphicFramePr>
           <p:nvPr>
             <p:ph idx="1"/>
+            <p:extLst>
+              <p:ext uri="{D42A27DB-BD31-4B8C-83A1-F6EECF244321}">
+                <p14:modId xmlns:p14="http://schemas.microsoft.com/office/powerpoint/2010/main" val="3387486748"/>
+              </p:ext>
+            </p:extLst>
           </p:nvPr>
-        </p:nvSpPr>
-        <p:spPr>
-          <a:xfrm>
-            <a:off x="0" y="634619"/>
-            <a:ext cx="12106656" cy="5542344"/>
-          </a:xfrm>
-        </p:spPr>
-        <p:txBody>
-          <a:bodyPr/>
-          <a:lstStyle/>
-          <a:p>
-            <a:pPr algn="just"/>
-            <a:r>
-              <a:rPr lang="en-US" dirty="0" err="1"/>
-              <a:t>Git</a:t>
-            </a:r>
-            <a:r>
-              <a:rPr lang="en-US" dirty="0"/>
-              <a:t> is a </a:t>
-            </a:r>
-            <a:r>
-              <a:rPr lang="en-US" dirty="0">
-                <a:hlinkClick r:id="rId2"/>
-              </a:rPr>
-              <a:t>free and open source</a:t>
-            </a:r>
-            <a:r>
-              <a:rPr lang="en-US" dirty="0"/>
-              <a:t> distributed version control system designed to handle everything from small to very large projects with speed and efficiency.</a:t>
-            </a:r>
-            <a:endParaRPr lang="tr-TR" dirty="0" smtClean="0"/>
-          </a:p>
-          <a:p>
-            <a:r>
-              <a:rPr lang="en-US" dirty="0" smtClean="0"/>
-              <a:t>The </a:t>
-            </a:r>
-            <a:r>
-              <a:rPr lang="en-US" dirty="0"/>
-              <a:t>major difference between </a:t>
-            </a:r>
-            <a:r>
-              <a:rPr lang="en-US" dirty="0" err="1"/>
-              <a:t>Git</a:t>
-            </a:r>
-            <a:r>
-              <a:rPr lang="en-US" dirty="0"/>
-              <a:t> and any other </a:t>
-            </a:r>
-            <a:r>
-              <a:rPr lang="en-US" dirty="0" smtClean="0"/>
-              <a:t>VCS</a:t>
-            </a:r>
-            <a:endParaRPr lang="tr-TR" dirty="0" smtClean="0"/>
-          </a:p>
-          <a:p>
-            <a:pPr marL="0" indent="0">
-              <a:buNone/>
-            </a:pPr>
-            <a:r>
-              <a:rPr lang="tr-TR" dirty="0" smtClean="0"/>
-              <a:t>	</a:t>
-            </a:r>
-            <a:r>
-              <a:rPr lang="en-US" b="1" dirty="0" smtClean="0"/>
-              <a:t>delta-based</a:t>
-            </a:r>
-            <a:r>
-              <a:rPr lang="en-US" dirty="0"/>
-              <a:t> version </a:t>
-            </a:r>
-            <a:r>
-              <a:rPr lang="en-US" dirty="0" err="1" smtClean="0"/>
-              <a:t>contro</a:t>
-            </a:r>
-            <a:r>
-              <a:rPr lang="tr-TR" dirty="0" smtClean="0"/>
-              <a:t>l</a:t>
-            </a:r>
-          </a:p>
-          <a:p>
-            <a:endParaRPr lang="tr-TR" dirty="0"/>
-          </a:p>
-        </p:txBody>
-      </p:sp>
-      <p:pic>
-        <p:nvPicPr>
-          <p:cNvPr id="4" name="Resim 3"/>
-          <p:cNvPicPr>
-            <a:picLocks noChangeAspect="1"/>
-          </p:cNvPicPr>
-          <p:nvPr/>
-        </p:nvPicPr>
-        <p:blipFill>
-          <a:blip r:embed="rId3"/>
-          <a:stretch>
-            <a:fillRect/>
-          </a:stretch>
-        </p:blipFill>
-        <p:spPr>
-          <a:xfrm>
-            <a:off x="694182" y="2569273"/>
-            <a:ext cx="9019689" cy="2843975"/>
-          </a:xfrm>
-          <a:prstGeom prst="rect">
-            <a:avLst/>
-          </a:prstGeom>
-        </p:spPr>
-      </p:pic>
+        </p:nvGraphicFramePr>
+        <p:xfrm>
+          <a:off x="838200" y="950912"/>
+          <a:ext cx="10515600" cy="3791775"/>
+        </p:xfrm>
+        <a:graphic>
+          <a:graphicData uri="http://schemas.openxmlformats.org/drawingml/2006/table">
+            <a:tbl>
+              <a:tblPr firstRow="1" bandRow="1">
+                <a:tableStyleId>{5C22544A-7EE6-4342-B048-85BDC9FD1C3A}</a:tableStyleId>
+              </a:tblPr>
+              <a:tblGrid>
+                <a:gridCol w="5257800">
+                  <a:extLst>
+                    <a:ext uri="{9D8B030D-6E8A-4147-A177-3AD203B41FA5}">
+                      <a16:colId xmlns:a16="http://schemas.microsoft.com/office/drawing/2014/main" val="3093371899"/>
+                    </a:ext>
+                  </a:extLst>
+                </a:gridCol>
+                <a:gridCol w="5257800">
+                  <a:extLst>
+                    <a:ext uri="{9D8B030D-6E8A-4147-A177-3AD203B41FA5}">
+                      <a16:colId xmlns:a16="http://schemas.microsoft.com/office/drawing/2014/main" val="4178113425"/>
+                    </a:ext>
+                  </a:extLst>
+                </a:gridCol>
+              </a:tblGrid>
+              <a:tr h="758355">
+                <a:tc>
+                  <a:txBody>
+                    <a:bodyPr/>
+                    <a:lstStyle/>
+                    <a:p>
+                      <a:r>
+                        <a:rPr lang="tr-TR" dirty="0" smtClean="0"/>
+                        <a:t>GET</a:t>
+                      </a:r>
+                      <a:r>
+                        <a:rPr lang="tr-TR" baseline="0" dirty="0" smtClean="0"/>
+                        <a:t> LATEST VERSIYON</a:t>
+                      </a:r>
+                      <a:endParaRPr lang="tr-TR" dirty="0"/>
+                    </a:p>
+                  </a:txBody>
+                  <a:tcPr/>
+                </a:tc>
+                <a:tc>
+                  <a:txBody>
+                    <a:bodyPr/>
+                    <a:lstStyle/>
+                    <a:p>
+                      <a:pPr marL="0" marR="0" indent="0" algn="l" defTabSz="914400" rtl="0" eaLnBrk="1" fontAlgn="auto" latinLnBrk="0" hangingPunct="1">
+                        <a:lnSpc>
+                          <a:spcPct val="100000"/>
+                        </a:lnSpc>
+                        <a:spcBef>
+                          <a:spcPts val="0"/>
+                        </a:spcBef>
+                        <a:spcAft>
+                          <a:spcPts val="0"/>
+                        </a:spcAft>
+                        <a:buClrTx/>
+                        <a:buSzTx/>
+                        <a:buFontTx/>
+                        <a:buNone/>
+                        <a:tabLst/>
+                        <a:defRPr/>
+                      </a:pPr>
+                      <a:r>
+                        <a:rPr lang="tr-TR" dirty="0" smtClean="0"/>
+                        <a:t>FORK, CLONE</a:t>
+                      </a:r>
+                      <a:r>
+                        <a:rPr lang="tr-TR" baseline="0" dirty="0" smtClean="0"/>
+                        <a:t> OR COPY</a:t>
+                      </a:r>
+                      <a:endParaRPr lang="tr-TR" dirty="0" smtClean="0"/>
+                    </a:p>
+                  </a:txBody>
+                  <a:tcPr/>
+                </a:tc>
+                <a:extLst>
+                  <a:ext uri="{0D108BD9-81ED-4DB2-BD59-A6C34878D82A}">
+                    <a16:rowId xmlns:a16="http://schemas.microsoft.com/office/drawing/2014/main" val="1228598933"/>
+                  </a:ext>
+                </a:extLst>
+              </a:tr>
+              <a:tr h="758355">
+                <a:tc>
+                  <a:txBody>
+                    <a:bodyPr/>
+                    <a:lstStyle/>
+                    <a:p>
+                      <a:r>
+                        <a:rPr lang="tr-TR" dirty="0" smtClean="0"/>
+                        <a:t>GET</a:t>
+                      </a:r>
+                      <a:endParaRPr lang="tr-TR" dirty="0"/>
+                    </a:p>
+                  </a:txBody>
+                  <a:tcPr/>
+                </a:tc>
+                <a:tc>
+                  <a:txBody>
+                    <a:bodyPr/>
+                    <a:lstStyle/>
+                    <a:p>
+                      <a:r>
+                        <a:rPr lang="tr-TR" dirty="0" smtClean="0"/>
+                        <a:t>PULL</a:t>
+                      </a:r>
+                      <a:endParaRPr lang="tr-TR" dirty="0"/>
+                    </a:p>
+                  </a:txBody>
+                  <a:tcPr/>
+                </a:tc>
+                <a:extLst>
+                  <a:ext uri="{0D108BD9-81ED-4DB2-BD59-A6C34878D82A}">
+                    <a16:rowId xmlns:a16="http://schemas.microsoft.com/office/drawing/2014/main" val="1133570453"/>
+                  </a:ext>
+                </a:extLst>
+              </a:tr>
+              <a:tr h="758355">
+                <a:tc>
+                  <a:txBody>
+                    <a:bodyPr/>
+                    <a:lstStyle/>
+                    <a:p>
+                      <a:r>
+                        <a:rPr lang="tr-TR" dirty="0" smtClean="0"/>
+                        <a:t>MERGE</a:t>
+                      </a:r>
+                      <a:endParaRPr lang="tr-TR" dirty="0"/>
+                    </a:p>
+                  </a:txBody>
+                  <a:tcPr/>
+                </a:tc>
+                <a:tc>
+                  <a:txBody>
+                    <a:bodyPr/>
+                    <a:lstStyle/>
+                    <a:p>
+                      <a:r>
+                        <a:rPr lang="tr-TR" dirty="0" smtClean="0"/>
+                        <a:t>MERGE</a:t>
+                      </a:r>
+                      <a:endParaRPr lang="tr-TR" dirty="0"/>
+                    </a:p>
+                  </a:txBody>
+                  <a:tcPr/>
+                </a:tc>
+                <a:extLst>
+                  <a:ext uri="{0D108BD9-81ED-4DB2-BD59-A6C34878D82A}">
+                    <a16:rowId xmlns:a16="http://schemas.microsoft.com/office/drawing/2014/main" val="3026861819"/>
+                  </a:ext>
+                </a:extLst>
+              </a:tr>
+              <a:tr h="758355">
+                <a:tc>
+                  <a:txBody>
+                    <a:bodyPr/>
+                    <a:lstStyle/>
+                    <a:p>
+                      <a:r>
+                        <a:rPr lang="tr-TR" dirty="0" smtClean="0"/>
+                        <a:t>CHECK-IN</a:t>
+                      </a:r>
+                      <a:endParaRPr lang="tr-TR" dirty="0"/>
+                    </a:p>
+                  </a:txBody>
+                  <a:tcPr/>
+                </a:tc>
+                <a:tc>
+                  <a:txBody>
+                    <a:bodyPr/>
+                    <a:lstStyle/>
+                    <a:p>
+                      <a:r>
+                        <a:rPr lang="tr-TR" dirty="0" smtClean="0"/>
+                        <a:t>STAGE-COMMIT-PUSH</a:t>
+                      </a:r>
+                      <a:endParaRPr lang="tr-TR" dirty="0"/>
+                    </a:p>
+                  </a:txBody>
+                  <a:tcPr/>
+                </a:tc>
+                <a:extLst>
+                  <a:ext uri="{0D108BD9-81ED-4DB2-BD59-A6C34878D82A}">
+                    <a16:rowId xmlns:a16="http://schemas.microsoft.com/office/drawing/2014/main" val="3800453664"/>
+                  </a:ext>
+                </a:extLst>
+              </a:tr>
+              <a:tr h="758355">
+                <a:tc>
+                  <a:txBody>
+                    <a:bodyPr/>
+                    <a:lstStyle/>
+                    <a:p>
+                      <a:endParaRPr lang="tr-TR" dirty="0"/>
+                    </a:p>
+                  </a:txBody>
+                  <a:tcPr/>
+                </a:tc>
+                <a:tc>
+                  <a:txBody>
+                    <a:bodyPr/>
+                    <a:lstStyle/>
+                    <a:p>
+                      <a:r>
+                        <a:rPr lang="tr-TR" dirty="0" smtClean="0"/>
+                        <a:t>PULL REQUEST –MERGE</a:t>
+                      </a:r>
+                      <a:r>
+                        <a:rPr lang="tr-TR" baseline="0" dirty="0" smtClean="0"/>
+                        <a:t> </a:t>
+                      </a:r>
+                      <a:r>
+                        <a:rPr lang="tr-TR" baseline="0" dirty="0" smtClean="0"/>
+                        <a:t>REQUEST (FORK)</a:t>
+                      </a:r>
+                      <a:endParaRPr lang="tr-TR" dirty="0"/>
+                    </a:p>
+                  </a:txBody>
+                  <a:tcPr/>
+                </a:tc>
+                <a:extLst>
+                  <a:ext uri="{0D108BD9-81ED-4DB2-BD59-A6C34878D82A}">
+                    <a16:rowId xmlns:a16="http://schemas.microsoft.com/office/drawing/2014/main" val="1866889089"/>
+                  </a:ext>
+                </a:extLst>
+              </a:tr>
+            </a:tbl>
+          </a:graphicData>
+        </a:graphic>
+      </p:graphicFrame>
     </p:spTree>
     <p:extLst>
       <p:ext uri="{BB962C8B-B14F-4D97-AF65-F5344CB8AC3E}">
-        <p14:creationId xmlns:p14="http://schemas.microsoft.com/office/powerpoint/2010/main" val="2973931723"/>
+        <p14:creationId xmlns:p14="http://schemas.microsoft.com/office/powerpoint/2010/main" val="219047944"/>
       </p:ext>
     </p:extLst>
   </p:cSld>
@@ -6272,410 +6254,6 @@
 </file>
 
 <file path=ppt/slides/slide15.xml><?xml version="1.0" encoding="utf-8"?>
-<p:sld xmlns:a="http://schemas.openxmlformats.org/drawingml/2006/main" xmlns:r="http://schemas.openxmlformats.org/officeDocument/2006/relationships" xmlns:p="http://schemas.openxmlformats.org/presentationml/2006/main">
-  <p:cSld>
-    <p:spTree>
-      <p:nvGrpSpPr>
-        <p:cNvPr id="1" name=""/>
-        <p:cNvGrpSpPr/>
-        <p:nvPr/>
-      </p:nvGrpSpPr>
-      <p:grpSpPr>
-        <a:xfrm>
-          <a:off x="0" y="0"/>
-          <a:ext cx="0" cy="0"/>
-          <a:chOff x="0" y="0"/>
-          <a:chExt cx="0" cy="0"/>
-        </a:xfrm>
-      </p:grpSpPr>
-      <p:sp>
-        <p:nvSpPr>
-          <p:cNvPr id="2" name="Unvan 1"/>
-          <p:cNvSpPr>
-            <a:spLocks noGrp="1"/>
-          </p:cNvSpPr>
-          <p:nvPr>
-            <p:ph type="title"/>
-          </p:nvPr>
-        </p:nvSpPr>
-        <p:spPr/>
-        <p:txBody>
-          <a:bodyPr/>
-          <a:lstStyle/>
-          <a:p>
-            <a:r>
-              <a:rPr lang="tr-TR" dirty="0"/>
-              <a:t> </a:t>
-            </a:r>
-            <a:r>
-              <a:rPr lang="en-US" dirty="0" err="1"/>
-              <a:t>Git</a:t>
-            </a:r>
-            <a:r>
-              <a:rPr lang="en-US" dirty="0"/>
-              <a:t> thinks about its data more like a </a:t>
-            </a:r>
-            <a:r>
-              <a:rPr lang="en-US" b="1" dirty="0"/>
-              <a:t>stream of snapshots</a:t>
-            </a:r>
-            <a:r>
-              <a:rPr lang="en-US" dirty="0" smtClean="0"/>
-              <a:t>.</a:t>
-            </a:r>
-            <a:endParaRPr lang="tr-TR" dirty="0"/>
-          </a:p>
-        </p:txBody>
-      </p:sp>
-      <p:pic>
-        <p:nvPicPr>
-          <p:cNvPr id="4" name="İçerik Yer Tutucusu 3"/>
-          <p:cNvPicPr>
-            <a:picLocks noGrp="1" noChangeAspect="1"/>
-          </p:cNvPicPr>
-          <p:nvPr>
-            <p:ph idx="1"/>
-          </p:nvPr>
-        </p:nvPicPr>
-        <p:blipFill>
-          <a:blip r:embed="rId2"/>
-          <a:stretch>
-            <a:fillRect/>
-          </a:stretch>
-        </p:blipFill>
-        <p:spPr>
-          <a:xfrm>
-            <a:off x="1094232" y="1690688"/>
-            <a:ext cx="8292465" cy="3162592"/>
-          </a:xfrm>
-          <a:prstGeom prst="rect">
-            <a:avLst/>
-          </a:prstGeom>
-        </p:spPr>
-      </p:pic>
-      <p:sp>
-        <p:nvSpPr>
-          <p:cNvPr id="5" name="Dikdörtgen 4"/>
-          <p:cNvSpPr/>
-          <p:nvPr/>
-        </p:nvSpPr>
-        <p:spPr>
-          <a:xfrm>
-            <a:off x="1127760" y="5113127"/>
-            <a:ext cx="9936480" cy="646331"/>
-          </a:xfrm>
-          <a:prstGeom prst="rect">
-            <a:avLst/>
-          </a:prstGeom>
-        </p:spPr>
-        <p:txBody>
-          <a:bodyPr wrap="square">
-            <a:spAutoFit/>
-          </a:bodyPr>
-          <a:lstStyle/>
-          <a:p>
-            <a:r>
-              <a:rPr lang="en-US" dirty="0">
-                <a:solidFill>
-                  <a:srgbClr val="4E443C"/>
-                </a:solidFill>
-                <a:latin typeface="Arial" panose="020B0604020202020204" pitchFamily="34" charset="0"/>
-              </a:rPr>
-              <a:t> This makes </a:t>
-            </a:r>
-            <a:r>
-              <a:rPr lang="en-US" dirty="0" err="1">
-                <a:solidFill>
-                  <a:srgbClr val="4E443C"/>
-                </a:solidFill>
-                <a:latin typeface="Arial" panose="020B0604020202020204" pitchFamily="34" charset="0"/>
-              </a:rPr>
-              <a:t>Git</a:t>
-            </a:r>
-            <a:r>
-              <a:rPr lang="en-US" dirty="0">
-                <a:solidFill>
-                  <a:srgbClr val="4E443C"/>
-                </a:solidFill>
-                <a:latin typeface="Arial" panose="020B0604020202020204" pitchFamily="34" charset="0"/>
-              </a:rPr>
-              <a:t> more like a mini </a:t>
-            </a:r>
-            <a:r>
-              <a:rPr lang="en-US" dirty="0" err="1">
-                <a:solidFill>
-                  <a:srgbClr val="4E443C"/>
-                </a:solidFill>
-                <a:latin typeface="Arial" panose="020B0604020202020204" pitchFamily="34" charset="0"/>
-              </a:rPr>
-              <a:t>filesystem</a:t>
-            </a:r>
-            <a:r>
-              <a:rPr lang="en-US" dirty="0">
-                <a:solidFill>
-                  <a:srgbClr val="4E443C"/>
-                </a:solidFill>
-                <a:latin typeface="Arial" panose="020B0604020202020204" pitchFamily="34" charset="0"/>
-              </a:rPr>
-              <a:t> with some incredibly powerful tools built on top of it, rather than simply a VCS.</a:t>
-            </a:r>
-            <a:endParaRPr lang="tr-TR" dirty="0"/>
-          </a:p>
-        </p:txBody>
-      </p:sp>
-    </p:spTree>
-    <p:extLst>
-      <p:ext uri="{BB962C8B-B14F-4D97-AF65-F5344CB8AC3E}">
-        <p14:creationId xmlns:p14="http://schemas.microsoft.com/office/powerpoint/2010/main" val="1953878092"/>
-      </p:ext>
-    </p:extLst>
-  </p:cSld>
-  <p:clrMapOvr>
-    <a:masterClrMapping/>
-  </p:clrMapOvr>
-  <p:timing>
-    <p:tnLst>
-      <p:par>
-        <p:cTn id="1" dur="indefinite" restart="never" nodeType="tmRoot"/>
-      </p:par>
-    </p:tnLst>
-  </p:timing>
-</p:sld>
-</file>
-
-<file path=ppt/slides/slide16.xml><?xml version="1.0" encoding="utf-8"?>
-<p:sld xmlns:a="http://schemas.openxmlformats.org/drawingml/2006/main" xmlns:r="http://schemas.openxmlformats.org/officeDocument/2006/relationships" xmlns:p="http://schemas.openxmlformats.org/presentationml/2006/main">
-  <p:cSld>
-    <p:spTree>
-      <p:nvGrpSpPr>
-        <p:cNvPr id="1" name=""/>
-        <p:cNvGrpSpPr/>
-        <p:nvPr/>
-      </p:nvGrpSpPr>
-      <p:grpSpPr>
-        <a:xfrm>
-          <a:off x="0" y="0"/>
-          <a:ext cx="0" cy="0"/>
-          <a:chOff x="0" y="0"/>
-          <a:chExt cx="0" cy="0"/>
-        </a:xfrm>
-      </p:grpSpPr>
-      <p:sp>
-        <p:nvSpPr>
-          <p:cNvPr id="3" name="İçerik Yer Tutucusu 2"/>
-          <p:cNvSpPr>
-            <a:spLocks noGrp="1"/>
-          </p:cNvSpPr>
-          <p:nvPr>
-            <p:ph idx="1"/>
-          </p:nvPr>
-        </p:nvSpPr>
-        <p:spPr>
-          <a:xfrm>
-            <a:off x="0" y="536448"/>
-            <a:ext cx="11353800" cy="5640515"/>
-          </a:xfrm>
-        </p:spPr>
-        <p:txBody>
-          <a:bodyPr/>
-          <a:lstStyle/>
-          <a:p>
-            <a:pPr algn="just"/>
-            <a:r>
-              <a:rPr lang="en-US" b="1" dirty="0"/>
-              <a:t>Nearly Every Operation Is Local</a:t>
-            </a:r>
-          </a:p>
-          <a:p>
-            <a:pPr marL="0" indent="0" algn="just">
-              <a:buNone/>
-            </a:pPr>
-            <a:r>
-              <a:rPr lang="en-US" dirty="0"/>
-              <a:t>For example, to browse the history of the project, </a:t>
-            </a:r>
-            <a:r>
-              <a:rPr lang="en-US" dirty="0" err="1"/>
-              <a:t>Git</a:t>
-            </a:r>
-            <a:r>
-              <a:rPr lang="en-US" dirty="0"/>
-              <a:t> doesn’t need to go out to the server to get the history and display it for you </a:t>
-            </a:r>
-            <a:endParaRPr lang="tr-TR" dirty="0" smtClean="0"/>
-          </a:p>
-          <a:p>
-            <a:pPr algn="just"/>
-            <a:r>
-              <a:rPr lang="tr-TR" b="1" dirty="0"/>
-              <a:t>Git Has </a:t>
-            </a:r>
-            <a:r>
-              <a:rPr lang="tr-TR" b="1" dirty="0" err="1" smtClean="0"/>
-              <a:t>Integrity</a:t>
-            </a:r>
-            <a:r>
-              <a:rPr lang="tr-TR" b="1" dirty="0" smtClean="0"/>
-              <a:t> (</a:t>
-            </a:r>
-            <a:r>
-              <a:rPr lang="tr-TR" dirty="0"/>
-              <a:t>SHA-1 </a:t>
-            </a:r>
-            <a:r>
-              <a:rPr lang="tr-TR" dirty="0" err="1"/>
-              <a:t>hash</a:t>
-            </a:r>
-            <a:r>
-              <a:rPr lang="tr-TR" b="1" dirty="0" smtClean="0"/>
-              <a:t>)</a:t>
-            </a:r>
-          </a:p>
-          <a:p>
-            <a:pPr marL="0" indent="0" algn="just">
-              <a:buNone/>
-            </a:pPr>
-            <a:r>
-              <a:rPr lang="en-US" dirty="0"/>
-              <a:t>Everything in </a:t>
-            </a:r>
-            <a:r>
-              <a:rPr lang="en-US" dirty="0" err="1"/>
-              <a:t>Git</a:t>
-            </a:r>
-            <a:r>
-              <a:rPr lang="en-US" dirty="0"/>
-              <a:t> is </a:t>
-            </a:r>
-            <a:r>
-              <a:rPr lang="en-US" dirty="0" err="1"/>
-              <a:t>checksummed</a:t>
-            </a:r>
-            <a:r>
-              <a:rPr lang="en-US" dirty="0"/>
-              <a:t> before it is stored and is then referred to by that checksum. This means it’s impossible to change the contents of any file or directory without </a:t>
-            </a:r>
-            <a:r>
-              <a:rPr lang="en-US" dirty="0" err="1"/>
-              <a:t>Git</a:t>
-            </a:r>
-            <a:r>
-              <a:rPr lang="en-US" dirty="0"/>
-              <a:t> knowing about it. </a:t>
-            </a:r>
-            <a:endParaRPr lang="tr-TR" dirty="0" smtClean="0"/>
-          </a:p>
-          <a:p>
-            <a:pPr algn="just"/>
-            <a:r>
-              <a:rPr lang="en-US" b="1" dirty="0" err="1"/>
-              <a:t>Git</a:t>
-            </a:r>
-            <a:r>
-              <a:rPr lang="en-US" b="1" dirty="0"/>
-              <a:t> Generally Only Adds </a:t>
-            </a:r>
-            <a:r>
-              <a:rPr lang="en-US" b="1" dirty="0" smtClean="0"/>
-              <a:t>Data</a:t>
-            </a:r>
-            <a:endParaRPr lang="tr-TR" b="1" dirty="0" smtClean="0"/>
-          </a:p>
-          <a:p>
-            <a:pPr marL="0" indent="0" algn="just">
-              <a:buNone/>
-            </a:pPr>
-            <a:r>
-              <a:rPr lang="tr-TR" dirty="0"/>
-              <a:t>Y</a:t>
-            </a:r>
-            <a:r>
-              <a:rPr lang="en-US" dirty="0" err="1" smtClean="0"/>
-              <a:t>ou</a:t>
-            </a:r>
-            <a:r>
-              <a:rPr lang="en-US" dirty="0" smtClean="0"/>
-              <a:t> </a:t>
-            </a:r>
-            <a:r>
-              <a:rPr lang="en-US" dirty="0"/>
-              <a:t>can lose or mess up changes you haven’t committed yet, but after you commit a snapshot into </a:t>
-            </a:r>
-            <a:r>
-              <a:rPr lang="en-US" dirty="0" err="1"/>
-              <a:t>Git</a:t>
-            </a:r>
-            <a:r>
-              <a:rPr lang="en-US" dirty="0"/>
-              <a:t>, it is very difficult to lose, especially if you regularly push your database to another repository</a:t>
-            </a:r>
-            <a:r>
-              <a:rPr lang="en-US" dirty="0" smtClean="0"/>
-              <a:t>.</a:t>
-            </a:r>
-            <a:endParaRPr lang="tr-TR" dirty="0"/>
-          </a:p>
-        </p:txBody>
-      </p:sp>
-      <p:sp>
-        <p:nvSpPr>
-          <p:cNvPr id="4" name="Unvan 1"/>
-          <p:cNvSpPr>
-            <a:spLocks noGrp="1"/>
-          </p:cNvSpPr>
-          <p:nvPr>
-            <p:ph type="title"/>
-          </p:nvPr>
-        </p:nvSpPr>
-        <p:spPr>
-          <a:xfrm>
-            <a:off x="0" y="0"/>
-            <a:ext cx="11353800" cy="634619"/>
-          </a:xfrm>
-        </p:spPr>
-        <p:txBody>
-          <a:bodyPr>
-            <a:normAutofit fontScale="90000"/>
-          </a:bodyPr>
-          <a:lstStyle/>
-          <a:p>
-            <a:r>
-              <a:rPr lang="tr-TR" b="1" dirty="0" err="1"/>
-              <a:t>What</a:t>
-            </a:r>
-            <a:r>
-              <a:rPr lang="tr-TR" b="1" dirty="0"/>
-              <a:t> is Git</a:t>
-            </a:r>
-            <a:r>
-              <a:rPr lang="tr-TR" b="1" dirty="0" smtClean="0"/>
-              <a:t>?</a:t>
-            </a:r>
-            <a:endParaRPr lang="tr-TR" dirty="0"/>
-          </a:p>
-        </p:txBody>
-      </p:sp>
-    </p:spTree>
-    <p:extLst>
-      <p:ext uri="{BB962C8B-B14F-4D97-AF65-F5344CB8AC3E}">
-        <p14:creationId xmlns:p14="http://schemas.microsoft.com/office/powerpoint/2010/main" val="38617355"/>
-      </p:ext>
-    </p:extLst>
-  </p:cSld>
-  <p:clrMapOvr>
-    <a:masterClrMapping/>
-  </p:clrMapOvr>
-  <p:timing>
-    <p:tnLst>
-      <p:par>
-        <p:cTn id="1" dur="indefinite" restart="never" nodeType="tmRoot"/>
-      </p:par>
-    </p:tnLst>
-  </p:timing>
-</p:sld>
-</file>
-
-<file path=ppt/slides/slide17.xml><?xml version="1.0" encoding="utf-8"?>
 <p:sld xmlns:a="http://schemas.openxmlformats.org/drawingml/2006/main" xmlns:r="http://schemas.openxmlformats.org/officeDocument/2006/relationships" xmlns:p="http://schemas.openxmlformats.org/presentationml/2006/main">
   <p:cSld>
     <p:spTree>
@@ -6868,7 +6446,7 @@
 </p:sld>
 </file>
 
-<file path=ppt/slides/slide18.xml><?xml version="1.0" encoding="utf-8"?>
+<file path=ppt/slides/slide16.xml><?xml version="1.0" encoding="utf-8"?>
 <p:sld xmlns:a="http://schemas.openxmlformats.org/drawingml/2006/main" xmlns:r="http://schemas.openxmlformats.org/officeDocument/2006/relationships" xmlns:p="http://schemas.openxmlformats.org/presentationml/2006/main">
   <p:cSld>
     <p:spTree>
@@ -6929,7 +6507,7 @@
             </a:r>
             <a:r>
               <a:rPr lang="tr-TR" dirty="0" smtClean="0"/>
-              <a:t>data (TCP)</a:t>
+              <a:t>data</a:t>
             </a:r>
             <a:endParaRPr lang="tr-TR" dirty="0"/>
           </a:p>
@@ -6953,7 +6531,7 @@
         </p:spPr>
         <p:txBody>
           <a:bodyPr>
-            <a:normAutofit fontScale="85000" lnSpcReduction="20000"/>
+            <a:normAutofit/>
           </a:bodyPr>
           <a:lstStyle/>
           <a:p>
@@ -7094,29 +6672,15 @@
             </a:r>
             <a:r>
               <a:rPr lang="en-US" dirty="0"/>
-              <a:t>, in which the remote repository is in another directory on the same host. This is often used if everyone on your team has access to a shared </a:t>
-            </a:r>
-            <a:r>
-              <a:rPr lang="en-US" dirty="0" err="1"/>
-              <a:t>filesystem</a:t>
+              <a:t>, in which the remote repository is in another </a:t>
+            </a:r>
+            <a:r>
+              <a:rPr lang="en-US" u="sng" dirty="0"/>
+              <a:t>directory</a:t>
             </a:r>
             <a:r>
               <a:rPr lang="en-US" dirty="0"/>
-              <a:t> such as an </a:t>
-            </a:r>
-            <a:r>
-              <a:rPr lang="en-US" dirty="0">
-                <a:hlinkClick r:id="rId2"/>
-              </a:rPr>
-              <a:t>NFS</a:t>
-            </a:r>
-            <a:r>
-              <a:rPr lang="en-US" dirty="0"/>
-              <a:t> mount, or in the less likely case that everyone logs in to the same computer. The latter wouldn’t be ideal, because all your code repository instances would reside on the same computer, making a catastrophic loss much more likely</a:t>
-            </a:r>
-            <a:r>
-              <a:rPr lang="en-US" dirty="0" smtClean="0"/>
-              <a:t>.</a:t>
+              <a:t> on the same host. </a:t>
             </a:r>
             <a:endParaRPr lang="tr-TR" dirty="0" smtClean="0"/>
           </a:p>
@@ -7124,49 +6688,47 @@
             <a:pPr marL="0" indent="0" algn="just">
               <a:buNone/>
             </a:pPr>
-            <a:endParaRPr lang="tr-TR" dirty="0" smtClean="0"/>
+            <a:r>
+              <a:rPr lang="tr-TR" b="1" dirty="0" smtClean="0"/>
+              <a:t>$ git </a:t>
+            </a:r>
+            <a:r>
+              <a:rPr lang="tr-TR" b="1" dirty="0" err="1"/>
+              <a:t>clone</a:t>
+            </a:r>
+            <a:r>
+              <a:rPr lang="tr-TR" b="1" dirty="0"/>
+              <a:t> /</a:t>
+            </a:r>
+            <a:r>
+              <a:rPr lang="tr-TR" b="1" dirty="0" err="1" smtClean="0"/>
+              <a:t>srv</a:t>
+            </a:r>
+            <a:r>
+              <a:rPr lang="tr-TR" b="1" dirty="0" smtClean="0"/>
+              <a:t>/git/</a:t>
+            </a:r>
+            <a:r>
+              <a:rPr lang="tr-TR" b="1" dirty="0" err="1" smtClean="0"/>
+              <a:t>project.git</a:t>
+            </a:r>
+            <a:endParaRPr lang="tr-TR" b="1" dirty="0" smtClean="0"/>
           </a:p>
           <a:p>
             <a:pPr marL="0" indent="0" algn="just">
               <a:buNone/>
             </a:pPr>
             <a:r>
-              <a:rPr lang="tr-TR" dirty="0" smtClean="0"/>
-              <a:t>$ git </a:t>
-            </a:r>
-            <a:r>
-              <a:rPr lang="tr-TR" dirty="0" err="1"/>
-              <a:t>clone</a:t>
-            </a:r>
-            <a:r>
-              <a:rPr lang="tr-TR" dirty="0"/>
-              <a:t> /</a:t>
-            </a:r>
-            <a:r>
-              <a:rPr lang="tr-TR" dirty="0" err="1" smtClean="0"/>
-              <a:t>srv</a:t>
-            </a:r>
-            <a:r>
-              <a:rPr lang="tr-TR" dirty="0" smtClean="0"/>
-              <a:t>/git/</a:t>
-            </a:r>
-            <a:r>
-              <a:rPr lang="tr-TR" dirty="0" err="1" smtClean="0"/>
-              <a:t>project.git</a:t>
-            </a:r>
-            <a:endParaRPr lang="tr-TR" dirty="0" smtClean="0"/>
-          </a:p>
-          <a:p>
-            <a:pPr marL="0" indent="0" algn="just">
-              <a:buNone/>
-            </a:pPr>
-            <a:r>
-              <a:rPr lang="tr-TR" dirty="0" smtClean="0"/>
-              <a:t>+</a:t>
-            </a:r>
-            <a:r>
-              <a:rPr lang="en-US" dirty="0" smtClean="0"/>
-              <a:t>of file-based </a:t>
+              <a:rPr lang="tr-TR" u="sng" dirty="0" smtClean="0"/>
+              <a:t>F</a:t>
+            </a:r>
+            <a:r>
+              <a:rPr lang="en-US" u="sng" dirty="0" err="1" smtClean="0"/>
+              <a:t>ile</a:t>
+            </a:r>
+            <a:r>
+              <a:rPr lang="en-US" u="sng" dirty="0" smtClean="0"/>
+              <a:t>-based </a:t>
             </a:r>
             <a:r>
               <a:rPr lang="en-US" dirty="0"/>
@@ -7235,6 +6797,673 @@
     <p:extLst>
       <p:ext uri="{BB962C8B-B14F-4D97-AF65-F5344CB8AC3E}">
         <p14:creationId xmlns:p14="http://schemas.microsoft.com/office/powerpoint/2010/main" val="3215832301"/>
+      </p:ext>
+    </p:extLst>
+  </p:cSld>
+  <p:clrMapOvr>
+    <a:masterClrMapping/>
+  </p:clrMapOvr>
+  <p:timing>
+    <p:tnLst>
+      <p:par>
+        <p:cTn id="1" dur="indefinite" restart="never" nodeType="tmRoot"/>
+      </p:par>
+    </p:tnLst>
+  </p:timing>
+</p:sld>
+</file>
+
+<file path=ppt/slides/slide17.xml><?xml version="1.0" encoding="utf-8"?>
+<p:sld xmlns:a="http://schemas.openxmlformats.org/drawingml/2006/main" xmlns:r="http://schemas.openxmlformats.org/officeDocument/2006/relationships" xmlns:p="http://schemas.openxmlformats.org/presentationml/2006/main">
+  <p:cSld>
+    <p:spTree>
+      <p:nvGrpSpPr>
+        <p:cNvPr id="1" name=""/>
+        <p:cNvGrpSpPr/>
+        <p:nvPr/>
+      </p:nvGrpSpPr>
+      <p:grpSpPr>
+        <a:xfrm>
+          <a:off x="0" y="0"/>
+          <a:ext cx="0" cy="0"/>
+          <a:chOff x="0" y="0"/>
+          <a:chExt cx="0" cy="0"/>
+        </a:xfrm>
+      </p:grpSpPr>
+      <p:sp>
+        <p:nvSpPr>
+          <p:cNvPr id="3" name="İçerik Yer Tutucusu 2"/>
+          <p:cNvSpPr>
+            <a:spLocks noGrp="1"/>
+          </p:cNvSpPr>
+          <p:nvPr>
+            <p:ph idx="1"/>
+          </p:nvPr>
+        </p:nvSpPr>
+        <p:spPr>
+          <a:xfrm>
+            <a:off x="838200" y="963168"/>
+            <a:ext cx="10515600" cy="5657088"/>
+          </a:xfrm>
+        </p:spPr>
+        <p:txBody>
+          <a:bodyPr>
+            <a:normAutofit/>
+          </a:bodyPr>
+          <a:lstStyle/>
+          <a:p>
+            <a:pPr marL="0" indent="0" algn="just">
+              <a:buNone/>
+            </a:pPr>
+            <a:r>
+              <a:rPr lang="tr-TR" b="1" dirty="0"/>
+              <a:t> </a:t>
+            </a:r>
+            <a:r>
+              <a:rPr lang="tr-TR" b="1" dirty="0" smtClean="0"/>
+              <a:t>1.Dumb HTTP</a:t>
+            </a:r>
+          </a:p>
+          <a:p>
+            <a:pPr marL="0" indent="0" algn="just">
+              <a:buNone/>
+            </a:pPr>
+            <a:r>
+              <a:rPr lang="en-US" dirty="0"/>
+              <a:t>If the server does not respond with a </a:t>
+            </a:r>
+            <a:r>
+              <a:rPr lang="en-US" dirty="0" err="1"/>
+              <a:t>Git</a:t>
+            </a:r>
+            <a:r>
+              <a:rPr lang="en-US" dirty="0"/>
+              <a:t> HTTP smart service, the </a:t>
+            </a:r>
+            <a:r>
+              <a:rPr lang="en-US" dirty="0" err="1"/>
+              <a:t>Git</a:t>
+            </a:r>
+            <a:r>
+              <a:rPr lang="en-US" dirty="0"/>
+              <a:t> client will try to fall back to the simpler </a:t>
+            </a:r>
+            <a:r>
+              <a:rPr lang="en-US" b="1" dirty="0"/>
+              <a:t>Dumb</a:t>
+            </a:r>
+            <a:r>
+              <a:rPr lang="en-US" dirty="0"/>
+              <a:t> HTTP protocol. The Dumb protocol expects the bare </a:t>
+            </a:r>
+            <a:r>
+              <a:rPr lang="en-US" dirty="0" err="1"/>
+              <a:t>Git</a:t>
+            </a:r>
+            <a:r>
+              <a:rPr lang="en-US" dirty="0"/>
+              <a:t> repository to be served like normal files from the web server</a:t>
+            </a:r>
+            <a:endParaRPr lang="tr-TR" b="1" dirty="0"/>
+          </a:p>
+          <a:p>
+            <a:pPr marL="0" indent="0" algn="just">
+              <a:buNone/>
+            </a:pPr>
+            <a:r>
+              <a:rPr lang="tr-TR" b="1" dirty="0" smtClean="0"/>
+              <a:t>2.</a:t>
+            </a:r>
+            <a:r>
+              <a:rPr lang="en-US" b="1" dirty="0"/>
+              <a:t>Smart HTTP</a:t>
+            </a:r>
+          </a:p>
+          <a:p>
+            <a:pPr marL="0" indent="0" algn="just">
+              <a:buNone/>
+            </a:pPr>
+            <a:r>
+              <a:rPr lang="en-US" dirty="0"/>
+              <a:t>Smart HTTP operates very similarly to the SSH or </a:t>
+            </a:r>
+            <a:r>
+              <a:rPr lang="en-US" dirty="0" err="1"/>
+              <a:t>Git</a:t>
+            </a:r>
+            <a:r>
+              <a:rPr lang="en-US" dirty="0"/>
+              <a:t> protocols but runs over standard HTTPS ports and can use various HTTP authentication mechanisms</a:t>
+            </a:r>
+          </a:p>
+          <a:p>
+            <a:pPr algn="just"/>
+            <a:r>
+              <a:rPr lang="tr-TR" b="1" dirty="0" smtClean="0">
+                <a:solidFill>
+                  <a:srgbClr val="FF0000"/>
+                </a:solidFill>
+              </a:rPr>
+              <a:t>SSH</a:t>
+            </a:r>
+            <a:endParaRPr lang="tr-TR" b="1" dirty="0">
+              <a:solidFill>
+                <a:srgbClr val="FF0000"/>
+              </a:solidFill>
+            </a:endParaRPr>
+          </a:p>
+          <a:p>
+            <a:pPr marL="0" indent="0" algn="just">
+              <a:buNone/>
+            </a:pPr>
+            <a:r>
+              <a:rPr lang="en-US" dirty="0"/>
+              <a:t>A common transport protocol for </a:t>
+            </a:r>
+            <a:r>
+              <a:rPr lang="en-US" dirty="0" err="1"/>
+              <a:t>Git</a:t>
+            </a:r>
+            <a:r>
+              <a:rPr lang="en-US" dirty="0"/>
+              <a:t> when self-hosting is over SSH. </a:t>
+            </a:r>
+            <a:r>
+              <a:rPr lang="tr-TR" dirty="0"/>
+              <a:t>	$ git </a:t>
+            </a:r>
+            <a:r>
+              <a:rPr lang="tr-TR" dirty="0" err="1"/>
+              <a:t>clone</a:t>
+            </a:r>
+            <a:r>
+              <a:rPr lang="tr-TR" dirty="0"/>
+              <a:t> ssh://[user@]</a:t>
+            </a:r>
+            <a:r>
+              <a:rPr lang="tr-TR" dirty="0" smtClean="0"/>
+              <a:t>server/project.git</a:t>
+            </a:r>
+            <a:endParaRPr lang="tr-TR" dirty="0"/>
+          </a:p>
+        </p:txBody>
+      </p:sp>
+      <p:sp>
+        <p:nvSpPr>
+          <p:cNvPr id="4" name="Unvan 1"/>
+          <p:cNvSpPr>
+            <a:spLocks noGrp="1"/>
+          </p:cNvSpPr>
+          <p:nvPr>
+            <p:ph type="title"/>
+          </p:nvPr>
+        </p:nvSpPr>
+        <p:spPr>
+          <a:xfrm>
+            <a:off x="838200" y="365125"/>
+            <a:ext cx="10515600" cy="598043"/>
+          </a:xfrm>
+        </p:spPr>
+        <p:txBody>
+          <a:bodyPr>
+            <a:normAutofit fontScale="90000"/>
+          </a:bodyPr>
+          <a:lstStyle/>
+          <a:p>
+            <a:r>
+              <a:rPr lang="tr-TR" dirty="0" smtClean="0"/>
+              <a:t>Git </a:t>
+            </a:r>
+            <a:r>
+              <a:rPr lang="tr-TR" dirty="0" err="1" smtClean="0"/>
+              <a:t>Protocols</a:t>
+            </a:r>
+            <a:r>
+              <a:rPr lang="tr-TR" dirty="0" smtClean="0"/>
+              <a:t>  </a:t>
+            </a:r>
+            <a:r>
+              <a:rPr lang="tr-TR" dirty="0" err="1"/>
+              <a:t>to</a:t>
+            </a:r>
+            <a:r>
+              <a:rPr lang="tr-TR" dirty="0"/>
+              <a:t> transfer </a:t>
+            </a:r>
+            <a:r>
+              <a:rPr lang="tr-TR" dirty="0" smtClean="0"/>
+              <a:t>data</a:t>
+            </a:r>
+            <a:endParaRPr lang="tr-TR" dirty="0"/>
+          </a:p>
+        </p:txBody>
+      </p:sp>
+    </p:spTree>
+    <p:extLst>
+      <p:ext uri="{BB962C8B-B14F-4D97-AF65-F5344CB8AC3E}">
+        <p14:creationId xmlns:p14="http://schemas.microsoft.com/office/powerpoint/2010/main" val="4116776802"/>
+      </p:ext>
+    </p:extLst>
+  </p:cSld>
+  <p:clrMapOvr>
+    <a:masterClrMapping/>
+  </p:clrMapOvr>
+  <p:timing>
+    <p:tnLst>
+      <p:par>
+        <p:cTn id="1" dur="indefinite" restart="never" nodeType="tmRoot"/>
+      </p:par>
+    </p:tnLst>
+  </p:timing>
+</p:sld>
+</file>
+
+<file path=ppt/slides/slide18.xml><?xml version="1.0" encoding="utf-8"?>
+<p:sld xmlns:a="http://schemas.openxmlformats.org/drawingml/2006/main" xmlns:r="http://schemas.openxmlformats.org/officeDocument/2006/relationships" xmlns:p="http://schemas.openxmlformats.org/presentationml/2006/main">
+  <p:cSld>
+    <p:spTree>
+      <p:nvGrpSpPr>
+        <p:cNvPr id="1" name=""/>
+        <p:cNvGrpSpPr/>
+        <p:nvPr/>
+      </p:nvGrpSpPr>
+      <p:grpSpPr>
+        <a:xfrm>
+          <a:off x="0" y="0"/>
+          <a:ext cx="0" cy="0"/>
+          <a:chOff x="0" y="0"/>
+          <a:chExt cx="0" cy="0"/>
+        </a:xfrm>
+      </p:grpSpPr>
+      <p:sp>
+        <p:nvSpPr>
+          <p:cNvPr id="3" name="İçerik Yer Tutucusu 2"/>
+          <p:cNvSpPr>
+            <a:spLocks noGrp="1"/>
+          </p:cNvSpPr>
+          <p:nvPr>
+            <p:ph idx="1"/>
+          </p:nvPr>
+        </p:nvSpPr>
+        <p:spPr>
+          <a:xfrm>
+            <a:off x="838200" y="743712"/>
+            <a:ext cx="10719816" cy="5913120"/>
+          </a:xfrm>
+        </p:spPr>
+        <p:txBody>
+          <a:bodyPr>
+            <a:normAutofit/>
+          </a:bodyPr>
+          <a:lstStyle/>
+          <a:p>
+            <a:pPr marL="0" indent="0" algn="just">
+              <a:buNone/>
+            </a:pPr>
+            <a:r>
+              <a:rPr lang="tr-TR" dirty="0" smtClean="0"/>
+              <a:t>-</a:t>
+            </a:r>
+            <a:r>
+              <a:rPr lang="en-US" dirty="0" smtClean="0"/>
+              <a:t>Finally</a:t>
+            </a:r>
+            <a:r>
+              <a:rPr lang="en-US" dirty="0"/>
+              <a:t>, we have the </a:t>
+            </a:r>
+            <a:r>
+              <a:rPr lang="en-US" dirty="0" err="1"/>
+              <a:t>Git</a:t>
+            </a:r>
+            <a:r>
+              <a:rPr lang="en-US" dirty="0"/>
+              <a:t> </a:t>
+            </a:r>
+            <a:r>
+              <a:rPr lang="en-US" dirty="0" smtClean="0"/>
+              <a:t>protocol </a:t>
+            </a:r>
+            <a:r>
+              <a:rPr lang="en-US" dirty="0"/>
+              <a:t>it listens on a dedicated port (9418) </a:t>
+            </a:r>
+            <a:r>
+              <a:rPr lang="en-US" dirty="0" smtClean="0"/>
+              <a:t>service </a:t>
+            </a:r>
+            <a:r>
+              <a:rPr lang="en-US" dirty="0"/>
+              <a:t>similar to the SSH protocol, but with absolutely no </a:t>
+            </a:r>
+            <a:r>
+              <a:rPr lang="en-US" dirty="0" smtClean="0"/>
+              <a:t>authentication. </a:t>
+            </a:r>
+            <a:endParaRPr lang="tr-TR" dirty="0" smtClean="0"/>
+          </a:p>
+          <a:p>
+            <a:pPr marL="0" indent="0" algn="just">
+              <a:buNone/>
+            </a:pPr>
+            <a:r>
+              <a:rPr lang="tr-TR" dirty="0" smtClean="0"/>
+              <a:t>-</a:t>
+            </a:r>
+            <a:r>
+              <a:rPr lang="en-US" i="1" dirty="0" smtClean="0">
+                <a:solidFill>
+                  <a:schemeClr val="accent6">
+                    <a:lumMod val="50000"/>
+                  </a:schemeClr>
+                </a:solidFill>
+              </a:rPr>
+              <a:t>The </a:t>
+            </a:r>
+            <a:r>
+              <a:rPr lang="en-US" i="1" dirty="0" err="1">
+                <a:solidFill>
+                  <a:schemeClr val="accent6">
+                    <a:lumMod val="50000"/>
+                  </a:schemeClr>
+                </a:solidFill>
+              </a:rPr>
+              <a:t>Git</a:t>
+            </a:r>
+            <a:r>
+              <a:rPr lang="en-US" i="1" dirty="0">
+                <a:solidFill>
+                  <a:schemeClr val="accent6">
+                    <a:lumMod val="50000"/>
+                  </a:schemeClr>
+                </a:solidFill>
+              </a:rPr>
+              <a:t> protocol is </a:t>
+            </a:r>
+            <a:endParaRPr lang="tr-TR" i="1" dirty="0" smtClean="0">
+              <a:solidFill>
+                <a:schemeClr val="accent6">
+                  <a:lumMod val="50000"/>
+                </a:schemeClr>
+              </a:solidFill>
+            </a:endParaRPr>
+          </a:p>
+          <a:p>
+            <a:pPr algn="just">
+              <a:buFont typeface="Wingdings" panose="05000000000000000000" pitchFamily="2" charset="2"/>
+              <a:buChar char="Ø"/>
+            </a:pPr>
+            <a:r>
+              <a:rPr lang="en-US" i="1" dirty="0" smtClean="0">
+                <a:solidFill>
+                  <a:schemeClr val="accent6">
+                    <a:lumMod val="50000"/>
+                  </a:schemeClr>
+                </a:solidFill>
+              </a:rPr>
+              <a:t>fastest </a:t>
+            </a:r>
+            <a:r>
+              <a:rPr lang="en-US" i="1" dirty="0">
+                <a:solidFill>
+                  <a:schemeClr val="accent6">
+                    <a:lumMod val="50000"/>
+                  </a:schemeClr>
+                </a:solidFill>
+              </a:rPr>
+              <a:t>network transfer protocol available</a:t>
+            </a:r>
+            <a:r>
+              <a:rPr lang="en-US" i="1" dirty="0" smtClean="0">
+                <a:solidFill>
+                  <a:schemeClr val="accent6">
+                    <a:lumMod val="50000"/>
+                  </a:schemeClr>
+                </a:solidFill>
+              </a:rPr>
+              <a:t>. </a:t>
+            </a:r>
+            <a:endParaRPr lang="tr-TR" i="1" dirty="0" smtClean="0">
+              <a:solidFill>
+                <a:schemeClr val="accent6">
+                  <a:lumMod val="50000"/>
+                </a:schemeClr>
+              </a:solidFill>
+            </a:endParaRPr>
+          </a:p>
+          <a:p>
+            <a:pPr algn="just">
+              <a:buFont typeface="Wingdings" panose="05000000000000000000" pitchFamily="2" charset="2"/>
+              <a:buChar char="Ø"/>
+            </a:pPr>
+            <a:r>
+              <a:rPr lang="en-US" i="1" dirty="0" smtClean="0">
+                <a:solidFill>
+                  <a:schemeClr val="accent6">
+                    <a:lumMod val="50000"/>
+                  </a:schemeClr>
+                </a:solidFill>
+              </a:rPr>
+              <a:t>same </a:t>
+            </a:r>
+            <a:r>
+              <a:rPr lang="en-US" i="1" dirty="0">
+                <a:solidFill>
+                  <a:schemeClr val="accent6">
+                    <a:lumMod val="50000"/>
+                  </a:schemeClr>
+                </a:solidFill>
+              </a:rPr>
+              <a:t>data-transfer mechanism as the SSH protocol but without the encryption and authentication overhead.</a:t>
+            </a:r>
+          </a:p>
+          <a:p>
+            <a:pPr marL="0" indent="0" algn="just">
+              <a:buNone/>
+            </a:pPr>
+            <a:r>
+              <a:rPr lang="tr-TR" dirty="0" smtClean="0"/>
+              <a:t>-</a:t>
+            </a:r>
+            <a:r>
+              <a:rPr lang="en-US" i="1" dirty="0" smtClean="0">
+                <a:solidFill>
+                  <a:srgbClr val="C00000"/>
+                </a:solidFill>
+              </a:rPr>
+              <a:t>The </a:t>
+            </a:r>
+            <a:r>
+              <a:rPr lang="en-US" i="1" dirty="0">
+                <a:solidFill>
+                  <a:srgbClr val="C00000"/>
+                </a:solidFill>
+              </a:rPr>
+              <a:t>downside of the </a:t>
+            </a:r>
+            <a:r>
+              <a:rPr lang="en-US" i="1" dirty="0" err="1">
+                <a:solidFill>
+                  <a:srgbClr val="C00000"/>
+                </a:solidFill>
+              </a:rPr>
+              <a:t>Git</a:t>
+            </a:r>
+            <a:r>
+              <a:rPr lang="en-US" i="1" dirty="0">
+                <a:solidFill>
+                  <a:srgbClr val="C00000"/>
+                </a:solidFill>
+              </a:rPr>
+              <a:t> </a:t>
+            </a:r>
+            <a:endParaRPr lang="tr-TR" i="1" dirty="0" smtClean="0">
+              <a:solidFill>
+                <a:srgbClr val="C00000"/>
+              </a:solidFill>
+            </a:endParaRPr>
+          </a:p>
+          <a:p>
+            <a:pPr algn="just">
+              <a:buFont typeface="Wingdings" panose="05000000000000000000" pitchFamily="2" charset="2"/>
+              <a:buChar char="Ø"/>
+            </a:pPr>
+            <a:r>
+              <a:rPr lang="en-US" i="1" dirty="0" smtClean="0">
+                <a:solidFill>
+                  <a:srgbClr val="C00000"/>
+                </a:solidFill>
+              </a:rPr>
+              <a:t>protocol </a:t>
+            </a:r>
+            <a:r>
+              <a:rPr lang="en-US" i="1" dirty="0">
+                <a:solidFill>
+                  <a:srgbClr val="C00000"/>
+                </a:solidFill>
+              </a:rPr>
+              <a:t>is the lack of </a:t>
+            </a:r>
+            <a:r>
+              <a:rPr lang="en-US" i="1" dirty="0" smtClean="0">
+                <a:solidFill>
+                  <a:srgbClr val="C00000"/>
+                </a:solidFill>
+              </a:rPr>
+              <a:t>authentication</a:t>
+            </a:r>
+            <a:endParaRPr lang="tr-TR" i="1" dirty="0" smtClean="0">
+              <a:solidFill>
+                <a:srgbClr val="C00000"/>
+              </a:solidFill>
+            </a:endParaRPr>
+          </a:p>
+          <a:p>
+            <a:pPr algn="just">
+              <a:buFont typeface="Wingdings" panose="05000000000000000000" pitchFamily="2" charset="2"/>
+              <a:buChar char="Ø"/>
+            </a:pPr>
+            <a:r>
+              <a:rPr lang="en-US" i="1" dirty="0" smtClean="0">
+                <a:solidFill>
+                  <a:srgbClr val="C00000"/>
+                </a:solidFill>
+              </a:rPr>
+              <a:t>with </a:t>
+            </a:r>
+            <a:r>
+              <a:rPr lang="en-US" i="1" dirty="0">
+                <a:solidFill>
+                  <a:srgbClr val="C00000"/>
+                </a:solidFill>
+              </a:rPr>
+              <a:t>SSH or HTTPS access for the few developers who have push (write) access </a:t>
+            </a:r>
+            <a:endParaRPr lang="tr-TR" i="1" dirty="0" smtClean="0">
+              <a:solidFill>
+                <a:srgbClr val="C00000"/>
+              </a:solidFill>
+            </a:endParaRPr>
+          </a:p>
+          <a:p>
+            <a:pPr algn="just">
+              <a:buFont typeface="Wingdings" panose="05000000000000000000" pitchFamily="2" charset="2"/>
+              <a:buChar char="Ø"/>
+            </a:pPr>
+            <a:r>
+              <a:rPr lang="en-US" i="1" dirty="0" smtClean="0">
+                <a:solidFill>
+                  <a:srgbClr val="C00000"/>
+                </a:solidFill>
+              </a:rPr>
+              <a:t>difficult </a:t>
+            </a:r>
+            <a:r>
+              <a:rPr lang="en-US" i="1" dirty="0">
+                <a:solidFill>
+                  <a:srgbClr val="C00000"/>
+                </a:solidFill>
+              </a:rPr>
+              <a:t>protocol to set up. </a:t>
+            </a:r>
+            <a:r>
+              <a:rPr lang="en-US" i="1" dirty="0" smtClean="0">
+                <a:solidFill>
+                  <a:srgbClr val="C00000"/>
+                </a:solidFill>
+              </a:rPr>
+              <a:t>It </a:t>
+            </a:r>
+            <a:r>
+              <a:rPr lang="en-US" i="1" dirty="0">
+                <a:solidFill>
+                  <a:srgbClr val="C00000"/>
+                </a:solidFill>
+              </a:rPr>
+              <a:t>also requires firewall access to port 9418, </a:t>
+            </a:r>
+            <a:endParaRPr lang="tr-TR" i="1" dirty="0">
+              <a:solidFill>
+                <a:srgbClr val="C00000"/>
+              </a:solidFill>
+            </a:endParaRPr>
+          </a:p>
+        </p:txBody>
+      </p:sp>
+      <p:sp>
+        <p:nvSpPr>
+          <p:cNvPr id="4" name="Unvan 1"/>
+          <p:cNvSpPr>
+            <a:spLocks noGrp="1"/>
+          </p:cNvSpPr>
+          <p:nvPr>
+            <p:ph type="title"/>
+          </p:nvPr>
+        </p:nvSpPr>
+        <p:spPr>
+          <a:xfrm>
+            <a:off x="838200" y="145669"/>
+            <a:ext cx="10515600" cy="598043"/>
+          </a:xfrm>
+        </p:spPr>
+        <p:txBody>
+          <a:bodyPr>
+            <a:normAutofit fontScale="90000"/>
+          </a:bodyPr>
+          <a:lstStyle/>
+          <a:p>
+            <a:r>
+              <a:rPr lang="tr-TR" dirty="0" smtClean="0"/>
+              <a:t>Git </a:t>
+            </a:r>
+            <a:r>
+              <a:rPr lang="tr-TR" dirty="0" err="1" smtClean="0"/>
+              <a:t>Protocols</a:t>
+            </a:r>
+            <a:r>
+              <a:rPr lang="tr-TR" dirty="0" smtClean="0"/>
+              <a:t>  </a:t>
+            </a:r>
+            <a:r>
+              <a:rPr lang="tr-TR" dirty="0" err="1"/>
+              <a:t>to</a:t>
+            </a:r>
+            <a:r>
+              <a:rPr lang="tr-TR" dirty="0"/>
+              <a:t> transfer </a:t>
+            </a:r>
+            <a:r>
+              <a:rPr lang="tr-TR" dirty="0" smtClean="0"/>
+              <a:t>data (TCP)</a:t>
+            </a:r>
+            <a:endParaRPr lang="tr-TR" dirty="0"/>
+          </a:p>
+        </p:txBody>
+      </p:sp>
+    </p:spTree>
+    <p:extLst>
+      <p:ext uri="{BB962C8B-B14F-4D97-AF65-F5344CB8AC3E}">
+        <p14:creationId xmlns:p14="http://schemas.microsoft.com/office/powerpoint/2010/main" val="1036133934"/>
       </p:ext>
     </p:extLst>
   </p:cSld>
@@ -7270,6 +7499,40 @@
       </p:grpSpPr>
       <p:sp>
         <p:nvSpPr>
+          <p:cNvPr id="2" name="Unvan 1"/>
+          <p:cNvSpPr>
+            <a:spLocks noGrp="1"/>
+          </p:cNvSpPr>
+          <p:nvPr>
+            <p:ph type="title"/>
+          </p:nvPr>
+        </p:nvSpPr>
+        <p:spPr>
+          <a:xfrm>
+            <a:off x="131064" y="0"/>
+            <a:ext cx="10515600" cy="610235"/>
+          </a:xfrm>
+        </p:spPr>
+        <p:txBody>
+          <a:bodyPr>
+            <a:normAutofit fontScale="90000"/>
+          </a:bodyPr>
+          <a:lstStyle/>
+          <a:p>
+            <a:r>
+              <a:rPr lang="tr-TR" dirty="0" err="1" smtClean="0"/>
+              <a:t>What</a:t>
+            </a:r>
+            <a:r>
+              <a:rPr lang="tr-TR" dirty="0" smtClean="0"/>
+              <a:t> is SVN</a:t>
+            </a:r>
+            <a:endParaRPr lang="tr-TR" dirty="0"/>
+          </a:p>
+        </p:txBody>
+      </p:sp>
+      <p:sp>
+        <p:nvSpPr>
           <p:cNvPr id="3" name="İçerik Yer Tutucusu 2"/>
           <p:cNvSpPr>
             <a:spLocks noGrp="1"/>
@@ -7280,212 +7543,140 @@
         </p:nvSpPr>
         <p:spPr>
           <a:xfrm>
-            <a:off x="838200" y="963168"/>
-            <a:ext cx="10515600" cy="5657088"/>
+            <a:off x="131064" y="829056"/>
+            <a:ext cx="10841736" cy="5462016"/>
           </a:xfrm>
         </p:spPr>
         <p:txBody>
           <a:bodyPr>
-            <a:normAutofit fontScale="92500" lnSpcReduction="10000"/>
+            <a:normAutofit/>
           </a:bodyPr>
           <a:lstStyle/>
           <a:p>
-            <a:pPr marL="0" indent="0" algn="just">
-              <a:buNone/>
-            </a:pPr>
-            <a:r>
-              <a:rPr lang="tr-TR" b="1" dirty="0"/>
-              <a:t> </a:t>
-            </a:r>
-            <a:r>
-              <a:rPr lang="tr-TR" b="1" dirty="0" smtClean="0"/>
-              <a:t>1.Dumb HTTP</a:t>
-            </a:r>
-          </a:p>
-          <a:p>
-            <a:pPr marL="0" indent="0" algn="just">
-              <a:buNone/>
-            </a:pPr>
+            <a:pPr algn="just"/>
             <a:r>
               <a:rPr lang="en-US" dirty="0"/>
-              <a:t>If the server does not respond with a </a:t>
+              <a:t>SVN stands for </a:t>
+            </a:r>
+            <a:r>
+              <a:rPr lang="en-US" b="1" dirty="0"/>
+              <a:t>Subversion</a:t>
+            </a:r>
+            <a:r>
+              <a:rPr lang="en-US" dirty="0"/>
+              <a:t>. It is called as SVN because of its commands (its command name </a:t>
             </a:r>
             <a:r>
               <a:rPr lang="en-US" dirty="0" err="1"/>
-              <a:t>Git</a:t>
+              <a:t>svn</a:t>
             </a:r>
             <a:r>
               <a:rPr lang="en-US" dirty="0"/>
-              <a:t> HTTP smart service, the </a:t>
-            </a:r>
-            <a:r>
-              <a:rPr lang="en-US" dirty="0" err="1"/>
-              <a:t>Git</a:t>
+              <a:t>). It is a </a:t>
+            </a:r>
+            <a:r>
+              <a:rPr lang="en-US" b="1" dirty="0"/>
+              <a:t>centralized version control system</a:t>
             </a:r>
             <a:r>
               <a:rPr lang="en-US" dirty="0"/>
-              <a:t> client will try to fall back to the simpler </a:t>
+              <a:t>. It is an </a:t>
             </a:r>
             <a:r>
               <a:rPr lang="en-US" b="1" dirty="0"/>
-              <a:t>Dumb</a:t>
+              <a:t>open-source</a:t>
             </a:r>
             <a:r>
               <a:rPr lang="en-US" dirty="0"/>
-              <a:t> HTTP protocol. The Dumb protocol expects the bare </a:t>
-            </a:r>
-            <a:r>
-              <a:rPr lang="en-US" dirty="0" err="1"/>
-              <a:t>Git</a:t>
-            </a:r>
+              <a:t> tool for version control</a:t>
+            </a:r>
+            <a:r>
+              <a:rPr lang="en-US" dirty="0" smtClean="0"/>
+              <a:t>.</a:t>
+            </a:r>
+            <a:endParaRPr lang="tr-TR" dirty="0" smtClean="0"/>
+          </a:p>
+          <a:p>
+            <a:pPr algn="just"/>
             <a:r>
               <a:rPr lang="en-US" dirty="0"/>
-              <a:t> repository to be served like normal files from the web server</a:t>
-            </a:r>
-            <a:endParaRPr lang="tr-TR" b="1" dirty="0"/>
-          </a:p>
-          <a:p>
-            <a:pPr marL="0" indent="0" algn="just">
-              <a:buNone/>
-            </a:pPr>
-            <a:r>
-              <a:rPr lang="tr-TR" b="1" dirty="0" smtClean="0"/>
-              <a:t>2.</a:t>
-            </a:r>
-            <a:r>
-              <a:rPr lang="en-US" b="1" dirty="0"/>
-              <a:t>Smart HTTP</a:t>
-            </a:r>
-          </a:p>
-          <a:p>
-            <a:pPr marL="0" indent="0" algn="just">
-              <a:buNone/>
-            </a:pPr>
+              <a:t>SVN </a:t>
+            </a:r>
+            <a:r>
+              <a:rPr lang="en-US" dirty="0" smtClean="0"/>
+              <a:t>acts </a:t>
+            </a:r>
             <a:r>
               <a:rPr lang="en-US" dirty="0"/>
-              <a:t>Smart HTTP operates very similarly to the SSH or </a:t>
-            </a:r>
-            <a:r>
-              <a:rPr lang="en-US" dirty="0" err="1"/>
-              <a:t>Git</a:t>
+              <a:t>as the time machine for the developers and allows them to go </a:t>
+            </a:r>
+            <a:r>
+              <a:rPr lang="en-US" dirty="0" smtClean="0"/>
+              <a:t>bac</a:t>
             </a:r>
             <a:r>
               <a:rPr lang="en-US" dirty="0"/>
-              <a:t> protocols but runs over standard HTTPS ports and can use various HTTP authentication mechanisms</a:t>
-            </a:r>
+              <a:t>k and browse the history of the project</a:t>
+            </a:r>
+            <a:r>
+              <a:rPr lang="en-US" dirty="0" smtClean="0"/>
+              <a:t>.</a:t>
+            </a:r>
+            <a:endParaRPr lang="tr-TR" dirty="0" smtClean="0"/>
           </a:p>
           <a:p>
             <a:pPr algn="just"/>
             <a:r>
-              <a:rPr lang="tr-TR" b="1" dirty="0" smtClean="0">
-                <a:solidFill>
-                  <a:srgbClr val="FF0000"/>
-                </a:solidFill>
-              </a:rPr>
-              <a:t>SSH</a:t>
-            </a:r>
-            <a:endParaRPr lang="tr-TR" b="1" dirty="0">
-              <a:solidFill>
-                <a:srgbClr val="FF0000"/>
-              </a:solidFill>
-            </a:endParaRPr>
-          </a:p>
-          <a:p>
-            <a:pPr marL="0" indent="0" algn="just">
-              <a:buNone/>
-            </a:pPr>
+              <a:rPr lang="tr-TR" dirty="0" smtClean="0"/>
+              <a:t>T</a:t>
+            </a:r>
+            <a:r>
+              <a:rPr lang="en-US" dirty="0" smtClean="0"/>
+              <a:t>here </a:t>
+            </a:r>
             <a:r>
               <a:rPr lang="en-US" dirty="0"/>
-              <a:t>A common transport protocol for </a:t>
-            </a:r>
-            <a:r>
-              <a:rPr lang="en-US" dirty="0" err="1"/>
-              <a:t>Git</a:t>
-            </a:r>
-            <a:r>
-              <a:rPr lang="en-US" dirty="0"/>
-              <a:t> when self-hosting is over SSH. This is because SSH access to servers is already set up in most places — and if it isn’t, it’s easy to do. SSH is also an authenticated network protocol and, because it’s ubiquitous, it’s generally easy to set up and use.</a:t>
-            </a:r>
-            <a:endParaRPr lang="tr-TR" dirty="0"/>
-          </a:p>
-          <a:p>
-            <a:pPr marL="0" indent="0" algn="just">
-              <a:buNone/>
-            </a:pPr>
-            <a:r>
-              <a:rPr lang="tr-TR" dirty="0"/>
-              <a:t>  	$ git </a:t>
-            </a:r>
-            <a:r>
-              <a:rPr lang="tr-TR" dirty="0" err="1"/>
-              <a:t>clone</a:t>
-            </a:r>
-            <a:r>
-              <a:rPr lang="tr-TR" dirty="0"/>
-              <a:t> ssh://[user@]</a:t>
-            </a:r>
-            <a:r>
-              <a:rPr lang="tr-TR" dirty="0" smtClean="0"/>
-              <a:t>server/project.git</a:t>
-            </a:r>
-            <a:endParaRPr lang="tr-TR" dirty="0"/>
-          </a:p>
-        </p:txBody>
-      </p:sp>
-      <p:sp>
-        <p:nvSpPr>
-          <p:cNvPr id="4" name="Unvan 1"/>
-          <p:cNvSpPr>
-            <a:spLocks noGrp="1"/>
-          </p:cNvSpPr>
-          <p:nvPr>
-            <p:ph type="title"/>
-          </p:nvPr>
-        </p:nvSpPr>
-        <p:spPr>
-          <a:xfrm>
-            <a:off x="838200" y="365125"/>
-            <a:ext cx="10515600" cy="598043"/>
-          </a:xfrm>
-        </p:spPr>
-        <p:txBody>
-          <a:bodyPr>
-            <a:normAutofit fontScale="90000"/>
-          </a:bodyPr>
-          <a:lstStyle/>
-          <a:p>
-            <a:r>
-              <a:rPr lang="tr-TR" dirty="0" smtClean="0"/>
-              <a:t>Git </a:t>
-            </a:r>
-            <a:r>
-              <a:rPr lang="tr-TR" dirty="0" err="1" smtClean="0"/>
-              <a:t>Protocols</a:t>
-            </a:r>
-            <a:r>
-              <a:rPr lang="tr-TR" dirty="0" smtClean="0"/>
-              <a:t>  </a:t>
-            </a:r>
-            <a:r>
-              <a:rPr lang="tr-TR" dirty="0" err="1"/>
-              <a:t>to</a:t>
-            </a:r>
-            <a:r>
-              <a:rPr lang="tr-TR" dirty="0"/>
-              <a:t> transfer </a:t>
-            </a:r>
-            <a:r>
-              <a:rPr lang="tr-TR" dirty="0" smtClean="0"/>
-              <a:t>data (TCP)</a:t>
-            </a:r>
-            <a:endParaRPr lang="tr-TR" dirty="0"/>
+              <a:t>are a large number of projects that are still running on the Subversion</a:t>
+            </a:r>
+            <a:r>
+              <a:rPr lang="en-US" dirty="0" smtClean="0"/>
+              <a:t>.</a:t>
+            </a:r>
+          </a:p>
+          <a:p>
+            <a:pPr algn="just"/>
+            <a:r>
+              <a:rPr lang="en-US" b="1" dirty="0" smtClean="0"/>
+              <a:t>Subversion</a:t>
+            </a:r>
+            <a:r>
+              <a:rPr lang="en-US" dirty="0" smtClean="0"/>
+              <a:t> is </a:t>
+            </a:r>
+            <a:r>
+              <a:rPr lang="en-US" b="1" dirty="0" smtClean="0"/>
+              <a:t>open-source</a:t>
+            </a:r>
+            <a:r>
+              <a:rPr lang="en-US" dirty="0" smtClean="0"/>
+              <a:t> and comes under the </a:t>
+            </a:r>
+            <a:r>
+              <a:rPr lang="en-US" b="1" dirty="0" smtClean="0"/>
+              <a:t>Apache License</a:t>
+            </a:r>
+            <a:r>
+              <a:rPr lang="en-US" dirty="0" smtClean="0"/>
+              <a:t>,</a:t>
+            </a:r>
+            <a:endParaRPr lang="en-US" dirty="0" smtClean="0"/>
           </a:p>
         </p:txBody>
       </p:sp>
     </p:spTree>
     <p:extLst>
       <p:ext uri="{BB962C8B-B14F-4D97-AF65-F5344CB8AC3E}">
-        <p14:creationId xmlns:p14="http://schemas.microsoft.com/office/powerpoint/2010/main" val="4116776802"/>
+        <p14:creationId xmlns:p14="http://schemas.microsoft.com/office/powerpoint/2010/main" val="1340163576"/>
       </p:ext>
     </p:extLst>
   </p:cSld>
@@ -7588,13 +7779,6 @@
               <a:rPr lang="en-US" dirty="0"/>
               <a:t>. </a:t>
             </a:r>
-            <a:r>
-              <a:rPr lang="en-US" dirty="0" smtClean="0"/>
-              <a:t>for all code, files, and assets that multiple team members will collaborate on.</a:t>
-            </a:r>
-            <a:endParaRPr lang="tr-TR" dirty="0" smtClean="0"/>
-          </a:p>
-          <a:p>
             <a:endParaRPr lang="tr-TR" dirty="0"/>
           </a:p>
         </p:txBody>
@@ -7662,6 +7846,36 @@
       </p:grpSpPr>
       <p:sp>
         <p:nvSpPr>
+          <p:cNvPr id="2" name="Unvan 1"/>
+          <p:cNvSpPr>
+            <a:spLocks noGrp="1"/>
+          </p:cNvSpPr>
+          <p:nvPr>
+            <p:ph type="title"/>
+          </p:nvPr>
+        </p:nvSpPr>
+        <p:spPr>
+          <a:xfrm>
+            <a:off x="280416" y="133477"/>
+            <a:ext cx="11073384" cy="451739"/>
+          </a:xfrm>
+        </p:spPr>
+        <p:txBody>
+          <a:bodyPr>
+            <a:normAutofit fontScale="90000"/>
+          </a:bodyPr>
+          <a:lstStyle/>
+          <a:p>
+            <a:r>
+              <a:rPr lang="tr-TR" dirty="0" smtClean="0"/>
+              <a:t>SVN</a:t>
+            </a:r>
+            <a:endParaRPr lang="tr-TR" dirty="0"/>
+          </a:p>
+        </p:txBody>
+      </p:sp>
+      <p:sp>
+        <p:nvSpPr>
           <p:cNvPr id="3" name="İçerik Yer Tutucusu 2"/>
           <p:cNvSpPr>
             <a:spLocks noGrp="1"/>
@@ -7672,258 +7886,184 @@
         </p:nvSpPr>
         <p:spPr>
           <a:xfrm>
-            <a:off x="838200" y="743712"/>
-            <a:ext cx="10719816" cy="5913120"/>
+            <a:off x="280416" y="585216"/>
+            <a:ext cx="11073384" cy="6272784"/>
           </a:xfrm>
         </p:spPr>
         <p:txBody>
-          <a:bodyPr>
-            <a:normAutofit fontScale="92500" lnSpcReduction="10000"/>
-          </a:bodyPr>
+          <a:bodyPr/>
           <a:lstStyle/>
           <a:p>
-            <a:pPr marL="0" indent="0" algn="just">
+            <a:pPr marL="0" indent="0">
               <a:buNone/>
             </a:pPr>
             <a:r>
-              <a:rPr lang="tr-TR" dirty="0" smtClean="0"/>
-              <a:t>-</a:t>
-            </a:r>
-            <a:r>
-              <a:rPr lang="en-US" dirty="0" smtClean="0"/>
-              <a:t>Finally</a:t>
-            </a:r>
-            <a:r>
               <a:rPr lang="en-US" dirty="0"/>
-              <a:t>, we have the </a:t>
-            </a:r>
-            <a:r>
-              <a:rPr lang="en-US" dirty="0" err="1"/>
-              <a:t>Git</a:t>
-            </a:r>
-            <a:r>
-              <a:rPr lang="en-US" dirty="0"/>
-              <a:t> protocol. This is a special daemon that comes packaged with </a:t>
-            </a:r>
-            <a:r>
-              <a:rPr lang="en-US" dirty="0" err="1"/>
-              <a:t>Git</a:t>
-            </a:r>
-            <a:r>
-              <a:rPr lang="en-US" dirty="0"/>
-              <a:t>; it listens on a dedicated port (9418) that provides a service similar to the SSH protocol, but with absolutely no </a:t>
-            </a:r>
-            <a:r>
-              <a:rPr lang="en-US" dirty="0" smtClean="0"/>
-              <a:t>authentication. </a:t>
-            </a:r>
-            <a:r>
-              <a:rPr lang="en-US" dirty="0"/>
-              <a:t>You can enable push access but, given the lack of authentication, anyone on the internet who finds your project’s URL could push to that project</a:t>
-            </a:r>
-            <a:r>
-              <a:rPr lang="en-US" dirty="0" smtClean="0"/>
+              <a:t>The features of SVN are as follows:</a:t>
+            </a:r>
+          </a:p>
+          <a:p>
+            <a:r>
+              <a:rPr lang="en-US" sz="1800" dirty="0"/>
+              <a:t>It supports atomic commits (Either it will occur or not).</a:t>
+            </a:r>
+          </a:p>
+          <a:p>
+            <a:r>
+              <a:rPr lang="en-US" sz="1800" dirty="0"/>
+              <a:t>It keeps a full revision </a:t>
+            </a:r>
+            <a:r>
+              <a:rPr lang="en-US" sz="1800" dirty="0" smtClean="0"/>
+              <a:t>history</a:t>
+            </a:r>
+            <a:r>
+              <a:rPr lang="tr-TR" sz="1800" dirty="0" smtClean="0"/>
+              <a:t> on server</a:t>
+            </a:r>
+            <a:r>
+              <a:rPr lang="en-US" sz="1800" dirty="0" smtClean="0"/>
               <a:t>.</a:t>
             </a:r>
-            <a:endParaRPr lang="en-US" dirty="0"/>
-          </a:p>
-          <a:p>
-            <a:pPr marL="0" indent="0" algn="just">
-              <a:buNone/>
-            </a:pPr>
-            <a:r>
-              <a:rPr lang="tr-TR" dirty="0" smtClean="0"/>
-              <a:t>-</a:t>
-            </a:r>
-            <a:r>
-              <a:rPr lang="en-US" i="1" dirty="0" smtClean="0">
-                <a:solidFill>
-                  <a:schemeClr val="accent6">
-                    <a:lumMod val="50000"/>
-                  </a:schemeClr>
-                </a:solidFill>
-              </a:rPr>
-              <a:t>The </a:t>
-            </a:r>
-            <a:r>
-              <a:rPr lang="en-US" i="1" dirty="0" err="1">
-                <a:solidFill>
-                  <a:schemeClr val="accent6">
-                    <a:lumMod val="50000"/>
-                  </a:schemeClr>
-                </a:solidFill>
-              </a:rPr>
-              <a:t>Git</a:t>
-            </a:r>
-            <a:r>
-              <a:rPr lang="en-US" i="1" dirty="0">
-                <a:solidFill>
-                  <a:schemeClr val="accent6">
-                    <a:lumMod val="50000"/>
-                  </a:schemeClr>
-                </a:solidFill>
-              </a:rPr>
-              <a:t> protocol is often the fastest network transfer protocol available</a:t>
-            </a:r>
-            <a:r>
-              <a:rPr lang="en-US" i="1" dirty="0" smtClean="0">
-                <a:solidFill>
-                  <a:schemeClr val="accent6">
-                    <a:lumMod val="50000"/>
-                  </a:schemeClr>
-                </a:solidFill>
-              </a:rPr>
-              <a:t>. It </a:t>
-            </a:r>
-            <a:r>
-              <a:rPr lang="en-US" i="1" dirty="0">
-                <a:solidFill>
-                  <a:schemeClr val="accent6">
-                    <a:lumMod val="50000"/>
-                  </a:schemeClr>
-                </a:solidFill>
-              </a:rPr>
-              <a:t>uses the same data-transfer mechanism as the SSH protocol but without the encryption and authentication overhead.</a:t>
-            </a:r>
-          </a:p>
-          <a:p>
-            <a:pPr algn="just"/>
-            <a:endParaRPr lang="en-US" dirty="0"/>
-          </a:p>
-          <a:p>
-            <a:pPr marL="0" indent="0" algn="just">
-              <a:buNone/>
-            </a:pPr>
-            <a:r>
-              <a:rPr lang="tr-TR" dirty="0" smtClean="0"/>
-              <a:t>-</a:t>
-            </a:r>
-            <a:r>
-              <a:rPr lang="en-US" i="1" dirty="0" smtClean="0">
-                <a:solidFill>
-                  <a:srgbClr val="C00000"/>
-                </a:solidFill>
-              </a:rPr>
-              <a:t>The </a:t>
-            </a:r>
-            <a:r>
-              <a:rPr lang="en-US" i="1" dirty="0">
-                <a:solidFill>
-                  <a:srgbClr val="C00000"/>
-                </a:solidFill>
-              </a:rPr>
-              <a:t>downside of the </a:t>
-            </a:r>
-            <a:r>
-              <a:rPr lang="en-US" i="1" dirty="0" err="1">
-                <a:solidFill>
-                  <a:srgbClr val="C00000"/>
-                </a:solidFill>
-              </a:rPr>
-              <a:t>Git</a:t>
-            </a:r>
-            <a:r>
-              <a:rPr lang="en-US" i="1" dirty="0">
-                <a:solidFill>
-                  <a:srgbClr val="C00000"/>
-                </a:solidFill>
-              </a:rPr>
-              <a:t> protocol is the lack of authentication. It’s generally undesirable for the </a:t>
-            </a:r>
-            <a:r>
-              <a:rPr lang="en-US" i="1" dirty="0" err="1">
-                <a:solidFill>
-                  <a:srgbClr val="C00000"/>
-                </a:solidFill>
-              </a:rPr>
-              <a:t>Git</a:t>
-            </a:r>
-            <a:r>
-              <a:rPr lang="en-US" i="1" dirty="0">
-                <a:solidFill>
-                  <a:srgbClr val="C00000"/>
-                </a:solidFill>
-              </a:rPr>
-              <a:t> protocol to be the only access to your project. Generally, you’ll pair it with SSH or HTTPS access for the few developers who have push (write) access and have everyone else use git:// for read-only access. It’s also probably the most difficult protocol to set up. </a:t>
-            </a:r>
-            <a:r>
-              <a:rPr lang="en-US" i="1" dirty="0" smtClean="0">
-                <a:solidFill>
-                  <a:srgbClr val="C00000"/>
-                </a:solidFill>
-              </a:rPr>
+            <a:endParaRPr lang="en-US" sz="1800" dirty="0"/>
+          </a:p>
+          <a:p>
+            <a:r>
+              <a:rPr lang="en-US" sz="1800" dirty="0" smtClean="0"/>
               <a:t>It </a:t>
             </a:r>
             <a:r>
-              <a:rPr lang="en-US" i="1" dirty="0">
-                <a:solidFill>
-                  <a:srgbClr val="C00000"/>
-                </a:solidFill>
-              </a:rPr>
-              <a:t>also requires firewall access to port 9418, which isn’t a standard port that corporate firewalls always allow. Behind big corporate firewalls, this obscure port is commonly blocked.</a:t>
-            </a:r>
-            <a:endParaRPr lang="tr-TR" i="1" dirty="0">
-              <a:solidFill>
-                <a:srgbClr val="C00000"/>
-              </a:solidFill>
-            </a:endParaRPr>
+              <a:rPr lang="en-US" sz="1800" dirty="0"/>
+              <a:t>provides file locking for the files that cannot be merged.</a:t>
+            </a:r>
+          </a:p>
+          <a:p>
+            <a:endParaRPr lang="tr-TR" dirty="0"/>
           </a:p>
         </p:txBody>
       </p:sp>
+      <p:pic>
+        <p:nvPicPr>
+          <p:cNvPr id="4" name="Resim 3"/>
+          <p:cNvPicPr>
+            <a:picLocks noChangeAspect="1"/>
+          </p:cNvPicPr>
+          <p:nvPr/>
+        </p:nvPicPr>
+        <p:blipFill>
+          <a:blip r:embed="rId2"/>
+          <a:stretch>
+            <a:fillRect/>
+          </a:stretch>
+        </p:blipFill>
+        <p:spPr>
+          <a:xfrm>
+            <a:off x="280416" y="2627429"/>
+            <a:ext cx="4584001" cy="3574553"/>
+          </a:xfrm>
+          <a:prstGeom prst="rect">
+            <a:avLst/>
+          </a:prstGeom>
+        </p:spPr>
+      </p:pic>
       <p:sp>
         <p:nvSpPr>
-          <p:cNvPr id="4" name="Unvan 1"/>
-          <p:cNvSpPr>
-            <a:spLocks noGrp="1"/>
-          </p:cNvSpPr>
-          <p:nvPr>
-            <p:ph type="title"/>
-          </p:nvPr>
+          <p:cNvPr id="6" name="Dikdörtgen 5"/>
+          <p:cNvSpPr/>
+          <p:nvPr/>
         </p:nvSpPr>
         <p:spPr>
           <a:xfrm>
-            <a:off x="838200" y="145669"/>
-            <a:ext cx="10515600" cy="598043"/>
+            <a:off x="5267039" y="3341349"/>
+            <a:ext cx="6220968" cy="1200329"/>
           </a:xfrm>
+          <a:prstGeom prst="rect">
+            <a:avLst/>
+          </a:prstGeom>
         </p:spPr>
         <p:txBody>
-          <a:bodyPr>
-            <a:normAutofit fontScale="90000"/>
+          <a:bodyPr wrap="square">
+            <a:spAutoFit/>
           </a:bodyPr>
           <a:lstStyle/>
           <a:p>
-            <a:r>
-              <a:rPr lang="tr-TR" dirty="0" smtClean="0"/>
-              <a:t>Git </a:t>
-            </a:r>
-            <a:r>
-              <a:rPr lang="tr-TR" dirty="0" err="1" smtClean="0"/>
-              <a:t>Protocols</a:t>
-            </a:r>
-            <a:r>
-              <a:rPr lang="tr-TR" dirty="0" smtClean="0"/>
-              <a:t>  </a:t>
-            </a:r>
-            <a:r>
-              <a:rPr lang="tr-TR" dirty="0" err="1"/>
-              <a:t>to</a:t>
-            </a:r>
-            <a:r>
-              <a:rPr lang="tr-TR" dirty="0"/>
-              <a:t> transfer </a:t>
-            </a:r>
-            <a:r>
-              <a:rPr lang="tr-TR" dirty="0" smtClean="0"/>
-              <a:t>data (TCP)</a:t>
-            </a:r>
-            <a:endParaRPr lang="tr-TR" dirty="0"/>
+            <a:pPr algn="just"/>
+            <a:r>
+              <a:rPr lang="en-US" dirty="0">
+                <a:solidFill>
+                  <a:srgbClr val="333333"/>
+                </a:solidFill>
+                <a:latin typeface="inter-regular"/>
+              </a:rPr>
+              <a:t>The usage of SVN client is as follows:</a:t>
+            </a:r>
+          </a:p>
+          <a:p>
+            <a:pPr algn="just">
+              <a:buFont typeface="Arial" panose="020B0604020202020204" pitchFamily="34" charset="0"/>
+              <a:buChar char="•"/>
+            </a:pPr>
+            <a:r>
+              <a:rPr lang="en-US" dirty="0">
+                <a:solidFill>
+                  <a:srgbClr val="000000"/>
+                </a:solidFill>
+                <a:latin typeface="inter-regular"/>
+              </a:rPr>
+              <a:t>It communicates with the SVN server.</a:t>
+            </a:r>
+          </a:p>
+          <a:p>
+            <a:pPr algn="just">
+              <a:buFont typeface="Arial" panose="020B0604020202020204" pitchFamily="34" charset="0"/>
+              <a:buChar char="•"/>
+            </a:pPr>
+            <a:r>
+              <a:rPr lang="en-US" dirty="0">
+                <a:solidFill>
+                  <a:srgbClr val="000000"/>
+                </a:solidFill>
+                <a:latin typeface="inter-regular"/>
+              </a:rPr>
+              <a:t>It provides remote and manual access.</a:t>
+            </a:r>
+          </a:p>
+          <a:p>
+            <a:pPr algn="just">
+              <a:buFont typeface="Arial" panose="020B0604020202020204" pitchFamily="34" charset="0"/>
+              <a:buChar char="•"/>
+            </a:pPr>
+            <a:r>
+              <a:rPr lang="en-US" dirty="0">
+                <a:solidFill>
+                  <a:srgbClr val="000000"/>
+                </a:solidFill>
+                <a:latin typeface="inter-regular"/>
+              </a:rPr>
+              <a:t>It provides the interface</a:t>
+            </a:r>
+            <a:r>
+              <a:rPr lang="en-US" dirty="0" smtClean="0">
+                <a:solidFill>
+                  <a:srgbClr val="000000"/>
+                </a:solidFill>
+                <a:latin typeface="inter-regular"/>
+              </a:rPr>
+              <a:t>.</a:t>
+            </a:r>
+            <a:endParaRPr lang="en-US" dirty="0">
+              <a:solidFill>
+                <a:srgbClr val="000000"/>
+              </a:solidFill>
+              <a:latin typeface="inter-regular"/>
+            </a:endParaRPr>
           </a:p>
         </p:txBody>
       </p:sp>
     </p:spTree>
     <p:extLst>
       <p:ext uri="{BB962C8B-B14F-4D97-AF65-F5344CB8AC3E}">
-        <p14:creationId xmlns:p14="http://schemas.microsoft.com/office/powerpoint/2010/main" val="1036133934"/>
+        <p14:creationId xmlns:p14="http://schemas.microsoft.com/office/powerpoint/2010/main" val="3719922256"/>
       </p:ext>
     </p:extLst>
   </p:cSld>
@@ -7969,590 +8109,6 @@
         </p:nvSpPr>
         <p:spPr>
           <a:xfrm>
-            <a:off x="131064" y="0"/>
-            <a:ext cx="10515600" cy="610235"/>
-          </a:xfrm>
-        </p:spPr>
-        <p:txBody>
-          <a:bodyPr>
-            <a:normAutofit fontScale="90000"/>
-          </a:bodyPr>
-          <a:lstStyle/>
-          <a:p>
-            <a:r>
-              <a:rPr lang="tr-TR" dirty="0" err="1" smtClean="0"/>
-              <a:t>What</a:t>
-            </a:r>
-            <a:r>
-              <a:rPr lang="tr-TR" dirty="0" smtClean="0"/>
-              <a:t> is SVN</a:t>
-            </a:r>
-            <a:endParaRPr lang="tr-TR" dirty="0"/>
-          </a:p>
-        </p:txBody>
-      </p:sp>
-      <p:sp>
-        <p:nvSpPr>
-          <p:cNvPr id="3" name="İçerik Yer Tutucusu 2"/>
-          <p:cNvSpPr>
-            <a:spLocks noGrp="1"/>
-          </p:cNvSpPr>
-          <p:nvPr>
-            <p:ph idx="1"/>
-          </p:nvPr>
-        </p:nvSpPr>
-        <p:spPr>
-          <a:xfrm>
-            <a:off x="0" y="524256"/>
-            <a:ext cx="11353800" cy="5652707"/>
-          </a:xfrm>
-        </p:spPr>
-        <p:txBody>
-          <a:bodyPr>
-            <a:normAutofit lnSpcReduction="10000"/>
-          </a:bodyPr>
-          <a:lstStyle/>
-          <a:p>
-            <a:pPr algn="just"/>
-            <a:r>
-              <a:rPr lang="en-US" dirty="0"/>
-              <a:t>SVN stands for </a:t>
-            </a:r>
-            <a:r>
-              <a:rPr lang="en-US" b="1" dirty="0"/>
-              <a:t>Subversion</a:t>
-            </a:r>
-            <a:r>
-              <a:rPr lang="en-US" dirty="0"/>
-              <a:t>. It is called as SVN because of its commands (its command name </a:t>
-            </a:r>
-            <a:r>
-              <a:rPr lang="en-US" dirty="0" err="1"/>
-              <a:t>svn</a:t>
-            </a:r>
-            <a:r>
-              <a:rPr lang="en-US" dirty="0"/>
-              <a:t>). It is a </a:t>
-            </a:r>
-            <a:r>
-              <a:rPr lang="en-US" b="1" dirty="0"/>
-              <a:t>centralized version control system</a:t>
-            </a:r>
-            <a:r>
-              <a:rPr lang="en-US" dirty="0"/>
-              <a:t>. It is an </a:t>
-            </a:r>
-            <a:r>
-              <a:rPr lang="en-US" b="1" dirty="0"/>
-              <a:t>open-source</a:t>
-            </a:r>
-            <a:r>
-              <a:rPr lang="en-US" dirty="0"/>
-              <a:t> tool for version control</a:t>
-            </a:r>
-            <a:r>
-              <a:rPr lang="en-US" dirty="0" smtClean="0"/>
-              <a:t>.</a:t>
-            </a:r>
-            <a:endParaRPr lang="tr-TR" dirty="0" smtClean="0"/>
-          </a:p>
-          <a:p>
-            <a:pPr algn="just"/>
-            <a:r>
-              <a:rPr lang="en-US" dirty="0"/>
-              <a:t>SVN is used to manage the current and previous versions of files like source code, documentation, and files. It acts as the time machine for the developers and allows them to go </a:t>
-            </a:r>
-            <a:r>
-              <a:rPr lang="en-US" dirty="0" smtClean="0"/>
-              <a:t>bac</a:t>
-            </a:r>
-            <a:r>
-              <a:rPr lang="en-US" dirty="0"/>
-              <a:t>k and browse the history of the project</a:t>
-            </a:r>
-            <a:r>
-              <a:rPr lang="en-US" dirty="0" smtClean="0"/>
-              <a:t>.</a:t>
-            </a:r>
-            <a:endParaRPr lang="tr-TR" dirty="0" smtClean="0"/>
-          </a:p>
-          <a:p>
-            <a:pPr algn="just"/>
-            <a:r>
-              <a:rPr lang="en-US" dirty="0"/>
-              <a:t>Some other popular version control systems like </a:t>
-            </a:r>
-            <a:r>
-              <a:rPr lang="en-US" dirty="0" err="1">
-                <a:hlinkClick r:id="rId2"/>
-              </a:rPr>
-              <a:t>Git</a:t>
-            </a:r>
-            <a:r>
-              <a:rPr lang="en-US" dirty="0"/>
-              <a:t> are in trend now, but there are a large number of projects that are still running on the Subversion</a:t>
-            </a:r>
-            <a:r>
-              <a:rPr lang="en-US" dirty="0" smtClean="0"/>
-              <a:t>.</a:t>
-            </a:r>
-          </a:p>
-          <a:p>
-            <a:pPr algn="just"/>
-            <a:r>
-              <a:rPr lang="en-US" b="1" dirty="0" smtClean="0"/>
-              <a:t>Subversion</a:t>
-            </a:r>
-            <a:r>
-              <a:rPr lang="en-US" dirty="0" smtClean="0"/>
-              <a:t> is </a:t>
-            </a:r>
-            <a:r>
-              <a:rPr lang="en-US" b="1" dirty="0" smtClean="0"/>
-              <a:t>open-source</a:t>
-            </a:r>
-            <a:r>
-              <a:rPr lang="en-US" dirty="0" smtClean="0"/>
-              <a:t> and comes under the </a:t>
-            </a:r>
-            <a:r>
-              <a:rPr lang="en-US" b="1" dirty="0" smtClean="0"/>
-              <a:t>Apache License</a:t>
-            </a:r>
-            <a:r>
-              <a:rPr lang="en-US" dirty="0" smtClean="0"/>
-              <a:t>, and it was developed by </a:t>
-            </a:r>
-            <a:r>
-              <a:rPr lang="en-US" b="1" dirty="0" err="1" smtClean="0"/>
-              <a:t>CollabNet</a:t>
-            </a:r>
-            <a:r>
-              <a:rPr lang="en-US" b="1" dirty="0" smtClean="0"/>
-              <a:t> </a:t>
-            </a:r>
-            <a:r>
-              <a:rPr lang="en-US" b="1" dirty="0" err="1" smtClean="0"/>
-              <a:t>Inc</a:t>
-            </a:r>
-            <a:r>
-              <a:rPr lang="en-US" b="1" dirty="0" smtClean="0"/>
-              <a:t> </a:t>
-            </a:r>
-            <a:r>
-              <a:rPr lang="en-US" dirty="0" smtClean="0"/>
-              <a:t>in 2000. It was operated much like CVS (Concurrent versions system). In 2009, </a:t>
-            </a:r>
-            <a:r>
-              <a:rPr lang="en-US" b="1" dirty="0" smtClean="0"/>
-              <a:t>Apache Incubator</a:t>
-            </a:r>
-            <a:r>
-              <a:rPr lang="en-US" dirty="0" smtClean="0"/>
-              <a:t> accepted it and made it a top-level apache product.</a:t>
-            </a:r>
-          </a:p>
-        </p:txBody>
-      </p:sp>
-    </p:spTree>
-    <p:extLst>
-      <p:ext uri="{BB962C8B-B14F-4D97-AF65-F5344CB8AC3E}">
-        <p14:creationId xmlns:p14="http://schemas.microsoft.com/office/powerpoint/2010/main" val="1340163576"/>
-      </p:ext>
-    </p:extLst>
-  </p:cSld>
-  <p:clrMapOvr>
-    <a:masterClrMapping/>
-  </p:clrMapOvr>
-  <p:timing>
-    <p:tnLst>
-      <p:par>
-        <p:cTn id="1" dur="indefinite" restart="never" nodeType="tmRoot"/>
-      </p:par>
-    </p:tnLst>
-  </p:timing>
-</p:sld>
-</file>
-
-<file path=ppt/slides/slide22.xml><?xml version="1.0" encoding="utf-8"?>
-<p:sld xmlns:a="http://schemas.openxmlformats.org/drawingml/2006/main" xmlns:r="http://schemas.openxmlformats.org/officeDocument/2006/relationships" xmlns:p="http://schemas.openxmlformats.org/presentationml/2006/main">
-  <p:cSld>
-    <p:spTree>
-      <p:nvGrpSpPr>
-        <p:cNvPr id="1" name=""/>
-        <p:cNvGrpSpPr/>
-        <p:nvPr/>
-      </p:nvGrpSpPr>
-      <p:grpSpPr>
-        <a:xfrm>
-          <a:off x="0" y="0"/>
-          <a:ext cx="0" cy="0"/>
-          <a:chOff x="0" y="0"/>
-          <a:chExt cx="0" cy="0"/>
-        </a:xfrm>
-      </p:grpSpPr>
-      <p:sp>
-        <p:nvSpPr>
-          <p:cNvPr id="2" name="Unvan 1"/>
-          <p:cNvSpPr>
-            <a:spLocks noGrp="1"/>
-          </p:cNvSpPr>
-          <p:nvPr>
-            <p:ph type="title"/>
-          </p:nvPr>
-        </p:nvSpPr>
-        <p:spPr>
-          <a:xfrm>
-            <a:off x="280416" y="133477"/>
-            <a:ext cx="11073384" cy="451739"/>
-          </a:xfrm>
-        </p:spPr>
-        <p:txBody>
-          <a:bodyPr>
-            <a:normAutofit fontScale="90000"/>
-          </a:bodyPr>
-          <a:lstStyle/>
-          <a:p>
-            <a:r>
-              <a:rPr lang="tr-TR" dirty="0" smtClean="0"/>
-              <a:t>SVN</a:t>
-            </a:r>
-            <a:endParaRPr lang="tr-TR" dirty="0"/>
-          </a:p>
-        </p:txBody>
-      </p:sp>
-      <p:sp>
-        <p:nvSpPr>
-          <p:cNvPr id="3" name="İçerik Yer Tutucusu 2"/>
-          <p:cNvSpPr>
-            <a:spLocks noGrp="1"/>
-          </p:cNvSpPr>
-          <p:nvPr>
-            <p:ph idx="1"/>
-          </p:nvPr>
-        </p:nvSpPr>
-        <p:spPr>
-          <a:xfrm>
-            <a:off x="280416" y="585216"/>
-            <a:ext cx="11073384" cy="6272784"/>
-          </a:xfrm>
-        </p:spPr>
-        <p:txBody>
-          <a:bodyPr/>
-          <a:lstStyle/>
-          <a:p>
-            <a:pPr marL="0" indent="0">
-              <a:buNone/>
-            </a:pPr>
-            <a:r>
-              <a:rPr lang="en-US" dirty="0"/>
-              <a:t>The features of SVN are as follows:</a:t>
-            </a:r>
-          </a:p>
-          <a:p>
-            <a:r>
-              <a:rPr lang="en-US" sz="1800" dirty="0"/>
-              <a:t>It supports atomic commits (Either it will occur or not).</a:t>
-            </a:r>
-          </a:p>
-          <a:p>
-            <a:r>
-              <a:rPr lang="en-US" sz="1800" dirty="0"/>
-              <a:t>It keeps a full revision history.</a:t>
-            </a:r>
-          </a:p>
-          <a:p>
-            <a:r>
-              <a:rPr lang="en-US" sz="1800" dirty="0"/>
-              <a:t>It supports Internationalized program message.</a:t>
-            </a:r>
-          </a:p>
-          <a:p>
-            <a:r>
-              <a:rPr lang="en-US" sz="1800" dirty="0"/>
-              <a:t>It provides file locking for the files that cannot be merged.</a:t>
-            </a:r>
-          </a:p>
-          <a:p>
-            <a:endParaRPr lang="tr-TR" dirty="0"/>
-          </a:p>
-        </p:txBody>
-      </p:sp>
-      <p:pic>
-        <p:nvPicPr>
-          <p:cNvPr id="4" name="Resim 3"/>
-          <p:cNvPicPr>
-            <a:picLocks noChangeAspect="1"/>
-          </p:cNvPicPr>
-          <p:nvPr/>
-        </p:nvPicPr>
-        <p:blipFill>
-          <a:blip r:embed="rId2"/>
-          <a:stretch>
-            <a:fillRect/>
-          </a:stretch>
-        </p:blipFill>
-        <p:spPr>
-          <a:xfrm>
-            <a:off x="280416" y="2627429"/>
-            <a:ext cx="4584001" cy="3574553"/>
-          </a:xfrm>
-          <a:prstGeom prst="rect">
-            <a:avLst/>
-          </a:prstGeom>
-        </p:spPr>
-      </p:pic>
-      <p:sp>
-        <p:nvSpPr>
-          <p:cNvPr id="5" name="Dikdörtgen 4"/>
-          <p:cNvSpPr/>
-          <p:nvPr/>
-        </p:nvSpPr>
-        <p:spPr>
-          <a:xfrm>
-            <a:off x="5061108" y="2627429"/>
-            <a:ext cx="6096000" cy="1754326"/>
-          </a:xfrm>
-          <a:prstGeom prst="rect">
-            <a:avLst/>
-          </a:prstGeom>
-        </p:spPr>
-        <p:txBody>
-          <a:bodyPr>
-            <a:spAutoFit/>
-          </a:bodyPr>
-          <a:lstStyle/>
-          <a:p>
-            <a:pPr algn="just"/>
-            <a:r>
-              <a:rPr lang="en-US" dirty="0">
-                <a:solidFill>
-                  <a:srgbClr val="333333"/>
-                </a:solidFill>
-                <a:latin typeface="inter-regular"/>
-              </a:rPr>
-              <a:t>The usage of SVN server is as follows:</a:t>
-            </a:r>
-          </a:p>
-          <a:p>
-            <a:pPr algn="just">
-              <a:buFont typeface="Arial" panose="020B0604020202020204" pitchFamily="34" charset="0"/>
-              <a:buChar char="•"/>
-            </a:pPr>
-            <a:r>
-              <a:rPr lang="en-US" dirty="0">
-                <a:solidFill>
-                  <a:srgbClr val="000000"/>
-                </a:solidFill>
-                <a:latin typeface="inter-regular"/>
-              </a:rPr>
-              <a:t>It provides security to customer.</a:t>
-            </a:r>
-          </a:p>
-          <a:p>
-            <a:pPr algn="just">
-              <a:buFont typeface="Arial" panose="020B0604020202020204" pitchFamily="34" charset="0"/>
-              <a:buChar char="•"/>
-            </a:pPr>
-            <a:r>
-              <a:rPr lang="en-US" dirty="0">
-                <a:solidFill>
-                  <a:srgbClr val="000000"/>
-                </a:solidFill>
-                <a:latin typeface="inter-regular"/>
-              </a:rPr>
-              <a:t>It offers remote access.</a:t>
-            </a:r>
-          </a:p>
-          <a:p>
-            <a:pPr algn="just">
-              <a:buFont typeface="Arial" panose="020B0604020202020204" pitchFamily="34" charset="0"/>
-              <a:buChar char="•"/>
-            </a:pPr>
-            <a:r>
-              <a:rPr lang="en-US" dirty="0">
-                <a:solidFill>
-                  <a:srgbClr val="000000"/>
-                </a:solidFill>
-                <a:latin typeface="inter-regular"/>
-              </a:rPr>
-              <a:t>It provides the read and write access to multiple destinations through the SVN client-server.</a:t>
-            </a:r>
-          </a:p>
-          <a:p>
-            <a:pPr algn="just">
-              <a:buFont typeface="Arial" panose="020B0604020202020204" pitchFamily="34" charset="0"/>
-              <a:buChar char="•"/>
-            </a:pPr>
-            <a:r>
-              <a:rPr lang="en-US" dirty="0">
-                <a:solidFill>
-                  <a:srgbClr val="000000"/>
-                </a:solidFill>
-                <a:latin typeface="inter-regular"/>
-              </a:rPr>
-              <a:t>It can store the complete version of the requirements.</a:t>
-            </a:r>
-            <a:endParaRPr lang="en-US" b="0" i="0" dirty="0">
-              <a:solidFill>
-                <a:srgbClr val="000000"/>
-              </a:solidFill>
-              <a:effectLst/>
-              <a:latin typeface="inter-regular"/>
-            </a:endParaRPr>
-          </a:p>
-        </p:txBody>
-      </p:sp>
-      <p:sp>
-        <p:nvSpPr>
-          <p:cNvPr id="6" name="Dikdörtgen 5"/>
-          <p:cNvSpPr/>
-          <p:nvPr/>
-        </p:nvSpPr>
-        <p:spPr>
-          <a:xfrm>
-            <a:off x="5061108" y="4724654"/>
-            <a:ext cx="6096000" cy="1477328"/>
-          </a:xfrm>
-          <a:prstGeom prst="rect">
-            <a:avLst/>
-          </a:prstGeom>
-        </p:spPr>
-        <p:txBody>
-          <a:bodyPr>
-            <a:spAutoFit/>
-          </a:bodyPr>
-          <a:lstStyle/>
-          <a:p>
-            <a:pPr algn="just"/>
-            <a:r>
-              <a:rPr lang="en-US" dirty="0">
-                <a:solidFill>
-                  <a:srgbClr val="333333"/>
-                </a:solidFill>
-                <a:latin typeface="inter-regular"/>
-              </a:rPr>
-              <a:t>The usage of SVN client is as follows:</a:t>
-            </a:r>
-          </a:p>
-          <a:p>
-            <a:pPr algn="just">
-              <a:buFont typeface="Arial" panose="020B0604020202020204" pitchFamily="34" charset="0"/>
-              <a:buChar char="•"/>
-            </a:pPr>
-            <a:r>
-              <a:rPr lang="en-US" dirty="0">
-                <a:solidFill>
-                  <a:srgbClr val="000000"/>
-                </a:solidFill>
-                <a:latin typeface="inter-regular"/>
-              </a:rPr>
-              <a:t>It communicates with the SVN server.</a:t>
-            </a:r>
-          </a:p>
-          <a:p>
-            <a:pPr algn="just">
-              <a:buFont typeface="Arial" panose="020B0604020202020204" pitchFamily="34" charset="0"/>
-              <a:buChar char="•"/>
-            </a:pPr>
-            <a:r>
-              <a:rPr lang="en-US" dirty="0">
-                <a:solidFill>
-                  <a:srgbClr val="000000"/>
-                </a:solidFill>
-                <a:latin typeface="inter-regular"/>
-              </a:rPr>
-              <a:t>It provides remote and manual access.</a:t>
-            </a:r>
-          </a:p>
-          <a:p>
-            <a:pPr algn="just">
-              <a:buFont typeface="Arial" panose="020B0604020202020204" pitchFamily="34" charset="0"/>
-              <a:buChar char="•"/>
-            </a:pPr>
-            <a:r>
-              <a:rPr lang="en-US" dirty="0">
-                <a:solidFill>
-                  <a:srgbClr val="000000"/>
-                </a:solidFill>
-                <a:latin typeface="inter-regular"/>
-              </a:rPr>
-              <a:t>It provides the interface.</a:t>
-            </a:r>
-          </a:p>
-          <a:p>
-            <a:pPr algn="just">
-              <a:buFont typeface="Arial" panose="020B0604020202020204" pitchFamily="34" charset="0"/>
-              <a:buChar char="•"/>
-            </a:pPr>
-            <a:r>
-              <a:rPr lang="en-US" dirty="0">
-                <a:solidFill>
-                  <a:srgbClr val="000000"/>
-                </a:solidFill>
-                <a:latin typeface="inter-regular"/>
-              </a:rPr>
-              <a:t>It is free and open-source.</a:t>
-            </a:r>
-            <a:endParaRPr lang="en-US" b="0" i="0" dirty="0">
-              <a:solidFill>
-                <a:srgbClr val="000000"/>
-              </a:solidFill>
-              <a:effectLst/>
-              <a:latin typeface="inter-regular"/>
-            </a:endParaRPr>
-          </a:p>
-        </p:txBody>
-      </p:sp>
-    </p:spTree>
-    <p:extLst>
-      <p:ext uri="{BB962C8B-B14F-4D97-AF65-F5344CB8AC3E}">
-        <p14:creationId xmlns:p14="http://schemas.microsoft.com/office/powerpoint/2010/main" val="3719922256"/>
-      </p:ext>
-    </p:extLst>
-  </p:cSld>
-  <p:clrMapOvr>
-    <a:masterClrMapping/>
-  </p:clrMapOvr>
-  <p:timing>
-    <p:tnLst>
-      <p:par>
-        <p:cTn id="1" dur="indefinite" restart="never" nodeType="tmRoot"/>
-      </p:par>
-    </p:tnLst>
-  </p:timing>
-</p:sld>
-</file>
-
-<file path=ppt/slides/slide23.xml><?xml version="1.0" encoding="utf-8"?>
-<p:sld xmlns:a="http://schemas.openxmlformats.org/drawingml/2006/main" xmlns:r="http://schemas.openxmlformats.org/officeDocument/2006/relationships" xmlns:p="http://schemas.openxmlformats.org/presentationml/2006/main">
-  <p:cSld>
-    <p:spTree>
-      <p:nvGrpSpPr>
-        <p:cNvPr id="1" name=""/>
-        <p:cNvGrpSpPr/>
-        <p:nvPr/>
-      </p:nvGrpSpPr>
-      <p:grpSpPr>
-        <a:xfrm>
-          <a:off x="0" y="0"/>
-          <a:ext cx="0" cy="0"/>
-          <a:chOff x="0" y="0"/>
-          <a:chExt cx="0" cy="0"/>
-        </a:xfrm>
-      </p:grpSpPr>
-      <p:sp>
-        <p:nvSpPr>
-          <p:cNvPr id="2" name="Unvan 1"/>
-          <p:cNvSpPr>
-            <a:spLocks noGrp="1"/>
-          </p:cNvSpPr>
-          <p:nvPr>
-            <p:ph type="title"/>
-          </p:nvPr>
-        </p:nvSpPr>
-        <p:spPr>
-          <a:xfrm>
             <a:off x="426720" y="365125"/>
             <a:ext cx="10927080" cy="707771"/>
           </a:xfrm>
@@ -8758,7 +8314,7 @@
 </p:sld>
 </file>
 
-<file path=ppt/slides/slide24.xml><?xml version="1.0" encoding="utf-8"?>
+<file path=ppt/slides/slide22.xml><?xml version="1.0" encoding="utf-8"?>
 <p:sld xmlns:a="http://schemas.openxmlformats.org/drawingml/2006/main" xmlns:r="http://schemas.openxmlformats.org/officeDocument/2006/relationships" xmlns:p="http://schemas.openxmlformats.org/presentationml/2006/main">
   <p:cSld>
     <p:spTree>
@@ -10412,7 +9968,7 @@
 </p:sld>
 </file>
 
-<file path=ppt/slides/slide25.xml><?xml version="1.0" encoding="utf-8"?>
+<file path=ppt/slides/slide23.xml><?xml version="1.0" encoding="utf-8"?>
 <p:sld xmlns:a="http://schemas.openxmlformats.org/drawingml/2006/main" xmlns:r="http://schemas.openxmlformats.org/officeDocument/2006/relationships" xmlns:p="http://schemas.openxmlformats.org/presentationml/2006/main">
   <p:cSld>
     <p:spTree>
@@ -10748,7 +10304,7 @@
         </p:spPr>
         <p:txBody>
           <a:bodyPr>
-            <a:normAutofit fontScale="92500"/>
+            <a:normAutofit fontScale="92500" lnSpcReduction="20000"/>
           </a:bodyPr>
           <a:lstStyle/>
           <a:p>
@@ -10875,24 +10431,72 @@
           </a:p>
           <a:p>
             <a:pPr algn="just"/>
-            <a:r>
-              <a:rPr lang="en-US" dirty="0"/>
-              <a:t> is a class of systems responsible for managing changes to </a:t>
+            <a:endParaRPr lang="tr-TR" dirty="0" smtClean="0">
+              <a:hlinkClick r:id="rId2" tooltip="Computer program"/>
+            </a:endParaRPr>
+          </a:p>
+          <a:p>
+            <a:pPr algn="just"/>
+            <a:r>
+              <a:rPr lang="en-US" dirty="0" smtClean="0">
+                <a:hlinkClick r:id="rId2" tooltip="Computer program"/>
+              </a:rPr>
+              <a:t>computer </a:t>
             </a:r>
             <a:r>
               <a:rPr lang="en-US" dirty="0">
                 <a:hlinkClick r:id="rId2" tooltip="Computer program"/>
               </a:rPr>
-              <a:t>computer programs</a:t>
+              <a:t>programs</a:t>
             </a:r>
             <a:r>
               <a:rPr lang="en-US" dirty="0"/>
-              <a:t>, documents, large web sites, or other collections of </a:t>
+              <a:t>, </a:t>
+            </a:r>
+            <a:endParaRPr lang="tr-TR" dirty="0" smtClean="0"/>
+          </a:p>
+          <a:p>
+            <a:pPr algn="just"/>
+            <a:r>
+              <a:rPr lang="en-US" dirty="0" smtClean="0"/>
+              <a:t>documents</a:t>
+            </a:r>
+            <a:r>
+              <a:rPr lang="en-US" dirty="0"/>
+              <a:t>, </a:t>
+            </a:r>
+            <a:endParaRPr lang="tr-TR" dirty="0" smtClean="0"/>
+          </a:p>
+          <a:p>
+            <a:pPr algn="just"/>
+            <a:r>
+              <a:rPr lang="en-US" dirty="0" smtClean="0"/>
+              <a:t>large </a:t>
+            </a:r>
+            <a:r>
+              <a:rPr lang="en-US" dirty="0"/>
+              <a:t>web sites, </a:t>
+            </a:r>
+            <a:endParaRPr lang="tr-TR" dirty="0" smtClean="0"/>
+          </a:p>
+          <a:p>
+            <a:pPr algn="just"/>
+            <a:r>
+              <a:rPr lang="en-US" dirty="0" smtClean="0"/>
+              <a:t>or </a:t>
+            </a:r>
+            <a:r>
+              <a:rPr lang="en-US" dirty="0"/>
+              <a:t>other collections of </a:t>
             </a:r>
             <a:r>
               <a:rPr lang="en-US" dirty="0" smtClean="0"/>
               <a:t>information</a:t>
             </a:r>
+            <a:endParaRPr lang="tr-TR" dirty="0" smtClean="0"/>
+          </a:p>
+          <a:p>
+            <a:pPr algn="just"/>
             <a:endParaRPr lang="tr-TR" dirty="0" smtClean="0"/>
           </a:p>
           <a:p>
@@ -10916,86 +10520,16 @@
           <a:p>
             <a:pPr algn="just"/>
             <a:r>
+              <a:rPr lang="en-US" dirty="0" smtClean="0"/>
+              <a:t>SCM </a:t>
+            </a:r>
+            <a:r>
               <a:rPr lang="en-US" dirty="0"/>
-              <a:t>In </a:t>
-            </a:r>
-            <a:r>
-              <a:rPr lang="en-US" dirty="0">
-                <a:hlinkClick r:id="rId4" tooltip="Software engineering"/>
-              </a:rPr>
-              <a:t>software engineering</a:t>
-            </a:r>
-            <a:r>
-              <a:rPr lang="en-US" dirty="0"/>
-              <a:t>, </a:t>
-            </a:r>
-            <a:r>
-              <a:rPr lang="en-US" b="1" dirty="0"/>
-              <a:t>software configuration management</a:t>
-            </a:r>
-            <a:r>
-              <a:rPr lang="en-US" dirty="0"/>
-              <a:t> (</a:t>
-            </a:r>
-            <a:r>
-              <a:rPr lang="en-US" b="1" dirty="0"/>
-              <a:t>SCM</a:t>
-            </a:r>
-            <a:r>
-              <a:rPr lang="en-US" dirty="0"/>
-              <a:t> or </a:t>
-            </a:r>
-            <a:r>
-              <a:rPr lang="en-US" b="1" dirty="0"/>
-              <a:t>S/W CM</a:t>
-            </a:r>
-            <a:r>
-              <a:rPr lang="en-US" dirty="0"/>
-              <a:t>) is the task of tracking and controlling changes in the software, part of the larger cross-disciplinary field of </a:t>
-            </a:r>
-            <a:r>
-              <a:rPr lang="en-US" dirty="0">
-                <a:hlinkClick r:id="rId5" tooltip="Configuration management"/>
-              </a:rPr>
-              <a:t>configuration </a:t>
-            </a:r>
-            <a:r>
-              <a:rPr lang="en-US" dirty="0" err="1" smtClean="0">
-                <a:hlinkClick r:id="rId5" tooltip="Configuration management"/>
-              </a:rPr>
-              <a:t>management</a:t>
-            </a:r>
-            <a:r>
-              <a:rPr lang="en-US" dirty="0" err="1" smtClean="0"/>
-              <a:t>.SCM</a:t>
+              <a:t>can determine the "what, when, why and who" of the </a:t>
             </a:r>
             <a:r>
               <a:rPr lang="en-US" dirty="0" smtClean="0"/>
-              <a:t> </a:t>
-            </a:r>
-            <a:r>
-              <a:rPr lang="en-US" dirty="0"/>
-              <a:t>practices include </a:t>
-            </a:r>
-            <a:r>
-              <a:rPr lang="en-US" dirty="0">
-                <a:hlinkClick r:id="rId6" tooltip="Revision control"/>
-              </a:rPr>
-              <a:t>revision control</a:t>
-            </a:r>
-            <a:r>
-              <a:rPr lang="en-US" dirty="0"/>
-              <a:t> and the establishment of </a:t>
-            </a:r>
-            <a:r>
-              <a:rPr lang="en-US" dirty="0">
-                <a:hlinkClick r:id="rId7" tooltip="Baseline (configuration management)"/>
-              </a:rPr>
-              <a:t>baselines</a:t>
-            </a:r>
-            <a:r>
-              <a:rPr lang="en-US" dirty="0"/>
-              <a:t>. If something goes wrong, SCM can determine the "what, when, why and who" of the change. If a configuration is working well, SCM can determine how to replicate it across many hosts.</a:t>
+              <a:t>change</a:t>
             </a:r>
             <a:endParaRPr lang="tr-TR" dirty="0"/>
           </a:p>
@@ -11088,8 +10622,8 @@
         </p:blipFill>
         <p:spPr>
           <a:xfrm>
-            <a:off x="8931021" y="3801872"/>
-            <a:ext cx="3114675" cy="2067116"/>
+            <a:off x="839788" y="1523999"/>
+            <a:ext cx="7767764" cy="5155231"/>
           </a:xfrm>
           <a:prstGeom prst="rect">
             <a:avLst/>
@@ -11109,7 +10643,7 @@
         <p:spPr>
           <a:xfrm>
             <a:off x="839788" y="762000"/>
-            <a:ext cx="11205908" cy="5772912"/>
+            <a:ext cx="4780724" cy="4212336"/>
           </a:xfrm>
         </p:spPr>
         <p:txBody>
@@ -11146,194 +10680,7 @@
               </a:rPr>
               <a:t>SCM</a:t>
             </a:r>
-          </a:p>
-          <a:p>
-            <a:pPr marL="285750" indent="-285750" algn="just">
-              <a:buFont typeface="Arial" panose="020B0604020202020204" pitchFamily="34" charset="0"/>
-              <a:buChar char="•"/>
-            </a:pPr>
-            <a:r>
-              <a:rPr lang="en-US" dirty="0"/>
-              <a:t>Configuration identification - Identifying configurations, </a:t>
-            </a:r>
-            <a:r>
-              <a:rPr lang="en-US" dirty="0">
-                <a:hlinkClick r:id="rId3" tooltip="Configuration item"/>
-              </a:rPr>
-              <a:t>configuration items</a:t>
-            </a:r>
-            <a:r>
-              <a:rPr lang="en-US" dirty="0"/>
-              <a:t> and </a:t>
-            </a:r>
-            <a:r>
-              <a:rPr lang="en-US" dirty="0">
-                <a:hlinkClick r:id="rId4" tooltip="Baseline (configuration management)"/>
-              </a:rPr>
-              <a:t>baselines</a:t>
-            </a:r>
-            <a:r>
-              <a:rPr lang="en-US" dirty="0"/>
-              <a:t>.</a:t>
-            </a:r>
-          </a:p>
-          <a:p>
-            <a:pPr marL="285750" indent="-285750" algn="just">
-              <a:buFont typeface="Arial" panose="020B0604020202020204" pitchFamily="34" charset="0"/>
-              <a:buChar char="•"/>
-            </a:pPr>
-            <a:r>
-              <a:rPr lang="en-US" dirty="0"/>
-              <a:t>Configuration control - Implementing a </a:t>
-            </a:r>
-            <a:r>
-              <a:rPr lang="en-US" dirty="0">
-                <a:hlinkClick r:id="rId5" tooltip="Change control"/>
-              </a:rPr>
-              <a:t>controlled change</a:t>
-            </a:r>
-            <a:r>
-              <a:rPr lang="en-US" dirty="0"/>
-              <a:t> process. This is usually achieved by setting up a </a:t>
-            </a:r>
-            <a:r>
-              <a:rPr lang="en-US" dirty="0">
-                <a:hlinkClick r:id="rId6" tooltip="Change control board"/>
-              </a:rPr>
-              <a:t>change control board</a:t>
-            </a:r>
-            <a:r>
-              <a:rPr lang="en-US" dirty="0"/>
-              <a:t> whose primary function is to approve or reject all change requests that are sent against any baseline.</a:t>
-            </a:r>
-          </a:p>
-          <a:p>
-            <a:pPr marL="285750" indent="-285750" algn="just">
-              <a:buFont typeface="Arial" panose="020B0604020202020204" pitchFamily="34" charset="0"/>
-              <a:buChar char="•"/>
-            </a:pPr>
-            <a:r>
-              <a:rPr lang="en-US" dirty="0"/>
-              <a:t>Configuration status accounting - Recording and reporting all the necessary information on the status of the development process.</a:t>
-            </a:r>
-          </a:p>
-          <a:p>
-            <a:pPr marL="285750" indent="-285750" algn="just">
-              <a:buFont typeface="Arial" panose="020B0604020202020204" pitchFamily="34" charset="0"/>
-              <a:buChar char="•"/>
-            </a:pPr>
-            <a:r>
-              <a:rPr lang="en-US" dirty="0"/>
-              <a:t>Configuration auditing - Ensuring that configurations contain all their intended parts and are sound with respect to their specifying documents, including requirements, architectural specifications and user manuals.</a:t>
-            </a:r>
-          </a:p>
-          <a:p>
-            <a:pPr marL="285750" indent="-285750" algn="just">
-              <a:buFont typeface="Arial" panose="020B0604020202020204" pitchFamily="34" charset="0"/>
-              <a:buChar char="•"/>
-            </a:pPr>
-            <a:r>
-              <a:rPr lang="en-US" dirty="0">
-                <a:hlinkClick r:id="rId7" tooltip="Build management"/>
-              </a:rPr>
-              <a:t>Build management</a:t>
-            </a:r>
-            <a:r>
-              <a:rPr lang="en-US" dirty="0"/>
-              <a:t> - Managing the process and tools used for builds.</a:t>
-            </a:r>
-          </a:p>
-          <a:p>
-            <a:pPr marL="285750" indent="-285750" algn="just">
-              <a:buFont typeface="Arial" panose="020B0604020202020204" pitchFamily="34" charset="0"/>
-              <a:buChar char="•"/>
-            </a:pPr>
-            <a:r>
-              <a:rPr lang="en-US" dirty="0">
-                <a:hlinkClick r:id="rId8" tooltip="Process management (computing)"/>
-              </a:rPr>
-              <a:t>Process management</a:t>
-            </a:r>
-            <a:r>
-              <a:rPr lang="en-US" dirty="0"/>
-              <a:t> - Ensuring adherence to the organization's development process.</a:t>
-            </a:r>
-          </a:p>
-          <a:p>
-            <a:pPr marL="285750" indent="-285750" algn="just">
-              <a:buFont typeface="Arial" panose="020B0604020202020204" pitchFamily="34" charset="0"/>
-              <a:buChar char="•"/>
-            </a:pPr>
-            <a:r>
-              <a:rPr lang="en-US" dirty="0"/>
-              <a:t>Environment management - Managing the software and hardware that host the system.</a:t>
-            </a:r>
-          </a:p>
-          <a:p>
-            <a:pPr marL="285750" indent="-285750" algn="just">
-              <a:buFont typeface="Arial" panose="020B0604020202020204" pitchFamily="34" charset="0"/>
-              <a:buChar char="•"/>
-            </a:pPr>
-            <a:r>
-              <a:rPr lang="en-US" dirty="0">
-                <a:hlinkClick r:id="rId9" tooltip="Teamwork"/>
-              </a:rPr>
-              <a:t>Teamwork</a:t>
-            </a:r>
-            <a:r>
-              <a:rPr lang="en-US" dirty="0"/>
-              <a:t> - Facilitate team interactions related to the process.</a:t>
-            </a:r>
-          </a:p>
-          <a:p>
-            <a:pPr marL="285750" indent="-285750" algn="just">
-              <a:buFont typeface="Arial" panose="020B0604020202020204" pitchFamily="34" charset="0"/>
-              <a:buChar char="•"/>
-            </a:pPr>
-            <a:r>
-              <a:rPr lang="en-US" dirty="0"/>
-              <a:t>Defect tracking - Making sure every defect has traceability back to the source.</a:t>
-            </a:r>
-          </a:p>
-          <a:p>
-            <a:pPr algn="just"/>
-            <a:r>
-              <a:rPr lang="en-US" dirty="0"/>
-              <a:t>With the introduction of </a:t>
-            </a:r>
-            <a:r>
-              <a:rPr lang="en-US" dirty="0">
-                <a:hlinkClick r:id="rId10" tooltip="Cloud computing"/>
-              </a:rPr>
-              <a:t>cloud computing</a:t>
-            </a:r>
-            <a:r>
-              <a:rPr lang="en-US" dirty="0"/>
-              <a:t> and </a:t>
-            </a:r>
-            <a:r>
-              <a:rPr lang="en-US" dirty="0">
-                <a:hlinkClick r:id="rId11" tooltip="DevOps"/>
-              </a:rPr>
-              <a:t>DevOps</a:t>
-            </a:r>
-            <a:r>
-              <a:rPr lang="en-US" dirty="0"/>
-              <a:t> the purposes of SCM tools have become </a:t>
-            </a:r>
-            <a:endParaRPr lang="tr-TR" dirty="0" smtClean="0"/>
-          </a:p>
-          <a:p>
-            <a:pPr algn="just"/>
-            <a:r>
-              <a:rPr lang="en-US" dirty="0" smtClean="0"/>
-              <a:t>merged </a:t>
-            </a:r>
-            <a:r>
-              <a:rPr lang="en-US" dirty="0"/>
-              <a:t>in some cases. </a:t>
-            </a:r>
-            <a:endParaRPr lang="tr-TR" dirty="0" smtClean="0">
+            <a:endParaRPr lang="tr-TR" sz="2000" b="1" dirty="0" smtClean="0">
               <a:sym typeface="Wingdings" panose="05000000000000000000" pitchFamily="2" charset="2"/>
             </a:endParaRPr>
           </a:p>
@@ -11431,19 +10778,36 @@
             </a:r>
             <a:r>
               <a:rPr lang="en-US" dirty="0"/>
-              <a:t>, revision control is any kind of practice that tracks and provides control over changes to </a:t>
+              <a:t>, </a:t>
+            </a:r>
+            <a:endParaRPr lang="tr-TR" dirty="0" smtClean="0"/>
+          </a:p>
+          <a:p>
+            <a:pPr algn="just">
+              <a:buFont typeface="Wingdings" panose="05000000000000000000" pitchFamily="2" charset="2"/>
+              <a:buChar char="Ø"/>
+            </a:pPr>
+            <a:r>
+              <a:rPr lang="en-US" dirty="0"/>
+              <a:t>p</a:t>
+            </a:r>
+            <a:r>
+              <a:rPr lang="en-US" dirty="0"/>
+              <a:t>ractice that tracks and provides control over changes to </a:t>
             </a:r>
             <a:r>
               <a:rPr lang="en-US" dirty="0">
                 <a:hlinkClick r:id="rId3" tooltip="Source code"/>
               </a:rPr>
-              <a:t>source </a:t>
-            </a:r>
-            <a:r>
-              <a:rPr lang="en-US" dirty="0" smtClean="0">
-                <a:hlinkClick r:id="rId3" tooltip="Source code"/>
-              </a:rPr>
-              <a:t>code</a:t>
+              <a:t>source code</a:t>
+            </a:r>
+            <a:r>
+              <a:rPr lang="tr-TR" dirty="0"/>
+              <a:t>, </a:t>
+            </a:r>
+            <a:r>
+              <a:rPr lang="tr-TR" dirty="0" err="1"/>
+              <a:t>document</a:t>
             </a:r>
             <a:r>
               <a:rPr lang="tr-TR" dirty="0" smtClean="0"/>
@@ -11451,14 +10815,6 @@
             </a:r>
             <a:r>
               <a:rPr lang="tr-TR" dirty="0" err="1" smtClean="0"/>
-              <a:t>document</a:t>
-            </a:r>
-            <a:r>
-              <a:rPr lang="tr-TR" dirty="0" smtClean="0"/>
-              <a:t>, </a:t>
-            </a:r>
-            <a:r>
-              <a:rPr lang="tr-TR" dirty="0" err="1" smtClean="0"/>
               <a:t>configuretion</a:t>
             </a:r>
             <a:r>
@@ -11475,10 +10831,13 @@
             </a:r>
           </a:p>
           <a:p>
-            <a:pPr algn="just"/>
+            <a:pPr algn="just">
+              <a:buFont typeface="Wingdings" panose="05000000000000000000" pitchFamily="2" charset="2"/>
+              <a:buChar char="Ø"/>
+            </a:pPr>
             <a:r>
               <a:rPr lang="en-US" dirty="0"/>
-              <a:t>As teams design, develop and deploy software, it is common for multiple versions of the same </a:t>
+              <a:t>As teams design, develop and deploy </a:t>
             </a:r>
             <a:r>
               <a:rPr lang="en-US" dirty="0" smtClean="0"/>
@@ -11487,14 +10846,25 @@
             <a:endParaRPr lang="tr-TR" dirty="0" smtClean="0"/>
           </a:p>
           <a:p>
-            <a:pPr algn="just"/>
+            <a:pPr algn="just">
+              <a:buFont typeface="Wingdings" panose="05000000000000000000" pitchFamily="2" charset="2"/>
+              <a:buChar char="Ø"/>
+            </a:pPr>
+            <a:r>
+              <a:rPr lang="tr-TR" dirty="0" smtClean="0"/>
+              <a:t>M</a:t>
+            </a:r>
+            <a:r>
+              <a:rPr lang="en-US" dirty="0" err="1" smtClean="0"/>
+              <a:t>ultiple</a:t>
+            </a:r>
+            <a:r>
+              <a:rPr lang="en-US" dirty="0" smtClean="0"/>
+              <a:t> </a:t>
+            </a:r>
             <a:r>
               <a:rPr lang="en-US" dirty="0"/>
-              <a:t>At the simplest level, developers could simply retain multiple copies of the different versions of the program, and label them </a:t>
-            </a:r>
-            <a:r>
-              <a:rPr lang="en-US" dirty="0" smtClean="0"/>
-              <a:t>appropriately</a:t>
+              <a:t>copies of the different versions of the program, </a:t>
             </a:r>
             <a:endParaRPr lang="tr-TR" dirty="0" smtClean="0"/>
           </a:p>
@@ -12021,7 +11391,7 @@
             </a:pPr>
             <a:r>
               <a:rPr lang="en-US" i="1" dirty="0"/>
-              <a:t>In the distributed approach, each developer works directly with their own local repository, and changes are shared between repositories as a separate step.</a:t>
+              <a:t>In the distributed approach, each developer works directly with their own local repository, </a:t>
             </a:r>
             <a:endParaRPr lang="tr-TR" i="1" dirty="0"/>
           </a:p>
@@ -12071,7 +11441,15 @@
             </a:r>
             <a:r>
               <a:rPr lang="en-US" dirty="0"/>
-              <a:t> – written in a collection of Perl, C, and various shell scripts, designed by </a:t>
+              <a:t> </a:t>
+            </a:r>
+            <a:r>
+              <a:rPr lang="en-US" dirty="0" smtClean="0"/>
+              <a:t>–, </a:t>
+            </a:r>
+            <a:r>
+              <a:rPr lang="en-US" dirty="0"/>
+              <a:t>designed by </a:t>
             </a:r>
             <a:r>
               <a:rPr lang="en-US" dirty="0">
@@ -12091,32 +11469,70 @@
             </a:r>
             <a:r>
               <a:rPr lang="en-US" dirty="0"/>
-              <a:t> project; decentralized, and aims to be fast, flexible, and robust</a:t>
-            </a:r>
+              <a:t> project; decentralized, </a:t>
+            </a:r>
+            <a:endParaRPr lang="tr-TR" dirty="0" smtClean="0"/>
+          </a:p>
+          <a:p>
+            <a:pPr marL="0" indent="0" algn="just">
+              <a:buNone/>
+            </a:pPr>
+            <a:r>
+              <a:rPr lang="en-US" dirty="0" smtClean="0"/>
+              <a:t>aims </a:t>
+            </a:r>
+            <a:r>
+              <a:rPr lang="en-US" dirty="0"/>
+              <a:t>to be </a:t>
+            </a:r>
+            <a:endParaRPr lang="tr-TR" dirty="0" smtClean="0"/>
+          </a:p>
+          <a:p>
+            <a:pPr algn="just">
+              <a:buFont typeface="Wingdings" panose="05000000000000000000" pitchFamily="2" charset="2"/>
+              <a:buChar char="ü"/>
+            </a:pPr>
+            <a:r>
+              <a:rPr lang="en-US" dirty="0" smtClean="0"/>
+              <a:t>fast</a:t>
+            </a:r>
+            <a:r>
+              <a:rPr lang="en-US" dirty="0"/>
+              <a:t>, </a:t>
+            </a:r>
+            <a:endParaRPr lang="tr-TR" dirty="0" smtClean="0"/>
+          </a:p>
+          <a:p>
+            <a:pPr algn="just">
+              <a:buFont typeface="Wingdings" panose="05000000000000000000" pitchFamily="2" charset="2"/>
+              <a:buChar char="ü"/>
+            </a:pPr>
+            <a:r>
+              <a:rPr lang="tr-TR" dirty="0" smtClean="0"/>
+              <a:t>f</a:t>
+            </a:r>
+            <a:r>
+              <a:rPr lang="en-US" dirty="0" err="1" smtClean="0"/>
+              <a:t>lexible</a:t>
+            </a:r>
+            <a:endParaRPr lang="tr-TR" dirty="0" smtClean="0"/>
+          </a:p>
+          <a:p>
+            <a:pPr algn="just">
+              <a:buFont typeface="Wingdings" panose="05000000000000000000" pitchFamily="2" charset="2"/>
+              <a:buChar char="ü"/>
+            </a:pPr>
+            <a:r>
+              <a:rPr lang="en-US" dirty="0" smtClean="0"/>
+              <a:t>robust</a:t>
+            </a:r>
+            <a:endParaRPr lang="en-US" dirty="0"/>
           </a:p>
           <a:p>
             <a:pPr marL="0" indent="0">
               <a:buNone/>
             </a:pPr>
             <a:endParaRPr lang="tr-TR" dirty="0" smtClean="0"/>
-          </a:p>
-          <a:p>
-            <a:r>
-              <a:rPr lang="en-US" u="sng" dirty="0">
-                <a:hlinkClick r:id="rId6"/>
-              </a:rPr>
-              <a:t>Comparison of version-control software</a:t>
-            </a:r>
-            <a:endParaRPr lang="en-US" dirty="0"/>
-          </a:p>
-          <a:p>
-            <a:r>
-              <a:rPr lang="en-US" dirty="0">
-                <a:hlinkClick r:id="rId7" tooltip="Comparison of source-code-hosting facilities"/>
-              </a:rPr>
-              <a:t>Comparison of source-code-hosting facilities</a:t>
-            </a:r>
-            <a:endParaRPr lang="en-US" dirty="0"/>
           </a:p>
           <a:p>
             <a:pPr marL="0" indent="0">
@@ -12173,25 +11589,18 @@
             <p:ph type="title"/>
           </p:nvPr>
         </p:nvSpPr>
-        <p:spPr>
-          <a:xfrm>
-            <a:off x="838200" y="365125"/>
-            <a:ext cx="10515600" cy="549275"/>
-          </a:xfrm>
-        </p:spPr>
+        <p:spPr/>
         <p:txBody>
-          <a:bodyPr>
-            <a:normAutofit fontScale="90000"/>
-          </a:bodyPr>
+          <a:bodyPr/>
           <a:lstStyle/>
           <a:p>
             <a:r>
+              <a:rPr lang="tr-TR" dirty="0" err="1" smtClean="0"/>
+              <a:t>What</a:t>
+            </a:r>
+            <a:r>
               <a:rPr lang="tr-TR" dirty="0" smtClean="0"/>
-              <a:t>Git </a:t>
-            </a:r>
-            <a:r>
-              <a:rPr lang="tr-TR" dirty="0" err="1" smtClean="0"/>
-              <a:t>History</a:t>
+              <a:t> is Distributed?</a:t>
             </a:r>
             <a:endParaRPr lang="tr-TR" dirty="0"/>
           </a:p>
@@ -12209,167 +11618,249 @@
         </p:nvSpPr>
         <p:spPr>
           <a:xfrm>
-            <a:off x="838200" y="914400"/>
-            <a:ext cx="10515600" cy="5262563"/>
+            <a:off x="838200" y="1353313"/>
+            <a:ext cx="10988040" cy="5504688"/>
           </a:xfrm>
         </p:spPr>
         <p:txBody>
-          <a:bodyPr/>
+          <a:bodyPr>
+            <a:normAutofit/>
+          </a:bodyPr>
           <a:lstStyle/>
-          <a:p>
-            <a:pPr algn="just"/>
-            <a:r>
-              <a:rPr lang="en-US" dirty="0" err="1"/>
-              <a:t>Git</a:t>
-            </a:r>
-            <a:r>
-              <a:rPr lang="en-US" dirty="0"/>
-              <a:t> development began </a:t>
-            </a:r>
-            <a:r>
-              <a:rPr lang="en-US" dirty="0" smtClean="0"/>
-              <a:t>in </a:t>
-            </a:r>
-            <a:r>
-              <a:rPr lang="en-US" dirty="0"/>
-              <a:t>April </a:t>
-            </a:r>
-            <a:r>
-              <a:rPr lang="en-US" dirty="0" smtClean="0"/>
-              <a:t>2005</a:t>
-            </a:r>
-            <a:r>
-              <a:rPr lang="tr-TR" dirty="0" smtClean="0"/>
-              <a:t> ( Linux Developer </a:t>
-            </a:r>
-            <a:r>
-              <a:rPr lang="tr-TR" dirty="0" err="1" smtClean="0"/>
-              <a:t>gave</a:t>
-            </a:r>
-            <a:r>
-              <a:rPr lang="tr-TR" dirty="0" smtClean="0"/>
-              <a:t> </a:t>
-            </a:r>
-            <a:r>
-              <a:rPr lang="tr-TR" dirty="0" err="1" smtClean="0"/>
-              <a:t>up</a:t>
-            </a:r>
-            <a:r>
-              <a:rPr lang="tr-TR" dirty="0" smtClean="0"/>
-              <a:t> </a:t>
-            </a:r>
-            <a:r>
-              <a:rPr lang="tr-TR" dirty="0" err="1" smtClean="0"/>
-              <a:t>BitKeeper</a:t>
-            </a:r>
-            <a:r>
-              <a:rPr lang="tr-TR" dirty="0" smtClean="0"/>
-              <a:t>)</a:t>
-            </a:r>
-          </a:p>
-          <a:p>
-            <a:pPr algn="just"/>
-            <a:r>
-              <a:rPr lang="en-US" dirty="0">
-                <a:hlinkClick r:id="rId2" tooltip="Linus Torvalds"/>
-              </a:rPr>
-              <a:t>Linus Torvalds</a:t>
-            </a:r>
-            <a:r>
-              <a:rPr lang="en-US" dirty="0"/>
-              <a:t> wanted a distributed system that he could use like </a:t>
-            </a:r>
-            <a:r>
-              <a:rPr lang="en-US" dirty="0" err="1" smtClean="0"/>
-              <a:t>BitKeeper</a:t>
-            </a:r>
-            <a:endParaRPr lang="tr-TR" dirty="0" smtClean="0"/>
-          </a:p>
           <a:p>
             <a:pPr marL="0" indent="0" algn="just">
               <a:buNone/>
             </a:pPr>
+            <a:r>
+              <a:rPr lang="tr-TR" dirty="0" smtClean="0"/>
+              <a:t> </a:t>
+            </a:r>
+            <a:r>
+              <a:rPr lang="en-US" dirty="0" smtClean="0"/>
+              <a:t>In</a:t>
+            </a:r>
+            <a:r>
+              <a:rPr lang="en-US" dirty="0"/>
+              <a:t> </a:t>
+            </a:r>
+            <a:r>
+              <a:rPr lang="en-US" dirty="0">
+                <a:hlinkClick r:id="rId2" tooltip="Software development"/>
+              </a:rPr>
+              <a:t>software development</a:t>
+            </a:r>
+            <a:r>
+              <a:rPr lang="en-US" dirty="0"/>
+              <a:t>, </a:t>
+            </a:r>
             <a:endParaRPr lang="tr-TR" dirty="0" smtClean="0"/>
+          </a:p>
+          <a:p>
+            <a:pPr marL="0" indent="0" algn="just">
+              <a:buNone/>
+            </a:pPr>
+            <a:r>
+              <a:rPr lang="tr-TR" b="1" dirty="0" smtClean="0"/>
+              <a:t> D</a:t>
+            </a:r>
+            <a:r>
+              <a:rPr lang="en-US" b="1" dirty="0" err="1" smtClean="0"/>
+              <a:t>istributed</a:t>
+            </a:r>
+            <a:r>
+              <a:rPr lang="en-US" b="1" dirty="0" smtClean="0"/>
+              <a:t> </a:t>
+            </a:r>
+            <a:r>
+              <a:rPr lang="en-US" b="1" dirty="0"/>
+              <a:t>version control</a:t>
+            </a:r>
+            <a:r>
+              <a:rPr lang="en-US" dirty="0"/>
+              <a:t> (also known as </a:t>
+            </a:r>
+            <a:r>
+              <a:rPr lang="en-US" b="1" dirty="0"/>
+              <a:t>distributed revision control</a:t>
+            </a:r>
+            <a:r>
+              <a:rPr lang="en-US" dirty="0"/>
+              <a:t>) </a:t>
+            </a:r>
+            <a:endParaRPr lang="tr-TR" dirty="0" smtClean="0"/>
+          </a:p>
+          <a:p>
+            <a:pPr marL="0" indent="0" algn="just">
+              <a:buNone/>
+            </a:pPr>
+            <a:r>
+              <a:rPr lang="en-US" u="sng" dirty="0"/>
+              <a:t> Compared to centralized version control, this enables </a:t>
+            </a:r>
+            <a:endParaRPr lang="tr-TR" u="sng" dirty="0" smtClean="0"/>
           </a:p>
           <a:p>
             <a:pPr algn="just">
               <a:buFont typeface="Wingdings" panose="05000000000000000000" pitchFamily="2" charset="2"/>
-              <a:buChar char="q"/>
+              <a:buChar char="ü"/>
             </a:pPr>
             <a:r>
+              <a:rPr lang="tr-TR" dirty="0" smtClean="0"/>
+              <a:t>I</a:t>
+            </a:r>
+            <a:r>
+              <a:rPr lang="en-US" dirty="0" err="1" smtClean="0"/>
+              <a:t>ts</a:t>
+            </a:r>
+            <a:r>
+              <a:rPr lang="en-US" dirty="0" smtClean="0"/>
+              <a:t> </a:t>
+            </a:r>
+            <a:r>
               <a:rPr lang="en-US" dirty="0"/>
-              <a:t>Take </a:t>
-            </a:r>
-            <a:r>
-              <a:rPr lang="en-US" dirty="0">
-                <a:hlinkClick r:id="rId3" tooltip="Concurrent Versions System"/>
-              </a:rPr>
-              <a:t>Concurrent Versions System</a:t>
-            </a:r>
-            <a:r>
-              <a:rPr lang="en-US" dirty="0"/>
-              <a:t> (CVS) as an example of what </a:t>
-            </a:r>
-            <a:r>
-              <a:rPr lang="en-US" i="1" dirty="0"/>
-              <a:t>not</a:t>
-            </a:r>
-            <a:r>
-              <a:rPr lang="en-US" dirty="0"/>
-              <a:t> to do; if in doubt, make the exact opposite decision</a:t>
+              <a:t>full history, is mirrored on every developer's computer</a:t>
             </a:r>
             <a:r>
               <a:rPr lang="en-US" dirty="0" smtClean="0"/>
               <a:t>.</a:t>
             </a:r>
-            <a:endParaRPr lang="en-US" dirty="0"/>
+            <a:endParaRPr lang="tr-TR" u="sng" dirty="0" smtClean="0"/>
           </a:p>
           <a:p>
             <a:pPr algn="just">
               <a:buFont typeface="Wingdings" panose="05000000000000000000" pitchFamily="2" charset="2"/>
-              <a:buChar char="q"/>
+              <a:buChar char="ü"/>
             </a:pPr>
             <a:r>
+              <a:rPr lang="tr-TR" dirty="0" smtClean="0"/>
+              <a:t>A</a:t>
+            </a:r>
+            <a:r>
+              <a:rPr lang="en-US" dirty="0" err="1" smtClean="0"/>
+              <a:t>utomatic</a:t>
+            </a:r>
+            <a:r>
+              <a:rPr lang="en-US" dirty="0" smtClean="0"/>
+              <a:t> </a:t>
+            </a:r>
+            <a:r>
               <a:rPr lang="en-US" dirty="0"/>
-              <a:t>Support a distributed, </a:t>
-            </a:r>
-            <a:r>
-              <a:rPr lang="en-US" dirty="0" err="1">
-                <a:hlinkClick r:id="rId4" tooltip="BitKeeper"/>
+              <a:t>management </a:t>
+            </a:r>
+            <a:r>
+              <a:rPr lang="en-US" dirty="0">
+                <a:hlinkClick r:id="rId3" tooltip="Branching (version control)"/>
               </a:rPr>
-              <a:t>BitKeeper</a:t>
+              <a:t>branching</a:t>
             </a:r>
             <a:r>
               <a:rPr lang="en-US" dirty="0"/>
-              <a:t>-like workflow</a:t>
+              <a:t> and </a:t>
+            </a:r>
+            <a:r>
+              <a:rPr lang="en-US" dirty="0">
+                <a:hlinkClick r:id="rId4" tooltip="Merge (version control)"/>
+              </a:rPr>
+              <a:t>merging</a:t>
+            </a:r>
+            <a:r>
+              <a:rPr lang="en-US" dirty="0"/>
+              <a:t>, speeds up most </a:t>
+            </a:r>
+            <a:r>
+              <a:rPr lang="en-US" dirty="0" smtClean="0"/>
+              <a:t>operations</a:t>
+            </a:r>
+            <a:endParaRPr lang="tr-TR" dirty="0" smtClean="0"/>
+          </a:p>
+          <a:p>
+            <a:pPr algn="just">
+              <a:buFont typeface="Wingdings" panose="05000000000000000000" pitchFamily="2" charset="2"/>
+              <a:buChar char="ü"/>
+            </a:pPr>
+            <a:r>
+              <a:rPr lang="tr-TR" dirty="0" smtClean="0"/>
+              <a:t>A</a:t>
+            </a:r>
+            <a:r>
+              <a:rPr lang="en-US" dirty="0" err="1" smtClean="0"/>
+              <a:t>bility</a:t>
+            </a:r>
+            <a:r>
+              <a:rPr lang="en-US" dirty="0" smtClean="0"/>
+              <a:t> </a:t>
+            </a:r>
+            <a:r>
+              <a:rPr lang="en-US" dirty="0"/>
+              <a:t>to work offline, and does not rely on a single location for backups</a:t>
             </a:r>
             <a:r>
               <a:rPr lang="en-US" dirty="0" smtClean="0"/>
               <a:t>.</a:t>
             </a:r>
-            <a:endParaRPr lang="en-US" dirty="0"/>
+            <a:endParaRPr lang="tr-TR" dirty="0" smtClean="0"/>
           </a:p>
           <a:p>
             <a:pPr algn="just">
               <a:buFont typeface="Wingdings" panose="05000000000000000000" pitchFamily="2" charset="2"/>
-              <a:buChar char="q"/>
+              <a:buChar char="ü"/>
             </a:pPr>
             <a:r>
+              <a:rPr lang="tr-TR" dirty="0" err="1"/>
+              <a:t>Allows</a:t>
+            </a:r>
+            <a:r>
+              <a:rPr lang="tr-TR" dirty="0"/>
+              <a:t> </a:t>
+            </a:r>
+            <a:r>
+              <a:rPr lang="tr-TR" dirty="0" err="1"/>
+              <a:t>private</a:t>
+            </a:r>
+            <a:r>
+              <a:rPr lang="tr-TR" dirty="0"/>
+              <a:t> </a:t>
+            </a:r>
+            <a:r>
+              <a:rPr lang="tr-TR" dirty="0" err="1" smtClean="0"/>
+              <a:t>work</a:t>
+            </a:r>
+            <a:endParaRPr lang="tr-TR" dirty="0" smtClean="0"/>
+          </a:p>
+          <a:p>
+            <a:pPr algn="just">
+              <a:buFont typeface="Wingdings" panose="05000000000000000000" pitchFamily="2" charset="2"/>
+              <a:buChar char="ü"/>
+            </a:pPr>
+            <a:r>
+              <a:rPr lang="tr-TR" dirty="0"/>
+              <a:t>A</a:t>
+            </a:r>
+            <a:r>
               <a:rPr lang="en-US" dirty="0"/>
-              <a:t>Include very strong safeguards against corruption, either accidental or malicious</a:t>
-            </a:r>
-            <a:r>
-              <a:rPr lang="en-US" dirty="0" smtClean="0"/>
-              <a:t>.</a:t>
-            </a:r>
-            <a:endParaRPr lang="en-US" dirty="0"/>
+              <a:t>voids relying on one physical machine as a single point of failure</a:t>
+            </a:r>
+            <a:endParaRPr lang="tr-TR" dirty="0"/>
+          </a:p>
+          <a:p>
+            <a:pPr algn="just">
+              <a:buFont typeface="Wingdings" panose="05000000000000000000" pitchFamily="2" charset="2"/>
+              <a:buChar char="ü"/>
+            </a:pPr>
+            <a:endParaRPr lang="tr-TR" dirty="0"/>
+          </a:p>
+          <a:p>
+            <a:pPr marL="0" indent="0" algn="just">
+              <a:buNone/>
+            </a:pPr>
+            <a:endParaRPr lang="tr-TR" dirty="0"/>
           </a:p>
         </p:txBody>
       </p:sp>
     </p:spTree>
     <p:extLst>
       <p:ext uri="{BB962C8B-B14F-4D97-AF65-F5344CB8AC3E}">
-        <p14:creationId xmlns:p14="http://schemas.microsoft.com/office/powerpoint/2010/main" val="3467884662"/>
+        <p14:creationId xmlns:p14="http://schemas.microsoft.com/office/powerpoint/2010/main" val="2086532457"/>
       </p:ext>
     </p:extLst>
   </p:cSld>

--- a/Version Control Protocols.pptx
+++ b/Version Control Protocols.pptx
@@ -2,7 +2,7 @@
 <file path=ppt/presentation.xml><?xml version="1.0" encoding="utf-8"?>
 <p:presentation xmlns:a="http://schemas.openxmlformats.org/drawingml/2006/main" xmlns:r="http://schemas.openxmlformats.org/officeDocument/2006/relationships" xmlns:p="http://schemas.openxmlformats.org/presentationml/2006/main" saveSubsetFonts="1">
   <p:sldMasterIdLst>
-    <p:sldMasterId id="2147483648" r:id="rId1"/>
+    <p:sldMasterId id="2147483743" r:id="rId1"/>
   </p:sldMasterIdLst>
   <p:sldIdLst>
     <p:sldId id="280" r:id="rId2"/>
@@ -26,8 +26,7 @@
     <p:sldId id="276" r:id="rId20"/>
     <p:sldId id="277" r:id="rId21"/>
     <p:sldId id="269" r:id="rId22"/>
-    <p:sldId id="278" r:id="rId23"/>
-    <p:sldId id="279" r:id="rId24"/>
+    <p:sldId id="279" r:id="rId23"/>
   </p:sldIdLst>
   <p:sldSz cx="12192000" cy="6858000"/>
   <p:notesSz cx="6858000" cy="9144000"/>
@@ -2382,7 +2381,7 @@
           <a:p>
             <a:fld id="{CE7785BD-8839-4C52-8C06-B3FE284303AC}" type="datetimeFigureOut">
               <a:rPr lang="tr-TR" smtClean="0"/>
-              <a:t>20.10.2022</a:t>
+              <a:t>21.10.2022</a:t>
             </a:fld>
             <a:endParaRPr lang="tr-TR"/>
           </a:p>
@@ -2433,7 +2432,7 @@
     </p:spTree>
     <p:extLst>
       <p:ext uri="{BB962C8B-B14F-4D97-AF65-F5344CB8AC3E}">
-        <p14:creationId xmlns:p14="http://schemas.microsoft.com/office/powerpoint/2010/main" val="1752276397"/>
+        <p14:creationId xmlns:p14="http://schemas.microsoft.com/office/powerpoint/2010/main" val="4200735971"/>
       </p:ext>
     </p:extLst>
   </p:cSld>
@@ -2552,7 +2551,7 @@
           <a:p>
             <a:fld id="{CE7785BD-8839-4C52-8C06-B3FE284303AC}" type="datetimeFigureOut">
               <a:rPr lang="tr-TR" smtClean="0"/>
-              <a:t>20.10.2022</a:t>
+              <a:t>21.10.2022</a:t>
             </a:fld>
             <a:endParaRPr lang="tr-TR"/>
           </a:p>
@@ -2603,7 +2602,7 @@
     </p:spTree>
     <p:extLst>
       <p:ext uri="{BB962C8B-B14F-4D97-AF65-F5344CB8AC3E}">
-        <p14:creationId xmlns:p14="http://schemas.microsoft.com/office/powerpoint/2010/main" val="1904369693"/>
+        <p14:creationId xmlns:p14="http://schemas.microsoft.com/office/powerpoint/2010/main" val="1683711166"/>
       </p:ext>
     </p:extLst>
   </p:cSld>
@@ -2732,7 +2731,7 @@
           <a:p>
             <a:fld id="{CE7785BD-8839-4C52-8C06-B3FE284303AC}" type="datetimeFigureOut">
               <a:rPr lang="tr-TR" smtClean="0"/>
-              <a:t>20.10.2022</a:t>
+              <a:t>21.10.2022</a:t>
             </a:fld>
             <a:endParaRPr lang="tr-TR"/>
           </a:p>
@@ -2783,7 +2782,7 @@
     </p:spTree>
     <p:extLst>
       <p:ext uri="{BB962C8B-B14F-4D97-AF65-F5344CB8AC3E}">
-        <p14:creationId xmlns:p14="http://schemas.microsoft.com/office/powerpoint/2010/main" val="2222577925"/>
+        <p14:creationId xmlns:p14="http://schemas.microsoft.com/office/powerpoint/2010/main" val="2579488926"/>
       </p:ext>
     </p:extLst>
   </p:cSld>
@@ -2902,7 +2901,7 @@
           <a:p>
             <a:fld id="{CE7785BD-8839-4C52-8C06-B3FE284303AC}" type="datetimeFigureOut">
               <a:rPr lang="tr-TR" smtClean="0"/>
-              <a:t>20.10.2022</a:t>
+              <a:t>21.10.2022</a:t>
             </a:fld>
             <a:endParaRPr lang="tr-TR"/>
           </a:p>
@@ -2953,7 +2952,7 @@
     </p:spTree>
     <p:extLst>
       <p:ext uri="{BB962C8B-B14F-4D97-AF65-F5344CB8AC3E}">
-        <p14:creationId xmlns:p14="http://schemas.microsoft.com/office/powerpoint/2010/main" val="3652807898"/>
+        <p14:creationId xmlns:p14="http://schemas.microsoft.com/office/powerpoint/2010/main" val="277247462"/>
       </p:ext>
     </p:extLst>
   </p:cSld>
@@ -3148,7 +3147,7 @@
           <a:p>
             <a:fld id="{CE7785BD-8839-4C52-8C06-B3FE284303AC}" type="datetimeFigureOut">
               <a:rPr lang="tr-TR" smtClean="0"/>
-              <a:t>20.10.2022</a:t>
+              <a:t>21.10.2022</a:t>
             </a:fld>
             <a:endParaRPr lang="tr-TR"/>
           </a:p>
@@ -3199,7 +3198,7 @@
     </p:spTree>
     <p:extLst>
       <p:ext uri="{BB962C8B-B14F-4D97-AF65-F5344CB8AC3E}">
-        <p14:creationId xmlns:p14="http://schemas.microsoft.com/office/powerpoint/2010/main" val="3556902596"/>
+        <p14:creationId xmlns:p14="http://schemas.microsoft.com/office/powerpoint/2010/main" val="334528816"/>
       </p:ext>
     </p:extLst>
   </p:cSld>
@@ -3380,7 +3379,7 @@
           <a:p>
             <a:fld id="{CE7785BD-8839-4C52-8C06-B3FE284303AC}" type="datetimeFigureOut">
               <a:rPr lang="tr-TR" smtClean="0"/>
-              <a:t>20.10.2022</a:t>
+              <a:t>21.10.2022</a:t>
             </a:fld>
             <a:endParaRPr lang="tr-TR"/>
           </a:p>
@@ -3431,7 +3430,7 @@
     </p:spTree>
     <p:extLst>
       <p:ext uri="{BB962C8B-B14F-4D97-AF65-F5344CB8AC3E}">
-        <p14:creationId xmlns:p14="http://schemas.microsoft.com/office/powerpoint/2010/main" val="3470443420"/>
+        <p14:creationId xmlns:p14="http://schemas.microsoft.com/office/powerpoint/2010/main" val="3080965199"/>
       </p:ext>
     </p:extLst>
   </p:cSld>
@@ -3747,7 +3746,7 @@
           <a:p>
             <a:fld id="{CE7785BD-8839-4C52-8C06-B3FE284303AC}" type="datetimeFigureOut">
               <a:rPr lang="tr-TR" smtClean="0"/>
-              <a:t>20.10.2022</a:t>
+              <a:t>21.10.2022</a:t>
             </a:fld>
             <a:endParaRPr lang="tr-TR"/>
           </a:p>
@@ -3798,7 +3797,7 @@
     </p:spTree>
     <p:extLst>
       <p:ext uri="{BB962C8B-B14F-4D97-AF65-F5344CB8AC3E}">
-        <p14:creationId xmlns:p14="http://schemas.microsoft.com/office/powerpoint/2010/main" val="1374725346"/>
+        <p14:creationId xmlns:p14="http://schemas.microsoft.com/office/powerpoint/2010/main" val="211539646"/>
       </p:ext>
     </p:extLst>
   </p:cSld>
@@ -3865,7 +3864,7 @@
           <a:p>
             <a:fld id="{CE7785BD-8839-4C52-8C06-B3FE284303AC}" type="datetimeFigureOut">
               <a:rPr lang="tr-TR" smtClean="0"/>
-              <a:t>20.10.2022</a:t>
+              <a:t>21.10.2022</a:t>
             </a:fld>
             <a:endParaRPr lang="tr-TR"/>
           </a:p>
@@ -3916,7 +3915,7 @@
     </p:spTree>
     <p:extLst>
       <p:ext uri="{BB962C8B-B14F-4D97-AF65-F5344CB8AC3E}">
-        <p14:creationId xmlns:p14="http://schemas.microsoft.com/office/powerpoint/2010/main" val="915982483"/>
+        <p14:creationId xmlns:p14="http://schemas.microsoft.com/office/powerpoint/2010/main" val="1684832586"/>
       </p:ext>
     </p:extLst>
   </p:cSld>
@@ -3960,7 +3959,7 @@
           <a:p>
             <a:fld id="{CE7785BD-8839-4C52-8C06-B3FE284303AC}" type="datetimeFigureOut">
               <a:rPr lang="tr-TR" smtClean="0"/>
-              <a:t>20.10.2022</a:t>
+              <a:t>21.10.2022</a:t>
             </a:fld>
             <a:endParaRPr lang="tr-TR"/>
           </a:p>
@@ -4011,7 +4010,7 @@
     </p:spTree>
     <p:extLst>
       <p:ext uri="{BB962C8B-B14F-4D97-AF65-F5344CB8AC3E}">
-        <p14:creationId xmlns:p14="http://schemas.microsoft.com/office/powerpoint/2010/main" val="3239293705"/>
+        <p14:creationId xmlns:p14="http://schemas.microsoft.com/office/powerpoint/2010/main" val="1913417593"/>
       </p:ext>
     </p:extLst>
   </p:cSld>
@@ -4237,7 +4236,7 @@
           <a:p>
             <a:fld id="{CE7785BD-8839-4C52-8C06-B3FE284303AC}" type="datetimeFigureOut">
               <a:rPr lang="tr-TR" smtClean="0"/>
-              <a:t>20.10.2022</a:t>
+              <a:t>21.10.2022</a:t>
             </a:fld>
             <a:endParaRPr lang="tr-TR"/>
           </a:p>
@@ -4288,7 +4287,7 @@
     </p:spTree>
     <p:extLst>
       <p:ext uri="{BB962C8B-B14F-4D97-AF65-F5344CB8AC3E}">
-        <p14:creationId xmlns:p14="http://schemas.microsoft.com/office/powerpoint/2010/main" val="2849831894"/>
+        <p14:creationId xmlns:p14="http://schemas.microsoft.com/office/powerpoint/2010/main" val="905535238"/>
       </p:ext>
     </p:extLst>
   </p:cSld>
@@ -4490,7 +4489,7 @@
           <a:p>
             <a:fld id="{CE7785BD-8839-4C52-8C06-B3FE284303AC}" type="datetimeFigureOut">
               <a:rPr lang="tr-TR" smtClean="0"/>
-              <a:t>20.10.2022</a:t>
+              <a:t>21.10.2022</a:t>
             </a:fld>
             <a:endParaRPr lang="tr-TR"/>
           </a:p>
@@ -4541,7 +4540,7 @@
     </p:spTree>
     <p:extLst>
       <p:ext uri="{BB962C8B-B14F-4D97-AF65-F5344CB8AC3E}">
-        <p14:creationId xmlns:p14="http://schemas.microsoft.com/office/powerpoint/2010/main" val="3045791790"/>
+        <p14:creationId xmlns:p14="http://schemas.microsoft.com/office/powerpoint/2010/main" val="1737182167"/>
       </p:ext>
     </p:extLst>
   </p:cSld>
@@ -4703,7 +4702,7 @@
           <a:p>
             <a:fld id="{CE7785BD-8839-4C52-8C06-B3FE284303AC}" type="datetimeFigureOut">
               <a:rPr lang="tr-TR" smtClean="0"/>
-              <a:t>20.10.2022</a:t>
+              <a:t>21.10.2022</a:t>
             </a:fld>
             <a:endParaRPr lang="tr-TR"/>
           </a:p>
@@ -4790,23 +4789,23 @@
     </p:spTree>
     <p:extLst>
       <p:ext uri="{BB962C8B-B14F-4D97-AF65-F5344CB8AC3E}">
-        <p14:creationId xmlns:p14="http://schemas.microsoft.com/office/powerpoint/2010/main" val="181686851"/>
+        <p14:creationId xmlns:p14="http://schemas.microsoft.com/office/powerpoint/2010/main" val="1700747749"/>
       </p:ext>
     </p:extLst>
   </p:cSld>
   <p:clrMap bg1="lt1" tx1="dk1" bg2="lt2" tx2="dk2" accent1="accent1" accent2="accent2" accent3="accent3" accent4="accent4" accent5="accent5" accent6="accent6" hlink="hlink" folHlink="folHlink"/>
   <p:sldLayoutIdLst>
-    <p:sldLayoutId id="2147483649" r:id="rId1"/>
-    <p:sldLayoutId id="2147483650" r:id="rId2"/>
-    <p:sldLayoutId id="2147483651" r:id="rId3"/>
-    <p:sldLayoutId id="2147483652" r:id="rId4"/>
-    <p:sldLayoutId id="2147483653" r:id="rId5"/>
-    <p:sldLayoutId id="2147483654" r:id="rId6"/>
-    <p:sldLayoutId id="2147483655" r:id="rId7"/>
-    <p:sldLayoutId id="2147483656" r:id="rId8"/>
-    <p:sldLayoutId id="2147483657" r:id="rId9"/>
-    <p:sldLayoutId id="2147483658" r:id="rId10"/>
-    <p:sldLayoutId id="2147483659" r:id="rId11"/>
+    <p:sldLayoutId id="2147483744" r:id="rId1"/>
+    <p:sldLayoutId id="2147483745" r:id="rId2"/>
+    <p:sldLayoutId id="2147483746" r:id="rId3"/>
+    <p:sldLayoutId id="2147483747" r:id="rId4"/>
+    <p:sldLayoutId id="2147483748" r:id="rId5"/>
+    <p:sldLayoutId id="2147483749" r:id="rId6"/>
+    <p:sldLayoutId id="2147483750" r:id="rId7"/>
+    <p:sldLayoutId id="2147483751" r:id="rId8"/>
+    <p:sldLayoutId id="2147483752" r:id="rId9"/>
+    <p:sldLayoutId id="2147483753" r:id="rId10"/>
+    <p:sldLayoutId id="2147483754" r:id="rId11"/>
   </p:sldLayoutIdLst>
   <p:txStyles>
     <p:titleStyle>
@@ -5603,8 +5602,8 @@
         </p:blipFill>
         <p:spPr>
           <a:xfrm>
-            <a:off x="1094232" y="1690688"/>
-            <a:ext cx="10402824" cy="4149280"/>
+            <a:off x="2924175" y="2791619"/>
+            <a:ext cx="6343650" cy="2419350"/>
           </a:xfrm>
           <a:prstGeom prst="rect">
             <a:avLst/>
@@ -5720,163 +5719,6 @@
       </p:grpSpPr>
       <p:sp>
         <p:nvSpPr>
-          <p:cNvPr id="3" name="İçerik Yer Tutucusu 2"/>
-          <p:cNvSpPr>
-            <a:spLocks noGrp="1"/>
-          </p:cNvSpPr>
-          <p:nvPr>
-            <p:ph idx="1"/>
-          </p:nvPr>
-        </p:nvSpPr>
-        <p:spPr>
-          <a:xfrm>
-            <a:off x="0" y="536448"/>
-            <a:ext cx="11353800" cy="5640515"/>
-          </a:xfrm>
-        </p:spPr>
-        <p:txBody>
-          <a:bodyPr/>
-          <a:lstStyle/>
-          <a:p>
-            <a:pPr algn="just"/>
-            <a:r>
-              <a:rPr lang="en-US" b="1" dirty="0"/>
-              <a:t>Nearly Every Operation Is Local</a:t>
-            </a:r>
-          </a:p>
-          <a:p>
-            <a:pPr marL="0" indent="0" algn="just">
-              <a:buNone/>
-            </a:pPr>
-            <a:r>
-              <a:rPr lang="en-US" dirty="0"/>
-              <a:t>For example, to browse the history of the project, </a:t>
-            </a:r>
-            <a:r>
-              <a:rPr lang="en-US" dirty="0" err="1"/>
-              <a:t>Git</a:t>
-            </a:r>
-            <a:r>
-              <a:rPr lang="en-US" dirty="0"/>
-              <a:t> doesn’t need to go out to the server to get the history and display it for you </a:t>
-            </a:r>
-            <a:endParaRPr lang="tr-TR" dirty="0" smtClean="0"/>
-          </a:p>
-          <a:p>
-            <a:pPr algn="just"/>
-            <a:r>
-              <a:rPr lang="tr-TR" b="1" dirty="0"/>
-              <a:t>Git Has </a:t>
-            </a:r>
-            <a:r>
-              <a:rPr lang="tr-TR" b="1" dirty="0" err="1" smtClean="0"/>
-              <a:t>Integrity</a:t>
-            </a:r>
-            <a:r>
-              <a:rPr lang="tr-TR" b="1" dirty="0" smtClean="0"/>
-              <a:t> (</a:t>
-            </a:r>
-            <a:r>
-              <a:rPr lang="tr-TR" dirty="0"/>
-              <a:t>SHA-1 </a:t>
-            </a:r>
-            <a:r>
-              <a:rPr lang="tr-TR" dirty="0" err="1"/>
-              <a:t>hash</a:t>
-            </a:r>
-            <a:r>
-              <a:rPr lang="tr-TR" b="1" dirty="0" smtClean="0"/>
-              <a:t>)</a:t>
-            </a:r>
-          </a:p>
-          <a:p>
-            <a:pPr marL="0" indent="0" algn="just">
-              <a:buNone/>
-            </a:pPr>
-            <a:r>
-              <a:rPr lang="en-US" dirty="0"/>
-              <a:t>Everything in </a:t>
-            </a:r>
-            <a:r>
-              <a:rPr lang="en-US" dirty="0" err="1"/>
-              <a:t>Git</a:t>
-            </a:r>
-            <a:r>
-              <a:rPr lang="en-US" dirty="0"/>
-              <a:t> is </a:t>
-            </a:r>
-            <a:r>
-              <a:rPr lang="en-US" dirty="0" err="1"/>
-              <a:t>checksummed</a:t>
-            </a:r>
-            <a:r>
-              <a:rPr lang="en-US" dirty="0"/>
-              <a:t> before it is stored and is then referred to by that checksum. This means it’s impossible to change the contents of any file or directory without </a:t>
-            </a:r>
-            <a:r>
-              <a:rPr lang="en-US" dirty="0" err="1"/>
-              <a:t>Git</a:t>
-            </a:r>
-            <a:r>
-              <a:rPr lang="en-US" dirty="0"/>
-              <a:t> knowing about it. </a:t>
-            </a:r>
-            <a:endParaRPr lang="tr-TR" dirty="0" smtClean="0"/>
-          </a:p>
-          <a:p>
-            <a:pPr algn="just"/>
-            <a:r>
-              <a:rPr lang="en-US" b="1" dirty="0" err="1"/>
-              <a:t>Git</a:t>
-            </a:r>
-            <a:r>
-              <a:rPr lang="en-US" b="1" dirty="0"/>
-              <a:t> Generally Only Adds </a:t>
-            </a:r>
-            <a:r>
-              <a:rPr lang="en-US" b="1" dirty="0" smtClean="0"/>
-              <a:t>Data</a:t>
-            </a:r>
-            <a:endParaRPr lang="tr-TR" b="1" dirty="0" smtClean="0"/>
-          </a:p>
-          <a:p>
-            <a:pPr marL="0" indent="0" algn="just">
-              <a:buNone/>
-            </a:pPr>
-            <a:r>
-              <a:rPr lang="tr-TR" dirty="0"/>
-              <a:t>Y</a:t>
-            </a:r>
-            <a:r>
-              <a:rPr lang="en-US" dirty="0" err="1" smtClean="0"/>
-              <a:t>ou</a:t>
-            </a:r>
-            <a:r>
-              <a:rPr lang="en-US" dirty="0" smtClean="0"/>
-              <a:t> </a:t>
-            </a:r>
-            <a:r>
-              <a:rPr lang="en-US" dirty="0"/>
-              <a:t>can lose or mess up changes you haven’t committed yet, but after you commit a snapshot into </a:t>
-            </a:r>
-            <a:r>
-              <a:rPr lang="en-US" dirty="0" err="1"/>
-              <a:t>Git</a:t>
-            </a:r>
-            <a:r>
-              <a:rPr lang="en-US" dirty="0"/>
-              <a:t>, it is very difficult to lose, especially if you regularly push your database to another repository</a:t>
-            </a:r>
-            <a:r>
-              <a:rPr lang="en-US" dirty="0" smtClean="0"/>
-              <a:t>.</a:t>
-            </a:r>
-            <a:endParaRPr lang="tr-TR" dirty="0"/>
-          </a:p>
-        </p:txBody>
-      </p:sp>
-      <p:sp>
-        <p:nvSpPr>
           <p:cNvPr id="4" name="Unvan 1"/>
           <p:cNvSpPr>
             <a:spLocks noGrp="1"/>
@@ -5908,6 +5750,163 @@
             <a:r>
               <a:rPr lang="tr-TR" b="1" dirty="0" smtClean="0"/>
               <a:t>?</a:t>
+            </a:r>
+            <a:endParaRPr lang="tr-TR" dirty="0"/>
+          </a:p>
+        </p:txBody>
+      </p:sp>
+      <p:sp>
+        <p:nvSpPr>
+          <p:cNvPr id="3" name="İçerik Yer Tutucusu 2"/>
+          <p:cNvSpPr>
+            <a:spLocks noGrp="1"/>
+          </p:cNvSpPr>
+          <p:nvPr>
+            <p:ph idx="1"/>
+          </p:nvPr>
+        </p:nvSpPr>
+        <p:spPr>
+          <a:xfrm>
+            <a:off x="0" y="536448"/>
+            <a:ext cx="11353800" cy="5640515"/>
+          </a:xfrm>
+        </p:spPr>
+        <p:txBody>
+          <a:bodyPr/>
+          <a:lstStyle/>
+          <a:p>
+            <a:pPr algn="just"/>
+            <a:r>
+              <a:rPr lang="en-US" b="1" dirty="0"/>
+              <a:t>Nearly Every Operation Is Local</a:t>
+            </a:r>
+          </a:p>
+          <a:p>
+            <a:pPr marL="0" indent="0" algn="just">
+              <a:buNone/>
+            </a:pPr>
+            <a:r>
+              <a:rPr lang="en-US" dirty="0"/>
+              <a:t>For example, to browse the history of the project, </a:t>
+            </a:r>
+            <a:r>
+              <a:rPr lang="en-US" dirty="0" err="1"/>
+              <a:t>Git</a:t>
+            </a:r>
+            <a:r>
+              <a:rPr lang="en-US" dirty="0"/>
+              <a:t> doesn’t need to go out to the server to get the history and display it for you </a:t>
+            </a:r>
+            <a:endParaRPr lang="tr-TR" dirty="0" smtClean="0"/>
+          </a:p>
+          <a:p>
+            <a:pPr algn="just"/>
+            <a:r>
+              <a:rPr lang="tr-TR" b="1" dirty="0"/>
+              <a:t>Git Has </a:t>
+            </a:r>
+            <a:r>
+              <a:rPr lang="tr-TR" b="1" dirty="0" err="1" smtClean="0"/>
+              <a:t>Integrity</a:t>
+            </a:r>
+            <a:r>
+              <a:rPr lang="tr-TR" b="1" dirty="0" smtClean="0"/>
+              <a:t> (</a:t>
+            </a:r>
+            <a:r>
+              <a:rPr lang="tr-TR" dirty="0"/>
+              <a:t>SHA-1 </a:t>
+            </a:r>
+            <a:r>
+              <a:rPr lang="tr-TR" dirty="0" err="1"/>
+              <a:t>hash</a:t>
+            </a:r>
+            <a:r>
+              <a:rPr lang="tr-TR" b="1" dirty="0" smtClean="0"/>
+              <a:t>)</a:t>
+            </a:r>
+          </a:p>
+          <a:p>
+            <a:pPr marL="0" indent="0" algn="just">
+              <a:buNone/>
+            </a:pPr>
+            <a:r>
+              <a:rPr lang="en-US" dirty="0"/>
+              <a:t>Everything in </a:t>
+            </a:r>
+            <a:r>
+              <a:rPr lang="en-US" dirty="0" err="1"/>
+              <a:t>Git</a:t>
+            </a:r>
+            <a:r>
+              <a:rPr lang="en-US" dirty="0"/>
+              <a:t> is </a:t>
+            </a:r>
+            <a:r>
+              <a:rPr lang="en-US" dirty="0" err="1"/>
+              <a:t>checksummed</a:t>
+            </a:r>
+            <a:r>
+              <a:rPr lang="en-US" dirty="0"/>
+              <a:t> before it is stored and is then referred to by that checksum. This means it’s impossible to change the contents of any file or directory without </a:t>
+            </a:r>
+            <a:r>
+              <a:rPr lang="en-US" dirty="0" err="1"/>
+              <a:t>Git</a:t>
+            </a:r>
+            <a:r>
+              <a:rPr lang="en-US" dirty="0"/>
+              <a:t> knowing about it. </a:t>
+            </a:r>
+            <a:endParaRPr lang="tr-TR" dirty="0" smtClean="0"/>
+          </a:p>
+          <a:p>
+            <a:pPr algn="just"/>
+            <a:r>
+              <a:rPr lang="en-US" b="1" dirty="0" err="1"/>
+              <a:t>Git</a:t>
+            </a:r>
+            <a:r>
+              <a:rPr lang="en-US" b="1" dirty="0"/>
+              <a:t> Generally Only Adds </a:t>
+            </a:r>
+            <a:r>
+              <a:rPr lang="en-US" b="1" dirty="0" smtClean="0"/>
+              <a:t>Data</a:t>
+            </a:r>
+            <a:endParaRPr lang="tr-TR" b="1" dirty="0" smtClean="0"/>
+          </a:p>
+          <a:p>
+            <a:pPr marL="0" indent="0" algn="just">
+              <a:buNone/>
+            </a:pPr>
+            <a:r>
+              <a:rPr lang="tr-TR" dirty="0"/>
+              <a:t>Y</a:t>
+            </a:r>
+            <a:r>
+              <a:rPr lang="en-US" dirty="0" err="1" smtClean="0"/>
+              <a:t>ou</a:t>
+            </a:r>
+            <a:r>
+              <a:rPr lang="en-US" dirty="0" smtClean="0"/>
+              <a:t> </a:t>
+            </a:r>
+            <a:r>
+              <a:rPr lang="en-US" dirty="0"/>
+              <a:t>can lose or mess up changes you haven’t committed yet, but after you commit a snapshot into </a:t>
+            </a:r>
+            <a:r>
+              <a:rPr lang="en-US" dirty="0" err="1"/>
+              <a:t>Git</a:t>
+            </a:r>
+            <a:r>
+              <a:rPr lang="en-US" dirty="0"/>
+              <a:t>, it is very difficult to lose, especially if you regularly push your database to another repository</a:t>
+            </a:r>
+            <a:r>
+              <a:rPr lang="en-US" dirty="0" smtClean="0"/>
+              <a:t>.</a:t>
             </a:r>
             <a:endParaRPr lang="tr-TR" dirty="0"/>
           </a:p>
@@ -5974,7 +5973,11 @@
           <a:p>
             <a:r>
               <a:rPr lang="tr-TR" dirty="0" smtClean="0"/>
-              <a:t>Operations of </a:t>
+              <a:t>Operations </a:t>
+            </a:r>
+            <a:r>
+              <a:rPr lang="tr-TR" dirty="0" smtClean="0"/>
+              <a:t>of </a:t>
             </a:r>
             <a:r>
               <a:rPr lang="tr-TR" dirty="0" err="1" smtClean="0"/>
@@ -5986,7 +5989,7 @@
       </p:sp>
       <p:graphicFrame>
         <p:nvGraphicFramePr>
-          <p:cNvPr id="6" name="İçerik Yer Tutucusu 5"/>
+          <p:cNvPr id="4" name="İçerik Yer Tutucusu 3"/>
           <p:cNvGraphicFramePr>
             <a:graphicFrameLocks noGrp="1"/>
           </p:cNvGraphicFramePr>
@@ -5994,14 +5997,14 @@
             <p:ph idx="1"/>
             <p:extLst>
               <p:ext uri="{D42A27DB-BD31-4B8C-83A1-F6EECF244321}">
-                <p14:modId xmlns:p14="http://schemas.microsoft.com/office/powerpoint/2010/main" val="3387486748"/>
+                <p14:modId xmlns:p14="http://schemas.microsoft.com/office/powerpoint/2010/main" val="4120338576"/>
               </p:ext>
             </p:extLst>
           </p:nvPr>
         </p:nvGraphicFramePr>
         <p:xfrm>
-          <a:off x="838200" y="950912"/>
-          <a:ext cx="10515600" cy="3791775"/>
+          <a:off x="838200" y="1267968"/>
+          <a:ext cx="9122664" cy="4486654"/>
         </p:xfrm>
         <a:graphic>
           <a:graphicData uri="http://schemas.openxmlformats.org/drawingml/2006/table">
@@ -6010,222 +6013,356 @@
                 <a:tableStyleId>{5C22544A-7EE6-4342-B048-85BDC9FD1C3A}</a:tableStyleId>
               </a:tblPr>
               <a:tblGrid>
-                <a:gridCol w="5257800">
+                <a:gridCol w="4448242">
                   <a:extLst>
                     <a:ext uri="{9D8B030D-6E8A-4147-A177-3AD203B41FA5}">
-                      <a16:colId xmlns:a16="http://schemas.microsoft.com/office/drawing/2014/main" val="3093371899"/>
+                      <a16:colId xmlns:a16="http://schemas.microsoft.com/office/drawing/2014/main" val="211890229"/>
                     </a:ext>
                   </a:extLst>
                 </a:gridCol>
-                <a:gridCol w="5257800">
+                <a:gridCol w="4674422">
                   <a:extLst>
                     <a:ext uri="{9D8B030D-6E8A-4147-A177-3AD203B41FA5}">
-                      <a16:colId xmlns:a16="http://schemas.microsoft.com/office/drawing/2014/main" val="4178113425"/>
+                      <a16:colId xmlns:a16="http://schemas.microsoft.com/office/drawing/2014/main" val="3818076454"/>
                     </a:ext>
                   </a:extLst>
                 </a:gridCol>
               </a:tblGrid>
-              <a:tr h="758355">
+              <a:tr h="638102">
                 <a:tc>
                   <a:txBody>
                     <a:bodyPr/>
                     <a:lstStyle/>
                     <a:p>
+                      <a:pPr algn="l" rtl="0" fontAlgn="ctr"/>
                       <a:r>
-                        <a:rPr lang="tr-TR" dirty="0" smtClean="0"/>
-                        <a:t>GET</a:t>
+                        <a:rPr lang="tr-TR" dirty="0" err="1" smtClean="0"/>
+                        <a:t>Centralized</a:t>
                       </a:r>
                       <a:r>
-                        <a:rPr lang="tr-TR" baseline="0" dirty="0" smtClean="0"/>
-                        <a:t> LATEST VERSIYON</a:t>
+                        <a:rPr lang="tr-TR" sz="1800" u="none" strike="noStrike" dirty="0" smtClean="0">
+                          <a:effectLst/>
+                        </a:rPr>
+                        <a:t> </a:t>
                       </a:r>
-                      <a:endParaRPr lang="tr-TR" dirty="0"/>
+                      <a:r>
+                        <a:rPr lang="tr-TR" sz="1800" u="none" strike="noStrike" dirty="0">
+                          <a:effectLst/>
+                        </a:rPr>
+                        <a:t>(SVN)</a:t>
+                      </a:r>
+                      <a:endParaRPr lang="tr-TR" sz="1800" b="1" i="0" u="none" strike="noStrike" dirty="0">
+                        <a:solidFill>
+                          <a:srgbClr val="FFFFFF"/>
+                        </a:solidFill>
+                        <a:effectLst/>
+                        <a:latin typeface="Calibri" panose="020F0502020204030204" pitchFamily="34" charset="0"/>
+                      </a:endParaRPr>
                     </a:p>
                   </a:txBody>
-                  <a:tcPr/>
+                  <a:tcPr marL="9525" marR="9525" marT="9525" marB="0" anchor="ctr"/>
                 </a:tc>
                 <a:tc>
                   <a:txBody>
                     <a:bodyPr/>
                     <a:lstStyle/>
                     <a:p>
-                      <a:pPr marL="0" marR="0" indent="0" algn="l" defTabSz="914400" rtl="0" eaLnBrk="1" fontAlgn="auto" latinLnBrk="0" hangingPunct="1">
-                        <a:lnSpc>
-                          <a:spcPct val="100000"/>
-                        </a:lnSpc>
-                        <a:spcBef>
-                          <a:spcPts val="0"/>
-                        </a:spcBef>
-                        <a:spcAft>
-                          <a:spcPts val="0"/>
-                        </a:spcAft>
-                        <a:buClrTx/>
-                        <a:buSzTx/>
-                        <a:buFontTx/>
-                        <a:buNone/>
-                        <a:tabLst/>
-                        <a:defRPr/>
-                      </a:pPr>
+                      <a:pPr algn="l" rtl="0" fontAlgn="ctr"/>
                       <a:r>
                         <a:rPr lang="tr-TR" dirty="0" smtClean="0"/>
-                        <a:t>FORK, CLONE</a:t>
+                        <a:t>Distributed</a:t>
                       </a:r>
                       <a:r>
-                        <a:rPr lang="tr-TR" baseline="0" dirty="0" smtClean="0"/>
-                        <a:t> OR COPY</a:t>
+                        <a:rPr lang="tr-TR" sz="1800" u="none" strike="noStrike" dirty="0" smtClean="0">
+                          <a:effectLst/>
+                        </a:rPr>
+                        <a:t> </a:t>
                       </a:r>
-                      <a:endParaRPr lang="tr-TR" dirty="0" smtClean="0"/>
+                      <a:r>
+                        <a:rPr lang="tr-TR" sz="1800" u="none" strike="noStrike" dirty="0">
+                          <a:effectLst/>
+                        </a:rPr>
+                        <a:t>(Git)</a:t>
+                      </a:r>
+                      <a:endParaRPr lang="tr-TR" sz="1800" b="1" i="0" u="none" strike="noStrike" dirty="0">
+                        <a:solidFill>
+                          <a:srgbClr val="FFFFFF"/>
+                        </a:solidFill>
+                        <a:effectLst/>
+                        <a:latin typeface="Calibri" panose="020F0502020204030204" pitchFamily="34" charset="0"/>
+                      </a:endParaRPr>
                     </a:p>
                   </a:txBody>
-                  <a:tcPr/>
+                  <a:tcPr marL="9525" marR="9525" marT="9525" marB="0" anchor="ctr"/>
                 </a:tc>
                 <a:extLst>
                   <a:ext uri="{0D108BD9-81ED-4DB2-BD59-A6C34878D82A}">
-                    <a16:rowId xmlns:a16="http://schemas.microsoft.com/office/drawing/2014/main" val="1228598933"/>
+                    <a16:rowId xmlns:a16="http://schemas.microsoft.com/office/drawing/2014/main" val="655853797"/>
                   </a:ext>
                 </a:extLst>
               </a:tr>
-              <a:tr h="758355">
+              <a:tr h="658042">
                 <a:tc>
                   <a:txBody>
                     <a:bodyPr/>
                     <a:lstStyle/>
                     <a:p>
+                      <a:pPr algn="l" rtl="0" fontAlgn="ctr"/>
                       <a:r>
-                        <a:rPr lang="tr-TR" dirty="0" smtClean="0"/>
-                        <a:t>GET</a:t>
+                        <a:rPr lang="tr-TR" sz="1800" u="none" strike="noStrike">
+                          <a:effectLst/>
+                        </a:rPr>
+                        <a:t>GET LATEST VERSIYON</a:t>
                       </a:r>
-                      <a:endParaRPr lang="tr-TR" dirty="0"/>
+                      <a:endParaRPr lang="tr-TR" sz="1800" b="0" i="0" u="none" strike="noStrike">
+                        <a:solidFill>
+                          <a:srgbClr val="000000"/>
+                        </a:solidFill>
+                        <a:effectLst/>
+                        <a:latin typeface="Calibri" panose="020F0502020204030204" pitchFamily="34" charset="0"/>
+                      </a:endParaRPr>
                     </a:p>
                   </a:txBody>
-                  <a:tcPr/>
+                  <a:tcPr marL="9525" marR="9525" marT="9525" marB="0" anchor="ctr"/>
                 </a:tc>
                 <a:tc>
                   <a:txBody>
                     <a:bodyPr/>
                     <a:lstStyle/>
                     <a:p>
+                      <a:pPr algn="l" rtl="0" fontAlgn="ctr"/>
                       <a:r>
-                        <a:rPr lang="tr-TR" dirty="0" smtClean="0"/>
-                        <a:t>PULL</a:t>
+                        <a:rPr lang="tr-TR" sz="1800" u="none" strike="noStrike" dirty="0">
+                          <a:effectLst/>
+                        </a:rPr>
+                        <a:t>FORK, CLONE OR COPY</a:t>
                       </a:r>
-                      <a:endParaRPr lang="tr-TR" dirty="0"/>
+                      <a:endParaRPr lang="tr-TR" sz="1800" b="0" i="0" u="none" strike="noStrike" dirty="0">
+                        <a:solidFill>
+                          <a:srgbClr val="000000"/>
+                        </a:solidFill>
+                        <a:effectLst/>
+                        <a:latin typeface="Calibri" panose="020F0502020204030204" pitchFamily="34" charset="0"/>
+                      </a:endParaRPr>
                     </a:p>
                   </a:txBody>
-                  <a:tcPr/>
+                  <a:tcPr marL="9525" marR="9525" marT="9525" marB="0" anchor="ctr"/>
                 </a:tc>
                 <a:extLst>
                   <a:ext uri="{0D108BD9-81ED-4DB2-BD59-A6C34878D82A}">
-                    <a16:rowId xmlns:a16="http://schemas.microsoft.com/office/drawing/2014/main" val="1133570453"/>
+                    <a16:rowId xmlns:a16="http://schemas.microsoft.com/office/drawing/2014/main" val="503524844"/>
                   </a:ext>
                 </a:extLst>
               </a:tr>
-              <a:tr h="758355">
+              <a:tr h="658042">
                 <a:tc>
                   <a:txBody>
                     <a:bodyPr/>
                     <a:lstStyle/>
                     <a:p>
+                      <a:pPr algn="l" rtl="0" fontAlgn="ctr"/>
                       <a:r>
-                        <a:rPr lang="tr-TR" dirty="0" smtClean="0"/>
-                        <a:t>MERGE</a:t>
+                        <a:rPr lang="tr-TR" sz="1800" u="none" strike="noStrike" dirty="0">
+                          <a:effectLst/>
+                        </a:rPr>
+                        <a:t>GET</a:t>
                       </a:r>
-                      <a:endParaRPr lang="tr-TR" dirty="0"/>
+                      <a:endParaRPr lang="tr-TR" sz="1800" b="0" i="0" u="none" strike="noStrike" dirty="0">
+                        <a:solidFill>
+                          <a:srgbClr val="000000"/>
+                        </a:solidFill>
+                        <a:effectLst/>
+                        <a:latin typeface="Calibri" panose="020F0502020204030204" pitchFamily="34" charset="0"/>
+                      </a:endParaRPr>
                     </a:p>
                   </a:txBody>
-                  <a:tcPr/>
+                  <a:tcPr marL="9525" marR="9525" marT="9525" marB="0" anchor="ctr"/>
                 </a:tc>
                 <a:tc>
                   <a:txBody>
                     <a:bodyPr/>
                     <a:lstStyle/>
                     <a:p>
+                      <a:pPr algn="l" rtl="0" fontAlgn="ctr"/>
                       <a:r>
-                        <a:rPr lang="tr-TR" dirty="0" smtClean="0"/>
-                        <a:t>MERGE</a:t>
+                        <a:rPr lang="tr-TR" sz="1800" u="none" strike="noStrike">
+                          <a:effectLst/>
+                        </a:rPr>
+                        <a:t>PULL</a:t>
                       </a:r>
-                      <a:endParaRPr lang="tr-TR" dirty="0"/>
+                      <a:endParaRPr lang="tr-TR" sz="1800" b="0" i="0" u="none" strike="noStrike">
+                        <a:solidFill>
+                          <a:srgbClr val="000000"/>
+                        </a:solidFill>
+                        <a:effectLst/>
+                        <a:latin typeface="Calibri" panose="020F0502020204030204" pitchFamily="34" charset="0"/>
+                      </a:endParaRPr>
                     </a:p>
                   </a:txBody>
-                  <a:tcPr/>
+                  <a:tcPr marL="9525" marR="9525" marT="9525" marB="0" anchor="ctr"/>
                 </a:tc>
                 <a:extLst>
                   <a:ext uri="{0D108BD9-81ED-4DB2-BD59-A6C34878D82A}">
-                    <a16:rowId xmlns:a16="http://schemas.microsoft.com/office/drawing/2014/main" val="3026861819"/>
+                    <a16:rowId xmlns:a16="http://schemas.microsoft.com/office/drawing/2014/main" val="666915725"/>
                   </a:ext>
                 </a:extLst>
               </a:tr>
-              <a:tr h="758355">
+              <a:tr h="638102">
                 <a:tc>
                   <a:txBody>
                     <a:bodyPr/>
                     <a:lstStyle/>
                     <a:p>
+                      <a:pPr algn="l" rtl="0" fontAlgn="ctr"/>
                       <a:r>
-                        <a:rPr lang="tr-TR" dirty="0" smtClean="0"/>
-                        <a:t>CHECK-IN</a:t>
+                        <a:rPr lang="tr-TR" sz="1800" u="none" strike="noStrike" dirty="0">
+                          <a:effectLst/>
+                        </a:rPr>
+                        <a:t>MERGE</a:t>
                       </a:r>
-                      <a:endParaRPr lang="tr-TR" dirty="0"/>
+                      <a:endParaRPr lang="tr-TR" sz="1800" b="0" i="0" u="none" strike="noStrike" dirty="0">
+                        <a:solidFill>
+                          <a:srgbClr val="000000"/>
+                        </a:solidFill>
+                        <a:effectLst/>
+                        <a:latin typeface="Calibri" panose="020F0502020204030204" pitchFamily="34" charset="0"/>
+                      </a:endParaRPr>
                     </a:p>
                   </a:txBody>
-                  <a:tcPr/>
+                  <a:tcPr marL="9525" marR="9525" marT="9525" marB="0" anchor="ctr"/>
                 </a:tc>
                 <a:tc>
                   <a:txBody>
                     <a:bodyPr/>
                     <a:lstStyle/>
                     <a:p>
+                      <a:pPr algn="l" rtl="0" fontAlgn="ctr"/>
                       <a:r>
-                        <a:rPr lang="tr-TR" dirty="0" smtClean="0"/>
-                        <a:t>STAGE-COMMIT-PUSH</a:t>
+                        <a:rPr lang="tr-TR" sz="1800" u="none" strike="noStrike">
+                          <a:effectLst/>
+                        </a:rPr>
+                        <a:t>MERGE</a:t>
                       </a:r>
-                      <a:endParaRPr lang="tr-TR" dirty="0"/>
+                      <a:endParaRPr lang="tr-TR" sz="1800" b="0" i="0" u="none" strike="noStrike">
+                        <a:solidFill>
+                          <a:srgbClr val="000000"/>
+                        </a:solidFill>
+                        <a:effectLst/>
+                        <a:latin typeface="Calibri" panose="020F0502020204030204" pitchFamily="34" charset="0"/>
+                      </a:endParaRPr>
                     </a:p>
                   </a:txBody>
-                  <a:tcPr/>
+                  <a:tcPr marL="9525" marR="9525" marT="9525" marB="0" anchor="ctr"/>
                 </a:tc>
                 <a:extLst>
                   <a:ext uri="{0D108BD9-81ED-4DB2-BD59-A6C34878D82A}">
-                    <a16:rowId xmlns:a16="http://schemas.microsoft.com/office/drawing/2014/main" val="3800453664"/>
+                    <a16:rowId xmlns:a16="http://schemas.microsoft.com/office/drawing/2014/main" val="2670198137"/>
                   </a:ext>
                 </a:extLst>
               </a:tr>
-              <a:tr h="758355">
+              <a:tr h="638102">
                 <a:tc>
                   <a:txBody>
                     <a:bodyPr/>
                     <a:lstStyle/>
                     <a:p>
-                      <a:endParaRPr lang="tr-TR" dirty="0"/>
+                      <a:pPr algn="l" rtl="0" fontAlgn="ctr"/>
+                      <a:r>
+                        <a:rPr lang="tr-TR" sz="1800" u="none" strike="noStrike" dirty="0" smtClean="0">
+                          <a:effectLst/>
+                        </a:rPr>
+                        <a:t>CHECK-IN = COMMİT</a:t>
+                      </a:r>
+                      <a:endParaRPr lang="tr-TR" sz="1800" b="0" i="0" u="none" strike="noStrike" dirty="0">
+                        <a:solidFill>
+                          <a:srgbClr val="000000"/>
+                        </a:solidFill>
+                        <a:effectLst/>
+                        <a:latin typeface="Calibri" panose="020F0502020204030204" pitchFamily="34" charset="0"/>
+                      </a:endParaRPr>
                     </a:p>
                   </a:txBody>
-                  <a:tcPr/>
+                  <a:tcPr marL="9525" marR="9525" marT="9525" marB="0" anchor="ctr"/>
                 </a:tc>
                 <a:tc>
                   <a:txBody>
                     <a:bodyPr/>
                     <a:lstStyle/>
                     <a:p>
+                      <a:pPr algn="l" rtl="0" fontAlgn="ctr"/>
                       <a:r>
-                        <a:rPr lang="tr-TR" dirty="0" smtClean="0"/>
-                        <a:t>PULL REQUEST –MERGE</a:t>
+                        <a:rPr lang="tr-TR" sz="1800" u="none" strike="noStrike" dirty="0">
+                          <a:effectLst/>
+                        </a:rPr>
+                        <a:t>STAGE-COMMIT-PUSH</a:t>
                       </a:r>
-                      <a:r>
-                        <a:rPr lang="tr-TR" baseline="0" dirty="0" smtClean="0"/>
-                        <a:t> </a:t>
-                      </a:r>
-                      <a:r>
-                        <a:rPr lang="tr-TR" baseline="0" dirty="0" smtClean="0"/>
-                        <a:t>REQUEST (FORK)</a:t>
-                      </a:r>
-                      <a:endParaRPr lang="tr-TR" dirty="0"/>
+                      <a:endParaRPr lang="tr-TR" sz="1800" b="0" i="0" u="none" strike="noStrike" dirty="0">
+                        <a:solidFill>
+                          <a:srgbClr val="000000"/>
+                        </a:solidFill>
+                        <a:effectLst/>
+                        <a:latin typeface="Calibri" panose="020F0502020204030204" pitchFamily="34" charset="0"/>
+                      </a:endParaRPr>
                     </a:p>
                   </a:txBody>
-                  <a:tcPr/>
+                  <a:tcPr marL="9525" marR="9525" marT="9525" marB="0" anchor="ctr"/>
                 </a:tc>
                 <a:extLst>
                   <a:ext uri="{0D108BD9-81ED-4DB2-BD59-A6C34878D82A}">
-                    <a16:rowId xmlns:a16="http://schemas.microsoft.com/office/drawing/2014/main" val="1866889089"/>
+                    <a16:rowId xmlns:a16="http://schemas.microsoft.com/office/drawing/2014/main" val="2357209742"/>
+                  </a:ext>
+                </a:extLst>
+              </a:tr>
+              <a:tr h="1256264">
+                <a:tc>
+                  <a:txBody>
+                    <a:bodyPr/>
+                    <a:lstStyle/>
+                    <a:p>
+                      <a:pPr algn="l" rtl="0" fontAlgn="ctr"/>
+                      <a:r>
+                        <a:rPr lang="tr-TR" sz="1800" u="none" strike="noStrike" dirty="0">
+                          <a:effectLst/>
+                        </a:rPr>
+                        <a:t>CHECK-OUT</a:t>
+                      </a:r>
+                      <a:endParaRPr lang="tr-TR" sz="1800" b="0" i="0" u="none" strike="noStrike" dirty="0">
+                        <a:solidFill>
+                          <a:srgbClr val="000000"/>
+                        </a:solidFill>
+                        <a:effectLst/>
+                        <a:latin typeface="Calibri" panose="020F0502020204030204" pitchFamily="34" charset="0"/>
+                      </a:endParaRPr>
+                    </a:p>
+                  </a:txBody>
+                  <a:tcPr marL="9525" marR="9525" marT="9525" marB="0" anchor="ctr"/>
+                </a:tc>
+                <a:tc>
+                  <a:txBody>
+                    <a:bodyPr/>
+                    <a:lstStyle/>
+                    <a:p>
+                      <a:pPr algn="l" rtl="0" fontAlgn="ctr"/>
+                      <a:r>
+                        <a:rPr lang="en-US" sz="1800" u="none" strike="noStrike" dirty="0">
+                          <a:effectLst/>
+                        </a:rPr>
+                        <a:t>PULL REQUEST –MERGE REQUEST (FORK)</a:t>
+                      </a:r>
+                      <a:endParaRPr lang="en-US" sz="1800" b="0" i="0" u="none" strike="noStrike" dirty="0">
+                        <a:solidFill>
+                          <a:srgbClr val="000000"/>
+                        </a:solidFill>
+                        <a:effectLst/>
+                        <a:latin typeface="Calibri" panose="020F0502020204030204" pitchFamily="34" charset="0"/>
+                      </a:endParaRPr>
+                    </a:p>
+                  </a:txBody>
+                  <a:tcPr marL="9525" marR="9525" marT="9525" marB="0" anchor="ctr"/>
+                </a:tc>
+                <a:extLst>
+                  <a:ext uri="{0D108BD9-81ED-4DB2-BD59-A6C34878D82A}">
+                    <a16:rowId xmlns:a16="http://schemas.microsoft.com/office/drawing/2014/main" val="3281378378"/>
                   </a:ext>
                 </a:extLst>
               </a:tr>
@@ -6635,7 +6772,7 @@
           <a:p>
             <a:pPr algn="just"/>
             <a:r>
-              <a:rPr lang="tr-TR" dirty="0" smtClean="0">
+              <a:rPr lang="tr-TR" b="1" dirty="0" smtClean="0">
                 <a:solidFill>
                   <a:srgbClr val="FF0000"/>
                 </a:solidFill>
@@ -6752,7 +6889,7 @@
           <a:p>
             <a:pPr algn="just"/>
             <a:r>
-              <a:rPr lang="en-US" dirty="0" smtClean="0">
+              <a:rPr lang="en-US" b="1" dirty="0" smtClean="0">
                 <a:solidFill>
                   <a:srgbClr val="FF0000"/>
                 </a:solidFill>
@@ -6832,164 +6969,6 @@
       </p:grpSpPr>
       <p:sp>
         <p:nvSpPr>
-          <p:cNvPr id="3" name="İçerik Yer Tutucusu 2"/>
-          <p:cNvSpPr>
-            <a:spLocks noGrp="1"/>
-          </p:cNvSpPr>
-          <p:nvPr>
-            <p:ph idx="1"/>
-          </p:nvPr>
-        </p:nvSpPr>
-        <p:spPr>
-          <a:xfrm>
-            <a:off x="838200" y="963168"/>
-            <a:ext cx="10515600" cy="5657088"/>
-          </a:xfrm>
-        </p:spPr>
-        <p:txBody>
-          <a:bodyPr>
-            <a:normAutofit/>
-          </a:bodyPr>
-          <a:lstStyle/>
-          <a:p>
-            <a:pPr marL="0" indent="0" algn="just">
-              <a:buNone/>
-            </a:pPr>
-            <a:r>
-              <a:rPr lang="tr-TR" b="1" dirty="0"/>
-              <a:t> </a:t>
-            </a:r>
-            <a:r>
-              <a:rPr lang="tr-TR" b="1" dirty="0" smtClean="0"/>
-              <a:t>1.Dumb HTTP</a:t>
-            </a:r>
-          </a:p>
-          <a:p>
-            <a:pPr marL="0" indent="0" algn="just">
-              <a:buNone/>
-            </a:pPr>
-            <a:r>
-              <a:rPr lang="en-US" dirty="0"/>
-              <a:t>If the server does not respond with a </a:t>
-            </a:r>
-            <a:r>
-              <a:rPr lang="en-US" dirty="0" err="1"/>
-              <a:t>Git</a:t>
-            </a:r>
-            <a:r>
-              <a:rPr lang="en-US" dirty="0"/>
-              <a:t> HTTP smart service, the </a:t>
-            </a:r>
-            <a:r>
-              <a:rPr lang="en-US" dirty="0" err="1"/>
-              <a:t>Git</a:t>
-            </a:r>
-            <a:r>
-              <a:rPr lang="en-US" dirty="0"/>
-              <a:t> client will try to fall back to the simpler </a:t>
-            </a:r>
-            <a:r>
-              <a:rPr lang="en-US" b="1" dirty="0"/>
-              <a:t>Dumb</a:t>
-            </a:r>
-            <a:r>
-              <a:rPr lang="en-US" dirty="0"/>
-              <a:t> HTTP protocol. The Dumb protocol expects the bare </a:t>
-            </a:r>
-            <a:r>
-              <a:rPr lang="en-US" dirty="0" err="1"/>
-              <a:t>Git</a:t>
-            </a:r>
-            <a:r>
-              <a:rPr lang="en-US" dirty="0"/>
-              <a:t> repository to be served like normal files from the web server</a:t>
-            </a:r>
-            <a:endParaRPr lang="tr-TR" b="1" dirty="0"/>
-          </a:p>
-          <a:p>
-            <a:pPr marL="0" indent="0" algn="just">
-              <a:buNone/>
-            </a:pPr>
-            <a:r>
-              <a:rPr lang="tr-TR" b="1" dirty="0" smtClean="0"/>
-              <a:t>2.</a:t>
-            </a:r>
-            <a:r>
-              <a:rPr lang="en-US" b="1" dirty="0"/>
-              <a:t>Smart HTTP</a:t>
-            </a:r>
-          </a:p>
-          <a:p>
-            <a:pPr marL="0" indent="0" algn="just">
-              <a:buNone/>
-            </a:pPr>
-            <a:r>
-              <a:rPr lang="en-US" dirty="0"/>
-              <a:t>Smart HTTP operates very similarly to the SSH or </a:t>
-            </a:r>
-            <a:r>
-              <a:rPr lang="en-US" dirty="0" err="1"/>
-              <a:t>Git</a:t>
-            </a:r>
-            <a:r>
-              <a:rPr lang="en-US" dirty="0"/>
-              <a:t> protocols but runs over standard HTTPS ports and can use various HTTP authentication mechanisms</a:t>
-            </a:r>
-          </a:p>
-          <a:p>
-            <a:pPr algn="just"/>
-            <a:r>
-              <a:rPr lang="tr-TR" b="1" dirty="0" smtClean="0">
-                <a:solidFill>
-                  <a:srgbClr val="FF0000"/>
-                </a:solidFill>
-              </a:rPr>
-              <a:t>SSH</a:t>
-            </a:r>
-            <a:endParaRPr lang="tr-TR" b="1" dirty="0">
-              <a:solidFill>
-                <a:srgbClr val="FF0000"/>
-              </a:solidFill>
-            </a:endParaRPr>
-          </a:p>
-          <a:p>
-            <a:pPr marL="0" indent="0" algn="just">
-              <a:buNone/>
-            </a:pPr>
-            <a:r>
-              <a:rPr lang="en-US" dirty="0"/>
-              <a:t>A common transport protocol for </a:t>
-            </a:r>
-            <a:r>
-              <a:rPr lang="en-US" dirty="0" err="1"/>
-              <a:t>Git</a:t>
-            </a:r>
-            <a:r>
-              <a:rPr lang="en-US" dirty="0"/>
-              <a:t> when self-hosting is over SSH. </a:t>
-            </a:r>
-            <a:r>
-              <a:rPr lang="tr-TR" dirty="0"/>
-              <a:t>	$ git </a:t>
-            </a:r>
-            <a:r>
-              <a:rPr lang="tr-TR" dirty="0" err="1"/>
-              <a:t>clone</a:t>
-            </a:r>
-            <a:r>
-              <a:rPr lang="tr-TR" dirty="0"/>
-              <a:t> ssh://[user@]</a:t>
-            </a:r>
-            <a:r>
-              <a:rPr lang="tr-TR" dirty="0" smtClean="0"/>
-              <a:t>server/project.git</a:t>
-            </a:r>
-            <a:endParaRPr lang="tr-TR" dirty="0"/>
-          </a:p>
-        </p:txBody>
-      </p:sp>
-      <p:sp>
-        <p:nvSpPr>
           <p:cNvPr id="4" name="Unvan 1"/>
           <p:cNvSpPr>
             <a:spLocks noGrp="1"/>
@@ -7038,6 +7017,202 @@
           </a:p>
         </p:txBody>
       </p:sp>
+      <p:sp>
+        <p:nvSpPr>
+          <p:cNvPr id="3" name="İçerik Yer Tutucusu 2"/>
+          <p:cNvSpPr>
+            <a:spLocks noGrp="1"/>
+          </p:cNvSpPr>
+          <p:nvPr>
+            <p:ph idx="1"/>
+          </p:nvPr>
+        </p:nvSpPr>
+        <p:spPr>
+          <a:xfrm>
+            <a:off x="838200" y="963168"/>
+            <a:ext cx="11268456" cy="6132576"/>
+          </a:xfrm>
+        </p:spPr>
+        <p:txBody>
+          <a:bodyPr>
+            <a:normAutofit/>
+          </a:bodyPr>
+          <a:lstStyle/>
+          <a:p>
+            <a:pPr marL="0" indent="0" algn="just">
+              <a:buNone/>
+            </a:pPr>
+            <a:r>
+              <a:rPr lang="tr-TR" b="1" dirty="0"/>
+              <a:t> </a:t>
+            </a:r>
+            <a:r>
+              <a:rPr lang="tr-TR" b="1" dirty="0" smtClean="0"/>
+              <a:t>1.Dumb HTTP</a:t>
+            </a:r>
+          </a:p>
+          <a:p>
+            <a:pPr marL="0" indent="0" algn="just">
+              <a:buNone/>
+            </a:pPr>
+            <a:r>
+              <a:rPr lang="en-US" dirty="0" smtClean="0"/>
+              <a:t>The </a:t>
+            </a:r>
+            <a:r>
+              <a:rPr lang="en-US" dirty="0"/>
+              <a:t>Dumb protocol expects the bare </a:t>
+            </a:r>
+            <a:r>
+              <a:rPr lang="en-US" dirty="0" err="1"/>
+              <a:t>Git</a:t>
+            </a:r>
+            <a:r>
+              <a:rPr lang="en-US" dirty="0"/>
+              <a:t> repository to be served like normal files from the web server</a:t>
+            </a:r>
+            <a:endParaRPr lang="tr-TR" b="1" dirty="0"/>
+          </a:p>
+          <a:p>
+            <a:pPr marL="0" indent="0" algn="just">
+              <a:buNone/>
+            </a:pPr>
+            <a:r>
+              <a:rPr lang="tr-TR" b="1" dirty="0" smtClean="0"/>
+              <a:t>2.</a:t>
+            </a:r>
+            <a:r>
+              <a:rPr lang="en-US" b="1" dirty="0"/>
+              <a:t>Smart HTTP</a:t>
+            </a:r>
+          </a:p>
+          <a:p>
+            <a:pPr marL="0" indent="0" algn="just">
+              <a:buNone/>
+            </a:pPr>
+            <a:r>
+              <a:rPr lang="tr-TR" dirty="0" err="1" smtClean="0"/>
+              <a:t>Use</a:t>
+            </a:r>
+            <a:r>
+              <a:rPr lang="tr-TR" dirty="0" smtClean="0"/>
+              <a:t> </a:t>
+            </a:r>
+            <a:r>
+              <a:rPr lang="en-US" dirty="0" smtClean="0"/>
+              <a:t>standard </a:t>
+            </a:r>
+            <a:r>
+              <a:rPr lang="en-US" dirty="0"/>
+              <a:t>HTTPS ports and can use various HTTP authentication mechanisms</a:t>
+            </a:r>
+          </a:p>
+          <a:p>
+            <a:pPr algn="just"/>
+            <a:r>
+              <a:rPr lang="tr-TR" b="1" dirty="0" smtClean="0">
+                <a:solidFill>
+                  <a:srgbClr val="FF0000"/>
+                </a:solidFill>
+              </a:rPr>
+              <a:t>SSH</a:t>
+            </a:r>
+            <a:endParaRPr lang="tr-TR" b="1" dirty="0">
+              <a:solidFill>
+                <a:srgbClr val="FF0000"/>
+              </a:solidFill>
+            </a:endParaRPr>
+          </a:p>
+          <a:p>
+            <a:pPr marL="0" indent="0" algn="just">
+              <a:buNone/>
+            </a:pPr>
+            <a:r>
+              <a:rPr lang="en-US" dirty="0"/>
+              <a:t>A common transport protocol for </a:t>
+            </a:r>
+            <a:endParaRPr lang="tr-TR" dirty="0" smtClean="0"/>
+          </a:p>
+          <a:p>
+            <a:pPr marL="0" indent="0" algn="just">
+              <a:buNone/>
+            </a:pPr>
+            <a:r>
+              <a:rPr lang="en-US" dirty="0" err="1" smtClean="0"/>
+              <a:t>Git</a:t>
+            </a:r>
+            <a:r>
+              <a:rPr lang="en-US" dirty="0" smtClean="0"/>
+              <a:t> </a:t>
+            </a:r>
+            <a:r>
+              <a:rPr lang="en-US" dirty="0"/>
+              <a:t>when self-hosting is over SSH. </a:t>
+            </a:r>
+            <a:r>
+              <a:rPr lang="tr-TR" dirty="0"/>
+              <a:t>	</a:t>
+            </a:r>
+            <a:endParaRPr lang="tr-TR" dirty="0" smtClean="0"/>
+          </a:p>
+          <a:p>
+            <a:pPr marL="0" indent="0" algn="just">
+              <a:buNone/>
+            </a:pPr>
+            <a:endParaRPr lang="tr-TR" dirty="0"/>
+          </a:p>
+          <a:p>
+            <a:pPr marL="0" indent="0" algn="just">
+              <a:buNone/>
+            </a:pPr>
+            <a:r>
+              <a:rPr lang="tr-TR" i="1" dirty="0" smtClean="0"/>
+              <a:t>$ </a:t>
+            </a:r>
+            <a:r>
+              <a:rPr lang="tr-TR" i="1" dirty="0"/>
+              <a:t>git </a:t>
+            </a:r>
+            <a:r>
+              <a:rPr lang="tr-TR" i="1" dirty="0" err="1"/>
+              <a:t>clone</a:t>
+            </a:r>
+            <a:r>
+              <a:rPr lang="tr-TR" i="1" dirty="0"/>
+              <a:t> ssh://[user@]</a:t>
+            </a:r>
+            <a:r>
+              <a:rPr lang="tr-TR" i="1" dirty="0" smtClean="0"/>
+              <a:t>server/project.git</a:t>
+            </a:r>
+            <a:endParaRPr lang="tr-TR" i="1" dirty="0"/>
+          </a:p>
+        </p:txBody>
+      </p:sp>
+      <p:pic>
+        <p:nvPicPr>
+          <p:cNvPr id="2" name="Resim 1"/>
+          <p:cNvPicPr>
+            <a:picLocks noChangeAspect="1"/>
+          </p:cNvPicPr>
+          <p:nvPr/>
+        </p:nvPicPr>
+        <p:blipFill>
+          <a:blip r:embed="rId2"/>
+          <a:stretch>
+            <a:fillRect/>
+          </a:stretch>
+        </p:blipFill>
+        <p:spPr>
+          <a:xfrm>
+            <a:off x="6587321" y="3728466"/>
+            <a:ext cx="4409863" cy="2220886"/>
+          </a:xfrm>
+          <a:prstGeom prst="rect">
+            <a:avLst/>
+          </a:prstGeom>
+        </p:spPr>
+      </p:pic>
     </p:spTree>
     <p:extLst>
       <p:ext uri="{BB962C8B-B14F-4D97-AF65-F5344CB8AC3E}">
@@ -7077,6 +7252,56 @@
       </p:grpSpPr>
       <p:sp>
         <p:nvSpPr>
+          <p:cNvPr id="4" name="Unvan 1"/>
+          <p:cNvSpPr>
+            <a:spLocks noGrp="1"/>
+          </p:cNvSpPr>
+          <p:nvPr>
+            <p:ph type="title"/>
+          </p:nvPr>
+        </p:nvSpPr>
+        <p:spPr>
+          <a:xfrm>
+            <a:off x="838200" y="145669"/>
+            <a:ext cx="10515600" cy="598043"/>
+          </a:xfrm>
+        </p:spPr>
+        <p:txBody>
+          <a:bodyPr>
+            <a:normAutofit fontScale="90000"/>
+          </a:bodyPr>
+          <a:lstStyle/>
+          <a:p>
+            <a:r>
+              <a:rPr lang="tr-TR" dirty="0" smtClean="0"/>
+              <a:t>Git </a:t>
+            </a:r>
+            <a:r>
+              <a:rPr lang="tr-TR" dirty="0" err="1" smtClean="0"/>
+              <a:t>Protocols</a:t>
+            </a:r>
+            <a:r>
+              <a:rPr lang="tr-TR" dirty="0" smtClean="0"/>
+              <a:t>  </a:t>
+            </a:r>
+            <a:r>
+              <a:rPr lang="tr-TR" dirty="0" err="1"/>
+              <a:t>to</a:t>
+            </a:r>
+            <a:r>
+              <a:rPr lang="tr-TR" dirty="0"/>
+              <a:t> transfer </a:t>
+            </a:r>
+            <a:r>
+              <a:rPr lang="tr-TR" dirty="0" smtClean="0"/>
+              <a:t>data</a:t>
+            </a:r>
+            <a:endParaRPr lang="tr-TR" dirty="0"/>
+          </a:p>
+        </p:txBody>
+      </p:sp>
+      <p:sp>
+        <p:nvSpPr>
           <p:cNvPr id="3" name="İçerik Yer Tutucusu 2"/>
           <p:cNvSpPr>
             <a:spLocks noGrp="1"/>
@@ -7254,8 +7479,37 @@
                   </a:schemeClr>
                 </a:solidFill>
               </a:rPr>
-              <a:t>data-transfer mechanism as the SSH protocol but without the encryption and authentication overhead.</a:t>
-            </a:r>
+              <a:t>data-transfer mechanism as the SSH protocol but without the encryption and authentication overhead</a:t>
+            </a:r>
+            <a:r>
+              <a:rPr lang="en-US" i="1" dirty="0" smtClean="0">
+                <a:solidFill>
+                  <a:schemeClr val="accent6">
+                    <a:lumMod val="50000"/>
+                  </a:schemeClr>
+                </a:solidFill>
+              </a:rPr>
+              <a:t>.</a:t>
+            </a:r>
+            <a:endParaRPr lang="tr-TR" i="1" dirty="0" smtClean="0">
+              <a:solidFill>
+                <a:schemeClr val="accent6">
+                  <a:lumMod val="50000"/>
+                </a:schemeClr>
+              </a:solidFill>
+            </a:endParaRPr>
+          </a:p>
+          <a:p>
+            <a:pPr marL="0" indent="0" algn="just">
+              <a:buNone/>
+            </a:pPr>
+            <a:endParaRPr lang="en-US" i="1" dirty="0">
+              <a:solidFill>
+                <a:schemeClr val="accent6">
+                  <a:lumMod val="50000"/>
+                </a:schemeClr>
+              </a:solidFill>
+            </a:endParaRPr>
           </a:p>
           <a:p>
             <a:pPr marL="0" indent="0" algn="just">
@@ -7349,33 +7603,6 @@
                   <a:srgbClr val="C00000"/>
                 </a:solidFill>
               </a:rPr>
-              <a:t>with </a:t>
-            </a:r>
-            <a:r>
-              <a:rPr lang="en-US" i="1" dirty="0">
-                <a:solidFill>
-                  <a:srgbClr val="C00000"/>
-                </a:solidFill>
-              </a:rPr>
-              <a:t>SSH or HTTPS access for the few developers who have push (write) access </a:t>
-            </a:r>
-            <a:endParaRPr lang="tr-TR" i="1" dirty="0" smtClean="0">
-              <a:solidFill>
-                <a:srgbClr val="C00000"/>
-              </a:solidFill>
-            </a:endParaRPr>
-          </a:p>
-          <a:p>
-            <a:pPr algn="just">
-              <a:buFont typeface="Wingdings" panose="05000000000000000000" pitchFamily="2" charset="2"/>
-              <a:buChar char="Ø"/>
-            </a:pPr>
-            <a:r>
-              <a:rPr lang="en-US" i="1" dirty="0" smtClean="0">
-                <a:solidFill>
-                  <a:srgbClr val="C00000"/>
-                </a:solidFill>
-              </a:rPr>
               <a:t>difficult </a:t>
             </a:r>
             <a:r>
@@ -7407,56 +7634,6 @@
                 <a:srgbClr val="C00000"/>
               </a:solidFill>
             </a:endParaRPr>
-          </a:p>
-        </p:txBody>
-      </p:sp>
-      <p:sp>
-        <p:nvSpPr>
-          <p:cNvPr id="4" name="Unvan 1"/>
-          <p:cNvSpPr>
-            <a:spLocks noGrp="1"/>
-          </p:cNvSpPr>
-          <p:nvPr>
-            <p:ph type="title"/>
-          </p:nvPr>
-        </p:nvSpPr>
-        <p:spPr>
-          <a:xfrm>
-            <a:off x="838200" y="145669"/>
-            <a:ext cx="10515600" cy="598043"/>
-          </a:xfrm>
-        </p:spPr>
-        <p:txBody>
-          <a:bodyPr>
-            <a:normAutofit fontScale="90000"/>
-          </a:bodyPr>
-          <a:lstStyle/>
-          <a:p>
-            <a:r>
-              <a:rPr lang="tr-TR" dirty="0" smtClean="0"/>
-              <a:t>Git </a:t>
-            </a:r>
-            <a:r>
-              <a:rPr lang="tr-TR" dirty="0" err="1" smtClean="0"/>
-              <a:t>Protocols</a:t>
-            </a:r>
-            <a:r>
-              <a:rPr lang="tr-TR" dirty="0" smtClean="0"/>
-              <a:t>  </a:t>
-            </a:r>
-            <a:r>
-              <a:rPr lang="tr-TR" dirty="0" err="1"/>
-              <a:t>to</a:t>
-            </a:r>
-            <a:r>
-              <a:rPr lang="tr-TR" dirty="0"/>
-              <a:t> transfer </a:t>
-            </a:r>
-            <a:r>
-              <a:rPr lang="tr-TR" dirty="0" smtClean="0"/>
-              <a:t>data (TCP)</a:t>
-            </a:r>
-            <a:endParaRPr lang="tr-TR" dirty="0"/>
           </a:p>
         </p:txBody>
       </p:sp>
@@ -7563,16 +7740,12 @@
               <a:t>Subversion</a:t>
             </a:r>
             <a:r>
+              <a:rPr lang="en-US" dirty="0" smtClean="0"/>
+              <a:t>. It </a:t>
+            </a:r>
+            <a:r>
               <a:rPr lang="en-US" dirty="0"/>
-              <a:t>. It is called as SVN because of its commands (its command name </a:t>
-            </a:r>
-            <a:r>
-              <a:rPr lang="en-US" dirty="0" err="1"/>
-              <a:t>svn</a:t>
-            </a:r>
-            <a:r>
-              <a:rPr lang="en-US" dirty="0"/>
-              <a:t>). It is a </a:t>
+              <a:t>is a </a:t>
             </a:r>
             <a:r>
               <a:rPr lang="en-US" b="1" dirty="0"/>
@@ -7597,6 +7770,12 @@
             <a:endParaRPr lang="tr-TR" dirty="0" smtClean="0"/>
           </a:p>
           <a:p>
+            <a:pPr marL="0" indent="0" algn="just">
+              <a:buNone/>
+            </a:pPr>
+            <a:endParaRPr lang="tr-TR" dirty="0" smtClean="0"/>
+          </a:p>
+          <a:p>
             <a:pPr algn="just"/>
             <a:r>
               <a:rPr lang="en-US" dirty="0"/>
@@ -7625,6 +7804,12 @@
             <a:endParaRPr lang="tr-TR" dirty="0" smtClean="0"/>
           </a:p>
           <a:p>
+            <a:pPr marL="0" indent="0" algn="just">
+              <a:buNone/>
+            </a:pPr>
+            <a:endParaRPr lang="tr-TR" dirty="0" smtClean="0"/>
+          </a:p>
+          <a:p>
             <a:pPr algn="just"/>
             <a:r>
               <a:rPr lang="tr-TR" dirty="0" smtClean="0"/>
@@ -7642,6 +7827,13 @@
               <a:rPr lang="en-US" dirty="0" smtClean="0"/>
               <a:t>.</a:t>
             </a:r>
+            <a:endParaRPr lang="tr-TR" dirty="0" smtClean="0"/>
+          </a:p>
+          <a:p>
+            <a:pPr marL="0" indent="0" algn="just">
+              <a:buNone/>
+            </a:pPr>
+            <a:endParaRPr lang="en-US" dirty="0" smtClean="0"/>
           </a:p>
           <a:p>
             <a:pPr algn="just"/>
@@ -7669,7 +7861,6 @@
               <a:rPr lang="en-US" dirty="0" smtClean="0"/>
               <a:t>,</a:t>
             </a:r>
-            <a:endParaRPr lang="en-US" dirty="0" smtClean="0"/>
           </a:p>
         </p:txBody>
       </p:sp>
@@ -7905,13 +8096,18 @@
           <a:p>
             <a:r>
               <a:rPr lang="en-US" sz="1800" dirty="0"/>
-              <a:t>It supports atomic commits (Either it will occur or not).</a:t>
-            </a:r>
-          </a:p>
-          <a:p>
+              <a:t>It supports atomic commits </a:t>
+            </a:r>
+            <a:endParaRPr lang="tr-TR" sz="1800" dirty="0"/>
+          </a:p>
+          <a:p>
+            <a:r>
+              <a:rPr lang="en-US" sz="1800" dirty="0" smtClean="0"/>
+              <a:t>It </a:t>
+            </a:r>
             <a:r>
               <a:rPr lang="en-US" sz="1800" dirty="0"/>
-              <a:t>It keeps a full revision </a:t>
+              <a:t>keeps a full revision </a:t>
             </a:r>
             <a:r>
               <a:rPr lang="en-US" sz="1800" dirty="0" smtClean="0"/>
@@ -7958,108 +8154,14 @@
         </p:blipFill>
         <p:spPr>
           <a:xfrm>
-            <a:off x="280416" y="2627429"/>
-            <a:ext cx="4584001" cy="3574553"/>
+            <a:off x="2731008" y="2325515"/>
+            <a:ext cx="5096256" cy="3974004"/>
           </a:xfrm>
           <a:prstGeom prst="rect">
             <a:avLst/>
           </a:prstGeom>
         </p:spPr>
       </p:pic>
-      <p:sp>
-        <p:nvSpPr>
-          <p:cNvPr id="6" name="Dikdörtgen 5"/>
-          <p:cNvSpPr/>
-          <p:nvPr/>
-        </p:nvSpPr>
-        <p:spPr>
-          <a:xfrm>
-            <a:off x="5267039" y="3341349"/>
-            <a:ext cx="6220968" cy="1200329"/>
-          </a:xfrm>
-          <a:prstGeom prst="rect">
-            <a:avLst/>
-          </a:prstGeom>
-        </p:spPr>
-        <p:txBody>
-          <a:bodyPr wrap="square">
-            <a:spAutoFit/>
-          </a:bodyPr>
-          <a:lstStyle/>
-          <a:p>
-            <a:pPr algn="just"/>
-            <a:r>
-              <a:rPr lang="en-US" dirty="0">
-                <a:solidFill>
-                  <a:srgbClr val="333333"/>
-                </a:solidFill>
-                <a:latin typeface="inter-regular"/>
-              </a:rPr>
-              <a:t>The usage of SVN client is as follows:</a:t>
-            </a:r>
-          </a:p>
-          <a:p>
-            <a:pPr algn="just">
-              <a:buFont typeface="Arial" panose="020B0604020202020204" pitchFamily="34" charset="0"/>
-              <a:buChar char="•"/>
-            </a:pPr>
-            <a:r>
-              <a:rPr lang="en-US" dirty="0">
-                <a:solidFill>
-                  <a:srgbClr val="000000"/>
-                </a:solidFill>
-                <a:latin typeface="inter-regular"/>
-              </a:rPr>
-              <a:t>It communicates with the SVN server.</a:t>
-            </a:r>
-          </a:p>
-          <a:p>
-            <a:pPr algn="just">
-              <a:buFont typeface="Arial" panose="020B0604020202020204" pitchFamily="34" charset="0"/>
-              <a:buChar char="•"/>
-            </a:pPr>
-            <a:r>
-              <a:rPr lang="en-US" dirty="0">
-                <a:solidFill>
-                  <a:srgbClr val="000000"/>
-                </a:solidFill>
-                <a:latin typeface="inter-regular"/>
-              </a:rPr>
-              <a:t>It provides remote and manual access.</a:t>
-            </a:r>
-          </a:p>
-          <a:p>
-            <a:pPr algn="just">
-              <a:buFont typeface="Arial" panose="020B0604020202020204" pitchFamily="34" charset="0"/>
-              <a:buChar char="•"/>
-            </a:pPr>
-            <a:r>
-              <a:rPr lang="en-US" dirty="0">
-                <a:solidFill>
-                  <a:srgbClr val="000000"/>
-                </a:solidFill>
-                <a:latin typeface="inter-regular"/>
-              </a:rPr>
-              <a:t>It provides the interface</a:t>
-            </a:r>
-            <a:r>
-              <a:rPr lang="en-US" dirty="0" smtClean="0">
-                <a:solidFill>
-                  <a:srgbClr val="000000"/>
-                </a:solidFill>
-                <a:latin typeface="inter-regular"/>
-              </a:rPr>
-              <a:t>.</a:t>
-            </a:r>
-            <a:endParaRPr lang="en-US" dirty="0">
-              <a:solidFill>
-                <a:srgbClr val="000000"/>
-              </a:solidFill>
-              <a:latin typeface="inter-regular"/>
-            </a:endParaRPr>
-          </a:p>
-        </p:txBody>
-      </p:sp>
     </p:spTree>
     <p:extLst>
       <p:ext uri="{BB962C8B-B14F-4D97-AF65-F5344CB8AC3E}">
@@ -8114,7 +8216,9 @@
           </a:xfrm>
         </p:spPr>
         <p:txBody>
-          <a:bodyPr/>
+          <a:bodyPr>
+            <a:normAutofit/>
+          </a:bodyPr>
           <a:lstStyle/>
           <a:p>
             <a:r>
@@ -8139,8 +8243,13 @@
             </a:r>
             <a:r>
               <a:rPr lang="tr-TR" dirty="0"/>
-              <a:t> transfer data (TCP)</a:t>
-            </a:r>
+              <a:t> transfer </a:t>
+            </a:r>
+            <a:r>
+              <a:rPr lang="tr-TR" dirty="0" smtClean="0"/>
+              <a:t>data</a:t>
+            </a:r>
+            <a:endParaRPr lang="tr-TR" dirty="0"/>
           </a:p>
         </p:txBody>
       </p:sp>
@@ -8162,7 +8271,7 @@
         </p:spPr>
         <p:txBody>
           <a:bodyPr>
-            <a:normAutofit lnSpcReduction="10000"/>
+            <a:normAutofit/>
           </a:bodyPr>
           <a:lstStyle/>
           <a:p>
@@ -8176,22 +8285,18 @@
             <a:endParaRPr lang="tr-TR" dirty="0"/>
           </a:p>
           <a:p>
-            <a:pPr marL="0" indent="0" algn="just">
-              <a:buNone/>
-            </a:pPr>
-            <a:r>
-              <a:rPr lang="en-US" dirty="0"/>
-              <a:t>http:// has a serious overhead, especially when dealing with thousands of small files.</a:t>
-            </a:r>
-            <a:endParaRPr lang="tr-TR" dirty="0"/>
-          </a:p>
-          <a:p>
             <a:pPr algn="just"/>
+            <a:r>
+              <a:rPr lang="tr-TR" dirty="0" smtClean="0">
+                <a:hlinkClick r:id="rId3"/>
+              </a:rPr>
+              <a:t>https</a:t>
+            </a:r>
             <a:r>
               <a:rPr lang="tr-TR" dirty="0">
                 <a:hlinkClick r:id="rId3"/>
               </a:rPr>
-              <a:t>https://repos</a:t>
+              <a:t>://repos</a:t>
             </a:r>
             <a:endParaRPr lang="tr-TR" dirty="0"/>
           </a:p>
@@ -8210,6 +8315,12 @@
             <a:endParaRPr lang="tr-TR" dirty="0" smtClean="0"/>
           </a:p>
           <a:p>
+            <a:pPr marL="0" indent="0" algn="just">
+              <a:buNone/>
+            </a:pPr>
+            <a:endParaRPr lang="tr-TR" dirty="0" smtClean="0"/>
+          </a:p>
+          <a:p>
             <a:pPr algn="just"/>
             <a:r>
               <a:rPr lang="tr-TR" dirty="0" smtClean="0"/>
@@ -8229,45 +8340,51 @@
               <a:buNone/>
             </a:pPr>
             <a:r>
+              <a:rPr lang="en-US" dirty="0" smtClean="0"/>
+              <a:t>faster </a:t>
+            </a:r>
+            <a:r>
               <a:rPr lang="en-US" dirty="0"/>
-              <a:t>svn:// or </a:t>
-            </a:r>
+              <a:t>than HTTP(S</a:t>
+            </a:r>
+            <a:r>
+              <a:rPr lang="en-US" dirty="0" smtClean="0"/>
+              <a:t>)</a:t>
+            </a:r>
+            <a:endParaRPr lang="tr-TR" dirty="0" smtClean="0"/>
+          </a:p>
+          <a:p>
+            <a:pPr marL="0" indent="0" algn="just">
+              <a:buNone/>
+            </a:pPr>
+            <a:endParaRPr lang="tr-TR" dirty="0"/>
+          </a:p>
+          <a:p>
+            <a:pPr algn="just"/>
+            <a:r>
+              <a:rPr lang="tr-TR" dirty="0" err="1"/>
+              <a:t>svn+ssh</a:t>
+            </a:r>
+            <a:r>
+              <a:rPr lang="tr-TR" dirty="0"/>
+              <a:t>://</a:t>
+            </a:r>
+            <a:r>
+              <a:rPr lang="tr-TR" dirty="0" err="1" smtClean="0"/>
+              <a:t>repos</a:t>
+            </a:r>
+            <a:endParaRPr lang="tr-TR" dirty="0" smtClean="0"/>
+          </a:p>
+          <a:p>
+            <a:pPr marL="0" indent="0" algn="just">
+              <a:buNone/>
+            </a:pPr>
             <a:r>
               <a:rPr lang="en-US" dirty="0" err="1"/>
               <a:t>svn+ssh</a:t>
             </a:r>
             <a:r>
               <a:rPr lang="en-US" dirty="0"/>
-              <a:t>:// are faster than HTTP(S)</a:t>
-            </a:r>
-            <a:endParaRPr lang="tr-TR" dirty="0"/>
-          </a:p>
-          <a:p>
-            <a:pPr algn="just"/>
-            <a:r>
-              <a:rPr lang="tr-TR" dirty="0" err="1"/>
-              <a:t>svn+ssh</a:t>
-            </a:r>
-            <a:r>
-              <a:rPr lang="tr-TR" dirty="0"/>
-              <a:t>://</a:t>
-            </a:r>
-            <a:r>
-              <a:rPr lang="tr-TR" dirty="0" err="1" smtClean="0"/>
-              <a:t>repos</a:t>
-            </a:r>
-            <a:endParaRPr lang="tr-TR" dirty="0" smtClean="0"/>
-          </a:p>
-          <a:p>
-            <a:pPr marL="0" indent="0" algn="just">
-              <a:buNone/>
-            </a:pPr>
-            <a:r>
-              <a:rPr lang="en-US" dirty="0" err="1"/>
-              <a:t>svn+ssh</a:t>
-            </a:r>
-            <a:r>
-              <a:rPr lang="en-US" dirty="0"/>
               <a:t> is the </a:t>
             </a:r>
             <a:r>
@@ -8276,19 +8393,7 @@
             </a:r>
             <a:r>
               <a:rPr lang="en-US" dirty="0"/>
-              <a:t> protocol run inside a SSH tunnel. The client uses SSH to log on the remote server and remotely runs the </a:t>
-            </a:r>
-            <a:r>
-              <a:rPr lang="en-US" dirty="0" err="1"/>
-              <a:t>svn</a:t>
-            </a:r>
-            <a:r>
-              <a:rPr lang="en-US" dirty="0"/>
-              <a:t> command in that tunnel</a:t>
-            </a:r>
-            <a:r>
-              <a:rPr lang="en-US" dirty="0" smtClean="0"/>
-              <a:t>.</a:t>
+              <a:t> protocol run inside a SSH tunnel. </a:t>
             </a:r>
             <a:endParaRPr lang="tr-TR" dirty="0"/>
           </a:p>
@@ -8315,1660 +8420,6 @@
 </file>
 
 <file path=ppt/slides/slide22.xml><?xml version="1.0" encoding="utf-8"?>
-<p:sld xmlns:a="http://schemas.openxmlformats.org/drawingml/2006/main" xmlns:r="http://schemas.openxmlformats.org/officeDocument/2006/relationships" xmlns:p="http://schemas.openxmlformats.org/presentationml/2006/main">
-  <p:cSld>
-    <p:spTree>
-      <p:nvGrpSpPr>
-        <p:cNvPr id="1" name=""/>
-        <p:cNvGrpSpPr/>
-        <p:nvPr/>
-      </p:nvGrpSpPr>
-      <p:grpSpPr>
-        <a:xfrm>
-          <a:off x="0" y="0"/>
-          <a:ext cx="0" cy="0"/>
-          <a:chOff x="0" y="0"/>
-          <a:chExt cx="0" cy="0"/>
-        </a:xfrm>
-      </p:grpSpPr>
-      <p:graphicFrame>
-        <p:nvGraphicFramePr>
-          <p:cNvPr id="4" name="İçerik Yer Tutucusu 3"/>
-          <p:cNvGraphicFramePr>
-            <a:graphicFrameLocks noGrp="1"/>
-          </p:cNvGraphicFramePr>
-          <p:nvPr>
-            <p:ph idx="1"/>
-            <p:extLst>
-              <p:ext uri="{D42A27DB-BD31-4B8C-83A1-F6EECF244321}">
-                <p14:modId xmlns:p14="http://schemas.microsoft.com/office/powerpoint/2010/main" val="3379962191"/>
-              </p:ext>
-            </p:extLst>
-          </p:nvPr>
-        </p:nvGraphicFramePr>
-        <p:xfrm>
-          <a:off x="-3" y="-2"/>
-          <a:ext cx="12192002" cy="6898972"/>
-        </p:xfrm>
-        <a:graphic>
-          <a:graphicData uri="http://schemas.openxmlformats.org/drawingml/2006/table">
-            <a:tbl>
-              <a:tblPr/>
-              <a:tblGrid>
-                <a:gridCol w="6096001">
-                  <a:extLst>
-                    <a:ext uri="{9D8B030D-6E8A-4147-A177-3AD203B41FA5}">
-                      <a16:colId xmlns:a16="http://schemas.microsoft.com/office/drawing/2014/main" val="1945519436"/>
-                    </a:ext>
-                  </a:extLst>
-                </a:gridCol>
-                <a:gridCol w="6096001">
-                  <a:extLst>
-                    <a:ext uri="{9D8B030D-6E8A-4147-A177-3AD203B41FA5}">
-                      <a16:colId xmlns:a16="http://schemas.microsoft.com/office/drawing/2014/main" val="3098696905"/>
-                    </a:ext>
-                  </a:extLst>
-                </a:gridCol>
-              </a:tblGrid>
-              <a:tr h="359799">
-                <a:tc>
-                  <a:txBody>
-                    <a:bodyPr/>
-                    <a:lstStyle/>
-                    <a:p>
-                      <a:pPr algn="l" fontAlgn="t"/>
-                      <a:r>
-                        <a:rPr lang="tr-TR" sz="1600">
-                          <a:solidFill>
-                            <a:srgbClr val="000000"/>
-                          </a:solidFill>
-                          <a:effectLst/>
-                          <a:latin typeface="+mn-lt"/>
-                        </a:rPr>
-                        <a:t>SVN</a:t>
-                      </a:r>
-                    </a:p>
-                  </a:txBody>
-                  <a:tcPr marL="65513" marR="65513" marT="65513" marB="65513">
-                    <a:lnL w="9525" cap="flat" cmpd="sng" algn="ctr">
-                      <a:solidFill>
-                        <a:srgbClr val="2098DD"/>
-                      </a:solidFill>
-                      <a:prstDash val="solid"/>
-                      <a:round/>
-                      <a:headEnd type="none" w="med" len="med"/>
-                      <a:tailEnd type="none" w="med" len="med"/>
-                    </a:lnL>
-                    <a:lnR w="9525" cap="flat" cmpd="sng" algn="ctr">
-                      <a:solidFill>
-                        <a:srgbClr val="2098DD"/>
-                      </a:solidFill>
-                      <a:prstDash val="solid"/>
-                      <a:round/>
-                      <a:headEnd type="none" w="med" len="med"/>
-                      <a:tailEnd type="none" w="med" len="med"/>
-                    </a:lnR>
-                    <a:lnT w="9525" cap="flat" cmpd="sng" algn="ctr">
-                      <a:solidFill>
-                        <a:srgbClr val="2098DD"/>
-                      </a:solidFill>
-                      <a:prstDash val="solid"/>
-                      <a:round/>
-                      <a:headEnd type="none" w="med" len="med"/>
-                      <a:tailEnd type="none" w="med" len="med"/>
-                    </a:lnT>
-                    <a:lnB w="9525" cap="flat" cmpd="sng" algn="ctr">
-                      <a:solidFill>
-                        <a:srgbClr val="C7CCBE"/>
-                      </a:solidFill>
-                      <a:prstDash val="solid"/>
-                      <a:round/>
-                      <a:headEnd type="none" w="med" len="med"/>
-                      <a:tailEnd type="none" w="med" len="med"/>
-                    </a:lnB>
-                    <a:solidFill>
-                      <a:srgbClr val="C7CCBE"/>
-                    </a:solidFill>
-                  </a:tcPr>
-                </a:tc>
-                <a:tc>
-                  <a:txBody>
-                    <a:bodyPr/>
-                    <a:lstStyle/>
-                    <a:p>
-                      <a:pPr algn="l" fontAlgn="t"/>
-                      <a:r>
-                        <a:rPr lang="tr-TR" sz="1600">
-                          <a:solidFill>
-                            <a:srgbClr val="000000"/>
-                          </a:solidFill>
-                          <a:effectLst/>
-                          <a:latin typeface="+mn-lt"/>
-                        </a:rPr>
-                        <a:t>Git</a:t>
-                      </a:r>
-                    </a:p>
-                  </a:txBody>
-                  <a:tcPr marL="65513" marR="65513" marT="65513" marB="65513">
-                    <a:lnL w="9525" cap="flat" cmpd="sng" algn="ctr">
-                      <a:solidFill>
-                        <a:srgbClr val="2098DD"/>
-                      </a:solidFill>
-                      <a:prstDash val="solid"/>
-                      <a:round/>
-                      <a:headEnd type="none" w="med" len="med"/>
-                      <a:tailEnd type="none" w="med" len="med"/>
-                    </a:lnL>
-                    <a:lnR w="9525" cap="flat" cmpd="sng" algn="ctr">
-                      <a:solidFill>
-                        <a:srgbClr val="2098DD"/>
-                      </a:solidFill>
-                      <a:prstDash val="solid"/>
-                      <a:round/>
-                      <a:headEnd type="none" w="med" len="med"/>
-                      <a:tailEnd type="none" w="med" len="med"/>
-                    </a:lnR>
-                    <a:lnT w="9525" cap="flat" cmpd="sng" algn="ctr">
-                      <a:solidFill>
-                        <a:srgbClr val="2098DD"/>
-                      </a:solidFill>
-                      <a:prstDash val="solid"/>
-                      <a:round/>
-                      <a:headEnd type="none" w="med" len="med"/>
-                      <a:tailEnd type="none" w="med" len="med"/>
-                    </a:lnT>
-                    <a:lnB w="9525" cap="flat" cmpd="sng" algn="ctr">
-                      <a:solidFill>
-                        <a:srgbClr val="C7CCBE"/>
-                      </a:solidFill>
-                      <a:prstDash val="solid"/>
-                      <a:round/>
-                      <a:headEnd type="none" w="med" len="med"/>
-                      <a:tailEnd type="none" w="med" len="med"/>
-                    </a:lnB>
-                    <a:solidFill>
-                      <a:srgbClr val="C7CCBE"/>
-                    </a:solidFill>
-                  </a:tcPr>
-                </a:tc>
-                <a:extLst>
-                  <a:ext uri="{0D108BD9-81ED-4DB2-BD59-A6C34878D82A}">
-                    <a16:rowId xmlns:a16="http://schemas.microsoft.com/office/drawing/2014/main" val="3732776804"/>
-                  </a:ext>
-                </a:extLst>
-              </a:tr>
-              <a:tr h="501539">
-                <a:tc>
-                  <a:txBody>
-                    <a:bodyPr/>
-                    <a:lstStyle/>
-                    <a:p>
-                      <a:pPr algn="just" fontAlgn="t"/>
-                      <a:r>
-                        <a:rPr lang="en-US" sz="1600" dirty="0">
-                          <a:solidFill>
-                            <a:srgbClr val="333333"/>
-                          </a:solidFill>
-                          <a:effectLst/>
-                          <a:latin typeface="+mn-lt"/>
-                        </a:rPr>
-                        <a:t>It's a Centralized version control system</a:t>
-                      </a:r>
-                    </a:p>
-                  </a:txBody>
-                  <a:tcPr marL="43675" marR="43675" marT="43675" marB="43675">
-                    <a:lnL w="9525" cap="flat" cmpd="sng" algn="ctr">
-                      <a:solidFill>
-                        <a:srgbClr val="C7CCBE"/>
-                      </a:solidFill>
-                      <a:prstDash val="solid"/>
-                      <a:round/>
-                      <a:headEnd type="none" w="med" len="med"/>
-                      <a:tailEnd type="none" w="med" len="med"/>
-                    </a:lnL>
-                    <a:lnR w="9525" cap="flat" cmpd="sng" algn="ctr">
-                      <a:solidFill>
-                        <a:srgbClr val="C7CCBE"/>
-                      </a:solidFill>
-                      <a:prstDash val="solid"/>
-                      <a:round/>
-                      <a:headEnd type="none" w="med" len="med"/>
-                      <a:tailEnd type="none" w="med" len="med"/>
-                    </a:lnR>
-                    <a:lnT w="9525" cap="flat" cmpd="sng" algn="ctr">
-                      <a:solidFill>
-                        <a:srgbClr val="C7CCBE"/>
-                      </a:solidFill>
-                      <a:prstDash val="solid"/>
-                      <a:round/>
-                      <a:headEnd type="none" w="med" len="med"/>
-                      <a:tailEnd type="none" w="med" len="med"/>
-                    </a:lnT>
-                    <a:lnB w="9525" cap="flat" cmpd="sng" algn="ctr">
-                      <a:solidFill>
-                        <a:srgbClr val="C7CCBE"/>
-                      </a:solidFill>
-                      <a:prstDash val="solid"/>
-                      <a:round/>
-                      <a:headEnd type="none" w="med" len="med"/>
-                      <a:tailEnd type="none" w="med" len="med"/>
-                    </a:lnB>
-                    <a:solidFill>
-                      <a:srgbClr val="FFFFFF"/>
-                    </a:solidFill>
-                  </a:tcPr>
-                </a:tc>
-                <a:tc>
-                  <a:txBody>
-                    <a:bodyPr/>
-                    <a:lstStyle/>
-                    <a:p>
-                      <a:pPr algn="just" fontAlgn="t"/>
-                      <a:r>
-                        <a:rPr lang="en-US" sz="1600">
-                          <a:solidFill>
-                            <a:srgbClr val="333333"/>
-                          </a:solidFill>
-                          <a:effectLst/>
-                          <a:latin typeface="+mn-lt"/>
-                        </a:rPr>
-                        <a:t>It's a distributed version control system.</a:t>
-                      </a:r>
-                    </a:p>
-                  </a:txBody>
-                  <a:tcPr marL="43675" marR="43675" marT="43675" marB="43675">
-                    <a:lnL w="9525" cap="flat" cmpd="sng" algn="ctr">
-                      <a:solidFill>
-                        <a:srgbClr val="C7CCBE"/>
-                      </a:solidFill>
-                      <a:prstDash val="solid"/>
-                      <a:round/>
-                      <a:headEnd type="none" w="med" len="med"/>
-                      <a:tailEnd type="none" w="med" len="med"/>
-                    </a:lnL>
-                    <a:lnR w="9525" cap="flat" cmpd="sng" algn="ctr">
-                      <a:solidFill>
-                        <a:srgbClr val="C7CCBE"/>
-                      </a:solidFill>
-                      <a:prstDash val="solid"/>
-                      <a:round/>
-                      <a:headEnd type="none" w="med" len="med"/>
-                      <a:tailEnd type="none" w="med" len="med"/>
-                    </a:lnR>
-                    <a:lnT w="9525" cap="flat" cmpd="sng" algn="ctr">
-                      <a:solidFill>
-                        <a:srgbClr val="C7CCBE"/>
-                      </a:solidFill>
-                      <a:prstDash val="solid"/>
-                      <a:round/>
-                      <a:headEnd type="none" w="med" len="med"/>
-                      <a:tailEnd type="none" w="med" len="med"/>
-                    </a:lnT>
-                    <a:lnB w="9525" cap="flat" cmpd="sng" algn="ctr">
-                      <a:solidFill>
-                        <a:srgbClr val="C7CCBE"/>
-                      </a:solidFill>
-                      <a:prstDash val="solid"/>
-                      <a:round/>
-                      <a:headEnd type="none" w="med" len="med"/>
-                      <a:tailEnd type="none" w="med" len="med"/>
-                    </a:lnB>
-                    <a:solidFill>
-                      <a:srgbClr val="FFFFFF"/>
-                    </a:solidFill>
-                  </a:tcPr>
-                </a:tc>
-                <a:extLst>
-                  <a:ext uri="{0D108BD9-81ED-4DB2-BD59-A6C34878D82A}">
-                    <a16:rowId xmlns:a16="http://schemas.microsoft.com/office/drawing/2014/main" val="1877309863"/>
-                  </a:ext>
-                </a:extLst>
-              </a:tr>
-              <a:tr h="501539">
-                <a:tc>
-                  <a:txBody>
-                    <a:bodyPr/>
-                    <a:lstStyle/>
-                    <a:p>
-                      <a:pPr algn="just" fontAlgn="t"/>
-                      <a:r>
-                        <a:rPr lang="tr-TR" sz="1600">
-                          <a:solidFill>
-                            <a:srgbClr val="333333"/>
-                          </a:solidFill>
-                          <a:effectLst/>
-                          <a:latin typeface="+mn-lt"/>
-                        </a:rPr>
-                        <a:t>It is revision control.</a:t>
-                      </a:r>
-                    </a:p>
-                  </a:txBody>
-                  <a:tcPr marL="43675" marR="43675" marT="43675" marB="43675">
-                    <a:lnL w="9525" cap="flat" cmpd="sng" algn="ctr">
-                      <a:solidFill>
-                        <a:srgbClr val="C7CCBE"/>
-                      </a:solidFill>
-                      <a:prstDash val="solid"/>
-                      <a:round/>
-                      <a:headEnd type="none" w="med" len="med"/>
-                      <a:tailEnd type="none" w="med" len="med"/>
-                    </a:lnL>
-                    <a:lnR w="9525" cap="flat" cmpd="sng" algn="ctr">
-                      <a:solidFill>
-                        <a:srgbClr val="C7CCBE"/>
-                      </a:solidFill>
-                      <a:prstDash val="solid"/>
-                      <a:round/>
-                      <a:headEnd type="none" w="med" len="med"/>
-                      <a:tailEnd type="none" w="med" len="med"/>
-                    </a:lnR>
-                    <a:lnT w="9525" cap="flat" cmpd="sng" algn="ctr">
-                      <a:solidFill>
-                        <a:srgbClr val="C7CCBE"/>
-                      </a:solidFill>
-                      <a:prstDash val="solid"/>
-                      <a:round/>
-                      <a:headEnd type="none" w="med" len="med"/>
-                      <a:tailEnd type="none" w="med" len="med"/>
-                    </a:lnT>
-                    <a:lnB w="9525" cap="flat" cmpd="sng" algn="ctr">
-                      <a:solidFill>
-                        <a:srgbClr val="C7CCBE"/>
-                      </a:solidFill>
-                      <a:prstDash val="solid"/>
-                      <a:round/>
-                      <a:headEnd type="none" w="med" len="med"/>
-                      <a:tailEnd type="none" w="med" len="med"/>
-                    </a:lnB>
-                    <a:solidFill>
-                      <a:srgbClr val="EFF1EB"/>
-                    </a:solidFill>
-                  </a:tcPr>
-                </a:tc>
-                <a:tc>
-                  <a:txBody>
-                    <a:bodyPr/>
-                    <a:lstStyle/>
-                    <a:p>
-                      <a:pPr algn="just" fontAlgn="t"/>
-                      <a:r>
-                        <a:rPr lang="tr-TR" sz="1600">
-                          <a:solidFill>
-                            <a:srgbClr val="333333"/>
-                          </a:solidFill>
-                          <a:effectLst/>
-                          <a:latin typeface="+mn-lt"/>
-                        </a:rPr>
-                        <a:t>Git is an SCM (source code management).</a:t>
-                      </a:r>
-                    </a:p>
-                  </a:txBody>
-                  <a:tcPr marL="43675" marR="43675" marT="43675" marB="43675">
-                    <a:lnL w="9525" cap="flat" cmpd="sng" algn="ctr">
-                      <a:solidFill>
-                        <a:srgbClr val="C7CCBE"/>
-                      </a:solidFill>
-                      <a:prstDash val="solid"/>
-                      <a:round/>
-                      <a:headEnd type="none" w="med" len="med"/>
-                      <a:tailEnd type="none" w="med" len="med"/>
-                    </a:lnL>
-                    <a:lnR w="9525" cap="flat" cmpd="sng" algn="ctr">
-                      <a:solidFill>
-                        <a:srgbClr val="C7CCBE"/>
-                      </a:solidFill>
-                      <a:prstDash val="solid"/>
-                      <a:round/>
-                      <a:headEnd type="none" w="med" len="med"/>
-                      <a:tailEnd type="none" w="med" len="med"/>
-                    </a:lnR>
-                    <a:lnT w="9525" cap="flat" cmpd="sng" algn="ctr">
-                      <a:solidFill>
-                        <a:srgbClr val="C7CCBE"/>
-                      </a:solidFill>
-                      <a:prstDash val="solid"/>
-                      <a:round/>
-                      <a:headEnd type="none" w="med" len="med"/>
-                      <a:tailEnd type="none" w="med" len="med"/>
-                    </a:lnT>
-                    <a:lnB w="9525" cap="flat" cmpd="sng" algn="ctr">
-                      <a:solidFill>
-                        <a:srgbClr val="C7CCBE"/>
-                      </a:solidFill>
-                      <a:prstDash val="solid"/>
-                      <a:round/>
-                      <a:headEnd type="none" w="med" len="med"/>
-                      <a:tailEnd type="none" w="med" len="med"/>
-                    </a:lnB>
-                    <a:solidFill>
-                      <a:srgbClr val="EFF1EB"/>
-                    </a:solidFill>
-                  </a:tcPr>
-                </a:tc>
-                <a:extLst>
-                  <a:ext uri="{0D108BD9-81ED-4DB2-BD59-A6C34878D82A}">
-                    <a16:rowId xmlns:a16="http://schemas.microsoft.com/office/drawing/2014/main" val="3385148613"/>
-                  </a:ext>
-                </a:extLst>
-              </a:tr>
-              <a:tr h="501539">
-                <a:tc>
-                  <a:txBody>
-                    <a:bodyPr/>
-                    <a:lstStyle/>
-                    <a:p>
-                      <a:pPr algn="just" fontAlgn="t"/>
-                      <a:r>
-                        <a:rPr lang="en-US" sz="1600" dirty="0">
-                          <a:solidFill>
-                            <a:srgbClr val="333333"/>
-                          </a:solidFill>
-                          <a:effectLst/>
-                          <a:latin typeface="+mn-lt"/>
-                        </a:rPr>
-                        <a:t>It does not keep a cloned repository.</a:t>
-                      </a:r>
-                    </a:p>
-                  </a:txBody>
-                  <a:tcPr marL="43675" marR="43675" marT="43675" marB="43675">
-                    <a:lnL w="9525" cap="flat" cmpd="sng" algn="ctr">
-                      <a:solidFill>
-                        <a:srgbClr val="C7CCBE"/>
-                      </a:solidFill>
-                      <a:prstDash val="solid"/>
-                      <a:round/>
-                      <a:headEnd type="none" w="med" len="med"/>
-                      <a:tailEnd type="none" w="med" len="med"/>
-                    </a:lnL>
-                    <a:lnR w="9525" cap="flat" cmpd="sng" algn="ctr">
-                      <a:solidFill>
-                        <a:srgbClr val="C7CCBE"/>
-                      </a:solidFill>
-                      <a:prstDash val="solid"/>
-                      <a:round/>
-                      <a:headEnd type="none" w="med" len="med"/>
-                      <a:tailEnd type="none" w="med" len="med"/>
-                    </a:lnR>
-                    <a:lnT w="9525" cap="flat" cmpd="sng" algn="ctr">
-                      <a:solidFill>
-                        <a:srgbClr val="C7CCBE"/>
-                      </a:solidFill>
-                      <a:prstDash val="solid"/>
-                      <a:round/>
-                      <a:headEnd type="none" w="med" len="med"/>
-                      <a:tailEnd type="none" w="med" len="med"/>
-                    </a:lnT>
-                    <a:lnB w="9525" cap="flat" cmpd="sng" algn="ctr">
-                      <a:solidFill>
-                        <a:srgbClr val="C7CCBE"/>
-                      </a:solidFill>
-                      <a:prstDash val="solid"/>
-                      <a:round/>
-                      <a:headEnd type="none" w="med" len="med"/>
-                      <a:tailEnd type="none" w="med" len="med"/>
-                    </a:lnB>
-                    <a:solidFill>
-                      <a:srgbClr val="FFFFFF"/>
-                    </a:solidFill>
-                  </a:tcPr>
-                </a:tc>
-                <a:tc>
-                  <a:txBody>
-                    <a:bodyPr/>
-                    <a:lstStyle/>
-                    <a:p>
-                      <a:pPr algn="just" fontAlgn="t"/>
-                      <a:r>
-                        <a:rPr lang="en-US" sz="1600">
-                          <a:solidFill>
-                            <a:srgbClr val="333333"/>
-                          </a:solidFill>
-                          <a:effectLst/>
-                          <a:latin typeface="+mn-lt"/>
-                        </a:rPr>
-                        <a:t>It has a cloned repository.</a:t>
-                      </a:r>
-                    </a:p>
-                  </a:txBody>
-                  <a:tcPr marL="43675" marR="43675" marT="43675" marB="43675">
-                    <a:lnL w="9525" cap="flat" cmpd="sng" algn="ctr">
-                      <a:solidFill>
-                        <a:srgbClr val="C7CCBE"/>
-                      </a:solidFill>
-                      <a:prstDash val="solid"/>
-                      <a:round/>
-                      <a:headEnd type="none" w="med" len="med"/>
-                      <a:tailEnd type="none" w="med" len="med"/>
-                    </a:lnL>
-                    <a:lnR w="9525" cap="flat" cmpd="sng" algn="ctr">
-                      <a:solidFill>
-                        <a:srgbClr val="C7CCBE"/>
-                      </a:solidFill>
-                      <a:prstDash val="solid"/>
-                      <a:round/>
-                      <a:headEnd type="none" w="med" len="med"/>
-                      <a:tailEnd type="none" w="med" len="med"/>
-                    </a:lnR>
-                    <a:lnT w="9525" cap="flat" cmpd="sng" algn="ctr">
-                      <a:solidFill>
-                        <a:srgbClr val="C7CCBE"/>
-                      </a:solidFill>
-                      <a:prstDash val="solid"/>
-                      <a:round/>
-                      <a:headEnd type="none" w="med" len="med"/>
-                      <a:tailEnd type="none" w="med" len="med"/>
-                    </a:lnT>
-                    <a:lnB w="9525" cap="flat" cmpd="sng" algn="ctr">
-                      <a:solidFill>
-                        <a:srgbClr val="C7CCBE"/>
-                      </a:solidFill>
-                      <a:prstDash val="solid"/>
-                      <a:round/>
-                      <a:headEnd type="none" w="med" len="med"/>
-                      <a:tailEnd type="none" w="med" len="med"/>
-                    </a:lnB>
-                    <a:solidFill>
-                      <a:srgbClr val="FFFFFF"/>
-                    </a:solidFill>
-                  </a:tcPr>
-                </a:tc>
-                <a:extLst>
-                  <a:ext uri="{0D108BD9-81ED-4DB2-BD59-A6C34878D82A}">
-                    <a16:rowId xmlns:a16="http://schemas.microsoft.com/office/drawing/2014/main" val="2006818005"/>
-                  </a:ext>
-                </a:extLst>
-              </a:tr>
-              <a:tr h="1090302">
-                <a:tc>
-                  <a:txBody>
-                    <a:bodyPr/>
-                    <a:lstStyle/>
-                    <a:p>
-                      <a:pPr algn="just" fontAlgn="t"/>
-                      <a:r>
-                        <a:rPr lang="en-US" sz="1600" dirty="0">
-                          <a:solidFill>
-                            <a:srgbClr val="333333"/>
-                          </a:solidFill>
-                          <a:effectLst/>
-                          <a:latin typeface="+mn-lt"/>
-                        </a:rPr>
-                        <a:t>Branches in SVN are a folder that takes place in the repository. Some special commands are required For merging the branches.</a:t>
-                      </a:r>
-                    </a:p>
-                  </a:txBody>
-                  <a:tcPr marL="43675" marR="43675" marT="43675" marB="43675">
-                    <a:lnL w="9525" cap="flat" cmpd="sng" algn="ctr">
-                      <a:solidFill>
-                        <a:srgbClr val="C7CCBE"/>
-                      </a:solidFill>
-                      <a:prstDash val="solid"/>
-                      <a:round/>
-                      <a:headEnd type="none" w="med" len="med"/>
-                      <a:tailEnd type="none" w="med" len="med"/>
-                    </a:lnL>
-                    <a:lnR w="9525" cap="flat" cmpd="sng" algn="ctr">
-                      <a:solidFill>
-                        <a:srgbClr val="C7CCBE"/>
-                      </a:solidFill>
-                      <a:prstDash val="solid"/>
-                      <a:round/>
-                      <a:headEnd type="none" w="med" len="med"/>
-                      <a:tailEnd type="none" w="med" len="med"/>
-                    </a:lnR>
-                    <a:lnT w="9525" cap="flat" cmpd="sng" algn="ctr">
-                      <a:solidFill>
-                        <a:srgbClr val="C7CCBE"/>
-                      </a:solidFill>
-                      <a:prstDash val="solid"/>
-                      <a:round/>
-                      <a:headEnd type="none" w="med" len="med"/>
-                      <a:tailEnd type="none" w="med" len="med"/>
-                    </a:lnT>
-                    <a:lnB w="9525" cap="flat" cmpd="sng" algn="ctr">
-                      <a:solidFill>
-                        <a:srgbClr val="C7CCBE"/>
-                      </a:solidFill>
-                      <a:prstDash val="solid"/>
-                      <a:round/>
-                      <a:headEnd type="none" w="med" len="med"/>
-                      <a:tailEnd type="none" w="med" len="med"/>
-                    </a:lnB>
-                    <a:solidFill>
-                      <a:srgbClr val="EFF1EB"/>
-                    </a:solidFill>
-                  </a:tcPr>
-                </a:tc>
-                <a:tc>
-                  <a:txBody>
-                    <a:bodyPr/>
-                    <a:lstStyle/>
-                    <a:p>
-                      <a:pPr algn="just" fontAlgn="t"/>
-                      <a:r>
-                        <a:rPr lang="en-US" sz="1600" dirty="0">
-                          <a:solidFill>
-                            <a:srgbClr val="333333"/>
-                          </a:solidFill>
-                          <a:effectLst/>
-                          <a:latin typeface="+mn-lt"/>
-                        </a:rPr>
-                        <a:t>The </a:t>
-                      </a:r>
-                      <a:r>
-                        <a:rPr lang="en-US" sz="1600" dirty="0" err="1">
-                          <a:solidFill>
-                            <a:srgbClr val="333333"/>
-                          </a:solidFill>
-                          <a:effectLst/>
-                          <a:latin typeface="+mn-lt"/>
-                        </a:rPr>
-                        <a:t>Git</a:t>
-                      </a:r>
-                      <a:r>
-                        <a:rPr lang="en-US" sz="1600" dirty="0">
-                          <a:solidFill>
-                            <a:srgbClr val="333333"/>
-                          </a:solidFill>
-                          <a:effectLst/>
-                          <a:latin typeface="+mn-lt"/>
-                        </a:rPr>
-                        <a:t> branches are familiar to work. The </a:t>
-                      </a:r>
-                      <a:r>
-                        <a:rPr lang="en-US" sz="1600" dirty="0" err="1">
-                          <a:solidFill>
-                            <a:srgbClr val="333333"/>
-                          </a:solidFill>
-                          <a:effectLst/>
-                          <a:latin typeface="+mn-lt"/>
-                        </a:rPr>
-                        <a:t>Git</a:t>
-                      </a:r>
-                      <a:r>
-                        <a:rPr lang="en-US" sz="1600" dirty="0">
-                          <a:solidFill>
-                            <a:srgbClr val="333333"/>
-                          </a:solidFill>
-                          <a:effectLst/>
-                          <a:latin typeface="+mn-lt"/>
-                        </a:rPr>
-                        <a:t> system helps in merging the files quickly and also assists in finding the unmerged ones.</a:t>
-                      </a:r>
-                    </a:p>
-                  </a:txBody>
-                  <a:tcPr marL="43675" marR="43675" marT="43675" marB="43675">
-                    <a:lnL w="9525" cap="flat" cmpd="sng" algn="ctr">
-                      <a:solidFill>
-                        <a:srgbClr val="C7CCBE"/>
-                      </a:solidFill>
-                      <a:prstDash val="solid"/>
-                      <a:round/>
-                      <a:headEnd type="none" w="med" len="med"/>
-                      <a:tailEnd type="none" w="med" len="med"/>
-                    </a:lnL>
-                    <a:lnR w="9525" cap="flat" cmpd="sng" algn="ctr">
-                      <a:solidFill>
-                        <a:srgbClr val="C7CCBE"/>
-                      </a:solidFill>
-                      <a:prstDash val="solid"/>
-                      <a:round/>
-                      <a:headEnd type="none" w="med" len="med"/>
-                      <a:tailEnd type="none" w="med" len="med"/>
-                    </a:lnR>
-                    <a:lnT w="9525" cap="flat" cmpd="sng" algn="ctr">
-                      <a:solidFill>
-                        <a:srgbClr val="C7CCBE"/>
-                      </a:solidFill>
-                      <a:prstDash val="solid"/>
-                      <a:round/>
-                      <a:headEnd type="none" w="med" len="med"/>
-                      <a:tailEnd type="none" w="med" len="med"/>
-                    </a:lnT>
-                    <a:lnB w="9525" cap="flat" cmpd="sng" algn="ctr">
-                      <a:solidFill>
-                        <a:srgbClr val="C7CCBE"/>
-                      </a:solidFill>
-                      <a:prstDash val="solid"/>
-                      <a:round/>
-                      <a:headEnd type="none" w="med" len="med"/>
-                      <a:tailEnd type="none" w="med" len="med"/>
-                    </a:lnB>
-                    <a:solidFill>
-                      <a:srgbClr val="EFF1EB"/>
-                    </a:solidFill>
-                  </a:tcPr>
-                </a:tc>
-                <a:extLst>
-                  <a:ext uri="{0D108BD9-81ED-4DB2-BD59-A6C34878D82A}">
-                    <a16:rowId xmlns:a16="http://schemas.microsoft.com/office/drawing/2014/main" val="2530437950"/>
-                  </a:ext>
-                </a:extLst>
-              </a:tr>
-              <a:tr h="501539">
-                <a:tc>
-                  <a:txBody>
-                    <a:bodyPr/>
-                    <a:lstStyle/>
-                    <a:p>
-                      <a:pPr algn="just" fontAlgn="t"/>
-                      <a:r>
-                        <a:rPr lang="en-US" sz="1600" dirty="0">
-                          <a:solidFill>
-                            <a:srgbClr val="333333"/>
-                          </a:solidFill>
-                          <a:effectLst/>
-                          <a:latin typeface="+mn-lt"/>
-                        </a:rPr>
-                        <a:t>It has an internationalized revision number.</a:t>
-                      </a:r>
-                    </a:p>
-                  </a:txBody>
-                  <a:tcPr marL="43675" marR="43675" marT="43675" marB="43675">
-                    <a:lnL w="9525" cap="flat" cmpd="sng" algn="ctr">
-                      <a:solidFill>
-                        <a:srgbClr val="C7CCBE"/>
-                      </a:solidFill>
-                      <a:prstDash val="solid"/>
-                      <a:round/>
-                      <a:headEnd type="none" w="med" len="med"/>
-                      <a:tailEnd type="none" w="med" len="med"/>
-                    </a:lnL>
-                    <a:lnR w="9525" cap="flat" cmpd="sng" algn="ctr">
-                      <a:solidFill>
-                        <a:srgbClr val="C7CCBE"/>
-                      </a:solidFill>
-                      <a:prstDash val="solid"/>
-                      <a:round/>
-                      <a:headEnd type="none" w="med" len="med"/>
-                      <a:tailEnd type="none" w="med" len="med"/>
-                    </a:lnR>
-                    <a:lnT w="9525" cap="flat" cmpd="sng" algn="ctr">
-                      <a:solidFill>
-                        <a:srgbClr val="C7CCBE"/>
-                      </a:solidFill>
-                      <a:prstDash val="solid"/>
-                      <a:round/>
-                      <a:headEnd type="none" w="med" len="med"/>
-                      <a:tailEnd type="none" w="med" len="med"/>
-                    </a:lnT>
-                    <a:lnB w="9525" cap="flat" cmpd="sng" algn="ctr">
-                      <a:solidFill>
-                        <a:srgbClr val="C7CCBE"/>
-                      </a:solidFill>
-                      <a:prstDash val="solid"/>
-                      <a:round/>
-                      <a:headEnd type="none" w="med" len="med"/>
-                      <a:tailEnd type="none" w="med" len="med"/>
-                    </a:lnB>
-                    <a:solidFill>
-                      <a:srgbClr val="FFFFFF"/>
-                    </a:solidFill>
-                  </a:tcPr>
-                </a:tc>
-                <a:tc>
-                  <a:txBody>
-                    <a:bodyPr/>
-                    <a:lstStyle/>
-                    <a:p>
-                      <a:pPr algn="just" fontAlgn="t"/>
-                      <a:r>
-                        <a:rPr lang="en-US" sz="1600">
-                          <a:solidFill>
-                            <a:srgbClr val="333333"/>
-                          </a:solidFill>
-                          <a:effectLst/>
-                          <a:latin typeface="+mn-lt"/>
-                        </a:rPr>
-                        <a:t>It does not have a Global revision number.</a:t>
-                      </a:r>
-                    </a:p>
-                  </a:txBody>
-                  <a:tcPr marL="43675" marR="43675" marT="43675" marB="43675">
-                    <a:lnL w="9525" cap="flat" cmpd="sng" algn="ctr">
-                      <a:solidFill>
-                        <a:srgbClr val="C7CCBE"/>
-                      </a:solidFill>
-                      <a:prstDash val="solid"/>
-                      <a:round/>
-                      <a:headEnd type="none" w="med" len="med"/>
-                      <a:tailEnd type="none" w="med" len="med"/>
-                    </a:lnL>
-                    <a:lnR w="9525" cap="flat" cmpd="sng" algn="ctr">
-                      <a:solidFill>
-                        <a:srgbClr val="C7CCBE"/>
-                      </a:solidFill>
-                      <a:prstDash val="solid"/>
-                      <a:round/>
-                      <a:headEnd type="none" w="med" len="med"/>
-                      <a:tailEnd type="none" w="med" len="med"/>
-                    </a:lnR>
-                    <a:lnT w="9525" cap="flat" cmpd="sng" algn="ctr">
-                      <a:solidFill>
-                        <a:srgbClr val="C7CCBE"/>
-                      </a:solidFill>
-                      <a:prstDash val="solid"/>
-                      <a:round/>
-                      <a:headEnd type="none" w="med" len="med"/>
-                      <a:tailEnd type="none" w="med" len="med"/>
-                    </a:lnT>
-                    <a:lnB w="9525" cap="flat" cmpd="sng" algn="ctr">
-                      <a:solidFill>
-                        <a:srgbClr val="C7CCBE"/>
-                      </a:solidFill>
-                      <a:prstDash val="solid"/>
-                      <a:round/>
-                      <a:headEnd type="none" w="med" len="med"/>
-                      <a:tailEnd type="none" w="med" len="med"/>
-                    </a:lnB>
-                    <a:solidFill>
-                      <a:srgbClr val="FFFFFF"/>
-                    </a:solidFill>
-                  </a:tcPr>
-                </a:tc>
-                <a:extLst>
-                  <a:ext uri="{0D108BD9-81ED-4DB2-BD59-A6C34878D82A}">
-                    <a16:rowId xmlns:a16="http://schemas.microsoft.com/office/drawing/2014/main" val="3930621491"/>
-                  </a:ext>
-                </a:extLst>
-              </a:tr>
-              <a:tr h="1090302">
-                <a:tc>
-                  <a:txBody>
-                    <a:bodyPr/>
-                    <a:lstStyle/>
-                    <a:p>
-                      <a:pPr algn="just" fontAlgn="t"/>
-                      <a:r>
-                        <a:rPr lang="en-US" sz="1600" dirty="0">
-                          <a:solidFill>
-                            <a:srgbClr val="333333"/>
-                          </a:solidFill>
-                          <a:effectLst/>
-                          <a:latin typeface="+mn-lt"/>
-                        </a:rPr>
-                        <a:t>SVN does not contain any cryptographically hashed contents.</a:t>
-                      </a:r>
-                    </a:p>
-                  </a:txBody>
-                  <a:tcPr marL="43675" marR="43675" marT="43675" marB="43675">
-                    <a:lnL w="9525" cap="flat" cmpd="sng" algn="ctr">
-                      <a:solidFill>
-                        <a:srgbClr val="C7CCBE"/>
-                      </a:solidFill>
-                      <a:prstDash val="solid"/>
-                      <a:round/>
-                      <a:headEnd type="none" w="med" len="med"/>
-                      <a:tailEnd type="none" w="med" len="med"/>
-                    </a:lnL>
-                    <a:lnR w="9525" cap="flat" cmpd="sng" algn="ctr">
-                      <a:solidFill>
-                        <a:srgbClr val="C7CCBE"/>
-                      </a:solidFill>
-                      <a:prstDash val="solid"/>
-                      <a:round/>
-                      <a:headEnd type="none" w="med" len="med"/>
-                      <a:tailEnd type="none" w="med" len="med"/>
-                    </a:lnR>
-                    <a:lnT w="9525" cap="flat" cmpd="sng" algn="ctr">
-                      <a:solidFill>
-                        <a:srgbClr val="C7CCBE"/>
-                      </a:solidFill>
-                      <a:prstDash val="solid"/>
-                      <a:round/>
-                      <a:headEnd type="none" w="med" len="med"/>
-                      <a:tailEnd type="none" w="med" len="med"/>
-                    </a:lnT>
-                    <a:lnB w="9525" cap="flat" cmpd="sng" algn="ctr">
-                      <a:solidFill>
-                        <a:srgbClr val="C7CCBE"/>
-                      </a:solidFill>
-                      <a:prstDash val="solid"/>
-                      <a:round/>
-                      <a:headEnd type="none" w="med" len="med"/>
-                      <a:tailEnd type="none" w="med" len="med"/>
-                    </a:lnB>
-                    <a:solidFill>
-                      <a:srgbClr val="EFF1EB"/>
-                    </a:solidFill>
-                  </a:tcPr>
-                </a:tc>
-                <a:tc>
-                  <a:txBody>
-                    <a:bodyPr/>
-                    <a:lstStyle/>
-                    <a:p>
-                      <a:pPr algn="just" fontAlgn="t"/>
-                      <a:r>
-                        <a:rPr lang="en-US" sz="1600">
-                          <a:solidFill>
-                            <a:srgbClr val="333333"/>
-                          </a:solidFill>
-                          <a:effectLst/>
-                          <a:latin typeface="+mn-lt"/>
-                        </a:rPr>
-                        <a:t>It has cryptographically hashed contents that protect the contents from repository corruption taking place due to network issues or disk failures.</a:t>
-                      </a:r>
-                    </a:p>
-                  </a:txBody>
-                  <a:tcPr marL="43675" marR="43675" marT="43675" marB="43675">
-                    <a:lnL w="9525" cap="flat" cmpd="sng" algn="ctr">
-                      <a:solidFill>
-                        <a:srgbClr val="C7CCBE"/>
-                      </a:solidFill>
-                      <a:prstDash val="solid"/>
-                      <a:round/>
-                      <a:headEnd type="none" w="med" len="med"/>
-                      <a:tailEnd type="none" w="med" len="med"/>
-                    </a:lnL>
-                    <a:lnR w="9525" cap="flat" cmpd="sng" algn="ctr">
-                      <a:solidFill>
-                        <a:srgbClr val="C7CCBE"/>
-                      </a:solidFill>
-                      <a:prstDash val="solid"/>
-                      <a:round/>
-                      <a:headEnd type="none" w="med" len="med"/>
-                      <a:tailEnd type="none" w="med" len="med"/>
-                    </a:lnR>
-                    <a:lnT w="9525" cap="flat" cmpd="sng" algn="ctr">
-                      <a:solidFill>
-                        <a:srgbClr val="C7CCBE"/>
-                      </a:solidFill>
-                      <a:prstDash val="solid"/>
-                      <a:round/>
-                      <a:headEnd type="none" w="med" len="med"/>
-                      <a:tailEnd type="none" w="med" len="med"/>
-                    </a:lnT>
-                    <a:lnB w="9525" cap="flat" cmpd="sng" algn="ctr">
-                      <a:solidFill>
-                        <a:srgbClr val="C7CCBE"/>
-                      </a:solidFill>
-                      <a:prstDash val="solid"/>
-                      <a:round/>
-                      <a:headEnd type="none" w="med" len="med"/>
-                      <a:tailEnd type="none" w="med" len="med"/>
-                    </a:lnB>
-                    <a:solidFill>
-                      <a:srgbClr val="EFF1EB"/>
-                    </a:solidFill>
-                  </a:tcPr>
-                </a:tc>
-                <a:extLst>
-                  <a:ext uri="{0D108BD9-81ED-4DB2-BD59-A6C34878D82A}">
-                    <a16:rowId xmlns:a16="http://schemas.microsoft.com/office/drawing/2014/main" val="2212176630"/>
-                  </a:ext>
-                </a:extLst>
-              </a:tr>
-              <a:tr h="305284">
-                <a:tc>
-                  <a:txBody>
-                    <a:bodyPr/>
-                    <a:lstStyle/>
-                    <a:p>
-                      <a:pPr algn="just" fontAlgn="t"/>
-                      <a:r>
-                        <a:rPr lang="tr-TR" sz="1600">
-                          <a:solidFill>
-                            <a:srgbClr val="333333"/>
-                          </a:solidFill>
-                          <a:effectLst/>
-                          <a:latin typeface="+mn-lt"/>
-                        </a:rPr>
-                        <a:t>SVN stores content as files.</a:t>
-                      </a:r>
-                    </a:p>
-                  </a:txBody>
-                  <a:tcPr marL="43675" marR="43675" marT="43675" marB="43675">
-                    <a:lnL w="9525" cap="flat" cmpd="sng" algn="ctr">
-                      <a:solidFill>
-                        <a:srgbClr val="C7CCBE"/>
-                      </a:solidFill>
-                      <a:prstDash val="solid"/>
-                      <a:round/>
-                      <a:headEnd type="none" w="med" len="med"/>
-                      <a:tailEnd type="none" w="med" len="med"/>
-                    </a:lnL>
-                    <a:lnR w="9525" cap="flat" cmpd="sng" algn="ctr">
-                      <a:solidFill>
-                        <a:srgbClr val="C7CCBE"/>
-                      </a:solidFill>
-                      <a:prstDash val="solid"/>
-                      <a:round/>
-                      <a:headEnd type="none" w="med" len="med"/>
-                      <a:tailEnd type="none" w="med" len="med"/>
-                    </a:lnR>
-                    <a:lnT w="9525" cap="flat" cmpd="sng" algn="ctr">
-                      <a:solidFill>
-                        <a:srgbClr val="C7CCBE"/>
-                      </a:solidFill>
-                      <a:prstDash val="solid"/>
-                      <a:round/>
-                      <a:headEnd type="none" w="med" len="med"/>
-                      <a:tailEnd type="none" w="med" len="med"/>
-                    </a:lnT>
-                    <a:lnB w="9525" cap="flat" cmpd="sng" algn="ctr">
-                      <a:solidFill>
-                        <a:srgbClr val="C7CCBE"/>
-                      </a:solidFill>
-                      <a:prstDash val="solid"/>
-                      <a:round/>
-                      <a:headEnd type="none" w="med" len="med"/>
-                      <a:tailEnd type="none" w="med" len="med"/>
-                    </a:lnB>
-                    <a:solidFill>
-                      <a:srgbClr val="FFFFFF"/>
-                    </a:solidFill>
-                  </a:tcPr>
-                </a:tc>
-                <a:tc>
-                  <a:txBody>
-                    <a:bodyPr/>
-                    <a:lstStyle/>
-                    <a:p>
-                      <a:pPr algn="just" fontAlgn="t"/>
-                      <a:r>
-                        <a:rPr lang="en-US" sz="1600">
-                          <a:solidFill>
-                            <a:srgbClr val="333333"/>
-                          </a:solidFill>
-                          <a:effectLst/>
-                          <a:latin typeface="+mn-lt"/>
-                        </a:rPr>
-                        <a:t>Git stored content as metadata.</a:t>
-                      </a:r>
-                    </a:p>
-                  </a:txBody>
-                  <a:tcPr marL="43675" marR="43675" marT="43675" marB="43675">
-                    <a:lnL w="9525" cap="flat" cmpd="sng" algn="ctr">
-                      <a:solidFill>
-                        <a:srgbClr val="C7CCBE"/>
-                      </a:solidFill>
-                      <a:prstDash val="solid"/>
-                      <a:round/>
-                      <a:headEnd type="none" w="med" len="med"/>
-                      <a:tailEnd type="none" w="med" len="med"/>
-                    </a:lnL>
-                    <a:lnR w="9525" cap="flat" cmpd="sng" algn="ctr">
-                      <a:solidFill>
-                        <a:srgbClr val="C7CCBE"/>
-                      </a:solidFill>
-                      <a:prstDash val="solid"/>
-                      <a:round/>
-                      <a:headEnd type="none" w="med" len="med"/>
-                      <a:tailEnd type="none" w="med" len="med"/>
-                    </a:lnR>
-                    <a:lnT w="9525" cap="flat" cmpd="sng" algn="ctr">
-                      <a:solidFill>
-                        <a:srgbClr val="C7CCBE"/>
-                      </a:solidFill>
-                      <a:prstDash val="solid"/>
-                      <a:round/>
-                      <a:headEnd type="none" w="med" len="med"/>
-                      <a:tailEnd type="none" w="med" len="med"/>
-                    </a:lnT>
-                    <a:lnB w="9525" cap="flat" cmpd="sng" algn="ctr">
-                      <a:solidFill>
-                        <a:srgbClr val="C7CCBE"/>
-                      </a:solidFill>
-                      <a:prstDash val="solid"/>
-                      <a:round/>
-                      <a:headEnd type="none" w="med" len="med"/>
-                      <a:tailEnd type="none" w="med" len="med"/>
-                    </a:lnB>
-                    <a:solidFill>
-                      <a:srgbClr val="FFFFFF"/>
-                    </a:solidFill>
-                  </a:tcPr>
-                </a:tc>
-                <a:extLst>
-                  <a:ext uri="{0D108BD9-81ED-4DB2-BD59-A6C34878D82A}">
-                    <a16:rowId xmlns:a16="http://schemas.microsoft.com/office/drawing/2014/main" val="841788550"/>
-                  </a:ext>
-                </a:extLst>
-              </a:tr>
-              <a:tr h="501539">
-                <a:tc>
-                  <a:txBody>
-                    <a:bodyPr/>
-                    <a:lstStyle/>
-                    <a:p>
-                      <a:pPr algn="just" fontAlgn="t"/>
-                      <a:r>
-                        <a:rPr lang="en-US" sz="1600">
-                          <a:solidFill>
-                            <a:srgbClr val="333333"/>
-                          </a:solidFill>
-                          <a:effectLst/>
-                          <a:latin typeface="+mn-lt"/>
-                        </a:rPr>
-                        <a:t>SVN's content is less secure than Git.</a:t>
-                      </a:r>
-                    </a:p>
-                  </a:txBody>
-                  <a:tcPr marL="43675" marR="43675" marT="43675" marB="43675">
-                    <a:lnL w="9525" cap="flat" cmpd="sng" algn="ctr">
-                      <a:solidFill>
-                        <a:srgbClr val="C7CCBE"/>
-                      </a:solidFill>
-                      <a:prstDash val="solid"/>
-                      <a:round/>
-                      <a:headEnd type="none" w="med" len="med"/>
-                      <a:tailEnd type="none" w="med" len="med"/>
-                    </a:lnL>
-                    <a:lnR w="9525" cap="flat" cmpd="sng" algn="ctr">
-                      <a:solidFill>
-                        <a:srgbClr val="C7CCBE"/>
-                      </a:solidFill>
-                      <a:prstDash val="solid"/>
-                      <a:round/>
-                      <a:headEnd type="none" w="med" len="med"/>
-                      <a:tailEnd type="none" w="med" len="med"/>
-                    </a:lnR>
-                    <a:lnT w="9525" cap="flat" cmpd="sng" algn="ctr">
-                      <a:solidFill>
-                        <a:srgbClr val="C7CCBE"/>
-                      </a:solidFill>
-                      <a:prstDash val="solid"/>
-                      <a:round/>
-                      <a:headEnd type="none" w="med" len="med"/>
-                      <a:tailEnd type="none" w="med" len="med"/>
-                    </a:lnT>
-                    <a:lnB w="9525" cap="flat" cmpd="sng" algn="ctr">
-                      <a:solidFill>
-                        <a:srgbClr val="C7CCBE"/>
-                      </a:solidFill>
-                      <a:prstDash val="solid"/>
-                      <a:round/>
-                      <a:headEnd type="none" w="med" len="med"/>
-                      <a:tailEnd type="none" w="med" len="med"/>
-                    </a:lnB>
-                    <a:solidFill>
-                      <a:srgbClr val="EFF1EB"/>
-                    </a:solidFill>
-                  </a:tcPr>
-                </a:tc>
-                <a:tc>
-                  <a:txBody>
-                    <a:bodyPr/>
-                    <a:lstStyle/>
-                    <a:p>
-                      <a:pPr algn="just" fontAlgn="t"/>
-                      <a:r>
-                        <a:rPr lang="en-US" sz="1600">
-                          <a:solidFill>
-                            <a:srgbClr val="333333"/>
-                          </a:solidFill>
-                          <a:effectLst/>
-                          <a:latin typeface="+mn-lt"/>
-                        </a:rPr>
-                        <a:t>Git has more content protection than SVN</a:t>
-                      </a:r>
-                    </a:p>
-                  </a:txBody>
-                  <a:tcPr marL="43675" marR="43675" marT="43675" marB="43675">
-                    <a:lnL w="9525" cap="flat" cmpd="sng" algn="ctr">
-                      <a:solidFill>
-                        <a:srgbClr val="C7CCBE"/>
-                      </a:solidFill>
-                      <a:prstDash val="solid"/>
-                      <a:round/>
-                      <a:headEnd type="none" w="med" len="med"/>
-                      <a:tailEnd type="none" w="med" len="med"/>
-                    </a:lnL>
-                    <a:lnR w="9525" cap="flat" cmpd="sng" algn="ctr">
-                      <a:solidFill>
-                        <a:srgbClr val="C7CCBE"/>
-                      </a:solidFill>
-                      <a:prstDash val="solid"/>
-                      <a:round/>
-                      <a:headEnd type="none" w="med" len="med"/>
-                      <a:tailEnd type="none" w="med" len="med"/>
-                    </a:lnR>
-                    <a:lnT w="9525" cap="flat" cmpd="sng" algn="ctr">
-                      <a:solidFill>
-                        <a:srgbClr val="C7CCBE"/>
-                      </a:solidFill>
-                      <a:prstDash val="solid"/>
-                      <a:round/>
-                      <a:headEnd type="none" w="med" len="med"/>
-                      <a:tailEnd type="none" w="med" len="med"/>
-                    </a:lnT>
-                    <a:lnB w="9525" cap="flat" cmpd="sng" algn="ctr">
-                      <a:solidFill>
-                        <a:srgbClr val="C7CCBE"/>
-                      </a:solidFill>
-                      <a:prstDash val="solid"/>
-                      <a:round/>
-                      <a:headEnd type="none" w="med" len="med"/>
-                      <a:tailEnd type="none" w="med" len="med"/>
-                    </a:lnB>
-                    <a:solidFill>
-                      <a:srgbClr val="EFF1EB"/>
-                    </a:solidFill>
-                  </a:tcPr>
-                </a:tc>
-                <a:extLst>
-                  <a:ext uri="{0D108BD9-81ED-4DB2-BD59-A6C34878D82A}">
-                    <a16:rowId xmlns:a16="http://schemas.microsoft.com/office/drawing/2014/main" val="3389640562"/>
-                  </a:ext>
-                </a:extLst>
-              </a:tr>
-              <a:tr h="501539">
-                <a:tc>
-                  <a:txBody>
-                    <a:bodyPr/>
-                    <a:lstStyle/>
-                    <a:p>
-                      <a:pPr algn="just" fontAlgn="t"/>
-                      <a:r>
-                        <a:rPr lang="en-US" sz="1600">
-                          <a:solidFill>
-                            <a:srgbClr val="333333"/>
-                          </a:solidFill>
-                          <a:effectLst/>
-                          <a:latin typeface="+mn-lt"/>
-                        </a:rPr>
-                        <a:t>SVN's content is less secure than Git.</a:t>
-                      </a:r>
-                    </a:p>
-                  </a:txBody>
-                  <a:tcPr marL="43675" marR="43675" marT="43675" marB="43675">
-                    <a:lnL w="9525" cap="flat" cmpd="sng" algn="ctr">
-                      <a:solidFill>
-                        <a:srgbClr val="C7CCBE"/>
-                      </a:solidFill>
-                      <a:prstDash val="solid"/>
-                      <a:round/>
-                      <a:headEnd type="none" w="med" len="med"/>
-                      <a:tailEnd type="none" w="med" len="med"/>
-                    </a:lnL>
-                    <a:lnR w="9525" cap="flat" cmpd="sng" algn="ctr">
-                      <a:solidFill>
-                        <a:srgbClr val="C7CCBE"/>
-                      </a:solidFill>
-                      <a:prstDash val="solid"/>
-                      <a:round/>
-                      <a:headEnd type="none" w="med" len="med"/>
-                      <a:tailEnd type="none" w="med" len="med"/>
-                    </a:lnR>
-                    <a:lnT w="9525" cap="flat" cmpd="sng" algn="ctr">
-                      <a:solidFill>
-                        <a:srgbClr val="C7CCBE"/>
-                      </a:solidFill>
-                      <a:prstDash val="solid"/>
-                      <a:round/>
-                      <a:headEnd type="none" w="med" len="med"/>
-                      <a:tailEnd type="none" w="med" len="med"/>
-                    </a:lnT>
-                    <a:lnB w="9525" cap="flat" cmpd="sng" algn="ctr">
-                      <a:solidFill>
-                        <a:srgbClr val="C7CCBE"/>
-                      </a:solidFill>
-                      <a:prstDash val="solid"/>
-                      <a:round/>
-                      <a:headEnd type="none" w="med" len="med"/>
-                      <a:tailEnd type="none" w="med" len="med"/>
-                    </a:lnB>
-                    <a:solidFill>
-                      <a:srgbClr val="FFFFFF"/>
-                    </a:solidFill>
-                  </a:tcPr>
-                </a:tc>
-                <a:tc>
-                  <a:txBody>
-                    <a:bodyPr/>
-                    <a:lstStyle/>
-                    <a:p>
-                      <a:pPr algn="just" fontAlgn="t"/>
-                      <a:r>
-                        <a:rPr lang="en-US" sz="1600">
-                          <a:solidFill>
-                            <a:srgbClr val="333333"/>
-                          </a:solidFill>
-                          <a:effectLst/>
-                          <a:latin typeface="+mn-lt"/>
-                        </a:rPr>
-                        <a:t>Git has more content protection than SVN.</a:t>
-                      </a:r>
-                    </a:p>
-                  </a:txBody>
-                  <a:tcPr marL="43675" marR="43675" marT="43675" marB="43675">
-                    <a:lnL w="9525" cap="flat" cmpd="sng" algn="ctr">
-                      <a:solidFill>
-                        <a:srgbClr val="C7CCBE"/>
-                      </a:solidFill>
-                      <a:prstDash val="solid"/>
-                      <a:round/>
-                      <a:headEnd type="none" w="med" len="med"/>
-                      <a:tailEnd type="none" w="med" len="med"/>
-                    </a:lnL>
-                    <a:lnR w="9525" cap="flat" cmpd="sng" algn="ctr">
-                      <a:solidFill>
-                        <a:srgbClr val="C7CCBE"/>
-                      </a:solidFill>
-                      <a:prstDash val="solid"/>
-                      <a:round/>
-                      <a:headEnd type="none" w="med" len="med"/>
-                      <a:tailEnd type="none" w="med" len="med"/>
-                    </a:lnR>
-                    <a:lnT w="9525" cap="flat" cmpd="sng" algn="ctr">
-                      <a:solidFill>
-                        <a:srgbClr val="C7CCBE"/>
-                      </a:solidFill>
-                      <a:prstDash val="solid"/>
-                      <a:round/>
-                      <a:headEnd type="none" w="med" len="med"/>
-                      <a:tailEnd type="none" w="med" len="med"/>
-                    </a:lnT>
-                    <a:lnB w="9525" cap="flat" cmpd="sng" algn="ctr">
-                      <a:solidFill>
-                        <a:srgbClr val="C7CCBE"/>
-                      </a:solidFill>
-                      <a:prstDash val="solid"/>
-                      <a:round/>
-                      <a:headEnd type="none" w="med" len="med"/>
-                      <a:tailEnd type="none" w="med" len="med"/>
-                    </a:lnB>
-                    <a:solidFill>
-                      <a:srgbClr val="FFFFFF"/>
-                    </a:solidFill>
-                  </a:tcPr>
-                </a:tc>
-                <a:extLst>
-                  <a:ext uri="{0D108BD9-81ED-4DB2-BD59-A6C34878D82A}">
-                    <a16:rowId xmlns:a16="http://schemas.microsoft.com/office/drawing/2014/main" val="3808630632"/>
-                  </a:ext>
-                </a:extLst>
-              </a:tr>
-              <a:tr h="501539">
-                <a:tc>
-                  <a:txBody>
-                    <a:bodyPr/>
-                    <a:lstStyle/>
-                    <a:p>
-                      <a:pPr algn="just" fontAlgn="t"/>
-                      <a:r>
-                        <a:rPr lang="tr-TR" sz="1600">
-                          <a:solidFill>
-                            <a:srgbClr val="333333"/>
-                          </a:solidFill>
-                          <a:effectLst/>
-                          <a:latin typeface="+mn-lt"/>
-                        </a:rPr>
-                        <a:t>CollabNet, Inc developed SVN.</a:t>
-                      </a:r>
-                    </a:p>
-                  </a:txBody>
-                  <a:tcPr marL="43675" marR="43675" marT="43675" marB="43675">
-                    <a:lnL w="9525" cap="flat" cmpd="sng" algn="ctr">
-                      <a:solidFill>
-                        <a:srgbClr val="C7CCBE"/>
-                      </a:solidFill>
-                      <a:prstDash val="solid"/>
-                      <a:round/>
-                      <a:headEnd type="none" w="med" len="med"/>
-                      <a:tailEnd type="none" w="med" len="med"/>
-                    </a:lnL>
-                    <a:lnR w="9525" cap="flat" cmpd="sng" algn="ctr">
-                      <a:solidFill>
-                        <a:srgbClr val="C7CCBE"/>
-                      </a:solidFill>
-                      <a:prstDash val="solid"/>
-                      <a:round/>
-                      <a:headEnd type="none" w="med" len="med"/>
-                      <a:tailEnd type="none" w="med" len="med"/>
-                    </a:lnR>
-                    <a:lnT w="9525" cap="flat" cmpd="sng" algn="ctr">
-                      <a:solidFill>
-                        <a:srgbClr val="C7CCBE"/>
-                      </a:solidFill>
-                      <a:prstDash val="solid"/>
-                      <a:round/>
-                      <a:headEnd type="none" w="med" len="med"/>
-                      <a:tailEnd type="none" w="med" len="med"/>
-                    </a:lnT>
-                    <a:lnB w="9525" cap="flat" cmpd="sng" algn="ctr">
-                      <a:solidFill>
-                        <a:srgbClr val="C7CCBE"/>
-                      </a:solidFill>
-                      <a:prstDash val="solid"/>
-                      <a:round/>
-                      <a:headEnd type="none" w="med" len="med"/>
-                      <a:tailEnd type="none" w="med" len="med"/>
-                    </a:lnB>
-                    <a:solidFill>
-                      <a:srgbClr val="EFF1EB"/>
-                    </a:solidFill>
-                  </a:tcPr>
-                </a:tc>
-                <a:tc>
-                  <a:txBody>
-                    <a:bodyPr/>
-                    <a:lstStyle/>
-                    <a:p>
-                      <a:pPr algn="just" fontAlgn="t"/>
-                      <a:r>
-                        <a:rPr lang="tr-TR" sz="1600">
-                          <a:solidFill>
-                            <a:srgbClr val="333333"/>
-                          </a:solidFill>
-                          <a:effectLst/>
-                          <a:latin typeface="+mn-lt"/>
-                        </a:rPr>
-                        <a:t>Linus Torvalds developed git for Linux kernel.</a:t>
-                      </a:r>
-                    </a:p>
-                  </a:txBody>
-                  <a:tcPr marL="43675" marR="43675" marT="43675" marB="43675">
-                    <a:lnL w="9525" cap="flat" cmpd="sng" algn="ctr">
-                      <a:solidFill>
-                        <a:srgbClr val="C7CCBE"/>
-                      </a:solidFill>
-                      <a:prstDash val="solid"/>
-                      <a:round/>
-                      <a:headEnd type="none" w="med" len="med"/>
-                      <a:tailEnd type="none" w="med" len="med"/>
-                    </a:lnL>
-                    <a:lnR w="9525" cap="flat" cmpd="sng" algn="ctr">
-                      <a:solidFill>
-                        <a:srgbClr val="C7CCBE"/>
-                      </a:solidFill>
-                      <a:prstDash val="solid"/>
-                      <a:round/>
-                      <a:headEnd type="none" w="med" len="med"/>
-                      <a:tailEnd type="none" w="med" len="med"/>
-                    </a:lnR>
-                    <a:lnT w="9525" cap="flat" cmpd="sng" algn="ctr">
-                      <a:solidFill>
-                        <a:srgbClr val="C7CCBE"/>
-                      </a:solidFill>
-                      <a:prstDash val="solid"/>
-                      <a:round/>
-                      <a:headEnd type="none" w="med" len="med"/>
-                      <a:tailEnd type="none" w="med" len="med"/>
-                    </a:lnT>
-                    <a:lnB w="9525" cap="flat" cmpd="sng" algn="ctr">
-                      <a:solidFill>
-                        <a:srgbClr val="C7CCBE"/>
-                      </a:solidFill>
-                      <a:prstDash val="solid"/>
-                      <a:round/>
-                      <a:headEnd type="none" w="med" len="med"/>
-                      <a:tailEnd type="none" w="med" len="med"/>
-                    </a:lnB>
-                    <a:solidFill>
-                      <a:srgbClr val="EFF1EB"/>
-                    </a:solidFill>
-                  </a:tcPr>
-                </a:tc>
-                <a:extLst>
-                  <a:ext uri="{0D108BD9-81ED-4DB2-BD59-A6C34878D82A}">
-                    <a16:rowId xmlns:a16="http://schemas.microsoft.com/office/drawing/2014/main" val="3657280260"/>
-                  </a:ext>
-                </a:extLst>
-              </a:tr>
-              <a:tr h="501539">
-                <a:tc>
-                  <a:txBody>
-                    <a:bodyPr/>
-                    <a:lstStyle/>
-                    <a:p>
-                      <a:pPr algn="just" fontAlgn="t"/>
-                      <a:r>
-                        <a:rPr lang="en-US" sz="1600">
-                          <a:solidFill>
-                            <a:srgbClr val="333333"/>
-                          </a:solidFill>
-                          <a:effectLst/>
-                          <a:latin typeface="+mn-lt"/>
-                        </a:rPr>
-                        <a:t>SVN is distributed under the open-source license.</a:t>
-                      </a:r>
-                    </a:p>
-                  </a:txBody>
-                  <a:tcPr marL="43675" marR="43675" marT="43675" marB="43675">
-                    <a:lnL w="9525" cap="flat" cmpd="sng" algn="ctr">
-                      <a:solidFill>
-                        <a:srgbClr val="C7CCBE"/>
-                      </a:solidFill>
-                      <a:prstDash val="solid"/>
-                      <a:round/>
-                      <a:headEnd type="none" w="med" len="med"/>
-                      <a:tailEnd type="none" w="med" len="med"/>
-                    </a:lnL>
-                    <a:lnR w="9525" cap="flat" cmpd="sng" algn="ctr">
-                      <a:solidFill>
-                        <a:srgbClr val="C7CCBE"/>
-                      </a:solidFill>
-                      <a:prstDash val="solid"/>
-                      <a:round/>
-                      <a:headEnd type="none" w="med" len="med"/>
-                      <a:tailEnd type="none" w="med" len="med"/>
-                    </a:lnR>
-                    <a:lnT w="9525" cap="flat" cmpd="sng" algn="ctr">
-                      <a:solidFill>
-                        <a:srgbClr val="C7CCBE"/>
-                      </a:solidFill>
-                      <a:prstDash val="solid"/>
-                      <a:round/>
-                      <a:headEnd type="none" w="med" len="med"/>
-                      <a:tailEnd type="none" w="med" len="med"/>
-                    </a:lnT>
-                    <a:lnB w="9525" cap="flat" cmpd="sng" algn="ctr">
-                      <a:solidFill>
-                        <a:srgbClr val="C7CCBE"/>
-                      </a:solidFill>
-                      <a:prstDash val="solid"/>
-                      <a:round/>
-                      <a:headEnd type="none" w="med" len="med"/>
-                      <a:tailEnd type="none" w="med" len="med"/>
-                    </a:lnB>
-                    <a:solidFill>
-                      <a:srgbClr val="FFFFFF"/>
-                    </a:solidFill>
-                  </a:tcPr>
-                </a:tc>
-                <a:tc>
-                  <a:txBody>
-                    <a:bodyPr/>
-                    <a:lstStyle/>
-                    <a:p>
-                      <a:pPr algn="just" fontAlgn="t"/>
-                      <a:r>
-                        <a:rPr lang="en-US" sz="1600" dirty="0" err="1">
-                          <a:solidFill>
-                            <a:srgbClr val="333333"/>
-                          </a:solidFill>
-                          <a:effectLst/>
-                          <a:latin typeface="+mn-lt"/>
-                        </a:rPr>
-                        <a:t>Git</a:t>
-                      </a:r>
-                      <a:r>
-                        <a:rPr lang="en-US" sz="1600" dirty="0">
-                          <a:solidFill>
-                            <a:srgbClr val="333333"/>
-                          </a:solidFill>
-                          <a:effectLst/>
-                          <a:latin typeface="+mn-lt"/>
-                        </a:rPr>
-                        <a:t> is distributed under GNU (General public license)</a:t>
-                      </a:r>
-                    </a:p>
-                  </a:txBody>
-                  <a:tcPr marL="43675" marR="43675" marT="43675" marB="43675">
-                    <a:lnL w="9525" cap="flat" cmpd="sng" algn="ctr">
-                      <a:solidFill>
-                        <a:srgbClr val="C7CCBE"/>
-                      </a:solidFill>
-                      <a:prstDash val="solid"/>
-                      <a:round/>
-                      <a:headEnd type="none" w="med" len="med"/>
-                      <a:tailEnd type="none" w="med" len="med"/>
-                    </a:lnL>
-                    <a:lnR w="9525" cap="flat" cmpd="sng" algn="ctr">
-                      <a:solidFill>
-                        <a:srgbClr val="C7CCBE"/>
-                      </a:solidFill>
-                      <a:prstDash val="solid"/>
-                      <a:round/>
-                      <a:headEnd type="none" w="med" len="med"/>
-                      <a:tailEnd type="none" w="med" len="med"/>
-                    </a:lnR>
-                    <a:lnT w="9525" cap="flat" cmpd="sng" algn="ctr">
-                      <a:solidFill>
-                        <a:srgbClr val="C7CCBE"/>
-                      </a:solidFill>
-                      <a:prstDash val="solid"/>
-                      <a:round/>
-                      <a:headEnd type="none" w="med" len="med"/>
-                      <a:tailEnd type="none" w="med" len="med"/>
-                    </a:lnT>
-                    <a:lnB w="9525" cap="flat" cmpd="sng" algn="ctr">
-                      <a:solidFill>
-                        <a:srgbClr val="C7CCBE"/>
-                      </a:solidFill>
-                      <a:prstDash val="solid"/>
-                      <a:round/>
-                      <a:headEnd type="none" w="med" len="med"/>
-                      <a:tailEnd type="none" w="med" len="med"/>
-                    </a:lnB>
-                    <a:solidFill>
-                      <a:srgbClr val="FFFFFF"/>
-                    </a:solidFill>
-                  </a:tcPr>
-                </a:tc>
-                <a:extLst>
-                  <a:ext uri="{0D108BD9-81ED-4DB2-BD59-A6C34878D82A}">
-                    <a16:rowId xmlns:a16="http://schemas.microsoft.com/office/drawing/2014/main" val="1086820320"/>
-                  </a:ext>
-                </a:extLst>
-              </a:tr>
-            </a:tbl>
-          </a:graphicData>
-        </a:graphic>
-      </p:graphicFrame>
-    </p:spTree>
-    <p:extLst>
-      <p:ext uri="{BB962C8B-B14F-4D97-AF65-F5344CB8AC3E}">
-        <p14:creationId xmlns:p14="http://schemas.microsoft.com/office/powerpoint/2010/main" val="202588710"/>
-      </p:ext>
-    </p:extLst>
-  </p:cSld>
-  <p:clrMapOvr>
-    <a:masterClrMapping/>
-  </p:clrMapOvr>
-  <p:timing>
-    <p:tnLst>
-      <p:par>
-        <p:cTn id="1" dur="indefinite" restart="never" nodeType="tmRoot"/>
-      </p:par>
-    </p:tnLst>
-  </p:timing>
-</p:sld>
-</file>
-
-<file path=ppt/slides/slide23.xml><?xml version="1.0" encoding="utf-8"?>
 <p:sld xmlns:a="http://schemas.openxmlformats.org/drawingml/2006/main" xmlns:r="http://schemas.openxmlformats.org/officeDocument/2006/relationships" xmlns:p="http://schemas.openxmlformats.org/presentationml/2006/main">
   <p:cSld>
     <p:spTree>
@@ -10267,7 +8718,9 @@
           </a:xfrm>
         </p:spPr>
         <p:txBody>
-          <a:bodyPr/>
+          <a:bodyPr>
+            <a:normAutofit/>
+          </a:bodyPr>
           <a:lstStyle/>
           <a:p>
             <a:r>
@@ -10622,8 +9075,8 @@
         </p:blipFill>
         <p:spPr>
           <a:xfrm>
-            <a:off x="839788" y="1523999"/>
-            <a:ext cx="7767764" cy="5155231"/>
+            <a:off x="839788" y="1524000"/>
+            <a:ext cx="7572692" cy="5071619"/>
           </a:xfrm>
           <a:prstGeom prst="rect">
             <a:avLst/>
@@ -10680,9 +9133,6 @@
               </a:rPr>
               <a:t>SCM</a:t>
             </a:r>
-            <a:endParaRPr lang="tr-TR" sz="2000" b="1" dirty="0" smtClean="0">
-              <a:sym typeface="Wingdings" panose="05000000000000000000" pitchFamily="2" charset="2"/>
-            </a:endParaRPr>
           </a:p>
         </p:txBody>
       </p:sp>
@@ -10789,11 +9239,7 @@
             </a:pPr>
             <a:r>
               <a:rPr lang="en-US" dirty="0"/>
-              <a:t>p</a:t>
-            </a:r>
-            <a:r>
-              <a:rPr lang="en-US" dirty="0"/>
-              <a:t>ractice that tracks and provides control over changes to </a:t>
+              <a:t>practice that tracks and provides control over changes to </a:t>
             </a:r>
             <a:r>
               <a:rPr lang="en-US" dirty="0">
@@ -10836,8 +9282,48 @@
               <a:buChar char="Ø"/>
             </a:pPr>
             <a:r>
+              <a:rPr lang="tr-TR" dirty="0" err="1" smtClean="0"/>
+              <a:t>Contrubutor</a:t>
+            </a:r>
+            <a:r>
+              <a:rPr lang="tr-TR" dirty="0" smtClean="0"/>
+              <a:t> </a:t>
+            </a:r>
+            <a:r>
+              <a:rPr lang="en-US" dirty="0" smtClean="0"/>
+              <a:t>design</a:t>
+            </a:r>
+            <a:r>
+              <a:rPr lang="tr-TR" dirty="0" smtClean="0"/>
+              <a:t>er</a:t>
+            </a:r>
+            <a:r>
+              <a:rPr lang="en-US" dirty="0" smtClean="0"/>
+              <a:t>, develop</a:t>
+            </a:r>
+            <a:r>
+              <a:rPr lang="tr-TR" dirty="0" err="1" smtClean="0"/>
+              <a:t>er,tester</a:t>
+            </a:r>
+            <a:r>
+              <a:rPr lang="en-US" dirty="0" smtClean="0"/>
+              <a:t> </a:t>
+            </a:r>
+            <a:r>
               <a:rPr lang="en-US" dirty="0"/>
-              <a:t>As teams design, develop and deploy </a:t>
+              <a:t>and </a:t>
+            </a:r>
+            <a:r>
+              <a:rPr lang="en-US" dirty="0" smtClean="0"/>
+              <a:t>deploy</a:t>
+            </a:r>
+            <a:r>
+              <a:rPr lang="tr-TR" dirty="0" smtClean="0"/>
+              <a:t>er</a:t>
+            </a:r>
+            <a:r>
+              <a:rPr lang="en-US" dirty="0" smtClean="0"/>
+              <a:t> </a:t>
             </a:r>
             <a:r>
               <a:rPr lang="en-US" dirty="0" smtClean="0"/>

--- a/Version Control Protocols.pptx
+++ b/Version Control Protocols.pptx
@@ -5973,11 +5973,7 @@
           <a:p>
             <a:r>
               <a:rPr lang="tr-TR" dirty="0" smtClean="0"/>
-              <a:t>Operations </a:t>
-            </a:r>
-            <a:r>
-              <a:rPr lang="tr-TR" dirty="0" smtClean="0"/>
-              <a:t>of </a:t>
+              <a:t>Operations of </a:t>
             </a:r>
             <a:r>
               <a:rPr lang="tr-TR" dirty="0" err="1" smtClean="0"/>
@@ -6880,54 +6876,6 @@
               <a:t> to which your whole team has access, setting up a repository is very easy. </a:t>
             </a:r>
           </a:p>
-          <a:p>
-            <a:pPr marL="0" indent="0" algn="just">
-              <a:buNone/>
-            </a:pPr>
-            <a:endParaRPr lang="tr-TR" dirty="0" smtClean="0"/>
-          </a:p>
-          <a:p>
-            <a:pPr algn="just"/>
-            <a:r>
-              <a:rPr lang="en-US" b="1" dirty="0" smtClean="0">
-                <a:solidFill>
-                  <a:srgbClr val="FF0000"/>
-                </a:solidFill>
-              </a:rPr>
-              <a:t>HTTP</a:t>
-            </a:r>
-            <a:r>
-              <a:rPr lang="tr-TR" dirty="0" smtClean="0">
-                <a:sym typeface="Wingdings" panose="05000000000000000000" pitchFamily="2" charset="2"/>
-              </a:rPr>
-              <a:t> </a:t>
-            </a:r>
-            <a:r>
-              <a:rPr lang="tr-TR" dirty="0" err="1" smtClean="0">
-                <a:sym typeface="Wingdings" panose="05000000000000000000" pitchFamily="2" charset="2"/>
-              </a:rPr>
-              <a:t>Dumb</a:t>
-            </a:r>
-            <a:r>
-              <a:rPr lang="tr-TR" dirty="0" smtClean="0">
-                <a:sym typeface="Wingdings" panose="05000000000000000000" pitchFamily="2" charset="2"/>
-              </a:rPr>
-              <a:t> HTTP </a:t>
-            </a:r>
-            <a:r>
-              <a:rPr lang="tr-TR" dirty="0" smtClean="0"/>
-              <a:t>Smart </a:t>
-            </a:r>
-            <a:r>
-              <a:rPr lang="tr-TR" dirty="0"/>
-              <a:t>HTTP </a:t>
-            </a:r>
-            <a:r>
-              <a:rPr lang="tr-TR" dirty="0" smtClean="0"/>
-              <a:t>,</a:t>
-            </a:r>
-            <a:endParaRPr lang="tr-TR" dirty="0"/>
-          </a:p>
         </p:txBody>
       </p:sp>
     </p:spTree>
@@ -7030,7 +6978,7 @@
         <p:spPr>
           <a:xfrm>
             <a:off x="838200" y="963168"/>
-            <a:ext cx="11268456" cy="6132576"/>
+            <a:ext cx="11268456" cy="5644896"/>
           </a:xfrm>
         </p:spPr>
         <p:txBody>
@@ -7039,11 +6987,44 @@
           </a:bodyPr>
           <a:lstStyle/>
           <a:p>
+            <a:pPr algn="just"/>
+            <a:r>
+              <a:rPr lang="en-US" b="1" dirty="0" smtClean="0">
+                <a:solidFill>
+                  <a:srgbClr val="FF0000"/>
+                </a:solidFill>
+              </a:rPr>
+              <a:t>HTTP</a:t>
+            </a:r>
+            <a:r>
+              <a:rPr lang="tr-TR" dirty="0">
+                <a:sym typeface="Wingdings" panose="05000000000000000000" pitchFamily="2" charset="2"/>
+              </a:rPr>
+              <a:t> </a:t>
+            </a:r>
+            <a:r>
+              <a:rPr lang="tr-TR" dirty="0" err="1">
+                <a:sym typeface="Wingdings" panose="05000000000000000000" pitchFamily="2" charset="2"/>
+              </a:rPr>
+              <a:t>Dumb</a:t>
+            </a:r>
+            <a:r>
+              <a:rPr lang="tr-TR" dirty="0">
+                <a:sym typeface="Wingdings" panose="05000000000000000000" pitchFamily="2" charset="2"/>
+              </a:rPr>
+              <a:t> HTTP </a:t>
+            </a:r>
+            <a:r>
+              <a:rPr lang="tr-TR" dirty="0"/>
+              <a:t>Smart HTTP ,</a:t>
+            </a:r>
+          </a:p>
+          <a:p>
             <a:pPr marL="0" indent="0" algn="just">
               <a:buNone/>
             </a:pPr>
             <a:r>
-              <a:rPr lang="tr-TR" b="1" dirty="0"/>
+              <a:rPr lang="tr-TR" b="1" dirty="0" smtClean="0"/>
               <a:t> </a:t>
             </a:r>
             <a:r>
@@ -7153,13 +7134,6 @@
               <a:rPr lang="tr-TR" dirty="0"/>
               <a:t>	</a:t>
             </a:r>
-            <a:endParaRPr lang="tr-TR" dirty="0" smtClean="0"/>
-          </a:p>
-          <a:p>
-            <a:pPr marL="0" indent="0" algn="just">
-              <a:buNone/>
-            </a:pPr>
-            <a:endParaRPr lang="tr-TR" dirty="0"/>
           </a:p>
           <a:p>
             <a:pPr marL="0" indent="0" algn="just">
@@ -7205,7 +7179,7 @@
         </p:blipFill>
         <p:spPr>
           <a:xfrm>
-            <a:off x="6587321" y="3728466"/>
+            <a:off x="7562681" y="4029456"/>
             <a:ext cx="4409863" cy="2220886"/>
           </a:xfrm>
           <a:prstGeom prst="rect">
@@ -8077,7 +8051,7 @@
         </p:nvSpPr>
         <p:spPr>
           <a:xfrm>
-            <a:off x="280416" y="585216"/>
+            <a:off x="646176" y="585216"/>
             <a:ext cx="11073384" cy="6272784"/>
           </a:xfrm>
         </p:spPr>
@@ -8097,6 +8071,29 @@
             <a:r>
               <a:rPr lang="en-US" sz="1800" dirty="0"/>
               <a:t>It supports atomic commits </a:t>
+            </a:r>
+            <a:endParaRPr lang="tr-TR" sz="1800" dirty="0" smtClean="0"/>
+          </a:p>
+          <a:p>
+            <a:r>
+              <a:rPr lang="tr-TR" sz="1800" dirty="0" err="1" smtClean="0"/>
+              <a:t>Less</a:t>
+            </a:r>
+            <a:r>
+              <a:rPr lang="tr-TR" sz="1800" dirty="0" smtClean="0"/>
+              <a:t> </a:t>
+            </a:r>
+            <a:r>
+              <a:rPr lang="tr-TR" sz="1800" dirty="0" err="1" smtClean="0"/>
+              <a:t>storage</a:t>
+            </a:r>
+            <a:r>
+              <a:rPr lang="tr-TR" sz="1800" dirty="0" smtClean="0"/>
+              <a:t> </a:t>
+            </a:r>
+            <a:r>
+              <a:rPr lang="tr-TR" sz="1800" dirty="0" err="1" smtClean="0"/>
+              <a:t>area</a:t>
             </a:r>
             <a:endParaRPr lang="tr-TR" sz="1800" dirty="0"/>
           </a:p>
@@ -8154,8 +8151,8 @@
         </p:blipFill>
         <p:spPr>
           <a:xfrm>
-            <a:off x="2731008" y="2325515"/>
-            <a:ext cx="5096256" cy="3974004"/>
+            <a:off x="3377184" y="2525165"/>
+            <a:ext cx="4840224" cy="3774353"/>
           </a:xfrm>
           <a:prstGeom prst="rect">
             <a:avLst/>
@@ -9323,11 +9320,7 @@
             </a:r>
             <a:r>
               <a:rPr lang="en-US" dirty="0" smtClean="0"/>
-              <a:t> </a:t>
-            </a:r>
-            <a:r>
-              <a:rPr lang="en-US" dirty="0" smtClean="0"/>
-              <a:t>software</a:t>
+              <a:t> software</a:t>
             </a:r>
             <a:endParaRPr lang="tr-TR" dirty="0" smtClean="0"/>
           </a:p>
